--- a/Workshops/Workshop1.pptx
+++ b/Workshops/Workshop1.pptx
@@ -5,7 +5,7 @@
     <p:sldMasterId id="2147483648" r:id="rId1"/>
   </p:sldMasterIdLst>
   <p:notesMasterIdLst>
-    <p:NotesMasterId r:id="rId54"/>
+    <p:notesMasterId r:id="rId54"/>
   </p:notesMasterIdLst>
   <p:sldIdLst>
     <p:sldId id="256" r:id="rId2"/>
@@ -248,7 +248,7 @@
           <a:p>
             <a:fld id="{0F9C1CCF-B725-44A7-AA57-5E433BD85C9F}" type="datetimeFigureOut">
               <a:rPr lang="en-US" smtClean="0"/>
-              <a:t>4/5/2019</a:t>
+              <a:t>2/25/20</a:t>
             </a:fld>
             <a:endParaRPr lang="en-US"/>
           </a:p>
@@ -312,38 +312,37 @@
           <a:p>
             <a:pPr lvl="0"/>
             <a:r>
-              <a:rPr lang="en-US" smtClean="0"/>
+              <a:rPr lang="en-US"/>
               <a:t>Click to edit Master text styles</a:t>
             </a:r>
           </a:p>
           <a:p>
             <a:pPr lvl="1"/>
             <a:r>
-              <a:rPr lang="en-US" smtClean="0"/>
+              <a:rPr lang="en-US"/>
               <a:t>Second level</a:t>
             </a:r>
           </a:p>
           <a:p>
             <a:pPr lvl="2"/>
             <a:r>
-              <a:rPr lang="en-US" smtClean="0"/>
+              <a:rPr lang="en-US"/>
               <a:t>Third level</a:t>
             </a:r>
           </a:p>
           <a:p>
             <a:pPr lvl="3"/>
             <a:r>
-              <a:rPr lang="en-US" smtClean="0"/>
+              <a:rPr lang="en-US"/>
               <a:t>Fourth level</a:t>
             </a:r>
           </a:p>
           <a:p>
             <a:pPr lvl="4"/>
             <a:r>
-              <a:rPr lang="en-US" smtClean="0"/>
+              <a:rPr lang="en-US"/>
               <a:t>Fifth level</a:t>
             </a:r>
-            <a:endParaRPr lang="en-US"/>
           </a:p>
         </p:txBody>
       </p:sp>
@@ -560,116 +559,11 @@
           <a:bodyPr/>
           <a:lstStyle/>
           <a:p>
-            <a:pPr lvl="0" marL="0" indent="0">
+            <a:pPr marL="0" lvl="0" indent="0">
               <a:buNone/>
             </a:pPr>
             <a:r>
-              <a:rPr/>
-              <a:t>Ask</a:t>
-            </a:r>
-            <a:r>
-              <a:rPr/>
-              <a:t> </a:t>
-            </a:r>
-            <a:r>
-              <a:rPr/>
-              <a:t>learners</a:t>
-            </a:r>
-            <a:r>
-              <a:rPr/>
-              <a:t> </a:t>
-            </a:r>
-            <a:r>
-              <a:rPr/>
-              <a:t>to</a:t>
-            </a:r>
-            <a:r>
-              <a:rPr/>
-              <a:t> </a:t>
-            </a:r>
-            <a:r>
-              <a:rPr/>
-              <a:t>open</a:t>
-            </a:r>
-            <a:r>
-              <a:rPr/>
-              <a:t> </a:t>
-            </a:r>
-            <a:r>
-              <a:rPr/>
-              <a:t>RStudio,</a:t>
-            </a:r>
-            <a:r>
-              <a:rPr/>
-              <a:t> </a:t>
-            </a:r>
-            <a:r>
-              <a:rPr/>
-              <a:t>but</a:t>
-            </a:r>
-            <a:r>
-              <a:rPr/>
-              <a:t> </a:t>
-            </a:r>
-            <a:r>
-              <a:rPr/>
-              <a:t>don’t</a:t>
-            </a:r>
-            <a:r>
-              <a:rPr/>
-              <a:t> </a:t>
-            </a:r>
-            <a:r>
-              <a:rPr/>
-              <a:t>get</a:t>
-            </a:r>
-            <a:r>
-              <a:rPr/>
-              <a:t> </a:t>
-            </a:r>
-            <a:r>
-              <a:rPr/>
-              <a:t>them</a:t>
-            </a:r>
-            <a:r>
-              <a:rPr/>
-              <a:t> </a:t>
-            </a:r>
-            <a:r>
-              <a:rPr/>
-              <a:t>to</a:t>
-            </a:r>
-            <a:r>
-              <a:rPr/>
-              <a:t> </a:t>
-            </a:r>
-            <a:r>
-              <a:rPr/>
-              <a:t>type</a:t>
-            </a:r>
-            <a:r>
-              <a:rPr/>
-              <a:t> </a:t>
-            </a:r>
-            <a:r>
-              <a:rPr/>
-              <a:t>anything</a:t>
-            </a:r>
-            <a:r>
-              <a:rPr/>
-              <a:t> </a:t>
-            </a:r>
-            <a:r>
-              <a:rPr/>
-              <a:t>in</a:t>
-            </a:r>
-            <a:r>
-              <a:rPr/>
-              <a:t> </a:t>
-            </a:r>
-            <a:r>
-              <a:rPr/>
-              <a:t>yet.</a:t>
+              <a:t>Ask learners to open RStudio, but don’t get them to type anything in yet.</a:t>
             </a:r>
           </a:p>
         </p:txBody>
@@ -699,6 +593,9 @@
       </p:sp>
     </p:spTree>
   </p:cSld>
+  <p:clrMapOvr>
+    <a:masterClrMapping/>
+  </p:clrMapOvr>
 </p:notes>
 </file>
 
@@ -746,148 +643,11 @@
           <a:bodyPr/>
           <a:lstStyle/>
           <a:p>
-            <a:pPr lvl="0" marL="0" indent="0">
+            <a:pPr marL="0" lvl="0" indent="0">
               <a:buNone/>
             </a:pPr>
             <a:r>
-              <a:rPr/>
-              <a:t>Get</a:t>
-            </a:r>
-            <a:r>
-              <a:rPr/>
-              <a:t> </a:t>
-            </a:r>
-            <a:r>
-              <a:rPr/>
-              <a:t>them</a:t>
-            </a:r>
-            <a:r>
-              <a:rPr/>
-              <a:t> </a:t>
-            </a:r>
-            <a:r>
-              <a:rPr/>
-              <a:t>to</a:t>
-            </a:r>
-            <a:r>
-              <a:rPr/>
-              <a:t> </a:t>
-            </a:r>
-            <a:r>
-              <a:rPr/>
-              <a:t>load</a:t>
-            </a:r>
-            <a:r>
-              <a:rPr/>
-              <a:t> </a:t>
-            </a:r>
-            <a:r>
-              <a:rPr/>
-              <a:t>tidyverse.</a:t>
-            </a:r>
-            <a:r>
-              <a:rPr/>
-              <a:t> </a:t>
-            </a:r>
-            <a:r>
-              <a:rPr/>
-              <a:t>Emphasise</a:t>
-            </a:r>
-            <a:r>
-              <a:rPr/>
-              <a:t> </a:t>
-            </a:r>
-            <a:r>
-              <a:rPr/>
-              <a:t>that</a:t>
-            </a:r>
-            <a:r>
-              <a:rPr/>
-              <a:t> </a:t>
-            </a:r>
-            <a:r>
-              <a:rPr/>
-              <a:t>this</a:t>
-            </a:r>
-            <a:r>
-              <a:rPr/>
-              <a:t> </a:t>
-            </a:r>
-            <a:r>
-              <a:rPr/>
-              <a:t>is</a:t>
-            </a:r>
-            <a:r>
-              <a:rPr/>
-              <a:t> </a:t>
-            </a:r>
-            <a:r>
-              <a:rPr/>
-              <a:t>a</a:t>
-            </a:r>
-            <a:r>
-              <a:rPr/>
-              <a:t> </a:t>
-            </a:r>
-            <a:r>
-              <a:rPr/>
-              <a:t>process</a:t>
-            </a:r>
-            <a:r>
-              <a:rPr/>
-              <a:t> </a:t>
-            </a:r>
-            <a:r>
-              <a:rPr/>
-              <a:t>we</a:t>
-            </a:r>
-            <a:r>
-              <a:rPr/>
-              <a:t> </a:t>
-            </a:r>
-            <a:r>
-              <a:rPr/>
-              <a:t>will</a:t>
-            </a:r>
-            <a:r>
-              <a:rPr/>
-              <a:t> </a:t>
-            </a:r>
-            <a:r>
-              <a:rPr/>
-              <a:t>keep</a:t>
-            </a:r>
-            <a:r>
-              <a:rPr/>
-              <a:t> </a:t>
-            </a:r>
-            <a:r>
-              <a:rPr/>
-              <a:t>repeating</a:t>
-            </a:r>
-            <a:r>
-              <a:rPr/>
-              <a:t> </a:t>
-            </a:r>
-            <a:r>
-              <a:rPr/>
-              <a:t>throughout</a:t>
-            </a:r>
-            <a:r>
-              <a:rPr/>
-              <a:t> </a:t>
-            </a:r>
-            <a:r>
-              <a:rPr/>
-              <a:t>the</a:t>
-            </a:r>
-            <a:r>
-              <a:rPr/>
-              <a:t> </a:t>
-            </a:r>
-            <a:r>
-              <a:rPr/>
-              <a:t>course.</a:t>
+              <a:t>Get them to load tidyverse. Emphasise that this is a process we will keep repeating throughout the course.</a:t>
             </a:r>
           </a:p>
         </p:txBody>
@@ -917,6 +677,9 @@
       </p:sp>
     </p:spTree>
   </p:cSld>
+  <p:clrMapOvr>
+    <a:masterClrMapping/>
+  </p:clrMapOvr>
 </p:notes>
 </file>
 
@@ -964,100 +727,11 @@
           <a:bodyPr/>
           <a:lstStyle/>
           <a:p>
-            <a:pPr lvl="0" marL="0" indent="0">
+            <a:pPr marL="0" lvl="0" indent="0">
               <a:buNone/>
             </a:pPr>
             <a:r>
-              <a:rPr/>
-              <a:t>Maybe</a:t>
-            </a:r>
-            <a:r>
-              <a:rPr/>
-              <a:t> </a:t>
-            </a:r>
-            <a:r>
-              <a:rPr/>
-              <a:t>mention</a:t>
-            </a:r>
-            <a:r>
-              <a:rPr/>
-              <a:t> </a:t>
-            </a:r>
-            <a:r>
-              <a:rPr/>
-              <a:t>that</a:t>
-            </a:r>
-            <a:r>
-              <a:rPr/>
-              <a:t> </a:t>
-            </a:r>
-            <a:r>
-              <a:rPr/>
-              <a:t>a</a:t>
-            </a:r>
-            <a:r>
-              <a:rPr/>
-              <a:t> </a:t>
-            </a:r>
-            <a:r>
-              <a:rPr/>
-              <a:t>few</a:t>
-            </a:r>
-            <a:r>
-              <a:rPr/>
-              <a:t> </a:t>
-            </a:r>
-            <a:r>
-              <a:rPr/>
-              <a:t>of</a:t>
-            </a:r>
-            <a:r>
-              <a:rPr/>
-              <a:t> </a:t>
-            </a:r>
-            <a:r>
-              <a:rPr/>
-              <a:t>these</a:t>
-            </a:r>
-            <a:r>
-              <a:rPr/>
-              <a:t> </a:t>
-            </a:r>
-            <a:r>
-              <a:rPr/>
-              <a:t>packages</a:t>
-            </a:r>
-            <a:r>
-              <a:rPr/>
-              <a:t> </a:t>
-            </a:r>
-            <a:r>
-              <a:rPr/>
-              <a:t>are</a:t>
-            </a:r>
-            <a:r>
-              <a:rPr/>
-              <a:t> </a:t>
-            </a:r>
-            <a:r>
-              <a:rPr/>
-              <a:t>loaded</a:t>
-            </a:r>
-            <a:r>
-              <a:rPr/>
-              <a:t> </a:t>
-            </a:r>
-            <a:r>
-              <a:rPr/>
-              <a:t>with</a:t>
-            </a:r>
-            <a:r>
-              <a:rPr/>
-              <a:t> </a:t>
-            </a:r>
-            <a:r>
-              <a:rPr/>
-              <a:t>tidyverse.</a:t>
+              <a:t>Maybe mention that a few of these packages are loaded with tidyverse.</a:t>
             </a:r>
           </a:p>
         </p:txBody>
@@ -1087,6 +761,9 @@
       </p:sp>
     </p:spTree>
   </p:cSld>
+  <p:clrMapOvr>
+    <a:masterClrMapping/>
+  </p:clrMapOvr>
 </p:notes>
 </file>
 
@@ -1134,452 +811,59 @@
           <a:bodyPr/>
           <a:lstStyle/>
           <a:p>
-            <a:pPr lvl="0" marL="0" indent="0">
+            <a:pPr marL="0" lvl="0" indent="0">
               <a:buNone/>
             </a:pPr>
             <a:r>
-              <a:rPr/>
-              <a:t>Explain</a:t>
-            </a:r>
-            <a:r>
-              <a:rPr/>
-              <a:t> </a:t>
-            </a:r>
-            <a:r>
-              <a:rPr/>
-              <a:t>each</a:t>
-            </a:r>
-            <a:r>
-              <a:rPr/>
-              <a:t> </a:t>
-            </a:r>
-            <a:r>
-              <a:rPr/>
-              <a:t>window.</a:t>
-            </a:r>
-          </a:p>
-          <a:p>
-            <a:pPr lvl="0" marL="0" indent="0">
+              <a:t>Explain each window.</a:t>
+            </a:r>
+          </a:p>
+          <a:p>
+            <a:pPr marL="0" lvl="0" indent="0">
               <a:buNone/>
             </a:pPr>
-          </a:p>
-          <a:p>
-            <a:pPr lvl="1"/>
-            <a:r>
-              <a:rPr/>
-              <a:t>Console</a:t>
-            </a:r>
-            <a:r>
-              <a:rPr/>
-              <a:t> </a:t>
-            </a:r>
-            <a:r>
-              <a:rPr/>
-              <a:t>-</a:t>
-            </a:r>
-            <a:r>
-              <a:rPr/>
-              <a:t> </a:t>
-            </a:r>
-            <a:r>
-              <a:rPr/>
-              <a:t>this</a:t>
-            </a:r>
-            <a:r>
-              <a:rPr/>
-              <a:t> </a:t>
-            </a:r>
-            <a:r>
-              <a:rPr/>
-              <a:t>is</a:t>
-            </a:r>
-            <a:r>
-              <a:rPr/>
-              <a:t> </a:t>
-            </a:r>
-            <a:r>
-              <a:rPr/>
-              <a:t>where</a:t>
-            </a:r>
-            <a:r>
-              <a:rPr/>
-              <a:t> </a:t>
-            </a:r>
-            <a:r>
-              <a:rPr/>
-              <a:t>R</a:t>
-            </a:r>
-            <a:r>
-              <a:rPr/>
-              <a:t> </a:t>
-            </a:r>
-            <a:r>
-              <a:rPr/>
-              <a:t>is</a:t>
-            </a:r>
-            <a:r>
-              <a:rPr/>
-              <a:t> </a:t>
-            </a:r>
-            <a:r>
-              <a:rPr/>
-              <a:t>run.</a:t>
-            </a:r>
-            <a:r>
-              <a:rPr/>
-              <a:t> </a:t>
-            </a:r>
-            <a:r>
-              <a:rPr/>
-              <a:t>Commands</a:t>
-            </a:r>
-            <a:r>
-              <a:rPr/>
-              <a:t> </a:t>
-            </a:r>
-            <a:r>
-              <a:rPr/>
-              <a:t>executed</a:t>
-            </a:r>
-            <a:r>
-              <a:rPr/>
-              <a:t> </a:t>
-            </a:r>
-            <a:r>
-              <a:rPr/>
-              <a:t>but</a:t>
-            </a:r>
-            <a:r>
-              <a:rPr/>
-              <a:t> </a:t>
-            </a:r>
-            <a:r>
-              <a:rPr/>
-              <a:t>not</a:t>
-            </a:r>
-            <a:r>
-              <a:rPr/>
-              <a:t> </a:t>
-            </a:r>
-            <a:r>
-              <a:rPr/>
-              <a:t>saved.</a:t>
-            </a:r>
-          </a:p>
-          <a:p>
-            <a:pPr lvl="0" marL="0" indent="0">
+            <a:endParaRPr/>
+          </a:p>
+          <a:p>
+            <a:pPr lvl="1"/>
+            <a:r>
+              <a:t>Console - this is where R is run. Commands executed but not saved.</a:t>
+            </a:r>
+          </a:p>
+          <a:p>
+            <a:pPr marL="0" lvl="0" indent="0">
               <a:buNone/>
             </a:pPr>
-          </a:p>
-          <a:p>
-            <a:pPr lvl="1"/>
-            <a:r>
-              <a:rPr/>
-              <a:t>Source</a:t>
-            </a:r>
-            <a:r>
-              <a:rPr/>
-              <a:t> </a:t>
-            </a:r>
-            <a:r>
-              <a:rPr/>
-              <a:t>-</a:t>
-            </a:r>
-            <a:r>
-              <a:rPr/>
-              <a:t> </a:t>
-            </a:r>
-            <a:r>
-              <a:rPr/>
-              <a:t>text</a:t>
-            </a:r>
-            <a:r>
-              <a:rPr/>
-              <a:t> </a:t>
-            </a:r>
-            <a:r>
-              <a:rPr/>
-              <a:t>files</a:t>
-            </a:r>
-            <a:r>
-              <a:rPr/>
-              <a:t> </a:t>
-            </a:r>
-            <a:r>
-              <a:rPr/>
-              <a:t>that</a:t>
-            </a:r>
-            <a:r>
-              <a:rPr/>
-              <a:t> </a:t>
-            </a:r>
-            <a:r>
-              <a:rPr/>
-              <a:t>contain</a:t>
-            </a:r>
-            <a:r>
-              <a:rPr/>
-              <a:t> </a:t>
-            </a:r>
-            <a:r>
-              <a:rPr/>
-              <a:t>commands.</a:t>
-            </a:r>
-          </a:p>
-          <a:p>
-            <a:pPr lvl="0" marL="0" indent="0">
+            <a:endParaRPr/>
+          </a:p>
+          <a:p>
+            <a:pPr lvl="1"/>
+            <a:r>
+              <a:t>Source - text files that contain commands.</a:t>
+            </a:r>
+          </a:p>
+          <a:p>
+            <a:pPr marL="0" lvl="0" indent="0">
               <a:buNone/>
             </a:pPr>
-          </a:p>
-          <a:p>
-            <a:pPr lvl="1"/>
-            <a:r>
-              <a:rPr/>
-              <a:t>Environment</a:t>
-            </a:r>
-            <a:r>
-              <a:rPr/>
-              <a:t> </a:t>
-            </a:r>
-            <a:r>
-              <a:rPr/>
-              <a:t>-</a:t>
-            </a:r>
-            <a:r>
-              <a:rPr/>
-              <a:t> </a:t>
-            </a:r>
-            <a:r>
-              <a:rPr/>
-              <a:t>tells</a:t>
-            </a:r>
-            <a:r>
-              <a:rPr/>
-              <a:t> </a:t>
-            </a:r>
-            <a:r>
-              <a:rPr/>
-              <a:t>you</a:t>
-            </a:r>
-            <a:r>
-              <a:rPr/>
-              <a:t> </a:t>
-            </a:r>
-            <a:r>
-              <a:rPr/>
-              <a:t>which</a:t>
-            </a:r>
-            <a:r>
-              <a:rPr/>
-              <a:t> </a:t>
-            </a:r>
-            <a:r>
-              <a:rPr/>
-              <a:t>R</a:t>
-            </a:r>
-            <a:r>
-              <a:rPr/>
-              <a:t> </a:t>
-            </a:r>
-            <a:r>
-              <a:rPr/>
-              <a:t>objects</a:t>
-            </a:r>
-            <a:r>
-              <a:rPr/>
-              <a:t> </a:t>
-            </a:r>
-            <a:r>
-              <a:rPr/>
-              <a:t>you</a:t>
-            </a:r>
-            <a:r>
-              <a:rPr/>
-              <a:t> </a:t>
-            </a:r>
-            <a:r>
-              <a:rPr/>
-              <a:t>are</a:t>
-            </a:r>
-            <a:r>
-              <a:rPr/>
-              <a:t> </a:t>
-            </a:r>
-            <a:r>
-              <a:rPr/>
-              <a:t>working</a:t>
-            </a:r>
-            <a:r>
-              <a:rPr/>
-              <a:t> </a:t>
-            </a:r>
-            <a:r>
-              <a:rPr/>
-              <a:t>with.</a:t>
-            </a:r>
-          </a:p>
-          <a:p>
-            <a:pPr lvl="0" marL="0" indent="0">
+            <a:endParaRPr/>
+          </a:p>
+          <a:p>
+            <a:pPr lvl="1"/>
+            <a:r>
+              <a:t>Environment - tells you which R objects you are working with.</a:t>
+            </a:r>
+          </a:p>
+          <a:p>
+            <a:pPr marL="0" lvl="0" indent="0">
               <a:buNone/>
             </a:pPr>
-          </a:p>
-          <a:p>
-            <a:pPr lvl="1"/>
-            <a:r>
-              <a:rPr/>
-              <a:t>Files</a:t>
-            </a:r>
-            <a:r>
-              <a:rPr/>
-              <a:t> </a:t>
-            </a:r>
-            <a:r>
-              <a:rPr/>
-              <a:t>-</a:t>
-            </a:r>
-            <a:r>
-              <a:rPr/>
-              <a:t> </a:t>
-            </a:r>
-            <a:r>
-              <a:rPr/>
-              <a:t>actually</a:t>
-            </a:r>
-            <a:r>
-              <a:rPr/>
-              <a:t> </a:t>
-            </a:r>
-            <a:r>
-              <a:rPr/>
-              <a:t>a</a:t>
-            </a:r>
-            <a:r>
-              <a:rPr/>
-              <a:t> </a:t>
-            </a:r>
-            <a:r>
-              <a:rPr/>
-              <a:t>helper</a:t>
-            </a:r>
-            <a:r>
-              <a:rPr/>
-              <a:t> </a:t>
-            </a:r>
-            <a:r>
-              <a:rPr/>
-              <a:t>window.</a:t>
-            </a:r>
-            <a:r>
-              <a:rPr/>
-              <a:t> </a:t>
-            </a:r>
-            <a:r>
-              <a:rPr/>
-              <a:t>Gives</a:t>
-            </a:r>
-            <a:r>
-              <a:rPr/>
-              <a:t> </a:t>
-            </a:r>
-            <a:r>
-              <a:rPr/>
-              <a:t>you</a:t>
-            </a:r>
-            <a:r>
-              <a:rPr/>
-              <a:t> </a:t>
-            </a:r>
-            <a:r>
-              <a:rPr/>
-              <a:t>files,</a:t>
-            </a:r>
-            <a:r>
-              <a:rPr/>
-              <a:t> </a:t>
-            </a:r>
-            <a:r>
-              <a:rPr/>
-              <a:t>help,</a:t>
-            </a:r>
-            <a:r>
-              <a:rPr/>
-              <a:t> </a:t>
-            </a:r>
-            <a:r>
-              <a:rPr/>
-              <a:t>plots.</a:t>
-            </a:r>
-            <a:r>
-              <a:rPr/>
-              <a:t> </a:t>
-            </a:r>
-            <a:r>
-              <a:rPr/>
-              <a:t>Warn</a:t>
-            </a:r>
-            <a:r>
-              <a:rPr/>
-              <a:t> </a:t>
-            </a:r>
-            <a:r>
-              <a:rPr/>
-              <a:t>people</a:t>
-            </a:r>
-            <a:r>
-              <a:rPr/>
-              <a:t> </a:t>
-            </a:r>
-            <a:r>
-              <a:rPr/>
-              <a:t>not</a:t>
-            </a:r>
-            <a:r>
-              <a:rPr/>
-              <a:t> </a:t>
-            </a:r>
-            <a:r>
-              <a:rPr/>
-              <a:t>to</a:t>
-            </a:r>
-            <a:r>
-              <a:rPr/>
-              <a:t> </a:t>
-            </a:r>
-            <a:r>
-              <a:rPr/>
-              <a:t>delete</a:t>
-            </a:r>
-            <a:r>
-              <a:rPr/>
-              <a:t> </a:t>
-            </a:r>
-            <a:r>
-              <a:rPr/>
-              <a:t>files</a:t>
-            </a:r>
-            <a:r>
-              <a:rPr/>
-              <a:t> </a:t>
-            </a:r>
-            <a:r>
-              <a:rPr/>
-              <a:t>from</a:t>
-            </a:r>
-            <a:r>
-              <a:rPr/>
-              <a:t> </a:t>
-            </a:r>
-            <a:r>
-              <a:rPr/>
-              <a:t>their</a:t>
-            </a:r>
-            <a:r>
-              <a:rPr/>
-              <a:t> </a:t>
-            </a:r>
-            <a:r>
-              <a:rPr/>
-              <a:t>computer.</a:t>
+            <a:endParaRPr/>
+          </a:p>
+          <a:p>
+            <a:pPr lvl="1"/>
+            <a:r>
+              <a:t>Files - actually a helper window. Gives you files, help, plots. Warn people not to delete files from their computer.</a:t>
             </a:r>
           </a:p>
         </p:txBody>
@@ -1609,6 +893,9 @@
       </p:sp>
     </p:spTree>
   </p:cSld>
+  <p:clrMapOvr>
+    <a:masterClrMapping/>
+  </p:clrMapOvr>
 </p:notes>
 </file>
 
@@ -1656,44 +943,11 @@
           <a:bodyPr/>
           <a:lstStyle/>
           <a:p>
-            <a:pPr lvl="0" marL="0" indent="0">
+            <a:pPr marL="0" lvl="0" indent="0">
               <a:buNone/>
             </a:pPr>
             <a:r>
-              <a:rPr/>
-              <a:t>Explain</a:t>
-            </a:r>
-            <a:r>
-              <a:rPr/>
-              <a:t> </a:t>
-            </a:r>
-            <a:r>
-              <a:rPr/>
-              <a:t>what</a:t>
-            </a:r>
-            <a:r>
-              <a:rPr/>
-              <a:t> </a:t>
-            </a:r>
-            <a:r>
-              <a:rPr/>
-              <a:t>each</a:t>
-            </a:r>
-            <a:r>
-              <a:rPr/>
-              <a:t> </a:t>
-            </a:r>
-            <a:r>
-              <a:rPr/>
-              <a:t>button</a:t>
-            </a:r>
-            <a:r>
-              <a:rPr/>
-              <a:t> </a:t>
-            </a:r>
-            <a:r>
-              <a:rPr/>
-              <a:t>does.</a:t>
+              <a:t>Explain what each button does.</a:t>
             </a:r>
           </a:p>
         </p:txBody>
@@ -1723,6 +977,9 @@
       </p:sp>
     </p:spTree>
   </p:cSld>
+  <p:clrMapOvr>
+    <a:masterClrMapping/>
+  </p:clrMapOvr>
 </p:notes>
 </file>
 
@@ -1770,252 +1027,11 @@
           <a:bodyPr/>
           <a:lstStyle/>
           <a:p>
-            <a:pPr lvl="0" marL="0" indent="0">
+            <a:pPr marL="0" lvl="0" indent="0">
               <a:buNone/>
             </a:pPr>
             <a:r>
-              <a:rPr/>
-              <a:t>Say</a:t>
-            </a:r>
-            <a:r>
-              <a:rPr/>
-              <a:t> </a:t>
-            </a:r>
-            <a:r>
-              <a:rPr/>
-              <a:t>that</a:t>
-            </a:r>
-            <a:r>
-              <a:rPr/>
-              <a:t> </a:t>
-            </a:r>
-            <a:r>
-              <a:rPr/>
-              <a:t>the</a:t>
-            </a:r>
-            <a:r>
-              <a:rPr/>
-              <a:t> </a:t>
-            </a:r>
-            <a:r>
-              <a:rPr/>
-              <a:t>##</a:t>
-            </a:r>
-            <a:r>
-              <a:rPr/>
-              <a:t> </a:t>
-            </a:r>
-            <a:r>
-              <a:rPr/>
-              <a:t>sign</a:t>
-            </a:r>
-            <a:r>
-              <a:rPr/>
-              <a:t> </a:t>
-            </a:r>
-            <a:r>
-              <a:rPr/>
-              <a:t>is</a:t>
-            </a:r>
-            <a:r>
-              <a:rPr/>
-              <a:t> </a:t>
-            </a:r>
-            <a:r>
-              <a:rPr/>
-              <a:t>just</a:t>
-            </a:r>
-            <a:r>
-              <a:rPr/>
-              <a:t> </a:t>
-            </a:r>
-            <a:r>
-              <a:rPr/>
-              <a:t>printed</a:t>
-            </a:r>
-            <a:r>
-              <a:rPr/>
-              <a:t> </a:t>
-            </a:r>
-            <a:r>
-              <a:rPr/>
-              <a:t>on</a:t>
-            </a:r>
-            <a:r>
-              <a:rPr/>
-              <a:t> </a:t>
-            </a:r>
-            <a:r>
-              <a:rPr/>
-              <a:t>the</a:t>
-            </a:r>
-            <a:r>
-              <a:rPr/>
-              <a:t> </a:t>
-            </a:r>
-            <a:r>
-              <a:rPr/>
-              <a:t>slide</a:t>
-            </a:r>
-            <a:r>
-              <a:rPr/>
-              <a:t> </a:t>
-            </a:r>
-            <a:r>
-              <a:rPr/>
-              <a:t>as</a:t>
-            </a:r>
-            <a:r>
-              <a:rPr/>
-              <a:t> </a:t>
-            </a:r>
-            <a:r>
-              <a:rPr/>
-              <a:t>an</a:t>
-            </a:r>
-            <a:r>
-              <a:rPr/>
-              <a:t> </a:t>
-            </a:r>
-            <a:r>
-              <a:rPr/>
-              <a:t>indicator</a:t>
-            </a:r>
-            <a:r>
-              <a:rPr/>
-              <a:t> </a:t>
-            </a:r>
-            <a:r>
-              <a:rPr/>
-              <a:t>that</a:t>
-            </a:r>
-            <a:r>
-              <a:rPr/>
-              <a:t> </a:t>
-            </a:r>
-            <a:r>
-              <a:rPr/>
-              <a:t>we</a:t>
-            </a:r>
-            <a:r>
-              <a:rPr/>
-              <a:t> </a:t>
-            </a:r>
-            <a:r>
-              <a:rPr/>
-              <a:t>are</a:t>
-            </a:r>
-            <a:r>
-              <a:rPr/>
-              <a:t> </a:t>
-            </a:r>
-            <a:r>
-              <a:rPr/>
-              <a:t>seeing</a:t>
-            </a:r>
-            <a:r>
-              <a:rPr/>
-              <a:t> </a:t>
-            </a:r>
-            <a:r>
-              <a:rPr/>
-              <a:t>output</a:t>
-            </a:r>
-            <a:r>
-              <a:rPr/>
-              <a:t> </a:t>
-            </a:r>
-            <a:r>
-              <a:rPr/>
-              <a:t>rather</a:t>
-            </a:r>
-            <a:r>
-              <a:rPr/>
-              <a:t> </a:t>
-            </a:r>
-            <a:r>
-              <a:rPr/>
-              <a:t>than</a:t>
-            </a:r>
-            <a:r>
-              <a:rPr/>
-              <a:t> </a:t>
-            </a:r>
-            <a:r>
-              <a:rPr/>
-              <a:t>code</a:t>
-            </a:r>
-            <a:r>
-              <a:rPr/>
-              <a:t> </a:t>
-            </a:r>
-            <a:r>
-              <a:rPr/>
-              <a:t>entered.</a:t>
-            </a:r>
-            <a:r>
-              <a:rPr/>
-              <a:t> </a:t>
-            </a:r>
-            <a:r>
-              <a:rPr/>
-              <a:t>They</a:t>
-            </a:r>
-            <a:r>
-              <a:rPr/>
-              <a:t> </a:t>
-            </a:r>
-            <a:r>
-              <a:rPr/>
-              <a:t>shouldn’t</a:t>
-            </a:r>
-            <a:r>
-              <a:rPr/>
-              <a:t> </a:t>
-            </a:r>
-            <a:r>
-              <a:rPr/>
-              <a:t>see</a:t>
-            </a:r>
-            <a:r>
-              <a:rPr/>
-              <a:t> </a:t>
-            </a:r>
-            <a:r>
-              <a:rPr/>
-              <a:t>the</a:t>
-            </a:r>
-            <a:r>
-              <a:rPr/>
-              <a:t> </a:t>
-            </a:r>
-            <a:r>
-              <a:rPr/>
-              <a:t>symbol</a:t>
-            </a:r>
-            <a:r>
-              <a:rPr/>
-              <a:t> </a:t>
-            </a:r>
-            <a:r>
-              <a:rPr/>
-              <a:t>on</a:t>
-            </a:r>
-            <a:r>
-              <a:rPr/>
-              <a:t> </a:t>
-            </a:r>
-            <a:r>
-              <a:rPr/>
-              <a:t>their</a:t>
-            </a:r>
-            <a:r>
-              <a:rPr/>
-              <a:t> </a:t>
-            </a:r>
-            <a:r>
-              <a:rPr/>
-              <a:t>consoles.</a:t>
+              <a:t>Say that the ## sign is just printed on the slide as an indicator that we are seeing output rather than code entered. They shouldn’t see the symbol on their consoles.</a:t>
             </a:r>
           </a:p>
         </p:txBody>
@@ -2045,6 +1061,9 @@
       </p:sp>
     </p:spTree>
   </p:cSld>
+  <p:clrMapOvr>
+    <a:masterClrMapping/>
+  </p:clrMapOvr>
 </p:notes>
 </file>
 
@@ -2092,551 +1111,76 @@
           <a:bodyPr/>
           <a:lstStyle/>
           <a:p>
-            <a:pPr lvl="0" marL="0" indent="0">
+            <a:pPr marL="0" lvl="0" indent="0">
               <a:buNone/>
             </a:pPr>
             <a:r>
-              <a:rPr/>
-              <a:t>Get</a:t>
-            </a:r>
-            <a:r>
-              <a:rPr/>
-              <a:t> </a:t>
-            </a:r>
-            <a:r>
-              <a:rPr/>
-              <a:t>them</a:t>
-            </a:r>
-            <a:r>
-              <a:rPr/>
-              <a:t> </a:t>
-            </a:r>
-            <a:r>
-              <a:rPr/>
-              <a:t>to</a:t>
-            </a:r>
-            <a:r>
-              <a:rPr/>
-              <a:t> </a:t>
-            </a:r>
-            <a:r>
-              <a:rPr/>
-              <a:t>do</a:t>
-            </a:r>
-            <a:r>
-              <a:rPr/>
-              <a:t> </a:t>
-            </a:r>
-            <a:r>
-              <a:rPr/>
-              <a:t>this.</a:t>
-            </a:r>
-            <a:r>
-              <a:rPr/>
-              <a:t> </a:t>
-            </a:r>
-            <a:r>
-              <a:rPr/>
-              <a:t>?Use</a:t>
-            </a:r>
-            <a:r>
-              <a:rPr/>
-              <a:t> </a:t>
-            </a:r>
-            <a:r>
-              <a:rPr/>
-              <a:t>this</a:t>
-            </a:r>
-            <a:r>
-              <a:rPr/>
-              <a:t> </a:t>
-            </a:r>
-            <a:r>
-              <a:rPr/>
-              <a:t>to</a:t>
-            </a:r>
-            <a:r>
-              <a:rPr/>
-              <a:t> </a:t>
-            </a:r>
-            <a:r>
-              <a:rPr/>
-              <a:t>introduce</a:t>
-            </a:r>
-            <a:r>
-              <a:rPr/>
-              <a:t> </a:t>
-            </a:r>
-            <a:r>
-              <a:rPr/>
-              <a:t>the</a:t>
-            </a:r>
-            <a:r>
-              <a:rPr/>
-              <a:t> </a:t>
-            </a:r>
-            <a:r>
-              <a:rPr/>
+              <a:rPr dirty="0"/>
+              <a:t>Get them to do this. ?Use this to introduce the </a:t>
+            </a:r>
+            <a:r>
+              <a:rPr dirty="0" err="1"/>
               <a:t>labbook</a:t>
             </a:r>
             <a:r>
-              <a:rPr/>
-              <a:t> </a:t>
-            </a:r>
-            <a:r>
-              <a:rPr/>
-              <a:t>idea?</a:t>
-            </a:r>
-            <a:r>
-              <a:rPr/>
-              <a:t> </a:t>
-            </a:r>
-            <a:r>
-              <a:rPr/>
-              <a:t>Every</a:t>
-            </a:r>
-            <a:r>
-              <a:rPr/>
-              <a:t> </a:t>
-            </a:r>
-            <a:r>
-              <a:rPr/>
-              <a:t>scientist</a:t>
-            </a:r>
-            <a:r>
-              <a:rPr/>
-              <a:t> </a:t>
-            </a:r>
-            <a:r>
-              <a:rPr/>
-              <a:t>is</a:t>
-            </a:r>
-            <a:r>
-              <a:rPr/>
-              <a:t> </a:t>
-            </a:r>
-            <a:r>
-              <a:rPr/>
-              <a:t>expected</a:t>
-            </a:r>
-            <a:r>
-              <a:rPr/>
-              <a:t> </a:t>
-            </a:r>
-            <a:r>
-              <a:rPr/>
-              <a:t>to</a:t>
-            </a:r>
-            <a:r>
-              <a:rPr/>
-              <a:t> </a:t>
-            </a:r>
-            <a:r>
-              <a:rPr/>
-              <a:t>maintain</a:t>
-            </a:r>
-            <a:r>
-              <a:rPr/>
-              <a:t> </a:t>
-            </a:r>
-            <a:r>
-              <a:rPr/>
-              <a:t>a</a:t>
-            </a:r>
-            <a:r>
-              <a:rPr/>
-              <a:t> </a:t>
-            </a:r>
-            <a:r>
-              <a:rPr/>
+              <a:rPr dirty="0"/>
+              <a:t> idea? Every scientist is expected to maintain a </a:t>
+            </a:r>
+            <a:r>
+              <a:rPr dirty="0" err="1"/>
               <a:t>labbook</a:t>
             </a:r>
             <a:r>
-              <a:rPr/>
-              <a:t> </a:t>
-            </a:r>
-            <a:r>
-              <a:rPr/>
-              <a:t>and</a:t>
-            </a:r>
-            <a:r>
-              <a:rPr/>
-              <a:t> </a:t>
-            </a:r>
-            <a:r>
-              <a:rPr/>
-              <a:t>this</a:t>
-            </a:r>
-            <a:r>
-              <a:rPr/>
-              <a:t> </a:t>
-            </a:r>
-            <a:r>
-              <a:rPr/>
-              <a:t>should</a:t>
-            </a:r>
-            <a:r>
-              <a:rPr/>
-              <a:t> </a:t>
-            </a:r>
-            <a:r>
-              <a:rPr/>
-              <a:t>be</a:t>
-            </a:r>
-            <a:r>
-              <a:rPr/>
-              <a:t> </a:t>
-            </a:r>
-            <a:r>
-              <a:rPr/>
-              <a:t>no</a:t>
-            </a:r>
-            <a:r>
-              <a:rPr/>
-              <a:t> </a:t>
-            </a:r>
-            <a:r>
-              <a:rPr/>
-              <a:t>different</a:t>
-            </a:r>
-            <a:r>
-              <a:rPr/>
-              <a:t> </a:t>
-            </a:r>
-            <a:r>
-              <a:rPr/>
-              <a:t>for</a:t>
-            </a:r>
-            <a:r>
-              <a:rPr/>
-              <a:t> </a:t>
-            </a:r>
-            <a:r>
-              <a:rPr/>
-              <a:t>a</a:t>
-            </a:r>
-            <a:r>
-              <a:rPr/>
-              <a:t> </a:t>
-            </a:r>
-            <a:r>
-              <a:rPr/>
-              <a:t>data</a:t>
-            </a:r>
-            <a:r>
-              <a:rPr/>
-              <a:t> </a:t>
-            </a:r>
-            <a:r>
-              <a:rPr/>
-              <a:t>scientist;</a:t>
-            </a:r>
-            <a:r>
-              <a:rPr/>
-              <a:t> </a:t>
-            </a:r>
-            <a:r>
-              <a:rPr/>
-              <a:t>so</a:t>
-            </a:r>
-            <a:r>
-              <a:rPr/>
-              <a:t> </a:t>
-            </a:r>
-            <a:r>
-              <a:rPr/>
-              <a:t>each</a:t>
-            </a:r>
-            <a:r>
-              <a:rPr/>
-              <a:t> </a:t>
-            </a:r>
-            <a:r>
-              <a:rPr/>
-              <a:t>time</a:t>
-            </a:r>
-            <a:r>
-              <a:rPr/>
-              <a:t> </a:t>
-            </a:r>
-            <a:r>
-              <a:rPr/>
-              <a:t>you</a:t>
-            </a:r>
-            <a:r>
-              <a:rPr/>
-              <a:t> </a:t>
-            </a:r>
-            <a:r>
-              <a:rPr/>
-              <a:t>sit</a:t>
-            </a:r>
-            <a:r>
-              <a:rPr/>
-              <a:t> </a:t>
-            </a:r>
-            <a:r>
-              <a:rPr/>
-              <a:t>down</a:t>
-            </a:r>
-            <a:r>
-              <a:rPr/>
-              <a:t> </a:t>
-            </a:r>
-            <a:r>
-              <a:rPr/>
-              <a:t>to</a:t>
-            </a:r>
-            <a:r>
-              <a:rPr/>
-              <a:t> </a:t>
-            </a:r>
-            <a:r>
-              <a:rPr/>
-              <a:t>work</a:t>
-            </a:r>
-            <a:r>
-              <a:rPr/>
-              <a:t> </a:t>
-            </a:r>
-            <a:r>
-              <a:rPr/>
-              <a:t>create</a:t>
-            </a:r>
-            <a:r>
-              <a:rPr/>
-              <a:t> </a:t>
-            </a:r>
-            <a:r>
-              <a:rPr/>
-              <a:t>a</a:t>
-            </a:r>
-            <a:r>
-              <a:rPr/>
-              <a:t> </a:t>
-            </a:r>
-            <a:r>
-              <a:rPr/>
-              <a:t>new</a:t>
-            </a:r>
-            <a:r>
-              <a:rPr/>
-              <a:t> </a:t>
-            </a:r>
-            <a:r>
-              <a:rPr/>
-              <a:t>file;</a:t>
-            </a:r>
-            <a:r>
-              <a:rPr/>
-              <a:t> </a:t>
-            </a:r>
-            <a:r>
-              <a:rPr/>
-              <a:t>I</a:t>
-            </a:r>
-            <a:r>
-              <a:rPr/>
-              <a:t> </a:t>
-            </a:r>
-            <a:r>
-              <a:rPr/>
-              <a:t>do</a:t>
-            </a:r>
-            <a:r>
-              <a:rPr/>
-              <a:t> </a:t>
-            </a:r>
-            <a:r>
-              <a:rPr/>
-              <a:t>this</a:t>
-            </a:r>
-            <a:r>
-              <a:rPr/>
-              <a:t> </a:t>
-            </a:r>
-            <a:r>
-              <a:rPr/>
-              <a:t>by</a:t>
-            </a:r>
-            <a:r>
-              <a:rPr/>
-              <a:t> </a:t>
-            </a:r>
-            <a:r>
-              <a:rPr/>
-              <a:t>creating</a:t>
-            </a:r>
-            <a:r>
-              <a:rPr/>
-              <a:t> </a:t>
-            </a:r>
-            <a:r>
-              <a:rPr/>
-              <a:t>a</a:t>
-            </a:r>
-            <a:r>
-              <a:rPr/>
-              <a:t> </a:t>
-            </a:r>
-            <a:r>
-              <a:rPr/>
-              <a:t>directory</a:t>
-            </a:r>
-            <a:r>
-              <a:rPr/>
-              <a:t> </a:t>
-            </a:r>
-            <a:r>
-              <a:rPr/>
-              <a:t>in</a:t>
-            </a:r>
-            <a:r>
-              <a:rPr/>
-              <a:t> </a:t>
-            </a:r>
-            <a:r>
-              <a:rPr/>
-              <a:t>each</a:t>
-            </a:r>
-            <a:r>
-              <a:rPr/>
-              <a:t> </a:t>
-            </a:r>
-            <a:r>
-              <a:rPr/>
-              <a:t>project</a:t>
-            </a:r>
-            <a:r>
-              <a:rPr/>
-              <a:t> </a:t>
-            </a:r>
-            <a:r>
-              <a:rPr/>
-              <a:t>called</a:t>
-            </a:r>
-            <a:r>
-              <a:rPr/>
-              <a:t> </a:t>
-            </a:r>
-            <a:r>
-              <a:rPr/>
+              <a:rPr dirty="0"/>
+              <a:t> and this should be no different for a data scientist; so each time you sit down to work create a new file; I do this by creating a directory in each project called </a:t>
+            </a:r>
+            <a:r>
+              <a:rPr dirty="0" err="1"/>
               <a:t>labbooks</a:t>
             </a:r>
             <a:r>
-              <a:rPr/>
-              <a:t> </a:t>
-            </a:r>
-            <a:r>
-              <a:rPr/>
-              <a:t>and</a:t>
-            </a:r>
-            <a:r>
-              <a:rPr/>
-              <a:t> </a:t>
-            </a:r>
-            <a:r>
-              <a:rPr/>
-              <a:t>then</a:t>
-            </a:r>
-            <a:r>
-              <a:rPr/>
-              <a:t> </a:t>
-            </a:r>
-            <a:r>
-              <a:rPr/>
-              <a:t>files</a:t>
-            </a:r>
-            <a:r>
-              <a:rPr/>
-              <a:t> </a:t>
-            </a:r>
-            <a:r>
-              <a:rPr/>
-              <a:t>named</a:t>
-            </a:r>
-            <a:r>
-              <a:rPr/>
-              <a:t> </a:t>
-            </a:r>
-            <a:r>
-              <a:rPr/>
-              <a:t>according</a:t>
-            </a:r>
-            <a:r>
-              <a:rPr/>
-              <a:t> </a:t>
-            </a:r>
-            <a:r>
-              <a:rPr/>
-              <a:t>as</a:t>
-            </a:r>
-            <a:r>
-              <a:rPr/>
-              <a:t> </a:t>
-            </a:r>
-            <a:r>
-              <a:rPr sz="1800">
+              <a:rPr dirty="0"/>
+              <a:t> and then files named according as </a:t>
+            </a:r>
+            <a:r>
+              <a:rPr sz="1800" dirty="0">
                 <a:latin typeface="Courier"/>
               </a:rPr>
               <a:t>CCYY-MM-DD.R</a:t>
             </a:r>
             <a:r>
-              <a:rPr/>
-              <a:t> </a:t>
-            </a:r>
-            <a:r>
-              <a:rPr/>
-              <a:t>See</a:t>
-            </a:r>
-            <a:r>
-              <a:rPr/>
-              <a:t> </a:t>
-            </a:r>
-            <a:r>
-              <a:rPr/>
-              <a:t>-</a:t>
-            </a:r>
-            <a:r>
-              <a:rPr/>
-              <a:t> </a:t>
-            </a:r>
-            <a:r>
-              <a:rPr/>
-              <a:t>https://www.training.nih.gov/assets/Lab_Notebook_508_(new).pdf</a:t>
-            </a:r>
-            <a:r>
-              <a:rPr/>
-              <a:t> </a:t>
-            </a:r>
-            <a:r>
-              <a:rPr/>
-              <a:t>-</a:t>
-            </a:r>
-            <a:r>
-              <a:rPr/>
-              <a:t> </a:t>
-            </a:r>
-            <a:r>
-              <a:rPr/>
-              <a:t>http://www3.imperial.ac.uk/pls/portallive/docs/1/7289716.PDF</a:t>
-            </a:r>
-            <a:r>
-              <a:rPr/>
-              <a:t> </a:t>
-            </a:r>
-            <a:r>
-              <a:rPr/>
-              <a:t>-</a:t>
-            </a:r>
-            <a:r>
-              <a:rPr/>
-              <a:t> </a:t>
-            </a:r>
-            <a:r>
-              <a:rPr/>
-              <a:t>https://en.wikipedia.org/wiki/Lab_notebook</a:t>
-            </a:r>
+              <a:rPr dirty="0"/>
+              <a:t> See - https://</a:t>
+            </a:r>
+            <a:r>
+              <a:rPr dirty="0" err="1"/>
+              <a:t>www.training.nih.gov</a:t>
+            </a:r>
+            <a:r>
+              <a:rPr dirty="0"/>
+              <a:t>/assets/Lab_Notebook_508_(new).pdf - http://www3.imperial.ac.uk/pls/</a:t>
+            </a:r>
+            <a:r>
+              <a:rPr dirty="0" err="1"/>
+              <a:t>portallive</a:t>
+            </a:r>
+            <a:r>
+              <a:rPr dirty="0"/>
+              <a:t>/docs/1/7289716.PDF - https://</a:t>
+            </a:r>
+            <a:r>
+              <a:rPr dirty="0" err="1"/>
+              <a:t>en.wikipedia.org</a:t>
+            </a:r>
+            <a:r>
+              <a:rPr dirty="0"/>
+              <a:t>/wiki/</a:t>
+            </a:r>
+            <a:r>
+              <a:rPr dirty="0" err="1"/>
+              <a:t>Lab_notebook</a:t>
+            </a:r>
+            <a:endParaRPr dirty="0"/>
           </a:p>
         </p:txBody>
       </p:sp>
@@ -2665,6 +1209,9 @@
       </p:sp>
     </p:spTree>
   </p:cSld>
+  <p:clrMapOvr>
+    <a:masterClrMapping/>
+  </p:clrMapOvr>
 </p:notes>
 </file>
 
@@ -2712,44 +1259,11 @@
           <a:bodyPr/>
           <a:lstStyle/>
           <a:p>
-            <a:pPr lvl="0" marL="0" indent="0">
+            <a:pPr marL="0" lvl="0" indent="0">
               <a:buNone/>
             </a:pPr>
             <a:r>
-              <a:rPr/>
-              <a:t>Get</a:t>
-            </a:r>
-            <a:r>
-              <a:rPr/>
-              <a:t> </a:t>
-            </a:r>
-            <a:r>
-              <a:rPr/>
-              <a:t>them</a:t>
-            </a:r>
-            <a:r>
-              <a:rPr/>
-              <a:t> </a:t>
-            </a:r>
-            <a:r>
-              <a:rPr/>
-              <a:t>to</a:t>
-            </a:r>
-            <a:r>
-              <a:rPr/>
-              <a:t> </a:t>
-            </a:r>
-            <a:r>
-              <a:rPr/>
-              <a:t>do</a:t>
-            </a:r>
-            <a:r>
-              <a:rPr/>
-              <a:t> </a:t>
-            </a:r>
-            <a:r>
-              <a:rPr/>
-              <a:t>this.</a:t>
+              <a:t>Get them to do this.</a:t>
             </a:r>
           </a:p>
         </p:txBody>
@@ -2779,6 +1293,9 @@
       </p:sp>
     </p:spTree>
   </p:cSld>
+  <p:clrMapOvr>
+    <a:masterClrMapping/>
+  </p:clrMapOvr>
 </p:notes>
 </file>
 
@@ -2826,84 +1343,11 @@
           <a:bodyPr/>
           <a:lstStyle/>
           <a:p>
-            <a:pPr lvl="0" marL="0" indent="0">
+            <a:pPr marL="0" lvl="0" indent="0">
               <a:buNone/>
             </a:pPr>
             <a:r>
-              <a:rPr/>
-              <a:t>Get</a:t>
-            </a:r>
-            <a:r>
-              <a:rPr/>
-              <a:t> </a:t>
-            </a:r>
-            <a:r>
-              <a:rPr/>
-              <a:t>them</a:t>
-            </a:r>
-            <a:r>
-              <a:rPr/>
-              <a:t> </a:t>
-            </a:r>
-            <a:r>
-              <a:rPr/>
-              <a:t>to</a:t>
-            </a:r>
-            <a:r>
-              <a:rPr/>
-              <a:t> </a:t>
-            </a:r>
-            <a:r>
-              <a:rPr/>
-              <a:t>look</a:t>
-            </a:r>
-            <a:r>
-              <a:rPr/>
-              <a:t> </a:t>
-            </a:r>
-            <a:r>
-              <a:rPr/>
-              <a:t>up</a:t>
-            </a:r>
-            <a:r>
-              <a:rPr/>
-              <a:t> </a:t>
-            </a:r>
-            <a:r>
-              <a:rPr/>
-              <a:t>the</a:t>
-            </a:r>
-            <a:r>
-              <a:rPr/>
-              <a:t> </a:t>
-            </a:r>
-            <a:r>
-              <a:rPr/>
-              <a:t>help</a:t>
-            </a:r>
-            <a:r>
-              <a:rPr/>
-              <a:t> </a:t>
-            </a:r>
-            <a:r>
-              <a:rPr/>
-              <a:t>page</a:t>
-            </a:r>
-            <a:r>
-              <a:rPr/>
-              <a:t> </a:t>
-            </a:r>
-            <a:r>
-              <a:rPr/>
-              <a:t>for</a:t>
-            </a:r>
-            <a:r>
-              <a:rPr/>
-              <a:t> </a:t>
-            </a:r>
-            <a:r>
-              <a:rPr/>
-              <a:t>mean</a:t>
+              <a:t>Get them to look up the help page for mean</a:t>
             </a:r>
           </a:p>
         </p:txBody>
@@ -2933,6 +1377,9 @@
       </p:sp>
     </p:spTree>
   </p:cSld>
+  <p:clrMapOvr>
+    <a:masterClrMapping/>
+  </p:clrMapOvr>
 </p:notes>
 </file>
 
@@ -2980,156 +1427,11 @@
           <a:bodyPr/>
           <a:lstStyle/>
           <a:p>
-            <a:pPr lvl="0" marL="0" indent="0">
+            <a:pPr marL="0" lvl="0" indent="0">
               <a:buNone/>
             </a:pPr>
             <a:r>
-              <a:rPr/>
-              <a:t>reference</a:t>
-            </a:r>
-            <a:r>
-              <a:rPr/>
-              <a:t> </a:t>
-            </a:r>
-            <a:r>
-              <a:rPr/>
-              <a:t>this</a:t>
-            </a:r>
-            <a:r>
-              <a:rPr/>
-              <a:t> </a:t>
-            </a:r>
-            <a:r>
-              <a:rPr/>
-              <a:t>back</a:t>
-            </a:r>
-            <a:r>
-              <a:rPr/>
-              <a:t> </a:t>
-            </a:r>
-            <a:r>
-              <a:rPr/>
-              <a:t>to</a:t>
-            </a:r>
-            <a:r>
-              <a:rPr/>
-              <a:t> </a:t>
-            </a:r>
-            <a:r>
-              <a:rPr/>
-              <a:t>the</a:t>
-            </a:r>
-            <a:r>
-              <a:rPr/>
-              <a:t> </a:t>
-            </a:r>
-            <a:r>
-              <a:rPr/>
-              <a:t>factory</a:t>
-            </a:r>
-            <a:r>
-              <a:rPr/>
-              <a:t> </a:t>
-            </a:r>
-            <a:r>
-              <a:rPr/>
-              <a:t>idea</a:t>
-            </a:r>
-            <a:r>
-              <a:rPr/>
-              <a:t> </a:t>
-            </a:r>
-            <a:r>
-              <a:rPr/>
-              <a:t>argument</a:t>
-            </a:r>
-            <a:r>
-              <a:rPr/>
-              <a:t> </a:t>
-            </a:r>
-            <a:r>
-              <a:rPr/>
-              <a:t>=</a:t>
-            </a:r>
-            <a:r>
-              <a:rPr/>
-              <a:t> </a:t>
-            </a:r>
-            <a:r>
-              <a:rPr/>
-              <a:t>names</a:t>
-            </a:r>
-            <a:r>
-              <a:rPr/>
-              <a:t> </a:t>
-            </a:r>
-            <a:r>
-              <a:rPr/>
-              <a:t>of</a:t>
-            </a:r>
-            <a:r>
-              <a:rPr/>
-              <a:t> </a:t>
-            </a:r>
-            <a:r>
-              <a:rPr/>
-              <a:t>the</a:t>
-            </a:r>
-            <a:r>
-              <a:rPr/>
-              <a:t> </a:t>
-            </a:r>
-            <a:r>
-              <a:rPr/>
-              <a:t>inputs</a:t>
-            </a:r>
-            <a:r>
-              <a:rPr/>
-              <a:t> </a:t>
-            </a:r>
-            <a:r>
-              <a:rPr/>
-              <a:t>function</a:t>
-            </a:r>
-            <a:r>
-              <a:rPr/>
-              <a:t> </a:t>
-            </a:r>
-            <a:r>
-              <a:rPr/>
-              <a:t>=</a:t>
-            </a:r>
-            <a:r>
-              <a:rPr/>
-              <a:t> </a:t>
-            </a:r>
-            <a:r>
-              <a:rPr/>
-              <a:t>machine/factory</a:t>
-            </a:r>
-            <a:r>
-              <a:rPr/>
-              <a:t> </a:t>
-            </a:r>
-            <a:r>
-              <a:rPr/>
-              <a:t>value</a:t>
-            </a:r>
-            <a:r>
-              <a:rPr/>
-              <a:t> </a:t>
-            </a:r>
-            <a:r>
-              <a:rPr/>
-              <a:t>=</a:t>
-            </a:r>
-            <a:r>
-              <a:rPr/>
-              <a:t> </a:t>
-            </a:r>
-            <a:r>
-              <a:rPr/>
-              <a:t>output</a:t>
+              <a:t>reference this back to the factory idea argument = names of the inputs function = machine/factory value = output</a:t>
             </a:r>
           </a:p>
         </p:txBody>
@@ -3159,6 +1461,9 @@
       </p:sp>
     </p:spTree>
   </p:cSld>
+  <p:clrMapOvr>
+    <a:masterClrMapping/>
+  </p:clrMapOvr>
 </p:notes>
 </file>
 
@@ -3206,44 +1511,11 @@
           <a:bodyPr/>
           <a:lstStyle/>
           <a:p>
-            <a:pPr lvl="0" marL="0" indent="0">
+            <a:pPr marL="0" lvl="0" indent="0">
               <a:buNone/>
             </a:pPr>
             <a:r>
-              <a:rPr/>
-              <a:t>Work</a:t>
-            </a:r>
-            <a:r>
-              <a:rPr/>
-              <a:t> </a:t>
-            </a:r>
-            <a:r>
-              <a:rPr/>
-              <a:t>through</a:t>
-            </a:r>
-            <a:r>
-              <a:rPr/>
-              <a:t> </a:t>
-            </a:r>
-            <a:r>
-              <a:rPr/>
-              <a:t>this</a:t>
-            </a:r>
-            <a:r>
-              <a:rPr/>
-              <a:t> </a:t>
-            </a:r>
-            <a:r>
-              <a:rPr/>
-              <a:t>with</a:t>
-            </a:r>
-            <a:r>
-              <a:rPr/>
-              <a:t> </a:t>
-            </a:r>
-            <a:r>
-              <a:rPr/>
-              <a:t>them.</a:t>
+              <a:t>Work through this with them.</a:t>
             </a:r>
           </a:p>
         </p:txBody>
@@ -3273,6 +1545,9 @@
       </p:sp>
     </p:spTree>
   </p:cSld>
+  <p:clrMapOvr>
+    <a:masterClrMapping/>
+  </p:clrMapOvr>
 </p:notes>
 </file>
 
@@ -3423,7 +1698,7 @@
           <a:p>
             <a:fld id="{937E6D32-4C03-264D-8FDB-034DA7582E3B}" type="datetimeFigureOut">
               <a:rPr lang="en-US" smtClean="0"/>
-              <a:t>8/27/19</a:t>
+              <a:t>2/25/20</a:t>
             </a:fld>
             <a:endParaRPr lang="en-US"/>
           </a:p>
@@ -3621,7 +1896,7 @@
           <a:p>
             <a:fld id="{937E6D32-4C03-264D-8FDB-034DA7582E3B}" type="datetimeFigureOut">
               <a:rPr lang="en-US" smtClean="0"/>
-              <a:t>8/27/19</a:t>
+              <a:t>2/25/20</a:t>
             </a:fld>
             <a:endParaRPr lang="en-US"/>
           </a:p>
@@ -3829,7 +2104,7 @@
           <a:p>
             <a:fld id="{937E6D32-4C03-264D-8FDB-034DA7582E3B}" type="datetimeFigureOut">
               <a:rPr lang="en-US" smtClean="0"/>
-              <a:t>8/27/19</a:t>
+              <a:t>2/25/20</a:t>
             </a:fld>
             <a:endParaRPr lang="en-US"/>
           </a:p>
@@ -4027,7 +2302,7 @@
           <a:p>
             <a:fld id="{937E6D32-4C03-264D-8FDB-034DA7582E3B}" type="datetimeFigureOut">
               <a:rPr lang="en-US" smtClean="0"/>
-              <a:t>8/27/19</a:t>
+              <a:t>2/25/20</a:t>
             </a:fld>
             <a:endParaRPr lang="en-US"/>
           </a:p>
@@ -4302,7 +2577,7 @@
           <a:p>
             <a:fld id="{937E6D32-4C03-264D-8FDB-034DA7582E3B}" type="datetimeFigureOut">
               <a:rPr lang="en-US" smtClean="0"/>
-              <a:t>8/27/19</a:t>
+              <a:t>2/25/20</a:t>
             </a:fld>
             <a:endParaRPr lang="en-US"/>
           </a:p>
@@ -4567,7 +2842,7 @@
           <a:p>
             <a:fld id="{937E6D32-4C03-264D-8FDB-034DA7582E3B}" type="datetimeFigureOut">
               <a:rPr lang="en-US" smtClean="0"/>
-              <a:t>8/27/19</a:t>
+              <a:t>2/25/20</a:t>
             </a:fld>
             <a:endParaRPr lang="en-US"/>
           </a:p>
@@ -4979,7 +3254,7 @@
           <a:p>
             <a:fld id="{937E6D32-4C03-264D-8FDB-034DA7582E3B}" type="datetimeFigureOut">
               <a:rPr lang="en-US" smtClean="0"/>
-              <a:t>8/27/19</a:t>
+              <a:t>2/25/20</a:t>
             </a:fld>
             <a:endParaRPr lang="en-US"/>
           </a:p>
@@ -5120,7 +3395,7 @@
           <a:p>
             <a:fld id="{937E6D32-4C03-264D-8FDB-034DA7582E3B}" type="datetimeFigureOut">
               <a:rPr lang="en-US" smtClean="0"/>
-              <a:t>8/27/19</a:t>
+              <a:t>2/25/20</a:t>
             </a:fld>
             <a:endParaRPr lang="en-US"/>
           </a:p>
@@ -5233,7 +3508,7 @@
           <a:p>
             <a:fld id="{937E6D32-4C03-264D-8FDB-034DA7582E3B}" type="datetimeFigureOut">
               <a:rPr lang="en-US" smtClean="0"/>
-              <a:t>8/27/19</a:t>
+              <a:t>2/25/20</a:t>
             </a:fld>
             <a:endParaRPr lang="en-US"/>
           </a:p>
@@ -5544,7 +3819,7 @@
           <a:p>
             <a:fld id="{937E6D32-4C03-264D-8FDB-034DA7582E3B}" type="datetimeFigureOut">
               <a:rPr lang="en-US" smtClean="0"/>
-              <a:t>8/27/19</a:t>
+              <a:t>2/25/20</a:t>
             </a:fld>
             <a:endParaRPr lang="en-US"/>
           </a:p>
@@ -5832,7 +4107,7 @@
           <a:p>
             <a:fld id="{937E6D32-4C03-264D-8FDB-034DA7582E3B}" type="datetimeFigureOut">
               <a:rPr lang="en-US" smtClean="0"/>
-              <a:t>8/27/19</a:t>
+              <a:t>2/25/20</a:t>
             </a:fld>
             <a:endParaRPr lang="en-US"/>
           </a:p>
@@ -6073,7 +4348,7 @@
           <a:p>
             <a:fld id="{937E6D32-4C03-264D-8FDB-034DA7582E3B}" type="datetimeFigureOut">
               <a:rPr lang="en-US" smtClean="0"/>
-              <a:t>8/27/19</a:t>
+              <a:t>2/25/20</a:t>
             </a:fld>
             <a:endParaRPr lang="en-US"/>
           </a:p>
@@ -6516,28 +4791,11 @@
           <a:bodyPr/>
           <a:lstStyle/>
           <a:p>
-            <a:pPr lvl="0" marL="0" indent="0">
+            <a:pPr marL="0" lvl="0" indent="0">
               <a:buNone/>
             </a:pPr>
             <a:r>
-              <a:rPr/>
-              <a:t>Introduction</a:t>
-            </a:r>
-            <a:r>
-              <a:rPr/>
-              <a:t> </a:t>
-            </a:r>
-            <a:r>
-              <a:rPr/>
-              <a:t>to</a:t>
-            </a:r>
-            <a:r>
-              <a:rPr/>
-              <a:t> </a:t>
-            </a:r>
-            <a:r>
-              <a:rPr/>
-              <a:t>R.</a:t>
+              <a:t>Introduction to R</a:t>
             </a:r>
           </a:p>
         </p:txBody>
@@ -6568,16 +4826,20 @@
           <a:bodyPr/>
           <a:lstStyle/>
           <a:p>
-            <a:pPr lvl="0" marL="0" indent="0">
+            <a:pPr marL="0" lvl="0" indent="0">
               <a:buNone/>
             </a:pPr>
             <a:br/>
             <a:br/>
+            <a:endParaRPr/>
           </a:p>
         </p:txBody>
       </p:sp>
     </p:spTree>
   </p:cSld>
+  <p:clrMapOvr>
+    <a:masterClrMapping/>
+  </p:clrMapOvr>
 </p:sld>
 </file>
 
@@ -6619,83 +4881,18 @@
           <a:bodyPr/>
           <a:lstStyle/>
           <a:p>
-            <a:pPr lvl="0" marL="0" indent="0">
+            <a:pPr marL="0" lvl="0" indent="0">
               <a:buNone/>
             </a:pPr>
             <a:r>
-              <a:rPr/>
-              <a:t>This</a:t>
-            </a:r>
-            <a:r>
-              <a:rPr/>
-              <a:t> </a:t>
-            </a:r>
-            <a:r>
-              <a:rPr/>
-              <a:t>is</a:t>
-            </a:r>
-            <a:r>
-              <a:rPr/>
-              <a:t> </a:t>
-            </a:r>
-            <a:r>
-              <a:rPr/>
-              <a:t>what</a:t>
-            </a:r>
-            <a:r>
-              <a:rPr/>
-              <a:t> </a:t>
-            </a:r>
-            <a:r>
-              <a:rPr/>
-              <a:t>R</a:t>
-            </a:r>
-            <a:r>
-              <a:rPr/>
-              <a:t> </a:t>
-            </a:r>
-            <a:r>
-              <a:rPr/>
-              <a:t>on</a:t>
-            </a:r>
-            <a:r>
-              <a:rPr/>
-              <a:t> </a:t>
-            </a:r>
-            <a:r>
-              <a:rPr/>
-              <a:t>it’s</a:t>
-            </a:r>
-            <a:r>
-              <a:rPr/>
-              <a:t> </a:t>
-            </a:r>
-            <a:r>
-              <a:rPr/>
-              <a:t>own</a:t>
-            </a:r>
-            <a:r>
-              <a:rPr/>
-              <a:t> </a:t>
-            </a:r>
-            <a:r>
-              <a:rPr/>
-              <a:t>looks</a:t>
-            </a:r>
-            <a:r>
-              <a:rPr/>
-              <a:t> </a:t>
-            </a:r>
-            <a:r>
-              <a:rPr/>
-              <a:t>like</a:t>
+              <a:t>This is what R on it’s own looks like</a:t>
             </a:r>
           </a:p>
         </p:txBody>
       </p:sp>
       <p:pic>
         <p:nvPicPr>
-          <p:cNvPr descr="../Images/RConsole.png" id="0" name="Picture 1"/>
+          <p:cNvPr id="3" name="Picture 1" descr="../Images/RConsole.png"/>
           <p:cNvPicPr>
             <a:picLocks noGrp="1" noChangeAspect="1"/>
           </p:cNvPicPr>
@@ -6725,6 +4922,9 @@
       </p:pic>
     </p:spTree>
   </p:cSld>
+  <p:clrMapOvr>
+    <a:masterClrMapping/>
+  </p:clrMapOvr>
 </p:sld>
 </file>
 
@@ -6766,107 +4966,18 @@
           <a:bodyPr/>
           <a:lstStyle/>
           <a:p>
-            <a:pPr lvl="0" marL="0" indent="0">
+            <a:pPr marL="0" lvl="0" indent="0">
               <a:buNone/>
             </a:pPr>
             <a:r>
-              <a:rPr/>
-              <a:t>This</a:t>
-            </a:r>
-            <a:r>
-              <a:rPr/>
-              <a:t> </a:t>
-            </a:r>
-            <a:r>
-              <a:rPr/>
-              <a:t>is</a:t>
-            </a:r>
-            <a:r>
-              <a:rPr/>
-              <a:t> </a:t>
-            </a:r>
-            <a:r>
-              <a:rPr/>
-              <a:t>what</a:t>
-            </a:r>
-            <a:r>
-              <a:rPr/>
-              <a:t> </a:t>
-            </a:r>
-            <a:r>
-              <a:rPr/>
-              <a:t>RStudio</a:t>
-            </a:r>
-            <a:r>
-              <a:rPr/>
-              <a:t> </a:t>
-            </a:r>
-            <a:r>
-              <a:rPr/>
-              <a:t>looks</a:t>
-            </a:r>
-            <a:r>
-              <a:rPr/>
-              <a:t> </a:t>
-            </a:r>
-            <a:r>
-              <a:rPr/>
-              <a:t>like</a:t>
-            </a:r>
-            <a:r>
-              <a:rPr/>
-              <a:t> </a:t>
-            </a:r>
-            <a:r>
-              <a:rPr/>
-              <a:t>-</a:t>
-            </a:r>
-            <a:r>
-              <a:rPr/>
-              <a:t> </a:t>
-            </a:r>
-            <a:r>
-              <a:rPr/>
-              <a:t>much</a:t>
-            </a:r>
-            <a:r>
-              <a:rPr/>
-              <a:t> </a:t>
-            </a:r>
-            <a:r>
-              <a:rPr/>
-              <a:t>easier</a:t>
-            </a:r>
-            <a:r>
-              <a:rPr/>
-              <a:t> </a:t>
-            </a:r>
-            <a:r>
-              <a:rPr/>
-              <a:t>to</a:t>
-            </a:r>
-            <a:r>
-              <a:rPr/>
-              <a:t> </a:t>
-            </a:r>
-            <a:r>
-              <a:rPr/>
-              <a:t>work</a:t>
-            </a:r>
-            <a:r>
-              <a:rPr/>
-              <a:t> </a:t>
-            </a:r>
-            <a:r>
-              <a:rPr/>
-              <a:t>with</a:t>
+              <a:t>This is what RStudio looks like - much easier to work with</a:t>
             </a:r>
           </a:p>
         </p:txBody>
       </p:sp>
       <p:pic>
         <p:nvPicPr>
-          <p:cNvPr descr="../Images/RStudio.png" id="0" name="Picture 1"/>
+          <p:cNvPr id="3" name="Picture 1" descr="../Images/RStudio.png"/>
           <p:cNvPicPr>
             <a:picLocks noGrp="1" noChangeAspect="1"/>
           </p:cNvPicPr>
@@ -6896,6 +5007,9 @@
       </p:pic>
     </p:spTree>
   </p:cSld>
+  <p:clrMapOvr>
+    <a:masterClrMapping/>
+  </p:clrMapOvr>
 </p:sld>
 </file>
 
@@ -6937,59 +5051,18 @@
           <a:bodyPr/>
           <a:lstStyle/>
           <a:p>
-            <a:pPr lvl="0" marL="0" indent="0">
+            <a:pPr marL="0" lvl="0" indent="0">
               <a:buNone/>
             </a:pPr>
             <a:r>
-              <a:rPr/>
-              <a:t>RStudio</a:t>
-            </a:r>
-            <a:r>
-              <a:rPr/>
-              <a:t> </a:t>
-            </a:r>
-            <a:r>
-              <a:rPr/>
-              <a:t>is</a:t>
-            </a:r>
-            <a:r>
-              <a:rPr/>
-              <a:t> </a:t>
-            </a:r>
-            <a:r>
-              <a:rPr/>
-              <a:t>made</a:t>
-            </a:r>
-            <a:r>
-              <a:rPr/>
-              <a:t> </a:t>
-            </a:r>
-            <a:r>
-              <a:rPr/>
-              <a:t>up</a:t>
-            </a:r>
-            <a:r>
-              <a:rPr/>
-              <a:t> </a:t>
-            </a:r>
-            <a:r>
-              <a:rPr/>
-              <a:t>of</a:t>
-            </a:r>
-            <a:r>
-              <a:rPr/>
-              <a:t> </a:t>
-            </a:r>
-            <a:r>
-              <a:rPr/>
-              <a:t>windows</a:t>
+              <a:t>RStudio is made up of windows</a:t>
             </a:r>
           </a:p>
         </p:txBody>
       </p:sp>
       <p:pic>
         <p:nvPicPr>
-          <p:cNvPr descr="../Images/RStudioHighlightWindows.png" id="0" name="Picture 1"/>
+          <p:cNvPr id="3" name="Picture 1" descr="../Images/RStudioHighlightWindows.png"/>
           <p:cNvPicPr>
             <a:picLocks noGrp="1" noChangeAspect="1"/>
           </p:cNvPicPr>
@@ -7019,6 +5092,9 @@
       </p:pic>
     </p:spTree>
   </p:cSld>
+  <p:clrMapOvr>
+    <a:masterClrMapping/>
+  </p:clrMapOvr>
 </p:sld>
 </file>
 
@@ -7060,51 +5136,18 @@
           <a:bodyPr/>
           <a:lstStyle/>
           <a:p>
-            <a:pPr lvl="0" marL="0" indent="0">
+            <a:pPr marL="0" lvl="0" indent="0">
               <a:buNone/>
             </a:pPr>
             <a:r>
-              <a:rPr/>
-              <a:t>Adjusting</a:t>
-            </a:r>
-            <a:r>
-              <a:rPr/>
-              <a:t> </a:t>
-            </a:r>
-            <a:r>
-              <a:rPr/>
-              <a:t>your</a:t>
-            </a:r>
-            <a:r>
-              <a:rPr/>
-              <a:t> </a:t>
-            </a:r>
-            <a:r>
-              <a:rPr/>
-              <a:t>view</a:t>
-            </a:r>
-            <a:r>
-              <a:rPr/>
-              <a:t> </a:t>
-            </a:r>
-            <a:r>
-              <a:rPr/>
-              <a:t>of</a:t>
-            </a:r>
-            <a:r>
-              <a:rPr/>
-              <a:t> </a:t>
-            </a:r>
-            <a:r>
-              <a:rPr/>
-              <a:t>RStudio.</a:t>
+              <a:t>Adjusting your view of RStudio.</a:t>
             </a:r>
           </a:p>
         </p:txBody>
       </p:sp>
       <p:pic>
         <p:nvPicPr>
-          <p:cNvPr descr="../Images/RStudioButtonsHighlighted.png" id="0" name="Picture 1"/>
+          <p:cNvPr id="3" name="Picture 1" descr="../Images/RStudioButtonsHighlighted.png"/>
           <p:cNvPicPr>
             <a:picLocks noGrp="1" noChangeAspect="1"/>
           </p:cNvPicPr>
@@ -7134,6 +5177,9 @@
       </p:pic>
     </p:spTree>
   </p:cSld>
+  <p:clrMapOvr>
+    <a:masterClrMapping/>
+  </p:clrMapOvr>
 </p:sld>
 </file>
 
@@ -7175,43 +5221,18 @@
           <a:bodyPr/>
           <a:lstStyle/>
           <a:p>
-            <a:pPr lvl="0" marL="0" indent="0">
+            <a:pPr marL="0" lvl="0" indent="0">
               <a:buNone/>
             </a:pPr>
             <a:r>
-              <a:rPr/>
-              <a:t>Using</a:t>
-            </a:r>
-            <a:r>
-              <a:rPr/>
-              <a:t> </a:t>
-            </a:r>
-            <a:r>
-              <a:rPr/>
-              <a:t>the</a:t>
-            </a:r>
-            <a:r>
-              <a:rPr/>
-              <a:t> </a:t>
-            </a:r>
-            <a:r>
-              <a:rPr/>
-              <a:t>Console</a:t>
-            </a:r>
-            <a:r>
-              <a:rPr/>
-              <a:t> </a:t>
-            </a:r>
-            <a:r>
-              <a:rPr/>
-              <a:t>window</a:t>
+              <a:t>Using the Console window</a:t>
             </a:r>
           </a:p>
         </p:txBody>
       </p:sp>
       <p:pic>
         <p:nvPicPr>
-          <p:cNvPr descr="../Images/RStudioConsole.png" id="0" name="Picture 1"/>
+          <p:cNvPr id="3" name="Picture 1" descr="../Images/RStudioConsole.png"/>
           <p:cNvPicPr>
             <a:picLocks noGrp="1" noChangeAspect="1"/>
           </p:cNvPicPr>
@@ -7241,6 +5262,9 @@
       </p:pic>
     </p:spTree>
   </p:cSld>
+  <p:clrMapOvr>
+    <a:masterClrMapping/>
+  </p:clrMapOvr>
 </p:sld>
 </file>
 
@@ -7282,28 +5306,11 @@
           <a:bodyPr/>
           <a:lstStyle/>
           <a:p>
-            <a:pPr lvl="0" marL="0" indent="0">
+            <a:pPr marL="0" lvl="0" indent="0">
               <a:buNone/>
             </a:pPr>
             <a:r>
-              <a:rPr/>
-              <a:t>Using</a:t>
-            </a:r>
-            <a:r>
-              <a:rPr/>
-              <a:t> </a:t>
-            </a:r>
-            <a:r>
-              <a:rPr/>
-              <a:t>the</a:t>
-            </a:r>
-            <a:r>
-              <a:rPr/>
-              <a:t> </a:t>
-            </a:r>
-            <a:r>
-              <a:rPr/>
-              <a:t>console</a:t>
+              <a:t>Using the console</a:t>
             </a:r>
           </a:p>
         </p:txBody>
@@ -7331,21 +5338,18 @@
           <a:p>
             <a:pPr lvl="1"/>
             <a:r>
-              <a:rPr/>
               <a:t>Bottom left window.</a:t>
             </a:r>
           </a:p>
           <a:p>
             <a:pPr lvl="1"/>
             <a:r>
-              <a:rPr/>
               <a:t>This is R!</a:t>
             </a:r>
           </a:p>
           <a:p>
             <a:pPr lvl="1"/>
             <a:r>
-              <a:rPr/>
               <a:t>This is your prompt to type </a:t>
             </a:r>
             <a:r>
@@ -7355,14 +5359,12 @@
               <a:t>&gt;</a:t>
             </a:r>
             <a:r>
-              <a:rPr/>
               <a:t>.</a:t>
             </a:r>
           </a:p>
           <a:p>
             <a:pPr lvl="1"/>
             <a:r>
-              <a:rPr/>
               <a:t>Type </a:t>
             </a:r>
             <a:r>
@@ -7372,7 +5374,6 @@
               <a:t>2 + 2</a:t>
             </a:r>
             <a:r>
-              <a:rPr/>
               <a:t> then hit </a:t>
             </a:r>
             <a:r>
@@ -7382,7 +5383,6 @@
               <a:t>Enter</a:t>
             </a:r>
             <a:r>
-              <a:rPr/>
               <a:t>.</a:t>
             </a:r>
           </a:p>
@@ -7390,6 +5390,9 @@
       </p:sp>
     </p:spTree>
   </p:cSld>
+  <p:clrMapOvr>
+    <a:masterClrMapping/>
+  </p:clrMapOvr>
 </p:sld>
 </file>
 
@@ -7431,20 +5434,11 @@
           <a:bodyPr/>
           <a:lstStyle/>
           <a:p>
-            <a:pPr lvl="0" marL="0" indent="0">
+            <a:pPr marL="0" lvl="0" indent="0">
               <a:buNone/>
             </a:pPr>
             <a:r>
-              <a:rPr/>
-              <a:t>Console</a:t>
-            </a:r>
-            <a:r>
-              <a:rPr/>
-              <a:t> </a:t>
-            </a:r>
-            <a:r>
-              <a:rPr/>
-              <a:t>output</a:t>
+              <a:t>Console output</a:t>
             </a:r>
           </a:p>
         </p:txBody>
@@ -7470,16 +5464,15 @@
           <a:bodyPr/>
           <a:lstStyle/>
           <a:p>
-            <a:pPr lvl="0" marL="0" indent="0">
+            <a:pPr marL="0" lvl="0" indent="0">
               <a:buNone/>
             </a:pPr>
             <a:r>
-              <a:rPr/>
               <a:t>You should see:</a:t>
             </a:r>
           </a:p>
           <a:p>
-            <a:pPr lvl="0" marL="1270000" indent="0">
+            <a:pPr marL="1270000" lvl="0" indent="0">
               <a:buNone/>
             </a:pPr>
             <a:r>
@@ -7526,7 +5519,7 @@
             </a:r>
           </a:p>
           <a:p>
-            <a:pPr lvl="0" marL="1270000" indent="0">
+            <a:pPr marL="1270000" lvl="0" indent="0">
               <a:buNone/>
             </a:pPr>
             <a:r>
@@ -7545,7 +5538,6 @@
               <a:t>&gt;</a:t>
             </a:r>
             <a:r>
-              <a:rPr/>
               <a:t> is the command prompt</a:t>
             </a:r>
           </a:p>
@@ -7558,7 +5550,6 @@
               <a:t>2 + 2</a:t>
             </a:r>
             <a:r>
-              <a:rPr/>
               <a:t> is the command</a:t>
             </a:r>
           </a:p>
@@ -7571,7 +5562,6 @@
               <a:t>4</a:t>
             </a:r>
             <a:r>
-              <a:rPr/>
               <a:t> is the output from R.</a:t>
             </a:r>
           </a:p>
@@ -7584,7 +5574,6 @@
               <a:t>[1]</a:t>
             </a:r>
             <a:r>
-              <a:rPr/>
               <a:t> is telling you that 4 is the first value in a sequence returned by R.</a:t>
             </a:r>
           </a:p>
@@ -7592,6 +5581,9 @@
       </p:sp>
     </p:spTree>
   </p:cSld>
+  <p:clrMapOvr>
+    <a:masterClrMapping/>
+  </p:clrMapOvr>
 </p:sld>
 </file>
 
@@ -7633,35 +5625,18 @@
           <a:bodyPr/>
           <a:lstStyle/>
           <a:p>
-            <a:pPr lvl="0" marL="0" indent="0">
+            <a:pPr marL="0" lvl="0" indent="0">
               <a:buNone/>
             </a:pPr>
             <a:r>
-              <a:rPr/>
-              <a:t>Using</a:t>
-            </a:r>
-            <a:r>
-              <a:rPr/>
-              <a:t> </a:t>
-            </a:r>
-            <a:r>
-              <a:rPr/>
-              <a:t>the</a:t>
-            </a:r>
-            <a:r>
-              <a:rPr/>
-              <a:t> </a:t>
-            </a:r>
-            <a:r>
-              <a:rPr/>
-              <a:t>Source</a:t>
+              <a:t>Using the Source</a:t>
             </a:r>
           </a:p>
         </p:txBody>
       </p:sp>
       <p:pic>
         <p:nvPicPr>
-          <p:cNvPr descr="../Images/RStudioSource.png" id="0" name="Picture 1"/>
+          <p:cNvPr id="3" name="Picture 1" descr="../Images/RStudioSource.png"/>
           <p:cNvPicPr>
             <a:picLocks noGrp="1" noChangeAspect="1"/>
           </p:cNvPicPr>
@@ -7691,6 +5666,9 @@
       </p:pic>
     </p:spTree>
   </p:cSld>
+  <p:clrMapOvr>
+    <a:masterClrMapping/>
+  </p:clrMapOvr>
 </p:sld>
 </file>
 
@@ -7732,28 +5710,11 @@
           <a:bodyPr/>
           <a:lstStyle/>
           <a:p>
-            <a:pPr lvl="0" marL="0" indent="0">
+            <a:pPr marL="0" lvl="0" indent="0">
               <a:buNone/>
             </a:pPr>
             <a:r>
-              <a:rPr/>
-              <a:t>Using</a:t>
-            </a:r>
-            <a:r>
-              <a:rPr/>
-              <a:t> </a:t>
-            </a:r>
-            <a:r>
-              <a:rPr/>
-              <a:t>the</a:t>
-            </a:r>
-            <a:r>
-              <a:rPr/>
-              <a:t> </a:t>
-            </a:r>
-            <a:r>
-              <a:rPr/>
-              <a:t>Source</a:t>
+              <a:t>Using the Source</a:t>
             </a:r>
           </a:p>
         </p:txBody>
@@ -7781,7 +5742,6 @@
           <a:p>
             <a:pPr lvl="1"/>
             <a:r>
-              <a:rPr/>
               <a:t>Type </a:t>
             </a:r>
             <a:r>
@@ -7791,7 +5751,6 @@
               <a:t>2 + 2</a:t>
             </a:r>
             <a:r>
-              <a:rPr/>
               <a:t>, then </a:t>
             </a:r>
             <a:r>
@@ -7801,35 +5760,30 @@
               <a:t>Enter</a:t>
             </a:r>
             <a:r>
-              <a:rPr/>
               <a:t>.</a:t>
             </a:r>
           </a:p>
           <a:p>
             <a:pPr lvl="1"/>
             <a:r>
-              <a:rPr/>
               <a:t>What happens?</a:t>
             </a:r>
           </a:p>
           <a:p>
             <a:pPr lvl="1"/>
             <a:r>
-              <a:rPr/>
               <a:t>To ask R to run code</a:t>
             </a:r>
           </a:p>
           <a:p>
             <a:pPr lvl="1"/>
             <a:r>
-              <a:rPr/>
               <a:t>Highlight the code and:</a:t>
             </a:r>
           </a:p>
           <a:p>
             <a:pPr lvl="2"/>
             <a:r>
-              <a:rPr/>
               <a:t>MacOS: </a:t>
             </a:r>
             <a:r>
@@ -7842,7 +5796,6 @@
           <a:p>
             <a:pPr lvl="2"/>
             <a:r>
-              <a:rPr/>
               <a:t>Windows: </a:t>
             </a:r>
             <a:r>
@@ -7855,7 +5808,6 @@
           <a:p>
             <a:pPr lvl="1"/>
             <a:r>
-              <a:rPr/>
               <a:t>Notice the output in the console.</a:t>
             </a:r>
           </a:p>
@@ -7863,6 +5815,9 @@
       </p:sp>
     </p:spTree>
   </p:cSld>
+  <p:clrMapOvr>
+    <a:masterClrMapping/>
+  </p:clrMapOvr>
 </p:sld>
 </file>
 
@@ -7904,28 +5859,11 @@
           <a:bodyPr/>
           <a:lstStyle/>
           <a:p>
-            <a:pPr lvl="0" marL="0" indent="0">
+            <a:pPr marL="0" lvl="0" indent="0">
               <a:buNone/>
             </a:pPr>
             <a:r>
-              <a:rPr/>
-              <a:t>Saving</a:t>
-            </a:r>
-            <a:r>
-              <a:rPr/>
-              <a:t> </a:t>
-            </a:r>
-            <a:r>
-              <a:rPr/>
-              <a:t>your</a:t>
-            </a:r>
-            <a:r>
-              <a:rPr/>
-              <a:t> </a:t>
-            </a:r>
-            <a:r>
-              <a:rPr/>
-              <a:t>work</a:t>
+              <a:t>Saving your work</a:t>
             </a:r>
           </a:p>
         </p:txBody>
@@ -7953,7 +5891,6 @@
           <a:p>
             <a:pPr lvl="1"/>
             <a:r>
-              <a:rPr/>
               <a:t>Click the </a:t>
             </a:r>
             <a:r>
@@ -7963,49 +5900,42 @@
               <a:t>save</a:t>
             </a:r>
             <a:r>
-              <a:rPr/>
               <a:t> icon</a:t>
             </a:r>
           </a:p>
           <a:p>
             <a:pPr lvl="2"/>
             <a:r>
-              <a:rPr/>
               <a:t>Save the file under a meaningful name.</a:t>
             </a:r>
           </a:p>
           <a:p>
             <a:pPr lvl="2"/>
             <a:r>
-              <a:rPr/>
               <a:t>Save it somewhere you can find it again.</a:t>
             </a:r>
           </a:p>
           <a:p>
             <a:pPr lvl="2"/>
             <a:r>
-              <a:rPr/>
               <a:t>.R is the file extension for R scripts.</a:t>
             </a:r>
           </a:p>
           <a:p>
             <a:pPr lvl="1"/>
             <a:r>
-              <a:rPr/>
               <a:t>Close the Source window</a:t>
             </a:r>
           </a:p>
           <a:p>
             <a:pPr lvl="1"/>
             <a:r>
-              <a:rPr/>
               <a:t>Close R Studio</a:t>
             </a:r>
           </a:p>
           <a:p>
             <a:pPr lvl="1"/>
             <a:r>
-              <a:rPr/>
               <a:t>Restart R Studio and click the </a:t>
             </a:r>
             <a:r>
@@ -8015,28 +5945,24 @@
               <a:t>open</a:t>
             </a:r>
             <a:r>
-              <a:rPr/>
               <a:t> icon</a:t>
             </a:r>
           </a:p>
           <a:p>
             <a:pPr lvl="1"/>
             <a:r>
-              <a:rPr/>
               <a:t>Find your file and open</a:t>
             </a:r>
           </a:p>
           <a:p>
             <a:pPr lvl="1"/>
             <a:r>
-              <a:rPr/>
               <a:t>Your code still there</a:t>
             </a:r>
           </a:p>
           <a:p>
             <a:pPr lvl="1"/>
             <a:r>
-              <a:rPr/>
               <a:t>You can run it again.</a:t>
             </a:r>
           </a:p>
@@ -8044,6 +5970,9 @@
       </p:sp>
     </p:spTree>
   </p:cSld>
+  <p:clrMapOvr>
+    <a:masterClrMapping/>
+  </p:clrMapOvr>
 </p:sld>
 </file>
 
@@ -8066,7 +5995,7 @@
       </p:grpSpPr>
       <p:pic>
         <p:nvPicPr>
-          <p:cNvPr descr="../Images/Clinician%20Coders%20Branding_FINAL_CMYK_Colour.png" id="0" name="Picture 1"/>
+          <p:cNvPr id="2" name="Picture 1" descr="../Images/Clinician%20Coders%20Branding_FINAL_CMYK_Colour.png"/>
           <p:cNvPicPr>
             <a:picLocks noGrp="1" noChangeAspect="1"/>
           </p:cNvPicPr>
@@ -8096,6 +6025,9 @@
       </p:pic>
     </p:spTree>
   </p:cSld>
+  <p:clrMapOvr>
+    <a:masterClrMapping/>
+  </p:clrMapOvr>
 </p:sld>
 </file>
 
@@ -8137,28 +6069,11 @@
           <a:bodyPr/>
           <a:lstStyle/>
           <a:p>
-            <a:pPr lvl="0" marL="0" indent="0">
+            <a:pPr marL="0" lvl="0" indent="0">
               <a:buNone/>
             </a:pPr>
             <a:r>
-              <a:rPr/>
-              <a:t>R</a:t>
-            </a:r>
-            <a:r>
-              <a:rPr/>
-              <a:t> </a:t>
-            </a:r>
-            <a:r>
-              <a:rPr/>
-              <a:t>building</a:t>
-            </a:r>
-            <a:r>
-              <a:rPr/>
-              <a:t> </a:t>
-            </a:r>
-            <a:r>
-              <a:rPr/>
-              <a:t>blocks</a:t>
+              <a:t>R building blocks</a:t>
             </a:r>
           </a:p>
         </p:txBody>
@@ -8186,42 +6101,36 @@
           <a:p>
             <a:pPr lvl="1"/>
             <a:r>
-              <a:rPr/>
               <a:t>Names</a:t>
             </a:r>
           </a:p>
           <a:p>
             <a:pPr lvl="1"/>
             <a:r>
-              <a:rPr/>
               <a:t>Data</a:t>
             </a:r>
           </a:p>
           <a:p>
             <a:pPr lvl="2"/>
             <a:r>
-              <a:rPr/>
               <a:t>Vectors</a:t>
             </a:r>
           </a:p>
           <a:p>
             <a:pPr lvl="2"/>
             <a:r>
-              <a:rPr/>
               <a:t>Data Frames</a:t>
             </a:r>
           </a:p>
           <a:p>
             <a:pPr lvl="1"/>
             <a:r>
-              <a:rPr/>
               <a:t>Functions</a:t>
             </a:r>
           </a:p>
           <a:p>
             <a:pPr lvl="2"/>
             <a:r>
-              <a:rPr/>
               <a:t>Stored in packages</a:t>
             </a:r>
           </a:p>
@@ -8229,6 +6138,9 @@
       </p:sp>
     </p:spTree>
   </p:cSld>
+  <p:clrMapOvr>
+    <a:masterClrMapping/>
+  </p:clrMapOvr>
 </p:sld>
 </file>
 
@@ -8270,36 +6182,11 @@
           <a:bodyPr/>
           <a:lstStyle/>
           <a:p>
-            <a:pPr lvl="0" marL="0" indent="0">
+            <a:pPr marL="0" lvl="0" indent="0">
               <a:buNone/>
             </a:pPr>
             <a:r>
-              <a:rPr/>
-              <a:t>3</a:t>
-            </a:r>
-            <a:r>
-              <a:rPr/>
-              <a:t> </a:t>
-            </a:r>
-            <a:r>
-              <a:rPr/>
-              <a:t>Main</a:t>
-            </a:r>
-            <a:r>
-              <a:rPr/>
-              <a:t> </a:t>
-            </a:r>
-            <a:r>
-              <a:rPr/>
-              <a:t>Building</a:t>
-            </a:r>
-            <a:r>
-              <a:rPr/>
-              <a:t> </a:t>
-            </a:r>
-            <a:r>
-              <a:rPr/>
-              <a:t>Blocks</a:t>
+              <a:t>3 Main Building Blocks</a:t>
             </a:r>
           </a:p>
         </p:txBody>
@@ -8327,70 +6214,60 @@
           <a:p>
             <a:pPr lvl="1"/>
             <a:r>
-              <a:rPr/>
               <a:t>Names</a:t>
             </a:r>
           </a:p>
           <a:p>
             <a:pPr lvl="2"/>
             <a:r>
-              <a:rPr/>
               <a:t>Everything needs a name in R: tables, plots, data files</a:t>
             </a:r>
           </a:p>
           <a:p>
             <a:pPr lvl="1"/>
             <a:r>
-              <a:rPr/>
               <a:t>Data</a:t>
             </a:r>
           </a:p>
           <a:p>
             <a:pPr lvl="2"/>
             <a:r>
-              <a:rPr/>
               <a:t>Data comes in different forms: Real Numbers/Counting Numbers/Characters etc.</a:t>
             </a:r>
           </a:p>
           <a:p>
             <a:pPr lvl="2"/>
             <a:r>
-              <a:rPr/>
               <a:t>Data is stored in vectors</a:t>
             </a:r>
           </a:p>
           <a:p>
             <a:pPr lvl="2"/>
             <a:r>
-              <a:rPr/>
               <a:t>Vectors are stored in data frames</a:t>
             </a:r>
           </a:p>
           <a:p>
             <a:pPr lvl="1"/>
             <a:r>
-              <a:rPr/>
               <a:t>Functions</a:t>
             </a:r>
           </a:p>
           <a:p>
             <a:pPr lvl="2"/>
             <a:r>
-              <a:rPr/>
               <a:t>Little factories</a:t>
             </a:r>
           </a:p>
           <a:p>
             <a:pPr lvl="2"/>
             <a:r>
-              <a:rPr/>
               <a:t>Take an input (raw material) use function (factory) get an output (product)</a:t>
             </a:r>
           </a:p>
           <a:p>
             <a:pPr lvl="2"/>
             <a:r>
-              <a:rPr/>
               <a:t>Functions are collated into packages</a:t>
             </a:r>
           </a:p>
@@ -8398,6 +6275,9 @@
       </p:sp>
     </p:spTree>
   </p:cSld>
+  <p:clrMapOvr>
+    <a:masterClrMapping/>
+  </p:clrMapOvr>
 </p:sld>
 </file>
 
@@ -8439,11 +6319,10 @@
           <a:bodyPr/>
           <a:lstStyle/>
           <a:p>
-            <a:pPr lvl="0" marL="0" indent="0">
+            <a:pPr marL="0" lvl="0" indent="0">
               <a:buNone/>
             </a:pPr>
             <a:r>
-              <a:rPr/>
               <a:t>Names</a:t>
             </a:r>
           </a:p>
@@ -8472,14 +6351,12 @@
           <a:p>
             <a:pPr lvl="1"/>
             <a:r>
-              <a:rPr/>
               <a:t>You assign names to objects in R.</a:t>
             </a:r>
           </a:p>
           <a:p>
             <a:pPr lvl="1"/>
             <a:r>
-              <a:rPr/>
               <a:t>This is the assignment operator </a:t>
             </a:r>
             <a:r>
@@ -8492,14 +6369,12 @@
           <a:p>
             <a:pPr lvl="1"/>
             <a:r>
-              <a:rPr/>
               <a:t>Shortcut:</a:t>
             </a:r>
           </a:p>
           <a:p>
             <a:pPr lvl="2"/>
             <a:r>
-              <a:rPr/>
               <a:t>Mac OSX: </a:t>
             </a:r>
             <a:r>
@@ -8512,7 +6387,6 @@
           <a:p>
             <a:pPr lvl="2"/>
             <a:r>
-              <a:rPr/>
               <a:t>Windows: </a:t>
             </a:r>
             <a:r>
@@ -8525,12 +6399,11 @@
           <a:p>
             <a:pPr lvl="1"/>
             <a:r>
-              <a:rPr/>
               <a:t>Return the stored value by typing the name.</a:t>
             </a:r>
           </a:p>
           <a:p>
-            <a:pPr lvl="0" marL="1270000" indent="0">
+            <a:pPr marL="1270000" lvl="0" indent="0">
               <a:buNone/>
             </a:pPr>
             <a:r>
@@ -8632,7 +6505,7 @@
             </a:r>
           </a:p>
           <a:p>
-            <a:pPr lvl="0" marL="1270000" indent="0">
+            <a:pPr marL="1270000" lvl="0" indent="0">
               <a:buNone/>
             </a:pPr>
             <a:r>
@@ -8646,6 +6519,9 @@
       </p:sp>
     </p:spTree>
   </p:cSld>
+  <p:clrMapOvr>
+    <a:masterClrMapping/>
+  </p:clrMapOvr>
 </p:sld>
 </file>
 
@@ -8687,11 +6563,10 @@
           <a:bodyPr/>
           <a:lstStyle/>
           <a:p>
-            <a:pPr lvl="0" marL="0" indent="0">
+            <a:pPr marL="0" lvl="0" indent="0">
               <a:buNone/>
             </a:pPr>
             <a:r>
-              <a:rPr/>
               <a:t>Names</a:t>
             </a:r>
           </a:p>
@@ -8720,19 +6595,17 @@
           <a:p>
             <a:pPr lvl="1"/>
             <a:r>
-              <a:rPr/>
               <a:t>You can store any object under a name.</a:t>
             </a:r>
           </a:p>
           <a:p>
             <a:pPr lvl="1"/>
             <a:r>
-              <a:rPr/>
               <a:t>This example stores a string. You need to use quote marks to assign it.</a:t>
             </a:r>
           </a:p>
           <a:p>
-            <a:pPr lvl="0" marL="1270000" indent="0">
+            <a:pPr marL="1270000" lvl="0" indent="0">
               <a:buNone/>
             </a:pPr>
             <a:r>
@@ -8759,7 +6632,7 @@
             </a:r>
           </a:p>
           <a:p>
-            <a:pPr lvl="0" marL="1270000" indent="0">
+            <a:pPr marL="1270000" lvl="0" indent="0">
               <a:buNone/>
             </a:pPr>
             <a:r>
@@ -8772,12 +6645,11 @@
           <a:p>
             <a:pPr lvl="1"/>
             <a:r>
-              <a:rPr/>
               <a:t>Note that R does not like spaces in names.</a:t>
             </a:r>
           </a:p>
           <a:p>
-            <a:pPr lvl="0" marL="1270000" indent="0">
+            <a:pPr marL="1270000" lvl="0" indent="0">
               <a:buNone/>
             </a:pPr>
             <a:r>
@@ -8797,7 +6669,7 @@
             </a:r>
           </a:p>
           <a:p>
-            <a:pPr lvl="0" marL="1270000" indent="0">
+            <a:pPr marL="1270000" lvl="0" indent="0">
               <a:buNone/>
             </a:pPr>
             <a:r>
@@ -8813,6 +6685,9 @@
       </p:sp>
     </p:spTree>
   </p:cSld>
+  <p:clrMapOvr>
+    <a:masterClrMapping/>
+  </p:clrMapOvr>
 </p:sld>
 </file>
 
@@ -8854,11 +6729,10 @@
           <a:bodyPr/>
           <a:lstStyle/>
           <a:p>
-            <a:pPr lvl="0" marL="0" indent="0">
+            <a:pPr marL="0" lvl="0" indent="0">
               <a:buNone/>
             </a:pPr>
             <a:r>
-              <a:rPr/>
               <a:t>Data</a:t>
             </a:r>
           </a:p>
@@ -8887,35 +6761,30 @@
           <a:p>
             <a:pPr lvl="1"/>
             <a:r>
-              <a:rPr/>
               <a:t>R is a statistical computing language</a:t>
             </a:r>
           </a:p>
           <a:p>
             <a:pPr lvl="1"/>
             <a:r>
-              <a:rPr/>
               <a:t>It is built around an understanding of data</a:t>
             </a:r>
           </a:p>
           <a:p>
             <a:pPr lvl="1"/>
             <a:r>
-              <a:rPr/>
               <a:t>Statistics uses:</a:t>
             </a:r>
           </a:p>
           <a:p>
             <a:pPr lvl="2"/>
             <a:r>
-              <a:rPr/>
               <a:t>Vectors</a:t>
             </a:r>
           </a:p>
           <a:p>
             <a:pPr lvl="2"/>
             <a:r>
-              <a:rPr/>
               <a:t>Data frames</a:t>
             </a:r>
           </a:p>
@@ -8923,6 +6792,9 @@
       </p:sp>
     </p:spTree>
   </p:cSld>
+  <p:clrMapOvr>
+    <a:masterClrMapping/>
+  </p:clrMapOvr>
 </p:sld>
 </file>
 
@@ -8964,11 +6836,10 @@
           <a:bodyPr/>
           <a:lstStyle/>
           <a:p>
-            <a:pPr lvl="0" marL="0" indent="0">
+            <a:pPr marL="0" lvl="0" indent="0">
               <a:buNone/>
             </a:pPr>
             <a:r>
-              <a:rPr/>
               <a:t>Vectors</a:t>
             </a:r>
           </a:p>
@@ -8997,19 +6868,17 @@
           <a:p>
             <a:pPr lvl="1"/>
             <a:r>
-              <a:rPr/>
               <a:t>A vector contains elements of the same datatype.</a:t>
             </a:r>
           </a:p>
           <a:p>
             <a:pPr lvl="2"/>
             <a:r>
-              <a:rPr/>
               <a:t>A vector of integers - an example would be age</a:t>
             </a:r>
           </a:p>
           <a:p>
-            <a:pPr lvl="0" marL="1270000" indent="0">
+            <a:pPr marL="1270000" lvl="0" indent="0">
               <a:buNone/>
             </a:pPr>
             <a:r>
@@ -9022,12 +6891,11 @@
           <a:p>
             <a:pPr lvl="2"/>
             <a:r>
-              <a:rPr/>
               <a:t>A vector of real numbers - an example would be temperature.</a:t>
             </a:r>
           </a:p>
           <a:p>
-            <a:pPr lvl="0" marL="1270000" indent="0">
+            <a:pPr marL="1270000" lvl="0" indent="0">
               <a:buNone/>
             </a:pPr>
             <a:r>
@@ -9040,12 +6908,11 @@
           <a:p>
             <a:pPr lvl="2"/>
             <a:r>
-              <a:rPr/>
               <a:t>A vector of characters - an example would be name.</a:t>
             </a:r>
           </a:p>
           <a:p>
-            <a:pPr lvl="0" marL="1270000" indent="0">
+            <a:pPr marL="1270000" lvl="0" indent="0">
               <a:buNone/>
             </a:pPr>
             <a:r>
@@ -9058,12 +6925,11 @@
           <a:p>
             <a:pPr lvl="2"/>
             <a:r>
-              <a:rPr/>
               <a:t>A vector of logicals - an example would be ‘are the blood results avaiblable?’</a:t>
             </a:r>
           </a:p>
           <a:p>
-            <a:pPr lvl="0" marL="1270000" indent="0">
+            <a:pPr marL="1270000" lvl="0" indent="0">
               <a:buNone/>
             </a:pPr>
             <a:r>
@@ -9077,6 +6943,9 @@
       </p:sp>
     </p:spTree>
   </p:cSld>
+  <p:clrMapOvr>
+    <a:masterClrMapping/>
+  </p:clrMapOvr>
 </p:sld>
 </file>
 
@@ -9118,20 +6987,11 @@
           <a:bodyPr/>
           <a:lstStyle/>
           <a:p>
-            <a:pPr lvl="0" marL="0" indent="0">
+            <a:pPr marL="0" lvl="0" indent="0">
               <a:buNone/>
             </a:pPr>
             <a:r>
-              <a:rPr/>
-              <a:t>Naming</a:t>
-            </a:r>
-            <a:r>
-              <a:rPr/>
-              <a:t> </a:t>
-            </a:r>
-            <a:r>
-              <a:rPr/>
-              <a:t>vectors.</a:t>
+              <a:t>Naming vectors.</a:t>
             </a:r>
           </a:p>
         </p:txBody>
@@ -9157,11 +7017,10 @@
           <a:bodyPr/>
           <a:lstStyle/>
           <a:p>
-            <a:pPr lvl="0" marL="0" indent="0">
+            <a:pPr marL="0" lvl="0" indent="0">
               <a:buNone/>
             </a:pPr>
             <a:r>
-              <a:rPr/>
               <a:t>The </a:t>
             </a:r>
             <a:r>
@@ -9171,12 +7030,11 @@
               <a:t>c()</a:t>
             </a:r>
             <a:r>
-              <a:rPr/>
               <a:t> function combines individual values into a single vector.</a:t>
             </a:r>
           </a:p>
           <a:p>
-            <a:pPr lvl="0" marL="1270000" indent="0">
+            <a:pPr marL="1270000" lvl="0" indent="0">
               <a:buNone/>
             </a:pPr>
             <a:r>
@@ -9318,7 +7176,7 @@
             </a:r>
           </a:p>
           <a:p>
-            <a:pPr lvl="0" marL="1270000" indent="0">
+            <a:pPr marL="1270000" lvl="0" indent="0">
               <a:buNone/>
             </a:pPr>
             <a:r>
@@ -9329,7 +7187,7 @@
             </a:r>
           </a:p>
           <a:p>
-            <a:pPr lvl="0" marL="1270000" indent="0">
+            <a:pPr marL="1270000" lvl="0" indent="0">
               <a:buNone/>
             </a:pPr>
             <a:r>
@@ -9471,7 +7329,7 @@
             </a:r>
           </a:p>
           <a:p>
-            <a:pPr lvl="0" marL="1270000" indent="0">
+            <a:pPr marL="1270000" lvl="0" indent="0">
               <a:buNone/>
             </a:pPr>
             <a:r>
@@ -9485,6 +7343,9 @@
       </p:sp>
     </p:spTree>
   </p:cSld>
+  <p:clrMapOvr>
+    <a:masterClrMapping/>
+  </p:clrMapOvr>
 </p:sld>
 </file>
 
@@ -9526,44 +7387,11 @@
           <a:bodyPr/>
           <a:lstStyle/>
           <a:p>
-            <a:pPr lvl="0" marL="0" indent="0">
+            <a:pPr marL="0" lvl="0" indent="0">
               <a:buNone/>
             </a:pPr>
             <a:r>
-              <a:rPr/>
-              <a:t>Recalling</a:t>
-            </a:r>
-            <a:r>
-              <a:rPr/>
-              <a:t> </a:t>
-            </a:r>
-            <a:r>
-              <a:rPr/>
-              <a:t>elements</a:t>
-            </a:r>
-            <a:r>
-              <a:rPr/>
-              <a:t> </a:t>
-            </a:r>
-            <a:r>
-              <a:rPr/>
-              <a:t>of</a:t>
-            </a:r>
-            <a:r>
-              <a:rPr/>
-              <a:t> </a:t>
-            </a:r>
-            <a:r>
-              <a:rPr/>
-              <a:t>a</a:t>
-            </a:r>
-            <a:r>
-              <a:rPr/>
-              <a:t> </a:t>
-            </a:r>
-            <a:r>
-              <a:rPr/>
-              <a:t>vector</a:t>
+              <a:t>Recalling elements of a vector</a:t>
             </a:r>
           </a:p>
         </p:txBody>
@@ -9591,14 +7419,12 @@
           <a:p>
             <a:pPr lvl="1"/>
             <a:r>
-              <a:rPr/>
               <a:t>R creates an index for each element of the vector.</a:t>
             </a:r>
           </a:p>
           <a:p>
             <a:pPr lvl="1"/>
             <a:r>
-              <a:rPr/>
               <a:t>It allocates a number to each element within the vector from left to right, starting with </a:t>
             </a:r>
             <a:r>
@@ -9608,12 +7434,11 @@
               <a:t>1</a:t>
             </a:r>
             <a:r>
-              <a:rPr/>
               <a:t>.</a:t>
             </a:r>
           </a:p>
           <a:p>
-            <a:pPr lvl="0" marL="1270000" indent="0">
+            <a:pPr marL="1270000" lvl="0" indent="0">
               <a:buNone/>
             </a:pPr>
             <a:r>
@@ -9649,7 +7474,7 @@
             </a:r>
           </a:p>
           <a:p>
-            <a:pPr lvl="0" marL="1270000" indent="0">
+            <a:pPr marL="1270000" lvl="0" indent="0">
               <a:buNone/>
             </a:pPr>
             <a:r>
@@ -9660,7 +7485,7 @@
             </a:r>
           </a:p>
           <a:p>
-            <a:pPr lvl="0" marL="1270000" indent="0">
+            <a:pPr marL="1270000" lvl="0" indent="0">
               <a:buNone/>
             </a:pPr>
             <a:r>
@@ -9696,7 +7521,7 @@
             </a:r>
           </a:p>
           <a:p>
-            <a:pPr lvl="0" marL="1270000" indent="0">
+            <a:pPr marL="1270000" lvl="0" indent="0">
               <a:buNone/>
             </a:pPr>
             <a:r>
@@ -9707,7 +7532,7 @@
             </a:r>
           </a:p>
           <a:p>
-            <a:pPr lvl="0" marL="1270000" indent="0">
+            <a:pPr marL="1270000" lvl="0" indent="0">
               <a:buNone/>
             </a:pPr>
             <a:r>
@@ -9743,7 +7568,7 @@
             </a:r>
           </a:p>
           <a:p>
-            <a:pPr lvl="0" marL="1270000" indent="0">
+            <a:pPr marL="1270000" lvl="0" indent="0">
               <a:buNone/>
             </a:pPr>
             <a:r>
@@ -9757,6 +7582,9 @@
       </p:sp>
     </p:spTree>
   </p:cSld>
+  <p:clrMapOvr>
+    <a:masterClrMapping/>
+  </p:clrMapOvr>
 </p:sld>
 </file>
 
@@ -9798,20 +7626,11 @@
           <a:bodyPr/>
           <a:lstStyle/>
           <a:p>
-            <a:pPr lvl="0" marL="0" indent="0">
+            <a:pPr marL="0" lvl="0" indent="0">
               <a:buNone/>
             </a:pPr>
             <a:r>
-              <a:rPr/>
-              <a:t>Data</a:t>
-            </a:r>
-            <a:r>
-              <a:rPr/>
-              <a:t> </a:t>
-            </a:r>
-            <a:r>
-              <a:rPr/>
-              <a:t>Frames.</a:t>
+              <a:t>Data Frames.</a:t>
             </a:r>
           </a:p>
         </p:txBody>
@@ -9839,12 +7658,11 @@
           <a:p>
             <a:pPr lvl="1"/>
             <a:r>
-              <a:rPr/>
               <a:t>You are already familiar with data frames</a:t>
             </a:r>
           </a:p>
           <a:p>
-            <a:pPr lvl="0" marL="1270000" indent="0">
+            <a:pPr marL="1270000" lvl="0" indent="0">
               <a:buNone/>
             </a:pPr>
             <a:r>
@@ -9863,21 +7681,18 @@
           <a:p>
             <a:pPr lvl="1"/>
             <a:r>
-              <a:rPr/>
               <a:t>A data frame is a series of vectors aligned to form a table</a:t>
             </a:r>
           </a:p>
           <a:p>
             <a:pPr lvl="1"/>
             <a:r>
-              <a:rPr/>
               <a:t>Each vector becomes a column in the table</a:t>
             </a:r>
           </a:p>
           <a:p>
             <a:pPr lvl="1"/>
             <a:r>
-              <a:rPr/>
               <a:t>A properly formatted excel spreadsheet is essentially a data frame</a:t>
             </a:r>
           </a:p>
@@ -9885,6 +7700,9 @@
       </p:sp>
     </p:spTree>
   </p:cSld>
+  <p:clrMapOvr>
+    <a:masterClrMapping/>
+  </p:clrMapOvr>
 </p:sld>
 </file>
 
@@ -9926,52 +7744,11 @@
           <a:bodyPr/>
           <a:lstStyle/>
           <a:p>
-            <a:pPr lvl="0" marL="0" indent="0">
+            <a:pPr marL="0" lvl="0" indent="0">
               <a:buNone/>
             </a:pPr>
             <a:r>
-              <a:rPr/>
-              <a:t>Creating</a:t>
-            </a:r>
-            <a:r>
-              <a:rPr/>
-              <a:t> </a:t>
-            </a:r>
-            <a:r>
-              <a:rPr/>
-              <a:t>a</a:t>
-            </a:r>
-            <a:r>
-              <a:rPr/>
-              <a:t> </a:t>
-            </a:r>
-            <a:r>
-              <a:rPr/>
-              <a:t>data</a:t>
-            </a:r>
-            <a:r>
-              <a:rPr/>
-              <a:t> </a:t>
-            </a:r>
-            <a:r>
-              <a:rPr/>
-              <a:t>frame</a:t>
-            </a:r>
-            <a:r>
-              <a:rPr/>
-              <a:t> </a:t>
-            </a:r>
-            <a:r>
-              <a:rPr/>
-              <a:t>-</a:t>
-            </a:r>
-            <a:r>
-              <a:rPr/>
-              <a:t> </a:t>
-            </a:r>
-            <a:r>
-              <a:rPr/>
-              <a:t>excercise</a:t>
+              <a:t>Creating a data frame - excercise</a:t>
             </a:r>
           </a:p>
         </p:txBody>
@@ -9999,7 +7776,6 @@
           <a:p>
             <a:pPr lvl="1"/>
             <a:r>
-              <a:rPr/>
               <a:t>Create and name vectors containing information about these 6 patients.</a:t>
             </a:r>
           </a:p>
@@ -10033,28 +7809,24 @@
           <a:p>
             <a:pPr lvl="1"/>
             <a:r>
-              <a:rPr/>
-              <a:t>Quotation marks are not needed for names in R, but are when your data is a string e.g. “male”, “female”</a:t>
-            </a:r>
-          </a:p>
-          <a:p>
-            <a:pPr lvl="1"/>
-            <a:r>
-              <a:rPr/>
+              <a:t>Quotation marks are not needed for names in R, but are when your data is a string e.g. “male”, “female”</a:t>
+            </a:r>
+          </a:p>
+          <a:p>
+            <a:pPr lvl="1"/>
+            <a:r>
               <a:t>As a rule:</a:t>
             </a:r>
           </a:p>
           <a:p>
             <a:pPr lvl="2"/>
             <a:r>
-              <a:rPr/>
               <a:t>Characters on the left side of the assignment operator. No quote marks.</a:t>
             </a:r>
           </a:p>
           <a:p>
             <a:pPr lvl="2"/>
             <a:r>
-              <a:rPr/>
               <a:t>Characters on the right side of the assignment operator. Use quote marks if storing letters.</a:t>
             </a:r>
           </a:p>
@@ -10062,6 +7834,9 @@
       </p:sp>
     </p:spTree>
   </p:cSld>
+  <p:clrMapOvr>
+    <a:masterClrMapping/>
+  </p:clrMapOvr>
 </p:sld>
 </file>
 
@@ -10103,11 +7878,10 @@
           <a:bodyPr/>
           <a:lstStyle/>
           <a:p>
-            <a:pPr lvl="0" marL="0" indent="0">
+            <a:pPr marL="0" lvl="0" indent="0">
               <a:buNone/>
             </a:pPr>
             <a:r>
-              <a:rPr/>
               <a:t>Disclaimer</a:t>
             </a:r>
           </a:p>
@@ -10136,35 +7910,64 @@
           <a:p>
             <a:pPr lvl="1"/>
             <a:r>
-              <a:rPr/>
+              <a:rPr dirty="0"/>
               <a:t>Much of the following material can be sourced from open access resources</a:t>
             </a:r>
           </a:p>
           <a:p>
             <a:pPr lvl="2"/>
             <a:r>
-              <a:rPr/>
+              <a:rPr dirty="0">
+                <a:hlinkClick r:id="rId2"/>
+              </a:rPr>
               <a:t>Software Carpentry</a:t>
             </a:r>
           </a:p>
           <a:p>
             <a:pPr lvl="2"/>
             <a:r>
-              <a:rPr/>
+              <a:rPr dirty="0">
+                <a:hlinkClick r:id="rId3"/>
+              </a:rPr>
+              <a:t>R Cheatsheets</a:t>
+            </a:r>
+          </a:p>
+          <a:p>
+            <a:pPr lvl="2"/>
+            <a:r>
+              <a:rPr dirty="0"/>
               <a:t>Stack Overflow</a:t>
             </a:r>
           </a:p>
           <a:p>
-            <a:pPr lvl="1"/>
-            <a:r>
-              <a:rPr/>
-              <a:t>Initially collated by members of the DataSciBC (www.datascibc.org)</a:t>
+            <a:pPr lvl="2"/>
+            <a:r>
+              <a:rPr dirty="0">
+                <a:hlinkClick r:id="rId4"/>
+              </a:rPr>
+              <a:t>Hadley Wickham’s R for Data Science</a:t>
+            </a:r>
+          </a:p>
+          <a:p>
+            <a:pPr lvl="1"/>
+            <a:r>
+              <a:rPr dirty="0"/>
+              <a:t>Initially collated by members of the </a:t>
+            </a:r>
+            <a:r>
+              <a:rPr dirty="0">
+                <a:hlinkClick r:id="rId5"/>
+              </a:rPr>
+              <a:t>DataSciBC</a:t>
             </a:r>
           </a:p>
         </p:txBody>
       </p:sp>
     </p:spTree>
   </p:cSld>
+  <p:clrMapOvr>
+    <a:masterClrMapping/>
+  </p:clrMapOvr>
 </p:sld>
 </file>
 
@@ -10206,52 +8009,11 @@
           <a:bodyPr/>
           <a:lstStyle/>
           <a:p>
-            <a:pPr lvl="0" marL="0" indent="0">
+            <a:pPr marL="0" lvl="0" indent="0">
               <a:buNone/>
             </a:pPr>
             <a:r>
-              <a:rPr/>
-              <a:t>Creating</a:t>
-            </a:r>
-            <a:r>
-              <a:rPr/>
-              <a:t> </a:t>
-            </a:r>
-            <a:r>
-              <a:rPr/>
-              <a:t>a</a:t>
-            </a:r>
-            <a:r>
-              <a:rPr/>
-              <a:t> </a:t>
-            </a:r>
-            <a:r>
-              <a:rPr/>
-              <a:t>data</a:t>
-            </a:r>
-            <a:r>
-              <a:rPr/>
-              <a:t> </a:t>
-            </a:r>
-            <a:r>
-              <a:rPr/>
-              <a:t>frame</a:t>
-            </a:r>
-            <a:r>
-              <a:rPr/>
-              <a:t> </a:t>
-            </a:r>
-            <a:r>
-              <a:rPr/>
-              <a:t>-</a:t>
-            </a:r>
-            <a:r>
-              <a:rPr/>
-              <a:t> </a:t>
-            </a:r>
-            <a:r>
-              <a:rPr/>
-              <a:t>exercise</a:t>
+              <a:t>Creating a data frame - exercise</a:t>
             </a:r>
           </a:p>
         </p:txBody>
@@ -10279,7 +8041,6 @@
           <a:p>
             <a:pPr lvl="1"/>
             <a:r>
-              <a:rPr/>
               <a:t>Combine these vectors into a data frame using </a:t>
             </a:r>
             <a:r>
@@ -10292,7 +8053,6 @@
           <a:p>
             <a:pPr lvl="2"/>
             <a:r>
-              <a:rPr/>
               <a:t>Hint, the vector names need to go inside the </a:t>
             </a:r>
             <a:r>
@@ -10305,7 +8065,6 @@
           <a:p>
             <a:pPr lvl="1"/>
             <a:r>
-              <a:rPr/>
               <a:t>Save the data frame under the name </a:t>
             </a:r>
             <a:r>
@@ -10318,7 +8077,6 @@
           <a:p>
             <a:pPr lvl="1"/>
             <a:r>
-              <a:rPr/>
               <a:t>Print the data frame called </a:t>
             </a:r>
             <a:r>
@@ -10328,7 +8086,6 @@
               <a:t>patients</a:t>
             </a:r>
             <a:r>
-              <a:rPr/>
               <a:t> to your console</a:t>
             </a:r>
           </a:p>
@@ -10336,6 +8093,9 @@
       </p:sp>
     </p:spTree>
   </p:cSld>
+  <p:clrMapOvr>
+    <a:masterClrMapping/>
+  </p:clrMapOvr>
 </p:sld>
 </file>
 
@@ -10377,52 +8137,11 @@
           <a:bodyPr/>
           <a:lstStyle/>
           <a:p>
-            <a:pPr lvl="0" marL="0" indent="0">
+            <a:pPr marL="0" lvl="0" indent="0">
               <a:buNone/>
             </a:pPr>
             <a:r>
-              <a:rPr/>
-              <a:t>Creating</a:t>
-            </a:r>
-            <a:r>
-              <a:rPr/>
-              <a:t> </a:t>
-            </a:r>
-            <a:r>
-              <a:rPr/>
-              <a:t>a</a:t>
-            </a:r>
-            <a:r>
-              <a:rPr/>
-              <a:t> </a:t>
-            </a:r>
-            <a:r>
-              <a:rPr/>
-              <a:t>data</a:t>
-            </a:r>
-            <a:r>
-              <a:rPr/>
-              <a:t> </a:t>
-            </a:r>
-            <a:r>
-              <a:rPr/>
-              <a:t>frame</a:t>
-            </a:r>
-            <a:r>
-              <a:rPr/>
-              <a:t> </a:t>
-            </a:r>
-            <a:r>
-              <a:rPr/>
-              <a:t>-</a:t>
-            </a:r>
-            <a:r>
-              <a:rPr/>
-              <a:t> </a:t>
-            </a:r>
-            <a:r>
-              <a:rPr/>
-              <a:t>solution</a:t>
+              <a:t>Creating a data frame - solution</a:t>
             </a:r>
           </a:p>
         </p:txBody>
@@ -10448,7 +8167,7 @@
           <a:bodyPr/>
           <a:lstStyle/>
           <a:p>
-            <a:pPr lvl="0" marL="1270000" indent="0">
+            <a:pPr marL="1270000" lvl="0" indent="0">
               <a:buNone/>
             </a:pPr>
             <a:r>
@@ -10873,6 +8592,9 @@
       </p:sp>
     </p:spTree>
   </p:cSld>
+  <p:clrMapOvr>
+    <a:masterClrMapping/>
+  </p:clrMapOvr>
 </p:sld>
 </file>
 
@@ -10914,44 +8636,11 @@
           <a:bodyPr/>
           <a:lstStyle/>
           <a:p>
-            <a:pPr lvl="0" marL="0" indent="0">
+            <a:pPr marL="0" lvl="0" indent="0">
               <a:buNone/>
             </a:pPr>
             <a:r>
-              <a:rPr/>
-              <a:t>This</a:t>
-            </a:r>
-            <a:r>
-              <a:rPr/>
-              <a:t> </a:t>
-            </a:r>
-            <a:r>
-              <a:rPr/>
-              <a:t>is</a:t>
-            </a:r>
-            <a:r>
-              <a:rPr/>
-              <a:t> </a:t>
-            </a:r>
-            <a:r>
-              <a:rPr/>
-              <a:t>the</a:t>
-            </a:r>
-            <a:r>
-              <a:rPr/>
-              <a:t> </a:t>
-            </a:r>
-            <a:r>
-              <a:rPr/>
-              <a:t>data</a:t>
-            </a:r>
-            <a:r>
-              <a:rPr/>
-              <a:t> </a:t>
-            </a:r>
-            <a:r>
-              <a:rPr/>
-              <a:t>frame.</a:t>
+              <a:t>This is the data frame.</a:t>
             </a:r>
           </a:p>
         </p:txBody>
@@ -10977,7 +8666,7 @@
           <a:bodyPr/>
           <a:lstStyle/>
           <a:p>
-            <a:pPr lvl="0" marL="1270000" indent="0">
+            <a:pPr marL="1270000" lvl="0" indent="0">
               <a:buNone/>
             </a:pPr>
             <a:r>
@@ -10988,7 +8677,7 @@
             </a:r>
           </a:p>
           <a:p>
-            <a:pPr lvl="0" marL="1270000" indent="0">
+            <a:pPr marL="1270000" lvl="0" indent="0">
               <a:buNone/>
             </a:pPr>
             <a:r>
@@ -11007,21 +8696,18 @@
           <a:p>
             <a:pPr lvl="1"/>
             <a:r>
-              <a:rPr/>
               <a:t>R arranges the vectors as columns in the data frame</a:t>
             </a:r>
           </a:p>
           <a:p>
             <a:pPr lvl="1"/>
             <a:r>
-              <a:rPr/>
               <a:t>R names the columns of the data frame after the names of the vectors</a:t>
             </a:r>
           </a:p>
           <a:p>
             <a:pPr lvl="1"/>
             <a:r>
-              <a:rPr/>
               <a:t>R numbers each row of the data frame</a:t>
             </a:r>
           </a:p>
@@ -11029,6 +8715,9 @@
       </p:sp>
     </p:spTree>
   </p:cSld>
+  <p:clrMapOvr>
+    <a:masterClrMapping/>
+  </p:clrMapOvr>
 </p:sld>
 </file>
 
@@ -11070,60 +8759,11 @@
           <a:bodyPr/>
           <a:lstStyle/>
           <a:p>
-            <a:pPr lvl="0" marL="0" indent="0">
+            <a:pPr marL="0" lvl="0" indent="0">
               <a:buNone/>
             </a:pPr>
             <a:r>
-              <a:rPr/>
-              <a:t>Recalling</a:t>
-            </a:r>
-            <a:r>
-              <a:rPr/>
-              <a:t> </a:t>
-            </a:r>
-            <a:r>
-              <a:rPr/>
-              <a:t>a</a:t>
-            </a:r>
-            <a:r>
-              <a:rPr/>
-              <a:t> </a:t>
-            </a:r>
-            <a:r>
-              <a:rPr/>
-              <a:t>vector</a:t>
-            </a:r>
-            <a:r>
-              <a:rPr/>
-              <a:t> </a:t>
-            </a:r>
-            <a:r>
-              <a:rPr/>
-              <a:t>in</a:t>
-            </a:r>
-            <a:r>
-              <a:rPr/>
-              <a:t> </a:t>
-            </a:r>
-            <a:r>
-              <a:rPr/>
-              <a:t>a</a:t>
-            </a:r>
-            <a:r>
-              <a:rPr/>
-              <a:t> </a:t>
-            </a:r>
-            <a:r>
-              <a:rPr/>
-              <a:t>data</a:t>
-            </a:r>
-            <a:r>
-              <a:rPr/>
-              <a:t> </a:t>
-            </a:r>
-            <a:r>
-              <a:rPr/>
-              <a:t>frame</a:t>
+              <a:t>Recalling a vector in a data frame</a:t>
             </a:r>
           </a:p>
         </p:txBody>
@@ -11151,7 +8791,6 @@
           <a:p>
             <a:pPr lvl="1"/>
             <a:r>
-              <a:rPr/>
               <a:t>Data frame colums are vectors.</a:t>
             </a:r>
           </a:p>
@@ -11164,14 +8803,12 @@
               <a:t>$</a:t>
             </a:r>
             <a:r>
-              <a:rPr/>
               <a:t> can be used to extract a vector from a data frame.</a:t>
             </a:r>
           </a:p>
           <a:p>
             <a:pPr lvl="1"/>
             <a:r>
-              <a:rPr/>
               <a:t>We can get the </a:t>
             </a:r>
             <a:r>
@@ -11181,7 +8818,6 @@
               <a:t>age</a:t>
             </a:r>
             <a:r>
-              <a:rPr/>
               <a:t> column from the data frame </a:t>
             </a:r>
             <a:r>
@@ -11192,7 +8828,7 @@
             </a:r>
           </a:p>
           <a:p>
-            <a:pPr lvl="0" marL="1270000" indent="0">
+            <a:pPr marL="1270000" lvl="0" indent="0">
               <a:buNone/>
             </a:pPr>
             <a:r>
@@ -11218,7 +8854,7 @@
             </a:r>
           </a:p>
           <a:p>
-            <a:pPr lvl="0" marL="1270000" indent="0">
+            <a:pPr marL="1270000" lvl="0" indent="0">
               <a:buNone/>
             </a:pPr>
             <a:r>
@@ -11232,6 +8868,9 @@
       </p:sp>
     </p:spTree>
   </p:cSld>
+  <p:clrMapOvr>
+    <a:masterClrMapping/>
+  </p:clrMapOvr>
 </p:sld>
 </file>
 
@@ -11273,36 +8912,11 @@
           <a:bodyPr/>
           <a:lstStyle/>
           <a:p>
-            <a:pPr lvl="0" marL="0" indent="0">
+            <a:pPr marL="0" lvl="0" indent="0">
               <a:buNone/>
             </a:pPr>
             <a:r>
-              <a:rPr/>
-              <a:t>Vectors</a:t>
-            </a:r>
-            <a:r>
-              <a:rPr/>
-              <a:t> </a:t>
-            </a:r>
-            <a:r>
-              <a:rPr/>
-              <a:t>-</a:t>
-            </a:r>
-            <a:r>
-              <a:rPr/>
-              <a:t> </a:t>
-            </a:r>
-            <a:r>
-              <a:rPr/>
-              <a:t>other</a:t>
-            </a:r>
-            <a:r>
-              <a:rPr/>
-              <a:t> </a:t>
-            </a:r>
-            <a:r>
-              <a:rPr/>
-              <a:t>properties</a:t>
+              <a:t>Vectors - other properties</a:t>
             </a:r>
           </a:p>
         </p:txBody>
@@ -11330,28 +8944,24 @@
           <a:p>
             <a:pPr lvl="1"/>
             <a:r>
-              <a:rPr/>
               <a:t>Add a value of TRUE to a vector of integers</a:t>
             </a:r>
           </a:p>
           <a:p>
             <a:pPr lvl="1"/>
             <a:r>
-              <a:rPr/>
               <a:t>Give it a name</a:t>
             </a:r>
           </a:p>
           <a:p>
             <a:pPr lvl="1"/>
             <a:r>
-              <a:rPr/>
               <a:t>Recall the vector</a:t>
             </a:r>
           </a:p>
           <a:p>
             <a:pPr lvl="1"/>
             <a:r>
-              <a:rPr/>
               <a:t>Use </a:t>
             </a:r>
             <a:r>
@@ -11361,14 +8971,12 @@
               <a:t>str()</a:t>
             </a:r>
             <a:r>
-              <a:rPr/>
               <a:t> to examine the structure of the vector.</a:t>
             </a:r>
           </a:p>
           <a:p>
             <a:pPr lvl="1"/>
             <a:r>
-              <a:rPr/>
               <a:t>What has happened?</a:t>
             </a:r>
           </a:p>
@@ -11376,6 +8984,9 @@
       </p:sp>
     </p:spTree>
   </p:cSld>
+  <p:clrMapOvr>
+    <a:masterClrMapping/>
+  </p:clrMapOvr>
 </p:sld>
 </file>
 
@@ -11417,36 +9028,11 @@
           <a:bodyPr/>
           <a:lstStyle/>
           <a:p>
-            <a:pPr lvl="0" marL="0" indent="0">
+            <a:pPr marL="0" lvl="0" indent="0">
               <a:buNone/>
             </a:pPr>
             <a:r>
-              <a:rPr/>
-              <a:t>Vectors</a:t>
-            </a:r>
-            <a:r>
-              <a:rPr/>
-              <a:t> </a:t>
-            </a:r>
-            <a:r>
-              <a:rPr/>
-              <a:t>-</a:t>
-            </a:r>
-            <a:r>
-              <a:rPr/>
-              <a:t> </a:t>
-            </a:r>
-            <a:r>
-              <a:rPr/>
-              <a:t>other</a:t>
-            </a:r>
-            <a:r>
-              <a:rPr/>
-              <a:t> </a:t>
-            </a:r>
-            <a:r>
-              <a:rPr/>
-              <a:t>properties</a:t>
+              <a:t>Vectors - other properties</a:t>
             </a:r>
           </a:p>
         </p:txBody>
@@ -11472,7 +9058,7 @@
           <a:bodyPr/>
           <a:lstStyle/>
           <a:p>
-            <a:pPr lvl="0" marL="1270000" indent="0">
+            <a:pPr marL="1270000" lvl="0" indent="0">
               <a:buNone/>
             </a:pPr>
             <a:r>
@@ -11589,7 +9175,7 @@
             </a:r>
           </a:p>
           <a:p>
-            <a:pPr lvl="0" marL="1270000" indent="0">
+            <a:pPr marL="1270000" lvl="0" indent="0">
               <a:buNone/>
             </a:pPr>
             <a:r>
@@ -11600,7 +9186,7 @@
             </a:r>
           </a:p>
           <a:p>
-            <a:pPr lvl="0" marL="1270000" indent="0">
+            <a:pPr marL="1270000" lvl="0" indent="0">
               <a:buNone/>
             </a:pPr>
             <a:r>
@@ -11620,7 +9206,7 @@
             </a:r>
           </a:p>
           <a:p>
-            <a:pPr lvl="0" marL="1270000" indent="0">
+            <a:pPr marL="1270000" lvl="0" indent="0">
               <a:buNone/>
             </a:pPr>
             <a:r>
@@ -11633,7 +9219,6 @@
           <a:p>
             <a:pPr lvl="1"/>
             <a:r>
-              <a:rPr/>
               <a:t>The value of </a:t>
             </a:r>
             <a:r>
@@ -11643,14 +9228,12 @@
               <a:t>TRUE</a:t>
             </a:r>
             <a:r>
-              <a:rPr/>
               <a:t> has been changed to 1.</a:t>
             </a:r>
           </a:p>
           <a:p>
             <a:pPr lvl="1"/>
             <a:r>
-              <a:rPr/>
               <a:t>The vector is still a numeric vector</a:t>
             </a:r>
           </a:p>
@@ -11658,6 +9241,9 @@
       </p:sp>
     </p:spTree>
   </p:cSld>
+  <p:clrMapOvr>
+    <a:masterClrMapping/>
+  </p:clrMapOvr>
 </p:sld>
 </file>
 
@@ -11699,36 +9285,11 @@
           <a:bodyPr/>
           <a:lstStyle/>
           <a:p>
-            <a:pPr lvl="0" marL="0" indent="0">
+            <a:pPr marL="0" lvl="0" indent="0">
               <a:buNone/>
             </a:pPr>
             <a:r>
-              <a:rPr/>
-              <a:t>Vectors</a:t>
-            </a:r>
-            <a:r>
-              <a:rPr/>
-              <a:t> </a:t>
-            </a:r>
-            <a:r>
-              <a:rPr/>
-              <a:t>-</a:t>
-            </a:r>
-            <a:r>
-              <a:rPr/>
-              <a:t> </a:t>
-            </a:r>
-            <a:r>
-              <a:rPr/>
-              <a:t>other</a:t>
-            </a:r>
-            <a:r>
-              <a:rPr/>
-              <a:t> </a:t>
-            </a:r>
-            <a:r>
-              <a:rPr/>
-              <a:t>properties</a:t>
+              <a:t>Vectors - other properties</a:t>
             </a:r>
           </a:p>
         </p:txBody>
@@ -11756,21 +9317,18 @@
           <a:p>
             <a:pPr lvl="1"/>
             <a:r>
-              <a:rPr/>
               <a:t>Add a string to a vector of integers</a:t>
             </a:r>
           </a:p>
           <a:p>
             <a:pPr lvl="1"/>
             <a:r>
-              <a:rPr/>
               <a:t>Recall the vector</a:t>
             </a:r>
           </a:p>
           <a:p>
             <a:pPr lvl="1"/>
             <a:r>
-              <a:rPr/>
               <a:t>What has happened?</a:t>
             </a:r>
           </a:p>
@@ -11778,6 +9336,9 @@
       </p:sp>
     </p:spTree>
   </p:cSld>
+  <p:clrMapOvr>
+    <a:masterClrMapping/>
+  </p:clrMapOvr>
 </p:sld>
 </file>
 
@@ -11819,36 +9380,11 @@
           <a:bodyPr/>
           <a:lstStyle/>
           <a:p>
-            <a:pPr lvl="0" marL="0" indent="0">
+            <a:pPr marL="0" lvl="0" indent="0">
               <a:buNone/>
             </a:pPr>
             <a:r>
-              <a:rPr/>
-              <a:t>Vectors</a:t>
-            </a:r>
-            <a:r>
-              <a:rPr/>
-              <a:t> </a:t>
-            </a:r>
-            <a:r>
-              <a:rPr/>
-              <a:t>-</a:t>
-            </a:r>
-            <a:r>
-              <a:rPr/>
-              <a:t> </a:t>
-            </a:r>
-            <a:r>
-              <a:rPr/>
-              <a:t>other</a:t>
-            </a:r>
-            <a:r>
-              <a:rPr/>
-              <a:t> </a:t>
-            </a:r>
-            <a:r>
-              <a:rPr/>
-              <a:t>properties</a:t>
+              <a:t>Vectors - other properties</a:t>
             </a:r>
           </a:p>
         </p:txBody>
@@ -11874,7 +9410,7 @@
           <a:bodyPr/>
           <a:lstStyle/>
           <a:p>
-            <a:pPr lvl="0" marL="1270000" indent="0">
+            <a:pPr marL="1270000" lvl="0" indent="0">
               <a:buNone/>
             </a:pPr>
             <a:r>
@@ -11991,7 +9527,7 @@
             </a:r>
           </a:p>
           <a:p>
-            <a:pPr lvl="0" marL="1270000" indent="0">
+            <a:pPr marL="1270000" lvl="0" indent="0">
               <a:buNone/>
             </a:pPr>
             <a:r>
@@ -12002,7 +9538,7 @@
             </a:r>
           </a:p>
           <a:p>
-            <a:pPr lvl="0" marL="1270000" indent="0">
+            <a:pPr marL="1270000" lvl="0" indent="0">
               <a:buNone/>
             </a:pPr>
             <a:r>
@@ -12022,7 +9558,7 @@
             </a:r>
           </a:p>
           <a:p>
-            <a:pPr lvl="0" marL="1270000" indent="0">
+            <a:pPr marL="1270000" lvl="0" indent="0">
               <a:buNone/>
             </a:pPr>
             <a:r>
@@ -12035,14 +9571,12 @@
           <a:p>
             <a:pPr lvl="1"/>
             <a:r>
-              <a:rPr/>
               <a:t>The string has been added on to the end of the vector.</a:t>
             </a:r>
           </a:p>
           <a:p>
             <a:pPr lvl="1"/>
             <a:r>
-              <a:rPr/>
               <a:t>The vector is now a string vector.</a:t>
             </a:r>
           </a:p>
@@ -12050,6 +9584,9 @@
       </p:sp>
     </p:spTree>
   </p:cSld>
+  <p:clrMapOvr>
+    <a:masterClrMapping/>
+  </p:clrMapOvr>
 </p:sld>
 </file>
 
@@ -12091,35 +9628,18 @@
           <a:bodyPr/>
           <a:lstStyle/>
           <a:p>
-            <a:pPr lvl="0" marL="0" indent="0">
+            <a:pPr marL="0" lvl="0" indent="0">
               <a:buNone/>
             </a:pPr>
             <a:r>
-              <a:rPr/>
-              <a:t>Functions</a:t>
-            </a:r>
-            <a:r>
-              <a:rPr/>
-              <a:t> </a:t>
-            </a:r>
-            <a:r>
-              <a:rPr/>
-              <a:t>as</a:t>
-            </a:r>
-            <a:r>
-              <a:rPr/>
-              <a:t> </a:t>
-            </a:r>
-            <a:r>
-              <a:rPr/>
-              <a:t>factories</a:t>
+              <a:t>Functions as factories</a:t>
             </a:r>
           </a:p>
         </p:txBody>
       </p:sp>
       <p:pic>
         <p:nvPicPr>
-          <p:cNvPr descr="../Images/Function1.png" id="0" name="Picture 1"/>
+          <p:cNvPr id="3" name="Picture 1" descr="../Images/Function1.png"/>
           <p:cNvPicPr>
             <a:picLocks noGrp="1" noChangeAspect="1"/>
           </p:cNvPicPr>
@@ -12149,6 +9669,9 @@
       </p:pic>
     </p:spTree>
   </p:cSld>
+  <p:clrMapOvr>
+    <a:masterClrMapping/>
+  </p:clrMapOvr>
 </p:sld>
 </file>
 
@@ -12190,35 +9713,18 @@
           <a:bodyPr/>
           <a:lstStyle/>
           <a:p>
-            <a:pPr lvl="0" marL="0" indent="0">
+            <a:pPr marL="0" lvl="0" indent="0">
               <a:buNone/>
             </a:pPr>
             <a:r>
-              <a:rPr/>
-              <a:t>Functions</a:t>
-            </a:r>
-            <a:r>
-              <a:rPr/>
-              <a:t> </a:t>
-            </a:r>
-            <a:r>
-              <a:rPr/>
-              <a:t>as</a:t>
-            </a:r>
-            <a:r>
-              <a:rPr/>
-              <a:t> </a:t>
-            </a:r>
-            <a:r>
-              <a:rPr/>
-              <a:t>factories</a:t>
+              <a:t>Functions as factories</a:t>
             </a:r>
           </a:p>
         </p:txBody>
       </p:sp>
       <p:pic>
         <p:nvPicPr>
-          <p:cNvPr descr="../Images/Function2.png" id="0" name="Picture 1"/>
+          <p:cNvPr id="3" name="Picture 1" descr="../Images/Function2.png"/>
           <p:cNvPicPr>
             <a:picLocks noGrp="1" noChangeAspect="1"/>
           </p:cNvPicPr>
@@ -12248,6 +9754,9 @@
       </p:pic>
     </p:spTree>
   </p:cSld>
+  <p:clrMapOvr>
+    <a:masterClrMapping/>
+  </p:clrMapOvr>
 </p:sld>
 </file>
 
@@ -12289,11 +9798,10 @@
           <a:bodyPr/>
           <a:lstStyle/>
           <a:p>
-            <a:pPr lvl="0" marL="0" indent="0">
+            <a:pPr marL="0" lvl="0" indent="0">
               <a:buNone/>
             </a:pPr>
             <a:r>
-              <a:rPr/>
               <a:t>Content</a:t>
             </a:r>
           </a:p>
@@ -12322,28 +9830,24 @@
           <a:p>
             <a:pPr lvl="1"/>
             <a:r>
-              <a:rPr/>
               <a:t>Motivation for R: what and why?</a:t>
             </a:r>
           </a:p>
           <a:p>
             <a:pPr lvl="1"/>
             <a:r>
-              <a:rPr/>
               <a:t>R studio: a tour</a:t>
             </a:r>
           </a:p>
           <a:p>
             <a:pPr lvl="1"/>
             <a:r>
-              <a:rPr/>
               <a:t>R building blocks</a:t>
             </a:r>
           </a:p>
           <a:p>
             <a:pPr lvl="1"/>
             <a:r>
-              <a:rPr/>
               <a:t>Using/Writing functions</a:t>
             </a:r>
           </a:p>
@@ -12351,6 +9855,9 @@
       </p:sp>
     </p:spTree>
   </p:cSld>
+  <p:clrMapOvr>
+    <a:masterClrMapping/>
+  </p:clrMapOvr>
 </p:sld>
 </file>
 
@@ -12392,35 +9899,18 @@
           <a:bodyPr/>
           <a:lstStyle/>
           <a:p>
-            <a:pPr lvl="0" marL="0" indent="0">
+            <a:pPr marL="0" lvl="0" indent="0">
               <a:buNone/>
             </a:pPr>
             <a:r>
-              <a:rPr/>
-              <a:t>Functions</a:t>
-            </a:r>
-            <a:r>
-              <a:rPr/>
-              <a:t> </a:t>
-            </a:r>
-            <a:r>
-              <a:rPr/>
-              <a:t>as</a:t>
-            </a:r>
-            <a:r>
-              <a:rPr/>
-              <a:t> </a:t>
-            </a:r>
-            <a:r>
-              <a:rPr/>
-              <a:t>factories</a:t>
+              <a:t>Functions as factories</a:t>
             </a:r>
           </a:p>
         </p:txBody>
       </p:sp>
       <p:pic>
         <p:nvPicPr>
-          <p:cNvPr descr="../Images/Function3.png" id="0" name="Picture 1"/>
+          <p:cNvPr id="3" name="Picture 1" descr="../Images/Function3.png"/>
           <p:cNvPicPr>
             <a:picLocks noGrp="1" noChangeAspect="1"/>
           </p:cNvPicPr>
@@ -12450,6 +9940,9 @@
       </p:pic>
     </p:spTree>
   </p:cSld>
+  <p:clrMapOvr>
+    <a:masterClrMapping/>
+  </p:clrMapOvr>
 </p:sld>
 </file>
 
@@ -12491,11 +9984,10 @@
           <a:bodyPr/>
           <a:lstStyle/>
           <a:p>
-            <a:pPr lvl="0" marL="0" indent="0">
+            <a:pPr marL="0" lvl="0" indent="0">
               <a:buNone/>
             </a:pPr>
             <a:r>
-              <a:rPr/>
               <a:t>Functions</a:t>
             </a:r>
           </a:p>
@@ -12524,28 +10016,24 @@
           <a:p>
             <a:pPr lvl="1"/>
             <a:r>
-              <a:rPr/>
               <a:t>Sometimes taught as a “black box”</a:t>
             </a:r>
           </a:p>
           <a:p>
             <a:pPr lvl="1"/>
             <a:r>
-              <a:rPr/>
               <a:t>You can think of them as a factory</a:t>
             </a:r>
           </a:p>
           <a:p>
             <a:pPr lvl="1"/>
             <a:r>
-              <a:rPr/>
               <a:t>Usually labelled as a verb (they are “doing” something)</a:t>
             </a:r>
           </a:p>
           <a:p>
             <a:pPr lvl="1"/>
             <a:r>
-              <a:rPr/>
               <a:t>Many come built into R</a:t>
             </a:r>
           </a:p>
@@ -12570,14 +10058,12 @@
           <a:p>
             <a:pPr lvl="1"/>
             <a:r>
-              <a:rPr/>
               <a:t>You can also install ‘packages’ containing bundles of functions</a:t>
             </a:r>
           </a:p>
           <a:p>
             <a:pPr lvl="1"/>
             <a:r>
-              <a:rPr/>
               <a:t>View each function as a separate separate factory in a production line</a:t>
             </a:r>
           </a:p>
@@ -12585,6 +10071,9 @@
       </p:sp>
     </p:spTree>
   </p:cSld>
+  <p:clrMapOvr>
+    <a:masterClrMapping/>
+  </p:clrMapOvr>
 </p:sld>
 </file>
 
@@ -12626,43 +10115,18 @@
           <a:bodyPr/>
           <a:lstStyle/>
           <a:p>
-            <a:pPr lvl="0" marL="0" indent="0">
+            <a:pPr marL="0" lvl="0" indent="0">
               <a:buNone/>
             </a:pPr>
             <a:r>
-              <a:rPr/>
-              <a:t>Functions</a:t>
-            </a:r>
-            <a:r>
-              <a:rPr/>
-              <a:t> </a:t>
-            </a:r>
-            <a:r>
-              <a:rPr/>
-              <a:t>in</a:t>
-            </a:r>
-            <a:r>
-              <a:rPr/>
-              <a:t> </a:t>
-            </a:r>
-            <a:r>
-              <a:rPr/>
-              <a:t>a</a:t>
-            </a:r>
-            <a:r>
-              <a:rPr/>
-              <a:t> </a:t>
-            </a:r>
-            <a:r>
-              <a:rPr/>
-              <a:t>line</a:t>
+              <a:t>Functions in a line</a:t>
             </a:r>
           </a:p>
         </p:txBody>
       </p:sp>
       <p:pic>
         <p:nvPicPr>
-          <p:cNvPr descr="../Images/Function4.png" id="0" name="Picture 1"/>
+          <p:cNvPr id="3" name="Picture 1" descr="../Images/Function4.png"/>
           <p:cNvPicPr>
             <a:picLocks noGrp="1" noChangeAspect="1"/>
           </p:cNvPicPr>
@@ -12692,6 +10156,9 @@
       </p:pic>
     </p:spTree>
   </p:cSld>
+  <p:clrMapOvr>
+    <a:masterClrMapping/>
+  </p:clrMapOvr>
 </p:sld>
 </file>
 
@@ -12733,11 +10200,10 @@
           <a:bodyPr/>
           <a:lstStyle/>
           <a:p>
-            <a:pPr lvl="0" marL="0" indent="0">
+            <a:pPr marL="0" lvl="0" indent="0">
               <a:buNone/>
             </a:pPr>
             <a:r>
-              <a:rPr/>
               <a:t>Functions</a:t>
             </a:r>
           </a:p>
@@ -12766,7 +10232,6 @@
           <a:p>
             <a:pPr lvl="1"/>
             <a:r>
-              <a:rPr/>
               <a:t>You have been using functions already!</a:t>
             </a:r>
           </a:p>
@@ -12779,7 +10244,6 @@
               <a:t>data.frame()</a:t>
             </a:r>
             <a:r>
-              <a:rPr/>
               <a:t> is a function.</a:t>
             </a:r>
           </a:p>
@@ -12792,12 +10256,11 @@
               <a:t>age, gender, weight</a:t>
             </a:r>
             <a:r>
-              <a:rPr/>
               <a:t> are arguments.</a:t>
             </a:r>
           </a:p>
           <a:p>
-            <a:pPr lvl="0" marL="1270000" indent="0">
+            <a:pPr marL="1270000" lvl="0" indent="0">
               <a:buNone/>
             </a:pPr>
             <a:r>
@@ -12817,7 +10280,7 @@
             </a:r>
           </a:p>
           <a:p>
-            <a:pPr lvl="0" marL="1270000" indent="0">
+            <a:pPr marL="1270000" lvl="0" indent="0">
               <a:buNone/>
             </a:pPr>
             <a:r>
@@ -12836,7 +10299,6 @@
           <a:p>
             <a:pPr lvl="1"/>
             <a:r>
-              <a:rPr/>
               <a:t>The data frame is the output</a:t>
             </a:r>
           </a:p>
@@ -12844,6 +10306,9 @@
       </p:sp>
     </p:spTree>
   </p:cSld>
+  <p:clrMapOvr>
+    <a:masterClrMapping/>
+  </p:clrMapOvr>
 </p:sld>
 </file>
 
@@ -12885,68 +10350,11 @@
           <a:bodyPr/>
           <a:lstStyle/>
           <a:p>
-            <a:pPr lvl="0" marL="0" indent="0">
+            <a:pPr marL="0" lvl="0" indent="0">
               <a:buNone/>
             </a:pPr>
             <a:r>
-              <a:rPr/>
-              <a:t>Try</a:t>
-            </a:r>
-            <a:r>
-              <a:rPr/>
-              <a:t> </a:t>
-            </a:r>
-            <a:r>
-              <a:rPr/>
-              <a:t>these</a:t>
-            </a:r>
-            <a:r>
-              <a:rPr/>
-              <a:t> </a:t>
-            </a:r>
-            <a:r>
-              <a:rPr/>
-              <a:t>functions</a:t>
-            </a:r>
-            <a:r>
-              <a:rPr/>
-              <a:t> </a:t>
-            </a:r>
-            <a:r>
-              <a:rPr/>
-              <a:t>yourself.</a:t>
-            </a:r>
-            <a:r>
-              <a:rPr/>
-              <a:t> </a:t>
-            </a:r>
-            <a:r>
-              <a:rPr/>
-              <a:t>What</a:t>
-            </a:r>
-            <a:r>
-              <a:rPr/>
-              <a:t> </a:t>
-            </a:r>
-            <a:r>
-              <a:rPr/>
-              <a:t>do</a:t>
-            </a:r>
-            <a:r>
-              <a:rPr/>
-              <a:t> </a:t>
-            </a:r>
-            <a:r>
-              <a:rPr/>
-              <a:t>they</a:t>
-            </a:r>
-            <a:r>
-              <a:rPr/>
-              <a:t> </a:t>
-            </a:r>
-            <a:r>
-              <a:rPr/>
-              <a:t>do?</a:t>
+              <a:t>Try these functions yourself. What do they do?</a:t>
             </a:r>
           </a:p>
         </p:txBody>
@@ -12974,7 +10382,6 @@
           <a:p>
             <a:pPr lvl="1"/>
             <a:r>
-              <a:rPr/>
               <a:t>Use the </a:t>
             </a:r>
             <a:r>
@@ -12984,7 +10391,6 @@
               <a:t>group</a:t>
             </a:r>
             <a:r>
-              <a:rPr/>
               <a:t> data frame as the argument.</a:t>
             </a:r>
           </a:p>
@@ -13028,6 +10434,9 @@
       </p:sp>
     </p:spTree>
   </p:cSld>
+  <p:clrMapOvr>
+    <a:masterClrMapping/>
+  </p:clrMapOvr>
 </p:sld>
 </file>
 
@@ -13069,36 +10478,11 @@
           <a:bodyPr/>
           <a:lstStyle/>
           <a:p>
-            <a:pPr lvl="0" marL="0" indent="0">
+            <a:pPr marL="0" lvl="0" indent="0">
               <a:buNone/>
             </a:pPr>
             <a:r>
-              <a:rPr/>
-              <a:t>Try</a:t>
-            </a:r>
-            <a:r>
-              <a:rPr/>
-              <a:t> </a:t>
-            </a:r>
-            <a:r>
-              <a:rPr/>
-              <a:t>these</a:t>
-            </a:r>
-            <a:r>
-              <a:rPr/>
-              <a:t> </a:t>
-            </a:r>
-            <a:r>
-              <a:rPr/>
-              <a:t>functions</a:t>
-            </a:r>
-            <a:r>
-              <a:rPr/>
-              <a:t> </a:t>
-            </a:r>
-            <a:r>
-              <a:rPr/>
-              <a:t>yourself.</a:t>
+              <a:t>Try these functions yourself.</a:t>
             </a:r>
           </a:p>
         </p:txBody>
@@ -13132,7 +10516,6 @@
               <a:t>head()</a:t>
             </a:r>
             <a:r>
-              <a:rPr/>
               <a:t> Gives you the first 6 rows</a:t>
             </a:r>
           </a:p>
@@ -13145,7 +10528,6 @@
               <a:t>tail()</a:t>
             </a:r>
             <a:r>
-              <a:rPr/>
               <a:t> Gives you the last 6 rows</a:t>
             </a:r>
           </a:p>
@@ -13158,7 +10540,6 @@
               <a:t>summary()</a:t>
             </a:r>
             <a:r>
-              <a:rPr/>
               <a:t> Gives an overview of the object</a:t>
             </a:r>
           </a:p>
@@ -13171,7 +10552,6 @@
               <a:t>mean()</a:t>
             </a:r>
             <a:r>
-              <a:rPr/>
               <a:t> Gives the mean of a numeric vector</a:t>
             </a:r>
           </a:p>
@@ -13179,6 +10559,9 @@
       </p:sp>
     </p:spTree>
   </p:cSld>
+  <p:clrMapOvr>
+    <a:masterClrMapping/>
+  </p:clrMapOvr>
 </p:sld>
 </file>
 
@@ -13220,20 +10603,11 @@
           <a:bodyPr/>
           <a:lstStyle/>
           <a:p>
-            <a:pPr lvl="0" marL="0" indent="0">
+            <a:pPr marL="0" lvl="0" indent="0">
               <a:buNone/>
             </a:pPr>
             <a:r>
-              <a:rPr/>
-              <a:t>Warning</a:t>
-            </a:r>
-            <a:r>
-              <a:rPr/>
-              <a:t> </a:t>
-            </a:r>
-            <a:r>
-              <a:rPr/>
-              <a:t>note</a:t>
+              <a:t>Warning note</a:t>
             </a:r>
           </a:p>
         </p:txBody>
@@ -13261,21 +10635,18 @@
           <a:p>
             <a:pPr lvl="1"/>
             <a:r>
-              <a:rPr/>
               <a:t>Functions are carrying out pre-written instructions</a:t>
             </a:r>
           </a:p>
           <a:p>
             <a:pPr lvl="1"/>
             <a:r>
-              <a:rPr/>
               <a:t>They will fail if they are supplied with the wrong kind of data - they will return an error message instead</a:t>
             </a:r>
           </a:p>
           <a:p>
             <a:pPr lvl="1"/>
             <a:r>
-              <a:rPr/>
               <a:t>Try </a:t>
             </a:r>
             <a:r>
@@ -13288,28 +10659,24 @@
           <a:p>
             <a:pPr lvl="1"/>
             <a:r>
-              <a:rPr/>
               <a:t>There are other constraints</a:t>
             </a:r>
           </a:p>
           <a:p>
             <a:pPr lvl="1"/>
             <a:r>
-              <a:rPr/>
               <a:t>Dependent on the function itself</a:t>
             </a:r>
           </a:p>
           <a:p>
             <a:pPr lvl="1"/>
             <a:r>
-              <a:rPr/>
               <a:t>HINT: some functions will not work with missing values</a:t>
             </a:r>
           </a:p>
           <a:p>
             <a:pPr lvl="1"/>
             <a:r>
-              <a:rPr/>
               <a:t>You will then need to specify the argument to remove these missing values</a:t>
             </a:r>
           </a:p>
@@ -13317,6 +10684,9 @@
       </p:sp>
     </p:spTree>
   </p:cSld>
+  <p:clrMapOvr>
+    <a:masterClrMapping/>
+  </p:clrMapOvr>
 </p:sld>
 </file>
 
@@ -13358,28 +10728,11 @@
           <a:bodyPr/>
           <a:lstStyle/>
           <a:p>
-            <a:pPr lvl="0" marL="0" indent="0">
+            <a:pPr marL="0" lvl="0" indent="0">
               <a:buNone/>
             </a:pPr>
             <a:r>
-              <a:rPr/>
-              <a:t>Help</a:t>
-            </a:r>
-            <a:r>
-              <a:rPr/>
-              <a:t> </a:t>
-            </a:r>
-            <a:r>
-              <a:rPr/>
-              <a:t>with</a:t>
-            </a:r>
-            <a:r>
-              <a:rPr/>
-              <a:t> </a:t>
-            </a:r>
-            <a:r>
-              <a:rPr/>
-              <a:t>functions</a:t>
+              <a:t>Help with functions</a:t>
             </a:r>
           </a:p>
         </p:txBody>
@@ -13407,21 +10760,18 @@
           <a:p>
             <a:pPr lvl="1"/>
             <a:r>
-              <a:rPr/>
               <a:t>How do you find out how to use a particular function?</a:t>
             </a:r>
           </a:p>
           <a:p>
             <a:pPr lvl="1"/>
             <a:r>
-              <a:rPr/>
               <a:t>Three ways:</a:t>
             </a:r>
           </a:p>
           <a:p>
             <a:pPr lvl="2"/>
             <a:r>
-              <a:rPr/>
               <a:t>Select the </a:t>
             </a:r>
             <a:r>
@@ -13431,14 +10781,12 @@
               <a:t>help</a:t>
             </a:r>
             <a:r>
-              <a:rPr/>
               <a:t> tab in bottom right of RStudio, then type the function name into the search box, and read the help page.</a:t>
             </a:r>
           </a:p>
           <a:p>
             <a:pPr lvl="2"/>
             <a:r>
-              <a:rPr/>
               <a:t>Type </a:t>
             </a:r>
             <a:r>
@@ -13448,14 +10796,12 @@
               <a:t>?function_name</a:t>
             </a:r>
             <a:r>
-              <a:rPr/>
               <a:t> into the console.</a:t>
             </a:r>
           </a:p>
           <a:p>
             <a:pPr lvl="2"/>
             <a:r>
-              <a:rPr/>
               <a:t>If you can’t remember the exact function name try typing </a:t>
             </a:r>
             <a:r>
@@ -13465,7 +10811,6 @@
               <a:t>??whatever_you_want_to_do</a:t>
             </a:r>
             <a:r>
-              <a:rPr/>
               <a:t> into the console. It searches the whole database for matching terms.</a:t>
             </a:r>
           </a:p>
@@ -13473,6 +10818,9 @@
       </p:sp>
     </p:spTree>
   </p:cSld>
+  <p:clrMapOvr>
+    <a:masterClrMapping/>
+  </p:clrMapOvr>
 </p:sld>
 </file>
 
@@ -13514,75 +10862,18 @@
           <a:bodyPr/>
           <a:lstStyle/>
           <a:p>
-            <a:pPr lvl="0" marL="0" indent="0">
+            <a:pPr marL="0" lvl="0" indent="0">
               <a:buNone/>
             </a:pPr>
             <a:r>
-              <a:rPr/>
-              <a:t>This</a:t>
-            </a:r>
-            <a:r>
-              <a:rPr/>
-              <a:t> </a:t>
-            </a:r>
-            <a:r>
-              <a:rPr/>
-              <a:t>is</a:t>
-            </a:r>
-            <a:r>
-              <a:rPr/>
-              <a:t> </a:t>
-            </a:r>
-            <a:r>
-              <a:rPr/>
-              <a:t>what</a:t>
-            </a:r>
-            <a:r>
-              <a:rPr/>
-              <a:t> </a:t>
-            </a:r>
-            <a:r>
-              <a:rPr/>
-              <a:t>a</a:t>
-            </a:r>
-            <a:r>
-              <a:rPr/>
-              <a:t> </a:t>
-            </a:r>
-            <a:r>
-              <a:rPr/>
-              <a:t>help</a:t>
-            </a:r>
-            <a:r>
-              <a:rPr/>
-              <a:t> </a:t>
-            </a:r>
-            <a:r>
-              <a:rPr/>
-              <a:t>page</a:t>
-            </a:r>
-            <a:r>
-              <a:rPr/>
-              <a:t> </a:t>
-            </a:r>
-            <a:r>
-              <a:rPr/>
-              <a:t>looks</a:t>
-            </a:r>
-            <a:r>
-              <a:rPr/>
-              <a:t> </a:t>
-            </a:r>
-            <a:r>
-              <a:rPr/>
-              <a:t>like.</a:t>
+              <a:t>This is what a help page looks like.</a:t>
             </a:r>
           </a:p>
         </p:txBody>
       </p:sp>
       <p:pic>
         <p:nvPicPr>
-          <p:cNvPr descr="../Images/HelpPage.png" id="0" name="Picture 1"/>
+          <p:cNvPr id="3" name="Picture 1" descr="../Images/HelpPage.png"/>
           <p:cNvPicPr>
             <a:picLocks noGrp="1" noChangeAspect="1"/>
           </p:cNvPicPr>
@@ -13612,6 +10903,9 @@
       </p:pic>
     </p:spTree>
   </p:cSld>
+  <p:clrMapOvr>
+    <a:masterClrMapping/>
+  </p:clrMapOvr>
 </p:sld>
 </file>
 
@@ -13653,36 +10947,11 @@
           <a:bodyPr/>
           <a:lstStyle/>
           <a:p>
-            <a:pPr lvl="0" marL="0" indent="0">
+            <a:pPr marL="0" lvl="0" indent="0">
               <a:buNone/>
             </a:pPr>
             <a:r>
-              <a:rPr/>
-              <a:t>Reading</a:t>
-            </a:r>
-            <a:r>
-              <a:rPr/>
-              <a:t> </a:t>
-            </a:r>
-            <a:r>
-              <a:rPr/>
-              <a:t>the</a:t>
-            </a:r>
-            <a:r>
-              <a:rPr/>
-              <a:t> </a:t>
-            </a:r>
-            <a:r>
-              <a:rPr/>
-              <a:t>help</a:t>
-            </a:r>
-            <a:r>
-              <a:rPr/>
-              <a:t> </a:t>
-            </a:r>
-            <a:r>
-              <a:rPr/>
-              <a:t>page</a:t>
+              <a:t>Reading the help page</a:t>
             </a:r>
           </a:p>
         </p:txBody>
@@ -13710,56 +10979,48 @@
           <a:p>
             <a:pPr lvl="1"/>
             <a:r>
-              <a:rPr/>
               <a:t>It’s quite complicated.</a:t>
             </a:r>
           </a:p>
           <a:p>
             <a:pPr lvl="1"/>
             <a:r>
-              <a:rPr/>
               <a:t>But the information is usually displayed in a standard format:</a:t>
             </a:r>
           </a:p>
           <a:p>
             <a:pPr lvl="2"/>
             <a:r>
-              <a:rPr/>
               <a:t>Brief description</a:t>
             </a:r>
           </a:p>
           <a:p>
             <a:pPr lvl="2"/>
             <a:r>
-              <a:rPr/>
               <a:t>An example of use</a:t>
             </a:r>
           </a:p>
           <a:p>
             <a:pPr lvl="2"/>
             <a:r>
-              <a:rPr/>
               <a:t>The argument(s) that can be passed to the function - along with any default value it takes if there is no value provided.</a:t>
             </a:r>
           </a:p>
           <a:p>
             <a:pPr lvl="2"/>
             <a:r>
-              <a:rPr/>
               <a:t>Breakdown of these arguments. Gives you more information about what you need to put in.</a:t>
             </a:r>
           </a:p>
           <a:p>
             <a:pPr lvl="2"/>
             <a:r>
-              <a:rPr/>
               <a:t>Tells you how the function works and what to expect to see in the output.</a:t>
             </a:r>
           </a:p>
           <a:p>
             <a:pPr lvl="2"/>
             <a:r>
-              <a:rPr/>
               <a:t>A reproducible example of use, that you can normally use verbatim.</a:t>
             </a:r>
           </a:p>
@@ -13767,6 +11028,9 @@
       </p:sp>
     </p:spTree>
   </p:cSld>
+  <p:clrMapOvr>
+    <a:masterClrMapping/>
+  </p:clrMapOvr>
 </p:sld>
 </file>
 
@@ -13808,28 +11072,11 @@
           <a:bodyPr/>
           <a:lstStyle/>
           <a:p>
-            <a:pPr lvl="0" marL="0" indent="0">
+            <a:pPr marL="0" lvl="0" indent="0">
               <a:buNone/>
             </a:pPr>
             <a:r>
-              <a:rPr/>
-              <a:t>What</a:t>
-            </a:r>
-            <a:r>
-              <a:rPr/>
-              <a:t> </a:t>
-            </a:r>
-            <a:r>
-              <a:rPr/>
-              <a:t>is</a:t>
-            </a:r>
-            <a:r>
-              <a:rPr/>
-              <a:t> </a:t>
-            </a:r>
-            <a:r>
-              <a:rPr/>
-              <a:t>R?</a:t>
+              <a:t>What is R?</a:t>
             </a:r>
           </a:p>
         </p:txBody>
@@ -13857,49 +11104,42 @@
           <a:p>
             <a:pPr lvl="1"/>
             <a:r>
-              <a:rPr/>
               <a:t>Free software for statistical computing and plotting</a:t>
             </a:r>
           </a:p>
           <a:p>
             <a:pPr lvl="1"/>
             <a:r>
-              <a:rPr/>
               <a:t>Works with variety of platforms</a:t>
             </a:r>
           </a:p>
           <a:p>
             <a:pPr lvl="2"/>
             <a:r>
-              <a:rPr/>
               <a:t>UNIX</a:t>
             </a:r>
           </a:p>
           <a:p>
             <a:pPr lvl="2"/>
             <a:r>
-              <a:rPr/>
               <a:t>MacOS</a:t>
             </a:r>
           </a:p>
           <a:p>
             <a:pPr lvl="2"/>
             <a:r>
-              <a:rPr/>
               <a:t>Windows</a:t>
             </a:r>
           </a:p>
           <a:p>
             <a:pPr lvl="1"/>
             <a:r>
-              <a:rPr/>
               <a:t>Built around handling data. ‘Understands’ data.</a:t>
             </a:r>
           </a:p>
           <a:p>
             <a:pPr lvl="2"/>
             <a:r>
-              <a:rPr/>
               <a:t>Particularly well suited to data science / statistics</a:t>
             </a:r>
           </a:p>
@@ -13907,6 +11147,9 @@
       </p:sp>
     </p:spTree>
   </p:cSld>
+  <p:clrMapOvr>
+    <a:masterClrMapping/>
+  </p:clrMapOvr>
 </p:sld>
 </file>
 
@@ -13948,28 +11191,11 @@
           <a:bodyPr/>
           <a:lstStyle/>
           <a:p>
-            <a:pPr lvl="0" marL="0" indent="0">
+            <a:pPr marL="0" lvl="0" indent="0">
               <a:buNone/>
             </a:pPr>
             <a:r>
-              <a:rPr/>
-              <a:t>Explore</a:t>
-            </a:r>
-            <a:r>
-              <a:rPr/>
-              <a:t> </a:t>
-            </a:r>
-            <a:r>
-              <a:rPr/>
-              <a:t>functions</a:t>
-            </a:r>
-            <a:r>
-              <a:rPr/>
-              <a:t> </a:t>
-            </a:r>
-            <a:r>
-              <a:rPr/>
-              <a:t>yourself</a:t>
+              <a:t>Explore functions yourself</a:t>
             </a:r>
           </a:p>
         </p:txBody>
@@ -13997,7 +11223,6 @@
           <a:p>
             <a:pPr lvl="1"/>
             <a:r>
-              <a:rPr/>
               <a:t>Look up the function </a:t>
             </a:r>
             <a:r>
@@ -14010,35 +11235,30 @@
           <a:p>
             <a:pPr lvl="1"/>
             <a:r>
-              <a:rPr/>
               <a:t>What are the arguments you can give the function?</a:t>
             </a:r>
           </a:p>
           <a:p>
             <a:pPr lvl="2"/>
             <a:r>
-              <a:rPr/>
               <a:t>How do you specify the argument for ‘pattern’? Try it</a:t>
             </a:r>
           </a:p>
           <a:p>
             <a:pPr lvl="2"/>
             <a:r>
-              <a:rPr/>
               <a:t>When might this be useful?</a:t>
             </a:r>
           </a:p>
           <a:p>
             <a:pPr lvl="2"/>
             <a:r>
-              <a:rPr/>
               <a:t>How do you specify the argument for ‘sorted’? Try it</a:t>
             </a:r>
           </a:p>
           <a:p>
             <a:pPr lvl="2"/>
             <a:r>
-              <a:rPr/>
               <a:t>When might this be useful?</a:t>
             </a:r>
           </a:p>
@@ -14046,6 +11266,9 @@
       </p:sp>
     </p:spTree>
   </p:cSld>
+  <p:clrMapOvr>
+    <a:masterClrMapping/>
+  </p:clrMapOvr>
 </p:sld>
 </file>
 
@@ -14087,44 +11310,11 @@
           <a:bodyPr/>
           <a:lstStyle/>
           <a:p>
-            <a:pPr lvl="0" marL="0" indent="0">
+            <a:pPr marL="0" lvl="0" indent="0">
               <a:buNone/>
             </a:pPr>
             <a:r>
-              <a:rPr/>
-              <a:t>Packages</a:t>
-            </a:r>
-            <a:r>
-              <a:rPr/>
-              <a:t> </a:t>
-            </a:r>
-            <a:r>
-              <a:rPr/>
-              <a:t>-</a:t>
-            </a:r>
-            <a:r>
-              <a:rPr/>
-              <a:t> </a:t>
-            </a:r>
-            <a:r>
-              <a:rPr/>
-              <a:t>collections</a:t>
-            </a:r>
-            <a:r>
-              <a:rPr/>
-              <a:t> </a:t>
-            </a:r>
-            <a:r>
-              <a:rPr/>
-              <a:t>of</a:t>
-            </a:r>
-            <a:r>
-              <a:rPr/>
-              <a:t> </a:t>
-            </a:r>
-            <a:r>
-              <a:rPr/>
-              <a:t>functions</a:t>
+              <a:t>Packages - collections of functions</a:t>
             </a:r>
           </a:p>
         </p:txBody>
@@ -14152,33 +11342,29 @@
           <a:p>
             <a:pPr lvl="1"/>
             <a:r>
-              <a:rPr/>
               <a:t>There are bunch of functions that come with R. They are ‘base R’ functions.</a:t>
             </a:r>
           </a:p>
           <a:p>
             <a:pPr lvl="1"/>
             <a:r>
-              <a:rPr/>
               <a:t>Thousands of open access functions in other packages</a:t>
             </a:r>
           </a:p>
           <a:p>
             <a:pPr lvl="1"/>
             <a:r>
-              <a:rPr/>
               <a:t>To access these: install the packages, then load them.</a:t>
             </a:r>
           </a:p>
           <a:p>
             <a:pPr lvl="1"/>
             <a:r>
-              <a:rPr/>
               <a:t>Let’s install and load the ‘tidyverse’ package</a:t>
             </a:r>
           </a:p>
           <a:p>
-            <a:pPr lvl="0" marL="1270000" indent="0">
+            <a:pPr marL="1270000" lvl="0" indent="0">
               <a:buNone/>
             </a:pPr>
             <a:r>
@@ -14231,14 +11417,12 @@
           <a:p>
             <a:pPr lvl="1"/>
             <a:r>
-              <a:rPr/>
               <a:t>You can now use all of the functions that come with ‘tidyverse’.</a:t>
             </a:r>
           </a:p>
           <a:p>
             <a:pPr lvl="1"/>
             <a:r>
-              <a:rPr/>
               <a:t>You need to load the package using </a:t>
             </a:r>
             <a:r>
@@ -14248,7 +11432,6 @@
               <a:t>library</a:t>
             </a:r>
             <a:r>
-              <a:rPr/>
               <a:t> each time you open R. But you will not need to install it again.</a:t>
             </a:r>
           </a:p>
@@ -14256,6 +11439,9 @@
       </p:sp>
     </p:spTree>
   </p:cSld>
+  <p:clrMapOvr>
+    <a:masterClrMapping/>
+  </p:clrMapOvr>
 </p:sld>
 </file>
 
@@ -14297,28 +11483,11 @@
           <a:bodyPr/>
           <a:lstStyle/>
           <a:p>
-            <a:pPr lvl="0" marL="0" indent="0">
+            <a:pPr marL="0" lvl="0" indent="0">
               <a:buNone/>
             </a:pPr>
             <a:r>
-              <a:rPr/>
-              <a:t>Other</a:t>
-            </a:r>
-            <a:r>
-              <a:rPr/>
-              <a:t> </a:t>
-            </a:r>
-            <a:r>
-              <a:rPr/>
-              <a:t>useful</a:t>
-            </a:r>
-            <a:r>
-              <a:rPr/>
-              <a:t> </a:t>
-            </a:r>
-            <a:r>
-              <a:rPr/>
-              <a:t>packages</a:t>
+              <a:t>Other useful packages</a:t>
             </a:r>
           </a:p>
         </p:txBody>
@@ -14344,11 +11513,10 @@
           <a:bodyPr/>
           <a:lstStyle/>
           <a:p>
-            <a:pPr lvl="0" marL="0" indent="0">
+            <a:pPr marL="0" lvl="0" indent="0">
               <a:buNone/>
             </a:pPr>
             <a:r>
-              <a:rPr/>
               <a:t>These are some packages we will be user later in the course.</a:t>
             </a:r>
           </a:p>
@@ -14361,7 +11529,6 @@
               <a:t>ggplot2</a:t>
             </a:r>
             <a:r>
-              <a:rPr/>
               <a:t> - plots graphs in R</a:t>
             </a:r>
           </a:p>
@@ -14374,7 +11541,6 @@
               <a:t>readr</a:t>
             </a:r>
             <a:r>
-              <a:rPr/>
               <a:t> - imports data into R</a:t>
             </a:r>
           </a:p>
@@ -14387,7 +11553,6 @@
               <a:t>stringr</a:t>
             </a:r>
             <a:r>
-              <a:rPr/>
               <a:t> - helps you manipulate strings</a:t>
             </a:r>
           </a:p>
@@ -14400,7 +11565,6 @@
               <a:t>lubridate</a:t>
             </a:r>
             <a:r>
-              <a:rPr/>
               <a:t> - helps you manipulate dates</a:t>
             </a:r>
           </a:p>
@@ -14408,6 +11572,9 @@
       </p:sp>
     </p:spTree>
   </p:cSld>
+  <p:clrMapOvr>
+    <a:masterClrMapping/>
+  </p:clrMapOvr>
 </p:sld>
 </file>
 
@@ -14449,28 +11616,11 @@
           <a:bodyPr/>
           <a:lstStyle/>
           <a:p>
-            <a:pPr lvl="0" marL="0" indent="0">
+            <a:pPr marL="0" lvl="0" indent="0">
               <a:buNone/>
             </a:pPr>
             <a:r>
-              <a:rPr/>
-              <a:t>Why</a:t>
-            </a:r>
-            <a:r>
-              <a:rPr/>
-              <a:t> </a:t>
-            </a:r>
-            <a:r>
-              <a:rPr/>
-              <a:t>use</a:t>
-            </a:r>
-            <a:r>
-              <a:rPr/>
-              <a:t> </a:t>
-            </a:r>
-            <a:r>
-              <a:rPr/>
-              <a:t>R?</a:t>
+              <a:t>Why use R?</a:t>
             </a:r>
           </a:p>
         </p:txBody>
@@ -14498,60 +11648,60 @@
           <a:p>
             <a:pPr lvl="1"/>
             <a:r>
-              <a:rPr/>
+              <a:rPr dirty="0"/>
               <a:t>Why not?</a:t>
             </a:r>
           </a:p>
           <a:p>
             <a:pPr lvl="2"/>
             <a:r>
-              <a:rPr/>
+              <a:rPr dirty="0"/>
               <a:t>Need to learn a new language</a:t>
             </a:r>
           </a:p>
           <a:p>
             <a:pPr lvl="2"/>
             <a:r>
-              <a:rPr/>
+              <a:rPr dirty="0"/>
               <a:t>Does not use ‘point and click’</a:t>
             </a:r>
           </a:p>
           <a:p>
             <a:pPr lvl="2"/>
             <a:r>
-              <a:rPr/>
+              <a:rPr dirty="0"/>
               <a:t>Need to describe to the computer the steps you want it to take</a:t>
             </a:r>
           </a:p>
           <a:p>
             <a:pPr lvl="1"/>
             <a:r>
-              <a:rPr/>
+              <a:rPr dirty="0"/>
               <a:t>Why?</a:t>
             </a:r>
           </a:p>
           <a:p>
             <a:pPr lvl="2"/>
             <a:r>
-              <a:rPr/>
+              <a:rPr dirty="0"/>
               <a:t>You can do </a:t>
             </a:r>
             <a:r>
-              <a:rPr i="1"/>
+              <a:rPr i="1" dirty="0"/>
               <a:t>anything</a:t>
             </a:r>
           </a:p>
           <a:p>
             <a:pPr lvl="2"/>
             <a:r>
-              <a:rPr/>
+              <a:rPr dirty="0"/>
               <a:t>Not limited to the pre-designed command process of an app.</a:t>
             </a:r>
           </a:p>
           <a:p>
             <a:pPr lvl="2"/>
             <a:r>
-              <a:rPr/>
+              <a:rPr dirty="0"/>
               <a:t>You record everything you do, so you can do it again.</a:t>
             </a:r>
           </a:p>
@@ -14559,6 +11709,9 @@
       </p:sp>
     </p:spTree>
   </p:cSld>
+  <p:clrMapOvr>
+    <a:masterClrMapping/>
+  </p:clrMapOvr>
 </p:sld>
 </file>
 
@@ -14600,28 +11753,11 @@
           <a:bodyPr/>
           <a:lstStyle/>
           <a:p>
-            <a:pPr lvl="0" marL="0" indent="0">
+            <a:pPr marL="0" lvl="0" indent="0">
               <a:buNone/>
             </a:pPr>
             <a:r>
-              <a:rPr/>
-              <a:t>Really,</a:t>
-            </a:r>
-            <a:r>
-              <a:rPr/>
-              <a:t> </a:t>
-            </a:r>
-            <a:r>
-              <a:rPr/>
-              <a:t>why</a:t>
-            </a:r>
-            <a:r>
-              <a:rPr/>
-              <a:t> </a:t>
-            </a:r>
-            <a:r>
-              <a:rPr/>
-              <a:t>R?</a:t>
+              <a:t>Really, why R?</a:t>
             </a:r>
           </a:p>
         </p:txBody>
@@ -14649,56 +11785,56 @@
           <a:p>
             <a:pPr lvl="1"/>
             <a:r>
-              <a:rPr/>
+              <a:rPr dirty="0"/>
               <a:t>Save time</a:t>
             </a:r>
           </a:p>
           <a:p>
             <a:pPr lvl="2"/>
             <a:r>
-              <a:rPr/>
+              <a:rPr dirty="0"/>
               <a:t>Small upfront investment for long term gain</a:t>
             </a:r>
           </a:p>
           <a:p>
             <a:pPr lvl="2"/>
             <a:r>
-              <a:rPr/>
+              <a:rPr dirty="0"/>
               <a:t>New data? - Easy</a:t>
             </a:r>
           </a:p>
           <a:p>
             <a:pPr lvl="2"/>
             <a:r>
-              <a:rPr/>
+              <a:rPr dirty="0"/>
               <a:t>Repeat analysis? - Easy</a:t>
             </a:r>
           </a:p>
           <a:p>
             <a:pPr lvl="2"/>
             <a:r>
-              <a:rPr/>
+              <a:rPr dirty="0"/>
               <a:t>Found an error? - Easy</a:t>
             </a:r>
           </a:p>
           <a:p>
             <a:pPr lvl="1"/>
             <a:r>
-              <a:rPr/>
+              <a:rPr dirty="0"/>
               <a:t>Reproducible Science</a:t>
             </a:r>
           </a:p>
           <a:p>
             <a:pPr lvl="2"/>
             <a:r>
-              <a:rPr/>
+              <a:rPr dirty="0"/>
               <a:t>Code makes your analysis explicit</a:t>
             </a:r>
           </a:p>
           <a:p>
             <a:pPr lvl="2"/>
             <a:r>
-              <a:rPr/>
+              <a:rPr dirty="0"/>
               <a:t>Writing code = writing lab-book = good reproducible science</a:t>
             </a:r>
           </a:p>
@@ -14706,6 +11842,9 @@
       </p:sp>
     </p:spTree>
   </p:cSld>
+  <p:clrMapOvr>
+    <a:masterClrMapping/>
+  </p:clrMapOvr>
 </p:sld>
 </file>
 
@@ -14747,43 +11886,18 @@
           <a:bodyPr/>
           <a:lstStyle/>
           <a:p>
-            <a:pPr lvl="0" marL="0" indent="0">
+            <a:pPr marL="0" lvl="0" indent="0">
               <a:buNone/>
             </a:pPr>
             <a:r>
-              <a:rPr/>
-              <a:t>The</a:t>
-            </a:r>
-            <a:r>
-              <a:rPr/>
-              <a:t> </a:t>
-            </a:r>
-            <a:r>
-              <a:rPr/>
-              <a:t>Reproducible</a:t>
-            </a:r>
-            <a:r>
-              <a:rPr/>
-              <a:t> </a:t>
-            </a:r>
-            <a:r>
-              <a:rPr/>
-              <a:t>Science</a:t>
-            </a:r>
-            <a:r>
-              <a:rPr/>
-              <a:t> </a:t>
-            </a:r>
-            <a:r>
-              <a:rPr/>
-              <a:t>Pipeline</a:t>
+              <a:t>The Reproducible Science Pipeline</a:t>
             </a:r>
           </a:p>
         </p:txBody>
       </p:sp>
       <p:pic>
         <p:nvPicPr>
-          <p:cNvPr descr="../Images/Pipeline.png" id="0" name="Picture 1"/>
+          <p:cNvPr id="3" name="Picture 1" descr="../Images/Pipeline.png"/>
           <p:cNvPicPr>
             <a:picLocks noGrp="1" noChangeAspect="1"/>
           </p:cNvPicPr>
@@ -14813,6 +11927,9 @@
       </p:pic>
     </p:spTree>
   </p:cSld>
+  <p:clrMapOvr>
+    <a:masterClrMapping/>
+  </p:clrMapOvr>
 </p:sld>
 </file>
 
@@ -14854,28 +11971,11 @@
           <a:bodyPr/>
           <a:lstStyle/>
           <a:p>
-            <a:pPr lvl="0" marL="0" indent="0">
+            <a:pPr marL="0" lvl="0" indent="0">
               <a:buNone/>
             </a:pPr>
             <a:r>
-              <a:rPr/>
-              <a:t>Working</a:t>
-            </a:r>
-            <a:r>
-              <a:rPr/>
-              <a:t> </a:t>
-            </a:r>
-            <a:r>
-              <a:rPr/>
-              <a:t>with</a:t>
-            </a:r>
-            <a:r>
-              <a:rPr/>
-              <a:t> </a:t>
-            </a:r>
-            <a:r>
-              <a:rPr/>
-              <a:t>RStudio</a:t>
+              <a:t>Working with RStudio</a:t>
             </a:r>
           </a:p>
         </p:txBody>
@@ -14903,49 +12003,42 @@
           <a:p>
             <a:pPr lvl="1"/>
             <a:r>
-              <a:rPr/>
               <a:t>RStudio is an Integrated Development Environment.</a:t>
             </a:r>
           </a:p>
           <a:p>
             <a:pPr lvl="1"/>
             <a:r>
-              <a:rPr/>
               <a:t>Easier to work with than R on it’s own, since it it a bit more ‘point and clicky’</a:t>
             </a:r>
           </a:p>
           <a:p>
             <a:pPr lvl="1"/>
             <a:r>
-              <a:rPr/>
               <a:t>Allows</a:t>
             </a:r>
           </a:p>
           <a:p>
             <a:pPr lvl="2"/>
             <a:r>
-              <a:rPr/>
               <a:t>Code editing</a:t>
             </a:r>
           </a:p>
           <a:p>
             <a:pPr lvl="2"/>
             <a:r>
-              <a:rPr/>
               <a:t>Syntax highlighting</a:t>
             </a:r>
           </a:p>
           <a:p>
             <a:pPr lvl="2"/>
             <a:r>
-              <a:rPr/>
               <a:t>Plotting tools</a:t>
             </a:r>
           </a:p>
           <a:p>
             <a:pPr lvl="2"/>
             <a:r>
-              <a:rPr/>
               <a:t>Workspace management</a:t>
             </a:r>
           </a:p>
@@ -14953,6 +12046,9 @@
       </p:sp>
     </p:spTree>
   </p:cSld>
+  <p:clrMapOvr>
+    <a:masterClrMapping/>
+  </p:clrMapOvr>
 </p:sld>
 </file>
 

--- a/Workshops/Workshop1.pptx
+++ b/Workshops/Workshop1.pptx
@@ -5,7 +5,7 @@
     <p:sldMasterId id="2147483648" r:id="rId1"/>
   </p:sldMasterIdLst>
   <p:notesMasterIdLst>
-    <p:notesMasterId r:id="rId54"/>
+    <p:NotesMasterId r:id="rId54"/>
   </p:notesMasterIdLst>
   <p:sldIdLst>
     <p:sldId id="256" r:id="rId2"/>
@@ -248,7 +248,7 @@
           <a:p>
             <a:fld id="{0F9C1CCF-B725-44A7-AA57-5E433BD85C9F}" type="datetimeFigureOut">
               <a:rPr lang="en-US" smtClean="0"/>
-              <a:t>2/25/20</a:t>
+              <a:t>2/17/2018</a:t>
             </a:fld>
             <a:endParaRPr lang="en-US"/>
           </a:p>
@@ -312,37 +312,38 @@
           <a:p>
             <a:pPr lvl="0"/>
             <a:r>
-              <a:rPr lang="en-US"/>
+              <a:rPr lang="en-US" smtClean="0"/>
               <a:t>Click to edit Master text styles</a:t>
             </a:r>
           </a:p>
           <a:p>
             <a:pPr lvl="1"/>
             <a:r>
-              <a:rPr lang="en-US"/>
+              <a:rPr lang="en-US" smtClean="0"/>
               <a:t>Second level</a:t>
             </a:r>
           </a:p>
           <a:p>
             <a:pPr lvl="2"/>
             <a:r>
-              <a:rPr lang="en-US"/>
+              <a:rPr lang="en-US" smtClean="0"/>
               <a:t>Third level</a:t>
             </a:r>
           </a:p>
           <a:p>
             <a:pPr lvl="3"/>
             <a:r>
-              <a:rPr lang="en-US"/>
+              <a:rPr lang="en-US" smtClean="0"/>
               <a:t>Fourth level</a:t>
             </a:r>
           </a:p>
           <a:p>
             <a:pPr lvl="4"/>
             <a:r>
-              <a:rPr lang="en-US"/>
+              <a:rPr lang="en-US" smtClean="0"/>
               <a:t>Fifth level</a:t>
             </a:r>
+            <a:endParaRPr lang="en-US"/>
           </a:p>
         </p:txBody>
       </p:sp>
@@ -559,11 +560,1184 @@
           <a:bodyPr/>
           <a:lstStyle/>
           <a:p>
-            <a:pPr marL="0" lvl="0" indent="0">
+            <a:pPr lvl="0" marL="0" indent="0">
               <a:buNone/>
             </a:pPr>
             <a:r>
-              <a:t>Ask learners to open RStudio, but don’t get them to type anything in yet.</a:t>
+              <a:rPr/>
+              <a:t>Taken</a:t>
+            </a:r>
+            <a:r>
+              <a:rPr/>
+              <a:t> </a:t>
+            </a:r>
+            <a:r>
+              <a:rPr/>
+              <a:t>from</a:t>
+            </a:r>
+            <a:r>
+              <a:rPr/>
+              <a:t> </a:t>
+            </a:r>
+            <a:r>
+              <a:rPr/>
+              <a:t>https://r4ds.had.co.nz/introduction.html</a:t>
+            </a:r>
+          </a:p>
+          <a:p>
+            <a:pPr lvl="0" marL="0" indent="0">
+              <a:buNone/>
+            </a:pPr>
+          </a:p>
+          <a:p>
+            <a:pPr lvl="1"/>
+            <a:r>
+              <a:rPr b="1"/>
+              <a:t>Import</a:t>
+            </a:r>
+            <a:r>
+              <a:rPr/>
+              <a:t>:</a:t>
+            </a:r>
+            <a:r>
+              <a:rPr/>
+              <a:t> </a:t>
+            </a:r>
+            <a:r>
+              <a:rPr/>
+              <a:t>need</a:t>
+            </a:r>
+            <a:r>
+              <a:rPr/>
+              <a:t> </a:t>
+            </a:r>
+            <a:r>
+              <a:rPr/>
+              <a:t>to</a:t>
+            </a:r>
+            <a:r>
+              <a:rPr/>
+              <a:t> </a:t>
+            </a:r>
+            <a:r>
+              <a:rPr/>
+              <a:t>import</a:t>
+            </a:r>
+            <a:r>
+              <a:rPr/>
+              <a:t> </a:t>
+            </a:r>
+            <a:r>
+              <a:rPr/>
+              <a:t>data</a:t>
+            </a:r>
+            <a:r>
+              <a:rPr/>
+              <a:t> </a:t>
+            </a:r>
+            <a:r>
+              <a:rPr/>
+              <a:t>into</a:t>
+            </a:r>
+            <a:r>
+              <a:rPr/>
+              <a:t> </a:t>
+            </a:r>
+            <a:r>
+              <a:rPr/>
+              <a:t>R</a:t>
+            </a:r>
+          </a:p>
+          <a:p>
+            <a:pPr lvl="0" marL="0" indent="0">
+              <a:buNone/>
+            </a:pPr>
+          </a:p>
+          <a:p>
+            <a:pPr lvl="1"/>
+            <a:r>
+              <a:rPr b="1"/>
+              <a:t>Tidy</a:t>
+            </a:r>
+            <a:r>
+              <a:rPr/>
+              <a:t>:</a:t>
+            </a:r>
+            <a:r>
+              <a:rPr/>
+              <a:t> </a:t>
+            </a:r>
+            <a:r>
+              <a:rPr/>
+              <a:t>in</a:t>
+            </a:r>
+            <a:r>
+              <a:rPr/>
+              <a:t> </a:t>
+            </a:r>
+            <a:r>
+              <a:rPr/>
+              <a:t>short,</a:t>
+            </a:r>
+            <a:r>
+              <a:rPr/>
+              <a:t> </a:t>
+            </a:r>
+            <a:r>
+              <a:rPr/>
+              <a:t>this</a:t>
+            </a:r>
+            <a:r>
+              <a:rPr/>
+              <a:t> </a:t>
+            </a:r>
+            <a:r>
+              <a:rPr/>
+              <a:t>is</a:t>
+            </a:r>
+            <a:r>
+              <a:rPr/>
+              <a:t> </a:t>
+            </a:r>
+            <a:r>
+              <a:rPr/>
+              <a:t>the</a:t>
+            </a:r>
+            <a:r>
+              <a:rPr/>
+              <a:t> </a:t>
+            </a:r>
+            <a:r>
+              <a:rPr/>
+              <a:t>process</a:t>
+            </a:r>
+            <a:r>
+              <a:rPr/>
+              <a:t> </a:t>
+            </a:r>
+            <a:r>
+              <a:rPr/>
+              <a:t>of</a:t>
+            </a:r>
+            <a:r>
+              <a:rPr/>
+              <a:t> </a:t>
+            </a:r>
+            <a:r>
+              <a:rPr/>
+              <a:t>arranging</a:t>
+            </a:r>
+            <a:r>
+              <a:rPr/>
+              <a:t> </a:t>
+            </a:r>
+            <a:r>
+              <a:rPr/>
+              <a:t>data</a:t>
+            </a:r>
+            <a:r>
+              <a:rPr/>
+              <a:t> </a:t>
+            </a:r>
+            <a:r>
+              <a:rPr/>
+              <a:t>such</a:t>
+            </a:r>
+            <a:r>
+              <a:rPr/>
+              <a:t> </a:t>
+            </a:r>
+            <a:r>
+              <a:rPr/>
+              <a:t>that</a:t>
+            </a:r>
+            <a:r>
+              <a:rPr/>
+              <a:t> </a:t>
+            </a:r>
+            <a:r>
+              <a:rPr/>
+              <a:t>each</a:t>
+            </a:r>
+            <a:r>
+              <a:rPr/>
+              <a:t> </a:t>
+            </a:r>
+            <a:r>
+              <a:rPr/>
+              <a:t>variable</a:t>
+            </a:r>
+            <a:r>
+              <a:rPr/>
+              <a:t> </a:t>
+            </a:r>
+            <a:r>
+              <a:rPr/>
+              <a:t>is</a:t>
+            </a:r>
+            <a:r>
+              <a:rPr/>
+              <a:t> </a:t>
+            </a:r>
+            <a:r>
+              <a:rPr/>
+              <a:t>a</a:t>
+            </a:r>
+            <a:r>
+              <a:rPr/>
+              <a:t> </a:t>
+            </a:r>
+            <a:r>
+              <a:rPr/>
+              <a:t>column</a:t>
+            </a:r>
+            <a:r>
+              <a:rPr/>
+              <a:t> </a:t>
+            </a:r>
+            <a:r>
+              <a:rPr/>
+              <a:t>and</a:t>
+            </a:r>
+            <a:r>
+              <a:rPr/>
+              <a:t> </a:t>
+            </a:r>
+            <a:r>
+              <a:rPr/>
+              <a:t>each</a:t>
+            </a:r>
+            <a:r>
+              <a:rPr/>
+              <a:t> </a:t>
+            </a:r>
+            <a:r>
+              <a:rPr/>
+              <a:t>observation</a:t>
+            </a:r>
+            <a:r>
+              <a:rPr/>
+              <a:t> </a:t>
+            </a:r>
+            <a:r>
+              <a:rPr/>
+              <a:t>is</a:t>
+            </a:r>
+            <a:r>
+              <a:rPr/>
+              <a:t> </a:t>
+            </a:r>
+            <a:r>
+              <a:rPr/>
+              <a:t>a</a:t>
+            </a:r>
+            <a:r>
+              <a:rPr/>
+              <a:t> </a:t>
+            </a:r>
+            <a:r>
+              <a:rPr/>
+              <a:t>row.</a:t>
+            </a:r>
+            <a:r>
+              <a:rPr/>
+              <a:t> </a:t>
+            </a:r>
+            <a:r>
+              <a:rPr/>
+              <a:t>Done</a:t>
+            </a:r>
+            <a:r>
+              <a:rPr/>
+              <a:t> </a:t>
+            </a:r>
+            <a:r>
+              <a:rPr/>
+              <a:t>to</a:t>
+            </a:r>
+            <a:r>
+              <a:rPr/>
+              <a:t> </a:t>
+            </a:r>
+            <a:r>
+              <a:rPr/>
+              <a:t>ensure</a:t>
+            </a:r>
+            <a:r>
+              <a:rPr/>
+              <a:t> </a:t>
+            </a:r>
+            <a:r>
+              <a:rPr/>
+              <a:t>compatibility</a:t>
+            </a:r>
+            <a:r>
+              <a:rPr/>
+              <a:t> </a:t>
+            </a:r>
+            <a:r>
+              <a:rPr/>
+              <a:t>with</a:t>
+            </a:r>
+            <a:r>
+              <a:rPr/>
+              <a:t> </a:t>
+            </a:r>
+            <a:r>
+              <a:rPr/>
+              <a:t>functions.</a:t>
+            </a:r>
+          </a:p>
+          <a:p>
+            <a:pPr lvl="0" marL="0" indent="0">
+              <a:buNone/>
+            </a:pPr>
+          </a:p>
+          <a:p>
+            <a:pPr lvl="1"/>
+            <a:r>
+              <a:rPr b="1"/>
+              <a:t>Transform</a:t>
+            </a:r>
+            <a:r>
+              <a:rPr/>
+              <a:t>:</a:t>
+            </a:r>
+            <a:r>
+              <a:rPr/>
+              <a:t> </a:t>
+            </a:r>
+            <a:r>
+              <a:rPr/>
+              <a:t>can</a:t>
+            </a:r>
+            <a:r>
+              <a:rPr/>
+              <a:t> </a:t>
+            </a:r>
+            <a:r>
+              <a:rPr/>
+              <a:t>be</a:t>
+            </a:r>
+            <a:r>
+              <a:rPr/>
+              <a:t> </a:t>
+            </a:r>
+            <a:r>
+              <a:rPr/>
+              <a:t>narrowing</a:t>
+            </a:r>
+            <a:r>
+              <a:rPr/>
+              <a:t> </a:t>
+            </a:r>
+            <a:r>
+              <a:rPr/>
+              <a:t>in</a:t>
+            </a:r>
+            <a:r>
+              <a:rPr/>
+              <a:t> </a:t>
+            </a:r>
+            <a:r>
+              <a:rPr/>
+              <a:t>on</a:t>
+            </a:r>
+            <a:r>
+              <a:rPr/>
+              <a:t> </a:t>
+            </a:r>
+            <a:r>
+              <a:rPr/>
+              <a:t>observations</a:t>
+            </a:r>
+            <a:r>
+              <a:rPr/>
+              <a:t> </a:t>
+            </a:r>
+            <a:r>
+              <a:rPr/>
+              <a:t>of</a:t>
+            </a:r>
+            <a:r>
+              <a:rPr/>
+              <a:t> </a:t>
+            </a:r>
+            <a:r>
+              <a:rPr/>
+              <a:t>interest</a:t>
+            </a:r>
+            <a:r>
+              <a:rPr/>
+              <a:t> </a:t>
+            </a:r>
+            <a:r>
+              <a:rPr/>
+              <a:t>(e.g. only</a:t>
+            </a:r>
+            <a:r>
+              <a:rPr/>
+              <a:t> </a:t>
+            </a:r>
+            <a:r>
+              <a:rPr/>
+              <a:t>female</a:t>
+            </a:r>
+            <a:r>
+              <a:rPr/>
+              <a:t> </a:t>
+            </a:r>
+            <a:r>
+              <a:rPr/>
+              <a:t>patients);</a:t>
+            </a:r>
+            <a:r>
+              <a:rPr/>
+              <a:t> </a:t>
+            </a:r>
+            <a:r>
+              <a:rPr/>
+              <a:t>creating</a:t>
+            </a:r>
+            <a:r>
+              <a:rPr/>
+              <a:t> </a:t>
+            </a:r>
+            <a:r>
+              <a:rPr/>
+              <a:t>new</a:t>
+            </a:r>
+            <a:r>
+              <a:rPr/>
+              <a:t> </a:t>
+            </a:r>
+            <a:r>
+              <a:rPr/>
+              <a:t>variables</a:t>
+            </a:r>
+            <a:r>
+              <a:rPr/>
+              <a:t> </a:t>
+            </a:r>
+            <a:r>
+              <a:rPr/>
+              <a:t>that</a:t>
+            </a:r>
+            <a:r>
+              <a:rPr/>
+              <a:t> </a:t>
+            </a:r>
+            <a:r>
+              <a:rPr/>
+              <a:t>are</a:t>
+            </a:r>
+            <a:r>
+              <a:rPr/>
+              <a:t> </a:t>
+            </a:r>
+            <a:r>
+              <a:rPr/>
+              <a:t>functions</a:t>
+            </a:r>
+            <a:r>
+              <a:rPr/>
+              <a:t> </a:t>
+            </a:r>
+            <a:r>
+              <a:rPr/>
+              <a:t>of</a:t>
+            </a:r>
+            <a:r>
+              <a:rPr/>
+              <a:t> </a:t>
+            </a:r>
+            <a:r>
+              <a:rPr/>
+              <a:t>existing</a:t>
+            </a:r>
+            <a:r>
+              <a:rPr/>
+              <a:t> </a:t>
+            </a:r>
+            <a:r>
+              <a:rPr/>
+              <a:t>variables</a:t>
+            </a:r>
+            <a:r>
+              <a:rPr/>
+              <a:t> </a:t>
+            </a:r>
+            <a:r>
+              <a:rPr/>
+              <a:t>(e.g. time</a:t>
+            </a:r>
+            <a:r>
+              <a:rPr/>
+              <a:t> </a:t>
+            </a:r>
+            <a:r>
+              <a:rPr/>
+              <a:t>of</a:t>
+            </a:r>
+            <a:r>
+              <a:rPr/>
+              <a:t> </a:t>
+            </a:r>
+            <a:r>
+              <a:rPr/>
+              <a:t>stay</a:t>
+            </a:r>
+            <a:r>
+              <a:rPr/>
+              <a:t> </a:t>
+            </a:r>
+            <a:r>
+              <a:rPr/>
+              <a:t>=</a:t>
+            </a:r>
+            <a:r>
+              <a:rPr/>
+              <a:t> </a:t>
+            </a:r>
+            <a:r>
+              <a:rPr/>
+              <a:t>discharge</a:t>
+            </a:r>
+            <a:r>
+              <a:rPr/>
+              <a:t> </a:t>
+            </a:r>
+            <a:r>
+              <a:rPr/>
+              <a:t>date</a:t>
+            </a:r>
+            <a:r>
+              <a:rPr/>
+              <a:t> </a:t>
+            </a:r>
+            <a:r>
+              <a:rPr/>
+              <a:t>-</a:t>
+            </a:r>
+            <a:r>
+              <a:rPr/>
+              <a:t> </a:t>
+            </a:r>
+            <a:r>
+              <a:rPr/>
+              <a:t>arrival</a:t>
+            </a:r>
+            <a:r>
+              <a:rPr/>
+              <a:t> </a:t>
+            </a:r>
+            <a:r>
+              <a:rPr/>
+              <a:t>date);</a:t>
+            </a:r>
+            <a:r>
+              <a:rPr/>
+              <a:t> </a:t>
+            </a:r>
+            <a:r>
+              <a:rPr/>
+              <a:t>calculating</a:t>
+            </a:r>
+            <a:r>
+              <a:rPr/>
+              <a:t> </a:t>
+            </a:r>
+            <a:r>
+              <a:rPr/>
+              <a:t>summary</a:t>
+            </a:r>
+            <a:r>
+              <a:rPr/>
+              <a:t> </a:t>
+            </a:r>
+            <a:r>
+              <a:rPr/>
+              <a:t>statistics</a:t>
+            </a:r>
+            <a:r>
+              <a:rPr/>
+              <a:t> </a:t>
+            </a:r>
+            <a:r>
+              <a:rPr/>
+              <a:t>(e.g. counts</a:t>
+            </a:r>
+            <a:r>
+              <a:rPr/>
+              <a:t> </a:t>
+            </a:r>
+            <a:r>
+              <a:rPr/>
+              <a:t>or</a:t>
+            </a:r>
+            <a:r>
+              <a:rPr/>
+              <a:t> </a:t>
+            </a:r>
+            <a:r>
+              <a:rPr/>
+              <a:t>means).</a:t>
+            </a:r>
+          </a:p>
+          <a:p>
+            <a:pPr lvl="0" marL="0" indent="0">
+              <a:buNone/>
+            </a:pPr>
+          </a:p>
+          <a:p>
+            <a:pPr lvl="1"/>
+            <a:r>
+              <a:rPr/>
+              <a:t>Process</a:t>
+            </a:r>
+            <a:r>
+              <a:rPr/>
+              <a:t> </a:t>
+            </a:r>
+            <a:r>
+              <a:rPr/>
+              <a:t>of</a:t>
+            </a:r>
+            <a:r>
+              <a:rPr/>
+              <a:t> </a:t>
+            </a:r>
+            <a:r>
+              <a:rPr b="1"/>
+              <a:t>tidying</a:t>
+            </a:r>
+            <a:r>
+              <a:rPr/>
+              <a:t> </a:t>
+            </a:r>
+            <a:r>
+              <a:rPr/>
+              <a:t>+</a:t>
+            </a:r>
+            <a:r>
+              <a:rPr/>
+              <a:t> </a:t>
+            </a:r>
+            <a:r>
+              <a:rPr b="1"/>
+              <a:t>transforming</a:t>
+            </a:r>
+            <a:r>
+              <a:rPr/>
+              <a:t> </a:t>
+            </a:r>
+            <a:r>
+              <a:rPr/>
+              <a:t>=</a:t>
+            </a:r>
+            <a:r>
+              <a:rPr/>
+              <a:t> </a:t>
+            </a:r>
+            <a:r>
+              <a:rPr b="1"/>
+              <a:t>wrangling</a:t>
+            </a:r>
+          </a:p>
+          <a:p>
+            <a:pPr lvl="0" marL="0" indent="0">
+              <a:buNone/>
+            </a:pPr>
+          </a:p>
+          <a:p>
+            <a:pPr lvl="1"/>
+            <a:r>
+              <a:rPr b="1"/>
+              <a:t>Visualisation</a:t>
+            </a:r>
+            <a:r>
+              <a:rPr/>
+              <a:t>:</a:t>
+            </a:r>
+            <a:r>
+              <a:rPr/>
+              <a:t> </a:t>
+            </a:r>
+            <a:r>
+              <a:rPr/>
+              <a:t>once</a:t>
+            </a:r>
+            <a:r>
+              <a:rPr/>
+              <a:t> </a:t>
+            </a:r>
+            <a:r>
+              <a:rPr/>
+              <a:t>data</a:t>
+            </a:r>
+            <a:r>
+              <a:rPr/>
+              <a:t> </a:t>
+            </a:r>
+            <a:r>
+              <a:rPr/>
+              <a:t>has</a:t>
+            </a:r>
+            <a:r>
+              <a:rPr/>
+              <a:t> </a:t>
+            </a:r>
+            <a:r>
+              <a:rPr/>
+              <a:t>been</a:t>
+            </a:r>
+            <a:r>
+              <a:rPr/>
+              <a:t> </a:t>
+            </a:r>
+            <a:r>
+              <a:rPr/>
+              <a:t>transformed,</a:t>
+            </a:r>
+            <a:r>
+              <a:rPr/>
+              <a:t> </a:t>
+            </a:r>
+            <a:r>
+              <a:rPr/>
+              <a:t>it</a:t>
+            </a:r>
+            <a:r>
+              <a:rPr/>
+              <a:t> </a:t>
+            </a:r>
+            <a:r>
+              <a:rPr/>
+              <a:t>should</a:t>
+            </a:r>
+            <a:r>
+              <a:rPr/>
+              <a:t> </a:t>
+            </a:r>
+            <a:r>
+              <a:rPr/>
+              <a:t>be</a:t>
+            </a:r>
+            <a:r>
+              <a:rPr/>
+              <a:t> </a:t>
+            </a:r>
+            <a:r>
+              <a:rPr/>
+              <a:t>visualised.</a:t>
+            </a:r>
+            <a:r>
+              <a:rPr/>
+              <a:t> </a:t>
+            </a:r>
+            <a:r>
+              <a:rPr/>
+              <a:t>A</a:t>
+            </a:r>
+            <a:r>
+              <a:rPr/>
+              <a:t> </a:t>
+            </a:r>
+            <a:r>
+              <a:rPr/>
+              <a:t>good</a:t>
+            </a:r>
+            <a:r>
+              <a:rPr/>
+              <a:t> </a:t>
+            </a:r>
+            <a:r>
+              <a:rPr/>
+              <a:t>visualisation</a:t>
+            </a:r>
+            <a:r>
+              <a:rPr/>
+              <a:t> </a:t>
+            </a:r>
+            <a:r>
+              <a:rPr/>
+              <a:t>will</a:t>
+            </a:r>
+            <a:r>
+              <a:rPr/>
+              <a:t> </a:t>
+            </a:r>
+            <a:r>
+              <a:rPr/>
+              <a:t>show</a:t>
+            </a:r>
+            <a:r>
+              <a:rPr/>
+              <a:t> </a:t>
+            </a:r>
+            <a:r>
+              <a:rPr/>
+              <a:t>you</a:t>
+            </a:r>
+            <a:r>
+              <a:rPr/>
+              <a:t> </a:t>
+            </a:r>
+            <a:r>
+              <a:rPr/>
+              <a:t>things</a:t>
+            </a:r>
+            <a:r>
+              <a:rPr/>
+              <a:t> </a:t>
+            </a:r>
+            <a:r>
+              <a:rPr/>
+              <a:t>that</a:t>
+            </a:r>
+            <a:r>
+              <a:rPr/>
+              <a:t> </a:t>
+            </a:r>
+            <a:r>
+              <a:rPr/>
+              <a:t>you</a:t>
+            </a:r>
+            <a:r>
+              <a:rPr/>
+              <a:t> </a:t>
+            </a:r>
+            <a:r>
+              <a:rPr/>
+              <a:t>did</a:t>
+            </a:r>
+            <a:r>
+              <a:rPr/>
+              <a:t> </a:t>
+            </a:r>
+            <a:r>
+              <a:rPr/>
+              <a:t>not</a:t>
+            </a:r>
+            <a:r>
+              <a:rPr/>
+              <a:t> </a:t>
+            </a:r>
+            <a:r>
+              <a:rPr/>
+              <a:t>expect,</a:t>
+            </a:r>
+            <a:r>
+              <a:rPr/>
+              <a:t> </a:t>
+            </a:r>
+            <a:r>
+              <a:rPr/>
+              <a:t>or</a:t>
+            </a:r>
+            <a:r>
+              <a:rPr/>
+              <a:t> </a:t>
+            </a:r>
+            <a:r>
+              <a:rPr/>
+              <a:t>raise</a:t>
+            </a:r>
+            <a:r>
+              <a:rPr/>
+              <a:t> </a:t>
+            </a:r>
+            <a:r>
+              <a:rPr/>
+              <a:t>new</a:t>
+            </a:r>
+            <a:r>
+              <a:rPr/>
+              <a:t> </a:t>
+            </a:r>
+            <a:r>
+              <a:rPr/>
+              <a:t>questions</a:t>
+            </a:r>
+            <a:r>
+              <a:rPr/>
+              <a:t> </a:t>
+            </a:r>
+            <a:r>
+              <a:rPr/>
+              <a:t>about</a:t>
+            </a:r>
+            <a:r>
+              <a:rPr/>
+              <a:t> </a:t>
+            </a:r>
+            <a:r>
+              <a:rPr/>
+              <a:t>the</a:t>
+            </a:r>
+            <a:r>
+              <a:rPr/>
+              <a:t> </a:t>
+            </a:r>
+            <a:r>
+              <a:rPr/>
+              <a:t>data.</a:t>
+            </a:r>
+          </a:p>
+          <a:p>
+            <a:pPr lvl="0" marL="0" indent="0">
+              <a:buNone/>
+            </a:pPr>
+          </a:p>
+          <a:p>
+            <a:pPr lvl="1"/>
+            <a:r>
+              <a:rPr b="1"/>
+              <a:t>Modelling</a:t>
+            </a:r>
+            <a:r>
+              <a:rPr/>
+              <a:t>:</a:t>
+            </a:r>
+            <a:r>
+              <a:rPr/>
+              <a:t> </a:t>
+            </a:r>
+            <a:r>
+              <a:rPr/>
+              <a:t>once</a:t>
+            </a:r>
+            <a:r>
+              <a:rPr/>
+              <a:t> </a:t>
+            </a:r>
+            <a:r>
+              <a:rPr/>
+              <a:t>your</a:t>
+            </a:r>
+            <a:r>
+              <a:rPr/>
+              <a:t> </a:t>
+            </a:r>
+            <a:r>
+              <a:rPr/>
+              <a:t>question</a:t>
+            </a:r>
+            <a:r>
+              <a:rPr/>
+              <a:t> </a:t>
+            </a:r>
+            <a:r>
+              <a:rPr/>
+              <a:t>is</a:t>
+            </a:r>
+            <a:r>
+              <a:rPr/>
+              <a:t> </a:t>
+            </a:r>
+            <a:r>
+              <a:rPr/>
+              <a:t>sufficiently</a:t>
+            </a:r>
+            <a:r>
+              <a:rPr/>
+              <a:t> </a:t>
+            </a:r>
+            <a:r>
+              <a:rPr/>
+              <a:t>precise,</a:t>
+            </a:r>
+            <a:r>
+              <a:rPr/>
+              <a:t> </a:t>
+            </a:r>
+            <a:r>
+              <a:rPr/>
+              <a:t>you</a:t>
+            </a:r>
+            <a:r>
+              <a:rPr/>
+              <a:t> </a:t>
+            </a:r>
+            <a:r>
+              <a:rPr/>
+              <a:t>can</a:t>
+            </a:r>
+            <a:r>
+              <a:rPr/>
+              <a:t> </a:t>
+            </a:r>
+            <a:r>
+              <a:rPr/>
+              <a:t>use</a:t>
+            </a:r>
+            <a:r>
+              <a:rPr/>
+              <a:t> </a:t>
+            </a:r>
+            <a:r>
+              <a:rPr/>
+              <a:t>a</a:t>
+            </a:r>
+            <a:r>
+              <a:rPr/>
+              <a:t> </a:t>
+            </a:r>
+            <a:r>
+              <a:rPr/>
+              <a:t>model</a:t>
+            </a:r>
+            <a:r>
+              <a:rPr/>
+              <a:t> </a:t>
+            </a:r>
+            <a:r>
+              <a:rPr/>
+              <a:t>to</a:t>
+            </a:r>
+            <a:r>
+              <a:rPr/>
+              <a:t> </a:t>
+            </a:r>
+            <a:r>
+              <a:rPr/>
+              <a:t>answer</a:t>
+            </a:r>
+            <a:r>
+              <a:rPr/>
+              <a:t> </a:t>
+            </a:r>
+            <a:r>
+              <a:rPr/>
+              <a:t>the</a:t>
+            </a:r>
+            <a:r>
+              <a:rPr/>
+              <a:t> </a:t>
+            </a:r>
+            <a:r>
+              <a:rPr/>
+              <a:t>question.</a:t>
+            </a:r>
+          </a:p>
+          <a:p>
+            <a:pPr lvl="0" marL="0" indent="0">
+              <a:buNone/>
+            </a:pPr>
+          </a:p>
+          <a:p>
+            <a:pPr lvl="1"/>
+            <a:r>
+              <a:rPr b="1"/>
+              <a:t>Communication</a:t>
+            </a:r>
+            <a:r>
+              <a:rPr/>
+              <a:t>:</a:t>
+            </a:r>
+            <a:r>
+              <a:rPr/>
+              <a:t> </a:t>
+            </a:r>
+            <a:r>
+              <a:rPr/>
+              <a:t>critical</a:t>
+            </a:r>
+            <a:r>
+              <a:rPr/>
+              <a:t> </a:t>
+            </a:r>
+            <a:r>
+              <a:rPr/>
+              <a:t>part</a:t>
+            </a:r>
+            <a:r>
+              <a:rPr/>
+              <a:t> </a:t>
+            </a:r>
+            <a:r>
+              <a:rPr/>
+              <a:t>of</a:t>
+            </a:r>
+            <a:r>
+              <a:rPr/>
+              <a:t> </a:t>
+            </a:r>
+            <a:r>
+              <a:rPr/>
+              <a:t>any</a:t>
+            </a:r>
+            <a:r>
+              <a:rPr/>
+              <a:t> </a:t>
+            </a:r>
+            <a:r>
+              <a:rPr/>
+              <a:t>data</a:t>
+            </a:r>
+            <a:r>
+              <a:rPr/>
+              <a:t> </a:t>
+            </a:r>
+            <a:r>
+              <a:rPr/>
+              <a:t>analysis</a:t>
+            </a:r>
+            <a:r>
+              <a:rPr/>
+              <a:t> </a:t>
+            </a:r>
+            <a:r>
+              <a:rPr/>
+              <a:t>project</a:t>
+            </a:r>
+            <a:r>
+              <a:rPr/>
+              <a:t> </a:t>
+            </a:r>
+            <a:r>
+              <a:rPr/>
+              <a:t>is</a:t>
+            </a:r>
+            <a:r>
+              <a:rPr/>
+              <a:t> </a:t>
+            </a:r>
+            <a:r>
+              <a:rPr/>
+              <a:t>communicating</a:t>
+            </a:r>
+            <a:r>
+              <a:rPr/>
+              <a:t> </a:t>
+            </a:r>
+            <a:r>
+              <a:rPr/>
+              <a:t>the</a:t>
+            </a:r>
+            <a:r>
+              <a:rPr/>
+              <a:t> </a:t>
+            </a:r>
+            <a:r>
+              <a:rPr/>
+              <a:t>results</a:t>
+            </a:r>
+            <a:r>
+              <a:rPr/>
+              <a:t> </a:t>
+            </a:r>
+            <a:r>
+              <a:rPr/>
+              <a:t>to</a:t>
+            </a:r>
+            <a:r>
+              <a:rPr/>
+              <a:t> </a:t>
+            </a:r>
+            <a:r>
+              <a:rPr/>
+              <a:t>others.</a:t>
             </a:r>
           </a:p>
         </p:txBody>
@@ -585,7 +1759,7 @@
           <a:p>
             <a:fld id="{18BDFEC3-8487-43E8-A154-7C12CBC1FFF2}" type="slidenum">
               <a:rPr lang="en-US"/>
-              <a:t>11</a:t>
+              <a:t>8</a:t>
             </a:fld>
             <a:endParaRPr lang="en-US"/>
           </a:p>
@@ -593,9 +1767,6 @@
       </p:sp>
     </p:spTree>
   </p:cSld>
-  <p:clrMapOvr>
-    <a:masterClrMapping/>
-  </p:clrMapOvr>
 </p:notes>
 </file>
 
@@ -643,11 +1814,44 @@
           <a:bodyPr/>
           <a:lstStyle/>
           <a:p>
-            <a:pPr marL="0" lvl="0" indent="0">
+            <a:pPr lvl="0" marL="0" indent="0">
               <a:buNone/>
             </a:pPr>
             <a:r>
-              <a:t>Get them to load tidyverse. Emphasise that this is a process we will keep repeating throughout the course.</a:t>
+              <a:rPr/>
+              <a:t>Work</a:t>
+            </a:r>
+            <a:r>
+              <a:rPr/>
+              <a:t> </a:t>
+            </a:r>
+            <a:r>
+              <a:rPr/>
+              <a:t>through</a:t>
+            </a:r>
+            <a:r>
+              <a:rPr/>
+              <a:t> </a:t>
+            </a:r>
+            <a:r>
+              <a:rPr/>
+              <a:t>this</a:t>
+            </a:r>
+            <a:r>
+              <a:rPr/>
+              <a:t> </a:t>
+            </a:r>
+            <a:r>
+              <a:rPr/>
+              <a:t>with</a:t>
+            </a:r>
+            <a:r>
+              <a:rPr/>
+              <a:t> </a:t>
+            </a:r>
+            <a:r>
+              <a:rPr/>
+              <a:t>them.</a:t>
             </a:r>
           </a:p>
         </p:txBody>
@@ -669,7 +1873,7 @@
           <a:p>
             <a:fld id="{18BDFEC3-8487-43E8-A154-7C12CBC1FFF2}" type="slidenum">
               <a:rPr lang="en-US"/>
-              <a:t>51</a:t>
+              <a:t>50</a:t>
             </a:fld>
             <a:endParaRPr lang="en-US"/>
           </a:p>
@@ -677,9 +1881,6 @@
       </p:sp>
     </p:spTree>
   </p:cSld>
-  <p:clrMapOvr>
-    <a:masterClrMapping/>
-  </p:clrMapOvr>
 </p:notes>
 </file>
 
@@ -727,11 +1928,318 @@
           <a:bodyPr/>
           <a:lstStyle/>
           <a:p>
-            <a:pPr marL="0" lvl="0" indent="0">
+            <a:pPr lvl="0" marL="0" indent="0">
               <a:buNone/>
             </a:pPr>
             <a:r>
-              <a:t>Maybe mention that a few of these packages are loaded with tidyverse.</a:t>
+              <a:rPr/>
+              <a:t>Get</a:t>
+            </a:r>
+            <a:r>
+              <a:rPr/>
+              <a:t> </a:t>
+            </a:r>
+            <a:r>
+              <a:rPr/>
+              <a:t>them</a:t>
+            </a:r>
+            <a:r>
+              <a:rPr/>
+              <a:t> </a:t>
+            </a:r>
+            <a:r>
+              <a:rPr/>
+              <a:t>to</a:t>
+            </a:r>
+            <a:r>
+              <a:rPr/>
+              <a:t> </a:t>
+            </a:r>
+            <a:r>
+              <a:rPr/>
+              <a:t>load</a:t>
+            </a:r>
+            <a:r>
+              <a:rPr/>
+              <a:t> </a:t>
+            </a:r>
+            <a:r>
+              <a:rPr/>
+              <a:t>tidyverse.</a:t>
+            </a:r>
+            <a:r>
+              <a:rPr/>
+              <a:t> </a:t>
+            </a:r>
+            <a:r>
+              <a:rPr/>
+              <a:t>Emphasise</a:t>
+            </a:r>
+            <a:r>
+              <a:rPr/>
+              <a:t> </a:t>
+            </a:r>
+            <a:r>
+              <a:rPr/>
+              <a:t>that</a:t>
+            </a:r>
+            <a:r>
+              <a:rPr/>
+              <a:t> </a:t>
+            </a:r>
+            <a:r>
+              <a:rPr/>
+              <a:t>this</a:t>
+            </a:r>
+            <a:r>
+              <a:rPr/>
+              <a:t> </a:t>
+            </a:r>
+            <a:r>
+              <a:rPr/>
+              <a:t>is</a:t>
+            </a:r>
+            <a:r>
+              <a:rPr/>
+              <a:t> </a:t>
+            </a:r>
+            <a:r>
+              <a:rPr/>
+              <a:t>a</a:t>
+            </a:r>
+            <a:r>
+              <a:rPr/>
+              <a:t> </a:t>
+            </a:r>
+            <a:r>
+              <a:rPr/>
+              <a:t>process</a:t>
+            </a:r>
+            <a:r>
+              <a:rPr/>
+              <a:t> </a:t>
+            </a:r>
+            <a:r>
+              <a:rPr/>
+              <a:t>we</a:t>
+            </a:r>
+            <a:r>
+              <a:rPr/>
+              <a:t> </a:t>
+            </a:r>
+            <a:r>
+              <a:rPr/>
+              <a:t>will</a:t>
+            </a:r>
+            <a:r>
+              <a:rPr/>
+              <a:t> </a:t>
+            </a:r>
+            <a:r>
+              <a:rPr/>
+              <a:t>keep</a:t>
+            </a:r>
+            <a:r>
+              <a:rPr/>
+              <a:t> </a:t>
+            </a:r>
+            <a:r>
+              <a:rPr/>
+              <a:t>repeating</a:t>
+            </a:r>
+            <a:r>
+              <a:rPr/>
+              <a:t> </a:t>
+            </a:r>
+            <a:r>
+              <a:rPr/>
+              <a:t>throughout</a:t>
+            </a:r>
+            <a:r>
+              <a:rPr/>
+              <a:t> </a:t>
+            </a:r>
+            <a:r>
+              <a:rPr/>
+              <a:t>the</a:t>
+            </a:r>
+            <a:r>
+              <a:rPr/>
+              <a:t> </a:t>
+            </a:r>
+            <a:r>
+              <a:rPr/>
+              <a:t>course.</a:t>
+            </a:r>
+          </a:p>
+        </p:txBody>
+      </p:sp>
+      <p:sp>
+        <p:nvSpPr>
+          <p:cNvPr id="4" name="Slide Number Placeholder 3"/>
+          <p:cNvSpPr>
+            <a:spLocks noGrp="1"/>
+          </p:cNvSpPr>
+          <p:nvPr>
+            <p:ph type="sldNum" sz="quarter" idx="10"/>
+          </p:nvPr>
+        </p:nvSpPr>
+        <p:spPr/>
+        <p:txBody>
+          <a:bodyPr/>
+          <a:lstStyle/>
+          <a:p>
+            <a:fld id="{18BDFEC3-8487-43E8-A154-7C12CBC1FFF2}" type="slidenum">
+              <a:rPr lang="en-US"/>
+              <a:t>51</a:t>
+            </a:fld>
+            <a:endParaRPr lang="en-US"/>
+          </a:p>
+        </p:txBody>
+      </p:sp>
+    </p:spTree>
+  </p:cSld>
+</p:notes>
+</file>
+
+<file path=ppt/notesSlides/notesSlide12.xml><?xml version="1.0" encoding="utf-8"?>
+<p:notes xmlns:a="http://schemas.openxmlformats.org/drawingml/2006/main" xmlns:r="http://schemas.openxmlformats.org/officeDocument/2006/relationships" xmlns:p="http://schemas.openxmlformats.org/presentationml/2006/main">
+  <p:cSld>
+    <p:spTree>
+      <p:nvGrpSpPr>
+        <p:cNvPr id="1" name=""/>
+        <p:cNvGrpSpPr/>
+        <p:nvPr/>
+      </p:nvGrpSpPr>
+      <p:grpSpPr>
+        <a:xfrm>
+          <a:off x="0" y="0"/>
+          <a:ext cx="0" cy="0"/>
+          <a:chOff x="0" y="0"/>
+          <a:chExt cx="0" cy="0"/>
+        </a:xfrm>
+      </p:grpSpPr>
+      <p:sp>
+        <p:nvSpPr>
+          <p:cNvPr id="2" name="Slide Image Placeholder 1"/>
+          <p:cNvSpPr>
+            <a:spLocks noGrp="1" noRot="1" noChangeAspect="1"/>
+          </p:cNvSpPr>
+          <p:nvPr>
+            <p:ph type="sldImg"/>
+          </p:nvPr>
+        </p:nvSpPr>
+        <p:spPr/>
+      </p:sp>
+      <p:sp>
+        <p:nvSpPr>
+          <p:cNvPr id="3" name="Notes Placeholder 2"/>
+          <p:cNvSpPr>
+            <a:spLocks noGrp="1"/>
+          </p:cNvSpPr>
+          <p:nvPr>
+            <p:ph type="body" idx="1"/>
+          </p:nvPr>
+        </p:nvSpPr>
+        <p:spPr/>
+        <p:txBody>
+          <a:bodyPr/>
+          <a:lstStyle/>
+          <a:p>
+            <a:pPr lvl="0" marL="0" indent="0">
+              <a:buNone/>
+            </a:pPr>
+            <a:r>
+              <a:rPr/>
+              <a:t>Maybe</a:t>
+            </a:r>
+            <a:r>
+              <a:rPr/>
+              <a:t> </a:t>
+            </a:r>
+            <a:r>
+              <a:rPr/>
+              <a:t>mention</a:t>
+            </a:r>
+            <a:r>
+              <a:rPr/>
+              <a:t> </a:t>
+            </a:r>
+            <a:r>
+              <a:rPr/>
+              <a:t>that</a:t>
+            </a:r>
+            <a:r>
+              <a:rPr/>
+              <a:t> </a:t>
+            </a:r>
+            <a:r>
+              <a:rPr/>
+              <a:t>a</a:t>
+            </a:r>
+            <a:r>
+              <a:rPr/>
+              <a:t> </a:t>
+            </a:r>
+            <a:r>
+              <a:rPr/>
+              <a:t>few</a:t>
+            </a:r>
+            <a:r>
+              <a:rPr/>
+              <a:t> </a:t>
+            </a:r>
+            <a:r>
+              <a:rPr/>
+              <a:t>of</a:t>
+            </a:r>
+            <a:r>
+              <a:rPr/>
+              <a:t> </a:t>
+            </a:r>
+            <a:r>
+              <a:rPr/>
+              <a:t>these</a:t>
+            </a:r>
+            <a:r>
+              <a:rPr/>
+              <a:t> </a:t>
+            </a:r>
+            <a:r>
+              <a:rPr/>
+              <a:t>packages</a:t>
+            </a:r>
+            <a:r>
+              <a:rPr/>
+              <a:t> </a:t>
+            </a:r>
+            <a:r>
+              <a:rPr/>
+              <a:t>are</a:t>
+            </a:r>
+            <a:r>
+              <a:rPr/>
+              <a:t> </a:t>
+            </a:r>
+            <a:r>
+              <a:rPr/>
+              <a:t>loaded</a:t>
+            </a:r>
+            <a:r>
+              <a:rPr/>
+              <a:t> </a:t>
+            </a:r>
+            <a:r>
+              <a:rPr/>
+              <a:t>with</a:t>
+            </a:r>
+            <a:r>
+              <a:rPr/>
+              <a:t> </a:t>
+            </a:r>
+            <a:r>
+              <a:rPr/>
+              <a:t>tidyverse.</a:t>
             </a:r>
           </a:p>
         </p:txBody>
@@ -761,9 +2269,6 @@
       </p:sp>
     </p:spTree>
   </p:cSld>
-  <p:clrMapOvr>
-    <a:masterClrMapping/>
-  </p:clrMapOvr>
 </p:notes>
 </file>
 
@@ -811,59 +2316,116 @@
           <a:bodyPr/>
           <a:lstStyle/>
           <a:p>
-            <a:pPr marL="0" lvl="0" indent="0">
+            <a:pPr lvl="0" marL="0" indent="0">
               <a:buNone/>
             </a:pPr>
             <a:r>
-              <a:t>Explain each window.</a:t>
-            </a:r>
-          </a:p>
-          <a:p>
-            <a:pPr marL="0" lvl="0" indent="0">
-              <a:buNone/>
-            </a:pPr>
-            <a:endParaRPr/>
-          </a:p>
-          <a:p>
-            <a:pPr lvl="1"/>
-            <a:r>
-              <a:t>Console - this is where R is run. Commands executed but not saved.</a:t>
-            </a:r>
-          </a:p>
-          <a:p>
-            <a:pPr marL="0" lvl="0" indent="0">
-              <a:buNone/>
-            </a:pPr>
-            <a:endParaRPr/>
-          </a:p>
-          <a:p>
-            <a:pPr lvl="1"/>
-            <a:r>
-              <a:t>Source - text files that contain commands.</a:t>
-            </a:r>
-          </a:p>
-          <a:p>
-            <a:pPr marL="0" lvl="0" indent="0">
-              <a:buNone/>
-            </a:pPr>
-            <a:endParaRPr/>
-          </a:p>
-          <a:p>
-            <a:pPr lvl="1"/>
-            <a:r>
-              <a:t>Environment - tells you which R objects you are working with.</a:t>
-            </a:r>
-          </a:p>
-          <a:p>
-            <a:pPr marL="0" lvl="0" indent="0">
-              <a:buNone/>
-            </a:pPr>
-            <a:endParaRPr/>
-          </a:p>
-          <a:p>
-            <a:pPr lvl="1"/>
-            <a:r>
-              <a:t>Files - actually a helper window. Gives you files, help, plots. Warn people not to delete files from their computer.</a:t>
+              <a:rPr/>
+              <a:t>Ask</a:t>
+            </a:r>
+            <a:r>
+              <a:rPr/>
+              <a:t> </a:t>
+            </a:r>
+            <a:r>
+              <a:rPr/>
+              <a:t>learners</a:t>
+            </a:r>
+            <a:r>
+              <a:rPr/>
+              <a:t> </a:t>
+            </a:r>
+            <a:r>
+              <a:rPr/>
+              <a:t>to</a:t>
+            </a:r>
+            <a:r>
+              <a:rPr/>
+              <a:t> </a:t>
+            </a:r>
+            <a:r>
+              <a:rPr/>
+              <a:t>open</a:t>
+            </a:r>
+            <a:r>
+              <a:rPr/>
+              <a:t> </a:t>
+            </a:r>
+            <a:r>
+              <a:rPr/>
+              <a:t>RStudio,</a:t>
+            </a:r>
+            <a:r>
+              <a:rPr/>
+              <a:t> </a:t>
+            </a:r>
+            <a:r>
+              <a:rPr/>
+              <a:t>but</a:t>
+            </a:r>
+            <a:r>
+              <a:rPr/>
+              <a:t> </a:t>
+            </a:r>
+            <a:r>
+              <a:rPr/>
+              <a:t>don’t</a:t>
+            </a:r>
+            <a:r>
+              <a:rPr/>
+              <a:t> </a:t>
+            </a:r>
+            <a:r>
+              <a:rPr/>
+              <a:t>get</a:t>
+            </a:r>
+            <a:r>
+              <a:rPr/>
+              <a:t> </a:t>
+            </a:r>
+            <a:r>
+              <a:rPr/>
+              <a:t>them</a:t>
+            </a:r>
+            <a:r>
+              <a:rPr/>
+              <a:t> </a:t>
+            </a:r>
+            <a:r>
+              <a:rPr/>
+              <a:t>to</a:t>
+            </a:r>
+            <a:r>
+              <a:rPr/>
+              <a:t> </a:t>
+            </a:r>
+            <a:r>
+              <a:rPr/>
+              <a:t>type</a:t>
+            </a:r>
+            <a:r>
+              <a:rPr/>
+              <a:t> </a:t>
+            </a:r>
+            <a:r>
+              <a:rPr/>
+              <a:t>anything</a:t>
+            </a:r>
+            <a:r>
+              <a:rPr/>
+              <a:t> </a:t>
+            </a:r>
+            <a:r>
+              <a:rPr/>
+              <a:t>in</a:t>
+            </a:r>
+            <a:r>
+              <a:rPr/>
+              <a:t> </a:t>
+            </a:r>
+            <a:r>
+              <a:rPr/>
+              <a:t>yet.</a:t>
             </a:r>
           </a:p>
         </p:txBody>
@@ -885,7 +2447,7 @@
           <a:p>
             <a:fld id="{18BDFEC3-8487-43E8-A154-7C12CBC1FFF2}" type="slidenum">
               <a:rPr lang="en-US"/>
-              <a:t>12</a:t>
+              <a:t>11</a:t>
             </a:fld>
             <a:endParaRPr lang="en-US"/>
           </a:p>
@@ -893,9 +2455,6 @@
       </p:sp>
     </p:spTree>
   </p:cSld>
-  <p:clrMapOvr>
-    <a:masterClrMapping/>
-  </p:clrMapOvr>
 </p:notes>
 </file>
 
@@ -943,11 +2502,452 @@
           <a:bodyPr/>
           <a:lstStyle/>
           <a:p>
-            <a:pPr marL="0" lvl="0" indent="0">
+            <a:pPr lvl="0" marL="0" indent="0">
               <a:buNone/>
             </a:pPr>
             <a:r>
-              <a:t>Explain what each button does.</a:t>
+              <a:rPr/>
+              <a:t>Explain</a:t>
+            </a:r>
+            <a:r>
+              <a:rPr/>
+              <a:t> </a:t>
+            </a:r>
+            <a:r>
+              <a:rPr/>
+              <a:t>each</a:t>
+            </a:r>
+            <a:r>
+              <a:rPr/>
+              <a:t> </a:t>
+            </a:r>
+            <a:r>
+              <a:rPr/>
+              <a:t>window.</a:t>
+            </a:r>
+          </a:p>
+          <a:p>
+            <a:pPr lvl="0" marL="0" indent="0">
+              <a:buNone/>
+            </a:pPr>
+          </a:p>
+          <a:p>
+            <a:pPr lvl="1"/>
+            <a:r>
+              <a:rPr/>
+              <a:t>Console</a:t>
+            </a:r>
+            <a:r>
+              <a:rPr/>
+              <a:t> </a:t>
+            </a:r>
+            <a:r>
+              <a:rPr/>
+              <a:t>-</a:t>
+            </a:r>
+            <a:r>
+              <a:rPr/>
+              <a:t> </a:t>
+            </a:r>
+            <a:r>
+              <a:rPr/>
+              <a:t>this</a:t>
+            </a:r>
+            <a:r>
+              <a:rPr/>
+              <a:t> </a:t>
+            </a:r>
+            <a:r>
+              <a:rPr/>
+              <a:t>is</a:t>
+            </a:r>
+            <a:r>
+              <a:rPr/>
+              <a:t> </a:t>
+            </a:r>
+            <a:r>
+              <a:rPr/>
+              <a:t>where</a:t>
+            </a:r>
+            <a:r>
+              <a:rPr/>
+              <a:t> </a:t>
+            </a:r>
+            <a:r>
+              <a:rPr/>
+              <a:t>R</a:t>
+            </a:r>
+            <a:r>
+              <a:rPr/>
+              <a:t> </a:t>
+            </a:r>
+            <a:r>
+              <a:rPr/>
+              <a:t>is</a:t>
+            </a:r>
+            <a:r>
+              <a:rPr/>
+              <a:t> </a:t>
+            </a:r>
+            <a:r>
+              <a:rPr/>
+              <a:t>run.</a:t>
+            </a:r>
+            <a:r>
+              <a:rPr/>
+              <a:t> </a:t>
+            </a:r>
+            <a:r>
+              <a:rPr/>
+              <a:t>Commands</a:t>
+            </a:r>
+            <a:r>
+              <a:rPr/>
+              <a:t> </a:t>
+            </a:r>
+            <a:r>
+              <a:rPr/>
+              <a:t>executed</a:t>
+            </a:r>
+            <a:r>
+              <a:rPr/>
+              <a:t> </a:t>
+            </a:r>
+            <a:r>
+              <a:rPr/>
+              <a:t>but</a:t>
+            </a:r>
+            <a:r>
+              <a:rPr/>
+              <a:t> </a:t>
+            </a:r>
+            <a:r>
+              <a:rPr/>
+              <a:t>not</a:t>
+            </a:r>
+            <a:r>
+              <a:rPr/>
+              <a:t> </a:t>
+            </a:r>
+            <a:r>
+              <a:rPr/>
+              <a:t>saved.</a:t>
+            </a:r>
+          </a:p>
+          <a:p>
+            <a:pPr lvl="0" marL="0" indent="0">
+              <a:buNone/>
+            </a:pPr>
+          </a:p>
+          <a:p>
+            <a:pPr lvl="1"/>
+            <a:r>
+              <a:rPr/>
+              <a:t>Source</a:t>
+            </a:r>
+            <a:r>
+              <a:rPr/>
+              <a:t> </a:t>
+            </a:r>
+            <a:r>
+              <a:rPr/>
+              <a:t>-</a:t>
+            </a:r>
+            <a:r>
+              <a:rPr/>
+              <a:t> </a:t>
+            </a:r>
+            <a:r>
+              <a:rPr/>
+              <a:t>text</a:t>
+            </a:r>
+            <a:r>
+              <a:rPr/>
+              <a:t> </a:t>
+            </a:r>
+            <a:r>
+              <a:rPr/>
+              <a:t>files</a:t>
+            </a:r>
+            <a:r>
+              <a:rPr/>
+              <a:t> </a:t>
+            </a:r>
+            <a:r>
+              <a:rPr/>
+              <a:t>that</a:t>
+            </a:r>
+            <a:r>
+              <a:rPr/>
+              <a:t> </a:t>
+            </a:r>
+            <a:r>
+              <a:rPr/>
+              <a:t>contain</a:t>
+            </a:r>
+            <a:r>
+              <a:rPr/>
+              <a:t> </a:t>
+            </a:r>
+            <a:r>
+              <a:rPr/>
+              <a:t>commands.</a:t>
+            </a:r>
+          </a:p>
+          <a:p>
+            <a:pPr lvl="0" marL="0" indent="0">
+              <a:buNone/>
+            </a:pPr>
+          </a:p>
+          <a:p>
+            <a:pPr lvl="1"/>
+            <a:r>
+              <a:rPr/>
+              <a:t>Environment</a:t>
+            </a:r>
+            <a:r>
+              <a:rPr/>
+              <a:t> </a:t>
+            </a:r>
+            <a:r>
+              <a:rPr/>
+              <a:t>-</a:t>
+            </a:r>
+            <a:r>
+              <a:rPr/>
+              <a:t> </a:t>
+            </a:r>
+            <a:r>
+              <a:rPr/>
+              <a:t>tells</a:t>
+            </a:r>
+            <a:r>
+              <a:rPr/>
+              <a:t> </a:t>
+            </a:r>
+            <a:r>
+              <a:rPr/>
+              <a:t>you</a:t>
+            </a:r>
+            <a:r>
+              <a:rPr/>
+              <a:t> </a:t>
+            </a:r>
+            <a:r>
+              <a:rPr/>
+              <a:t>which</a:t>
+            </a:r>
+            <a:r>
+              <a:rPr/>
+              <a:t> </a:t>
+            </a:r>
+            <a:r>
+              <a:rPr/>
+              <a:t>R</a:t>
+            </a:r>
+            <a:r>
+              <a:rPr/>
+              <a:t> </a:t>
+            </a:r>
+            <a:r>
+              <a:rPr/>
+              <a:t>objects</a:t>
+            </a:r>
+            <a:r>
+              <a:rPr/>
+              <a:t> </a:t>
+            </a:r>
+            <a:r>
+              <a:rPr/>
+              <a:t>you</a:t>
+            </a:r>
+            <a:r>
+              <a:rPr/>
+              <a:t> </a:t>
+            </a:r>
+            <a:r>
+              <a:rPr/>
+              <a:t>are</a:t>
+            </a:r>
+            <a:r>
+              <a:rPr/>
+              <a:t> </a:t>
+            </a:r>
+            <a:r>
+              <a:rPr/>
+              <a:t>working</a:t>
+            </a:r>
+            <a:r>
+              <a:rPr/>
+              <a:t> </a:t>
+            </a:r>
+            <a:r>
+              <a:rPr/>
+              <a:t>with.</a:t>
+            </a:r>
+          </a:p>
+          <a:p>
+            <a:pPr lvl="0" marL="0" indent="0">
+              <a:buNone/>
+            </a:pPr>
+          </a:p>
+          <a:p>
+            <a:pPr lvl="1"/>
+            <a:r>
+              <a:rPr/>
+              <a:t>Files</a:t>
+            </a:r>
+            <a:r>
+              <a:rPr/>
+              <a:t> </a:t>
+            </a:r>
+            <a:r>
+              <a:rPr/>
+              <a:t>-</a:t>
+            </a:r>
+            <a:r>
+              <a:rPr/>
+              <a:t> </a:t>
+            </a:r>
+            <a:r>
+              <a:rPr/>
+              <a:t>actually</a:t>
+            </a:r>
+            <a:r>
+              <a:rPr/>
+              <a:t> </a:t>
+            </a:r>
+            <a:r>
+              <a:rPr/>
+              <a:t>a</a:t>
+            </a:r>
+            <a:r>
+              <a:rPr/>
+              <a:t> </a:t>
+            </a:r>
+            <a:r>
+              <a:rPr/>
+              <a:t>helper</a:t>
+            </a:r>
+            <a:r>
+              <a:rPr/>
+              <a:t> </a:t>
+            </a:r>
+            <a:r>
+              <a:rPr/>
+              <a:t>window.</a:t>
+            </a:r>
+            <a:r>
+              <a:rPr/>
+              <a:t> </a:t>
+            </a:r>
+            <a:r>
+              <a:rPr/>
+              <a:t>Gives</a:t>
+            </a:r>
+            <a:r>
+              <a:rPr/>
+              <a:t> </a:t>
+            </a:r>
+            <a:r>
+              <a:rPr/>
+              <a:t>you</a:t>
+            </a:r>
+            <a:r>
+              <a:rPr/>
+              <a:t> </a:t>
+            </a:r>
+            <a:r>
+              <a:rPr/>
+              <a:t>files,</a:t>
+            </a:r>
+            <a:r>
+              <a:rPr/>
+              <a:t> </a:t>
+            </a:r>
+            <a:r>
+              <a:rPr/>
+              <a:t>help,</a:t>
+            </a:r>
+            <a:r>
+              <a:rPr/>
+              <a:t> </a:t>
+            </a:r>
+            <a:r>
+              <a:rPr/>
+              <a:t>plots.</a:t>
+            </a:r>
+            <a:r>
+              <a:rPr/>
+              <a:t> </a:t>
+            </a:r>
+            <a:r>
+              <a:rPr/>
+              <a:t>Warn</a:t>
+            </a:r>
+            <a:r>
+              <a:rPr/>
+              <a:t> </a:t>
+            </a:r>
+            <a:r>
+              <a:rPr/>
+              <a:t>people</a:t>
+            </a:r>
+            <a:r>
+              <a:rPr/>
+              <a:t> </a:t>
+            </a:r>
+            <a:r>
+              <a:rPr/>
+              <a:t>not</a:t>
+            </a:r>
+            <a:r>
+              <a:rPr/>
+              <a:t> </a:t>
+            </a:r>
+            <a:r>
+              <a:rPr/>
+              <a:t>to</a:t>
+            </a:r>
+            <a:r>
+              <a:rPr/>
+              <a:t> </a:t>
+            </a:r>
+            <a:r>
+              <a:rPr/>
+              <a:t>delete</a:t>
+            </a:r>
+            <a:r>
+              <a:rPr/>
+              <a:t> </a:t>
+            </a:r>
+            <a:r>
+              <a:rPr/>
+              <a:t>files</a:t>
+            </a:r>
+            <a:r>
+              <a:rPr/>
+              <a:t> </a:t>
+            </a:r>
+            <a:r>
+              <a:rPr/>
+              <a:t>from</a:t>
+            </a:r>
+            <a:r>
+              <a:rPr/>
+              <a:t> </a:t>
+            </a:r>
+            <a:r>
+              <a:rPr/>
+              <a:t>their</a:t>
+            </a:r>
+            <a:r>
+              <a:rPr/>
+              <a:t> </a:t>
+            </a:r>
+            <a:r>
+              <a:rPr/>
+              <a:t>computer.</a:t>
             </a:r>
           </a:p>
         </p:txBody>
@@ -969,7 +2969,7 @@
           <a:p>
             <a:fld id="{18BDFEC3-8487-43E8-A154-7C12CBC1FFF2}" type="slidenum">
               <a:rPr lang="en-US"/>
-              <a:t>13</a:t>
+              <a:t>12</a:t>
             </a:fld>
             <a:endParaRPr lang="en-US"/>
           </a:p>
@@ -977,9 +2977,6 @@
       </p:sp>
     </p:spTree>
   </p:cSld>
-  <p:clrMapOvr>
-    <a:masterClrMapping/>
-  </p:clrMapOvr>
 </p:notes>
 </file>
 
@@ -1027,11 +3024,44 @@
           <a:bodyPr/>
           <a:lstStyle/>
           <a:p>
-            <a:pPr marL="0" lvl="0" indent="0">
+            <a:pPr lvl="0" marL="0" indent="0">
               <a:buNone/>
             </a:pPr>
             <a:r>
-              <a:t>Say that the ## sign is just printed on the slide as an indicator that we are seeing output rather than code entered. They shouldn’t see the symbol on their consoles.</a:t>
+              <a:rPr/>
+              <a:t>Explain</a:t>
+            </a:r>
+            <a:r>
+              <a:rPr/>
+              <a:t> </a:t>
+            </a:r>
+            <a:r>
+              <a:rPr/>
+              <a:t>what</a:t>
+            </a:r>
+            <a:r>
+              <a:rPr/>
+              <a:t> </a:t>
+            </a:r>
+            <a:r>
+              <a:rPr/>
+              <a:t>each</a:t>
+            </a:r>
+            <a:r>
+              <a:rPr/>
+              <a:t> </a:t>
+            </a:r>
+            <a:r>
+              <a:rPr/>
+              <a:t>button</a:t>
+            </a:r>
+            <a:r>
+              <a:rPr/>
+              <a:t> </a:t>
+            </a:r>
+            <a:r>
+              <a:rPr/>
+              <a:t>does.</a:t>
             </a:r>
           </a:p>
         </p:txBody>
@@ -1053,7 +3083,7 @@
           <a:p>
             <a:fld id="{18BDFEC3-8487-43E8-A154-7C12CBC1FFF2}" type="slidenum">
               <a:rPr lang="en-US"/>
-              <a:t>16</a:t>
+              <a:t>13</a:t>
             </a:fld>
             <a:endParaRPr lang="en-US"/>
           </a:p>
@@ -1061,9 +3091,6 @@
       </p:sp>
     </p:spTree>
   </p:cSld>
-  <p:clrMapOvr>
-    <a:masterClrMapping/>
-  </p:clrMapOvr>
 </p:notes>
 </file>
 
@@ -1111,76 +3138,253 @@
           <a:bodyPr/>
           <a:lstStyle/>
           <a:p>
-            <a:pPr marL="0" lvl="0" indent="0">
+            <a:pPr lvl="0" marL="0" indent="0">
               <a:buNone/>
             </a:pPr>
             <a:r>
-              <a:rPr dirty="0"/>
-              <a:t>Get them to do this. ?Use this to introduce the </a:t>
-            </a:r>
-            <a:r>
-              <a:rPr dirty="0" err="1"/>
-              <a:t>labbook</a:t>
-            </a:r>
-            <a:r>
-              <a:rPr dirty="0"/>
-              <a:t> idea? Every scientist is expected to maintain a </a:t>
-            </a:r>
-            <a:r>
-              <a:rPr dirty="0" err="1"/>
-              <a:t>labbook</a:t>
-            </a:r>
-            <a:r>
-              <a:rPr dirty="0"/>
-              <a:t> and this should be no different for a data scientist; so each time you sit down to work create a new file; I do this by creating a directory in each project called </a:t>
-            </a:r>
-            <a:r>
-              <a:rPr dirty="0" err="1"/>
-              <a:t>labbooks</a:t>
-            </a:r>
-            <a:r>
-              <a:rPr dirty="0"/>
-              <a:t> and then files named according as </a:t>
-            </a:r>
-            <a:r>
-              <a:rPr sz="1800" dirty="0">
-                <a:latin typeface="Courier"/>
-              </a:rPr>
-              <a:t>CCYY-MM-DD.R</a:t>
-            </a:r>
-            <a:r>
-              <a:rPr dirty="0"/>
-              <a:t> See - https://</a:t>
-            </a:r>
-            <a:r>
-              <a:rPr dirty="0" err="1"/>
-              <a:t>www.training.nih.gov</a:t>
-            </a:r>
-            <a:r>
-              <a:rPr dirty="0"/>
-              <a:t>/assets/Lab_Notebook_508_(new).pdf - http://www3.imperial.ac.uk/pls/</a:t>
-            </a:r>
-            <a:r>
-              <a:rPr dirty="0" err="1"/>
-              <a:t>portallive</a:t>
-            </a:r>
-            <a:r>
-              <a:rPr dirty="0"/>
-              <a:t>/docs/1/7289716.PDF - https://</a:t>
-            </a:r>
-            <a:r>
-              <a:rPr dirty="0" err="1"/>
-              <a:t>en.wikipedia.org</a:t>
-            </a:r>
-            <a:r>
-              <a:rPr dirty="0"/>
-              <a:t>/wiki/</a:t>
-            </a:r>
-            <a:r>
-              <a:rPr dirty="0" err="1"/>
-              <a:t>Lab_notebook</a:t>
-            </a:r>
-            <a:endParaRPr dirty="0"/>
+              <a:rPr/>
+              <a:t>Say</a:t>
+            </a:r>
+            <a:r>
+              <a:rPr/>
+              <a:t> </a:t>
+            </a:r>
+            <a:r>
+              <a:rPr/>
+              <a:t>that</a:t>
+            </a:r>
+            <a:r>
+              <a:rPr/>
+              <a:t> </a:t>
+            </a:r>
+            <a:r>
+              <a:rPr/>
+              <a:t>the</a:t>
+            </a:r>
+            <a:r>
+              <a:rPr/>
+              <a:t> </a:t>
+            </a:r>
+            <a:r>
+              <a:rPr/>
+              <a:t>##</a:t>
+            </a:r>
+            <a:r>
+              <a:rPr/>
+              <a:t> </a:t>
+            </a:r>
+            <a:r>
+              <a:rPr/>
+              <a:t>sign</a:t>
+            </a:r>
+            <a:r>
+              <a:rPr/>
+              <a:t> </a:t>
+            </a:r>
+            <a:r>
+              <a:rPr/>
+              <a:t>is</a:t>
+            </a:r>
+            <a:r>
+              <a:rPr/>
+              <a:t> </a:t>
+            </a:r>
+            <a:r>
+              <a:rPr/>
+              <a:t>just</a:t>
+            </a:r>
+            <a:r>
+              <a:rPr/>
+              <a:t> </a:t>
+            </a:r>
+            <a:r>
+              <a:rPr/>
+              <a:t>printed</a:t>
+            </a:r>
+            <a:r>
+              <a:rPr/>
+              <a:t> </a:t>
+            </a:r>
+            <a:r>
+              <a:rPr/>
+              <a:t>on</a:t>
+            </a:r>
+            <a:r>
+              <a:rPr/>
+              <a:t> </a:t>
+            </a:r>
+            <a:r>
+              <a:rPr/>
+              <a:t>the</a:t>
+            </a:r>
+            <a:r>
+              <a:rPr/>
+              <a:t> </a:t>
+            </a:r>
+            <a:r>
+              <a:rPr/>
+              <a:t>slide</a:t>
+            </a:r>
+            <a:r>
+              <a:rPr/>
+              <a:t> </a:t>
+            </a:r>
+            <a:r>
+              <a:rPr/>
+              <a:t>as</a:t>
+            </a:r>
+            <a:r>
+              <a:rPr/>
+              <a:t> </a:t>
+            </a:r>
+            <a:r>
+              <a:rPr/>
+              <a:t>an</a:t>
+            </a:r>
+            <a:r>
+              <a:rPr/>
+              <a:t> </a:t>
+            </a:r>
+            <a:r>
+              <a:rPr/>
+              <a:t>indicator</a:t>
+            </a:r>
+            <a:r>
+              <a:rPr/>
+              <a:t> </a:t>
+            </a:r>
+            <a:r>
+              <a:rPr/>
+              <a:t>that</a:t>
+            </a:r>
+            <a:r>
+              <a:rPr/>
+              <a:t> </a:t>
+            </a:r>
+            <a:r>
+              <a:rPr/>
+              <a:t>we</a:t>
+            </a:r>
+            <a:r>
+              <a:rPr/>
+              <a:t> </a:t>
+            </a:r>
+            <a:r>
+              <a:rPr/>
+              <a:t>are</a:t>
+            </a:r>
+            <a:r>
+              <a:rPr/>
+              <a:t> </a:t>
+            </a:r>
+            <a:r>
+              <a:rPr/>
+              <a:t>seeing</a:t>
+            </a:r>
+            <a:r>
+              <a:rPr/>
+              <a:t> </a:t>
+            </a:r>
+            <a:r>
+              <a:rPr/>
+              <a:t>output</a:t>
+            </a:r>
+            <a:r>
+              <a:rPr/>
+              <a:t> </a:t>
+            </a:r>
+            <a:r>
+              <a:rPr/>
+              <a:t>rather</a:t>
+            </a:r>
+            <a:r>
+              <a:rPr/>
+              <a:t> </a:t>
+            </a:r>
+            <a:r>
+              <a:rPr/>
+              <a:t>than</a:t>
+            </a:r>
+            <a:r>
+              <a:rPr/>
+              <a:t> </a:t>
+            </a:r>
+            <a:r>
+              <a:rPr/>
+              <a:t>code</a:t>
+            </a:r>
+            <a:r>
+              <a:rPr/>
+              <a:t> </a:t>
+            </a:r>
+            <a:r>
+              <a:rPr/>
+              <a:t>entered.</a:t>
+            </a:r>
+            <a:r>
+              <a:rPr/>
+              <a:t> </a:t>
+            </a:r>
+            <a:r>
+              <a:rPr/>
+              <a:t>They</a:t>
+            </a:r>
+            <a:r>
+              <a:rPr/>
+              <a:t> </a:t>
+            </a:r>
+            <a:r>
+              <a:rPr/>
+              <a:t>shouldn’t</a:t>
+            </a:r>
+            <a:r>
+              <a:rPr/>
+              <a:t> </a:t>
+            </a:r>
+            <a:r>
+              <a:rPr/>
+              <a:t>see</a:t>
+            </a:r>
+            <a:r>
+              <a:rPr/>
+              <a:t> </a:t>
+            </a:r>
+            <a:r>
+              <a:rPr/>
+              <a:t>the</a:t>
+            </a:r>
+            <a:r>
+              <a:rPr/>
+              <a:t> </a:t>
+            </a:r>
+            <a:r>
+              <a:rPr/>
+              <a:t>symbol</a:t>
+            </a:r>
+            <a:r>
+              <a:rPr/>
+              <a:t> </a:t>
+            </a:r>
+            <a:r>
+              <a:rPr/>
+              <a:t>on</a:t>
+            </a:r>
+            <a:r>
+              <a:rPr/>
+              <a:t> </a:t>
+            </a:r>
+            <a:r>
+              <a:rPr/>
+              <a:t>their</a:t>
+            </a:r>
+            <a:r>
+              <a:rPr/>
+              <a:t> </a:t>
+            </a:r>
+            <a:r>
+              <a:rPr/>
+              <a:t>consoles.</a:t>
+            </a:r>
           </a:p>
         </p:txBody>
       </p:sp>
@@ -1201,7 +3405,7 @@
           <a:p>
             <a:fld id="{18BDFEC3-8487-43E8-A154-7C12CBC1FFF2}" type="slidenum">
               <a:rPr lang="en-US"/>
-              <a:t>19</a:t>
+              <a:t>16</a:t>
             </a:fld>
             <a:endParaRPr lang="en-US"/>
           </a:p>
@@ -1209,9 +3413,6 @@
       </p:sp>
     </p:spTree>
   </p:cSld>
-  <p:clrMapOvr>
-    <a:masterClrMapping/>
-  </p:clrMapOvr>
 </p:notes>
 </file>
 
@@ -1259,11 +3460,550 @@
           <a:bodyPr/>
           <a:lstStyle/>
           <a:p>
-            <a:pPr marL="0" lvl="0" indent="0">
+            <a:pPr lvl="0" marL="0" indent="0">
               <a:buNone/>
             </a:pPr>
             <a:r>
-              <a:t>Get them to do this.</a:t>
+              <a:rPr/>
+              <a:t>Get</a:t>
+            </a:r>
+            <a:r>
+              <a:rPr/>
+              <a:t> </a:t>
+            </a:r>
+            <a:r>
+              <a:rPr/>
+              <a:t>them</a:t>
+            </a:r>
+            <a:r>
+              <a:rPr/>
+              <a:t> </a:t>
+            </a:r>
+            <a:r>
+              <a:rPr/>
+              <a:t>to</a:t>
+            </a:r>
+            <a:r>
+              <a:rPr/>
+              <a:t> </a:t>
+            </a:r>
+            <a:r>
+              <a:rPr/>
+              <a:t>do</a:t>
+            </a:r>
+            <a:r>
+              <a:rPr/>
+              <a:t> </a:t>
+            </a:r>
+            <a:r>
+              <a:rPr/>
+              <a:t>this.</a:t>
+            </a:r>
+            <a:r>
+              <a:rPr/>
+              <a:t> </a:t>
+            </a:r>
+            <a:r>
+              <a:rPr/>
+              <a:t>?Use</a:t>
+            </a:r>
+            <a:r>
+              <a:rPr/>
+              <a:t> </a:t>
+            </a:r>
+            <a:r>
+              <a:rPr/>
+              <a:t>this</a:t>
+            </a:r>
+            <a:r>
+              <a:rPr/>
+              <a:t> </a:t>
+            </a:r>
+            <a:r>
+              <a:rPr/>
+              <a:t>to</a:t>
+            </a:r>
+            <a:r>
+              <a:rPr/>
+              <a:t> </a:t>
+            </a:r>
+            <a:r>
+              <a:rPr/>
+              <a:t>introduce</a:t>
+            </a:r>
+            <a:r>
+              <a:rPr/>
+              <a:t> </a:t>
+            </a:r>
+            <a:r>
+              <a:rPr/>
+              <a:t>the</a:t>
+            </a:r>
+            <a:r>
+              <a:rPr/>
+              <a:t> </a:t>
+            </a:r>
+            <a:r>
+              <a:rPr/>
+              <a:t>labbook</a:t>
+            </a:r>
+            <a:r>
+              <a:rPr/>
+              <a:t> </a:t>
+            </a:r>
+            <a:r>
+              <a:rPr/>
+              <a:t>idea?</a:t>
+            </a:r>
+            <a:r>
+              <a:rPr/>
+              <a:t> </a:t>
+            </a:r>
+            <a:r>
+              <a:rPr/>
+              <a:t>Every</a:t>
+            </a:r>
+            <a:r>
+              <a:rPr/>
+              <a:t> </a:t>
+            </a:r>
+            <a:r>
+              <a:rPr/>
+              <a:t>scientist</a:t>
+            </a:r>
+            <a:r>
+              <a:rPr/>
+              <a:t> </a:t>
+            </a:r>
+            <a:r>
+              <a:rPr/>
+              <a:t>is</a:t>
+            </a:r>
+            <a:r>
+              <a:rPr/>
+              <a:t> </a:t>
+            </a:r>
+            <a:r>
+              <a:rPr/>
+              <a:t>expected</a:t>
+            </a:r>
+            <a:r>
+              <a:rPr/>
+              <a:t> </a:t>
+            </a:r>
+            <a:r>
+              <a:rPr/>
+              <a:t>to</a:t>
+            </a:r>
+            <a:r>
+              <a:rPr/>
+              <a:t> </a:t>
+            </a:r>
+            <a:r>
+              <a:rPr/>
+              <a:t>maintain</a:t>
+            </a:r>
+            <a:r>
+              <a:rPr/>
+              <a:t> </a:t>
+            </a:r>
+            <a:r>
+              <a:rPr/>
+              <a:t>a</a:t>
+            </a:r>
+            <a:r>
+              <a:rPr/>
+              <a:t> </a:t>
+            </a:r>
+            <a:r>
+              <a:rPr/>
+              <a:t>labbook</a:t>
+            </a:r>
+            <a:r>
+              <a:rPr/>
+              <a:t> </a:t>
+            </a:r>
+            <a:r>
+              <a:rPr/>
+              <a:t>and</a:t>
+            </a:r>
+            <a:r>
+              <a:rPr/>
+              <a:t> </a:t>
+            </a:r>
+            <a:r>
+              <a:rPr/>
+              <a:t>this</a:t>
+            </a:r>
+            <a:r>
+              <a:rPr/>
+              <a:t> </a:t>
+            </a:r>
+            <a:r>
+              <a:rPr/>
+              <a:t>should</a:t>
+            </a:r>
+            <a:r>
+              <a:rPr/>
+              <a:t> </a:t>
+            </a:r>
+            <a:r>
+              <a:rPr/>
+              <a:t>be</a:t>
+            </a:r>
+            <a:r>
+              <a:rPr/>
+              <a:t> </a:t>
+            </a:r>
+            <a:r>
+              <a:rPr/>
+              <a:t>no</a:t>
+            </a:r>
+            <a:r>
+              <a:rPr/>
+              <a:t> </a:t>
+            </a:r>
+            <a:r>
+              <a:rPr/>
+              <a:t>different</a:t>
+            </a:r>
+            <a:r>
+              <a:rPr/>
+              <a:t> </a:t>
+            </a:r>
+            <a:r>
+              <a:rPr/>
+              <a:t>for</a:t>
+            </a:r>
+            <a:r>
+              <a:rPr/>
+              <a:t> </a:t>
+            </a:r>
+            <a:r>
+              <a:rPr/>
+              <a:t>a</a:t>
+            </a:r>
+            <a:r>
+              <a:rPr/>
+              <a:t> </a:t>
+            </a:r>
+            <a:r>
+              <a:rPr/>
+              <a:t>data</a:t>
+            </a:r>
+            <a:r>
+              <a:rPr/>
+              <a:t> </a:t>
+            </a:r>
+            <a:r>
+              <a:rPr/>
+              <a:t>scientist;</a:t>
+            </a:r>
+            <a:r>
+              <a:rPr/>
+              <a:t> </a:t>
+            </a:r>
+            <a:r>
+              <a:rPr/>
+              <a:t>so</a:t>
+            </a:r>
+            <a:r>
+              <a:rPr/>
+              <a:t> </a:t>
+            </a:r>
+            <a:r>
+              <a:rPr/>
+              <a:t>each</a:t>
+            </a:r>
+            <a:r>
+              <a:rPr/>
+              <a:t> </a:t>
+            </a:r>
+            <a:r>
+              <a:rPr/>
+              <a:t>time</a:t>
+            </a:r>
+            <a:r>
+              <a:rPr/>
+              <a:t> </a:t>
+            </a:r>
+            <a:r>
+              <a:rPr/>
+              <a:t>you</a:t>
+            </a:r>
+            <a:r>
+              <a:rPr/>
+              <a:t> </a:t>
+            </a:r>
+            <a:r>
+              <a:rPr/>
+              <a:t>sit</a:t>
+            </a:r>
+            <a:r>
+              <a:rPr/>
+              <a:t> </a:t>
+            </a:r>
+            <a:r>
+              <a:rPr/>
+              <a:t>down</a:t>
+            </a:r>
+            <a:r>
+              <a:rPr/>
+              <a:t> </a:t>
+            </a:r>
+            <a:r>
+              <a:rPr/>
+              <a:t>to</a:t>
+            </a:r>
+            <a:r>
+              <a:rPr/>
+              <a:t> </a:t>
+            </a:r>
+            <a:r>
+              <a:rPr/>
+              <a:t>work</a:t>
+            </a:r>
+            <a:r>
+              <a:rPr/>
+              <a:t> </a:t>
+            </a:r>
+            <a:r>
+              <a:rPr/>
+              <a:t>create</a:t>
+            </a:r>
+            <a:r>
+              <a:rPr/>
+              <a:t> </a:t>
+            </a:r>
+            <a:r>
+              <a:rPr/>
+              <a:t>a</a:t>
+            </a:r>
+            <a:r>
+              <a:rPr/>
+              <a:t> </a:t>
+            </a:r>
+            <a:r>
+              <a:rPr/>
+              <a:t>new</a:t>
+            </a:r>
+            <a:r>
+              <a:rPr/>
+              <a:t> </a:t>
+            </a:r>
+            <a:r>
+              <a:rPr/>
+              <a:t>file;</a:t>
+            </a:r>
+            <a:r>
+              <a:rPr/>
+              <a:t> </a:t>
+            </a:r>
+            <a:r>
+              <a:rPr/>
+              <a:t>I</a:t>
+            </a:r>
+            <a:r>
+              <a:rPr/>
+              <a:t> </a:t>
+            </a:r>
+            <a:r>
+              <a:rPr/>
+              <a:t>do</a:t>
+            </a:r>
+            <a:r>
+              <a:rPr/>
+              <a:t> </a:t>
+            </a:r>
+            <a:r>
+              <a:rPr/>
+              <a:t>this</a:t>
+            </a:r>
+            <a:r>
+              <a:rPr/>
+              <a:t> </a:t>
+            </a:r>
+            <a:r>
+              <a:rPr/>
+              <a:t>by</a:t>
+            </a:r>
+            <a:r>
+              <a:rPr/>
+              <a:t> </a:t>
+            </a:r>
+            <a:r>
+              <a:rPr/>
+              <a:t>creating</a:t>
+            </a:r>
+            <a:r>
+              <a:rPr/>
+              <a:t> </a:t>
+            </a:r>
+            <a:r>
+              <a:rPr/>
+              <a:t>a</a:t>
+            </a:r>
+            <a:r>
+              <a:rPr/>
+              <a:t> </a:t>
+            </a:r>
+            <a:r>
+              <a:rPr/>
+              <a:t>directory</a:t>
+            </a:r>
+            <a:r>
+              <a:rPr/>
+              <a:t> </a:t>
+            </a:r>
+            <a:r>
+              <a:rPr/>
+              <a:t>in</a:t>
+            </a:r>
+            <a:r>
+              <a:rPr/>
+              <a:t> </a:t>
+            </a:r>
+            <a:r>
+              <a:rPr/>
+              <a:t>each</a:t>
+            </a:r>
+            <a:r>
+              <a:rPr/>
+              <a:t> </a:t>
+            </a:r>
+            <a:r>
+              <a:rPr/>
+              <a:t>project</a:t>
+            </a:r>
+            <a:r>
+              <a:rPr/>
+              <a:t> </a:t>
+            </a:r>
+            <a:r>
+              <a:rPr/>
+              <a:t>called</a:t>
+            </a:r>
+            <a:r>
+              <a:rPr/>
+              <a:t> </a:t>
+            </a:r>
+            <a:r>
+              <a:rPr/>
+              <a:t>labbooks</a:t>
+            </a:r>
+            <a:r>
+              <a:rPr/>
+              <a:t> </a:t>
+            </a:r>
+            <a:r>
+              <a:rPr/>
+              <a:t>and</a:t>
+            </a:r>
+            <a:r>
+              <a:rPr/>
+              <a:t> </a:t>
+            </a:r>
+            <a:r>
+              <a:rPr/>
+              <a:t>then</a:t>
+            </a:r>
+            <a:r>
+              <a:rPr/>
+              <a:t> </a:t>
+            </a:r>
+            <a:r>
+              <a:rPr/>
+              <a:t>files</a:t>
+            </a:r>
+            <a:r>
+              <a:rPr/>
+              <a:t> </a:t>
+            </a:r>
+            <a:r>
+              <a:rPr/>
+              <a:t>named</a:t>
+            </a:r>
+            <a:r>
+              <a:rPr/>
+              <a:t> </a:t>
+            </a:r>
+            <a:r>
+              <a:rPr/>
+              <a:t>according</a:t>
+            </a:r>
+            <a:r>
+              <a:rPr/>
+              <a:t> </a:t>
+            </a:r>
+            <a:r>
+              <a:rPr/>
+              <a:t>as</a:t>
+            </a:r>
+            <a:r>
+              <a:rPr/>
+              <a:t> </a:t>
+            </a:r>
+            <a:r>
+              <a:rPr sz="1800">
+                <a:latin typeface="Courier"/>
+              </a:rPr>
+              <a:t>CCYY-MM-DD.R</a:t>
+            </a:r>
+            <a:r>
+              <a:rPr/>
+              <a:t> </a:t>
+            </a:r>
+            <a:r>
+              <a:rPr/>
+              <a:t>See</a:t>
+            </a:r>
+            <a:r>
+              <a:rPr/>
+              <a:t> </a:t>
+            </a:r>
+            <a:r>
+              <a:rPr/>
+              <a:t>-</a:t>
+            </a:r>
+            <a:r>
+              <a:rPr/>
+              <a:t> </a:t>
+            </a:r>
+            <a:r>
+              <a:rPr/>
+              <a:t>https://www.training.nih.gov/assets/Lab_Notebook_508_(new).pdf</a:t>
+            </a:r>
+            <a:r>
+              <a:rPr/>
+              <a:t> </a:t>
+            </a:r>
+            <a:r>
+              <a:rPr/>
+              <a:t>-</a:t>
+            </a:r>
+            <a:r>
+              <a:rPr/>
+              <a:t> </a:t>
+            </a:r>
+            <a:r>
+              <a:rPr/>
+              <a:t>http://www3.imperial.ac.uk/pls/portallive/docs/1/7289716.PDF</a:t>
+            </a:r>
+            <a:r>
+              <a:rPr/>
+              <a:t> </a:t>
+            </a:r>
+            <a:r>
+              <a:rPr/>
+              <a:t>-</a:t>
+            </a:r>
+            <a:r>
+              <a:rPr/>
+              <a:t> </a:t>
+            </a:r>
+            <a:r>
+              <a:rPr/>
+              <a:t>https://en.wikipedia.org/wiki/Lab_notebook</a:t>
             </a:r>
           </a:p>
         </p:txBody>
@@ -1285,7 +4025,7 @@
           <a:p>
             <a:fld id="{18BDFEC3-8487-43E8-A154-7C12CBC1FFF2}" type="slidenum">
               <a:rPr lang="en-US"/>
-              <a:t>22</a:t>
+              <a:t>19</a:t>
             </a:fld>
             <a:endParaRPr lang="en-US"/>
           </a:p>
@@ -1293,9 +4033,6 @@
       </p:sp>
     </p:spTree>
   </p:cSld>
-  <p:clrMapOvr>
-    <a:masterClrMapping/>
-  </p:clrMapOvr>
 </p:notes>
 </file>
 
@@ -1343,11 +4080,44 @@
           <a:bodyPr/>
           <a:lstStyle/>
           <a:p>
-            <a:pPr marL="0" lvl="0" indent="0">
+            <a:pPr lvl="0" marL="0" indent="0">
               <a:buNone/>
             </a:pPr>
             <a:r>
-              <a:t>Get them to look up the help page for mean</a:t>
+              <a:rPr/>
+              <a:t>Get</a:t>
+            </a:r>
+            <a:r>
+              <a:rPr/>
+              <a:t> </a:t>
+            </a:r>
+            <a:r>
+              <a:rPr/>
+              <a:t>them</a:t>
+            </a:r>
+            <a:r>
+              <a:rPr/>
+              <a:t> </a:t>
+            </a:r>
+            <a:r>
+              <a:rPr/>
+              <a:t>to</a:t>
+            </a:r>
+            <a:r>
+              <a:rPr/>
+              <a:t> </a:t>
+            </a:r>
+            <a:r>
+              <a:rPr/>
+              <a:t>do</a:t>
+            </a:r>
+            <a:r>
+              <a:rPr/>
+              <a:t> </a:t>
+            </a:r>
+            <a:r>
+              <a:rPr/>
+              <a:t>this.</a:t>
             </a:r>
           </a:p>
         </p:txBody>
@@ -1369,7 +4139,7 @@
           <a:p>
             <a:fld id="{18BDFEC3-8487-43E8-A154-7C12CBC1FFF2}" type="slidenum">
               <a:rPr lang="en-US"/>
-              <a:t>47</a:t>
+              <a:t>22</a:t>
             </a:fld>
             <a:endParaRPr lang="en-US"/>
           </a:p>
@@ -1377,9 +4147,6 @@
       </p:sp>
     </p:spTree>
   </p:cSld>
-  <p:clrMapOvr>
-    <a:masterClrMapping/>
-  </p:clrMapOvr>
 </p:notes>
 </file>
 
@@ -1427,11 +4194,84 @@
           <a:bodyPr/>
           <a:lstStyle/>
           <a:p>
-            <a:pPr marL="0" lvl="0" indent="0">
+            <a:pPr lvl="0" marL="0" indent="0">
               <a:buNone/>
             </a:pPr>
             <a:r>
-              <a:t>reference this back to the factory idea argument = names of the inputs function = machine/factory value = output</a:t>
+              <a:rPr/>
+              <a:t>Get</a:t>
+            </a:r>
+            <a:r>
+              <a:rPr/>
+              <a:t> </a:t>
+            </a:r>
+            <a:r>
+              <a:rPr/>
+              <a:t>them</a:t>
+            </a:r>
+            <a:r>
+              <a:rPr/>
+              <a:t> </a:t>
+            </a:r>
+            <a:r>
+              <a:rPr/>
+              <a:t>to</a:t>
+            </a:r>
+            <a:r>
+              <a:rPr/>
+              <a:t> </a:t>
+            </a:r>
+            <a:r>
+              <a:rPr/>
+              <a:t>look</a:t>
+            </a:r>
+            <a:r>
+              <a:rPr/>
+              <a:t> </a:t>
+            </a:r>
+            <a:r>
+              <a:rPr/>
+              <a:t>up</a:t>
+            </a:r>
+            <a:r>
+              <a:rPr/>
+              <a:t> </a:t>
+            </a:r>
+            <a:r>
+              <a:rPr/>
+              <a:t>the</a:t>
+            </a:r>
+            <a:r>
+              <a:rPr/>
+              <a:t> </a:t>
+            </a:r>
+            <a:r>
+              <a:rPr/>
+              <a:t>help</a:t>
+            </a:r>
+            <a:r>
+              <a:rPr/>
+              <a:t> </a:t>
+            </a:r>
+            <a:r>
+              <a:rPr/>
+              <a:t>page</a:t>
+            </a:r>
+            <a:r>
+              <a:rPr/>
+              <a:t> </a:t>
+            </a:r>
+            <a:r>
+              <a:rPr/>
+              <a:t>for</a:t>
+            </a:r>
+            <a:r>
+              <a:rPr/>
+              <a:t> </a:t>
+            </a:r>
+            <a:r>
+              <a:rPr/>
+              <a:t>mean</a:t>
             </a:r>
           </a:p>
         </p:txBody>
@@ -1453,7 +4293,7 @@
           <a:p>
             <a:fld id="{18BDFEC3-8487-43E8-A154-7C12CBC1FFF2}" type="slidenum">
               <a:rPr lang="en-US"/>
-              <a:t>49</a:t>
+              <a:t>47</a:t>
             </a:fld>
             <a:endParaRPr lang="en-US"/>
           </a:p>
@@ -1461,9 +4301,6 @@
       </p:sp>
     </p:spTree>
   </p:cSld>
-  <p:clrMapOvr>
-    <a:masterClrMapping/>
-  </p:clrMapOvr>
 </p:notes>
 </file>
 
@@ -1511,11 +4348,156 @@
           <a:bodyPr/>
           <a:lstStyle/>
           <a:p>
-            <a:pPr marL="0" lvl="0" indent="0">
+            <a:pPr lvl="0" marL="0" indent="0">
               <a:buNone/>
             </a:pPr>
             <a:r>
-              <a:t>Work through this with them.</a:t>
+              <a:rPr/>
+              <a:t>reference</a:t>
+            </a:r>
+            <a:r>
+              <a:rPr/>
+              <a:t> </a:t>
+            </a:r>
+            <a:r>
+              <a:rPr/>
+              <a:t>this</a:t>
+            </a:r>
+            <a:r>
+              <a:rPr/>
+              <a:t> </a:t>
+            </a:r>
+            <a:r>
+              <a:rPr/>
+              <a:t>back</a:t>
+            </a:r>
+            <a:r>
+              <a:rPr/>
+              <a:t> </a:t>
+            </a:r>
+            <a:r>
+              <a:rPr/>
+              <a:t>to</a:t>
+            </a:r>
+            <a:r>
+              <a:rPr/>
+              <a:t> </a:t>
+            </a:r>
+            <a:r>
+              <a:rPr/>
+              <a:t>the</a:t>
+            </a:r>
+            <a:r>
+              <a:rPr/>
+              <a:t> </a:t>
+            </a:r>
+            <a:r>
+              <a:rPr/>
+              <a:t>factory</a:t>
+            </a:r>
+            <a:r>
+              <a:rPr/>
+              <a:t> </a:t>
+            </a:r>
+            <a:r>
+              <a:rPr/>
+              <a:t>idea</a:t>
+            </a:r>
+            <a:r>
+              <a:rPr/>
+              <a:t> </a:t>
+            </a:r>
+            <a:r>
+              <a:rPr/>
+              <a:t>argument</a:t>
+            </a:r>
+            <a:r>
+              <a:rPr/>
+              <a:t> </a:t>
+            </a:r>
+            <a:r>
+              <a:rPr/>
+              <a:t>=</a:t>
+            </a:r>
+            <a:r>
+              <a:rPr/>
+              <a:t> </a:t>
+            </a:r>
+            <a:r>
+              <a:rPr/>
+              <a:t>names</a:t>
+            </a:r>
+            <a:r>
+              <a:rPr/>
+              <a:t> </a:t>
+            </a:r>
+            <a:r>
+              <a:rPr/>
+              <a:t>of</a:t>
+            </a:r>
+            <a:r>
+              <a:rPr/>
+              <a:t> </a:t>
+            </a:r>
+            <a:r>
+              <a:rPr/>
+              <a:t>the</a:t>
+            </a:r>
+            <a:r>
+              <a:rPr/>
+              <a:t> </a:t>
+            </a:r>
+            <a:r>
+              <a:rPr/>
+              <a:t>inputs</a:t>
+            </a:r>
+            <a:r>
+              <a:rPr/>
+              <a:t> </a:t>
+            </a:r>
+            <a:r>
+              <a:rPr/>
+              <a:t>function</a:t>
+            </a:r>
+            <a:r>
+              <a:rPr/>
+              <a:t> </a:t>
+            </a:r>
+            <a:r>
+              <a:rPr/>
+              <a:t>=</a:t>
+            </a:r>
+            <a:r>
+              <a:rPr/>
+              <a:t> </a:t>
+            </a:r>
+            <a:r>
+              <a:rPr/>
+              <a:t>machine/factory</a:t>
+            </a:r>
+            <a:r>
+              <a:rPr/>
+              <a:t> </a:t>
+            </a:r>
+            <a:r>
+              <a:rPr/>
+              <a:t>value</a:t>
+            </a:r>
+            <a:r>
+              <a:rPr/>
+              <a:t> </a:t>
+            </a:r>
+            <a:r>
+              <a:rPr/>
+              <a:t>=</a:t>
+            </a:r>
+            <a:r>
+              <a:rPr/>
+              <a:t> </a:t>
+            </a:r>
+            <a:r>
+              <a:rPr/>
+              <a:t>output</a:t>
             </a:r>
           </a:p>
         </p:txBody>
@@ -1537,7 +4519,7 @@
           <a:p>
             <a:fld id="{18BDFEC3-8487-43E8-A154-7C12CBC1FFF2}" type="slidenum">
               <a:rPr lang="en-US"/>
-              <a:t>50</a:t>
+              <a:t>49</a:t>
             </a:fld>
             <a:endParaRPr lang="en-US"/>
           </a:p>
@@ -1545,9 +4527,6 @@
       </p:sp>
     </p:spTree>
   </p:cSld>
-  <p:clrMapOvr>
-    <a:masterClrMapping/>
-  </p:clrMapOvr>
 </p:notes>
 </file>
 
@@ -1698,7 +4677,7 @@
           <a:p>
             <a:fld id="{937E6D32-4C03-264D-8FDB-034DA7582E3B}" type="datetimeFigureOut">
               <a:rPr lang="en-US" smtClean="0"/>
-              <a:t>2/25/20</a:t>
+              <a:t>8/27/19</a:t>
             </a:fld>
             <a:endParaRPr lang="en-US"/>
           </a:p>
@@ -1896,7 +4875,7 @@
           <a:p>
             <a:fld id="{937E6D32-4C03-264D-8FDB-034DA7582E3B}" type="datetimeFigureOut">
               <a:rPr lang="en-US" smtClean="0"/>
-              <a:t>2/25/20</a:t>
+              <a:t>8/27/19</a:t>
             </a:fld>
             <a:endParaRPr lang="en-US"/>
           </a:p>
@@ -2104,7 +5083,7 @@
           <a:p>
             <a:fld id="{937E6D32-4C03-264D-8FDB-034DA7582E3B}" type="datetimeFigureOut">
               <a:rPr lang="en-US" smtClean="0"/>
-              <a:t>2/25/20</a:t>
+              <a:t>8/27/19</a:t>
             </a:fld>
             <a:endParaRPr lang="en-US"/>
           </a:p>
@@ -2302,7 +5281,7 @@
           <a:p>
             <a:fld id="{937E6D32-4C03-264D-8FDB-034DA7582E3B}" type="datetimeFigureOut">
               <a:rPr lang="en-US" smtClean="0"/>
-              <a:t>2/25/20</a:t>
+              <a:t>8/27/19</a:t>
             </a:fld>
             <a:endParaRPr lang="en-US"/>
           </a:p>
@@ -2577,7 +5556,7 @@
           <a:p>
             <a:fld id="{937E6D32-4C03-264D-8FDB-034DA7582E3B}" type="datetimeFigureOut">
               <a:rPr lang="en-US" smtClean="0"/>
-              <a:t>2/25/20</a:t>
+              <a:t>8/27/19</a:t>
             </a:fld>
             <a:endParaRPr lang="en-US"/>
           </a:p>
@@ -2842,7 +5821,7 @@
           <a:p>
             <a:fld id="{937E6D32-4C03-264D-8FDB-034DA7582E3B}" type="datetimeFigureOut">
               <a:rPr lang="en-US" smtClean="0"/>
-              <a:t>2/25/20</a:t>
+              <a:t>8/27/19</a:t>
             </a:fld>
             <a:endParaRPr lang="en-US"/>
           </a:p>
@@ -3254,7 +6233,7 @@
           <a:p>
             <a:fld id="{937E6D32-4C03-264D-8FDB-034DA7582E3B}" type="datetimeFigureOut">
               <a:rPr lang="en-US" smtClean="0"/>
-              <a:t>2/25/20</a:t>
+              <a:t>8/27/19</a:t>
             </a:fld>
             <a:endParaRPr lang="en-US"/>
           </a:p>
@@ -3395,7 +6374,7 @@
           <a:p>
             <a:fld id="{937E6D32-4C03-264D-8FDB-034DA7582E3B}" type="datetimeFigureOut">
               <a:rPr lang="en-US" smtClean="0"/>
-              <a:t>2/25/20</a:t>
+              <a:t>8/27/19</a:t>
             </a:fld>
             <a:endParaRPr lang="en-US"/>
           </a:p>
@@ -3508,7 +6487,7 @@
           <a:p>
             <a:fld id="{937E6D32-4C03-264D-8FDB-034DA7582E3B}" type="datetimeFigureOut">
               <a:rPr lang="en-US" smtClean="0"/>
-              <a:t>2/25/20</a:t>
+              <a:t>8/27/19</a:t>
             </a:fld>
             <a:endParaRPr lang="en-US"/>
           </a:p>
@@ -3819,7 +6798,7 @@
           <a:p>
             <a:fld id="{937E6D32-4C03-264D-8FDB-034DA7582E3B}" type="datetimeFigureOut">
               <a:rPr lang="en-US" smtClean="0"/>
-              <a:t>2/25/20</a:t>
+              <a:t>8/27/19</a:t>
             </a:fld>
             <a:endParaRPr lang="en-US"/>
           </a:p>
@@ -4107,7 +7086,7 @@
           <a:p>
             <a:fld id="{937E6D32-4C03-264D-8FDB-034DA7582E3B}" type="datetimeFigureOut">
               <a:rPr lang="en-US" smtClean="0"/>
-              <a:t>2/25/20</a:t>
+              <a:t>8/27/19</a:t>
             </a:fld>
             <a:endParaRPr lang="en-US"/>
           </a:p>
@@ -4348,7 +7327,7 @@
           <a:p>
             <a:fld id="{937E6D32-4C03-264D-8FDB-034DA7582E3B}" type="datetimeFigureOut">
               <a:rPr lang="en-US" smtClean="0"/>
-              <a:t>2/25/20</a:t>
+              <a:t>8/27/19</a:t>
             </a:fld>
             <a:endParaRPr lang="en-US"/>
           </a:p>
@@ -4791,11 +7770,28 @@
           <a:bodyPr/>
           <a:lstStyle/>
           <a:p>
-            <a:pPr marL="0" lvl="0" indent="0">
+            <a:pPr lvl="0" marL="0" indent="0">
               <a:buNone/>
             </a:pPr>
             <a:r>
-              <a:t>Introduction to R</a:t>
+              <a:rPr/>
+              <a:t>Introduction</a:t>
+            </a:r>
+            <a:r>
+              <a:rPr/>
+              <a:t> </a:t>
+            </a:r>
+            <a:r>
+              <a:rPr/>
+              <a:t>to</a:t>
+            </a:r>
+            <a:r>
+              <a:rPr/>
+              <a:t> </a:t>
+            </a:r>
+            <a:r>
+              <a:rPr/>
+              <a:t>R</a:t>
             </a:r>
           </a:p>
         </p:txBody>
@@ -4826,20 +7822,16 @@
           <a:bodyPr/>
           <a:lstStyle/>
           <a:p>
-            <a:pPr marL="0" lvl="0" indent="0">
+            <a:pPr lvl="0" marL="0" indent="0">
               <a:buNone/>
             </a:pPr>
             <a:br/>
             <a:br/>
-            <a:endParaRPr/>
           </a:p>
         </p:txBody>
       </p:sp>
     </p:spTree>
   </p:cSld>
-  <p:clrMapOvr>
-    <a:masterClrMapping/>
-  </p:clrMapOvr>
 </p:sld>
 </file>
 
@@ -4881,18 +7873,83 @@
           <a:bodyPr/>
           <a:lstStyle/>
           <a:p>
-            <a:pPr marL="0" lvl="0" indent="0">
+            <a:pPr lvl="0" marL="0" indent="0">
               <a:buNone/>
             </a:pPr>
             <a:r>
-              <a:t>This is what R on it’s own looks like</a:t>
+              <a:rPr/>
+              <a:t>This</a:t>
+            </a:r>
+            <a:r>
+              <a:rPr/>
+              <a:t> </a:t>
+            </a:r>
+            <a:r>
+              <a:rPr/>
+              <a:t>is</a:t>
+            </a:r>
+            <a:r>
+              <a:rPr/>
+              <a:t> </a:t>
+            </a:r>
+            <a:r>
+              <a:rPr/>
+              <a:t>what</a:t>
+            </a:r>
+            <a:r>
+              <a:rPr/>
+              <a:t> </a:t>
+            </a:r>
+            <a:r>
+              <a:rPr/>
+              <a:t>R</a:t>
+            </a:r>
+            <a:r>
+              <a:rPr/>
+              <a:t> </a:t>
+            </a:r>
+            <a:r>
+              <a:rPr/>
+              <a:t>on</a:t>
+            </a:r>
+            <a:r>
+              <a:rPr/>
+              <a:t> </a:t>
+            </a:r>
+            <a:r>
+              <a:rPr/>
+              <a:t>it’s</a:t>
+            </a:r>
+            <a:r>
+              <a:rPr/>
+              <a:t> </a:t>
+            </a:r>
+            <a:r>
+              <a:rPr/>
+              <a:t>own</a:t>
+            </a:r>
+            <a:r>
+              <a:rPr/>
+              <a:t> </a:t>
+            </a:r>
+            <a:r>
+              <a:rPr/>
+              <a:t>looks</a:t>
+            </a:r>
+            <a:r>
+              <a:rPr/>
+              <a:t> </a:t>
+            </a:r>
+            <a:r>
+              <a:rPr/>
+              <a:t>like</a:t>
             </a:r>
           </a:p>
         </p:txBody>
       </p:sp>
       <p:pic>
         <p:nvPicPr>
-          <p:cNvPr id="3" name="Picture 1" descr="../Images/RConsole.png"/>
+          <p:cNvPr descr="../Images/RConsole.png" id="0" name="Picture 1"/>
           <p:cNvPicPr>
             <a:picLocks noGrp="1" noChangeAspect="1"/>
           </p:cNvPicPr>
@@ -4922,9 +7979,6 @@
       </p:pic>
     </p:spTree>
   </p:cSld>
-  <p:clrMapOvr>
-    <a:masterClrMapping/>
-  </p:clrMapOvr>
 </p:sld>
 </file>
 
@@ -4966,18 +8020,107 @@
           <a:bodyPr/>
           <a:lstStyle/>
           <a:p>
-            <a:pPr marL="0" lvl="0" indent="0">
+            <a:pPr lvl="0" marL="0" indent="0">
               <a:buNone/>
             </a:pPr>
             <a:r>
-              <a:t>This is what RStudio looks like - much easier to work with</a:t>
+              <a:rPr/>
+              <a:t>This</a:t>
+            </a:r>
+            <a:r>
+              <a:rPr/>
+              <a:t> </a:t>
+            </a:r>
+            <a:r>
+              <a:rPr/>
+              <a:t>is</a:t>
+            </a:r>
+            <a:r>
+              <a:rPr/>
+              <a:t> </a:t>
+            </a:r>
+            <a:r>
+              <a:rPr/>
+              <a:t>what</a:t>
+            </a:r>
+            <a:r>
+              <a:rPr/>
+              <a:t> </a:t>
+            </a:r>
+            <a:r>
+              <a:rPr/>
+              <a:t>RStudio</a:t>
+            </a:r>
+            <a:r>
+              <a:rPr/>
+              <a:t> </a:t>
+            </a:r>
+            <a:r>
+              <a:rPr/>
+              <a:t>looks</a:t>
+            </a:r>
+            <a:r>
+              <a:rPr/>
+              <a:t> </a:t>
+            </a:r>
+            <a:r>
+              <a:rPr/>
+              <a:t>like</a:t>
+            </a:r>
+            <a:r>
+              <a:rPr/>
+              <a:t> </a:t>
+            </a:r>
+            <a:r>
+              <a:rPr/>
+              <a:t>-</a:t>
+            </a:r>
+            <a:r>
+              <a:rPr/>
+              <a:t> </a:t>
+            </a:r>
+            <a:r>
+              <a:rPr/>
+              <a:t>much</a:t>
+            </a:r>
+            <a:r>
+              <a:rPr/>
+              <a:t> </a:t>
+            </a:r>
+            <a:r>
+              <a:rPr/>
+              <a:t>easier</a:t>
+            </a:r>
+            <a:r>
+              <a:rPr/>
+              <a:t> </a:t>
+            </a:r>
+            <a:r>
+              <a:rPr/>
+              <a:t>to</a:t>
+            </a:r>
+            <a:r>
+              <a:rPr/>
+              <a:t> </a:t>
+            </a:r>
+            <a:r>
+              <a:rPr/>
+              <a:t>work</a:t>
+            </a:r>
+            <a:r>
+              <a:rPr/>
+              <a:t> </a:t>
+            </a:r>
+            <a:r>
+              <a:rPr/>
+              <a:t>with</a:t>
             </a:r>
           </a:p>
         </p:txBody>
       </p:sp>
       <p:pic>
         <p:nvPicPr>
-          <p:cNvPr id="3" name="Picture 1" descr="../Images/RStudio.png"/>
+          <p:cNvPr descr="../Images/RStudio.png" id="0" name="Picture 1"/>
           <p:cNvPicPr>
             <a:picLocks noGrp="1" noChangeAspect="1"/>
           </p:cNvPicPr>
@@ -5007,9 +8150,6 @@
       </p:pic>
     </p:spTree>
   </p:cSld>
-  <p:clrMapOvr>
-    <a:masterClrMapping/>
-  </p:clrMapOvr>
 </p:sld>
 </file>
 
@@ -5051,18 +8191,59 @@
           <a:bodyPr/>
           <a:lstStyle/>
           <a:p>
-            <a:pPr marL="0" lvl="0" indent="0">
+            <a:pPr lvl="0" marL="0" indent="0">
               <a:buNone/>
             </a:pPr>
             <a:r>
-              <a:t>RStudio is made up of windows</a:t>
+              <a:rPr/>
+              <a:t>RStudio</a:t>
+            </a:r>
+            <a:r>
+              <a:rPr/>
+              <a:t> </a:t>
+            </a:r>
+            <a:r>
+              <a:rPr/>
+              <a:t>is</a:t>
+            </a:r>
+            <a:r>
+              <a:rPr/>
+              <a:t> </a:t>
+            </a:r>
+            <a:r>
+              <a:rPr/>
+              <a:t>made</a:t>
+            </a:r>
+            <a:r>
+              <a:rPr/>
+              <a:t> </a:t>
+            </a:r>
+            <a:r>
+              <a:rPr/>
+              <a:t>up</a:t>
+            </a:r>
+            <a:r>
+              <a:rPr/>
+              <a:t> </a:t>
+            </a:r>
+            <a:r>
+              <a:rPr/>
+              <a:t>of</a:t>
+            </a:r>
+            <a:r>
+              <a:rPr/>
+              <a:t> </a:t>
+            </a:r>
+            <a:r>
+              <a:rPr/>
+              <a:t>windows</a:t>
             </a:r>
           </a:p>
         </p:txBody>
       </p:sp>
       <p:pic>
         <p:nvPicPr>
-          <p:cNvPr id="3" name="Picture 1" descr="../Images/RStudioHighlightWindows.png"/>
+          <p:cNvPr descr="../Images/RStudioHighlightWindows.png" id="0" name="Picture 1"/>
           <p:cNvPicPr>
             <a:picLocks noGrp="1" noChangeAspect="1"/>
           </p:cNvPicPr>
@@ -5092,9 +8273,6 @@
       </p:pic>
     </p:spTree>
   </p:cSld>
-  <p:clrMapOvr>
-    <a:masterClrMapping/>
-  </p:clrMapOvr>
 </p:sld>
 </file>
 
@@ -5136,18 +8314,51 @@
           <a:bodyPr/>
           <a:lstStyle/>
           <a:p>
-            <a:pPr marL="0" lvl="0" indent="0">
+            <a:pPr lvl="0" marL="0" indent="0">
               <a:buNone/>
             </a:pPr>
             <a:r>
-              <a:t>Adjusting your view of RStudio.</a:t>
+              <a:rPr/>
+              <a:t>Adjusting</a:t>
+            </a:r>
+            <a:r>
+              <a:rPr/>
+              <a:t> </a:t>
+            </a:r>
+            <a:r>
+              <a:rPr/>
+              <a:t>your</a:t>
+            </a:r>
+            <a:r>
+              <a:rPr/>
+              <a:t> </a:t>
+            </a:r>
+            <a:r>
+              <a:rPr/>
+              <a:t>view</a:t>
+            </a:r>
+            <a:r>
+              <a:rPr/>
+              <a:t> </a:t>
+            </a:r>
+            <a:r>
+              <a:rPr/>
+              <a:t>of</a:t>
+            </a:r>
+            <a:r>
+              <a:rPr/>
+              <a:t> </a:t>
+            </a:r>
+            <a:r>
+              <a:rPr/>
+              <a:t>RStudio</a:t>
             </a:r>
           </a:p>
         </p:txBody>
       </p:sp>
       <p:pic>
         <p:nvPicPr>
-          <p:cNvPr id="3" name="Picture 1" descr="../Images/RStudioButtonsHighlighted.png"/>
+          <p:cNvPr descr="../Images/RStudioButtonsHighlighted.png" id="0" name="Picture 1"/>
           <p:cNvPicPr>
             <a:picLocks noGrp="1" noChangeAspect="1"/>
           </p:cNvPicPr>
@@ -5177,9 +8388,6 @@
       </p:pic>
     </p:spTree>
   </p:cSld>
-  <p:clrMapOvr>
-    <a:masterClrMapping/>
-  </p:clrMapOvr>
 </p:sld>
 </file>
 
@@ -5221,18 +8429,43 @@
           <a:bodyPr/>
           <a:lstStyle/>
           <a:p>
-            <a:pPr marL="0" lvl="0" indent="0">
+            <a:pPr lvl="0" marL="0" indent="0">
               <a:buNone/>
             </a:pPr>
             <a:r>
-              <a:t>Using the Console window</a:t>
+              <a:rPr/>
+              <a:t>Using</a:t>
+            </a:r>
+            <a:r>
+              <a:rPr/>
+              <a:t> </a:t>
+            </a:r>
+            <a:r>
+              <a:rPr/>
+              <a:t>the</a:t>
+            </a:r>
+            <a:r>
+              <a:rPr/>
+              <a:t> </a:t>
+            </a:r>
+            <a:r>
+              <a:rPr/>
+              <a:t>Console</a:t>
+            </a:r>
+            <a:r>
+              <a:rPr/>
+              <a:t> </a:t>
+            </a:r>
+            <a:r>
+              <a:rPr/>
+              <a:t>window</a:t>
             </a:r>
           </a:p>
         </p:txBody>
       </p:sp>
       <p:pic>
         <p:nvPicPr>
-          <p:cNvPr id="3" name="Picture 1" descr="../Images/RStudioConsole.png"/>
+          <p:cNvPr descr="../Images/RStudioConsole.png" id="0" name="Picture 1"/>
           <p:cNvPicPr>
             <a:picLocks noGrp="1" noChangeAspect="1"/>
           </p:cNvPicPr>
@@ -5262,9 +8495,6 @@
       </p:pic>
     </p:spTree>
   </p:cSld>
-  <p:clrMapOvr>
-    <a:masterClrMapping/>
-  </p:clrMapOvr>
 </p:sld>
 </file>
 
@@ -5306,11 +8536,28 @@
           <a:bodyPr/>
           <a:lstStyle/>
           <a:p>
-            <a:pPr marL="0" lvl="0" indent="0">
+            <a:pPr lvl="0" marL="0" indent="0">
               <a:buNone/>
             </a:pPr>
             <a:r>
-              <a:t>Using the console</a:t>
+              <a:rPr/>
+              <a:t>Using</a:t>
+            </a:r>
+            <a:r>
+              <a:rPr/>
+              <a:t> </a:t>
+            </a:r>
+            <a:r>
+              <a:rPr/>
+              <a:t>the</a:t>
+            </a:r>
+            <a:r>
+              <a:rPr/>
+              <a:t> </a:t>
+            </a:r>
+            <a:r>
+              <a:rPr/>
+              <a:t>console</a:t>
             </a:r>
           </a:p>
         </p:txBody>
@@ -5338,18 +8585,21 @@
           <a:p>
             <a:pPr lvl="1"/>
             <a:r>
+              <a:rPr/>
               <a:t>Bottom left window.</a:t>
             </a:r>
           </a:p>
           <a:p>
             <a:pPr lvl="1"/>
             <a:r>
+              <a:rPr/>
               <a:t>This is R!</a:t>
             </a:r>
           </a:p>
           <a:p>
             <a:pPr lvl="1"/>
             <a:r>
+              <a:rPr/>
               <a:t>This is your prompt to type </a:t>
             </a:r>
             <a:r>
@@ -5359,12 +8609,14 @@
               <a:t>&gt;</a:t>
             </a:r>
             <a:r>
+              <a:rPr/>
               <a:t>.</a:t>
             </a:r>
           </a:p>
           <a:p>
             <a:pPr lvl="1"/>
             <a:r>
+              <a:rPr/>
               <a:t>Type </a:t>
             </a:r>
             <a:r>
@@ -5374,6 +8626,7 @@
               <a:t>2 + 2</a:t>
             </a:r>
             <a:r>
+              <a:rPr/>
               <a:t> then hit </a:t>
             </a:r>
             <a:r>
@@ -5383,6 +8636,7 @@
               <a:t>Enter</a:t>
             </a:r>
             <a:r>
+              <a:rPr/>
               <a:t>.</a:t>
             </a:r>
           </a:p>
@@ -5390,9 +8644,6 @@
       </p:sp>
     </p:spTree>
   </p:cSld>
-  <p:clrMapOvr>
-    <a:masterClrMapping/>
-  </p:clrMapOvr>
 </p:sld>
 </file>
 
@@ -5434,11 +8685,20 @@
           <a:bodyPr/>
           <a:lstStyle/>
           <a:p>
-            <a:pPr marL="0" lvl="0" indent="0">
+            <a:pPr lvl="0" marL="0" indent="0">
               <a:buNone/>
             </a:pPr>
             <a:r>
-              <a:t>Console output</a:t>
+              <a:rPr/>
+              <a:t>Console</a:t>
+            </a:r>
+            <a:r>
+              <a:rPr/>
+              <a:t> </a:t>
+            </a:r>
+            <a:r>
+              <a:rPr/>
+              <a:t>output</a:t>
             </a:r>
           </a:p>
         </p:txBody>
@@ -5464,15 +8724,16 @@
           <a:bodyPr/>
           <a:lstStyle/>
           <a:p>
-            <a:pPr marL="0" lvl="0" indent="0">
+            <a:pPr lvl="0" marL="0" indent="0">
               <a:buNone/>
             </a:pPr>
             <a:r>
+              <a:rPr/>
               <a:t>You should see:</a:t>
             </a:r>
           </a:p>
           <a:p>
-            <a:pPr marL="1270000" lvl="0" indent="0">
+            <a:pPr lvl="0" marL="1270000" indent="0">
               <a:buNone/>
             </a:pPr>
             <a:r>
@@ -5519,7 +8780,7 @@
             </a:r>
           </a:p>
           <a:p>
-            <a:pPr marL="1270000" lvl="0" indent="0">
+            <a:pPr lvl="0" marL="1270000" indent="0">
               <a:buNone/>
             </a:pPr>
             <a:r>
@@ -5538,6 +8799,7 @@
               <a:t>&gt;</a:t>
             </a:r>
             <a:r>
+              <a:rPr/>
               <a:t> is the command prompt</a:t>
             </a:r>
           </a:p>
@@ -5550,6 +8812,7 @@
               <a:t>2 + 2</a:t>
             </a:r>
             <a:r>
+              <a:rPr/>
               <a:t> is the command</a:t>
             </a:r>
           </a:p>
@@ -5562,6 +8825,7 @@
               <a:t>4</a:t>
             </a:r>
             <a:r>
+              <a:rPr/>
               <a:t> is the output from R.</a:t>
             </a:r>
           </a:p>
@@ -5574,6 +8838,7 @@
               <a:t>[1]</a:t>
             </a:r>
             <a:r>
+              <a:rPr/>
               <a:t> is telling you that 4 is the first value in a sequence returned by R.</a:t>
             </a:r>
           </a:p>
@@ -5581,9 +8846,6 @@
       </p:sp>
     </p:spTree>
   </p:cSld>
-  <p:clrMapOvr>
-    <a:masterClrMapping/>
-  </p:clrMapOvr>
 </p:sld>
 </file>
 
@@ -5625,18 +8887,35 @@
           <a:bodyPr/>
           <a:lstStyle/>
           <a:p>
-            <a:pPr marL="0" lvl="0" indent="0">
+            <a:pPr lvl="0" marL="0" indent="0">
               <a:buNone/>
             </a:pPr>
             <a:r>
-              <a:t>Using the Source</a:t>
+              <a:rPr/>
+              <a:t>Using</a:t>
+            </a:r>
+            <a:r>
+              <a:rPr/>
+              <a:t> </a:t>
+            </a:r>
+            <a:r>
+              <a:rPr/>
+              <a:t>the</a:t>
+            </a:r>
+            <a:r>
+              <a:rPr/>
+              <a:t> </a:t>
+            </a:r>
+            <a:r>
+              <a:rPr/>
+              <a:t>Source</a:t>
             </a:r>
           </a:p>
         </p:txBody>
       </p:sp>
       <p:pic>
         <p:nvPicPr>
-          <p:cNvPr id="3" name="Picture 1" descr="../Images/RStudioSource.png"/>
+          <p:cNvPr descr="../Images/RStudioSource.png" id="0" name="Picture 1"/>
           <p:cNvPicPr>
             <a:picLocks noGrp="1" noChangeAspect="1"/>
           </p:cNvPicPr>
@@ -5666,9 +8945,6 @@
       </p:pic>
     </p:spTree>
   </p:cSld>
-  <p:clrMapOvr>
-    <a:masterClrMapping/>
-  </p:clrMapOvr>
 </p:sld>
 </file>
 
@@ -5710,11 +8986,28 @@
           <a:bodyPr/>
           <a:lstStyle/>
           <a:p>
-            <a:pPr marL="0" lvl="0" indent="0">
+            <a:pPr lvl="0" marL="0" indent="0">
               <a:buNone/>
             </a:pPr>
             <a:r>
-              <a:t>Using the Source</a:t>
+              <a:rPr/>
+              <a:t>Using</a:t>
+            </a:r>
+            <a:r>
+              <a:rPr/>
+              <a:t> </a:t>
+            </a:r>
+            <a:r>
+              <a:rPr/>
+              <a:t>the</a:t>
+            </a:r>
+            <a:r>
+              <a:rPr/>
+              <a:t> </a:t>
+            </a:r>
+            <a:r>
+              <a:rPr/>
+              <a:t>Source</a:t>
             </a:r>
           </a:p>
         </p:txBody>
@@ -5742,6 +9035,7 @@
           <a:p>
             <a:pPr lvl="1"/>
             <a:r>
+              <a:rPr/>
               <a:t>Type </a:t>
             </a:r>
             <a:r>
@@ -5751,6 +9045,7 @@
               <a:t>2 + 2</a:t>
             </a:r>
             <a:r>
+              <a:rPr/>
               <a:t>, then </a:t>
             </a:r>
             <a:r>
@@ -5760,54 +9055,61 @@
               <a:t>Enter</a:t>
             </a:r>
             <a:r>
+              <a:rPr/>
               <a:t>.</a:t>
             </a:r>
           </a:p>
           <a:p>
             <a:pPr lvl="1"/>
             <a:r>
+              <a:rPr/>
               <a:t>What happens?</a:t>
             </a:r>
           </a:p>
           <a:p>
             <a:pPr lvl="1"/>
             <a:r>
+              <a:rPr/>
               <a:t>To ask R to run code</a:t>
             </a:r>
           </a:p>
           <a:p>
+            <a:pPr lvl="2"/>
+            <a:r>
+              <a:rPr/>
+              <a:t>Highlight the code and:</a:t>
+            </a:r>
+          </a:p>
+          <a:p>
+            <a:pPr lvl="3"/>
+            <a:r>
+              <a:rPr/>
+              <a:t>MacOS: </a:t>
+            </a:r>
+            <a:r>
+              <a:rPr sz="1800">
+                <a:latin typeface="Courier"/>
+              </a:rPr>
+              <a:t>Cmd + Enter</a:t>
+            </a:r>
+          </a:p>
+          <a:p>
+            <a:pPr lvl="3"/>
+            <a:r>
+              <a:rPr/>
+              <a:t>Windows: </a:t>
+            </a:r>
+            <a:r>
+              <a:rPr sz="1800">
+                <a:latin typeface="Courier"/>
+              </a:rPr>
+              <a:t>Ctrl + Enter</a:t>
+            </a:r>
+          </a:p>
+          <a:p>
             <a:pPr lvl="1"/>
             <a:r>
-              <a:t>Highlight the code and:</a:t>
-            </a:r>
-          </a:p>
-          <a:p>
-            <a:pPr lvl="2"/>
-            <a:r>
-              <a:t>MacOS: </a:t>
-            </a:r>
-            <a:r>
-              <a:rPr sz="1800">
-                <a:latin typeface="Courier"/>
-              </a:rPr>
-              <a:t>Cmd + Enter</a:t>
-            </a:r>
-          </a:p>
-          <a:p>
-            <a:pPr lvl="2"/>
-            <a:r>
-              <a:t>Windows: </a:t>
-            </a:r>
-            <a:r>
-              <a:rPr sz="1800">
-                <a:latin typeface="Courier"/>
-              </a:rPr>
-              <a:t>Ctrl + Enter</a:t>
-            </a:r>
-          </a:p>
-          <a:p>
-            <a:pPr lvl="1"/>
-            <a:r>
+              <a:rPr/>
               <a:t>Notice the output in the console.</a:t>
             </a:r>
           </a:p>
@@ -5815,9 +9117,6 @@
       </p:sp>
     </p:spTree>
   </p:cSld>
-  <p:clrMapOvr>
-    <a:masterClrMapping/>
-  </p:clrMapOvr>
 </p:sld>
 </file>
 
@@ -5859,11 +9158,28 @@
           <a:bodyPr/>
           <a:lstStyle/>
           <a:p>
-            <a:pPr marL="0" lvl="0" indent="0">
+            <a:pPr lvl="0" marL="0" indent="0">
               <a:buNone/>
             </a:pPr>
             <a:r>
-              <a:t>Saving your work</a:t>
+              <a:rPr/>
+              <a:t>Saving</a:t>
+            </a:r>
+            <a:r>
+              <a:rPr/>
+              <a:t> </a:t>
+            </a:r>
+            <a:r>
+              <a:rPr/>
+              <a:t>your</a:t>
+            </a:r>
+            <a:r>
+              <a:rPr/>
+              <a:t> </a:t>
+            </a:r>
+            <a:r>
+              <a:rPr/>
+              <a:t>work</a:t>
             </a:r>
           </a:p>
         </p:txBody>
@@ -5891,6 +9207,7 @@
           <a:p>
             <a:pPr lvl="1"/>
             <a:r>
+              <a:rPr/>
               <a:t>Click the </a:t>
             </a:r>
             <a:r>
@@ -5900,42 +9217,49 @@
               <a:t>save</a:t>
             </a:r>
             <a:r>
+              <a:rPr/>
               <a:t> icon</a:t>
             </a:r>
           </a:p>
           <a:p>
             <a:pPr lvl="2"/>
             <a:r>
+              <a:rPr/>
               <a:t>Save the file under a meaningful name.</a:t>
             </a:r>
           </a:p>
           <a:p>
             <a:pPr lvl="2"/>
             <a:r>
+              <a:rPr/>
               <a:t>Save it somewhere you can find it again.</a:t>
             </a:r>
           </a:p>
           <a:p>
             <a:pPr lvl="2"/>
             <a:r>
+              <a:rPr/>
               <a:t>.R is the file extension for R scripts.</a:t>
             </a:r>
           </a:p>
           <a:p>
             <a:pPr lvl="1"/>
             <a:r>
+              <a:rPr/>
               <a:t>Close the Source window</a:t>
             </a:r>
           </a:p>
           <a:p>
             <a:pPr lvl="1"/>
             <a:r>
+              <a:rPr/>
               <a:t>Close R Studio</a:t>
             </a:r>
           </a:p>
           <a:p>
             <a:pPr lvl="1"/>
             <a:r>
+              <a:rPr/>
               <a:t>Restart R Studio and click the </a:t>
             </a:r>
             <a:r>
@@ -5945,34 +9269,35 @@
               <a:t>open</a:t>
             </a:r>
             <a:r>
+              <a:rPr/>
               <a:t> icon</a:t>
             </a:r>
           </a:p>
           <a:p>
             <a:pPr lvl="1"/>
             <a:r>
+              <a:rPr/>
               <a:t>Find your file and open</a:t>
             </a:r>
           </a:p>
           <a:p>
             <a:pPr lvl="1"/>
             <a:r>
+              <a:rPr/>
               <a:t>Your code still there</a:t>
             </a:r>
           </a:p>
           <a:p>
             <a:pPr lvl="1"/>
             <a:r>
-              <a:t>You can run it again.</a:t>
+              <a:rPr/>
+              <a:t>You can run it again</a:t>
             </a:r>
           </a:p>
         </p:txBody>
       </p:sp>
     </p:spTree>
   </p:cSld>
-  <p:clrMapOvr>
-    <a:masterClrMapping/>
-  </p:clrMapOvr>
 </p:sld>
 </file>
 
@@ -5995,7 +9320,7 @@
       </p:grpSpPr>
       <p:pic>
         <p:nvPicPr>
-          <p:cNvPr id="2" name="Picture 1" descr="../Images/Clinician%20Coders%20Branding_FINAL_CMYK_Colour.png"/>
+          <p:cNvPr descr="../Images/Clinician%20Coders%20Branding_FINAL_CMYK_Colour.png" id="0" name="Picture 1"/>
           <p:cNvPicPr>
             <a:picLocks noGrp="1" noChangeAspect="1"/>
           </p:cNvPicPr>
@@ -6025,9 +9350,6 @@
       </p:pic>
     </p:spTree>
   </p:cSld>
-  <p:clrMapOvr>
-    <a:masterClrMapping/>
-  </p:clrMapOvr>
 </p:sld>
 </file>
 
@@ -6069,11 +9391,28 @@
           <a:bodyPr/>
           <a:lstStyle/>
           <a:p>
-            <a:pPr marL="0" lvl="0" indent="0">
+            <a:pPr lvl="0" marL="0" indent="0">
               <a:buNone/>
             </a:pPr>
             <a:r>
-              <a:t>R building blocks</a:t>
+              <a:rPr/>
+              <a:t>R</a:t>
+            </a:r>
+            <a:r>
+              <a:rPr/>
+              <a:t> </a:t>
+            </a:r>
+            <a:r>
+              <a:rPr/>
+              <a:t>building</a:t>
+            </a:r>
+            <a:r>
+              <a:rPr/>
+              <a:t> </a:t>
+            </a:r>
+            <a:r>
+              <a:rPr/>
+              <a:t>blocks</a:t>
             </a:r>
           </a:p>
         </p:txBody>
@@ -6101,36 +9440,56 @@
           <a:p>
             <a:pPr lvl="1"/>
             <a:r>
-              <a:t>Names</a:t>
+              <a:rPr/>
+              <a:t>Object names</a:t>
             </a:r>
           </a:p>
           <a:p>
             <a:pPr lvl="1"/>
             <a:r>
+              <a:rPr/>
               <a:t>Data</a:t>
             </a:r>
           </a:p>
           <a:p>
             <a:pPr lvl="2"/>
             <a:r>
+              <a:rPr b="1"/>
               <a:t>Vectors</a:t>
             </a:r>
           </a:p>
           <a:p>
             <a:pPr lvl="2"/>
             <a:r>
-              <a:t>Data Frames</a:t>
+              <a:rPr b="1"/>
+              <a:t>Data frames</a:t>
+            </a:r>
+          </a:p>
+          <a:p>
+            <a:pPr lvl="2"/>
+            <a:r>
+              <a:rPr/>
+              <a:t>Matrices</a:t>
+            </a:r>
+          </a:p>
+          <a:p>
+            <a:pPr lvl="2"/>
+            <a:r>
+              <a:rPr/>
+              <a:t>Lists</a:t>
             </a:r>
           </a:p>
           <a:p>
             <a:pPr lvl="1"/>
             <a:r>
+              <a:rPr/>
               <a:t>Functions</a:t>
             </a:r>
           </a:p>
           <a:p>
             <a:pPr lvl="2"/>
             <a:r>
+              <a:rPr/>
               <a:t>Stored in packages</a:t>
             </a:r>
           </a:p>
@@ -6138,9 +9497,6 @@
       </p:sp>
     </p:spTree>
   </p:cSld>
-  <p:clrMapOvr>
-    <a:masterClrMapping/>
-  </p:clrMapOvr>
 </p:sld>
 </file>
 
@@ -6182,11 +9538,36 @@
           <a:bodyPr/>
           <a:lstStyle/>
           <a:p>
-            <a:pPr marL="0" lvl="0" indent="0">
+            <a:pPr lvl="0" marL="0" indent="0">
               <a:buNone/>
             </a:pPr>
             <a:r>
-              <a:t>3 Main Building Blocks</a:t>
+              <a:rPr/>
+              <a:t>3</a:t>
+            </a:r>
+            <a:r>
+              <a:rPr/>
+              <a:t> </a:t>
+            </a:r>
+            <a:r>
+              <a:rPr/>
+              <a:t>Main</a:t>
+            </a:r>
+            <a:r>
+              <a:rPr/>
+              <a:t> </a:t>
+            </a:r>
+            <a:r>
+              <a:rPr/>
+              <a:t>Building</a:t>
+            </a:r>
+            <a:r>
+              <a:rPr/>
+              <a:t> </a:t>
+            </a:r>
+            <a:r>
+              <a:rPr/>
+              <a:t>Blocks</a:t>
             </a:r>
           </a:p>
         </p:txBody>
@@ -6214,60 +9595,109 @@
           <a:p>
             <a:pPr lvl="1"/>
             <a:r>
-              <a:t>Names</a:t>
+              <a:rPr/>
+              <a:t>Object names</a:t>
             </a:r>
           </a:p>
           <a:p>
             <a:pPr lvl="2"/>
             <a:r>
-              <a:t>Everything needs a name in R: tables, plots, data files</a:t>
+              <a:rPr/>
+              <a:t>Everything needs a name in R: tables, plots, data files, functions</a:t>
             </a:r>
           </a:p>
           <a:p>
             <a:pPr lvl="1"/>
             <a:r>
+              <a:rPr/>
               <a:t>Data</a:t>
             </a:r>
           </a:p>
           <a:p>
             <a:pPr lvl="2"/>
             <a:r>
-              <a:t>Data comes in different forms: Real Numbers/Counting Numbers/Characters etc.</a:t>
+              <a:rPr/>
+              <a:t>Data comes in different classes:</a:t>
+            </a:r>
+          </a:p>
+          <a:p>
+            <a:pPr lvl="3"/>
+            <a:r>
+              <a:rPr/>
+              <a:t>Real numbers - </a:t>
+            </a:r>
+            <a:r>
+              <a:rPr sz="1800">
+                <a:latin typeface="Courier"/>
+              </a:rPr>
+              <a:t>numeric</a:t>
+            </a:r>
+          </a:p>
+          <a:p>
+            <a:pPr lvl="3"/>
+            <a:r>
+              <a:rPr/>
+              <a:t>Discrete numbers - </a:t>
+            </a:r>
+            <a:r>
+              <a:rPr sz="1800">
+                <a:latin typeface="Courier"/>
+              </a:rPr>
+              <a:t>integer</a:t>
+            </a:r>
+          </a:p>
+          <a:p>
+            <a:pPr lvl="3"/>
+            <a:r>
+              <a:rPr/>
+              <a:t>Characters - </a:t>
+            </a:r>
+            <a:r>
+              <a:rPr sz="1800">
+                <a:latin typeface="Courier"/>
+              </a:rPr>
+              <a:t>character</a:t>
             </a:r>
           </a:p>
           <a:p>
             <a:pPr lvl="2"/>
             <a:r>
-              <a:t>Data is stored in vectors</a:t>
+              <a:rPr/>
+              <a:t>Data can be stored in vectors</a:t>
             </a:r>
           </a:p>
           <a:p>
             <a:pPr lvl="2"/>
             <a:r>
-              <a:t>Vectors are stored in data frames</a:t>
+              <a:rPr/>
+              <a:t>Vectors can be stored in data frames</a:t>
             </a:r>
           </a:p>
           <a:p>
             <a:pPr lvl="1"/>
             <a:r>
+              <a:rPr/>
               <a:t>Functions</a:t>
             </a:r>
           </a:p>
           <a:p>
             <a:pPr lvl="2"/>
             <a:r>
+              <a:rPr/>
               <a:t>Little factories</a:t>
             </a:r>
           </a:p>
           <a:p>
             <a:pPr lvl="2"/>
             <a:r>
+              <a:rPr/>
               <a:t>Take an input (raw material) use function (factory) get an output (product)</a:t>
             </a:r>
           </a:p>
           <a:p>
             <a:pPr lvl="2"/>
             <a:r>
+              <a:rPr/>
               <a:t>Functions are collated into packages</a:t>
             </a:r>
           </a:p>
@@ -6275,9 +9705,6 @@
       </p:sp>
     </p:spTree>
   </p:cSld>
-  <p:clrMapOvr>
-    <a:masterClrMapping/>
-  </p:clrMapOvr>
 </p:sld>
 </file>
 
@@ -6319,11 +9746,20 @@
           <a:bodyPr/>
           <a:lstStyle/>
           <a:p>
-            <a:pPr marL="0" lvl="0" indent="0">
+            <a:pPr lvl="0" marL="0" indent="0">
               <a:buNone/>
             </a:pPr>
             <a:r>
-              <a:t>Names</a:t>
+              <a:rPr/>
+              <a:t>Object</a:t>
+            </a:r>
+            <a:r>
+              <a:rPr/>
+              <a:t> </a:t>
+            </a:r>
+            <a:r>
+              <a:rPr/>
+              <a:t>names</a:t>
             </a:r>
           </a:p>
         </p:txBody>
@@ -6351,12 +9787,14 @@
           <a:p>
             <a:pPr lvl="1"/>
             <a:r>
+              <a:rPr/>
               <a:t>You assign names to objects in R.</a:t>
             </a:r>
           </a:p>
           <a:p>
             <a:pPr lvl="1"/>
             <a:r>
+              <a:rPr/>
               <a:t>This is the assignment operator </a:t>
             </a:r>
             <a:r>
@@ -6365,16 +9803,32 @@
               </a:rPr>
               <a:t>&lt;-</a:t>
             </a:r>
+            <a:r>
+              <a:rPr/>
+              <a:t>(</a:t>
+            </a:r>
+            <a:r>
+              <a:rPr sz="1800">
+                <a:latin typeface="Courier"/>
+              </a:rPr>
+              <a:t>=</a:t>
+            </a:r>
+            <a:r>
+              <a:rPr/>
+              <a:t>)</a:t>
+            </a:r>
           </a:p>
           <a:p>
             <a:pPr lvl="1"/>
             <a:r>
+              <a:rPr/>
               <a:t>Shortcut:</a:t>
             </a:r>
           </a:p>
           <a:p>
             <a:pPr lvl="2"/>
             <a:r>
+              <a:rPr/>
               <a:t>Mac OSX: </a:t>
             </a:r>
             <a:r>
@@ -6387,6 +9841,7 @@
           <a:p>
             <a:pPr lvl="2"/>
             <a:r>
+              <a:rPr/>
               <a:t>Windows: </a:t>
             </a:r>
             <a:r>
@@ -6399,11 +9854,12 @@
           <a:p>
             <a:pPr lvl="1"/>
             <a:r>
+              <a:rPr/>
               <a:t>Return the stored value by typing the name.</a:t>
             </a:r>
           </a:p>
           <a:p>
-            <a:pPr marL="1270000" lvl="0" indent="0">
+            <a:pPr lvl="0" marL="1270000" indent="0">
               <a:buNone/>
             </a:pPr>
             <a:r>
@@ -6505,7 +9961,7 @@
             </a:r>
           </a:p>
           <a:p>
-            <a:pPr marL="1270000" lvl="0" indent="0">
+            <a:pPr lvl="0" marL="1270000" indent="0">
               <a:buNone/>
             </a:pPr>
             <a:r>
@@ -6519,9 +9975,6 @@
       </p:sp>
     </p:spTree>
   </p:cSld>
-  <p:clrMapOvr>
-    <a:masterClrMapping/>
-  </p:clrMapOvr>
 </p:sld>
 </file>
 
@@ -6563,11 +10016,20 @@
           <a:bodyPr/>
           <a:lstStyle/>
           <a:p>
-            <a:pPr marL="0" lvl="0" indent="0">
+            <a:pPr lvl="0" marL="0" indent="0">
               <a:buNone/>
             </a:pPr>
             <a:r>
-              <a:t>Names</a:t>
+              <a:rPr/>
+              <a:t>Object</a:t>
+            </a:r>
+            <a:r>
+              <a:rPr/>
+              <a:t> </a:t>
+            </a:r>
+            <a:r>
+              <a:rPr/>
+              <a:t>names</a:t>
             </a:r>
           </a:p>
         </p:txBody>
@@ -6595,17 +10057,19 @@
           <a:p>
             <a:pPr lvl="1"/>
             <a:r>
+              <a:rPr/>
               <a:t>You can store any object under a name.</a:t>
             </a:r>
           </a:p>
           <a:p>
             <a:pPr lvl="1"/>
             <a:r>
-              <a:t>This example stores a string. You need to use quote marks to assign it.</a:t>
-            </a:r>
-          </a:p>
-          <a:p>
-            <a:pPr marL="1270000" lvl="0" indent="0">
+              <a:rPr/>
+              <a:t>This example stores a character variable. You need to use quote marks to assign it.</a:t>
+            </a:r>
+          </a:p>
+          <a:p>
+            <a:pPr lvl="0" marL="1270000" indent="0">
               <a:buNone/>
             </a:pPr>
             <a:r>
@@ -6632,7 +10096,7 @@
             </a:r>
           </a:p>
           <a:p>
-            <a:pPr marL="1270000" lvl="0" indent="0">
+            <a:pPr lvl="0" marL="1270000" indent="0">
               <a:buNone/>
             </a:pPr>
             <a:r>
@@ -6645,11 +10109,12 @@
           <a:p>
             <a:pPr lvl="1"/>
             <a:r>
+              <a:rPr/>
               <a:t>Note that R does not like spaces in names.</a:t>
             </a:r>
           </a:p>
           <a:p>
-            <a:pPr marL="1270000" lvl="0" indent="0">
+            <a:pPr lvl="0" marL="1270000" indent="0">
               <a:buNone/>
             </a:pPr>
             <a:r>
@@ -6669,7 +10134,7 @@
             </a:r>
           </a:p>
           <a:p>
-            <a:pPr marL="1270000" lvl="0" indent="0">
+            <a:pPr lvl="0" marL="1270000" indent="0">
               <a:buNone/>
             </a:pPr>
             <a:r>
@@ -6685,9 +10150,6 @@
       </p:sp>
     </p:spTree>
   </p:cSld>
-  <p:clrMapOvr>
-    <a:masterClrMapping/>
-  </p:clrMapOvr>
 </p:sld>
 </file>
 
@@ -6729,10 +10191,11 @@
           <a:bodyPr/>
           <a:lstStyle/>
           <a:p>
-            <a:pPr marL="0" lvl="0" indent="0">
+            <a:pPr lvl="0" marL="0" indent="0">
               <a:buNone/>
             </a:pPr>
             <a:r>
+              <a:rPr/>
               <a:t>Data</a:t>
             </a:r>
           </a:p>
@@ -6761,30 +10224,35 @@
           <a:p>
             <a:pPr lvl="1"/>
             <a:r>
+              <a:rPr/>
               <a:t>R is a statistical computing language</a:t>
             </a:r>
           </a:p>
           <a:p>
             <a:pPr lvl="1"/>
             <a:r>
+              <a:rPr/>
               <a:t>It is built around an understanding of data</a:t>
             </a:r>
           </a:p>
           <a:p>
             <a:pPr lvl="1"/>
             <a:r>
+              <a:rPr/>
               <a:t>Statistics uses:</a:t>
             </a:r>
           </a:p>
           <a:p>
             <a:pPr lvl="2"/>
             <a:r>
+              <a:rPr/>
               <a:t>Vectors</a:t>
             </a:r>
           </a:p>
           <a:p>
             <a:pPr lvl="2"/>
             <a:r>
+              <a:rPr/>
               <a:t>Data frames</a:t>
             </a:r>
           </a:p>
@@ -6792,9 +10260,6 @@
       </p:sp>
     </p:spTree>
   </p:cSld>
-  <p:clrMapOvr>
-    <a:masterClrMapping/>
-  </p:clrMapOvr>
 </p:sld>
 </file>
 
@@ -6836,10 +10301,11 @@
           <a:bodyPr/>
           <a:lstStyle/>
           <a:p>
-            <a:pPr marL="0" lvl="0" indent="0">
+            <a:pPr lvl="0" marL="0" indent="0">
               <a:buNone/>
             </a:pPr>
             <a:r>
+              <a:rPr/>
               <a:t>Vectors</a:t>
             </a:r>
           </a:p>
@@ -6868,17 +10334,19 @@
           <a:p>
             <a:pPr lvl="1"/>
             <a:r>
+              <a:rPr/>
               <a:t>A vector contains elements of the same datatype.</a:t>
             </a:r>
           </a:p>
           <a:p>
             <a:pPr lvl="2"/>
             <a:r>
+              <a:rPr/>
               <a:t>A vector of integers - an example would be age</a:t>
             </a:r>
           </a:p>
           <a:p>
-            <a:pPr marL="1270000" lvl="0" indent="0">
+            <a:pPr lvl="0" marL="1270000" indent="0">
               <a:buNone/>
             </a:pPr>
             <a:r>
@@ -6891,11 +10359,12 @@
           <a:p>
             <a:pPr lvl="2"/>
             <a:r>
+              <a:rPr/>
               <a:t>A vector of real numbers - an example would be temperature.</a:t>
             </a:r>
           </a:p>
           <a:p>
-            <a:pPr marL="1270000" lvl="0" indent="0">
+            <a:pPr lvl="0" marL="1270000" indent="0">
               <a:buNone/>
             </a:pPr>
             <a:r>
@@ -6908,11 +10377,12 @@
           <a:p>
             <a:pPr lvl="2"/>
             <a:r>
-              <a:t>A vector of characters - an example would be name.</a:t>
-            </a:r>
-          </a:p>
-          <a:p>
-            <a:pPr marL="1270000" lvl="0" indent="0">
+              <a:rPr/>
+              <a:t>A vector of characters/strings - an example would be name.</a:t>
+            </a:r>
+          </a:p>
+          <a:p>
+            <a:pPr lvl="0" marL="1270000" indent="0">
               <a:buNone/>
             </a:pPr>
             <a:r>
@@ -6925,11 +10395,12 @@
           <a:p>
             <a:pPr lvl="2"/>
             <a:r>
+              <a:rPr/>
               <a:t>A vector of logicals - an example would be ‘are the blood results avaiblable?’</a:t>
             </a:r>
           </a:p>
           <a:p>
-            <a:pPr marL="1270000" lvl="0" indent="0">
+            <a:pPr lvl="0" marL="1270000" indent="0">
               <a:buNone/>
             </a:pPr>
             <a:r>
@@ -6937,15 +10408,166 @@
                 <a:latin typeface="Courier"/>
               </a:rPr>
               <a:t>## [1]  TRUE FALSE FALSE  TRUE  TRUE</a:t>
+            </a:r>
+          </a:p>
+          <a:p>
+            <a:pPr lvl="1"/>
+            <a:r>
+              <a:rPr/>
+              <a:t>You can always check the data type in a vector using the function </a:t>
+            </a:r>
+            <a:r>
+              <a:rPr sz="1800">
+                <a:latin typeface="Courier"/>
+              </a:rPr>
+              <a:t>class()</a:t>
+            </a:r>
+            <a:r>
+              <a:rPr/>
+              <a:t>.</a:t>
+            </a:r>
+          </a:p>
+          <a:p>
+            <a:pPr lvl="0" marL="1270000" indent="0">
+              <a:buNone/>
+            </a:pPr>
+            <a:r>
+              <a:rPr sz="1800">
+                <a:latin typeface="Courier"/>
+              </a:rPr>
+              <a:t>logical_vector &lt;-</a:t>
+            </a:r>
+            <a:r>
+              <a:rPr sz="1800">
+                <a:solidFill>
+                  <a:srgbClr val="4070A0"/>
+                </a:solidFill>
+                <a:latin typeface="Courier"/>
+              </a:rPr>
+              <a:t> </a:t>
+            </a:r>
+            <a:r>
+              <a:rPr sz="1800" b="1">
+                <a:solidFill>
+                  <a:srgbClr val="007020"/>
+                </a:solidFill>
+                <a:latin typeface="Courier"/>
+              </a:rPr>
+              <a:t>c</a:t>
+            </a:r>
+            <a:r>
+              <a:rPr sz="1800">
+                <a:latin typeface="Courier"/>
+              </a:rPr>
+              <a:t>(</a:t>
+            </a:r>
+            <a:r>
+              <a:rPr sz="1800">
+                <a:solidFill>
+                  <a:srgbClr val="007020"/>
+                </a:solidFill>
+                <a:latin typeface="Courier"/>
+              </a:rPr>
+              <a:t>TRUE</a:t>
+            </a:r>
+            <a:r>
+              <a:rPr sz="1800">
+                <a:latin typeface="Courier"/>
+              </a:rPr>
+              <a:t>, </a:t>
+            </a:r>
+            <a:r>
+              <a:rPr sz="1800">
+                <a:solidFill>
+                  <a:srgbClr val="007020"/>
+                </a:solidFill>
+                <a:latin typeface="Courier"/>
+              </a:rPr>
+              <a:t>FALSE</a:t>
+            </a:r>
+            <a:r>
+              <a:rPr sz="1800">
+                <a:latin typeface="Courier"/>
+              </a:rPr>
+              <a:t>, </a:t>
+            </a:r>
+            <a:r>
+              <a:rPr sz="1800">
+                <a:solidFill>
+                  <a:srgbClr val="007020"/>
+                </a:solidFill>
+                <a:latin typeface="Courier"/>
+              </a:rPr>
+              <a:t>FALSE</a:t>
+            </a:r>
+            <a:r>
+              <a:rPr sz="1800">
+                <a:latin typeface="Courier"/>
+              </a:rPr>
+              <a:t>, </a:t>
+            </a:r>
+            <a:r>
+              <a:rPr sz="1800">
+                <a:solidFill>
+                  <a:srgbClr val="007020"/>
+                </a:solidFill>
+                <a:latin typeface="Courier"/>
+              </a:rPr>
+              <a:t>TRUE</a:t>
+            </a:r>
+            <a:r>
+              <a:rPr sz="1800">
+                <a:latin typeface="Courier"/>
+              </a:rPr>
+              <a:t>, </a:t>
+            </a:r>
+            <a:r>
+              <a:rPr sz="1800">
+                <a:solidFill>
+                  <a:srgbClr val="007020"/>
+                </a:solidFill>
+                <a:latin typeface="Courier"/>
+              </a:rPr>
+              <a:t>TRUE</a:t>
+            </a:r>
+            <a:r>
+              <a:rPr sz="1800">
+                <a:latin typeface="Courier"/>
+              </a:rPr>
+              <a:t>)</a:t>
+            </a:r>
+            <a:br/>
+            <a:r>
+              <a:rPr sz="1800" b="1">
+                <a:solidFill>
+                  <a:srgbClr val="007020"/>
+                </a:solidFill>
+                <a:latin typeface="Courier"/>
+              </a:rPr>
+              <a:t>class</a:t>
+            </a:r>
+            <a:r>
+              <a:rPr sz="1800">
+                <a:latin typeface="Courier"/>
+              </a:rPr>
+              <a:t>(logical_vector)</a:t>
+            </a:r>
+          </a:p>
+          <a:p>
+            <a:pPr lvl="0" marL="1270000" indent="0">
+              <a:buNone/>
+            </a:pPr>
+            <a:r>
+              <a:rPr sz="1800">
+                <a:latin typeface="Courier"/>
+              </a:rPr>
+              <a:t>## [1] "logical"</a:t>
             </a:r>
           </a:p>
         </p:txBody>
       </p:sp>
     </p:spTree>
   </p:cSld>
-  <p:clrMapOvr>
-    <a:masterClrMapping/>
-  </p:clrMapOvr>
 </p:sld>
 </file>
 
@@ -6987,11 +10609,20 @@
           <a:bodyPr/>
           <a:lstStyle/>
           <a:p>
-            <a:pPr marL="0" lvl="0" indent="0">
+            <a:pPr lvl="0" marL="0" indent="0">
               <a:buNone/>
             </a:pPr>
             <a:r>
-              <a:t>Naming vectors.</a:t>
+              <a:rPr/>
+              <a:t>Naming</a:t>
+            </a:r>
+            <a:r>
+              <a:rPr/>
+              <a:t> </a:t>
+            </a:r>
+            <a:r>
+              <a:rPr/>
+              <a:t>vectors</a:t>
             </a:r>
           </a:p>
         </p:txBody>
@@ -7017,10 +10648,11 @@
           <a:bodyPr/>
           <a:lstStyle/>
           <a:p>
-            <a:pPr marL="0" lvl="0" indent="0">
+            <a:pPr lvl="0" marL="0" indent="0">
               <a:buNone/>
             </a:pPr>
             <a:r>
+              <a:rPr/>
               <a:t>The </a:t>
             </a:r>
             <a:r>
@@ -7030,11 +10662,12 @@
               <a:t>c()</a:t>
             </a:r>
             <a:r>
+              <a:rPr/>
               <a:t> function combines individual values into a single vector.</a:t>
             </a:r>
           </a:p>
           <a:p>
-            <a:pPr marL="1270000" lvl="0" indent="0">
+            <a:pPr lvl="0" marL="1270000" indent="0">
               <a:buNone/>
             </a:pPr>
             <a:r>
@@ -7176,7 +10809,7 @@
             </a:r>
           </a:p>
           <a:p>
-            <a:pPr marL="1270000" lvl="0" indent="0">
+            <a:pPr lvl="0" marL="1270000" indent="0">
               <a:buNone/>
             </a:pPr>
             <a:r>
@@ -7187,7 +10820,7 @@
             </a:r>
           </a:p>
           <a:p>
-            <a:pPr marL="1270000" lvl="0" indent="0">
+            <a:pPr lvl="0" marL="1270000" indent="0">
               <a:buNone/>
             </a:pPr>
             <a:r>
@@ -7197,7 +10830,7 @@
                 </a:solidFill>
                 <a:latin typeface="Courier"/>
               </a:rPr>
-              <a:t># Storing several names in one vector.</a:t>
+              <a:t># Storing several peoples' names in one vector.</a:t>
             </a:r>
             <a:br/>
             <a:r>
@@ -7329,7 +10962,7 @@
             </a:r>
           </a:p>
           <a:p>
-            <a:pPr marL="1270000" lvl="0" indent="0">
+            <a:pPr lvl="0" marL="1270000" indent="0">
               <a:buNone/>
             </a:pPr>
             <a:r>
@@ -7343,9 +10976,6 @@
       </p:sp>
     </p:spTree>
   </p:cSld>
-  <p:clrMapOvr>
-    <a:masterClrMapping/>
-  </p:clrMapOvr>
 </p:sld>
 </file>
 
@@ -7387,11 +11017,44 @@
           <a:bodyPr/>
           <a:lstStyle/>
           <a:p>
-            <a:pPr marL="0" lvl="0" indent="0">
+            <a:pPr lvl="0" marL="0" indent="0">
               <a:buNone/>
             </a:pPr>
             <a:r>
-              <a:t>Recalling elements of a vector</a:t>
+              <a:rPr/>
+              <a:t>Recalling</a:t>
+            </a:r>
+            <a:r>
+              <a:rPr/>
+              <a:t> </a:t>
+            </a:r>
+            <a:r>
+              <a:rPr/>
+              <a:t>elements</a:t>
+            </a:r>
+            <a:r>
+              <a:rPr/>
+              <a:t> </a:t>
+            </a:r>
+            <a:r>
+              <a:rPr/>
+              <a:t>of</a:t>
+            </a:r>
+            <a:r>
+              <a:rPr/>
+              <a:t> </a:t>
+            </a:r>
+            <a:r>
+              <a:rPr/>
+              <a:t>a</a:t>
+            </a:r>
+            <a:r>
+              <a:rPr/>
+              <a:t> </a:t>
+            </a:r>
+            <a:r>
+              <a:rPr/>
+              <a:t>vector</a:t>
             </a:r>
           </a:p>
         </p:txBody>
@@ -7419,12 +11082,14 @@
           <a:p>
             <a:pPr lvl="1"/>
             <a:r>
+              <a:rPr/>
               <a:t>R creates an index for each element of the vector.</a:t>
             </a:r>
           </a:p>
           <a:p>
             <a:pPr lvl="1"/>
             <a:r>
+              <a:rPr/>
               <a:t>It allocates a number to each element within the vector from left to right, starting with </a:t>
             </a:r>
             <a:r>
@@ -7434,11 +11099,12 @@
               <a:t>1</a:t>
             </a:r>
             <a:r>
+              <a:rPr/>
               <a:t>.</a:t>
             </a:r>
           </a:p>
           <a:p>
-            <a:pPr marL="1270000" lvl="0" indent="0">
+            <a:pPr lvl="0" marL="1270000" indent="0">
               <a:buNone/>
             </a:pPr>
             <a:r>
@@ -7474,7 +11140,7 @@
             </a:r>
           </a:p>
           <a:p>
-            <a:pPr marL="1270000" lvl="0" indent="0">
+            <a:pPr lvl="0" marL="1270000" indent="0">
               <a:buNone/>
             </a:pPr>
             <a:r>
@@ -7485,7 +11151,7 @@
             </a:r>
           </a:p>
           <a:p>
-            <a:pPr marL="1270000" lvl="0" indent="0">
+            <a:pPr lvl="0" marL="1270000" indent="0">
               <a:buNone/>
             </a:pPr>
             <a:r>
@@ -7521,7 +11187,7 @@
             </a:r>
           </a:p>
           <a:p>
-            <a:pPr marL="1270000" lvl="0" indent="0">
+            <a:pPr lvl="0" marL="1270000" indent="0">
               <a:buNone/>
             </a:pPr>
             <a:r>
@@ -7532,7 +11198,7 @@
             </a:r>
           </a:p>
           <a:p>
-            <a:pPr marL="1270000" lvl="0" indent="0">
+            <a:pPr lvl="0" marL="1270000" indent="0">
               <a:buNone/>
             </a:pPr>
             <a:r>
@@ -7568,7 +11234,7 @@
             </a:r>
           </a:p>
           <a:p>
-            <a:pPr marL="1270000" lvl="0" indent="0">
+            <a:pPr lvl="0" marL="1270000" indent="0">
               <a:buNone/>
             </a:pPr>
             <a:r>
@@ -7582,9 +11248,6 @@
       </p:sp>
     </p:spTree>
   </p:cSld>
-  <p:clrMapOvr>
-    <a:masterClrMapping/>
-  </p:clrMapOvr>
 </p:sld>
 </file>
 
@@ -7626,11 +11289,20 @@
           <a:bodyPr/>
           <a:lstStyle/>
           <a:p>
-            <a:pPr marL="0" lvl="0" indent="0">
+            <a:pPr lvl="0" marL="0" indent="0">
               <a:buNone/>
             </a:pPr>
             <a:r>
-              <a:t>Data Frames.</a:t>
+              <a:rPr/>
+              <a:t>Data</a:t>
+            </a:r>
+            <a:r>
+              <a:rPr/>
+              <a:t> </a:t>
+            </a:r>
+            <a:r>
+              <a:rPr/>
+              <a:t>Frames.</a:t>
             </a:r>
           </a:p>
         </p:txBody>
@@ -7658,11 +11330,12 @@
           <a:p>
             <a:pPr lvl="1"/>
             <a:r>
+              <a:rPr/>
               <a:t>You are already familiar with data frames</a:t>
             </a:r>
           </a:p>
           <a:p>
-            <a:pPr marL="1270000" lvl="0" indent="0">
+            <a:pPr lvl="0" marL="1270000" indent="0">
               <a:buNone/>
             </a:pPr>
             <a:r>
@@ -7681,18 +11354,21 @@
           <a:p>
             <a:pPr lvl="1"/>
             <a:r>
+              <a:rPr/>
               <a:t>A data frame is a series of vectors aligned to form a table</a:t>
             </a:r>
           </a:p>
           <a:p>
             <a:pPr lvl="1"/>
             <a:r>
+              <a:rPr/>
               <a:t>Each vector becomes a column in the table</a:t>
             </a:r>
           </a:p>
           <a:p>
             <a:pPr lvl="1"/>
             <a:r>
+              <a:rPr/>
               <a:t>A properly formatted excel spreadsheet is essentially a data frame</a:t>
             </a:r>
           </a:p>
@@ -7700,9 +11376,6 @@
       </p:sp>
     </p:spTree>
   </p:cSld>
-  <p:clrMapOvr>
-    <a:masterClrMapping/>
-  </p:clrMapOvr>
 </p:sld>
 </file>
 
@@ -7744,11 +11417,52 @@
           <a:bodyPr/>
           <a:lstStyle/>
           <a:p>
-            <a:pPr marL="0" lvl="0" indent="0">
+            <a:pPr lvl="0" marL="0" indent="0">
               <a:buNone/>
             </a:pPr>
             <a:r>
-              <a:t>Creating a data frame - excercise</a:t>
+              <a:rPr/>
+              <a:t>Creating</a:t>
+            </a:r>
+            <a:r>
+              <a:rPr/>
+              <a:t> </a:t>
+            </a:r>
+            <a:r>
+              <a:rPr/>
+              <a:t>a</a:t>
+            </a:r>
+            <a:r>
+              <a:rPr/>
+              <a:t> </a:t>
+            </a:r>
+            <a:r>
+              <a:rPr/>
+              <a:t>data</a:t>
+            </a:r>
+            <a:r>
+              <a:rPr/>
+              <a:t> </a:t>
+            </a:r>
+            <a:r>
+              <a:rPr/>
+              <a:t>frame</a:t>
+            </a:r>
+            <a:r>
+              <a:rPr/>
+              <a:t> </a:t>
+            </a:r>
+            <a:r>
+              <a:rPr/>
+              <a:t>-</a:t>
+            </a:r>
+            <a:r>
+              <a:rPr/>
+              <a:t> </a:t>
+            </a:r>
+            <a:r>
+              <a:rPr/>
+              <a:t>excercise</a:t>
             </a:r>
           </a:p>
         </p:txBody>
@@ -7776,6 +11490,7 @@
           <a:p>
             <a:pPr lvl="1"/>
             <a:r>
+              <a:rPr/>
               <a:t>Create and name vectors containing information about these 6 patients.</a:t>
             </a:r>
           </a:p>
@@ -7809,24 +11524,28 @@
           <a:p>
             <a:pPr lvl="1"/>
             <a:r>
-              <a:t>Quotation marks are not needed for names in R, but are when your data is a string e.g. “male”, “female”</a:t>
+              <a:rPr/>
+              <a:t>Quotation marks are not needed for names in R, but are when your data is made up of characters e.g. “male”, “female”.</a:t>
             </a:r>
           </a:p>
           <a:p>
             <a:pPr lvl="1"/>
             <a:r>
+              <a:rPr/>
               <a:t>As a rule:</a:t>
             </a:r>
           </a:p>
           <a:p>
             <a:pPr lvl="2"/>
             <a:r>
+              <a:rPr/>
               <a:t>Characters on the left side of the assignment operator. No quote marks.</a:t>
             </a:r>
           </a:p>
           <a:p>
             <a:pPr lvl="2"/>
             <a:r>
+              <a:rPr/>
               <a:t>Characters on the right side of the assignment operator. Use quote marks if storing letters.</a:t>
             </a:r>
           </a:p>
@@ -7834,9 +11553,6 @@
       </p:sp>
     </p:spTree>
   </p:cSld>
-  <p:clrMapOvr>
-    <a:masterClrMapping/>
-  </p:clrMapOvr>
 </p:sld>
 </file>
 
@@ -7878,10 +11594,11 @@
           <a:bodyPr/>
           <a:lstStyle/>
           <a:p>
-            <a:pPr marL="0" lvl="0" indent="0">
+            <a:pPr lvl="0" marL="0" indent="0">
               <a:buNone/>
             </a:pPr>
             <a:r>
+              <a:rPr/>
               <a:t>Disclaimer</a:t>
             </a:r>
           </a:p>
@@ -7910,14 +11627,14 @@
           <a:p>
             <a:pPr lvl="1"/>
             <a:r>
-              <a:rPr dirty="0"/>
+              <a:rPr/>
               <a:t>Much of the following material can be sourced from open access resources</a:t>
             </a:r>
           </a:p>
           <a:p>
             <a:pPr lvl="2"/>
             <a:r>
-              <a:rPr dirty="0">
+              <a:rPr>
                 <a:hlinkClick r:id="rId2"/>
               </a:rPr>
               <a:t>Software Carpentry</a:t>
@@ -7926,7 +11643,7 @@
           <a:p>
             <a:pPr lvl="2"/>
             <a:r>
-              <a:rPr dirty="0">
+              <a:rPr>
                 <a:hlinkClick r:id="rId3"/>
               </a:rPr>
               <a:t>R Cheatsheets</a:t>
@@ -7935,14 +11652,14 @@
           <a:p>
             <a:pPr lvl="2"/>
             <a:r>
-              <a:rPr dirty="0"/>
+              <a:rPr/>
               <a:t>Stack Overflow</a:t>
             </a:r>
           </a:p>
           <a:p>
             <a:pPr lvl="2"/>
             <a:r>
-              <a:rPr dirty="0">
+              <a:rPr>
                 <a:hlinkClick r:id="rId4"/>
               </a:rPr>
               <a:t>Hadley Wickham’s R for Data Science</a:t>
@@ -7951,11 +11668,11 @@
           <a:p>
             <a:pPr lvl="1"/>
             <a:r>
-              <a:rPr dirty="0"/>
+              <a:rPr/>
               <a:t>Initially collated by members of the </a:t>
             </a:r>
             <a:r>
-              <a:rPr dirty="0">
+              <a:rPr>
                 <a:hlinkClick r:id="rId5"/>
               </a:rPr>
               <a:t>DataSciBC</a:t>
@@ -7965,9 +11682,6 @@
       </p:sp>
     </p:spTree>
   </p:cSld>
-  <p:clrMapOvr>
-    <a:masterClrMapping/>
-  </p:clrMapOvr>
 </p:sld>
 </file>
 
@@ -8009,11 +11723,52 @@
           <a:bodyPr/>
           <a:lstStyle/>
           <a:p>
-            <a:pPr marL="0" lvl="0" indent="0">
+            <a:pPr lvl="0" marL="0" indent="0">
               <a:buNone/>
             </a:pPr>
             <a:r>
-              <a:t>Creating a data frame - exercise</a:t>
+              <a:rPr/>
+              <a:t>Creating</a:t>
+            </a:r>
+            <a:r>
+              <a:rPr/>
+              <a:t> </a:t>
+            </a:r>
+            <a:r>
+              <a:rPr/>
+              <a:t>a</a:t>
+            </a:r>
+            <a:r>
+              <a:rPr/>
+              <a:t> </a:t>
+            </a:r>
+            <a:r>
+              <a:rPr/>
+              <a:t>data</a:t>
+            </a:r>
+            <a:r>
+              <a:rPr/>
+              <a:t> </a:t>
+            </a:r>
+            <a:r>
+              <a:rPr/>
+              <a:t>frame</a:t>
+            </a:r>
+            <a:r>
+              <a:rPr/>
+              <a:t> </a:t>
+            </a:r>
+            <a:r>
+              <a:rPr/>
+              <a:t>-</a:t>
+            </a:r>
+            <a:r>
+              <a:rPr/>
+              <a:t> </a:t>
+            </a:r>
+            <a:r>
+              <a:rPr/>
+              <a:t>exercise</a:t>
             </a:r>
           </a:p>
         </p:txBody>
@@ -8041,6 +11796,7 @@
           <a:p>
             <a:pPr lvl="1"/>
             <a:r>
+              <a:rPr/>
               <a:t>Combine these vectors into a data frame using </a:t>
             </a:r>
             <a:r>
@@ -8049,10 +11805,15 @@
               </a:rPr>
               <a:t>data.frame()</a:t>
             </a:r>
+            <a:r>
+              <a:rPr/>
+              <a:t>.</a:t>
+            </a:r>
           </a:p>
           <a:p>
             <a:pPr lvl="2"/>
             <a:r>
+              <a:rPr/>
               <a:t>Hint, the vector names need to go inside the </a:t>
             </a:r>
             <a:r>
@@ -8061,10 +11822,15 @@
               </a:rPr>
               <a:t>()</a:t>
             </a:r>
+            <a:r>
+              <a:rPr/>
+              <a:t>.</a:t>
+            </a:r>
           </a:p>
           <a:p>
             <a:pPr lvl="1"/>
             <a:r>
+              <a:rPr/>
               <a:t>Save the data frame under the name </a:t>
             </a:r>
             <a:r>
@@ -8073,10 +11839,15 @@
               </a:rPr>
               <a:t>patients</a:t>
             </a:r>
+            <a:r>
+              <a:rPr/>
+              <a:t>.</a:t>
+            </a:r>
           </a:p>
           <a:p>
             <a:pPr lvl="1"/>
             <a:r>
+              <a:rPr/>
               <a:t>Print the data frame called </a:t>
             </a:r>
             <a:r>
@@ -8086,16 +11857,14 @@
               <a:t>patients</a:t>
             </a:r>
             <a:r>
-              <a:t> to your console</a:t>
+              <a:rPr/>
+              <a:t> to your console.</a:t>
             </a:r>
           </a:p>
         </p:txBody>
       </p:sp>
     </p:spTree>
   </p:cSld>
-  <p:clrMapOvr>
-    <a:masterClrMapping/>
-  </p:clrMapOvr>
 </p:sld>
 </file>
 
@@ -8137,11 +11906,52 @@
           <a:bodyPr/>
           <a:lstStyle/>
           <a:p>
-            <a:pPr marL="0" lvl="0" indent="0">
+            <a:pPr lvl="0" marL="0" indent="0">
               <a:buNone/>
             </a:pPr>
             <a:r>
-              <a:t>Creating a data frame - solution</a:t>
+              <a:rPr/>
+              <a:t>Creating</a:t>
+            </a:r>
+            <a:r>
+              <a:rPr/>
+              <a:t> </a:t>
+            </a:r>
+            <a:r>
+              <a:rPr/>
+              <a:t>a</a:t>
+            </a:r>
+            <a:r>
+              <a:rPr/>
+              <a:t> </a:t>
+            </a:r>
+            <a:r>
+              <a:rPr/>
+              <a:t>data</a:t>
+            </a:r>
+            <a:r>
+              <a:rPr/>
+              <a:t> </a:t>
+            </a:r>
+            <a:r>
+              <a:rPr/>
+              <a:t>frame</a:t>
+            </a:r>
+            <a:r>
+              <a:rPr/>
+              <a:t> </a:t>
+            </a:r>
+            <a:r>
+              <a:rPr/>
+              <a:t>-</a:t>
+            </a:r>
+            <a:r>
+              <a:rPr/>
+              <a:t> </a:t>
+            </a:r>
+            <a:r>
+              <a:rPr/>
+              <a:t>solution</a:t>
             </a:r>
           </a:p>
         </p:txBody>
@@ -8167,7 +11977,7 @@
           <a:bodyPr/>
           <a:lstStyle/>
           <a:p>
-            <a:pPr marL="1270000" lvl="0" indent="0">
+            <a:pPr lvl="0" marL="1270000" indent="0">
               <a:buNone/>
             </a:pPr>
             <a:r>
@@ -8592,9 +12402,6 @@
       </p:sp>
     </p:spTree>
   </p:cSld>
-  <p:clrMapOvr>
-    <a:masterClrMapping/>
-  </p:clrMapOvr>
 </p:sld>
 </file>
 
@@ -8636,11 +12443,44 @@
           <a:bodyPr/>
           <a:lstStyle/>
           <a:p>
-            <a:pPr marL="0" lvl="0" indent="0">
+            <a:pPr lvl="0" marL="0" indent="0">
               <a:buNone/>
             </a:pPr>
             <a:r>
-              <a:t>This is the data frame.</a:t>
+              <a:rPr/>
+              <a:t>This</a:t>
+            </a:r>
+            <a:r>
+              <a:rPr/>
+              <a:t> </a:t>
+            </a:r>
+            <a:r>
+              <a:rPr/>
+              <a:t>is</a:t>
+            </a:r>
+            <a:r>
+              <a:rPr/>
+              <a:t> </a:t>
+            </a:r>
+            <a:r>
+              <a:rPr/>
+              <a:t>the</a:t>
+            </a:r>
+            <a:r>
+              <a:rPr/>
+              <a:t> </a:t>
+            </a:r>
+            <a:r>
+              <a:rPr/>
+              <a:t>data</a:t>
+            </a:r>
+            <a:r>
+              <a:rPr/>
+              <a:t> </a:t>
+            </a:r>
+            <a:r>
+              <a:rPr/>
+              <a:t>frame</a:t>
             </a:r>
           </a:p>
         </p:txBody>
@@ -8666,7 +12506,7 @@
           <a:bodyPr/>
           <a:lstStyle/>
           <a:p>
-            <a:pPr marL="1270000" lvl="0" indent="0">
+            <a:pPr lvl="0" marL="1270000" indent="0">
               <a:buNone/>
             </a:pPr>
             <a:r>
@@ -8677,7 +12517,7 @@
             </a:r>
           </a:p>
           <a:p>
-            <a:pPr marL="1270000" lvl="0" indent="0">
+            <a:pPr lvl="0" marL="1270000" indent="0">
               <a:buNone/>
             </a:pPr>
             <a:r>
@@ -8696,28 +12536,28 @@
           <a:p>
             <a:pPr lvl="1"/>
             <a:r>
-              <a:t>R arranges the vectors as columns in the data frame</a:t>
+              <a:rPr/>
+              <a:t>R arranges the vectors as columns in the data frame.</a:t>
             </a:r>
           </a:p>
           <a:p>
             <a:pPr lvl="1"/>
             <a:r>
-              <a:t>R names the columns of the data frame after the names of the vectors</a:t>
+              <a:rPr/>
+              <a:t>R names the columns of the data frame after the names of the vectors.</a:t>
             </a:r>
           </a:p>
           <a:p>
             <a:pPr lvl="1"/>
             <a:r>
-              <a:t>R numbers each row of the data frame</a:t>
+              <a:rPr/>
+              <a:t>R numbers each row of the data frame, creating an index for each row within the data frame.</a:t>
             </a:r>
           </a:p>
         </p:txBody>
       </p:sp>
     </p:spTree>
   </p:cSld>
-  <p:clrMapOvr>
-    <a:masterClrMapping/>
-  </p:clrMapOvr>
 </p:sld>
 </file>
 
@@ -8759,11 +12599,60 @@
           <a:bodyPr/>
           <a:lstStyle/>
           <a:p>
-            <a:pPr marL="0" lvl="0" indent="0">
+            <a:pPr lvl="0" marL="0" indent="0">
               <a:buNone/>
             </a:pPr>
             <a:r>
-              <a:t>Recalling a vector in a data frame</a:t>
+              <a:rPr/>
+              <a:t>Recalling</a:t>
+            </a:r>
+            <a:r>
+              <a:rPr/>
+              <a:t> </a:t>
+            </a:r>
+            <a:r>
+              <a:rPr/>
+              <a:t>a</a:t>
+            </a:r>
+            <a:r>
+              <a:rPr/>
+              <a:t> </a:t>
+            </a:r>
+            <a:r>
+              <a:rPr/>
+              <a:t>vector</a:t>
+            </a:r>
+            <a:r>
+              <a:rPr/>
+              <a:t> </a:t>
+            </a:r>
+            <a:r>
+              <a:rPr/>
+              <a:t>in</a:t>
+            </a:r>
+            <a:r>
+              <a:rPr/>
+              <a:t> </a:t>
+            </a:r>
+            <a:r>
+              <a:rPr/>
+              <a:t>a</a:t>
+            </a:r>
+            <a:r>
+              <a:rPr/>
+              <a:t> </a:t>
+            </a:r>
+            <a:r>
+              <a:rPr/>
+              <a:t>data</a:t>
+            </a:r>
+            <a:r>
+              <a:rPr/>
+              <a:t> </a:t>
+            </a:r>
+            <a:r>
+              <a:rPr/>
+              <a:t>frame</a:t>
             </a:r>
           </a:p>
         </p:txBody>
@@ -8791,6 +12680,7 @@
           <a:p>
             <a:pPr lvl="1"/>
             <a:r>
+              <a:rPr/>
               <a:t>Data frame colums are vectors.</a:t>
             </a:r>
           </a:p>
@@ -8803,12 +12693,14 @@
               <a:t>$</a:t>
             </a:r>
             <a:r>
+              <a:rPr/>
               <a:t> can be used to extract a vector from a data frame.</a:t>
             </a:r>
           </a:p>
           <a:p>
             <a:pPr lvl="1"/>
             <a:r>
+              <a:rPr/>
               <a:t>We can get the </a:t>
             </a:r>
             <a:r>
@@ -8818,17 +12710,22 @@
               <a:t>age</a:t>
             </a:r>
             <a:r>
+              <a:rPr/>
               <a:t> column from the data frame </a:t>
             </a:r>
             <a:r>
               <a:rPr sz="1800">
                 <a:latin typeface="Courier"/>
               </a:rPr>
-              <a:t>group</a:t>
-            </a:r>
-          </a:p>
-          <a:p>
-            <a:pPr marL="1270000" lvl="0" indent="0">
+              <a:t>patients</a:t>
+            </a:r>
+            <a:r>
+              <a:rPr/>
+              <a:t>.</a:t>
+            </a:r>
+          </a:p>
+          <a:p>
+            <a:pPr lvl="0" marL="1270000" indent="0">
               <a:buNone/>
             </a:pPr>
             <a:r>
@@ -8854,7 +12751,7 @@
             </a:r>
           </a:p>
           <a:p>
-            <a:pPr marL="1270000" lvl="0" indent="0">
+            <a:pPr lvl="0" marL="1270000" indent="0">
               <a:buNone/>
             </a:pPr>
             <a:r>
@@ -8868,9 +12765,6 @@
       </p:sp>
     </p:spTree>
   </p:cSld>
-  <p:clrMapOvr>
-    <a:masterClrMapping/>
-  </p:clrMapOvr>
 </p:sld>
 </file>
 
@@ -8912,11 +12806,36 @@
           <a:bodyPr/>
           <a:lstStyle/>
           <a:p>
-            <a:pPr marL="0" lvl="0" indent="0">
+            <a:pPr lvl="0" marL="0" indent="0">
               <a:buNone/>
             </a:pPr>
             <a:r>
-              <a:t>Vectors - other properties</a:t>
+              <a:rPr/>
+              <a:t>Vectors</a:t>
+            </a:r>
+            <a:r>
+              <a:rPr/>
+              <a:t> </a:t>
+            </a:r>
+            <a:r>
+              <a:rPr/>
+              <a:t>-</a:t>
+            </a:r>
+            <a:r>
+              <a:rPr/>
+              <a:t> </a:t>
+            </a:r>
+            <a:r>
+              <a:rPr/>
+              <a:t>other</a:t>
+            </a:r>
+            <a:r>
+              <a:rPr/>
+              <a:t> </a:t>
+            </a:r>
+            <a:r>
+              <a:rPr/>
+              <a:t>properties</a:t>
             </a:r>
           </a:p>
         </p:txBody>
@@ -8944,24 +12863,28 @@
           <a:p>
             <a:pPr lvl="1"/>
             <a:r>
-              <a:t>Add a value of TRUE to a vector of integers</a:t>
+              <a:rPr/>
+              <a:t>Add a value of TRUE to a vector of integers.</a:t>
             </a:r>
           </a:p>
           <a:p>
             <a:pPr lvl="1"/>
             <a:r>
-              <a:t>Give it a name</a:t>
+              <a:rPr/>
+              <a:t>Give it a name.</a:t>
             </a:r>
           </a:p>
           <a:p>
             <a:pPr lvl="1"/>
             <a:r>
-              <a:t>Recall the vector</a:t>
+              <a:rPr/>
+              <a:t>Recall the vector.</a:t>
             </a:r>
           </a:p>
           <a:p>
             <a:pPr lvl="1"/>
             <a:r>
+              <a:rPr/>
               <a:t>Use </a:t>
             </a:r>
             <a:r>
@@ -8971,12 +12894,24 @@
               <a:t>str()</a:t>
             </a:r>
             <a:r>
+              <a:rPr/>
+              <a:t>/</a:t>
+            </a:r>
+            <a:r>
+              <a:rPr sz="1800">
+                <a:latin typeface="Courier"/>
+              </a:rPr>
+              <a:t>class()</a:t>
+            </a:r>
+            <a:r>
+              <a:rPr/>
               <a:t> to examine the structure of the vector.</a:t>
             </a:r>
           </a:p>
           <a:p>
             <a:pPr lvl="1"/>
             <a:r>
+              <a:rPr/>
               <a:t>What has happened?</a:t>
             </a:r>
           </a:p>
@@ -8984,9 +12919,6 @@
       </p:sp>
     </p:spTree>
   </p:cSld>
-  <p:clrMapOvr>
-    <a:masterClrMapping/>
-  </p:clrMapOvr>
 </p:sld>
 </file>
 
@@ -9028,11 +12960,36 @@
           <a:bodyPr/>
           <a:lstStyle/>
           <a:p>
-            <a:pPr marL="0" lvl="0" indent="0">
+            <a:pPr lvl="0" marL="0" indent="0">
               <a:buNone/>
             </a:pPr>
             <a:r>
-              <a:t>Vectors - other properties</a:t>
+              <a:rPr/>
+              <a:t>Vectors</a:t>
+            </a:r>
+            <a:r>
+              <a:rPr/>
+              <a:t> </a:t>
+            </a:r>
+            <a:r>
+              <a:rPr/>
+              <a:t>-</a:t>
+            </a:r>
+            <a:r>
+              <a:rPr/>
+              <a:t> </a:t>
+            </a:r>
+            <a:r>
+              <a:rPr/>
+              <a:t>other</a:t>
+            </a:r>
+            <a:r>
+              <a:rPr/>
+              <a:t> </a:t>
+            </a:r>
+            <a:r>
+              <a:rPr/>
+              <a:t>properties</a:t>
             </a:r>
           </a:p>
         </p:txBody>
@@ -9058,7 +13015,7 @@
           <a:bodyPr/>
           <a:lstStyle/>
           <a:p>
-            <a:pPr marL="1270000" lvl="0" indent="0">
+            <a:pPr lvl="0" marL="1270000" indent="0">
               <a:buNone/>
             </a:pPr>
             <a:r>
@@ -9175,7 +13132,7 @@
             </a:r>
           </a:p>
           <a:p>
-            <a:pPr marL="1270000" lvl="0" indent="0">
+            <a:pPr lvl="0" marL="1270000" indent="0">
               <a:buNone/>
             </a:pPr>
             <a:r>
@@ -9186,7 +13143,7 @@
             </a:r>
           </a:p>
           <a:p>
-            <a:pPr marL="1270000" lvl="0" indent="0">
+            <a:pPr lvl="0" marL="1270000" indent="0">
               <a:buNone/>
             </a:pPr>
             <a:r>
@@ -9206,7 +13163,7 @@
             </a:r>
           </a:p>
           <a:p>
-            <a:pPr marL="1270000" lvl="0" indent="0">
+            <a:pPr lvl="0" marL="1270000" indent="0">
               <a:buNone/>
             </a:pPr>
             <a:r>
@@ -9217,8 +13174,40 @@
             </a:r>
           </a:p>
           <a:p>
+            <a:pPr lvl="0" marL="1270000" indent="0">
+              <a:buNone/>
+            </a:pPr>
+            <a:r>
+              <a:rPr sz="1800" b="1">
+                <a:solidFill>
+                  <a:srgbClr val="007020"/>
+                </a:solidFill>
+                <a:latin typeface="Courier"/>
+              </a:rPr>
+              <a:t>class</a:t>
+            </a:r>
+            <a:r>
+              <a:rPr sz="1800">
+                <a:latin typeface="Courier"/>
+              </a:rPr>
+              <a:t>(test)</a:t>
+            </a:r>
+          </a:p>
+          <a:p>
+            <a:pPr lvl="0" marL="1270000" indent="0">
+              <a:buNone/>
+            </a:pPr>
+            <a:r>
+              <a:rPr sz="1800">
+                <a:latin typeface="Courier"/>
+              </a:rPr>
+              <a:t>## [1] "numeric"</a:t>
+            </a:r>
+          </a:p>
+          <a:p>
             <a:pPr lvl="1"/>
             <a:r>
+              <a:rPr/>
               <a:t>The value of </a:t>
             </a:r>
             <a:r>
@@ -9228,12 +13217,14 @@
               <a:t>TRUE</a:t>
             </a:r>
             <a:r>
+              <a:rPr/>
               <a:t> has been changed to 1.</a:t>
             </a:r>
           </a:p>
           <a:p>
             <a:pPr lvl="1"/>
             <a:r>
+              <a:rPr/>
               <a:t>The vector is still a numeric vector</a:t>
             </a:r>
           </a:p>
@@ -9241,9 +13232,6 @@
       </p:sp>
     </p:spTree>
   </p:cSld>
-  <p:clrMapOvr>
-    <a:masterClrMapping/>
-  </p:clrMapOvr>
 </p:sld>
 </file>
 
@@ -9285,11 +13273,36 @@
           <a:bodyPr/>
           <a:lstStyle/>
           <a:p>
-            <a:pPr marL="0" lvl="0" indent="0">
+            <a:pPr lvl="0" marL="0" indent="0">
               <a:buNone/>
             </a:pPr>
             <a:r>
-              <a:t>Vectors - other properties</a:t>
+              <a:rPr/>
+              <a:t>Vectors</a:t>
+            </a:r>
+            <a:r>
+              <a:rPr/>
+              <a:t> </a:t>
+            </a:r>
+            <a:r>
+              <a:rPr/>
+              <a:t>-</a:t>
+            </a:r>
+            <a:r>
+              <a:rPr/>
+              <a:t> </a:t>
+            </a:r>
+            <a:r>
+              <a:rPr/>
+              <a:t>other</a:t>
+            </a:r>
+            <a:r>
+              <a:rPr/>
+              <a:t> </a:t>
+            </a:r>
+            <a:r>
+              <a:rPr/>
+              <a:t>properties</a:t>
             </a:r>
           </a:p>
         </p:txBody>
@@ -9317,18 +13330,21 @@
           <a:p>
             <a:pPr lvl="1"/>
             <a:r>
-              <a:t>Add a string to a vector of integers</a:t>
+              <a:rPr/>
+              <a:t>Add a character variable to a vector of integers</a:t>
             </a:r>
           </a:p>
           <a:p>
             <a:pPr lvl="1"/>
             <a:r>
+              <a:rPr/>
               <a:t>Recall the vector</a:t>
             </a:r>
           </a:p>
           <a:p>
             <a:pPr lvl="1"/>
             <a:r>
+              <a:rPr/>
               <a:t>What has happened?</a:t>
             </a:r>
           </a:p>
@@ -9336,9 +13352,6 @@
       </p:sp>
     </p:spTree>
   </p:cSld>
-  <p:clrMapOvr>
-    <a:masterClrMapping/>
-  </p:clrMapOvr>
 </p:sld>
 </file>
 
@@ -9380,11 +13393,36 @@
           <a:bodyPr/>
           <a:lstStyle/>
           <a:p>
-            <a:pPr marL="0" lvl="0" indent="0">
+            <a:pPr lvl="0" marL="0" indent="0">
               <a:buNone/>
             </a:pPr>
             <a:r>
-              <a:t>Vectors - other properties</a:t>
+              <a:rPr/>
+              <a:t>Vectors</a:t>
+            </a:r>
+            <a:r>
+              <a:rPr/>
+              <a:t> </a:t>
+            </a:r>
+            <a:r>
+              <a:rPr/>
+              <a:t>-</a:t>
+            </a:r>
+            <a:r>
+              <a:rPr/>
+              <a:t> </a:t>
+            </a:r>
+            <a:r>
+              <a:rPr/>
+              <a:t>other</a:t>
+            </a:r>
+            <a:r>
+              <a:rPr/>
+              <a:t> </a:t>
+            </a:r>
+            <a:r>
+              <a:rPr/>
+              <a:t>properties</a:t>
             </a:r>
           </a:p>
         </p:txBody>
@@ -9410,7 +13448,7 @@
           <a:bodyPr/>
           <a:lstStyle/>
           <a:p>
-            <a:pPr marL="1270000" lvl="0" indent="0">
+            <a:pPr lvl="0" marL="1270000" indent="0">
               <a:buNone/>
             </a:pPr>
             <a:r>
@@ -9527,7 +13565,7 @@
             </a:r>
           </a:p>
           <a:p>
-            <a:pPr marL="1270000" lvl="0" indent="0">
+            <a:pPr lvl="0" marL="1270000" indent="0">
               <a:buNone/>
             </a:pPr>
             <a:r>
@@ -9538,7 +13576,7 @@
             </a:r>
           </a:p>
           <a:p>
-            <a:pPr marL="1270000" lvl="0" indent="0">
+            <a:pPr lvl="0" marL="1270000" indent="0">
               <a:buNone/>
             </a:pPr>
             <a:r>
@@ -9548,6 +13586,37 @@
                 </a:solidFill>
                 <a:latin typeface="Courier"/>
               </a:rPr>
+              <a:t>class</a:t>
+            </a:r>
+            <a:r>
+              <a:rPr sz="1800">
+                <a:latin typeface="Courier"/>
+              </a:rPr>
+              <a:t>(test2)</a:t>
+            </a:r>
+          </a:p>
+          <a:p>
+            <a:pPr lvl="0" marL="1270000" indent="0">
+              <a:buNone/>
+            </a:pPr>
+            <a:r>
+              <a:rPr sz="1800">
+                <a:latin typeface="Courier"/>
+              </a:rPr>
+              <a:t>## [1] "character"</a:t>
+            </a:r>
+          </a:p>
+          <a:p>
+            <a:pPr lvl="0" marL="1270000" indent="0">
+              <a:buNone/>
+            </a:pPr>
+            <a:r>
+              <a:rPr sz="1800" b="1">
+                <a:solidFill>
+                  <a:srgbClr val="007020"/>
+                </a:solidFill>
+                <a:latin typeface="Courier"/>
+              </a:rPr>
               <a:t>str</a:t>
             </a:r>
             <a:r>
@@ -9558,7 +13627,7 @@
             </a:r>
           </a:p>
           <a:p>
-            <a:pPr marL="1270000" lvl="0" indent="0">
+            <a:pPr lvl="0" marL="1270000" indent="0">
               <a:buNone/>
             </a:pPr>
             <a:r>
@@ -9571,22 +13640,21 @@
           <a:p>
             <a:pPr lvl="1"/>
             <a:r>
-              <a:t>The string has been added on to the end of the vector.</a:t>
+              <a:rPr/>
+              <a:t>The character variable has been added on to the end of the vector.</a:t>
             </a:r>
           </a:p>
           <a:p>
             <a:pPr lvl="1"/>
             <a:r>
-              <a:t>The vector is now a string vector.</a:t>
+              <a:rPr/>
+              <a:t>The vector is now a character vector.</a:t>
             </a:r>
           </a:p>
         </p:txBody>
       </p:sp>
     </p:spTree>
   </p:cSld>
-  <p:clrMapOvr>
-    <a:masterClrMapping/>
-  </p:clrMapOvr>
 </p:sld>
 </file>
 
@@ -9628,18 +13696,35 @@
           <a:bodyPr/>
           <a:lstStyle/>
           <a:p>
-            <a:pPr marL="0" lvl="0" indent="0">
+            <a:pPr lvl="0" marL="0" indent="0">
               <a:buNone/>
             </a:pPr>
             <a:r>
-              <a:t>Functions as factories</a:t>
+              <a:rPr/>
+              <a:t>Functions</a:t>
+            </a:r>
+            <a:r>
+              <a:rPr/>
+              <a:t> </a:t>
+            </a:r>
+            <a:r>
+              <a:rPr/>
+              <a:t>as</a:t>
+            </a:r>
+            <a:r>
+              <a:rPr/>
+              <a:t> </a:t>
+            </a:r>
+            <a:r>
+              <a:rPr/>
+              <a:t>factories</a:t>
             </a:r>
           </a:p>
         </p:txBody>
       </p:sp>
       <p:pic>
         <p:nvPicPr>
-          <p:cNvPr id="3" name="Picture 1" descr="../Images/Function1.png"/>
+          <p:cNvPr descr="../Images/Function1.png" id="0" name="Picture 1"/>
           <p:cNvPicPr>
             <a:picLocks noGrp="1" noChangeAspect="1"/>
           </p:cNvPicPr>
@@ -9669,9 +13754,6 @@
       </p:pic>
     </p:spTree>
   </p:cSld>
-  <p:clrMapOvr>
-    <a:masterClrMapping/>
-  </p:clrMapOvr>
 </p:sld>
 </file>
 
@@ -9713,18 +13795,35 @@
           <a:bodyPr/>
           <a:lstStyle/>
           <a:p>
-            <a:pPr marL="0" lvl="0" indent="0">
+            <a:pPr lvl="0" marL="0" indent="0">
               <a:buNone/>
             </a:pPr>
             <a:r>
-              <a:t>Functions as factories</a:t>
+              <a:rPr/>
+              <a:t>Functions</a:t>
+            </a:r>
+            <a:r>
+              <a:rPr/>
+              <a:t> </a:t>
+            </a:r>
+            <a:r>
+              <a:rPr/>
+              <a:t>as</a:t>
+            </a:r>
+            <a:r>
+              <a:rPr/>
+              <a:t> </a:t>
+            </a:r>
+            <a:r>
+              <a:rPr/>
+              <a:t>factories</a:t>
             </a:r>
           </a:p>
         </p:txBody>
       </p:sp>
       <p:pic>
         <p:nvPicPr>
-          <p:cNvPr id="3" name="Picture 1" descr="../Images/Function2.png"/>
+          <p:cNvPr descr="../Images/Function2.png" id="0" name="Picture 1"/>
           <p:cNvPicPr>
             <a:picLocks noGrp="1" noChangeAspect="1"/>
           </p:cNvPicPr>
@@ -9754,9 +13853,6 @@
       </p:pic>
     </p:spTree>
   </p:cSld>
-  <p:clrMapOvr>
-    <a:masterClrMapping/>
-  </p:clrMapOvr>
 </p:sld>
 </file>
 
@@ -9798,10 +13894,11 @@
           <a:bodyPr/>
           <a:lstStyle/>
           <a:p>
-            <a:pPr marL="0" lvl="0" indent="0">
+            <a:pPr lvl="0" marL="0" indent="0">
               <a:buNone/>
             </a:pPr>
             <a:r>
+              <a:rPr/>
               <a:t>Content</a:t>
             </a:r>
           </a:p>
@@ -9830,34 +13927,35 @@
           <a:p>
             <a:pPr lvl="1"/>
             <a:r>
+              <a:rPr/>
               <a:t>Motivation for R: what and why?</a:t>
             </a:r>
           </a:p>
           <a:p>
             <a:pPr lvl="1"/>
             <a:r>
-              <a:t>R studio: a tour</a:t>
+              <a:rPr/>
+              <a:t>RStudio: a tour</a:t>
             </a:r>
           </a:p>
           <a:p>
             <a:pPr lvl="1"/>
             <a:r>
+              <a:rPr/>
               <a:t>R building blocks</a:t>
             </a:r>
           </a:p>
           <a:p>
             <a:pPr lvl="1"/>
             <a:r>
-              <a:t>Using/Writing functions</a:t>
+              <a:rPr/>
+              <a:t>Using/writing functions</a:t>
             </a:r>
           </a:p>
         </p:txBody>
       </p:sp>
     </p:spTree>
   </p:cSld>
-  <p:clrMapOvr>
-    <a:masterClrMapping/>
-  </p:clrMapOvr>
 </p:sld>
 </file>
 
@@ -9899,18 +13997,35 @@
           <a:bodyPr/>
           <a:lstStyle/>
           <a:p>
-            <a:pPr marL="0" lvl="0" indent="0">
+            <a:pPr lvl="0" marL="0" indent="0">
               <a:buNone/>
             </a:pPr>
             <a:r>
-              <a:t>Functions as factories</a:t>
+              <a:rPr/>
+              <a:t>Functions</a:t>
+            </a:r>
+            <a:r>
+              <a:rPr/>
+              <a:t> </a:t>
+            </a:r>
+            <a:r>
+              <a:rPr/>
+              <a:t>as</a:t>
+            </a:r>
+            <a:r>
+              <a:rPr/>
+              <a:t> </a:t>
+            </a:r>
+            <a:r>
+              <a:rPr/>
+              <a:t>factories</a:t>
             </a:r>
           </a:p>
         </p:txBody>
       </p:sp>
       <p:pic>
         <p:nvPicPr>
-          <p:cNvPr id="3" name="Picture 1" descr="../Images/Function3.png"/>
+          <p:cNvPr descr="../Images/Function3.png" id="0" name="Picture 1"/>
           <p:cNvPicPr>
             <a:picLocks noGrp="1" noChangeAspect="1"/>
           </p:cNvPicPr>
@@ -9940,9 +14055,6 @@
       </p:pic>
     </p:spTree>
   </p:cSld>
-  <p:clrMapOvr>
-    <a:masterClrMapping/>
-  </p:clrMapOvr>
 </p:sld>
 </file>
 
@@ -9984,10 +14096,11 @@
           <a:bodyPr/>
           <a:lstStyle/>
           <a:p>
-            <a:pPr marL="0" lvl="0" indent="0">
+            <a:pPr lvl="0" marL="0" indent="0">
               <a:buNone/>
             </a:pPr>
             <a:r>
+              <a:rPr/>
               <a:t>Functions</a:t>
             </a:r>
           </a:p>
@@ -10016,25 +14129,29 @@
           <a:p>
             <a:pPr lvl="1"/>
             <a:r>
-              <a:t>Sometimes taught as a “black box”</a:t>
+              <a:rPr/>
+              <a:t>Sometimes taught as a “black box”.</a:t>
             </a:r>
           </a:p>
           <a:p>
             <a:pPr lvl="1"/>
             <a:r>
-              <a:t>You can think of them as a factory</a:t>
+              <a:rPr/>
+              <a:t>You can think of them as a factory.</a:t>
             </a:r>
           </a:p>
           <a:p>
             <a:pPr lvl="1"/>
             <a:r>
-              <a:t>Usually labelled as a verb (they are “doing” something)</a:t>
+              <a:rPr/>
+              <a:t>Usually labelled as a verb (they are “doing” something).</a:t>
             </a:r>
           </a:p>
           <a:p>
             <a:pPr lvl="1"/>
             <a:r>
-              <a:t>Many come built into R</a:t>
+              <a:rPr/>
+              <a:t>Many come built into R.</a:t>
             </a:r>
           </a:p>
           <a:p>
@@ -10058,22 +14175,21 @@
           <a:p>
             <a:pPr lvl="1"/>
             <a:r>
-              <a:t>You can also install ‘packages’ containing bundles of functions</a:t>
+              <a:rPr/>
+              <a:t>You can also install ‘packages’ containing bundles of functions.</a:t>
             </a:r>
           </a:p>
           <a:p>
             <a:pPr lvl="1"/>
             <a:r>
-              <a:t>View each function as a separate separate factory in a production line</a:t>
+              <a:rPr/>
+              <a:t>View each function as a separate factory in a production line.</a:t>
             </a:r>
           </a:p>
         </p:txBody>
       </p:sp>
     </p:spTree>
   </p:cSld>
-  <p:clrMapOvr>
-    <a:masterClrMapping/>
-  </p:clrMapOvr>
 </p:sld>
 </file>
 
@@ -10115,18 +14231,43 @@
           <a:bodyPr/>
           <a:lstStyle/>
           <a:p>
-            <a:pPr marL="0" lvl="0" indent="0">
+            <a:pPr lvl="0" marL="0" indent="0">
               <a:buNone/>
             </a:pPr>
             <a:r>
-              <a:t>Functions in a line</a:t>
+              <a:rPr/>
+              <a:t>Functions</a:t>
+            </a:r>
+            <a:r>
+              <a:rPr/>
+              <a:t> </a:t>
+            </a:r>
+            <a:r>
+              <a:rPr/>
+              <a:t>in</a:t>
+            </a:r>
+            <a:r>
+              <a:rPr/>
+              <a:t> </a:t>
+            </a:r>
+            <a:r>
+              <a:rPr/>
+              <a:t>a</a:t>
+            </a:r>
+            <a:r>
+              <a:rPr/>
+              <a:t> </a:t>
+            </a:r>
+            <a:r>
+              <a:rPr/>
+              <a:t>line</a:t>
             </a:r>
           </a:p>
         </p:txBody>
       </p:sp>
       <p:pic>
         <p:nvPicPr>
-          <p:cNvPr id="3" name="Picture 1" descr="../Images/Function4.png"/>
+          <p:cNvPr descr="../Images/Function4.png" id="0" name="Picture 1"/>
           <p:cNvPicPr>
             <a:picLocks noGrp="1" noChangeAspect="1"/>
           </p:cNvPicPr>
@@ -10156,9 +14297,6 @@
       </p:pic>
     </p:spTree>
   </p:cSld>
-  <p:clrMapOvr>
-    <a:masterClrMapping/>
-  </p:clrMapOvr>
 </p:sld>
 </file>
 
@@ -10200,10 +14338,11 @@
           <a:bodyPr/>
           <a:lstStyle/>
           <a:p>
-            <a:pPr marL="0" lvl="0" indent="0">
+            <a:pPr lvl="0" marL="0" indent="0">
               <a:buNone/>
             </a:pPr>
             <a:r>
+              <a:rPr/>
               <a:t>Functions</a:t>
             </a:r>
           </a:p>
@@ -10232,6 +14371,7 @@
           <a:p>
             <a:pPr lvl="1"/>
             <a:r>
+              <a:rPr/>
               <a:t>You have been using functions already!</a:t>
             </a:r>
           </a:p>
@@ -10244,6 +14384,7 @@
               <a:t>data.frame()</a:t>
             </a:r>
             <a:r>
+              <a:rPr/>
               <a:t> is a function.</a:t>
             </a:r>
           </a:p>
@@ -10256,11 +14397,12 @@
               <a:t>age, gender, weight</a:t>
             </a:r>
             <a:r>
-              <a:t> are arguments.</a:t>
-            </a:r>
-          </a:p>
-          <a:p>
-            <a:pPr marL="1270000" lvl="0" indent="0">
+              <a:rPr/>
+              <a:t> are the input arguments.</a:t>
+            </a:r>
+          </a:p>
+          <a:p>
+            <a:pPr lvl="0" marL="1270000" indent="0">
               <a:buNone/>
             </a:pPr>
             <a:r>
@@ -10280,7 +14422,7 @@
             </a:r>
           </a:p>
           <a:p>
-            <a:pPr marL="1270000" lvl="0" indent="0">
+            <a:pPr lvl="0" marL="1270000" indent="0">
               <a:buNone/>
             </a:pPr>
             <a:r>
@@ -10299,16 +14441,14 @@
           <a:p>
             <a:pPr lvl="1"/>
             <a:r>
-              <a:t>The data frame is the output</a:t>
+              <a:rPr/>
+              <a:t>The data frame is the output.</a:t>
             </a:r>
           </a:p>
         </p:txBody>
       </p:sp>
     </p:spTree>
   </p:cSld>
-  <p:clrMapOvr>
-    <a:masterClrMapping/>
-  </p:clrMapOvr>
 </p:sld>
 </file>
 
@@ -10350,11 +14490,68 @@
           <a:bodyPr/>
           <a:lstStyle/>
           <a:p>
-            <a:pPr marL="0" lvl="0" indent="0">
+            <a:pPr lvl="0" marL="0" indent="0">
               <a:buNone/>
             </a:pPr>
             <a:r>
-              <a:t>Try these functions yourself. What do they do?</a:t>
+              <a:rPr/>
+              <a:t>Try</a:t>
+            </a:r>
+            <a:r>
+              <a:rPr/>
+              <a:t> </a:t>
+            </a:r>
+            <a:r>
+              <a:rPr/>
+              <a:t>these</a:t>
+            </a:r>
+            <a:r>
+              <a:rPr/>
+              <a:t> </a:t>
+            </a:r>
+            <a:r>
+              <a:rPr/>
+              <a:t>functions</a:t>
+            </a:r>
+            <a:r>
+              <a:rPr/>
+              <a:t> </a:t>
+            </a:r>
+            <a:r>
+              <a:rPr/>
+              <a:t>yourself.</a:t>
+            </a:r>
+            <a:r>
+              <a:rPr/>
+              <a:t> </a:t>
+            </a:r>
+            <a:r>
+              <a:rPr/>
+              <a:t>What</a:t>
+            </a:r>
+            <a:r>
+              <a:rPr/>
+              <a:t> </a:t>
+            </a:r>
+            <a:r>
+              <a:rPr/>
+              <a:t>do</a:t>
+            </a:r>
+            <a:r>
+              <a:rPr/>
+              <a:t> </a:t>
+            </a:r>
+            <a:r>
+              <a:rPr/>
+              <a:t>they</a:t>
+            </a:r>
+            <a:r>
+              <a:rPr/>
+              <a:t> </a:t>
+            </a:r>
+            <a:r>
+              <a:rPr/>
+              <a:t>do?</a:t>
             </a:r>
           </a:p>
         </p:txBody>
@@ -10382,15 +14579,17 @@
           <a:p>
             <a:pPr lvl="1"/>
             <a:r>
+              <a:rPr/>
               <a:t>Use the </a:t>
             </a:r>
             <a:r>
               <a:rPr sz="1800">
                 <a:latin typeface="Courier"/>
               </a:rPr>
-              <a:t>group</a:t>
-            </a:r>
-            <a:r>
+              <a:t>patients</a:t>
+            </a:r>
+            <a:r>
+              <a:rPr/>
               <a:t> data frame as the argument.</a:t>
             </a:r>
           </a:p>
@@ -10419,24 +14618,12 @@
                 <a:latin typeface="Courier"/>
               </a:rPr>
               <a:t>summary()</a:t>
-            </a:r>
-          </a:p>
-          <a:p>
-            <a:pPr lvl="1"/>
-            <a:r>
-              <a:rPr sz="1800">
-                <a:latin typeface="Courier"/>
-              </a:rPr>
-              <a:t>mean()</a:t>
             </a:r>
           </a:p>
         </p:txBody>
       </p:sp>
     </p:spTree>
   </p:cSld>
-  <p:clrMapOvr>
-    <a:masterClrMapping/>
-  </p:clrMapOvr>
 </p:sld>
 </file>
 
@@ -10478,11 +14665,36 @@
           <a:bodyPr/>
           <a:lstStyle/>
           <a:p>
-            <a:pPr marL="0" lvl="0" indent="0">
+            <a:pPr lvl="0" marL="0" indent="0">
               <a:buNone/>
             </a:pPr>
             <a:r>
-              <a:t>Try these functions yourself.</a:t>
+              <a:rPr/>
+              <a:t>Try</a:t>
+            </a:r>
+            <a:r>
+              <a:rPr/>
+              <a:t> </a:t>
+            </a:r>
+            <a:r>
+              <a:rPr/>
+              <a:t>these</a:t>
+            </a:r>
+            <a:r>
+              <a:rPr/>
+              <a:t> </a:t>
+            </a:r>
+            <a:r>
+              <a:rPr/>
+              <a:t>functions</a:t>
+            </a:r>
+            <a:r>
+              <a:rPr/>
+              <a:t> </a:t>
+            </a:r>
+            <a:r>
+              <a:rPr/>
+              <a:t>yourself.</a:t>
             </a:r>
           </a:p>
         </p:txBody>
@@ -10516,6 +14728,7 @@
               <a:t>head()</a:t>
             </a:r>
             <a:r>
+              <a:rPr/>
               <a:t> Gives you the first 6 rows</a:t>
             </a:r>
           </a:p>
@@ -10528,6 +14741,7 @@
               <a:t>tail()</a:t>
             </a:r>
             <a:r>
+              <a:rPr/>
               <a:t> Gives you the last 6 rows</a:t>
             </a:r>
           </a:p>
@@ -10540,28 +14754,51 @@
               <a:t>summary()</a:t>
             </a:r>
             <a:r>
+              <a:rPr/>
               <a:t> Gives an overview of the object</a:t>
             </a:r>
           </a:p>
           <a:p>
-            <a:pPr lvl="1"/>
-            <a:r>
-              <a:rPr sz="1800">
-                <a:latin typeface="Courier"/>
-              </a:rPr>
-              <a:t>mean()</a:t>
-            </a:r>
-            <a:r>
-              <a:t> Gives the mean of a numeric vector</a:t>
+            <a:pPr lvl="0" marL="1270000" indent="0">
+              <a:buNone/>
+            </a:pPr>
+            <a:r>
+              <a:rPr sz="1800" b="1">
+                <a:solidFill>
+                  <a:srgbClr val="007020"/>
+                </a:solidFill>
+                <a:latin typeface="Courier"/>
+              </a:rPr>
+              <a:t>summary</a:t>
+            </a:r>
+            <a:r>
+              <a:rPr sz="1800">
+                <a:latin typeface="Courier"/>
+              </a:rPr>
+              <a:t>(patients)</a:t>
+            </a:r>
+          </a:p>
+          <a:p>
+            <a:pPr lvl="0" marL="1270000" indent="0">
+              <a:buNone/>
+            </a:pPr>
+            <a:r>
+              <a:rPr sz="1800">
+                <a:latin typeface="Courier"/>
+              </a:rPr>
+              <a:t>##        name        age           gender 
+##  Adam    :1   Min.   :19.00   female:3  
+##  Eve     :1   1st Qu.:26.75   male  :3  
+##  James   :1   Median :39.00             
+##  Jennifer:1   Mean   :39.83             
+##  John    :1   3rd Qu.:49.00             
+##  Sally   :1   Max.   :67.00</a:t>
             </a:r>
           </a:p>
         </p:txBody>
       </p:sp>
     </p:spTree>
   </p:cSld>
-  <p:clrMapOvr>
-    <a:masterClrMapping/>
-  </p:clrMapOvr>
 </p:sld>
 </file>
 
@@ -10603,11 +14840,20 @@
           <a:bodyPr/>
           <a:lstStyle/>
           <a:p>
-            <a:pPr marL="0" lvl="0" indent="0">
+            <a:pPr lvl="0" marL="0" indent="0">
               <a:buNone/>
             </a:pPr>
             <a:r>
-              <a:t>Warning note</a:t>
+              <a:rPr/>
+              <a:t>Warning</a:t>
+            </a:r>
+            <a:r>
+              <a:rPr/>
+              <a:t> </a:t>
+            </a:r>
+            <a:r>
+              <a:rPr/>
+              <a:t>note</a:t>
             </a:r>
           </a:p>
         </p:txBody>
@@ -10635,58 +14881,48 @@
           <a:p>
             <a:pPr lvl="1"/>
             <a:r>
-              <a:t>Functions are carrying out pre-written instructions</a:t>
+              <a:rPr/>
+              <a:t>Functions are carrying out pre-written instructions.</a:t>
             </a:r>
           </a:p>
           <a:p>
             <a:pPr lvl="1"/>
             <a:r>
-              <a:t>They will fail if they are supplied with the wrong kind of data - they will return an error message instead</a:t>
+              <a:rPr/>
+              <a:t>They will fail if they are supplied with the wrong kind of data - they will return an error message instead.</a:t>
             </a:r>
           </a:p>
           <a:p>
             <a:pPr lvl="1"/>
             <a:r>
+              <a:rPr/>
               <a:t>Try </a:t>
             </a:r>
             <a:r>
               <a:rPr sz="1800">
                 <a:latin typeface="Courier"/>
               </a:rPr>
-              <a:t>mean(group$gender)</a:t>
+              <a:t>mean(patients$gender)</a:t>
             </a:r>
           </a:p>
           <a:p>
             <a:pPr lvl="1"/>
             <a:r>
-              <a:t>There are other constraints</a:t>
+              <a:rPr/>
+              <a:t>There are other constraints, which are dependent on the function itself.</a:t>
             </a:r>
           </a:p>
           <a:p>
             <a:pPr lvl="1"/>
             <a:r>
-              <a:t>Dependent on the function itself</a:t>
-            </a:r>
-          </a:p>
-          <a:p>
-            <a:pPr lvl="1"/>
-            <a:r>
-              <a:t>HINT: some functions will not work with missing values</a:t>
-            </a:r>
-          </a:p>
-          <a:p>
-            <a:pPr lvl="1"/>
-            <a:r>
-              <a:t>You will then need to specify the argument to remove these missing values</a:t>
+              <a:rPr/>
+              <a:t>HINT: some functions will not work with missing values. You will then need to specify the argument to remove these missing values.</a:t>
             </a:r>
           </a:p>
         </p:txBody>
       </p:sp>
     </p:spTree>
   </p:cSld>
-  <p:clrMapOvr>
-    <a:masterClrMapping/>
-  </p:clrMapOvr>
 </p:sld>
 </file>
 
@@ -10728,11 +14964,28 @@
           <a:bodyPr/>
           <a:lstStyle/>
           <a:p>
-            <a:pPr marL="0" lvl="0" indent="0">
+            <a:pPr lvl="0" marL="0" indent="0">
               <a:buNone/>
             </a:pPr>
             <a:r>
-              <a:t>Help with functions</a:t>
+              <a:rPr/>
+              <a:t>Help</a:t>
+            </a:r>
+            <a:r>
+              <a:rPr/>
+              <a:t> </a:t>
+            </a:r>
+            <a:r>
+              <a:rPr/>
+              <a:t>with</a:t>
+            </a:r>
+            <a:r>
+              <a:rPr/>
+              <a:t> </a:t>
+            </a:r>
+            <a:r>
+              <a:rPr/>
+              <a:t>functions</a:t>
             </a:r>
           </a:p>
         </p:txBody>
@@ -10760,18 +15013,21 @@
           <a:p>
             <a:pPr lvl="1"/>
             <a:r>
+              <a:rPr/>
               <a:t>How do you find out how to use a particular function?</a:t>
             </a:r>
           </a:p>
           <a:p>
             <a:pPr lvl="1"/>
             <a:r>
+              <a:rPr/>
               <a:t>Three ways:</a:t>
             </a:r>
           </a:p>
           <a:p>
             <a:pPr lvl="2"/>
             <a:r>
+              <a:rPr/>
               <a:t>Select the </a:t>
             </a:r>
             <a:r>
@@ -10781,12 +15037,14 @@
               <a:t>help</a:t>
             </a:r>
             <a:r>
+              <a:rPr/>
               <a:t> tab in bottom right of RStudio, then type the function name into the search box, and read the help page.</a:t>
             </a:r>
           </a:p>
           <a:p>
             <a:pPr lvl="2"/>
             <a:r>
+              <a:rPr/>
               <a:t>Type </a:t>
             </a:r>
             <a:r>
@@ -10796,12 +15054,14 @@
               <a:t>?function_name</a:t>
             </a:r>
             <a:r>
+              <a:rPr/>
               <a:t> into the console.</a:t>
             </a:r>
           </a:p>
           <a:p>
             <a:pPr lvl="2"/>
             <a:r>
+              <a:rPr/>
               <a:t>If you can’t remember the exact function name try typing </a:t>
             </a:r>
             <a:r>
@@ -10811,6 +15071,7 @@
               <a:t>??whatever_you_want_to_do</a:t>
             </a:r>
             <a:r>
+              <a:rPr/>
               <a:t> into the console. It searches the whole database for matching terms.</a:t>
             </a:r>
           </a:p>
@@ -10818,9 +15079,6 @@
       </p:sp>
     </p:spTree>
   </p:cSld>
-  <p:clrMapOvr>
-    <a:masterClrMapping/>
-  </p:clrMapOvr>
 </p:sld>
 </file>
 
@@ -10862,18 +15120,75 @@
           <a:bodyPr/>
           <a:lstStyle/>
           <a:p>
-            <a:pPr marL="0" lvl="0" indent="0">
+            <a:pPr lvl="0" marL="0" indent="0">
               <a:buNone/>
             </a:pPr>
             <a:r>
-              <a:t>This is what a help page looks like.</a:t>
+              <a:rPr/>
+              <a:t>This</a:t>
+            </a:r>
+            <a:r>
+              <a:rPr/>
+              <a:t> </a:t>
+            </a:r>
+            <a:r>
+              <a:rPr/>
+              <a:t>is</a:t>
+            </a:r>
+            <a:r>
+              <a:rPr/>
+              <a:t> </a:t>
+            </a:r>
+            <a:r>
+              <a:rPr/>
+              <a:t>what</a:t>
+            </a:r>
+            <a:r>
+              <a:rPr/>
+              <a:t> </a:t>
+            </a:r>
+            <a:r>
+              <a:rPr/>
+              <a:t>a</a:t>
+            </a:r>
+            <a:r>
+              <a:rPr/>
+              <a:t> </a:t>
+            </a:r>
+            <a:r>
+              <a:rPr/>
+              <a:t>help</a:t>
+            </a:r>
+            <a:r>
+              <a:rPr/>
+              <a:t> </a:t>
+            </a:r>
+            <a:r>
+              <a:rPr/>
+              <a:t>page</a:t>
+            </a:r>
+            <a:r>
+              <a:rPr/>
+              <a:t> </a:t>
+            </a:r>
+            <a:r>
+              <a:rPr/>
+              <a:t>looks</a:t>
+            </a:r>
+            <a:r>
+              <a:rPr/>
+              <a:t> </a:t>
+            </a:r>
+            <a:r>
+              <a:rPr/>
+              <a:t>like.</a:t>
             </a:r>
           </a:p>
         </p:txBody>
       </p:sp>
       <p:pic>
         <p:nvPicPr>
-          <p:cNvPr id="3" name="Picture 1" descr="../Images/HelpPage.png"/>
+          <p:cNvPr descr="../Images/HelpPage.png" id="0" name="Picture 1"/>
           <p:cNvPicPr>
             <a:picLocks noGrp="1" noChangeAspect="1"/>
           </p:cNvPicPr>
@@ -10903,9 +15218,6 @@
       </p:pic>
     </p:spTree>
   </p:cSld>
-  <p:clrMapOvr>
-    <a:masterClrMapping/>
-  </p:clrMapOvr>
 </p:sld>
 </file>
 
@@ -10947,11 +15259,36 @@
           <a:bodyPr/>
           <a:lstStyle/>
           <a:p>
-            <a:pPr marL="0" lvl="0" indent="0">
+            <a:pPr lvl="0" marL="0" indent="0">
               <a:buNone/>
             </a:pPr>
             <a:r>
-              <a:t>Reading the help page</a:t>
+              <a:rPr/>
+              <a:t>Reading</a:t>
+            </a:r>
+            <a:r>
+              <a:rPr/>
+              <a:t> </a:t>
+            </a:r>
+            <a:r>
+              <a:rPr/>
+              <a:t>the</a:t>
+            </a:r>
+            <a:r>
+              <a:rPr/>
+              <a:t> </a:t>
+            </a:r>
+            <a:r>
+              <a:rPr/>
+              <a:t>help</a:t>
+            </a:r>
+            <a:r>
+              <a:rPr/>
+              <a:t> </a:t>
+            </a:r>
+            <a:r>
+              <a:rPr/>
+              <a:t>page</a:t>
             </a:r>
           </a:p>
         </p:txBody>
@@ -10979,48 +15316,56 @@
           <a:p>
             <a:pPr lvl="1"/>
             <a:r>
+              <a:rPr/>
               <a:t>It’s quite complicated.</a:t>
             </a:r>
           </a:p>
           <a:p>
             <a:pPr lvl="1"/>
             <a:r>
+              <a:rPr/>
               <a:t>But the information is usually displayed in a standard format:</a:t>
             </a:r>
           </a:p>
           <a:p>
             <a:pPr lvl="2"/>
             <a:r>
+              <a:rPr/>
               <a:t>Brief description</a:t>
             </a:r>
           </a:p>
           <a:p>
             <a:pPr lvl="2"/>
             <a:r>
+              <a:rPr/>
               <a:t>An example of use</a:t>
             </a:r>
           </a:p>
           <a:p>
             <a:pPr lvl="2"/>
             <a:r>
+              <a:rPr/>
               <a:t>The argument(s) that can be passed to the function - along with any default value it takes if there is no value provided.</a:t>
             </a:r>
           </a:p>
           <a:p>
             <a:pPr lvl="2"/>
             <a:r>
+              <a:rPr/>
               <a:t>Breakdown of these arguments. Gives you more information about what you need to put in.</a:t>
             </a:r>
           </a:p>
           <a:p>
             <a:pPr lvl="2"/>
             <a:r>
+              <a:rPr/>
               <a:t>Tells you how the function works and what to expect to see in the output.</a:t>
             </a:r>
           </a:p>
           <a:p>
             <a:pPr lvl="2"/>
             <a:r>
+              <a:rPr/>
               <a:t>A reproducible example of use, that you can normally use verbatim.</a:t>
             </a:r>
           </a:p>
@@ -11028,9 +15373,6 @@
       </p:sp>
     </p:spTree>
   </p:cSld>
-  <p:clrMapOvr>
-    <a:masterClrMapping/>
-  </p:clrMapOvr>
 </p:sld>
 </file>
 
@@ -11072,11 +15414,28 @@
           <a:bodyPr/>
           <a:lstStyle/>
           <a:p>
-            <a:pPr marL="0" lvl="0" indent="0">
+            <a:pPr lvl="0" marL="0" indent="0">
               <a:buNone/>
             </a:pPr>
             <a:r>
-              <a:t>What is R?</a:t>
+              <a:rPr/>
+              <a:t>What</a:t>
+            </a:r>
+            <a:r>
+              <a:rPr/>
+              <a:t> </a:t>
+            </a:r>
+            <a:r>
+              <a:rPr/>
+              <a:t>is</a:t>
+            </a:r>
+            <a:r>
+              <a:rPr/>
+              <a:t> </a:t>
+            </a:r>
+            <a:r>
+              <a:rPr/>
+              <a:t>R?</a:t>
             </a:r>
           </a:p>
         </p:txBody>
@@ -11104,52 +15463,49 @@
           <a:p>
             <a:pPr lvl="1"/>
             <a:r>
-              <a:t>Free software for statistical computing and plotting</a:t>
+              <a:rPr/>
+              <a:t>Open-source software for data analysis and visualisation</a:t>
             </a:r>
           </a:p>
           <a:p>
             <a:pPr lvl="1"/>
             <a:r>
-              <a:t>Works with variety of platforms</a:t>
+              <a:rPr/>
+              <a:t>Compatible with a variety of platforms</a:t>
             </a:r>
           </a:p>
           <a:p>
             <a:pPr lvl="2"/>
             <a:r>
+              <a:rPr/>
               <a:t>UNIX</a:t>
             </a:r>
           </a:p>
           <a:p>
             <a:pPr lvl="2"/>
             <a:r>
+              <a:rPr/>
               <a:t>MacOS</a:t>
             </a:r>
           </a:p>
           <a:p>
             <a:pPr lvl="2"/>
             <a:r>
+              <a:rPr/>
               <a:t>Windows</a:t>
             </a:r>
           </a:p>
           <a:p>
             <a:pPr lvl="1"/>
             <a:r>
-              <a:t>Built around handling data. ‘Understands’ data.</a:t>
-            </a:r>
-          </a:p>
-          <a:p>
-            <a:pPr lvl="2"/>
-            <a:r>
-              <a:t>Particularly well suited to data science / statistics</a:t>
+              <a:rPr/>
+              <a:t>Particularly well suited to data science/statistics</a:t>
             </a:r>
           </a:p>
         </p:txBody>
       </p:sp>
     </p:spTree>
   </p:cSld>
-  <p:clrMapOvr>
-    <a:masterClrMapping/>
-  </p:clrMapOvr>
 </p:sld>
 </file>
 
@@ -11191,11 +15547,28 @@
           <a:bodyPr/>
           <a:lstStyle/>
           <a:p>
-            <a:pPr marL="0" lvl="0" indent="0">
+            <a:pPr lvl="0" marL="0" indent="0">
               <a:buNone/>
             </a:pPr>
             <a:r>
-              <a:t>Explore functions yourself</a:t>
+              <a:rPr/>
+              <a:t>Explore</a:t>
+            </a:r>
+            <a:r>
+              <a:rPr/>
+              <a:t> </a:t>
+            </a:r>
+            <a:r>
+              <a:rPr/>
+              <a:t>functions</a:t>
+            </a:r>
+            <a:r>
+              <a:rPr/>
+              <a:t> </a:t>
+            </a:r>
+            <a:r>
+              <a:rPr/>
+              <a:t>yourself</a:t>
             </a:r>
           </a:p>
         </p:txBody>
@@ -11223,6 +15596,7 @@
           <a:p>
             <a:pPr lvl="1"/>
             <a:r>
+              <a:rPr/>
               <a:t>Look up the function </a:t>
             </a:r>
             <a:r>
@@ -11235,30 +15609,35 @@
           <a:p>
             <a:pPr lvl="1"/>
             <a:r>
+              <a:rPr/>
               <a:t>What are the arguments you can give the function?</a:t>
             </a:r>
           </a:p>
           <a:p>
             <a:pPr lvl="2"/>
             <a:r>
-              <a:t>How do you specify the argument for ‘pattern’? Try it</a:t>
+              <a:rPr/>
+              <a:t>How do you specify the argument for ‘pattern’? Try it.</a:t>
             </a:r>
           </a:p>
           <a:p>
             <a:pPr lvl="2"/>
             <a:r>
+              <a:rPr/>
               <a:t>When might this be useful?</a:t>
             </a:r>
           </a:p>
           <a:p>
             <a:pPr lvl="2"/>
             <a:r>
-              <a:t>How do you specify the argument for ‘sorted’? Try it</a:t>
+              <a:rPr/>
+              <a:t>How do you specify the argument for ‘sorted’? Try it.</a:t>
             </a:r>
           </a:p>
           <a:p>
             <a:pPr lvl="2"/>
             <a:r>
+              <a:rPr/>
               <a:t>When might this be useful?</a:t>
             </a:r>
           </a:p>
@@ -11266,9 +15645,6 @@
       </p:sp>
     </p:spTree>
   </p:cSld>
-  <p:clrMapOvr>
-    <a:masterClrMapping/>
-  </p:clrMapOvr>
 </p:sld>
 </file>
 
@@ -11310,11 +15686,44 @@
           <a:bodyPr/>
           <a:lstStyle/>
           <a:p>
-            <a:pPr marL="0" lvl="0" indent="0">
+            <a:pPr lvl="0" marL="0" indent="0">
               <a:buNone/>
             </a:pPr>
             <a:r>
-              <a:t>Packages - collections of functions</a:t>
+              <a:rPr/>
+              <a:t>Packages</a:t>
+            </a:r>
+            <a:r>
+              <a:rPr/>
+              <a:t> </a:t>
+            </a:r>
+            <a:r>
+              <a:rPr/>
+              <a:t>-</a:t>
+            </a:r>
+            <a:r>
+              <a:rPr/>
+              <a:t> </a:t>
+            </a:r>
+            <a:r>
+              <a:rPr/>
+              <a:t>collections</a:t>
+            </a:r>
+            <a:r>
+              <a:rPr/>
+              <a:t> </a:t>
+            </a:r>
+            <a:r>
+              <a:rPr/>
+              <a:t>of</a:t>
+            </a:r>
+            <a:r>
+              <a:rPr/>
+              <a:t> </a:t>
+            </a:r>
+            <a:r>
+              <a:rPr/>
+              <a:t>functions</a:t>
             </a:r>
           </a:p>
         </p:txBody>
@@ -11342,29 +15751,33 @@
           <a:p>
             <a:pPr lvl="1"/>
             <a:r>
+              <a:rPr/>
               <a:t>There are bunch of functions that come with R. They are ‘base R’ functions.</a:t>
             </a:r>
           </a:p>
           <a:p>
             <a:pPr lvl="1"/>
             <a:r>
+              <a:rPr/>
               <a:t>Thousands of open access functions in other packages</a:t>
             </a:r>
           </a:p>
           <a:p>
             <a:pPr lvl="1"/>
             <a:r>
+              <a:rPr/>
               <a:t>To access these: install the packages, then load them.</a:t>
             </a:r>
           </a:p>
           <a:p>
             <a:pPr lvl="1"/>
             <a:r>
+              <a:rPr/>
               <a:t>Let’s install and load the ‘tidyverse’ package</a:t>
             </a:r>
           </a:p>
           <a:p>
-            <a:pPr marL="1270000" lvl="0" indent="0">
+            <a:pPr lvl="0" marL="1270000" indent="0">
               <a:buNone/>
             </a:pPr>
             <a:r>
@@ -11417,12 +15830,14 @@
           <a:p>
             <a:pPr lvl="1"/>
             <a:r>
+              <a:rPr/>
               <a:t>You can now use all of the functions that come with ‘tidyverse’.</a:t>
             </a:r>
           </a:p>
           <a:p>
             <a:pPr lvl="1"/>
             <a:r>
+              <a:rPr/>
               <a:t>You need to load the package using </a:t>
             </a:r>
             <a:r>
@@ -11432,6 +15847,7 @@
               <a:t>library</a:t>
             </a:r>
             <a:r>
+              <a:rPr/>
               <a:t> each time you open R. But you will not need to install it again.</a:t>
             </a:r>
           </a:p>
@@ -11439,9 +15855,6 @@
       </p:sp>
     </p:spTree>
   </p:cSld>
-  <p:clrMapOvr>
-    <a:masterClrMapping/>
-  </p:clrMapOvr>
 </p:sld>
 </file>
 
@@ -11483,11 +15896,28 @@
           <a:bodyPr/>
           <a:lstStyle/>
           <a:p>
-            <a:pPr marL="0" lvl="0" indent="0">
+            <a:pPr lvl="0" marL="0" indent="0">
               <a:buNone/>
             </a:pPr>
             <a:r>
-              <a:t>Other useful packages</a:t>
+              <a:rPr/>
+              <a:t>Other</a:t>
+            </a:r>
+            <a:r>
+              <a:rPr/>
+              <a:t> </a:t>
+            </a:r>
+            <a:r>
+              <a:rPr/>
+              <a:t>useful</a:t>
+            </a:r>
+            <a:r>
+              <a:rPr/>
+              <a:t> </a:t>
+            </a:r>
+            <a:r>
+              <a:rPr/>
+              <a:t>packages</a:t>
             </a:r>
           </a:p>
         </p:txBody>
@@ -11513,10 +15943,11 @@
           <a:bodyPr/>
           <a:lstStyle/>
           <a:p>
-            <a:pPr marL="0" lvl="0" indent="0">
+            <a:pPr lvl="0" marL="0" indent="0">
               <a:buNone/>
             </a:pPr>
             <a:r>
+              <a:rPr/>
               <a:t>These are some packages we will be user later in the course.</a:t>
             </a:r>
           </a:p>
@@ -11529,6 +15960,7 @@
               <a:t>ggplot2</a:t>
             </a:r>
             <a:r>
+              <a:rPr/>
               <a:t> - plots graphs in R</a:t>
             </a:r>
           </a:p>
@@ -11541,6 +15973,7 @@
               <a:t>readr</a:t>
             </a:r>
             <a:r>
+              <a:rPr/>
               <a:t> - imports data into R</a:t>
             </a:r>
           </a:p>
@@ -11553,6 +15986,7 @@
               <a:t>stringr</a:t>
             </a:r>
             <a:r>
+              <a:rPr/>
               <a:t> - helps you manipulate strings</a:t>
             </a:r>
           </a:p>
@@ -11565,6 +15999,7 @@
               <a:t>lubridate</a:t>
             </a:r>
             <a:r>
+              <a:rPr/>
               <a:t> - helps you manipulate dates</a:t>
             </a:r>
           </a:p>
@@ -11572,9 +16007,6 @@
       </p:sp>
     </p:spTree>
   </p:cSld>
-  <p:clrMapOvr>
-    <a:masterClrMapping/>
-  </p:clrMapOvr>
 </p:sld>
 </file>
 
@@ -11616,11 +16048,28 @@
           <a:bodyPr/>
           <a:lstStyle/>
           <a:p>
-            <a:pPr marL="0" lvl="0" indent="0">
+            <a:pPr lvl="0" marL="0" indent="0">
               <a:buNone/>
             </a:pPr>
             <a:r>
-              <a:t>Why use R?</a:t>
+              <a:rPr/>
+              <a:t>Why</a:t>
+            </a:r>
+            <a:r>
+              <a:rPr/>
+              <a:t> </a:t>
+            </a:r>
+            <a:r>
+              <a:rPr/>
+              <a:t>use</a:t>
+            </a:r>
+            <a:r>
+              <a:rPr/>
+              <a:t> </a:t>
+            </a:r>
+            <a:r>
+              <a:rPr/>
+              <a:t>R?</a:t>
             </a:r>
           </a:p>
         </p:txBody>
@@ -11648,60 +16097,64 @@
           <a:p>
             <a:pPr lvl="1"/>
             <a:r>
-              <a:rPr dirty="0"/>
+              <a:rPr/>
               <a:t>Why not?</a:t>
             </a:r>
           </a:p>
           <a:p>
             <a:pPr lvl="2"/>
             <a:r>
-              <a:rPr dirty="0"/>
-              <a:t>Need to learn a new language</a:t>
+              <a:rPr/>
+              <a:t>Need to learn a new language.</a:t>
             </a:r>
           </a:p>
           <a:p>
             <a:pPr lvl="2"/>
             <a:r>
-              <a:rPr dirty="0"/>
-              <a:t>Does not use ‘point and click’</a:t>
+              <a:rPr/>
+              <a:t>Does not use ‘point and click’.</a:t>
             </a:r>
           </a:p>
           <a:p>
             <a:pPr lvl="2"/>
             <a:r>
-              <a:rPr dirty="0"/>
-              <a:t>Need to describe to the computer the steps you want it to take</a:t>
+              <a:rPr/>
+              <a:t>Need to describe to the computer the steps you want it to take.</a:t>
             </a:r>
           </a:p>
           <a:p>
             <a:pPr lvl="1"/>
             <a:r>
-              <a:rPr dirty="0"/>
+              <a:rPr/>
               <a:t>Why?</a:t>
             </a:r>
           </a:p>
           <a:p>
             <a:pPr lvl="2"/>
             <a:r>
-              <a:rPr dirty="0"/>
-              <a:t>You can do </a:t>
-            </a:r>
-            <a:r>
-              <a:rPr i="1" dirty="0"/>
-              <a:t>anything</a:t>
+              <a:rPr/>
+              <a:t>Anything you can do in spreadsheets, you can do in R plus </a:t>
+            </a:r>
+            <a:r>
+              <a:rPr b="1"/>
+              <a:t>so much more</a:t>
+            </a:r>
+            <a:r>
+              <a:rPr/>
+              <a:t>.</a:t>
             </a:r>
           </a:p>
           <a:p>
             <a:pPr lvl="2"/>
             <a:r>
-              <a:rPr dirty="0"/>
+              <a:rPr/>
               <a:t>Not limited to the pre-designed command process of an app.</a:t>
             </a:r>
           </a:p>
           <a:p>
             <a:pPr lvl="2"/>
             <a:r>
-              <a:rPr dirty="0"/>
+              <a:rPr/>
               <a:t>You record everything you do, so you can do it again.</a:t>
             </a:r>
           </a:p>
@@ -11709,9 +16162,6 @@
       </p:sp>
     </p:spTree>
   </p:cSld>
-  <p:clrMapOvr>
-    <a:masterClrMapping/>
-  </p:clrMapOvr>
 </p:sld>
 </file>
 
@@ -11753,11 +16203,28 @@
           <a:bodyPr/>
           <a:lstStyle/>
           <a:p>
-            <a:pPr marL="0" lvl="0" indent="0">
+            <a:pPr lvl="0" marL="0" indent="0">
               <a:buNone/>
             </a:pPr>
             <a:r>
-              <a:t>Really, why R?</a:t>
+              <a:rPr/>
+              <a:t>Really,</a:t>
+            </a:r>
+            <a:r>
+              <a:rPr/>
+              <a:t> </a:t>
+            </a:r>
+            <a:r>
+              <a:rPr/>
+              <a:t>why</a:t>
+            </a:r>
+            <a:r>
+              <a:rPr/>
+              <a:t> </a:t>
+            </a:r>
+            <a:r>
+              <a:rPr/>
+              <a:t>R?</a:t>
             </a:r>
           </a:p>
         </p:txBody>
@@ -11785,56 +16252,49 @@
           <a:p>
             <a:pPr lvl="1"/>
             <a:r>
-              <a:rPr dirty="0"/>
+              <a:rPr/>
               <a:t>Save time</a:t>
             </a:r>
           </a:p>
           <a:p>
             <a:pPr lvl="2"/>
             <a:r>
-              <a:rPr dirty="0"/>
+              <a:rPr/>
               <a:t>Small upfront investment for long term gain</a:t>
             </a:r>
           </a:p>
           <a:p>
             <a:pPr lvl="2"/>
             <a:r>
-              <a:rPr dirty="0"/>
-              <a:t>New data? - Easy</a:t>
+              <a:rPr/>
+              <a:t>New data + same analysis? - Easy</a:t>
             </a:r>
           </a:p>
           <a:p>
             <a:pPr lvl="2"/>
             <a:r>
-              <a:rPr dirty="0"/>
-              <a:t>Repeat analysis? - Easy</a:t>
+              <a:rPr/>
+              <a:t>Found an error? - Easy</a:t>
+            </a:r>
+          </a:p>
+          <a:p>
+            <a:pPr lvl="1"/>
+            <a:r>
+              <a:rPr/>
+              <a:t>Reproducible Science</a:t>
             </a:r>
           </a:p>
           <a:p>
             <a:pPr lvl="2"/>
             <a:r>
-              <a:rPr dirty="0"/>
-              <a:t>Found an error? - Easy</a:t>
-            </a:r>
-          </a:p>
-          <a:p>
-            <a:pPr lvl="1"/>
-            <a:r>
-              <a:rPr dirty="0"/>
-              <a:t>Reproducible Science</a:t>
+              <a:rPr/>
+              <a:t>Code makes your analysis explicit</a:t>
             </a:r>
           </a:p>
           <a:p>
             <a:pPr lvl="2"/>
             <a:r>
-              <a:rPr dirty="0"/>
-              <a:t>Code makes your analysis explicit</a:t>
-            </a:r>
-          </a:p>
-          <a:p>
-            <a:pPr lvl="2"/>
-            <a:r>
-              <a:rPr dirty="0"/>
+              <a:rPr/>
               <a:t>Writing code = writing lab-book = good reproducible science</a:t>
             </a:r>
           </a:p>
@@ -11842,9 +16302,6 @@
       </p:sp>
     </p:spTree>
   </p:cSld>
-  <p:clrMapOvr>
-    <a:masterClrMapping/>
-  </p:clrMapOvr>
 </p:sld>
 </file>
 
@@ -11886,25 +16343,50 @@
           <a:bodyPr/>
           <a:lstStyle/>
           <a:p>
-            <a:pPr marL="0" lvl="0" indent="0">
+            <a:pPr lvl="0" marL="0" indent="0">
               <a:buNone/>
             </a:pPr>
             <a:r>
-              <a:t>The Reproducible Science Pipeline</a:t>
+              <a:rPr/>
+              <a:t>Typical</a:t>
+            </a:r>
+            <a:r>
+              <a:rPr/>
+              <a:t> </a:t>
+            </a:r>
+            <a:r>
+              <a:rPr/>
+              <a:t>data</a:t>
+            </a:r>
+            <a:r>
+              <a:rPr/>
+              <a:t> </a:t>
+            </a:r>
+            <a:r>
+              <a:rPr/>
+              <a:t>science</a:t>
+            </a:r>
+            <a:r>
+              <a:rPr/>
+              <a:t> </a:t>
+            </a:r>
+            <a:r>
+              <a:rPr/>
+              <a:t>pipeline</a:t>
             </a:r>
           </a:p>
         </p:txBody>
       </p:sp>
       <p:pic>
         <p:nvPicPr>
-          <p:cNvPr id="3" name="Picture 1" descr="../Images/Pipeline.png"/>
+          <p:cNvPr descr="../Images/Pipeline.png" id="0" name="Picture 1"/>
           <p:cNvPicPr>
             <a:picLocks noGrp="1" noChangeAspect="1"/>
           </p:cNvPicPr>
           <p:nvPr/>
         </p:nvPicPr>
         <p:blipFill>
-          <a:blip r:embed="rId2"/>
+          <a:blip r:embed="rId3"/>
           <a:stretch>
             <a:fillRect/>
           </a:stretch>
@@ -11927,9 +16409,6 @@
       </p:pic>
     </p:spTree>
   </p:cSld>
-  <p:clrMapOvr>
-    <a:masterClrMapping/>
-  </p:clrMapOvr>
 </p:sld>
 </file>
 
@@ -11971,11 +16450,28 @@
           <a:bodyPr/>
           <a:lstStyle/>
           <a:p>
-            <a:pPr marL="0" lvl="0" indent="0">
+            <a:pPr lvl="0" marL="0" indent="0">
               <a:buNone/>
             </a:pPr>
             <a:r>
-              <a:t>Working with RStudio</a:t>
+              <a:rPr/>
+              <a:t>Working</a:t>
+            </a:r>
+            <a:r>
+              <a:rPr/>
+              <a:t> </a:t>
+            </a:r>
+            <a:r>
+              <a:rPr/>
+              <a:t>with</a:t>
+            </a:r>
+            <a:r>
+              <a:rPr/>
+              <a:t> </a:t>
+            </a:r>
+            <a:r>
+              <a:rPr/>
+              <a:t>RStudio</a:t>
             </a:r>
           </a:p>
         </p:txBody>
@@ -12003,42 +16499,49 @@
           <a:p>
             <a:pPr lvl="1"/>
             <a:r>
-              <a:t>RStudio is an Integrated Development Environment.</a:t>
+              <a:rPr/>
+              <a:t>RStudio is an Integrated Development Environment (IDE).</a:t>
             </a:r>
           </a:p>
           <a:p>
             <a:pPr lvl="1"/>
             <a:r>
+              <a:rPr/>
               <a:t>Easier to work with than R on it’s own, since it it a bit more ‘point and clicky’</a:t>
             </a:r>
           </a:p>
           <a:p>
             <a:pPr lvl="1"/>
             <a:r>
+              <a:rPr/>
               <a:t>Allows</a:t>
             </a:r>
           </a:p>
           <a:p>
             <a:pPr lvl="2"/>
             <a:r>
+              <a:rPr/>
               <a:t>Code editing</a:t>
             </a:r>
           </a:p>
           <a:p>
             <a:pPr lvl="2"/>
             <a:r>
+              <a:rPr/>
               <a:t>Syntax highlighting</a:t>
             </a:r>
           </a:p>
           <a:p>
             <a:pPr lvl="2"/>
             <a:r>
+              <a:rPr/>
               <a:t>Plotting tools</a:t>
             </a:r>
           </a:p>
           <a:p>
             <a:pPr lvl="2"/>
             <a:r>
+              <a:rPr/>
               <a:t>Workspace management</a:t>
             </a:r>
           </a:p>
@@ -12046,9 +16549,6 @@
       </p:sp>
     </p:spTree>
   </p:cSld>
-  <p:clrMapOvr>
-    <a:masterClrMapping/>
-  </p:clrMapOvr>
 </p:sld>
 </file>
 

--- a/Workshops/Workshop1.pptx
+++ b/Workshops/Workshop1.pptx
@@ -13929,6 +13929,13 @@
             <a:r>
               <a:rPr/>
               <a:t>Motivation for R: what and why?</a:t>
+            </a:r>
+          </a:p>
+          <a:p>
+            <a:pPr lvl="1"/>
+            <a:r>
+              <a:rPr/>
+              <a:t>Typical data science pipeline</a:t>
             </a:r>
           </a:p>
           <a:p>

--- a/Workshops/Workshop1.pptx
+++ b/Workshops/Workshop1.pptx
@@ -9551,23 +9551,23 @@
             </a:r>
             <a:r>
               <a:rPr/>
-              <a:t>Main</a:t>
-            </a:r>
-            <a:r>
-              <a:rPr/>
-              <a:t> </a:t>
-            </a:r>
-            <a:r>
-              <a:rPr/>
-              <a:t>Building</a:t>
-            </a:r>
-            <a:r>
-              <a:rPr/>
-              <a:t> </a:t>
-            </a:r>
-            <a:r>
-              <a:rPr/>
-              <a:t>Blocks</a:t>
+              <a:t>main</a:t>
+            </a:r>
+            <a:r>
+              <a:rPr/>
+              <a:t> </a:t>
+            </a:r>
+            <a:r>
+              <a:rPr/>
+              <a:t>building</a:t>
+            </a:r>
+            <a:r>
+              <a:rPr/>
+              <a:t> </a:t>
+            </a:r>
+            <a:r>
+              <a:rPr/>
+              <a:t>blocks</a:t>
             </a:r>
           </a:p>
         </p:txBody>
@@ -11302,7 +11302,7 @@
             </a:r>
             <a:r>
               <a:rPr/>
-              <a:t>Frames.</a:t>
+              <a:t>frames</a:t>
             </a:r>
           </a:p>
         </p:txBody>

--- a/Workshops/Workshop1.pptx
+++ b/Workshops/Workshop1.pptx
@@ -11462,7 +11462,7 @@
             </a:r>
             <a:r>
               <a:rPr/>
-              <a:t>excercise</a:t>
+              <a:t>exercise</a:t>
             </a:r>
           </a:p>
         </p:txBody>
@@ -11525,7 +11525,7 @@
             <a:pPr lvl="1"/>
             <a:r>
               <a:rPr/>
-              <a:t>Quotation marks are not needed for names in R, but are when your data is made up of characters e.g. “male”, “female”.</a:t>
+              <a:t>Quotation marks are not needed for object names in R, but are when your data is made up of characters e.g. “male”, “female”.</a:t>
             </a:r>
           </a:p>
           <a:p>
@@ -12681,7 +12681,7 @@
             <a:pPr lvl="1"/>
             <a:r>
               <a:rPr/>
-              <a:t>Data frame colums are vectors.</a:t>
+              <a:t>Data frame columns are vectors.</a:t>
             </a:r>
           </a:p>
           <a:p>
@@ -15766,7 +15766,7 @@
             <a:pPr lvl="1"/>
             <a:r>
               <a:rPr/>
-              <a:t>Thousands of open access functions in other packages</a:t>
+              <a:t>Thousands of open access functions in other packages.</a:t>
             </a:r>
           </a:p>
           <a:p>

--- a/Workshops/Workshop1.pptx
+++ b/Workshops/Workshop1.pptx
@@ -248,7 +248,7 @@
           <a:p>
             <a:fld id="{0F9C1CCF-B725-44A7-AA57-5E433BD85C9F}" type="datetimeFigureOut">
               <a:rPr lang="en-US" smtClean="0"/>
-              <a:t>2/17/2018</a:t>
+              <a:t>4/5/2019</a:t>
             </a:fld>
             <a:endParaRPr lang="en-US"/>
           </a:p>
@@ -3944,7 +3944,7 @@
               <a:t> </a:t>
             </a:r>
             <a:r>
-              <a:rPr sz="1800">
+              <a:rPr>
                 <a:latin typeface="Courier"/>
               </a:rPr>
               <a:t>CCYY-MM-DD.R</a:t>
@@ -8603,7 +8603,7 @@
               <a:t>This is your prompt to type </a:t>
             </a:r>
             <a:r>
-              <a:rPr sz="1800">
+              <a:rPr>
                 <a:latin typeface="Courier"/>
               </a:rPr>
               <a:t>&gt;</a:t>
@@ -8620,7 +8620,7 @@
               <a:t>Type </a:t>
             </a:r>
             <a:r>
-              <a:rPr sz="1800">
+              <a:rPr>
                 <a:latin typeface="Courier"/>
               </a:rPr>
               <a:t>2 + 2</a:t>
@@ -8630,7 +8630,7 @@
               <a:t> then hit </a:t>
             </a:r>
             <a:r>
-              <a:rPr sz="1800">
+              <a:rPr>
                 <a:latin typeface="Courier"/>
               </a:rPr>
               <a:t>Enter</a:t>
@@ -8733,11 +8733,11 @@
             </a:r>
           </a:p>
           <a:p>
-            <a:pPr lvl="0" marL="1270000" indent="0">
+            <a:pPr lvl="0" indent="0">
               <a:buNone/>
             </a:pPr>
             <a:r>
-              <a:rPr sz="1800">
+              <a:rPr>
                 <a:solidFill>
                   <a:srgbClr val="40A070"/>
                 </a:solidFill>
@@ -8746,13 +8746,13 @@
               <a:t>2</a:t>
             </a:r>
             <a:r>
-              <a:rPr sz="1800">
-                <a:latin typeface="Courier"/>
-              </a:rPr>
-              <a:t> </a:t>
-            </a:r>
-            <a:r>
-              <a:rPr sz="1800">
+              <a:rPr>
+                <a:latin typeface="Courier"/>
+              </a:rPr>
+              <a:t> </a:t>
+            </a:r>
+            <a:r>
+              <a:rPr>
                 <a:solidFill>
                   <a:srgbClr val="666666"/>
                 </a:solidFill>
@@ -8761,7 +8761,7 @@
               <a:t>+</a:t>
             </a:r>
             <a:r>
-              <a:rPr sz="1800">
+              <a:rPr>
                 <a:solidFill>
                   <a:srgbClr val="4070A0"/>
                 </a:solidFill>
@@ -8770,7 +8770,7 @@
               <a:t> </a:t>
             </a:r>
             <a:r>
-              <a:rPr sz="1800">
+              <a:rPr>
                 <a:solidFill>
                   <a:srgbClr val="40A070"/>
                 </a:solidFill>
@@ -8780,11 +8780,11 @@
             </a:r>
           </a:p>
           <a:p>
-            <a:pPr lvl="0" marL="1270000" indent="0">
+            <a:pPr lvl="0" indent="0">
               <a:buNone/>
             </a:pPr>
             <a:r>
-              <a:rPr sz="1800">
+              <a:rPr>
                 <a:latin typeface="Courier"/>
               </a:rPr>
               <a:t>## [1] 4</a:t>
@@ -8793,7 +8793,7 @@
           <a:p>
             <a:pPr lvl="1"/>
             <a:r>
-              <a:rPr sz="1800">
+              <a:rPr>
                 <a:latin typeface="Courier"/>
               </a:rPr>
               <a:t>&gt;</a:t>
@@ -8806,7 +8806,7 @@
           <a:p>
             <a:pPr lvl="1"/>
             <a:r>
-              <a:rPr sz="1800">
+              <a:rPr>
                 <a:latin typeface="Courier"/>
               </a:rPr>
               <a:t>2 + 2</a:t>
@@ -8819,7 +8819,7 @@
           <a:p>
             <a:pPr lvl="1"/>
             <a:r>
-              <a:rPr sz="1800">
+              <a:rPr>
                 <a:latin typeface="Courier"/>
               </a:rPr>
               <a:t>4</a:t>
@@ -8832,7 +8832,7 @@
           <a:p>
             <a:pPr lvl="1"/>
             <a:r>
-              <a:rPr sz="1800">
+              <a:rPr>
                 <a:latin typeface="Courier"/>
               </a:rPr>
               <a:t>[1]</a:t>
@@ -9039,7 +9039,7 @@
               <a:t>Type </a:t>
             </a:r>
             <a:r>
-              <a:rPr sz="1800">
+              <a:rPr>
                 <a:latin typeface="Courier"/>
               </a:rPr>
               <a:t>2 + 2</a:t>
@@ -9049,7 +9049,7 @@
               <a:t>, then </a:t>
             </a:r>
             <a:r>
-              <a:rPr sz="1800">
+              <a:rPr>
                 <a:latin typeface="Courier"/>
               </a:rPr>
               <a:t>Enter</a:t>
@@ -9087,7 +9087,7 @@
               <a:t>MacOS: </a:t>
             </a:r>
             <a:r>
-              <a:rPr sz="1800">
+              <a:rPr>
                 <a:latin typeface="Courier"/>
               </a:rPr>
               <a:t>Cmd + Enter</a:t>
@@ -9100,7 +9100,7 @@
               <a:t>Windows: </a:t>
             </a:r>
             <a:r>
-              <a:rPr sz="1800">
+              <a:rPr>
                 <a:latin typeface="Courier"/>
               </a:rPr>
               <a:t>Ctrl + Enter</a:t>
@@ -9211,7 +9211,7 @@
               <a:t>Click the </a:t>
             </a:r>
             <a:r>
-              <a:rPr sz="1800">
+              <a:rPr>
                 <a:latin typeface="Courier"/>
               </a:rPr>
               <a:t>save</a:t>
@@ -9263,7 +9263,7 @@
               <a:t>Restart R Studio and click the </a:t>
             </a:r>
             <a:r>
-              <a:rPr sz="1800">
+              <a:rPr>
                 <a:latin typeface="Courier"/>
               </a:rPr>
               <a:t>open</a:t>
@@ -9320,7 +9320,7 @@
       </p:grpSpPr>
       <p:pic>
         <p:nvPicPr>
-          <p:cNvPr descr="../Images/Clinician%20Coders%20Branding_FINAL_CMYK_Colour.png" id="0" name="Picture 1"/>
+          <p:cNvPr descr="../Images/ClinicianCodersBranding_FINAL_CMYK_Colour.png" id="0" name="Picture 1"/>
           <p:cNvPicPr>
             <a:picLocks noGrp="1" noChangeAspect="1"/>
           </p:cNvPicPr>
@@ -9627,7 +9627,7 @@
               <a:t>Real numbers - </a:t>
             </a:r>
             <a:r>
-              <a:rPr sz="1800">
+              <a:rPr>
                 <a:latin typeface="Courier"/>
               </a:rPr>
               <a:t>numeric</a:t>
@@ -9640,7 +9640,7 @@
               <a:t>Discrete numbers - </a:t>
             </a:r>
             <a:r>
-              <a:rPr sz="1800">
+              <a:rPr>
                 <a:latin typeface="Courier"/>
               </a:rPr>
               <a:t>integer</a:t>
@@ -9653,7 +9653,7 @@
               <a:t>Characters - </a:t>
             </a:r>
             <a:r>
-              <a:rPr sz="1800">
+              <a:rPr>
                 <a:latin typeface="Courier"/>
               </a:rPr>
               <a:t>character</a:t>
@@ -9798,7 +9798,7 @@
               <a:t>This is the assignment operator </a:t>
             </a:r>
             <a:r>
-              <a:rPr sz="1800">
+              <a:rPr>
                 <a:latin typeface="Courier"/>
               </a:rPr>
               <a:t>&lt;-</a:t>
@@ -9808,7 +9808,7 @@
               <a:t>(</a:t>
             </a:r>
             <a:r>
-              <a:rPr sz="1800">
+              <a:rPr>
                 <a:latin typeface="Courier"/>
               </a:rPr>
               <a:t>=</a:t>
@@ -9832,7 +9832,7 @@
               <a:t>Mac OSX: </a:t>
             </a:r>
             <a:r>
-              <a:rPr sz="1800">
+              <a:rPr>
                 <a:latin typeface="Courier"/>
               </a:rPr>
               <a:t>Option + -</a:t>
@@ -9845,7 +9845,7 @@
               <a:t>Windows: </a:t>
             </a:r>
             <a:r>
-              <a:rPr sz="1800">
+              <a:rPr>
                 <a:latin typeface="Courier"/>
               </a:rPr>
               <a:t>Alt + -</a:t>
@@ -9859,17 +9859,17 @@
             </a:r>
           </a:p>
           <a:p>
-            <a:pPr lvl="0" marL="1270000" indent="0">
+            <a:pPr lvl="0" indent="0">
               <a:buNone/>
             </a:pPr>
             <a:r>
-              <a:rPr sz="1800">
+              <a:rPr>
                 <a:latin typeface="Courier"/>
               </a:rPr>
               <a:t>practice &lt;-</a:t>
             </a:r>
             <a:r>
-              <a:rPr sz="1800">
+              <a:rPr>
                 <a:solidFill>
                   <a:srgbClr val="4070A0"/>
                 </a:solidFill>
@@ -9878,7 +9878,7 @@
               <a:t> </a:t>
             </a:r>
             <a:r>
-              <a:rPr sz="1800">
+              <a:rPr>
                 <a:solidFill>
                   <a:srgbClr val="40A070"/>
                 </a:solidFill>
@@ -9887,13 +9887,13 @@
               <a:t>2</a:t>
             </a:r>
             <a:r>
-              <a:rPr sz="1800">
-                <a:latin typeface="Courier"/>
-              </a:rPr>
-              <a:t> </a:t>
-            </a:r>
-            <a:r>
-              <a:rPr sz="1800">
+              <a:rPr>
+                <a:latin typeface="Courier"/>
+              </a:rPr>
+              <a:t> </a:t>
+            </a:r>
+            <a:r>
+              <a:rPr>
                 <a:solidFill>
                   <a:srgbClr val="666666"/>
                 </a:solidFill>
@@ -9902,7 +9902,7 @@
               <a:t>+</a:t>
             </a:r>
             <a:r>
-              <a:rPr sz="1800">
+              <a:rPr>
                 <a:solidFill>
                   <a:srgbClr val="4070A0"/>
                 </a:solidFill>
@@ -9911,7 +9911,7 @@
               <a:t> </a:t>
             </a:r>
             <a:r>
-              <a:rPr sz="1800">
+              <a:rPr>
                 <a:solidFill>
                   <a:srgbClr val="40A070"/>
                 </a:solidFill>
@@ -9920,13 +9920,13 @@
               <a:t>2</a:t>
             </a:r>
             <a:r>
-              <a:rPr sz="1800">
-                <a:latin typeface="Courier"/>
-              </a:rPr>
-              <a:t> </a:t>
-            </a:r>
-            <a:r>
-              <a:rPr sz="1800">
+              <a:rPr>
+                <a:latin typeface="Courier"/>
+              </a:rPr>
+              <a:t> </a:t>
+            </a:r>
+            <a:r>
+              <a:rPr>
                 <a:solidFill>
                   <a:srgbClr val="666666"/>
                 </a:solidFill>
@@ -9935,7 +9935,7 @@
               <a:t>+</a:t>
             </a:r>
             <a:r>
-              <a:rPr sz="1800">
+              <a:rPr>
                 <a:solidFill>
                   <a:srgbClr val="4070A0"/>
                 </a:solidFill>
@@ -9944,7 +9944,7 @@
               <a:t> </a:t>
             </a:r>
             <a:r>
-              <a:rPr sz="1800">
+              <a:rPr>
                 <a:solidFill>
                   <a:srgbClr val="40A070"/>
                 </a:solidFill>
@@ -9954,18 +9954,18 @@
             </a:r>
             <a:br/>
             <a:r>
-              <a:rPr sz="1800">
+              <a:rPr>
                 <a:latin typeface="Courier"/>
               </a:rPr>
               <a:t>practice</a:t>
             </a:r>
           </a:p>
           <a:p>
-            <a:pPr lvl="0" marL="1270000" indent="0">
+            <a:pPr lvl="0" indent="0">
               <a:buNone/>
             </a:pPr>
             <a:r>
-              <a:rPr sz="1800">
+              <a:rPr>
                 <a:latin typeface="Courier"/>
               </a:rPr>
               <a:t>## [1] 10</a:t>
@@ -10069,17 +10069,17 @@
             </a:r>
           </a:p>
           <a:p>
-            <a:pPr lvl="0" marL="1270000" indent="0">
+            <a:pPr lvl="0" indent="0">
               <a:buNone/>
             </a:pPr>
             <a:r>
-              <a:rPr sz="1800">
+              <a:rPr>
                 <a:latin typeface="Courier"/>
               </a:rPr>
               <a:t>say_hello &lt;-</a:t>
             </a:r>
             <a:r>
-              <a:rPr sz="1800">
+              <a:rPr>
                 <a:solidFill>
                   <a:srgbClr val="4070A0"/>
                 </a:solidFill>
@@ -10089,18 +10089,18 @@
             </a:r>
             <a:br/>
             <a:r>
-              <a:rPr sz="1800">
+              <a:rPr>
                 <a:latin typeface="Courier"/>
               </a:rPr>
               <a:t>say_hello</a:t>
             </a:r>
           </a:p>
           <a:p>
-            <a:pPr lvl="0" marL="1270000" indent="0">
+            <a:pPr lvl="0" indent="0">
               <a:buNone/>
             </a:pPr>
             <a:r>
-              <a:rPr sz="1800">
+              <a:rPr>
                 <a:latin typeface="Courier"/>
               </a:rPr>
               <a:t>## [1] "hello"</a:t>
@@ -10114,17 +10114,17 @@
             </a:r>
           </a:p>
           <a:p>
-            <a:pPr lvl="0" marL="1270000" indent="0">
+            <a:pPr lvl="0" indent="0">
               <a:buNone/>
             </a:pPr>
             <a:r>
-              <a:rPr sz="1800">
+              <a:rPr>
                 <a:latin typeface="Courier"/>
               </a:rPr>
               <a:t>say hello &lt;-</a:t>
             </a:r>
             <a:r>
-              <a:rPr sz="1800">
+              <a:rPr>
                 <a:solidFill>
                   <a:srgbClr val="4070A0"/>
                 </a:solidFill>
@@ -10134,11 +10134,11 @@
             </a:r>
           </a:p>
           <a:p>
-            <a:pPr lvl="0" marL="1270000" indent="0">
+            <a:pPr lvl="0" indent="0">
               <a:buNone/>
             </a:pPr>
             <a:r>
-              <a:rPr sz="1800">
+              <a:rPr>
                 <a:latin typeface="Courier"/>
               </a:rPr>
               <a:t>## Error: &lt;text&gt;:1:5: unexpected symbol
@@ -10346,11 +10346,11 @@
             </a:r>
           </a:p>
           <a:p>
-            <a:pPr lvl="0" marL="1270000" indent="0">
+            <a:pPr lvl="1" indent="0">
               <a:buNone/>
             </a:pPr>
             <a:r>
-              <a:rPr sz="1800">
+              <a:rPr>
                 <a:latin typeface="Courier"/>
               </a:rPr>
               <a:t>## [1] 50 25 32 67 46 19 48</a:t>
@@ -10364,11 +10364,11 @@
             </a:r>
           </a:p>
           <a:p>
-            <a:pPr lvl="0" marL="1270000" indent="0">
+            <a:pPr lvl="1" indent="0">
               <a:buNone/>
             </a:pPr>
             <a:r>
-              <a:rPr sz="1800">
+              <a:rPr>
                 <a:latin typeface="Courier"/>
               </a:rPr>
               <a:t>## [1] 37.5 37.1 37.3 38.3 37.4 38.9</a:t>
@@ -10382,11 +10382,11 @@
             </a:r>
           </a:p>
           <a:p>
-            <a:pPr lvl="0" marL="1270000" indent="0">
+            <a:pPr lvl="1" indent="0">
               <a:buNone/>
             </a:pPr>
             <a:r>
-              <a:rPr sz="1800">
+              <a:rPr>
                 <a:latin typeface="Courier"/>
               </a:rPr>
               <a:t>## [1] "Adam"  "Sally" "Eve"   "John"  "James"</a:t>
@@ -10400,11 +10400,11 @@
             </a:r>
           </a:p>
           <a:p>
-            <a:pPr lvl="0" marL="1270000" indent="0">
+            <a:pPr lvl="1" indent="0">
               <a:buNone/>
             </a:pPr>
             <a:r>
-              <a:rPr sz="1800">
+              <a:rPr>
                 <a:latin typeface="Courier"/>
               </a:rPr>
               <a:t>## [1]  TRUE FALSE FALSE  TRUE  TRUE</a:t>
@@ -10417,7 +10417,7 @@
               <a:t>You can always check the data type in a vector using the function </a:t>
             </a:r>
             <a:r>
-              <a:rPr sz="1800">
+              <a:rPr>
                 <a:latin typeface="Courier"/>
               </a:rPr>
               <a:t>class()</a:t>
@@ -10428,17 +10428,17 @@
             </a:r>
           </a:p>
           <a:p>
-            <a:pPr lvl="0" marL="1270000" indent="0">
+            <a:pPr lvl="0" indent="0">
               <a:buNone/>
             </a:pPr>
             <a:r>
-              <a:rPr sz="1800">
+              <a:rPr>
                 <a:latin typeface="Courier"/>
               </a:rPr>
               <a:t>logical_vector &lt;-</a:t>
             </a:r>
             <a:r>
-              <a:rPr sz="1800">
+              <a:rPr>
                 <a:solidFill>
                   <a:srgbClr val="4070A0"/>
                 </a:solidFill>
@@ -10447,7 +10447,7 @@
               <a:t> </a:t>
             </a:r>
             <a:r>
-              <a:rPr sz="1800" b="1">
+              <a:rPr b="1">
                 <a:solidFill>
                   <a:srgbClr val="007020"/>
                 </a:solidFill>
@@ -10456,13 +10456,13 @@
               <a:t>c</a:t>
             </a:r>
             <a:r>
-              <a:rPr sz="1800">
+              <a:rPr>
                 <a:latin typeface="Courier"/>
               </a:rPr>
               <a:t>(</a:t>
             </a:r>
             <a:r>
-              <a:rPr sz="1800">
+              <a:rPr>
                 <a:solidFill>
                   <a:srgbClr val="007020"/>
                 </a:solidFill>
@@ -10471,13 +10471,13 @@
               <a:t>TRUE</a:t>
             </a:r>
             <a:r>
-              <a:rPr sz="1800">
+              <a:rPr>
                 <a:latin typeface="Courier"/>
               </a:rPr>
               <a:t>, </a:t>
             </a:r>
             <a:r>
-              <a:rPr sz="1800">
+              <a:rPr>
                 <a:solidFill>
                   <a:srgbClr val="007020"/>
                 </a:solidFill>
@@ -10486,13 +10486,13 @@
               <a:t>FALSE</a:t>
             </a:r>
             <a:r>
-              <a:rPr sz="1800">
+              <a:rPr>
                 <a:latin typeface="Courier"/>
               </a:rPr>
               <a:t>, </a:t>
             </a:r>
             <a:r>
-              <a:rPr sz="1800">
+              <a:rPr>
                 <a:solidFill>
                   <a:srgbClr val="007020"/>
                 </a:solidFill>
@@ -10501,13 +10501,13 @@
               <a:t>FALSE</a:t>
             </a:r>
             <a:r>
-              <a:rPr sz="1800">
+              <a:rPr>
                 <a:latin typeface="Courier"/>
               </a:rPr>
               <a:t>, </a:t>
             </a:r>
             <a:r>
-              <a:rPr sz="1800">
+              <a:rPr>
                 <a:solidFill>
                   <a:srgbClr val="007020"/>
                 </a:solidFill>
@@ -10516,13 +10516,13 @@
               <a:t>TRUE</a:t>
             </a:r>
             <a:r>
-              <a:rPr sz="1800">
+              <a:rPr>
                 <a:latin typeface="Courier"/>
               </a:rPr>
               <a:t>, </a:t>
             </a:r>
             <a:r>
-              <a:rPr sz="1800">
+              <a:rPr>
                 <a:solidFill>
                   <a:srgbClr val="007020"/>
                 </a:solidFill>
@@ -10531,14 +10531,14 @@
               <a:t>TRUE</a:t>
             </a:r>
             <a:r>
-              <a:rPr sz="1800">
+              <a:rPr>
                 <a:latin typeface="Courier"/>
               </a:rPr>
               <a:t>)</a:t>
             </a:r>
             <a:br/>
             <a:r>
-              <a:rPr sz="1800" b="1">
+              <a:rPr b="1">
                 <a:solidFill>
                   <a:srgbClr val="007020"/>
                 </a:solidFill>
@@ -10547,18 +10547,18 @@
               <a:t>class</a:t>
             </a:r>
             <a:r>
-              <a:rPr sz="1800">
+              <a:rPr>
                 <a:latin typeface="Courier"/>
               </a:rPr>
               <a:t>(logical_vector)</a:t>
             </a:r>
           </a:p>
           <a:p>
-            <a:pPr lvl="0" marL="1270000" indent="0">
+            <a:pPr lvl="0" indent="0">
               <a:buNone/>
             </a:pPr>
             <a:r>
-              <a:rPr sz="1800">
+              <a:rPr>
                 <a:latin typeface="Courier"/>
               </a:rPr>
               <a:t>## [1] "logical"</a:t>
@@ -10656,7 +10656,7 @@
               <a:t>The </a:t>
             </a:r>
             <a:r>
-              <a:rPr sz="1800">
+              <a:rPr>
                 <a:latin typeface="Courier"/>
               </a:rPr>
               <a:t>c()</a:t>
@@ -10667,11 +10667,11 @@
             </a:r>
           </a:p>
           <a:p>
-            <a:pPr lvl="0" marL="1270000" indent="0">
+            <a:pPr lvl="0" indent="0">
               <a:buNone/>
             </a:pPr>
             <a:r>
-              <a:rPr sz="1800" i="1">
+              <a:rPr i="1">
                 <a:solidFill>
                   <a:srgbClr val="60A0B0"/>
                 </a:solidFill>
@@ -10681,13 +10681,13 @@
             </a:r>
             <a:br/>
             <a:r>
-              <a:rPr sz="1800">
+              <a:rPr>
                 <a:latin typeface="Courier"/>
               </a:rPr>
               <a:t>age &lt;-</a:t>
             </a:r>
             <a:r>
-              <a:rPr sz="1800">
+              <a:rPr>
                 <a:solidFill>
                   <a:srgbClr val="4070A0"/>
                 </a:solidFill>
@@ -10696,7 +10696,7 @@
               <a:t> </a:t>
             </a:r>
             <a:r>
-              <a:rPr sz="1800" b="1">
+              <a:rPr b="1">
                 <a:solidFill>
                   <a:srgbClr val="007020"/>
                 </a:solidFill>
@@ -10705,13 +10705,13 @@
               <a:t>c</a:t>
             </a:r>
             <a:r>
-              <a:rPr sz="1800">
+              <a:rPr>
                 <a:latin typeface="Courier"/>
               </a:rPr>
               <a:t>(</a:t>
             </a:r>
             <a:r>
-              <a:rPr sz="1800">
+              <a:rPr>
                 <a:solidFill>
                   <a:srgbClr val="40A070"/>
                 </a:solidFill>
@@ -10720,13 +10720,13 @@
               <a:t>50</a:t>
             </a:r>
             <a:r>
-              <a:rPr sz="1800">
+              <a:rPr>
                 <a:latin typeface="Courier"/>
               </a:rPr>
               <a:t>, </a:t>
             </a:r>
             <a:r>
-              <a:rPr sz="1800">
+              <a:rPr>
                 <a:solidFill>
                   <a:srgbClr val="40A070"/>
                 </a:solidFill>
@@ -10735,13 +10735,13 @@
               <a:t>25</a:t>
             </a:r>
             <a:r>
-              <a:rPr sz="1800">
+              <a:rPr>
                 <a:latin typeface="Courier"/>
               </a:rPr>
               <a:t>, </a:t>
             </a:r>
             <a:r>
-              <a:rPr sz="1800">
+              <a:rPr>
                 <a:solidFill>
                   <a:srgbClr val="40A070"/>
                 </a:solidFill>
@@ -10750,13 +10750,13 @@
               <a:t>32</a:t>
             </a:r>
             <a:r>
-              <a:rPr sz="1800">
+              <a:rPr>
                 <a:latin typeface="Courier"/>
               </a:rPr>
               <a:t>, </a:t>
             </a:r>
             <a:r>
-              <a:rPr sz="1800">
+              <a:rPr>
                 <a:solidFill>
                   <a:srgbClr val="40A070"/>
                 </a:solidFill>
@@ -10765,13 +10765,13 @@
               <a:t>67</a:t>
             </a:r>
             <a:r>
-              <a:rPr sz="1800">
+              <a:rPr>
                 <a:latin typeface="Courier"/>
               </a:rPr>
               <a:t>, </a:t>
             </a:r>
             <a:r>
-              <a:rPr sz="1800">
+              <a:rPr>
                 <a:solidFill>
                   <a:srgbClr val="40A070"/>
                 </a:solidFill>
@@ -10780,13 +10780,13 @@
               <a:t>46</a:t>
             </a:r>
             <a:r>
-              <a:rPr sz="1800">
+              <a:rPr>
                 <a:latin typeface="Courier"/>
               </a:rPr>
               <a:t>, </a:t>
             </a:r>
             <a:r>
-              <a:rPr sz="1800">
+              <a:rPr>
                 <a:solidFill>
                   <a:srgbClr val="40A070"/>
                 </a:solidFill>
@@ -10795,36 +10795,36 @@
               <a:t>19</a:t>
             </a:r>
             <a:r>
-              <a:rPr sz="1800">
+              <a:rPr>
                 <a:latin typeface="Courier"/>
               </a:rPr>
               <a:t>)</a:t>
             </a:r>
             <a:br/>
             <a:r>
-              <a:rPr sz="1800">
+              <a:rPr>
                 <a:latin typeface="Courier"/>
               </a:rPr>
               <a:t>age</a:t>
             </a:r>
           </a:p>
           <a:p>
-            <a:pPr lvl="0" marL="1270000" indent="0">
+            <a:pPr lvl="0" indent="0">
               <a:buNone/>
             </a:pPr>
             <a:r>
-              <a:rPr sz="1800">
+              <a:rPr>
                 <a:latin typeface="Courier"/>
               </a:rPr>
               <a:t>## [1] 50 25 32 67 46 19</a:t>
             </a:r>
           </a:p>
           <a:p>
-            <a:pPr lvl="0" marL="1270000" indent="0">
+            <a:pPr lvl="0" indent="0">
               <a:buNone/>
             </a:pPr>
             <a:r>
-              <a:rPr sz="1800" i="1">
+              <a:rPr i="1">
                 <a:solidFill>
                   <a:srgbClr val="60A0B0"/>
                 </a:solidFill>
@@ -10834,13 +10834,13 @@
             </a:r>
             <a:br/>
             <a:r>
-              <a:rPr sz="1800">
+              <a:rPr>
                 <a:latin typeface="Courier"/>
               </a:rPr>
               <a:t>name &lt;-</a:t>
             </a:r>
             <a:r>
-              <a:rPr sz="1800">
+              <a:rPr>
                 <a:solidFill>
                   <a:srgbClr val="4070A0"/>
                 </a:solidFill>
@@ -10849,7 +10849,7 @@
               <a:t> </a:t>
             </a:r>
             <a:r>
-              <a:rPr sz="1800" b="1">
+              <a:rPr b="1">
                 <a:solidFill>
                   <a:srgbClr val="007020"/>
                 </a:solidFill>
@@ -10858,13 +10858,13 @@
               <a:t>c</a:t>
             </a:r>
             <a:r>
-              <a:rPr sz="1800">
+              <a:rPr>
                 <a:latin typeface="Courier"/>
               </a:rPr>
               <a:t>(</a:t>
             </a:r>
             <a:r>
-              <a:rPr sz="1800">
+              <a:rPr>
                 <a:solidFill>
                   <a:srgbClr val="4070A0"/>
                 </a:solidFill>
@@ -10873,13 +10873,13 @@
               <a:t>"Adam"</a:t>
             </a:r>
             <a:r>
-              <a:rPr sz="1800">
+              <a:rPr>
                 <a:latin typeface="Courier"/>
               </a:rPr>
               <a:t>, </a:t>
             </a:r>
             <a:r>
-              <a:rPr sz="1800">
+              <a:rPr>
                 <a:solidFill>
                   <a:srgbClr val="4070A0"/>
                 </a:solidFill>
@@ -10888,13 +10888,13 @@
               <a:t>"Sally"</a:t>
             </a:r>
             <a:r>
-              <a:rPr sz="1800">
+              <a:rPr>
                 <a:latin typeface="Courier"/>
               </a:rPr>
               <a:t>, </a:t>
             </a:r>
             <a:r>
-              <a:rPr sz="1800">
+              <a:rPr>
                 <a:solidFill>
                   <a:srgbClr val="4070A0"/>
                 </a:solidFill>
@@ -10903,13 +10903,13 @@
               <a:t>"Eve"</a:t>
             </a:r>
             <a:r>
-              <a:rPr sz="1800">
+              <a:rPr>
                 <a:latin typeface="Courier"/>
               </a:rPr>
               <a:t>, </a:t>
             </a:r>
             <a:r>
-              <a:rPr sz="1800">
+              <a:rPr>
                 <a:solidFill>
                   <a:srgbClr val="4070A0"/>
                 </a:solidFill>
@@ -10918,13 +10918,13 @@
               <a:t>"John"</a:t>
             </a:r>
             <a:r>
-              <a:rPr sz="1800">
+              <a:rPr>
                 <a:latin typeface="Courier"/>
               </a:rPr>
               <a:t>, </a:t>
             </a:r>
             <a:r>
-              <a:rPr sz="1800">
+              <a:rPr>
                 <a:solidFill>
                   <a:srgbClr val="4070A0"/>
                 </a:solidFill>
@@ -10933,13 +10933,13 @@
               <a:t>"James"</a:t>
             </a:r>
             <a:r>
-              <a:rPr sz="1800">
+              <a:rPr>
                 <a:latin typeface="Courier"/>
               </a:rPr>
               <a:t>, </a:t>
             </a:r>
             <a:r>
-              <a:rPr sz="1800">
+              <a:rPr>
                 <a:solidFill>
                   <a:srgbClr val="4070A0"/>
                 </a:solidFill>
@@ -10948,25 +10948,25 @@
               <a:t>"Jennifer"</a:t>
             </a:r>
             <a:r>
-              <a:rPr sz="1800">
+              <a:rPr>
                 <a:latin typeface="Courier"/>
               </a:rPr>
               <a:t>)</a:t>
             </a:r>
             <a:br/>
             <a:r>
-              <a:rPr sz="1800">
+              <a:rPr>
                 <a:latin typeface="Courier"/>
               </a:rPr>
               <a:t>name</a:t>
             </a:r>
           </a:p>
           <a:p>
-            <a:pPr lvl="0" marL="1270000" indent="0">
+            <a:pPr lvl="0" indent="0">
               <a:buNone/>
             </a:pPr>
             <a:r>
-              <a:rPr sz="1800">
+              <a:rPr>
                 <a:latin typeface="Courier"/>
               </a:rPr>
               <a:t>## [1] "Adam"     "Sally"    "Eve"      "John"     "James"    "Jennifer"</a:t>
@@ -11093,7 +11093,7 @@
               <a:t>It allocates a number to each element within the vector from left to right, starting with </a:t>
             </a:r>
             <a:r>
-              <a:rPr sz="1800">
+              <a:rPr>
                 <a:latin typeface="Courier"/>
               </a:rPr>
               <a:t>1</a:t>
@@ -11104,11 +11104,11 @@
             </a:r>
           </a:p>
           <a:p>
-            <a:pPr lvl="0" marL="1270000" indent="0">
+            <a:pPr lvl="0" indent="0">
               <a:buNone/>
             </a:pPr>
             <a:r>
-              <a:rPr sz="1800" i="1">
+              <a:rPr i="1">
                 <a:solidFill>
                   <a:srgbClr val="60A0B0"/>
                 </a:solidFill>
@@ -11118,13 +11118,13 @@
             </a:r>
             <a:br/>
             <a:r>
-              <a:rPr sz="1800">
+              <a:rPr>
                 <a:latin typeface="Courier"/>
               </a:rPr>
               <a:t>age[</a:t>
             </a:r>
             <a:r>
-              <a:rPr sz="1800">
+              <a:rPr>
                 <a:solidFill>
                   <a:srgbClr val="40A070"/>
                 </a:solidFill>
@@ -11133,29 +11133,29 @@
               <a:t>2</a:t>
             </a:r>
             <a:r>
-              <a:rPr sz="1800">
+              <a:rPr>
                 <a:latin typeface="Courier"/>
               </a:rPr>
               <a:t>]</a:t>
             </a:r>
           </a:p>
           <a:p>
-            <a:pPr lvl="0" marL="1270000" indent="0">
+            <a:pPr lvl="0" indent="0">
               <a:buNone/>
             </a:pPr>
             <a:r>
-              <a:rPr sz="1800">
+              <a:rPr>
                 <a:latin typeface="Courier"/>
               </a:rPr>
               <a:t>## [1] 25</a:t>
             </a:r>
           </a:p>
           <a:p>
-            <a:pPr lvl="0" marL="1270000" indent="0">
+            <a:pPr lvl="0" indent="0">
               <a:buNone/>
             </a:pPr>
             <a:r>
-              <a:rPr sz="1800" i="1">
+              <a:rPr i="1">
                 <a:solidFill>
                   <a:srgbClr val="60A0B0"/>
                 </a:solidFill>
@@ -11165,13 +11165,13 @@
             </a:r>
             <a:br/>
             <a:r>
-              <a:rPr sz="1800">
+              <a:rPr>
                 <a:latin typeface="Courier"/>
               </a:rPr>
               <a:t>age[</a:t>
             </a:r>
             <a:r>
-              <a:rPr sz="1800">
+              <a:rPr>
                 <a:solidFill>
                   <a:srgbClr val="40A070"/>
                 </a:solidFill>
@@ -11180,29 +11180,29 @@
               <a:t>4</a:t>
             </a:r>
             <a:r>
-              <a:rPr sz="1800">
+              <a:rPr>
                 <a:latin typeface="Courier"/>
               </a:rPr>
               <a:t>]</a:t>
             </a:r>
           </a:p>
           <a:p>
-            <a:pPr lvl="0" marL="1270000" indent="0">
+            <a:pPr lvl="0" indent="0">
               <a:buNone/>
             </a:pPr>
             <a:r>
-              <a:rPr sz="1800">
+              <a:rPr>
                 <a:latin typeface="Courier"/>
               </a:rPr>
               <a:t>## [1] 67</a:t>
             </a:r>
           </a:p>
           <a:p>
-            <a:pPr lvl="0" marL="1270000" indent="0">
+            <a:pPr lvl="0" indent="0">
               <a:buNone/>
             </a:pPr>
             <a:r>
-              <a:rPr sz="1800" i="1">
+              <a:rPr i="1">
                 <a:solidFill>
                   <a:srgbClr val="60A0B0"/>
                 </a:solidFill>
@@ -11212,13 +11212,13 @@
             </a:r>
             <a:br/>
             <a:r>
-              <a:rPr sz="1800">
+              <a:rPr>
                 <a:latin typeface="Courier"/>
               </a:rPr>
               <a:t>name[</a:t>
             </a:r>
             <a:r>
-              <a:rPr sz="1800">
+              <a:rPr>
                 <a:solidFill>
                   <a:srgbClr val="40A070"/>
                 </a:solidFill>
@@ -11227,18 +11227,18 @@
               <a:t>5</a:t>
             </a:r>
             <a:r>
-              <a:rPr sz="1800">
+              <a:rPr>
                 <a:latin typeface="Courier"/>
               </a:rPr>
               <a:t>]</a:t>
             </a:r>
           </a:p>
           <a:p>
-            <a:pPr lvl="0" marL="1270000" indent="0">
+            <a:pPr lvl="0" indent="0">
               <a:buNone/>
             </a:pPr>
             <a:r>
-              <a:rPr sz="1800">
+              <a:rPr>
                 <a:latin typeface="Courier"/>
               </a:rPr>
               <a:t>## [1] "James"</a:t>
@@ -11335,11 +11335,11 @@
             </a:r>
           </a:p>
           <a:p>
-            <a:pPr lvl="0" marL="1270000" indent="0">
+            <a:pPr lvl="0" indent="0">
               <a:buNone/>
             </a:pPr>
             <a:r>
-              <a:rPr sz="1800">
+              <a:rPr>
                 <a:latin typeface="Courier"/>
               </a:rPr>
               <a:t>##       name age gender
@@ -11497,7 +11497,7 @@
           <a:p>
             <a:pPr lvl="2"/>
             <a:r>
-              <a:rPr sz="1800">
+              <a:rPr>
                 <a:latin typeface="Courier"/>
               </a:rPr>
               <a:t>Name: "Adam", "Sally", "Eve", "John", "James", "Jennifer"</a:t>
@@ -11506,7 +11506,7 @@
           <a:p>
             <a:pPr lvl="2"/>
             <a:r>
-              <a:rPr sz="1800">
+              <a:rPr>
                 <a:latin typeface="Courier"/>
               </a:rPr>
               <a:t>Age: 50, 25, 32, 67, 46, 19</a:t>
@@ -11515,7 +11515,7 @@
           <a:p>
             <a:pPr lvl="2"/>
             <a:r>
-              <a:rPr sz="1800">
+              <a:rPr>
                 <a:latin typeface="Courier"/>
               </a:rPr>
               <a:t>Gender: "male", "female", "female", "male", "male", "female"</a:t>
@@ -11800,7 +11800,7 @@
               <a:t>Combine these vectors into a data frame using </a:t>
             </a:r>
             <a:r>
-              <a:rPr sz="1800">
+              <a:rPr>
                 <a:latin typeface="Courier"/>
               </a:rPr>
               <a:t>data.frame()</a:t>
@@ -11817,7 +11817,7 @@
               <a:t>Hint, the vector names need to go inside the </a:t>
             </a:r>
             <a:r>
-              <a:rPr sz="1800">
+              <a:rPr>
                 <a:latin typeface="Courier"/>
               </a:rPr>
               <a:t>()</a:t>
@@ -11834,7 +11834,7 @@
               <a:t>Save the data frame under the name </a:t>
             </a:r>
             <a:r>
-              <a:rPr sz="1800">
+              <a:rPr>
                 <a:latin typeface="Courier"/>
               </a:rPr>
               <a:t>patients</a:t>
@@ -11851,7 +11851,7 @@
               <a:t>Print the data frame called </a:t>
             </a:r>
             <a:r>
-              <a:rPr sz="1800">
+              <a:rPr>
                 <a:latin typeface="Courier"/>
               </a:rPr>
               <a:t>patients</a:t>
@@ -11977,11 +11977,11 @@
           <a:bodyPr/>
           <a:lstStyle/>
           <a:p>
-            <a:pPr lvl="0" marL="1270000" indent="0">
+            <a:pPr lvl="0" indent="0">
               <a:buNone/>
             </a:pPr>
             <a:r>
-              <a:rPr sz="1800" i="1">
+              <a:rPr i="1">
                 <a:solidFill>
                   <a:srgbClr val="60A0B0"/>
                 </a:solidFill>
@@ -11992,13 +11992,13 @@
             <a:br/>
             <a:br/>
             <a:r>
-              <a:rPr sz="1800">
+              <a:rPr>
                 <a:latin typeface="Courier"/>
               </a:rPr>
               <a:t>name &lt;-</a:t>
             </a:r>
             <a:r>
-              <a:rPr sz="1800">
+              <a:rPr>
                 <a:solidFill>
                   <a:srgbClr val="4070A0"/>
                 </a:solidFill>
@@ -12007,7 +12007,7 @@
               <a:t> </a:t>
             </a:r>
             <a:r>
-              <a:rPr sz="1800" b="1">
+              <a:rPr b="1">
                 <a:solidFill>
                   <a:srgbClr val="007020"/>
                 </a:solidFill>
@@ -12016,13 +12016,13 @@
               <a:t>c</a:t>
             </a:r>
             <a:r>
-              <a:rPr sz="1800">
+              <a:rPr>
                 <a:latin typeface="Courier"/>
               </a:rPr>
               <a:t>(</a:t>
             </a:r>
             <a:r>
-              <a:rPr sz="1800">
+              <a:rPr>
                 <a:solidFill>
                   <a:srgbClr val="4070A0"/>
                 </a:solidFill>
@@ -12031,13 +12031,13 @@
               <a:t>"Adam"</a:t>
             </a:r>
             <a:r>
-              <a:rPr sz="1800">
+              <a:rPr>
                 <a:latin typeface="Courier"/>
               </a:rPr>
               <a:t>, </a:t>
             </a:r>
             <a:r>
-              <a:rPr sz="1800">
+              <a:rPr>
                 <a:solidFill>
                   <a:srgbClr val="4070A0"/>
                 </a:solidFill>
@@ -12046,13 +12046,13 @@
               <a:t>"Sally"</a:t>
             </a:r>
             <a:r>
-              <a:rPr sz="1800">
+              <a:rPr>
                 <a:latin typeface="Courier"/>
               </a:rPr>
               <a:t>, </a:t>
             </a:r>
             <a:r>
-              <a:rPr sz="1800">
+              <a:rPr>
                 <a:solidFill>
                   <a:srgbClr val="4070A0"/>
                 </a:solidFill>
@@ -12061,13 +12061,13 @@
               <a:t>"Eve"</a:t>
             </a:r>
             <a:r>
-              <a:rPr sz="1800">
+              <a:rPr>
                 <a:latin typeface="Courier"/>
               </a:rPr>
               <a:t>, </a:t>
             </a:r>
             <a:r>
-              <a:rPr sz="1800">
+              <a:rPr>
                 <a:solidFill>
                   <a:srgbClr val="4070A0"/>
                 </a:solidFill>
@@ -12076,13 +12076,13 @@
               <a:t>"John"</a:t>
             </a:r>
             <a:r>
-              <a:rPr sz="1800">
+              <a:rPr>
                 <a:latin typeface="Courier"/>
               </a:rPr>
               <a:t>, </a:t>
             </a:r>
             <a:r>
-              <a:rPr sz="1800">
+              <a:rPr>
                 <a:solidFill>
                   <a:srgbClr val="4070A0"/>
                 </a:solidFill>
@@ -12091,13 +12091,13 @@
               <a:t>"James"</a:t>
             </a:r>
             <a:r>
-              <a:rPr sz="1800">
+              <a:rPr>
                 <a:latin typeface="Courier"/>
               </a:rPr>
               <a:t>, </a:t>
             </a:r>
             <a:r>
-              <a:rPr sz="1800">
+              <a:rPr>
                 <a:solidFill>
                   <a:srgbClr val="4070A0"/>
                 </a:solidFill>
@@ -12106,20 +12106,20 @@
               <a:t>"Jennifer"</a:t>
             </a:r>
             <a:r>
-              <a:rPr sz="1800">
+              <a:rPr>
                 <a:latin typeface="Courier"/>
               </a:rPr>
               <a:t>)</a:t>
             </a:r>
             <a:br/>
             <a:r>
-              <a:rPr sz="1800">
+              <a:rPr>
                 <a:latin typeface="Courier"/>
               </a:rPr>
               <a:t>age &lt;-</a:t>
             </a:r>
             <a:r>
-              <a:rPr sz="1800">
+              <a:rPr>
                 <a:solidFill>
                   <a:srgbClr val="4070A0"/>
                 </a:solidFill>
@@ -12128,7 +12128,7 @@
               <a:t> </a:t>
             </a:r>
             <a:r>
-              <a:rPr sz="1800" b="1">
+              <a:rPr b="1">
                 <a:solidFill>
                   <a:srgbClr val="007020"/>
                 </a:solidFill>
@@ -12137,13 +12137,13 @@
               <a:t>c</a:t>
             </a:r>
             <a:r>
-              <a:rPr sz="1800">
+              <a:rPr>
                 <a:latin typeface="Courier"/>
               </a:rPr>
               <a:t>(</a:t>
             </a:r>
             <a:r>
-              <a:rPr sz="1800">
+              <a:rPr>
                 <a:solidFill>
                   <a:srgbClr val="40A070"/>
                 </a:solidFill>
@@ -12152,13 +12152,13 @@
               <a:t>50</a:t>
             </a:r>
             <a:r>
-              <a:rPr sz="1800">
+              <a:rPr>
                 <a:latin typeface="Courier"/>
               </a:rPr>
               <a:t>, </a:t>
             </a:r>
             <a:r>
-              <a:rPr sz="1800">
+              <a:rPr>
                 <a:solidFill>
                   <a:srgbClr val="40A070"/>
                 </a:solidFill>
@@ -12167,13 +12167,13 @@
               <a:t>25</a:t>
             </a:r>
             <a:r>
-              <a:rPr sz="1800">
+              <a:rPr>
                 <a:latin typeface="Courier"/>
               </a:rPr>
               <a:t>, </a:t>
             </a:r>
             <a:r>
-              <a:rPr sz="1800">
+              <a:rPr>
                 <a:solidFill>
                   <a:srgbClr val="40A070"/>
                 </a:solidFill>
@@ -12182,13 +12182,13 @@
               <a:t>32</a:t>
             </a:r>
             <a:r>
-              <a:rPr sz="1800">
+              <a:rPr>
                 <a:latin typeface="Courier"/>
               </a:rPr>
               <a:t>, </a:t>
             </a:r>
             <a:r>
-              <a:rPr sz="1800">
+              <a:rPr>
                 <a:solidFill>
                   <a:srgbClr val="40A070"/>
                 </a:solidFill>
@@ -12197,13 +12197,13 @@
               <a:t>67</a:t>
             </a:r>
             <a:r>
-              <a:rPr sz="1800">
+              <a:rPr>
                 <a:latin typeface="Courier"/>
               </a:rPr>
               <a:t>, </a:t>
             </a:r>
             <a:r>
-              <a:rPr sz="1800">
+              <a:rPr>
                 <a:solidFill>
                   <a:srgbClr val="40A070"/>
                 </a:solidFill>
@@ -12212,13 +12212,13 @@
               <a:t>46</a:t>
             </a:r>
             <a:r>
-              <a:rPr sz="1800">
+              <a:rPr>
                 <a:latin typeface="Courier"/>
               </a:rPr>
               <a:t>, </a:t>
             </a:r>
             <a:r>
-              <a:rPr sz="1800">
+              <a:rPr>
                 <a:solidFill>
                   <a:srgbClr val="40A070"/>
                 </a:solidFill>
@@ -12227,20 +12227,20 @@
               <a:t>19</a:t>
             </a:r>
             <a:r>
-              <a:rPr sz="1800">
+              <a:rPr>
                 <a:latin typeface="Courier"/>
               </a:rPr>
               <a:t>)</a:t>
             </a:r>
             <a:br/>
             <a:r>
-              <a:rPr sz="1800">
+              <a:rPr>
                 <a:latin typeface="Courier"/>
               </a:rPr>
               <a:t>gender &lt;-</a:t>
             </a:r>
             <a:r>
-              <a:rPr sz="1800">
+              <a:rPr>
                 <a:solidFill>
                   <a:srgbClr val="4070A0"/>
                 </a:solidFill>
@@ -12249,7 +12249,7 @@
               <a:t> </a:t>
             </a:r>
             <a:r>
-              <a:rPr sz="1800" b="1">
+              <a:rPr b="1">
                 <a:solidFill>
                   <a:srgbClr val="007020"/>
                 </a:solidFill>
@@ -12258,13 +12258,13 @@
               <a:t>c</a:t>
             </a:r>
             <a:r>
-              <a:rPr sz="1800">
+              <a:rPr>
                 <a:latin typeface="Courier"/>
               </a:rPr>
               <a:t>(</a:t>
             </a:r>
             <a:r>
-              <a:rPr sz="1800">
+              <a:rPr>
                 <a:solidFill>
                   <a:srgbClr val="4070A0"/>
                 </a:solidFill>
@@ -12273,13 +12273,13 @@
               <a:t>"male"</a:t>
             </a:r>
             <a:r>
-              <a:rPr sz="1800">
+              <a:rPr>
                 <a:latin typeface="Courier"/>
               </a:rPr>
               <a:t>, </a:t>
             </a:r>
             <a:r>
-              <a:rPr sz="1800">
+              <a:rPr>
                 <a:solidFill>
                   <a:srgbClr val="4070A0"/>
                 </a:solidFill>
@@ -12288,13 +12288,13 @@
               <a:t>"female"</a:t>
             </a:r>
             <a:r>
-              <a:rPr sz="1800">
+              <a:rPr>
                 <a:latin typeface="Courier"/>
               </a:rPr>
               <a:t>, </a:t>
             </a:r>
             <a:r>
-              <a:rPr sz="1800">
+              <a:rPr>
                 <a:solidFill>
                   <a:srgbClr val="4070A0"/>
                 </a:solidFill>
@@ -12303,13 +12303,13 @@
               <a:t>"female"</a:t>
             </a:r>
             <a:r>
-              <a:rPr sz="1800">
+              <a:rPr>
                 <a:latin typeface="Courier"/>
               </a:rPr>
               <a:t>, </a:t>
             </a:r>
             <a:r>
-              <a:rPr sz="1800">
+              <a:rPr>
                 <a:solidFill>
                   <a:srgbClr val="4070A0"/>
                 </a:solidFill>
@@ -12318,13 +12318,13 @@
               <a:t>"male"</a:t>
             </a:r>
             <a:r>
-              <a:rPr sz="1800">
+              <a:rPr>
                 <a:latin typeface="Courier"/>
               </a:rPr>
               <a:t>, </a:t>
             </a:r>
             <a:r>
-              <a:rPr sz="1800">
+              <a:rPr>
                 <a:solidFill>
                   <a:srgbClr val="4070A0"/>
                 </a:solidFill>
@@ -12333,13 +12333,13 @@
               <a:t>"male"</a:t>
             </a:r>
             <a:r>
-              <a:rPr sz="1800">
+              <a:rPr>
                 <a:latin typeface="Courier"/>
               </a:rPr>
               <a:t>, </a:t>
             </a:r>
             <a:r>
-              <a:rPr sz="1800">
+              <a:rPr>
                 <a:solidFill>
                   <a:srgbClr val="4070A0"/>
                 </a:solidFill>
@@ -12348,7 +12348,7 @@
               <a:t>"female"</a:t>
             </a:r>
             <a:r>
-              <a:rPr sz="1800">
+              <a:rPr>
                 <a:latin typeface="Courier"/>
               </a:rPr>
               <a:t>)</a:t>
@@ -12357,7 +12357,7 @@
             <a:br/>
             <a:br/>
             <a:r>
-              <a:rPr sz="1800" i="1">
+              <a:rPr i="1">
                 <a:solidFill>
                   <a:srgbClr val="60A0B0"/>
                 </a:solidFill>
@@ -12368,13 +12368,13 @@
             <a:br/>
             <a:br/>
             <a:r>
-              <a:rPr sz="1800">
+              <a:rPr>
                 <a:latin typeface="Courier"/>
               </a:rPr>
               <a:t>patients &lt;-</a:t>
             </a:r>
             <a:r>
-              <a:rPr sz="1800">
+              <a:rPr>
                 <a:solidFill>
                   <a:srgbClr val="4070A0"/>
                 </a:solidFill>
@@ -12383,7 +12383,7 @@
               <a:t> </a:t>
             </a:r>
             <a:r>
-              <a:rPr sz="1800" b="1">
+              <a:rPr b="1">
                 <a:solidFill>
                   <a:srgbClr val="007020"/>
                 </a:solidFill>
@@ -12392,7 +12392,7 @@
               <a:t>data.frame</a:t>
             </a:r>
             <a:r>
-              <a:rPr sz="1800">
+              <a:rPr>
                 <a:latin typeface="Courier"/>
               </a:rPr>
               <a:t>(name, age, gender)</a:t>
@@ -12506,22 +12506,22 @@
           <a:bodyPr/>
           <a:lstStyle/>
           <a:p>
-            <a:pPr lvl="0" marL="1270000" indent="0">
+            <a:pPr lvl="0" indent="0">
               <a:buNone/>
             </a:pPr>
             <a:r>
-              <a:rPr sz="1800">
+              <a:rPr>
                 <a:latin typeface="Courier"/>
               </a:rPr>
               <a:t>patients</a:t>
             </a:r>
           </a:p>
           <a:p>
-            <a:pPr lvl="0" marL="1270000" indent="0">
+            <a:pPr lvl="0" indent="0">
               <a:buNone/>
             </a:pPr>
             <a:r>
-              <a:rPr sz="1800">
+              <a:rPr>
                 <a:latin typeface="Courier"/>
               </a:rPr>
               <a:t>##       name age gender
@@ -12687,7 +12687,7 @@
           <a:p>
             <a:pPr lvl="1"/>
             <a:r>
-              <a:rPr sz="1800">
+              <a:rPr>
                 <a:latin typeface="Courier"/>
               </a:rPr>
               <a:t>$</a:t>
@@ -12704,7 +12704,7 @@
               <a:t>We can get the </a:t>
             </a:r>
             <a:r>
-              <a:rPr sz="1800">
+              <a:rPr>
                 <a:latin typeface="Courier"/>
               </a:rPr>
               <a:t>age</a:t>
@@ -12714,7 +12714,7 @@
               <a:t> column from the data frame </a:t>
             </a:r>
             <a:r>
-              <a:rPr sz="1800">
+              <a:rPr>
                 <a:latin typeface="Courier"/>
               </a:rPr>
               <a:t>patients</a:t>
@@ -12725,17 +12725,17 @@
             </a:r>
           </a:p>
           <a:p>
-            <a:pPr lvl="0" marL="1270000" indent="0">
+            <a:pPr lvl="0" indent="0">
               <a:buNone/>
             </a:pPr>
             <a:r>
-              <a:rPr sz="1800">
+              <a:rPr>
                 <a:latin typeface="Courier"/>
               </a:rPr>
               <a:t>patients</a:t>
             </a:r>
             <a:r>
-              <a:rPr sz="1800">
+              <a:rPr>
                 <a:solidFill>
                   <a:srgbClr val="666666"/>
                 </a:solidFill>
@@ -12744,18 +12744,18 @@
               <a:t>$</a:t>
             </a:r>
             <a:r>
-              <a:rPr sz="1800">
+              <a:rPr>
                 <a:latin typeface="Courier"/>
               </a:rPr>
               <a:t>age</a:t>
             </a:r>
           </a:p>
           <a:p>
-            <a:pPr lvl="0" marL="1270000" indent="0">
+            <a:pPr lvl="0" indent="0">
               <a:buNone/>
             </a:pPr>
             <a:r>
-              <a:rPr sz="1800">
+              <a:rPr>
                 <a:latin typeface="Courier"/>
               </a:rPr>
               <a:t>## [1] 50 25 32 67 46 19</a:t>
@@ -12888,7 +12888,7 @@
               <a:t>Use </a:t>
             </a:r>
             <a:r>
-              <a:rPr sz="1800">
+              <a:rPr>
                 <a:latin typeface="Courier"/>
               </a:rPr>
               <a:t>str()</a:t>
@@ -12898,7 +12898,7 @@
               <a:t>/</a:t>
             </a:r>
             <a:r>
-              <a:rPr sz="1800">
+              <a:rPr>
                 <a:latin typeface="Courier"/>
               </a:rPr>
               <a:t>class()</a:t>
@@ -13015,17 +13015,17 @@
           <a:bodyPr/>
           <a:lstStyle/>
           <a:p>
-            <a:pPr lvl="0" marL="1270000" indent="0">
+            <a:pPr lvl="0" indent="0">
               <a:buNone/>
             </a:pPr>
             <a:r>
-              <a:rPr sz="1800">
+              <a:rPr>
                 <a:latin typeface="Courier"/>
               </a:rPr>
               <a:t>test &lt;-</a:t>
             </a:r>
             <a:r>
-              <a:rPr sz="1800">
+              <a:rPr>
                 <a:solidFill>
                   <a:srgbClr val="4070A0"/>
                 </a:solidFill>
@@ -13034,7 +13034,7 @@
               <a:t> </a:t>
             </a:r>
             <a:r>
-              <a:rPr sz="1800" b="1">
+              <a:rPr b="1">
                 <a:solidFill>
                   <a:srgbClr val="007020"/>
                 </a:solidFill>
@@ -13043,13 +13043,13 @@
               <a:t>c</a:t>
             </a:r>
             <a:r>
-              <a:rPr sz="1800">
+              <a:rPr>
                 <a:latin typeface="Courier"/>
               </a:rPr>
               <a:t>(</a:t>
             </a:r>
             <a:r>
-              <a:rPr sz="1800">
+              <a:rPr>
                 <a:solidFill>
                   <a:srgbClr val="40A070"/>
                 </a:solidFill>
@@ -13058,13 +13058,13 @@
               <a:t>1</a:t>
             </a:r>
             <a:r>
-              <a:rPr sz="1800">
+              <a:rPr>
                 <a:latin typeface="Courier"/>
               </a:rPr>
               <a:t>, </a:t>
             </a:r>
             <a:r>
-              <a:rPr sz="1800">
+              <a:rPr>
                 <a:solidFill>
                   <a:srgbClr val="40A070"/>
                 </a:solidFill>
@@ -13073,13 +13073,13 @@
               <a:t>2</a:t>
             </a:r>
             <a:r>
-              <a:rPr sz="1800">
+              <a:rPr>
                 <a:latin typeface="Courier"/>
               </a:rPr>
               <a:t>, </a:t>
             </a:r>
             <a:r>
-              <a:rPr sz="1800">
+              <a:rPr>
                 <a:solidFill>
                   <a:srgbClr val="40A070"/>
                 </a:solidFill>
@@ -13088,13 +13088,13 @@
               <a:t>3</a:t>
             </a:r>
             <a:r>
-              <a:rPr sz="1800">
+              <a:rPr>
                 <a:latin typeface="Courier"/>
               </a:rPr>
               <a:t>, </a:t>
             </a:r>
             <a:r>
-              <a:rPr sz="1800">
+              <a:rPr>
                 <a:solidFill>
                   <a:srgbClr val="40A070"/>
                 </a:solidFill>
@@ -13103,13 +13103,13 @@
               <a:t>4</a:t>
             </a:r>
             <a:r>
-              <a:rPr sz="1800">
+              <a:rPr>
                 <a:latin typeface="Courier"/>
               </a:rPr>
               <a:t>, </a:t>
             </a:r>
             <a:r>
-              <a:rPr sz="1800">
+              <a:rPr>
                 <a:solidFill>
                   <a:srgbClr val="007020"/>
                 </a:solidFill>
@@ -13118,36 +13118,36 @@
               <a:t>TRUE</a:t>
             </a:r>
             <a:r>
-              <a:rPr sz="1800">
+              <a:rPr>
                 <a:latin typeface="Courier"/>
               </a:rPr>
               <a:t>)</a:t>
             </a:r>
             <a:br/>
             <a:r>
-              <a:rPr sz="1800">
+              <a:rPr>
                 <a:latin typeface="Courier"/>
               </a:rPr>
               <a:t>test</a:t>
             </a:r>
           </a:p>
           <a:p>
-            <a:pPr lvl="0" marL="1270000" indent="0">
+            <a:pPr lvl="0" indent="0">
               <a:buNone/>
             </a:pPr>
             <a:r>
-              <a:rPr sz="1800">
+              <a:rPr>
                 <a:latin typeface="Courier"/>
               </a:rPr>
               <a:t>## [1] 1 2 3 4 1</a:t>
             </a:r>
           </a:p>
           <a:p>
-            <a:pPr lvl="0" marL="1270000" indent="0">
+            <a:pPr lvl="0" indent="0">
               <a:buNone/>
             </a:pPr>
             <a:r>
-              <a:rPr sz="1800" b="1">
+              <a:rPr b="1">
                 <a:solidFill>
                   <a:srgbClr val="007020"/>
                 </a:solidFill>
@@ -13156,29 +13156,29 @@
               <a:t>str</a:t>
             </a:r>
             <a:r>
-              <a:rPr sz="1800">
+              <a:rPr>
                 <a:latin typeface="Courier"/>
               </a:rPr>
               <a:t>(test)</a:t>
             </a:r>
           </a:p>
           <a:p>
-            <a:pPr lvl="0" marL="1270000" indent="0">
+            <a:pPr lvl="0" indent="0">
               <a:buNone/>
             </a:pPr>
             <a:r>
-              <a:rPr sz="1800">
+              <a:rPr>
                 <a:latin typeface="Courier"/>
               </a:rPr>
               <a:t>##  num [1:5] 1 2 3 4 1</a:t>
             </a:r>
           </a:p>
           <a:p>
-            <a:pPr lvl="0" marL="1270000" indent="0">
+            <a:pPr lvl="0" indent="0">
               <a:buNone/>
             </a:pPr>
             <a:r>
-              <a:rPr sz="1800" b="1">
+              <a:rPr b="1">
                 <a:solidFill>
                   <a:srgbClr val="007020"/>
                 </a:solidFill>
@@ -13187,18 +13187,18 @@
               <a:t>class</a:t>
             </a:r>
             <a:r>
-              <a:rPr sz="1800">
+              <a:rPr>
                 <a:latin typeface="Courier"/>
               </a:rPr>
               <a:t>(test)</a:t>
             </a:r>
           </a:p>
           <a:p>
-            <a:pPr lvl="0" marL="1270000" indent="0">
+            <a:pPr lvl="0" indent="0">
               <a:buNone/>
             </a:pPr>
             <a:r>
-              <a:rPr sz="1800">
+              <a:rPr>
                 <a:latin typeface="Courier"/>
               </a:rPr>
               <a:t>## [1] "numeric"</a:t>
@@ -13211,7 +13211,7 @@
               <a:t>The value of </a:t>
             </a:r>
             <a:r>
-              <a:rPr sz="1800">
+              <a:rPr>
                 <a:latin typeface="Courier"/>
               </a:rPr>
               <a:t>TRUE</a:t>
@@ -13448,17 +13448,17 @@
           <a:bodyPr/>
           <a:lstStyle/>
           <a:p>
-            <a:pPr lvl="0" marL="1270000" indent="0">
+            <a:pPr lvl="0" indent="0">
               <a:buNone/>
             </a:pPr>
             <a:r>
-              <a:rPr sz="1800">
+              <a:rPr>
                 <a:latin typeface="Courier"/>
               </a:rPr>
               <a:t>test2 &lt;-</a:t>
             </a:r>
             <a:r>
-              <a:rPr sz="1800">
+              <a:rPr>
                 <a:solidFill>
                   <a:srgbClr val="4070A0"/>
                 </a:solidFill>
@@ -13467,7 +13467,7 @@
               <a:t> </a:t>
             </a:r>
             <a:r>
-              <a:rPr sz="1800" b="1">
+              <a:rPr b="1">
                 <a:solidFill>
                   <a:srgbClr val="007020"/>
                 </a:solidFill>
@@ -13476,13 +13476,13 @@
               <a:t>c</a:t>
             </a:r>
             <a:r>
-              <a:rPr sz="1800">
+              <a:rPr>
                 <a:latin typeface="Courier"/>
               </a:rPr>
               <a:t>(</a:t>
             </a:r>
             <a:r>
-              <a:rPr sz="1800">
+              <a:rPr>
                 <a:solidFill>
                   <a:srgbClr val="40A070"/>
                 </a:solidFill>
@@ -13491,13 +13491,13 @@
               <a:t>1</a:t>
             </a:r>
             <a:r>
-              <a:rPr sz="1800">
+              <a:rPr>
                 <a:latin typeface="Courier"/>
               </a:rPr>
               <a:t>, </a:t>
             </a:r>
             <a:r>
-              <a:rPr sz="1800">
+              <a:rPr>
                 <a:solidFill>
                   <a:srgbClr val="40A070"/>
                 </a:solidFill>
@@ -13506,13 +13506,13 @@
               <a:t>2</a:t>
             </a:r>
             <a:r>
-              <a:rPr sz="1800">
+              <a:rPr>
                 <a:latin typeface="Courier"/>
               </a:rPr>
               <a:t>, </a:t>
             </a:r>
             <a:r>
-              <a:rPr sz="1800">
+              <a:rPr>
                 <a:solidFill>
                   <a:srgbClr val="40A070"/>
                 </a:solidFill>
@@ -13521,13 +13521,13 @@
               <a:t>3</a:t>
             </a:r>
             <a:r>
-              <a:rPr sz="1800">
+              <a:rPr>
                 <a:latin typeface="Courier"/>
               </a:rPr>
               <a:t>, </a:t>
             </a:r>
             <a:r>
-              <a:rPr sz="1800">
+              <a:rPr>
                 <a:solidFill>
                   <a:srgbClr val="40A070"/>
                 </a:solidFill>
@@ -13536,13 +13536,13 @@
               <a:t>4</a:t>
             </a:r>
             <a:r>
-              <a:rPr sz="1800">
+              <a:rPr>
                 <a:latin typeface="Courier"/>
               </a:rPr>
               <a:t>, </a:t>
             </a:r>
             <a:r>
-              <a:rPr sz="1800">
+              <a:rPr>
                 <a:solidFill>
                   <a:srgbClr val="4070A0"/>
                 </a:solidFill>
@@ -13551,36 +13551,36 @@
               <a:t>"hi"</a:t>
             </a:r>
             <a:r>
-              <a:rPr sz="1800">
+              <a:rPr>
                 <a:latin typeface="Courier"/>
               </a:rPr>
               <a:t>)</a:t>
             </a:r>
             <a:br/>
             <a:r>
-              <a:rPr sz="1800">
+              <a:rPr>
                 <a:latin typeface="Courier"/>
               </a:rPr>
               <a:t>test2</a:t>
             </a:r>
           </a:p>
           <a:p>
-            <a:pPr lvl="0" marL="1270000" indent="0">
+            <a:pPr lvl="0" indent="0">
               <a:buNone/>
             </a:pPr>
             <a:r>
-              <a:rPr sz="1800">
+              <a:rPr>
                 <a:latin typeface="Courier"/>
               </a:rPr>
               <a:t>## [1] "1"  "2"  "3"  "4"  "hi"</a:t>
             </a:r>
           </a:p>
           <a:p>
-            <a:pPr lvl="0" marL="1270000" indent="0">
+            <a:pPr lvl="0" indent="0">
               <a:buNone/>
             </a:pPr>
             <a:r>
-              <a:rPr sz="1800" b="1">
+              <a:rPr b="1">
                 <a:solidFill>
                   <a:srgbClr val="007020"/>
                 </a:solidFill>
@@ -13589,29 +13589,29 @@
               <a:t>class</a:t>
             </a:r>
             <a:r>
-              <a:rPr sz="1800">
+              <a:rPr>
                 <a:latin typeface="Courier"/>
               </a:rPr>
               <a:t>(test2)</a:t>
             </a:r>
           </a:p>
           <a:p>
-            <a:pPr lvl="0" marL="1270000" indent="0">
+            <a:pPr lvl="0" indent="0">
               <a:buNone/>
             </a:pPr>
             <a:r>
-              <a:rPr sz="1800">
+              <a:rPr>
                 <a:latin typeface="Courier"/>
               </a:rPr>
               <a:t>## [1] "character"</a:t>
             </a:r>
           </a:p>
           <a:p>
-            <a:pPr lvl="0" marL="1270000" indent="0">
+            <a:pPr lvl="0" indent="0">
               <a:buNone/>
             </a:pPr>
             <a:r>
-              <a:rPr sz="1800" b="1">
+              <a:rPr b="1">
                 <a:solidFill>
                   <a:srgbClr val="007020"/>
                 </a:solidFill>
@@ -13620,18 +13620,18 @@
               <a:t>str</a:t>
             </a:r>
             <a:r>
-              <a:rPr sz="1800">
+              <a:rPr>
                 <a:latin typeface="Courier"/>
               </a:rPr>
               <a:t>(test2)</a:t>
             </a:r>
           </a:p>
           <a:p>
-            <a:pPr lvl="0" marL="1270000" indent="0">
+            <a:pPr lvl="0" indent="0">
               <a:buNone/>
             </a:pPr>
             <a:r>
-              <a:rPr sz="1800">
+              <a:rPr>
                 <a:latin typeface="Courier"/>
               </a:rPr>
               <a:t>##  chr [1:5] "1" "2" "3" "4" "hi"</a:t>
@@ -14164,7 +14164,7 @@
           <a:p>
             <a:pPr lvl="2"/>
             <a:r>
-              <a:rPr sz="1800">
+              <a:rPr>
                 <a:latin typeface="Courier"/>
               </a:rPr>
               <a:t>Sys.time()</a:t>
@@ -14173,7 +14173,7 @@
           <a:p>
             <a:pPr lvl="2"/>
             <a:r>
-              <a:rPr sz="1800">
+              <a:rPr>
                 <a:latin typeface="Courier"/>
               </a:rPr>
               <a:t>mean(1:100)</a:t>
@@ -14385,7 +14385,7 @@
           <a:p>
             <a:pPr lvl="1"/>
             <a:r>
-              <a:rPr sz="1800">
+              <a:rPr>
                 <a:latin typeface="Courier"/>
               </a:rPr>
               <a:t>data.frame()</a:t>
@@ -14398,7 +14398,7 @@
           <a:p>
             <a:pPr lvl="1"/>
             <a:r>
-              <a:rPr sz="1800">
+              <a:rPr>
                 <a:latin typeface="Courier"/>
               </a:rPr>
               <a:t>age, gender, weight</a:t>
@@ -14409,11 +14409,11 @@
             </a:r>
           </a:p>
           <a:p>
-            <a:pPr lvl="0" marL="1270000" indent="0">
+            <a:pPr lvl="0" indent="0">
               <a:buNone/>
             </a:pPr>
             <a:r>
-              <a:rPr sz="1800" b="1">
+              <a:rPr b="1">
                 <a:solidFill>
                   <a:srgbClr val="007020"/>
                 </a:solidFill>
@@ -14422,18 +14422,18 @@
               <a:t>data.frame</a:t>
             </a:r>
             <a:r>
-              <a:rPr sz="1800">
+              <a:rPr>
                 <a:latin typeface="Courier"/>
               </a:rPr>
               <a:t>(name, age, gender)</a:t>
             </a:r>
           </a:p>
           <a:p>
-            <a:pPr lvl="0" marL="1270000" indent="0">
+            <a:pPr lvl="0" indent="0">
               <a:buNone/>
             </a:pPr>
             <a:r>
-              <a:rPr sz="1800">
+              <a:rPr>
                 <a:latin typeface="Courier"/>
               </a:rPr>
               <a:t>##       name age gender
@@ -14590,7 +14590,7 @@
               <a:t>Use the </a:t>
             </a:r>
             <a:r>
-              <a:rPr sz="1800">
+              <a:rPr>
                 <a:latin typeface="Courier"/>
               </a:rPr>
               <a:t>patients</a:t>
@@ -14603,7 +14603,7 @@
           <a:p>
             <a:pPr lvl="1"/>
             <a:r>
-              <a:rPr sz="1800">
+              <a:rPr>
                 <a:latin typeface="Courier"/>
               </a:rPr>
               <a:t>head()</a:t>
@@ -14612,7 +14612,7 @@
           <a:p>
             <a:pPr lvl="1"/>
             <a:r>
-              <a:rPr sz="1800">
+              <a:rPr>
                 <a:latin typeface="Courier"/>
               </a:rPr>
               <a:t>tail()</a:t>
@@ -14621,7 +14621,7 @@
           <a:p>
             <a:pPr lvl="1"/>
             <a:r>
-              <a:rPr sz="1800">
+              <a:rPr>
                 <a:latin typeface="Courier"/>
               </a:rPr>
               <a:t>summary()</a:t>
@@ -14729,7 +14729,7 @@
           <a:p>
             <a:pPr lvl="1"/>
             <a:r>
-              <a:rPr sz="1800">
+              <a:rPr>
                 <a:latin typeface="Courier"/>
               </a:rPr>
               <a:t>head()</a:t>
@@ -14742,7 +14742,7 @@
           <a:p>
             <a:pPr lvl="1"/>
             <a:r>
-              <a:rPr sz="1800">
+              <a:rPr>
                 <a:latin typeface="Courier"/>
               </a:rPr>
               <a:t>tail()</a:t>
@@ -14755,7 +14755,7 @@
           <a:p>
             <a:pPr lvl="1"/>
             <a:r>
-              <a:rPr sz="1800">
+              <a:rPr>
                 <a:latin typeface="Courier"/>
               </a:rPr>
               <a:t>summary()</a:t>
@@ -14766,11 +14766,11 @@
             </a:r>
           </a:p>
           <a:p>
-            <a:pPr lvl="0" marL="1270000" indent="0">
+            <a:pPr lvl="0" indent="0">
               <a:buNone/>
             </a:pPr>
             <a:r>
-              <a:rPr sz="1800" b="1">
+              <a:rPr b="1">
                 <a:solidFill>
                   <a:srgbClr val="007020"/>
                 </a:solidFill>
@@ -14779,27 +14779,27 @@
               <a:t>summary</a:t>
             </a:r>
             <a:r>
-              <a:rPr sz="1800">
+              <a:rPr>
                 <a:latin typeface="Courier"/>
               </a:rPr>
               <a:t>(patients)</a:t>
             </a:r>
           </a:p>
           <a:p>
-            <a:pPr lvl="0" marL="1270000" indent="0">
+            <a:pPr lvl="0" indent="0">
               <a:buNone/>
             </a:pPr>
             <a:r>
-              <a:rPr sz="1800">
-                <a:latin typeface="Courier"/>
-              </a:rPr>
-              <a:t>##        name        age           gender 
-##  Adam    :1   Min.   :19.00   female:3  
-##  Eve     :1   1st Qu.:26.75   male  :3  
-##  James   :1   Median :39.00             
-##  Jennifer:1   Mean   :39.83             
-##  John    :1   3rd Qu.:49.00             
-##  Sally   :1   Max.   :67.00</a:t>
+              <a:rPr>
+                <a:latin typeface="Courier"/>
+              </a:rPr>
+              <a:t>##      name                age           gender         
+##  Length:6           Min.   :19.00   Length:6          
+##  Class :character   1st Qu.:26.75   Class :character  
+##  Mode  :character   Median :39.00   Mode  :character  
+##                     Mean   :39.83                     
+##                     3rd Qu.:49.00                     
+##                     Max.   :67.00</a:t>
             </a:r>
           </a:p>
         </p:txBody>
@@ -14906,7 +14906,7 @@
               <a:t>Try </a:t>
             </a:r>
             <a:r>
-              <a:rPr sz="1800">
+              <a:rPr>
                 <a:latin typeface="Courier"/>
               </a:rPr>
               <a:t>mean(patients$gender)</a:t>
@@ -15038,7 +15038,7 @@
               <a:t>Select the </a:t>
             </a:r>
             <a:r>
-              <a:rPr sz="1800">
+              <a:rPr>
                 <a:latin typeface="Courier"/>
               </a:rPr>
               <a:t>help</a:t>
@@ -15055,7 +15055,7 @@
               <a:t>Type </a:t>
             </a:r>
             <a:r>
-              <a:rPr sz="1800">
+              <a:rPr>
                 <a:latin typeface="Courier"/>
               </a:rPr>
               <a:t>?function_name</a:t>
@@ -15072,7 +15072,7 @@
               <a:t>If you can’t remember the exact function name try typing </a:t>
             </a:r>
             <a:r>
-              <a:rPr sz="1800">
+              <a:rPr>
                 <a:latin typeface="Courier"/>
               </a:rPr>
               <a:t>??whatever_you_want_to_do</a:t>
@@ -15607,7 +15607,7 @@
               <a:t>Look up the function </a:t>
             </a:r>
             <a:r>
-              <a:rPr sz="1800">
+              <a:rPr>
                 <a:latin typeface="Courier"/>
               </a:rPr>
               <a:t>ls</a:t>
@@ -15784,11 +15784,11 @@
             </a:r>
           </a:p>
           <a:p>
-            <a:pPr lvl="0" marL="1270000" indent="0">
+            <a:pPr lvl="0" indent="0">
               <a:buNone/>
             </a:pPr>
             <a:r>
-              <a:rPr sz="1800" b="1">
+              <a:rPr b="1">
                 <a:solidFill>
                   <a:srgbClr val="007020"/>
                 </a:solidFill>
@@ -15797,13 +15797,13 @@
               <a:t>install.packages</a:t>
             </a:r>
             <a:r>
-              <a:rPr sz="1800">
+              <a:rPr>
                 <a:latin typeface="Courier"/>
               </a:rPr>
               <a:t>(</a:t>
             </a:r>
             <a:r>
-              <a:rPr sz="1800">
+              <a:rPr>
                 <a:solidFill>
                   <a:srgbClr val="4070A0"/>
                 </a:solidFill>
@@ -15812,14 +15812,14 @@
               <a:t>"tidyverse"</a:t>
             </a:r>
             <a:r>
-              <a:rPr sz="1800">
+              <a:rPr>
                 <a:latin typeface="Courier"/>
               </a:rPr>
               <a:t>)</a:t>
             </a:r>
             <a:br/>
             <a:r>
-              <a:rPr sz="1800" b="1">
+              <a:rPr b="1">
                 <a:solidFill>
                   <a:srgbClr val="007020"/>
                 </a:solidFill>
@@ -15828,7 +15828,7 @@
               <a:t>library</a:t>
             </a:r>
             <a:r>
-              <a:rPr sz="1800">
+              <a:rPr>
                 <a:latin typeface="Courier"/>
               </a:rPr>
               <a:t>(tidyverse)</a:t>
@@ -15848,7 +15848,7 @@
               <a:t>You need to load the package using </a:t>
             </a:r>
             <a:r>
-              <a:rPr sz="1800">
+              <a:rPr>
                 <a:latin typeface="Courier"/>
               </a:rPr>
               <a:t>library</a:t>
@@ -15961,7 +15961,7 @@
           <a:p>
             <a:pPr lvl="1"/>
             <a:r>
-              <a:rPr sz="1800">
+              <a:rPr>
                 <a:latin typeface="Courier"/>
               </a:rPr>
               <a:t>ggplot2</a:t>
@@ -15974,7 +15974,7 @@
           <a:p>
             <a:pPr lvl="1"/>
             <a:r>
-              <a:rPr sz="1800">
+              <a:rPr>
                 <a:latin typeface="Courier"/>
               </a:rPr>
               <a:t>readr</a:t>
@@ -15987,7 +15987,7 @@
           <a:p>
             <a:pPr lvl="1"/>
             <a:r>
-              <a:rPr sz="1800">
+              <a:rPr>
                 <a:latin typeface="Courier"/>
               </a:rPr>
               <a:t>stringr</a:t>
@@ -16000,7 +16000,7 @@
           <a:p>
             <a:pPr lvl="1"/>
             <a:r>
-              <a:rPr sz="1800">
+              <a:rPr>
                 <a:latin typeface="Courier"/>
               </a:rPr>
               <a:t>lubridate</a:t>

--- a/Workshops/Workshop1.pptx
+++ b/Workshops/Workshop1.pptx
@@ -1819,15 +1819,7 @@
             </a:pPr>
             <a:r>
               <a:rPr/>
-              <a:t>Work</a:t>
-            </a:r>
-            <a:r>
-              <a:rPr/>
-              <a:t> </a:t>
-            </a:r>
-            <a:r>
-              <a:rPr/>
-              <a:t>through</a:t>
+              <a:t>reference</a:t>
             </a:r>
             <a:r>
               <a:rPr/>
@@ -1843,15 +1835,135 @@
             </a:r>
             <a:r>
               <a:rPr/>
-              <a:t>with</a:t>
-            </a:r>
-            <a:r>
-              <a:rPr/>
-              <a:t> </a:t>
-            </a:r>
-            <a:r>
-              <a:rPr/>
-              <a:t>them.</a:t>
+              <a:t>back</a:t>
+            </a:r>
+            <a:r>
+              <a:rPr/>
+              <a:t> </a:t>
+            </a:r>
+            <a:r>
+              <a:rPr/>
+              <a:t>to</a:t>
+            </a:r>
+            <a:r>
+              <a:rPr/>
+              <a:t> </a:t>
+            </a:r>
+            <a:r>
+              <a:rPr/>
+              <a:t>the</a:t>
+            </a:r>
+            <a:r>
+              <a:rPr/>
+              <a:t> </a:t>
+            </a:r>
+            <a:r>
+              <a:rPr/>
+              <a:t>factory</a:t>
+            </a:r>
+            <a:r>
+              <a:rPr/>
+              <a:t> </a:t>
+            </a:r>
+            <a:r>
+              <a:rPr/>
+              <a:t>idea</a:t>
+            </a:r>
+            <a:r>
+              <a:rPr/>
+              <a:t> </a:t>
+            </a:r>
+            <a:r>
+              <a:rPr/>
+              <a:t>argument</a:t>
+            </a:r>
+            <a:r>
+              <a:rPr/>
+              <a:t> </a:t>
+            </a:r>
+            <a:r>
+              <a:rPr/>
+              <a:t>=</a:t>
+            </a:r>
+            <a:r>
+              <a:rPr/>
+              <a:t> </a:t>
+            </a:r>
+            <a:r>
+              <a:rPr/>
+              <a:t>names</a:t>
+            </a:r>
+            <a:r>
+              <a:rPr/>
+              <a:t> </a:t>
+            </a:r>
+            <a:r>
+              <a:rPr/>
+              <a:t>of</a:t>
+            </a:r>
+            <a:r>
+              <a:rPr/>
+              <a:t> </a:t>
+            </a:r>
+            <a:r>
+              <a:rPr/>
+              <a:t>the</a:t>
+            </a:r>
+            <a:r>
+              <a:rPr/>
+              <a:t> </a:t>
+            </a:r>
+            <a:r>
+              <a:rPr/>
+              <a:t>inputs</a:t>
+            </a:r>
+            <a:r>
+              <a:rPr/>
+              <a:t> </a:t>
+            </a:r>
+            <a:r>
+              <a:rPr/>
+              <a:t>function</a:t>
+            </a:r>
+            <a:r>
+              <a:rPr/>
+              <a:t> </a:t>
+            </a:r>
+            <a:r>
+              <a:rPr/>
+              <a:t>=</a:t>
+            </a:r>
+            <a:r>
+              <a:rPr/>
+              <a:t> </a:t>
+            </a:r>
+            <a:r>
+              <a:rPr/>
+              <a:t>machine/factory</a:t>
+            </a:r>
+            <a:r>
+              <a:rPr/>
+              <a:t> </a:t>
+            </a:r>
+            <a:r>
+              <a:rPr/>
+              <a:t>value</a:t>
+            </a:r>
+            <a:r>
+              <a:rPr/>
+              <a:t> </a:t>
+            </a:r>
+            <a:r>
+              <a:rPr/>
+              <a:t>=</a:t>
+            </a:r>
+            <a:r>
+              <a:rPr/>
+              <a:t> </a:t>
+            </a:r>
+            <a:r>
+              <a:rPr/>
+              <a:t>output</a:t>
             </a:r>
           </a:p>
         </p:txBody>
@@ -1873,7 +1985,7 @@
           <a:p>
             <a:fld id="{18BDFEC3-8487-43E8-A154-7C12CBC1FFF2}" type="slidenum">
               <a:rPr lang="en-US"/>
-              <a:t>50</a:t>
+              <a:t>49</a:t>
             </a:fld>
             <a:endParaRPr lang="en-US"/>
           </a:p>
@@ -1933,55 +2045,15 @@
             </a:pPr>
             <a:r>
               <a:rPr/>
-              <a:t>Get</a:t>
-            </a:r>
-            <a:r>
-              <a:rPr/>
-              <a:t> </a:t>
-            </a:r>
-            <a:r>
-              <a:rPr/>
-              <a:t>them</a:t>
-            </a:r>
-            <a:r>
-              <a:rPr/>
-              <a:t> </a:t>
-            </a:r>
-            <a:r>
-              <a:rPr/>
-              <a:t>to</a:t>
-            </a:r>
-            <a:r>
-              <a:rPr/>
-              <a:t> </a:t>
-            </a:r>
-            <a:r>
-              <a:rPr/>
-              <a:t>load</a:t>
-            </a:r>
-            <a:r>
-              <a:rPr/>
-              <a:t> </a:t>
-            </a:r>
-            <a:r>
-              <a:rPr/>
-              <a:t>tidyverse.</a:t>
-            </a:r>
-            <a:r>
-              <a:rPr/>
-              <a:t> </a:t>
-            </a:r>
-            <a:r>
-              <a:rPr/>
-              <a:t>Emphasise</a:t>
-            </a:r>
-            <a:r>
-              <a:rPr/>
-              <a:t> </a:t>
-            </a:r>
-            <a:r>
-              <a:rPr/>
-              <a:t>that</a:t>
+              <a:t>Work</a:t>
+            </a:r>
+            <a:r>
+              <a:rPr/>
+              <a:t> </a:t>
+            </a:r>
+            <a:r>
+              <a:rPr/>
+              <a:t>through</a:t>
             </a:r>
             <a:r>
               <a:rPr/>
@@ -1997,79 +2069,15 @@
             </a:r>
             <a:r>
               <a:rPr/>
-              <a:t>is</a:t>
-            </a:r>
-            <a:r>
-              <a:rPr/>
-              <a:t> </a:t>
-            </a:r>
-            <a:r>
-              <a:rPr/>
-              <a:t>a</a:t>
-            </a:r>
-            <a:r>
-              <a:rPr/>
-              <a:t> </a:t>
-            </a:r>
-            <a:r>
-              <a:rPr/>
-              <a:t>process</a:t>
-            </a:r>
-            <a:r>
-              <a:rPr/>
-              <a:t> </a:t>
-            </a:r>
-            <a:r>
-              <a:rPr/>
-              <a:t>we</a:t>
-            </a:r>
-            <a:r>
-              <a:rPr/>
-              <a:t> </a:t>
-            </a:r>
-            <a:r>
-              <a:rPr/>
-              <a:t>will</a:t>
-            </a:r>
-            <a:r>
-              <a:rPr/>
-              <a:t> </a:t>
-            </a:r>
-            <a:r>
-              <a:rPr/>
-              <a:t>keep</a:t>
-            </a:r>
-            <a:r>
-              <a:rPr/>
-              <a:t> </a:t>
-            </a:r>
-            <a:r>
-              <a:rPr/>
-              <a:t>repeating</a:t>
-            </a:r>
-            <a:r>
-              <a:rPr/>
-              <a:t> </a:t>
-            </a:r>
-            <a:r>
-              <a:rPr/>
-              <a:t>throughout</a:t>
-            </a:r>
-            <a:r>
-              <a:rPr/>
-              <a:t> </a:t>
-            </a:r>
-            <a:r>
-              <a:rPr/>
-              <a:t>the</a:t>
-            </a:r>
-            <a:r>
-              <a:rPr/>
-              <a:t> </a:t>
-            </a:r>
-            <a:r>
-              <a:rPr/>
-              <a:t>course.</a:t>
+              <a:t>with</a:t>
+            </a:r>
+            <a:r>
+              <a:rPr/>
+              <a:t> </a:t>
+            </a:r>
+            <a:r>
+              <a:rPr/>
+              <a:t>them.</a:t>
             </a:r>
           </a:p>
         </p:txBody>
@@ -2091,7 +2099,7 @@
           <a:p>
             <a:fld id="{18BDFEC3-8487-43E8-A154-7C12CBC1FFF2}" type="slidenum">
               <a:rPr lang="en-US"/>
-              <a:t>51</a:t>
+              <a:t>50</a:t>
             </a:fld>
             <a:endParaRPr lang="en-US"/>
           </a:p>
@@ -2151,6 +2159,224 @@
             </a:pPr>
             <a:r>
               <a:rPr/>
+              <a:t>Get</a:t>
+            </a:r>
+            <a:r>
+              <a:rPr/>
+              <a:t> </a:t>
+            </a:r>
+            <a:r>
+              <a:rPr/>
+              <a:t>them</a:t>
+            </a:r>
+            <a:r>
+              <a:rPr/>
+              <a:t> </a:t>
+            </a:r>
+            <a:r>
+              <a:rPr/>
+              <a:t>to</a:t>
+            </a:r>
+            <a:r>
+              <a:rPr/>
+              <a:t> </a:t>
+            </a:r>
+            <a:r>
+              <a:rPr/>
+              <a:t>load</a:t>
+            </a:r>
+            <a:r>
+              <a:rPr/>
+              <a:t> </a:t>
+            </a:r>
+            <a:r>
+              <a:rPr/>
+              <a:t>tidyverse.</a:t>
+            </a:r>
+            <a:r>
+              <a:rPr/>
+              <a:t> </a:t>
+            </a:r>
+            <a:r>
+              <a:rPr/>
+              <a:t>Emphasise</a:t>
+            </a:r>
+            <a:r>
+              <a:rPr/>
+              <a:t> </a:t>
+            </a:r>
+            <a:r>
+              <a:rPr/>
+              <a:t>that</a:t>
+            </a:r>
+            <a:r>
+              <a:rPr/>
+              <a:t> </a:t>
+            </a:r>
+            <a:r>
+              <a:rPr/>
+              <a:t>this</a:t>
+            </a:r>
+            <a:r>
+              <a:rPr/>
+              <a:t> </a:t>
+            </a:r>
+            <a:r>
+              <a:rPr/>
+              <a:t>is</a:t>
+            </a:r>
+            <a:r>
+              <a:rPr/>
+              <a:t> </a:t>
+            </a:r>
+            <a:r>
+              <a:rPr/>
+              <a:t>a</a:t>
+            </a:r>
+            <a:r>
+              <a:rPr/>
+              <a:t> </a:t>
+            </a:r>
+            <a:r>
+              <a:rPr/>
+              <a:t>process</a:t>
+            </a:r>
+            <a:r>
+              <a:rPr/>
+              <a:t> </a:t>
+            </a:r>
+            <a:r>
+              <a:rPr/>
+              <a:t>we</a:t>
+            </a:r>
+            <a:r>
+              <a:rPr/>
+              <a:t> </a:t>
+            </a:r>
+            <a:r>
+              <a:rPr/>
+              <a:t>will</a:t>
+            </a:r>
+            <a:r>
+              <a:rPr/>
+              <a:t> </a:t>
+            </a:r>
+            <a:r>
+              <a:rPr/>
+              <a:t>keep</a:t>
+            </a:r>
+            <a:r>
+              <a:rPr/>
+              <a:t> </a:t>
+            </a:r>
+            <a:r>
+              <a:rPr/>
+              <a:t>repeating</a:t>
+            </a:r>
+            <a:r>
+              <a:rPr/>
+              <a:t> </a:t>
+            </a:r>
+            <a:r>
+              <a:rPr/>
+              <a:t>throughout</a:t>
+            </a:r>
+            <a:r>
+              <a:rPr/>
+              <a:t> </a:t>
+            </a:r>
+            <a:r>
+              <a:rPr/>
+              <a:t>the</a:t>
+            </a:r>
+            <a:r>
+              <a:rPr/>
+              <a:t> </a:t>
+            </a:r>
+            <a:r>
+              <a:rPr/>
+              <a:t>course.</a:t>
+            </a:r>
+          </a:p>
+        </p:txBody>
+      </p:sp>
+      <p:sp>
+        <p:nvSpPr>
+          <p:cNvPr id="4" name="Slide Number Placeholder 3"/>
+          <p:cNvSpPr>
+            <a:spLocks noGrp="1"/>
+          </p:cNvSpPr>
+          <p:nvPr>
+            <p:ph type="sldNum" sz="quarter" idx="10"/>
+          </p:nvPr>
+        </p:nvSpPr>
+        <p:spPr/>
+        <p:txBody>
+          <a:bodyPr/>
+          <a:lstStyle/>
+          <a:p>
+            <a:fld id="{18BDFEC3-8487-43E8-A154-7C12CBC1FFF2}" type="slidenum">
+              <a:rPr lang="en-US"/>
+              <a:t>51</a:t>
+            </a:fld>
+            <a:endParaRPr lang="en-US"/>
+          </a:p>
+        </p:txBody>
+      </p:sp>
+    </p:spTree>
+  </p:cSld>
+</p:notes>
+</file>
+
+<file path=ppt/notesSlides/notesSlide13.xml><?xml version="1.0" encoding="utf-8"?>
+<p:notes xmlns:a="http://schemas.openxmlformats.org/drawingml/2006/main" xmlns:r="http://schemas.openxmlformats.org/officeDocument/2006/relationships" xmlns:p="http://schemas.openxmlformats.org/presentationml/2006/main">
+  <p:cSld>
+    <p:spTree>
+      <p:nvGrpSpPr>
+        <p:cNvPr id="1" name=""/>
+        <p:cNvGrpSpPr/>
+        <p:nvPr/>
+      </p:nvGrpSpPr>
+      <p:grpSpPr>
+        <a:xfrm>
+          <a:off x="0" y="0"/>
+          <a:ext cx="0" cy="0"/>
+          <a:chOff x="0" y="0"/>
+          <a:chExt cx="0" cy="0"/>
+        </a:xfrm>
+      </p:grpSpPr>
+      <p:sp>
+        <p:nvSpPr>
+          <p:cNvPr id="2" name="Slide Image Placeholder 1"/>
+          <p:cNvSpPr>
+            <a:spLocks noGrp="1" noRot="1" noChangeAspect="1"/>
+          </p:cNvSpPr>
+          <p:nvPr>
+            <p:ph type="sldImg"/>
+          </p:nvPr>
+        </p:nvSpPr>
+        <p:spPr/>
+      </p:sp>
+      <p:sp>
+        <p:nvSpPr>
+          <p:cNvPr id="3" name="Notes Placeholder 2"/>
+          <p:cNvSpPr>
+            <a:spLocks noGrp="1"/>
+          </p:cNvSpPr>
+          <p:nvPr>
+            <p:ph type="body" idx="1"/>
+          </p:nvPr>
+        </p:nvSpPr>
+        <p:spPr/>
+        <p:txBody>
+          <a:bodyPr/>
+          <a:lstStyle/>
+          <a:p>
+            <a:pPr lvl="0" marL="0" indent="0">
+              <a:buNone/>
+            </a:pPr>
+            <a:r>
+              <a:rPr/>
               <a:t>Maybe</a:t>
             </a:r>
             <a:r>
@@ -3944,7 +4170,7 @@
               <a:t> </a:t>
             </a:r>
             <a:r>
-              <a:rPr>
+              <a:rPr sz="1800">
                 <a:latin typeface="Courier"/>
               </a:rPr>
               <a:t>CCYY-MM-DD.R</a:t>
@@ -4085,39 +4311,95 @@
             </a:pPr>
             <a:r>
               <a:rPr/>
-              <a:t>Get</a:t>
-            </a:r>
-            <a:r>
-              <a:rPr/>
-              <a:t> </a:t>
-            </a:r>
-            <a:r>
-              <a:rPr/>
-              <a:t>them</a:t>
-            </a:r>
-            <a:r>
-              <a:rPr/>
-              <a:t> </a:t>
-            </a:r>
-            <a:r>
-              <a:rPr/>
-              <a:t>to</a:t>
-            </a:r>
-            <a:r>
-              <a:rPr/>
-              <a:t> </a:t>
-            </a:r>
-            <a:r>
-              <a:rPr/>
-              <a:t>do</a:t>
-            </a:r>
-            <a:r>
-              <a:rPr/>
-              <a:t> </a:t>
-            </a:r>
-            <a:r>
-              <a:rPr/>
-              <a:t>this.</a:t>
+              <a:t>In</a:t>
+            </a:r>
+            <a:r>
+              <a:rPr/>
+              <a:t> </a:t>
+            </a:r>
+            <a:r>
+              <a:rPr/>
+              <a:t>this</a:t>
+            </a:r>
+            <a:r>
+              <a:rPr/>
+              <a:t> </a:t>
+            </a:r>
+            <a:r>
+              <a:rPr/>
+              <a:t>course,</a:t>
+            </a:r>
+            <a:r>
+              <a:rPr/>
+              <a:t> </a:t>
+            </a:r>
+            <a:r>
+              <a:rPr/>
+              <a:t>we</a:t>
+            </a:r>
+            <a:r>
+              <a:rPr/>
+              <a:t> </a:t>
+            </a:r>
+            <a:r>
+              <a:rPr/>
+              <a:t>will</a:t>
+            </a:r>
+            <a:r>
+              <a:rPr/>
+              <a:t> </a:t>
+            </a:r>
+            <a:r>
+              <a:rPr/>
+              <a:t>primarily</a:t>
+            </a:r>
+            <a:r>
+              <a:rPr/>
+              <a:t> </a:t>
+            </a:r>
+            <a:r>
+              <a:rPr/>
+              <a:t>be</a:t>
+            </a:r>
+            <a:r>
+              <a:rPr/>
+              <a:t> </a:t>
+            </a:r>
+            <a:r>
+              <a:rPr/>
+              <a:t>using</a:t>
+            </a:r>
+            <a:r>
+              <a:rPr/>
+              <a:t> </a:t>
+            </a:r>
+            <a:r>
+              <a:rPr/>
+              <a:t>vectors</a:t>
+            </a:r>
+            <a:r>
+              <a:rPr/>
+              <a:t> </a:t>
+            </a:r>
+            <a:r>
+              <a:rPr/>
+              <a:t>and</a:t>
+            </a:r>
+            <a:r>
+              <a:rPr/>
+              <a:t> </a:t>
+            </a:r>
+            <a:r>
+              <a:rPr/>
+              <a:t>data</a:t>
+            </a:r>
+            <a:r>
+              <a:rPr/>
+              <a:t> </a:t>
+            </a:r>
+            <a:r>
+              <a:rPr/>
+              <a:t>frames.</a:t>
             </a:r>
           </a:p>
         </p:txBody>
@@ -4139,7 +4421,7 @@
           <a:p>
             <a:fld id="{18BDFEC3-8487-43E8-A154-7C12CBC1FFF2}" type="slidenum">
               <a:rPr lang="en-US"/>
-              <a:t>22</a:t>
+              <a:t>20</a:t>
             </a:fld>
             <a:endParaRPr lang="en-US"/>
           </a:p>
@@ -4223,55 +4505,15 @@
             </a:r>
             <a:r>
               <a:rPr/>
-              <a:t>look</a:t>
-            </a:r>
-            <a:r>
-              <a:rPr/>
-              <a:t> </a:t>
-            </a:r>
-            <a:r>
-              <a:rPr/>
-              <a:t>up</a:t>
-            </a:r>
-            <a:r>
-              <a:rPr/>
-              <a:t> </a:t>
-            </a:r>
-            <a:r>
-              <a:rPr/>
-              <a:t>the</a:t>
-            </a:r>
-            <a:r>
-              <a:rPr/>
-              <a:t> </a:t>
-            </a:r>
-            <a:r>
-              <a:rPr/>
-              <a:t>help</a:t>
-            </a:r>
-            <a:r>
-              <a:rPr/>
-              <a:t> </a:t>
-            </a:r>
-            <a:r>
-              <a:rPr/>
-              <a:t>page</a:t>
-            </a:r>
-            <a:r>
-              <a:rPr/>
-              <a:t> </a:t>
-            </a:r>
-            <a:r>
-              <a:rPr/>
-              <a:t>for</a:t>
-            </a:r>
-            <a:r>
-              <a:rPr/>
-              <a:t> </a:t>
-            </a:r>
-            <a:r>
-              <a:rPr/>
-              <a:t>mean</a:t>
+              <a:t>do</a:t>
+            </a:r>
+            <a:r>
+              <a:rPr/>
+              <a:t> </a:t>
+            </a:r>
+            <a:r>
+              <a:rPr/>
+              <a:t>this.</a:t>
             </a:r>
           </a:p>
         </p:txBody>
@@ -4293,7 +4535,7 @@
           <a:p>
             <a:fld id="{18BDFEC3-8487-43E8-A154-7C12CBC1FFF2}" type="slidenum">
               <a:rPr lang="en-US"/>
-              <a:t>47</a:t>
+              <a:t>22</a:t>
             </a:fld>
             <a:endParaRPr lang="en-US"/>
           </a:p>
@@ -4353,23 +4595,15 @@
             </a:pPr>
             <a:r>
               <a:rPr/>
-              <a:t>reference</a:t>
-            </a:r>
-            <a:r>
-              <a:rPr/>
-              <a:t> </a:t>
-            </a:r>
-            <a:r>
-              <a:rPr/>
-              <a:t>this</a:t>
-            </a:r>
-            <a:r>
-              <a:rPr/>
-              <a:t> </a:t>
-            </a:r>
-            <a:r>
-              <a:rPr/>
-              <a:t>back</a:t>
+              <a:t>Get</a:t>
+            </a:r>
+            <a:r>
+              <a:rPr/>
+              <a:t> </a:t>
+            </a:r>
+            <a:r>
+              <a:rPr/>
+              <a:t>them</a:t>
             </a:r>
             <a:r>
               <a:rPr/>
@@ -4385,6 +4619,22 @@
             </a:r>
             <a:r>
               <a:rPr/>
+              <a:t>look</a:t>
+            </a:r>
+            <a:r>
+              <a:rPr/>
+              <a:t> </a:t>
+            </a:r>
+            <a:r>
+              <a:rPr/>
+              <a:t>up</a:t>
+            </a:r>
+            <a:r>
+              <a:rPr/>
+              <a:t> </a:t>
+            </a:r>
+            <a:r>
+              <a:rPr/>
               <a:t>the</a:t>
             </a:r>
             <a:r>
@@ -4393,111 +4643,31 @@
             </a:r>
             <a:r>
               <a:rPr/>
-              <a:t>factory</a:t>
-            </a:r>
-            <a:r>
-              <a:rPr/>
-              <a:t> </a:t>
-            </a:r>
-            <a:r>
-              <a:rPr/>
-              <a:t>idea</a:t>
-            </a:r>
-            <a:r>
-              <a:rPr/>
-              <a:t> </a:t>
-            </a:r>
-            <a:r>
-              <a:rPr/>
-              <a:t>argument</a:t>
-            </a:r>
-            <a:r>
-              <a:rPr/>
-              <a:t> </a:t>
-            </a:r>
-            <a:r>
-              <a:rPr/>
-              <a:t>=</a:t>
-            </a:r>
-            <a:r>
-              <a:rPr/>
-              <a:t> </a:t>
-            </a:r>
-            <a:r>
-              <a:rPr/>
-              <a:t>names</a:t>
-            </a:r>
-            <a:r>
-              <a:rPr/>
-              <a:t> </a:t>
-            </a:r>
-            <a:r>
-              <a:rPr/>
-              <a:t>of</a:t>
-            </a:r>
-            <a:r>
-              <a:rPr/>
-              <a:t> </a:t>
-            </a:r>
-            <a:r>
-              <a:rPr/>
-              <a:t>the</a:t>
-            </a:r>
-            <a:r>
-              <a:rPr/>
-              <a:t> </a:t>
-            </a:r>
-            <a:r>
-              <a:rPr/>
-              <a:t>inputs</a:t>
-            </a:r>
-            <a:r>
-              <a:rPr/>
-              <a:t> </a:t>
-            </a:r>
-            <a:r>
-              <a:rPr/>
-              <a:t>function</a:t>
-            </a:r>
-            <a:r>
-              <a:rPr/>
-              <a:t> </a:t>
-            </a:r>
-            <a:r>
-              <a:rPr/>
-              <a:t>=</a:t>
-            </a:r>
-            <a:r>
-              <a:rPr/>
-              <a:t> </a:t>
-            </a:r>
-            <a:r>
-              <a:rPr/>
-              <a:t>machine/factory</a:t>
-            </a:r>
-            <a:r>
-              <a:rPr/>
-              <a:t> </a:t>
-            </a:r>
-            <a:r>
-              <a:rPr/>
-              <a:t>value</a:t>
-            </a:r>
-            <a:r>
-              <a:rPr/>
-              <a:t> </a:t>
-            </a:r>
-            <a:r>
-              <a:rPr/>
-              <a:t>=</a:t>
-            </a:r>
-            <a:r>
-              <a:rPr/>
-              <a:t> </a:t>
-            </a:r>
-            <a:r>
-              <a:rPr/>
-              <a:t>output</a:t>
+              <a:t>help</a:t>
+            </a:r>
+            <a:r>
+              <a:rPr/>
+              <a:t> </a:t>
+            </a:r>
+            <a:r>
+              <a:rPr/>
+              <a:t>page</a:t>
+            </a:r>
+            <a:r>
+              <a:rPr/>
+              <a:t> </a:t>
+            </a:r>
+            <a:r>
+              <a:rPr/>
+              <a:t>for</a:t>
+            </a:r>
+            <a:r>
+              <a:rPr/>
+              <a:t> </a:t>
+            </a:r>
+            <a:r>
+              <a:rPr/>
+              <a:t>mean</a:t>
             </a:r>
           </a:p>
         </p:txBody>
@@ -4519,7 +4689,7 @@
           <a:p>
             <a:fld id="{18BDFEC3-8487-43E8-A154-7C12CBC1FFF2}" type="slidenum">
               <a:rPr lang="en-US"/>
-              <a:t>49</a:t>
+              <a:t>47</a:t>
             </a:fld>
             <a:endParaRPr lang="en-US"/>
           </a:p>
@@ -8603,7 +8773,7 @@
               <a:t>This is your prompt to type </a:t>
             </a:r>
             <a:r>
-              <a:rPr>
+              <a:rPr sz="1800">
                 <a:latin typeface="Courier"/>
               </a:rPr>
               <a:t>&gt;</a:t>
@@ -8620,7 +8790,7 @@
               <a:t>Type </a:t>
             </a:r>
             <a:r>
-              <a:rPr>
+              <a:rPr sz="1800">
                 <a:latin typeface="Courier"/>
               </a:rPr>
               <a:t>2 + 2</a:t>
@@ -8630,7 +8800,7 @@
               <a:t> then hit </a:t>
             </a:r>
             <a:r>
-              <a:rPr>
+              <a:rPr sz="1800">
                 <a:latin typeface="Courier"/>
               </a:rPr>
               <a:t>Enter</a:t>
@@ -8733,11 +8903,11 @@
             </a:r>
           </a:p>
           <a:p>
-            <a:pPr lvl="0" indent="0">
+            <a:pPr lvl="0" marL="1270000" indent="0">
               <a:buNone/>
             </a:pPr>
             <a:r>
-              <a:rPr>
+              <a:rPr sz="1800">
                 <a:solidFill>
                   <a:srgbClr val="40A070"/>
                 </a:solidFill>
@@ -8746,13 +8916,13 @@
               <a:t>2</a:t>
             </a:r>
             <a:r>
-              <a:rPr>
-                <a:latin typeface="Courier"/>
-              </a:rPr>
-              <a:t> </a:t>
-            </a:r>
-            <a:r>
-              <a:rPr>
+              <a:rPr sz="1800">
+                <a:latin typeface="Courier"/>
+              </a:rPr>
+              <a:t> </a:t>
+            </a:r>
+            <a:r>
+              <a:rPr sz="1800">
                 <a:solidFill>
                   <a:srgbClr val="666666"/>
                 </a:solidFill>
@@ -8761,7 +8931,7 @@
               <a:t>+</a:t>
             </a:r>
             <a:r>
-              <a:rPr>
+              <a:rPr sz="1800">
                 <a:solidFill>
                   <a:srgbClr val="4070A0"/>
                 </a:solidFill>
@@ -8770,7 +8940,7 @@
               <a:t> </a:t>
             </a:r>
             <a:r>
-              <a:rPr>
+              <a:rPr sz="1800">
                 <a:solidFill>
                   <a:srgbClr val="40A070"/>
                 </a:solidFill>
@@ -8780,11 +8950,11 @@
             </a:r>
           </a:p>
           <a:p>
-            <a:pPr lvl="0" indent="0">
+            <a:pPr lvl="0" marL="1270000" indent="0">
               <a:buNone/>
             </a:pPr>
             <a:r>
-              <a:rPr>
+              <a:rPr sz="1800">
                 <a:latin typeface="Courier"/>
               </a:rPr>
               <a:t>## [1] 4</a:t>
@@ -8793,7 +8963,7 @@
           <a:p>
             <a:pPr lvl="1"/>
             <a:r>
-              <a:rPr>
+              <a:rPr sz="1800">
                 <a:latin typeface="Courier"/>
               </a:rPr>
               <a:t>&gt;</a:t>
@@ -8806,7 +8976,7 @@
           <a:p>
             <a:pPr lvl="1"/>
             <a:r>
-              <a:rPr>
+              <a:rPr sz="1800">
                 <a:latin typeface="Courier"/>
               </a:rPr>
               <a:t>2 + 2</a:t>
@@ -8819,7 +8989,7 @@
           <a:p>
             <a:pPr lvl="1"/>
             <a:r>
-              <a:rPr>
+              <a:rPr sz="1800">
                 <a:latin typeface="Courier"/>
               </a:rPr>
               <a:t>4</a:t>
@@ -8832,7 +9002,7 @@
           <a:p>
             <a:pPr lvl="1"/>
             <a:r>
-              <a:rPr>
+              <a:rPr sz="1800">
                 <a:latin typeface="Courier"/>
               </a:rPr>
               <a:t>[1]</a:t>
@@ -9039,7 +9209,7 @@
               <a:t>Type </a:t>
             </a:r>
             <a:r>
-              <a:rPr>
+              <a:rPr sz="1800">
                 <a:latin typeface="Courier"/>
               </a:rPr>
               <a:t>2 + 2</a:t>
@@ -9049,7 +9219,7 @@
               <a:t>, then </a:t>
             </a:r>
             <a:r>
-              <a:rPr>
+              <a:rPr sz="1800">
                 <a:latin typeface="Courier"/>
               </a:rPr>
               <a:t>Enter</a:t>
@@ -9087,7 +9257,7 @@
               <a:t>MacOS: </a:t>
             </a:r>
             <a:r>
-              <a:rPr>
+              <a:rPr sz="1800">
                 <a:latin typeface="Courier"/>
               </a:rPr>
               <a:t>Cmd + Enter</a:t>
@@ -9100,7 +9270,7 @@
               <a:t>Windows: </a:t>
             </a:r>
             <a:r>
-              <a:rPr>
+              <a:rPr sz="1800">
                 <a:latin typeface="Courier"/>
               </a:rPr>
               <a:t>Ctrl + Enter</a:t>
@@ -9211,7 +9381,7 @@
               <a:t>Click the </a:t>
             </a:r>
             <a:r>
-              <a:rPr>
+              <a:rPr sz="1800">
                 <a:latin typeface="Courier"/>
               </a:rPr>
               <a:t>save</a:t>
@@ -9246,14 +9416,14 @@
             <a:pPr lvl="1"/>
             <a:r>
               <a:rPr/>
-              <a:t>Close the Source window</a:t>
+              <a:t>Close the Source window.</a:t>
             </a:r>
           </a:p>
           <a:p>
             <a:pPr lvl="1"/>
             <a:r>
               <a:rPr/>
-              <a:t>Close R Studio</a:t>
+              <a:t>Close R Studio.</a:t>
             </a:r>
           </a:p>
           <a:p>
@@ -9263,35 +9433,35 @@
               <a:t>Restart R Studio and click the </a:t>
             </a:r>
             <a:r>
-              <a:rPr>
+              <a:rPr sz="1800">
                 <a:latin typeface="Courier"/>
               </a:rPr>
               <a:t>open</a:t>
             </a:r>
             <a:r>
               <a:rPr/>
-              <a:t> icon</a:t>
+              <a:t> icon.</a:t>
             </a:r>
           </a:p>
           <a:p>
             <a:pPr lvl="1"/>
             <a:r>
               <a:rPr/>
-              <a:t>Find your file and open</a:t>
+              <a:t>Find your file and open.</a:t>
             </a:r>
           </a:p>
           <a:p>
             <a:pPr lvl="1"/>
             <a:r>
               <a:rPr/>
-              <a:t>Your code still there</a:t>
+              <a:t>Your code should still be there.</a:t>
             </a:r>
           </a:p>
           <a:p>
             <a:pPr lvl="1"/>
             <a:r>
               <a:rPr/>
-              <a:t>You can run it again</a:t>
+              <a:t>You can run it again.</a:t>
             </a:r>
           </a:p>
         </p:txBody>
@@ -9593,7 +9763,9 @@
           <a:bodyPr/>
           <a:lstStyle/>
           <a:p>
-            <a:pPr lvl="1"/>
+            <a:pPr lvl="1">
+              <a:buAutoNum type="arabicPeriod"/>
+            </a:pPr>
             <a:r>
               <a:rPr/>
               <a:t>Object names</a:t>
@@ -9607,7 +9779,9 @@
             </a:r>
           </a:p>
           <a:p>
-            <a:pPr lvl="1"/>
+            <a:pPr lvl="1">
+              <a:buAutoNum type="arabicPeriod"/>
+            </a:pPr>
             <a:r>
               <a:rPr/>
               <a:t>Data</a:t>
@@ -9627,7 +9801,7 @@
               <a:t>Real numbers - </a:t>
             </a:r>
             <a:r>
-              <a:rPr>
+              <a:rPr sz="1800">
                 <a:latin typeface="Courier"/>
               </a:rPr>
               <a:t>numeric</a:t>
@@ -9640,7 +9814,7 @@
               <a:t>Discrete numbers - </a:t>
             </a:r>
             <a:r>
-              <a:rPr>
+              <a:rPr sz="1800">
                 <a:latin typeface="Courier"/>
               </a:rPr>
               <a:t>integer</a:t>
@@ -9653,7 +9827,7 @@
               <a:t>Characters - </a:t>
             </a:r>
             <a:r>
-              <a:rPr>
+              <a:rPr sz="1800">
                 <a:latin typeface="Courier"/>
               </a:rPr>
               <a:t>character</a:t>
@@ -9674,7 +9848,9 @@
             </a:r>
           </a:p>
           <a:p>
-            <a:pPr lvl="1"/>
+            <a:pPr lvl="1">
+              <a:buAutoNum type="arabicPeriod"/>
+            </a:pPr>
             <a:r>
               <a:rPr/>
               <a:t>Functions</a:t>
@@ -9798,7 +9974,7 @@
               <a:t>This is the assignment operator </a:t>
             </a:r>
             <a:r>
-              <a:rPr>
+              <a:rPr sz="1800">
                 <a:latin typeface="Courier"/>
               </a:rPr>
               <a:t>&lt;-</a:t>
@@ -9808,7 +9984,7 @@
               <a:t>(</a:t>
             </a:r>
             <a:r>
-              <a:rPr>
+              <a:rPr sz="1800">
                 <a:latin typeface="Courier"/>
               </a:rPr>
               <a:t>=</a:t>
@@ -9832,7 +10008,7 @@
               <a:t>Mac OSX: </a:t>
             </a:r>
             <a:r>
-              <a:rPr>
+              <a:rPr sz="1800">
                 <a:latin typeface="Courier"/>
               </a:rPr>
               <a:t>Option + -</a:t>
@@ -9845,7 +10021,7 @@
               <a:t>Windows: </a:t>
             </a:r>
             <a:r>
-              <a:rPr>
+              <a:rPr sz="1800">
                 <a:latin typeface="Courier"/>
               </a:rPr>
               <a:t>Alt + -</a:t>
@@ -9859,17 +10035,17 @@
             </a:r>
           </a:p>
           <a:p>
-            <a:pPr lvl="0" indent="0">
+            <a:pPr lvl="0" marL="1270000" indent="0">
               <a:buNone/>
             </a:pPr>
             <a:r>
-              <a:rPr>
+              <a:rPr sz="1800">
                 <a:latin typeface="Courier"/>
               </a:rPr>
               <a:t>practice &lt;-</a:t>
             </a:r>
             <a:r>
-              <a:rPr>
+              <a:rPr sz="1800">
                 <a:solidFill>
                   <a:srgbClr val="4070A0"/>
                 </a:solidFill>
@@ -9878,7 +10054,7 @@
               <a:t> </a:t>
             </a:r>
             <a:r>
-              <a:rPr>
+              <a:rPr sz="1800">
                 <a:solidFill>
                   <a:srgbClr val="40A070"/>
                 </a:solidFill>
@@ -9887,13 +10063,13 @@
               <a:t>2</a:t>
             </a:r>
             <a:r>
-              <a:rPr>
-                <a:latin typeface="Courier"/>
-              </a:rPr>
-              <a:t> </a:t>
-            </a:r>
-            <a:r>
-              <a:rPr>
+              <a:rPr sz="1800">
+                <a:latin typeface="Courier"/>
+              </a:rPr>
+              <a:t> </a:t>
+            </a:r>
+            <a:r>
+              <a:rPr sz="1800">
                 <a:solidFill>
                   <a:srgbClr val="666666"/>
                 </a:solidFill>
@@ -9902,7 +10078,7 @@
               <a:t>+</a:t>
             </a:r>
             <a:r>
-              <a:rPr>
+              <a:rPr sz="1800">
                 <a:solidFill>
                   <a:srgbClr val="4070A0"/>
                 </a:solidFill>
@@ -9911,7 +10087,7 @@
               <a:t> </a:t>
             </a:r>
             <a:r>
-              <a:rPr>
+              <a:rPr sz="1800">
                 <a:solidFill>
                   <a:srgbClr val="40A070"/>
                 </a:solidFill>
@@ -9920,13 +10096,13 @@
               <a:t>2</a:t>
             </a:r>
             <a:r>
-              <a:rPr>
-                <a:latin typeface="Courier"/>
-              </a:rPr>
-              <a:t> </a:t>
-            </a:r>
-            <a:r>
-              <a:rPr>
+              <a:rPr sz="1800">
+                <a:latin typeface="Courier"/>
+              </a:rPr>
+              <a:t> </a:t>
+            </a:r>
+            <a:r>
+              <a:rPr sz="1800">
                 <a:solidFill>
                   <a:srgbClr val="666666"/>
                 </a:solidFill>
@@ -9935,7 +10111,7 @@
               <a:t>+</a:t>
             </a:r>
             <a:r>
-              <a:rPr>
+              <a:rPr sz="1800">
                 <a:solidFill>
                   <a:srgbClr val="4070A0"/>
                 </a:solidFill>
@@ -9944,7 +10120,7 @@
               <a:t> </a:t>
             </a:r>
             <a:r>
-              <a:rPr>
+              <a:rPr sz="1800">
                 <a:solidFill>
                   <a:srgbClr val="40A070"/>
                 </a:solidFill>
@@ -9954,18 +10130,18 @@
             </a:r>
             <a:br/>
             <a:r>
-              <a:rPr>
+              <a:rPr sz="1800">
                 <a:latin typeface="Courier"/>
               </a:rPr>
               <a:t>practice</a:t>
             </a:r>
           </a:p>
           <a:p>
-            <a:pPr lvl="0" indent="0">
+            <a:pPr lvl="0" marL="1270000" indent="0">
               <a:buNone/>
             </a:pPr>
             <a:r>
-              <a:rPr>
+              <a:rPr sz="1800">
                 <a:latin typeface="Courier"/>
               </a:rPr>
               <a:t>## [1] 10</a:t>
@@ -10069,17 +10245,17 @@
             </a:r>
           </a:p>
           <a:p>
-            <a:pPr lvl="0" indent="0">
+            <a:pPr lvl="0" marL="1270000" indent="0">
               <a:buNone/>
             </a:pPr>
             <a:r>
-              <a:rPr>
+              <a:rPr sz="1800">
                 <a:latin typeface="Courier"/>
               </a:rPr>
               <a:t>say_hello &lt;-</a:t>
             </a:r>
             <a:r>
-              <a:rPr>
+              <a:rPr sz="1800">
                 <a:solidFill>
                   <a:srgbClr val="4070A0"/>
                 </a:solidFill>
@@ -10089,18 +10265,18 @@
             </a:r>
             <a:br/>
             <a:r>
-              <a:rPr>
+              <a:rPr sz="1800">
                 <a:latin typeface="Courier"/>
               </a:rPr>
               <a:t>say_hello</a:t>
             </a:r>
           </a:p>
           <a:p>
-            <a:pPr lvl="0" indent="0">
+            <a:pPr lvl="0" marL="1270000" indent="0">
               <a:buNone/>
             </a:pPr>
             <a:r>
-              <a:rPr>
+              <a:rPr sz="1800">
                 <a:latin typeface="Courier"/>
               </a:rPr>
               <a:t>## [1] "hello"</a:t>
@@ -10114,17 +10290,17 @@
             </a:r>
           </a:p>
           <a:p>
-            <a:pPr lvl="0" indent="0">
+            <a:pPr lvl="0" marL="1270000" indent="0">
               <a:buNone/>
             </a:pPr>
             <a:r>
-              <a:rPr>
+              <a:rPr sz="1800">
                 <a:latin typeface="Courier"/>
               </a:rPr>
               <a:t>say hello &lt;-</a:t>
             </a:r>
             <a:r>
-              <a:rPr>
+              <a:rPr sz="1800">
                 <a:solidFill>
                   <a:srgbClr val="4070A0"/>
                 </a:solidFill>
@@ -10134,11 +10310,11 @@
             </a:r>
           </a:p>
           <a:p>
-            <a:pPr lvl="0" indent="0">
+            <a:pPr lvl="0" marL="1270000" indent="0">
               <a:buNone/>
             </a:pPr>
             <a:r>
-              <a:rPr>
+              <a:rPr sz="1800">
                 <a:latin typeface="Courier"/>
               </a:rPr>
               <a:t>## Error: &lt;text&gt;:1:5: unexpected symbol
@@ -10335,7 +10511,7 @@
             <a:pPr lvl="1"/>
             <a:r>
               <a:rPr/>
-              <a:t>A vector contains elements of the same datatype.</a:t>
+              <a:t>A vector contains elements of the same data type.</a:t>
             </a:r>
           </a:p>
           <a:p>
@@ -10346,11 +10522,11 @@
             </a:r>
           </a:p>
           <a:p>
-            <a:pPr lvl="1" indent="0">
+            <a:pPr lvl="0" marL="1270000" indent="0">
               <a:buNone/>
             </a:pPr>
             <a:r>
-              <a:rPr>
+              <a:rPr sz="1800">
                 <a:latin typeface="Courier"/>
               </a:rPr>
               <a:t>## [1] 50 25 32 67 46 19 48</a:t>
@@ -10364,11 +10540,11 @@
             </a:r>
           </a:p>
           <a:p>
-            <a:pPr lvl="1" indent="0">
+            <a:pPr lvl="0" marL="1270000" indent="0">
               <a:buNone/>
             </a:pPr>
             <a:r>
-              <a:rPr>
+              <a:rPr sz="1800">
                 <a:latin typeface="Courier"/>
               </a:rPr>
               <a:t>## [1] 37.5 37.1 37.3 38.3 37.4 38.9</a:t>
@@ -10382,11 +10558,11 @@
             </a:r>
           </a:p>
           <a:p>
-            <a:pPr lvl="1" indent="0">
+            <a:pPr lvl="0" marL="1270000" indent="0">
               <a:buNone/>
             </a:pPr>
             <a:r>
-              <a:rPr>
+              <a:rPr sz="1800">
                 <a:latin typeface="Courier"/>
               </a:rPr>
               <a:t>## [1] "Adam"  "Sally" "Eve"   "John"  "James"</a:t>
@@ -10400,11 +10576,11 @@
             </a:r>
           </a:p>
           <a:p>
-            <a:pPr lvl="1" indent="0">
+            <a:pPr lvl="0" marL="1270000" indent="0">
               <a:buNone/>
             </a:pPr>
             <a:r>
-              <a:rPr>
+              <a:rPr sz="1800">
                 <a:latin typeface="Courier"/>
               </a:rPr>
               <a:t>## [1]  TRUE FALSE FALSE  TRUE  TRUE</a:t>
@@ -10417,7 +10593,7 @@
               <a:t>You can always check the data type in a vector using the function </a:t>
             </a:r>
             <a:r>
-              <a:rPr>
+              <a:rPr sz="1800">
                 <a:latin typeface="Courier"/>
               </a:rPr>
               <a:t>class()</a:t>
@@ -10428,17 +10604,17 @@
             </a:r>
           </a:p>
           <a:p>
-            <a:pPr lvl="0" indent="0">
+            <a:pPr lvl="0" marL="1270000" indent="0">
               <a:buNone/>
             </a:pPr>
             <a:r>
-              <a:rPr>
+              <a:rPr sz="1800">
                 <a:latin typeface="Courier"/>
               </a:rPr>
               <a:t>logical_vector &lt;-</a:t>
             </a:r>
             <a:r>
-              <a:rPr>
+              <a:rPr sz="1800">
                 <a:solidFill>
                   <a:srgbClr val="4070A0"/>
                 </a:solidFill>
@@ -10447,7 +10623,7 @@
               <a:t> </a:t>
             </a:r>
             <a:r>
-              <a:rPr b="1">
+              <a:rPr sz="1800" b="1">
                 <a:solidFill>
                   <a:srgbClr val="007020"/>
                 </a:solidFill>
@@ -10456,13 +10632,13 @@
               <a:t>c</a:t>
             </a:r>
             <a:r>
-              <a:rPr>
+              <a:rPr sz="1800">
                 <a:latin typeface="Courier"/>
               </a:rPr>
               <a:t>(</a:t>
             </a:r>
             <a:r>
-              <a:rPr>
+              <a:rPr sz="1800">
                 <a:solidFill>
                   <a:srgbClr val="007020"/>
                 </a:solidFill>
@@ -10471,13 +10647,13 @@
               <a:t>TRUE</a:t>
             </a:r>
             <a:r>
-              <a:rPr>
+              <a:rPr sz="1800">
                 <a:latin typeface="Courier"/>
               </a:rPr>
               <a:t>, </a:t>
             </a:r>
             <a:r>
-              <a:rPr>
+              <a:rPr sz="1800">
                 <a:solidFill>
                   <a:srgbClr val="007020"/>
                 </a:solidFill>
@@ -10486,13 +10662,13 @@
               <a:t>FALSE</a:t>
             </a:r>
             <a:r>
-              <a:rPr>
+              <a:rPr sz="1800">
                 <a:latin typeface="Courier"/>
               </a:rPr>
               <a:t>, </a:t>
             </a:r>
             <a:r>
-              <a:rPr>
+              <a:rPr sz="1800">
                 <a:solidFill>
                   <a:srgbClr val="007020"/>
                 </a:solidFill>
@@ -10501,13 +10677,13 @@
               <a:t>FALSE</a:t>
             </a:r>
             <a:r>
-              <a:rPr>
+              <a:rPr sz="1800">
                 <a:latin typeface="Courier"/>
               </a:rPr>
               <a:t>, </a:t>
             </a:r>
             <a:r>
-              <a:rPr>
+              <a:rPr sz="1800">
                 <a:solidFill>
                   <a:srgbClr val="007020"/>
                 </a:solidFill>
@@ -10516,13 +10692,13 @@
               <a:t>TRUE</a:t>
             </a:r>
             <a:r>
-              <a:rPr>
+              <a:rPr sz="1800">
                 <a:latin typeface="Courier"/>
               </a:rPr>
               <a:t>, </a:t>
             </a:r>
             <a:r>
-              <a:rPr>
+              <a:rPr sz="1800">
                 <a:solidFill>
                   <a:srgbClr val="007020"/>
                 </a:solidFill>
@@ -10531,14 +10707,14 @@
               <a:t>TRUE</a:t>
             </a:r>
             <a:r>
-              <a:rPr>
+              <a:rPr sz="1800">
                 <a:latin typeface="Courier"/>
               </a:rPr>
               <a:t>)</a:t>
             </a:r>
             <a:br/>
             <a:r>
-              <a:rPr b="1">
+              <a:rPr sz="1800" b="1">
                 <a:solidFill>
                   <a:srgbClr val="007020"/>
                 </a:solidFill>
@@ -10547,18 +10723,18 @@
               <a:t>class</a:t>
             </a:r>
             <a:r>
-              <a:rPr>
+              <a:rPr sz="1800">
                 <a:latin typeface="Courier"/>
               </a:rPr>
               <a:t>(logical_vector)</a:t>
             </a:r>
           </a:p>
           <a:p>
-            <a:pPr lvl="0" indent="0">
+            <a:pPr lvl="0" marL="1270000" indent="0">
               <a:buNone/>
             </a:pPr>
             <a:r>
-              <a:rPr>
+              <a:rPr sz="1800">
                 <a:latin typeface="Courier"/>
               </a:rPr>
               <a:t>## [1] "logical"</a:t>
@@ -10656,7 +10832,7 @@
               <a:t>The </a:t>
             </a:r>
             <a:r>
-              <a:rPr>
+              <a:rPr sz="1800">
                 <a:latin typeface="Courier"/>
               </a:rPr>
               <a:t>c()</a:t>
@@ -10667,11 +10843,11 @@
             </a:r>
           </a:p>
           <a:p>
-            <a:pPr lvl="0" indent="0">
+            <a:pPr lvl="0" marL="1270000" indent="0">
               <a:buNone/>
             </a:pPr>
             <a:r>
-              <a:rPr i="1">
+              <a:rPr sz="1800" i="1">
                 <a:solidFill>
                   <a:srgbClr val="60A0B0"/>
                 </a:solidFill>
@@ -10681,13 +10857,13 @@
             </a:r>
             <a:br/>
             <a:r>
-              <a:rPr>
+              <a:rPr sz="1800">
                 <a:latin typeface="Courier"/>
               </a:rPr>
               <a:t>age &lt;-</a:t>
             </a:r>
             <a:r>
-              <a:rPr>
+              <a:rPr sz="1800">
                 <a:solidFill>
                   <a:srgbClr val="4070A0"/>
                 </a:solidFill>
@@ -10696,7 +10872,7 @@
               <a:t> </a:t>
             </a:r>
             <a:r>
-              <a:rPr b="1">
+              <a:rPr sz="1800" b="1">
                 <a:solidFill>
                   <a:srgbClr val="007020"/>
                 </a:solidFill>
@@ -10705,13 +10881,13 @@
               <a:t>c</a:t>
             </a:r>
             <a:r>
-              <a:rPr>
+              <a:rPr sz="1800">
                 <a:latin typeface="Courier"/>
               </a:rPr>
               <a:t>(</a:t>
             </a:r>
             <a:r>
-              <a:rPr>
+              <a:rPr sz="1800">
                 <a:solidFill>
                   <a:srgbClr val="40A070"/>
                 </a:solidFill>
@@ -10720,13 +10896,13 @@
               <a:t>50</a:t>
             </a:r>
             <a:r>
-              <a:rPr>
+              <a:rPr sz="1800">
                 <a:latin typeface="Courier"/>
               </a:rPr>
               <a:t>, </a:t>
             </a:r>
             <a:r>
-              <a:rPr>
+              <a:rPr sz="1800">
                 <a:solidFill>
                   <a:srgbClr val="40A070"/>
                 </a:solidFill>
@@ -10735,13 +10911,13 @@
               <a:t>25</a:t>
             </a:r>
             <a:r>
-              <a:rPr>
+              <a:rPr sz="1800">
                 <a:latin typeface="Courier"/>
               </a:rPr>
               <a:t>, </a:t>
             </a:r>
             <a:r>
-              <a:rPr>
+              <a:rPr sz="1800">
                 <a:solidFill>
                   <a:srgbClr val="40A070"/>
                 </a:solidFill>
@@ -10750,13 +10926,13 @@
               <a:t>32</a:t>
             </a:r>
             <a:r>
-              <a:rPr>
+              <a:rPr sz="1800">
                 <a:latin typeface="Courier"/>
               </a:rPr>
               <a:t>, </a:t>
             </a:r>
             <a:r>
-              <a:rPr>
+              <a:rPr sz="1800">
                 <a:solidFill>
                   <a:srgbClr val="40A070"/>
                 </a:solidFill>
@@ -10765,13 +10941,13 @@
               <a:t>67</a:t>
             </a:r>
             <a:r>
-              <a:rPr>
+              <a:rPr sz="1800">
                 <a:latin typeface="Courier"/>
               </a:rPr>
               <a:t>, </a:t>
             </a:r>
             <a:r>
-              <a:rPr>
+              <a:rPr sz="1800">
                 <a:solidFill>
                   <a:srgbClr val="40A070"/>
                 </a:solidFill>
@@ -10780,13 +10956,13 @@
               <a:t>46</a:t>
             </a:r>
             <a:r>
-              <a:rPr>
+              <a:rPr sz="1800">
                 <a:latin typeface="Courier"/>
               </a:rPr>
               <a:t>, </a:t>
             </a:r>
             <a:r>
-              <a:rPr>
+              <a:rPr sz="1800">
                 <a:solidFill>
                   <a:srgbClr val="40A070"/>
                 </a:solidFill>
@@ -10795,36 +10971,36 @@
               <a:t>19</a:t>
             </a:r>
             <a:r>
-              <a:rPr>
+              <a:rPr sz="1800">
                 <a:latin typeface="Courier"/>
               </a:rPr>
               <a:t>)</a:t>
             </a:r>
             <a:br/>
             <a:r>
-              <a:rPr>
+              <a:rPr sz="1800">
                 <a:latin typeface="Courier"/>
               </a:rPr>
               <a:t>age</a:t>
             </a:r>
           </a:p>
           <a:p>
-            <a:pPr lvl="0" indent="0">
+            <a:pPr lvl="0" marL="1270000" indent="0">
               <a:buNone/>
             </a:pPr>
             <a:r>
-              <a:rPr>
+              <a:rPr sz="1800">
                 <a:latin typeface="Courier"/>
               </a:rPr>
               <a:t>## [1] 50 25 32 67 46 19</a:t>
             </a:r>
           </a:p>
           <a:p>
-            <a:pPr lvl="0" indent="0">
+            <a:pPr lvl="0" marL="1270000" indent="0">
               <a:buNone/>
             </a:pPr>
             <a:r>
-              <a:rPr i="1">
+              <a:rPr sz="1800" i="1">
                 <a:solidFill>
                   <a:srgbClr val="60A0B0"/>
                 </a:solidFill>
@@ -10834,13 +11010,13 @@
             </a:r>
             <a:br/>
             <a:r>
-              <a:rPr>
+              <a:rPr sz="1800">
                 <a:latin typeface="Courier"/>
               </a:rPr>
               <a:t>name &lt;-</a:t>
             </a:r>
             <a:r>
-              <a:rPr>
+              <a:rPr sz="1800">
                 <a:solidFill>
                   <a:srgbClr val="4070A0"/>
                 </a:solidFill>
@@ -10849,7 +11025,7 @@
               <a:t> </a:t>
             </a:r>
             <a:r>
-              <a:rPr b="1">
+              <a:rPr sz="1800" b="1">
                 <a:solidFill>
                   <a:srgbClr val="007020"/>
                 </a:solidFill>
@@ -10858,13 +11034,13 @@
               <a:t>c</a:t>
             </a:r>
             <a:r>
-              <a:rPr>
+              <a:rPr sz="1800">
                 <a:latin typeface="Courier"/>
               </a:rPr>
               <a:t>(</a:t>
             </a:r>
             <a:r>
-              <a:rPr>
+              <a:rPr sz="1800">
                 <a:solidFill>
                   <a:srgbClr val="4070A0"/>
                 </a:solidFill>
@@ -10873,13 +11049,13 @@
               <a:t>"Adam"</a:t>
             </a:r>
             <a:r>
-              <a:rPr>
+              <a:rPr sz="1800">
                 <a:latin typeface="Courier"/>
               </a:rPr>
               <a:t>, </a:t>
             </a:r>
             <a:r>
-              <a:rPr>
+              <a:rPr sz="1800">
                 <a:solidFill>
                   <a:srgbClr val="4070A0"/>
                 </a:solidFill>
@@ -10888,13 +11064,13 @@
               <a:t>"Sally"</a:t>
             </a:r>
             <a:r>
-              <a:rPr>
+              <a:rPr sz="1800">
                 <a:latin typeface="Courier"/>
               </a:rPr>
               <a:t>, </a:t>
             </a:r>
             <a:r>
-              <a:rPr>
+              <a:rPr sz="1800">
                 <a:solidFill>
                   <a:srgbClr val="4070A0"/>
                 </a:solidFill>
@@ -10903,13 +11079,13 @@
               <a:t>"Eve"</a:t>
             </a:r>
             <a:r>
-              <a:rPr>
+              <a:rPr sz="1800">
                 <a:latin typeface="Courier"/>
               </a:rPr>
               <a:t>, </a:t>
             </a:r>
             <a:r>
-              <a:rPr>
+              <a:rPr sz="1800">
                 <a:solidFill>
                   <a:srgbClr val="4070A0"/>
                 </a:solidFill>
@@ -10918,13 +11094,13 @@
               <a:t>"John"</a:t>
             </a:r>
             <a:r>
-              <a:rPr>
+              <a:rPr sz="1800">
                 <a:latin typeface="Courier"/>
               </a:rPr>
               <a:t>, </a:t>
             </a:r>
             <a:r>
-              <a:rPr>
+              <a:rPr sz="1800">
                 <a:solidFill>
                   <a:srgbClr val="4070A0"/>
                 </a:solidFill>
@@ -10933,13 +11109,13 @@
               <a:t>"James"</a:t>
             </a:r>
             <a:r>
-              <a:rPr>
+              <a:rPr sz="1800">
                 <a:latin typeface="Courier"/>
               </a:rPr>
               <a:t>, </a:t>
             </a:r>
             <a:r>
-              <a:rPr>
+              <a:rPr sz="1800">
                 <a:solidFill>
                   <a:srgbClr val="4070A0"/>
                 </a:solidFill>
@@ -10948,25 +11124,25 @@
               <a:t>"Jennifer"</a:t>
             </a:r>
             <a:r>
-              <a:rPr>
+              <a:rPr sz="1800">
                 <a:latin typeface="Courier"/>
               </a:rPr>
               <a:t>)</a:t>
             </a:r>
             <a:br/>
             <a:r>
-              <a:rPr>
+              <a:rPr sz="1800">
                 <a:latin typeface="Courier"/>
               </a:rPr>
               <a:t>name</a:t>
             </a:r>
           </a:p>
           <a:p>
-            <a:pPr lvl="0" indent="0">
+            <a:pPr lvl="0" marL="1270000" indent="0">
               <a:buNone/>
             </a:pPr>
             <a:r>
-              <a:rPr>
+              <a:rPr sz="1800">
                 <a:latin typeface="Courier"/>
               </a:rPr>
               <a:t>## [1] "Adam"     "Sally"    "Eve"      "John"     "James"    "Jennifer"</a:t>
@@ -11093,7 +11269,7 @@
               <a:t>It allocates a number to each element within the vector from left to right, starting with </a:t>
             </a:r>
             <a:r>
-              <a:rPr>
+              <a:rPr sz="1800">
                 <a:latin typeface="Courier"/>
               </a:rPr>
               <a:t>1</a:t>
@@ -11104,11 +11280,11 @@
             </a:r>
           </a:p>
           <a:p>
-            <a:pPr lvl="0" indent="0">
+            <a:pPr lvl="0" marL="1270000" indent="0">
               <a:buNone/>
             </a:pPr>
             <a:r>
-              <a:rPr i="1">
+              <a:rPr sz="1800" i="1">
                 <a:solidFill>
                   <a:srgbClr val="60A0B0"/>
                 </a:solidFill>
@@ -11118,13 +11294,13 @@
             </a:r>
             <a:br/>
             <a:r>
-              <a:rPr>
+              <a:rPr sz="1800">
                 <a:latin typeface="Courier"/>
               </a:rPr>
               <a:t>age[</a:t>
             </a:r>
             <a:r>
-              <a:rPr>
+              <a:rPr sz="1800">
                 <a:solidFill>
                   <a:srgbClr val="40A070"/>
                 </a:solidFill>
@@ -11133,29 +11309,29 @@
               <a:t>2</a:t>
             </a:r>
             <a:r>
-              <a:rPr>
+              <a:rPr sz="1800">
                 <a:latin typeface="Courier"/>
               </a:rPr>
               <a:t>]</a:t>
             </a:r>
           </a:p>
           <a:p>
-            <a:pPr lvl="0" indent="0">
+            <a:pPr lvl="0" marL="1270000" indent="0">
               <a:buNone/>
             </a:pPr>
             <a:r>
-              <a:rPr>
+              <a:rPr sz="1800">
                 <a:latin typeface="Courier"/>
               </a:rPr>
               <a:t>## [1] 25</a:t>
             </a:r>
           </a:p>
           <a:p>
-            <a:pPr lvl="0" indent="0">
+            <a:pPr lvl="0" marL="1270000" indent="0">
               <a:buNone/>
             </a:pPr>
             <a:r>
-              <a:rPr i="1">
+              <a:rPr sz="1800" i="1">
                 <a:solidFill>
                   <a:srgbClr val="60A0B0"/>
                 </a:solidFill>
@@ -11165,13 +11341,13 @@
             </a:r>
             <a:br/>
             <a:r>
-              <a:rPr>
+              <a:rPr sz="1800">
                 <a:latin typeface="Courier"/>
               </a:rPr>
               <a:t>age[</a:t>
             </a:r>
             <a:r>
-              <a:rPr>
+              <a:rPr sz="1800">
                 <a:solidFill>
                   <a:srgbClr val="40A070"/>
                 </a:solidFill>
@@ -11180,29 +11356,29 @@
               <a:t>4</a:t>
             </a:r>
             <a:r>
-              <a:rPr>
+              <a:rPr sz="1800">
                 <a:latin typeface="Courier"/>
               </a:rPr>
               <a:t>]</a:t>
             </a:r>
           </a:p>
           <a:p>
-            <a:pPr lvl="0" indent="0">
+            <a:pPr lvl="0" marL="1270000" indent="0">
               <a:buNone/>
             </a:pPr>
             <a:r>
-              <a:rPr>
+              <a:rPr sz="1800">
                 <a:latin typeface="Courier"/>
               </a:rPr>
               <a:t>## [1] 67</a:t>
             </a:r>
           </a:p>
           <a:p>
-            <a:pPr lvl="0" indent="0">
+            <a:pPr lvl="0" marL="1270000" indent="0">
               <a:buNone/>
             </a:pPr>
             <a:r>
-              <a:rPr i="1">
+              <a:rPr sz="1800" i="1">
                 <a:solidFill>
                   <a:srgbClr val="60A0B0"/>
                 </a:solidFill>
@@ -11212,13 +11388,13 @@
             </a:r>
             <a:br/>
             <a:r>
-              <a:rPr>
+              <a:rPr sz="1800">
                 <a:latin typeface="Courier"/>
               </a:rPr>
               <a:t>name[</a:t>
             </a:r>
             <a:r>
-              <a:rPr>
+              <a:rPr sz="1800">
                 <a:solidFill>
                   <a:srgbClr val="40A070"/>
                 </a:solidFill>
@@ -11227,18 +11403,18 @@
               <a:t>5</a:t>
             </a:r>
             <a:r>
-              <a:rPr>
+              <a:rPr sz="1800">
                 <a:latin typeface="Courier"/>
               </a:rPr>
               <a:t>]</a:t>
             </a:r>
           </a:p>
           <a:p>
-            <a:pPr lvl="0" indent="0">
+            <a:pPr lvl="0" marL="1270000" indent="0">
               <a:buNone/>
             </a:pPr>
             <a:r>
-              <a:rPr>
+              <a:rPr sz="1800">
                 <a:latin typeface="Courier"/>
               </a:rPr>
               <a:t>## [1] "James"</a:t>
@@ -11294,15 +11470,39 @@
             </a:pPr>
             <a:r>
               <a:rPr/>
-              <a:t>Data</a:t>
-            </a:r>
-            <a:r>
-              <a:rPr/>
-              <a:t> </a:t>
-            </a:r>
-            <a:r>
-              <a:rPr/>
-              <a:t>frames</a:t>
+              <a:t>Exercise:</a:t>
+            </a:r>
+            <a:r>
+              <a:rPr/>
+              <a:t> </a:t>
+            </a:r>
+            <a:r>
+              <a:rPr/>
+              <a:t>Vectors</a:t>
+            </a:r>
+            <a:r>
+              <a:rPr/>
+              <a:t> </a:t>
+            </a:r>
+            <a:r>
+              <a:rPr/>
+              <a:t>-</a:t>
+            </a:r>
+            <a:r>
+              <a:rPr/>
+              <a:t> </a:t>
+            </a:r>
+            <a:r>
+              <a:rPr/>
+              <a:t>other</a:t>
+            </a:r>
+            <a:r>
+              <a:rPr/>
+              <a:t> </a:t>
+            </a:r>
+            <a:r>
+              <a:rPr/>
+              <a:t>properties</a:t>
             </a:r>
           </a:p>
         </p:txBody>
@@ -11331,45 +11531,161 @@
             <a:pPr lvl="1"/>
             <a:r>
               <a:rPr/>
-              <a:t>You are already familiar with data frames</a:t>
-            </a:r>
-          </a:p>
-          <a:p>
-            <a:pPr lvl="0" indent="0">
+              <a:t>Remember, vectors contain elements of the same data type.</a:t>
+            </a:r>
+          </a:p>
+          <a:p>
+            <a:pPr lvl="1"/>
+            <a:r>
+              <a:rPr/>
+              <a:t>Thus, what would happen if we were to add a value of </a:t>
+            </a:r>
+            <a:r>
+              <a:rPr sz="1800">
+                <a:latin typeface="Courier"/>
+              </a:rPr>
+              <a:t>TRUE</a:t>
+            </a:r>
+            <a:r>
+              <a:rPr/>
+              <a:t> to a vector of integers?</a:t>
+            </a:r>
+          </a:p>
+          <a:p>
+            <a:pPr lvl="1"/>
+            <a:r>
+              <a:rPr/>
+              <a:t>Use </a:t>
+            </a:r>
+            <a:r>
+              <a:rPr sz="1800">
+                <a:latin typeface="Courier"/>
+              </a:rPr>
+              <a:t>class()</a:t>
+            </a:r>
+            <a:r>
+              <a:rPr/>
+              <a:t> to examine the class of the vector. What has happened?</a:t>
+            </a:r>
+          </a:p>
+          <a:p>
+            <a:pPr lvl="0" marL="1270000" indent="0">
               <a:buNone/>
             </a:pPr>
             <a:r>
-              <a:rPr>
-                <a:latin typeface="Courier"/>
-              </a:rPr>
-              <a:t>##       name age gender
-## 1     Adam  50   male
-## 2    Sally  25 female
-## 3      Eve  32 female
-## 4     John  67   male
-## 5    James  46   male
-## 6 Jennifer  19 female</a:t>
-            </a:r>
-          </a:p>
-          <a:p>
-            <a:pPr lvl="1"/>
-            <a:r>
-              <a:rPr/>
-              <a:t>A data frame is a series of vectors aligned to form a table</a:t>
-            </a:r>
-          </a:p>
-          <a:p>
-            <a:pPr lvl="1"/>
-            <a:r>
-              <a:rPr/>
-              <a:t>Each vector becomes a column in the table</a:t>
-            </a:r>
-          </a:p>
-          <a:p>
-            <a:pPr lvl="1"/>
-            <a:r>
-              <a:rPr/>
-              <a:t>A properly formatted excel spreadsheet is essentially a data frame</a:t>
+              <a:rPr sz="1800" i="1">
+                <a:solidFill>
+                  <a:srgbClr val="60A0B0"/>
+                </a:solidFill>
+                <a:latin typeface="Courier"/>
+              </a:rPr>
+              <a:t># Add a value of TRUE to a vector of integers </a:t>
+            </a:r>
+            <a:br/>
+            <a:r>
+              <a:rPr sz="1800">
+                <a:latin typeface="Courier"/>
+              </a:rPr>
+              <a:t>test &lt;-</a:t>
+            </a:r>
+            <a:r>
+              <a:rPr sz="1800">
+                <a:solidFill>
+                  <a:srgbClr val="4070A0"/>
+                </a:solidFill>
+                <a:latin typeface="Courier"/>
+              </a:rPr>
+              <a:t> </a:t>
+            </a:r>
+            <a:r>
+              <a:rPr sz="1800" b="1">
+                <a:solidFill>
+                  <a:srgbClr val="007020"/>
+                </a:solidFill>
+                <a:latin typeface="Courier"/>
+              </a:rPr>
+              <a:t>c</a:t>
+            </a:r>
+            <a:r>
+              <a:rPr sz="1800">
+                <a:latin typeface="Courier"/>
+              </a:rPr>
+              <a:t>(</a:t>
+            </a:r>
+            <a:r>
+              <a:rPr sz="1800">
+                <a:solidFill>
+                  <a:srgbClr val="40A070"/>
+                </a:solidFill>
+                <a:latin typeface="Courier"/>
+              </a:rPr>
+              <a:t>1</a:t>
+            </a:r>
+            <a:r>
+              <a:rPr sz="1800">
+                <a:latin typeface="Courier"/>
+              </a:rPr>
+              <a:t>, </a:t>
+            </a:r>
+            <a:r>
+              <a:rPr sz="1800">
+                <a:solidFill>
+                  <a:srgbClr val="40A070"/>
+                </a:solidFill>
+                <a:latin typeface="Courier"/>
+              </a:rPr>
+              <a:t>2</a:t>
+            </a:r>
+            <a:r>
+              <a:rPr sz="1800">
+                <a:latin typeface="Courier"/>
+              </a:rPr>
+              <a:t>, </a:t>
+            </a:r>
+            <a:r>
+              <a:rPr sz="1800">
+                <a:solidFill>
+                  <a:srgbClr val="40A070"/>
+                </a:solidFill>
+                <a:latin typeface="Courier"/>
+              </a:rPr>
+              <a:t>3</a:t>
+            </a:r>
+            <a:r>
+              <a:rPr sz="1800">
+                <a:latin typeface="Courier"/>
+              </a:rPr>
+              <a:t>, </a:t>
+            </a:r>
+            <a:r>
+              <a:rPr sz="1800">
+                <a:solidFill>
+                  <a:srgbClr val="40A070"/>
+                </a:solidFill>
+                <a:latin typeface="Courier"/>
+              </a:rPr>
+              <a:t>4</a:t>
+            </a:r>
+            <a:r>
+              <a:rPr sz="1800">
+                <a:latin typeface="Courier"/>
+              </a:rPr>
+              <a:t>, </a:t>
+            </a:r>
+            <a:r>
+              <a:rPr sz="1800">
+                <a:solidFill>
+                  <a:srgbClr val="007020"/>
+                </a:solidFill>
+                <a:latin typeface="Courier"/>
+              </a:rPr>
+              <a:t>TRUE</a:t>
+            </a:r>
+            <a:r>
+              <a:rPr sz="1800">
+                <a:latin typeface="Courier"/>
+              </a:rPr>
+              <a:t>)</a:t>
             </a:r>
           </a:p>
         </p:txBody>
@@ -11422,31 +11738,15 @@
             </a:pPr>
             <a:r>
               <a:rPr/>
-              <a:t>Creating</a:t>
-            </a:r>
-            <a:r>
-              <a:rPr/>
-              <a:t> </a:t>
-            </a:r>
-            <a:r>
-              <a:rPr/>
-              <a:t>a</a:t>
-            </a:r>
-            <a:r>
-              <a:rPr/>
-              <a:t> </a:t>
-            </a:r>
-            <a:r>
-              <a:rPr/>
-              <a:t>data</a:t>
-            </a:r>
-            <a:r>
-              <a:rPr/>
-              <a:t> </a:t>
-            </a:r>
-            <a:r>
-              <a:rPr/>
-              <a:t>frame</a:t>
+              <a:t>Solution:</a:t>
+            </a:r>
+            <a:r>
+              <a:rPr/>
+              <a:t> </a:t>
+            </a:r>
+            <a:r>
+              <a:rPr/>
+              <a:t>Vectors</a:t>
             </a:r>
             <a:r>
               <a:rPr/>
@@ -11462,7 +11762,15 @@
             </a:r>
             <a:r>
               <a:rPr/>
-              <a:t>exercise</a:t>
+              <a:t>other</a:t>
+            </a:r>
+            <a:r>
+              <a:rPr/>
+              <a:t> </a:t>
+            </a:r>
+            <a:r>
+              <a:rPr/>
+              <a:t>properties</a:t>
             </a:r>
           </a:p>
         </p:txBody>
@@ -11488,65 +11796,127 @@
           <a:bodyPr/>
           <a:lstStyle/>
           <a:p>
+            <a:pPr lvl="0" marL="1270000" indent="0">
+              <a:buNone/>
+            </a:pPr>
+            <a:r>
+              <a:rPr sz="1800" i="1">
+                <a:solidFill>
+                  <a:srgbClr val="60A0B0"/>
+                </a:solidFill>
+                <a:latin typeface="Courier"/>
+              </a:rPr>
+              <a:t># Recall the vector</a:t>
+            </a:r>
+            <a:br/>
+            <a:r>
+              <a:rPr sz="1800">
+                <a:latin typeface="Courier"/>
+              </a:rPr>
+              <a:t>test</a:t>
+            </a:r>
+          </a:p>
+          <a:p>
+            <a:pPr lvl="0" marL="1270000" indent="0">
+              <a:buNone/>
+            </a:pPr>
+            <a:r>
+              <a:rPr sz="1800">
+                <a:latin typeface="Courier"/>
+              </a:rPr>
+              <a:t>## [1] 1 2 3 4 1</a:t>
+            </a:r>
+          </a:p>
+          <a:p>
+            <a:pPr lvl="0" marL="1270000" indent="0">
+              <a:buNone/>
+            </a:pPr>
+            <a:r>
+              <a:rPr sz="1800" i="1">
+                <a:solidFill>
+                  <a:srgbClr val="60A0B0"/>
+                </a:solidFill>
+                <a:latin typeface="Courier"/>
+              </a:rPr>
+              <a:t># Examine the class of the vector</a:t>
+            </a:r>
+            <a:br/>
+            <a:r>
+              <a:rPr sz="1800" b="1">
+                <a:solidFill>
+                  <a:srgbClr val="007020"/>
+                </a:solidFill>
+                <a:latin typeface="Courier"/>
+              </a:rPr>
+              <a:t>class</a:t>
+            </a:r>
+            <a:r>
+              <a:rPr sz="1800">
+                <a:latin typeface="Courier"/>
+              </a:rPr>
+              <a:t>(test)</a:t>
+            </a:r>
+          </a:p>
+          <a:p>
+            <a:pPr lvl="0" marL="1270000" indent="0">
+              <a:buNone/>
+            </a:pPr>
+            <a:r>
+              <a:rPr sz="1800">
+                <a:latin typeface="Courier"/>
+              </a:rPr>
+              <a:t>## [1] "numeric"</a:t>
+            </a:r>
+          </a:p>
+          <a:p>
             <a:pPr lvl="1"/>
             <a:r>
               <a:rPr/>
-              <a:t>Create and name vectors containing information about these 6 patients.</a:t>
-            </a:r>
-          </a:p>
-          <a:p>
-            <a:pPr lvl="2"/>
-            <a:r>
-              <a:rPr>
-                <a:latin typeface="Courier"/>
-              </a:rPr>
-              <a:t>Name: "Adam", "Sally", "Eve", "John", "James", "Jennifer"</a:t>
-            </a:r>
-          </a:p>
-          <a:p>
-            <a:pPr lvl="2"/>
-            <a:r>
-              <a:rPr>
-                <a:latin typeface="Courier"/>
-              </a:rPr>
-              <a:t>Age: 50, 25, 32, 67, 46, 19</a:t>
-            </a:r>
-          </a:p>
-          <a:p>
-            <a:pPr lvl="2"/>
-            <a:r>
-              <a:rPr>
-                <a:latin typeface="Courier"/>
-              </a:rPr>
-              <a:t>Gender: "male", "female", "female", "male", "male", "female"</a:t>
+              <a:t>The value of </a:t>
+            </a:r>
+            <a:r>
+              <a:rPr sz="1800">
+                <a:latin typeface="Courier"/>
+              </a:rPr>
+              <a:t>TRUE</a:t>
+            </a:r>
+            <a:r>
+              <a:rPr/>
+              <a:t> has been changed to 1.</a:t>
             </a:r>
           </a:p>
           <a:p>
             <a:pPr lvl="1"/>
             <a:r>
               <a:rPr/>
-              <a:t>Quotation marks are not needed for object names in R, but are when your data is made up of characters e.g. “male”, “female”.</a:t>
+              <a:t>The vector is still a numeric vector.</a:t>
             </a:r>
           </a:p>
           <a:p>
             <a:pPr lvl="1"/>
             <a:r>
               <a:rPr/>
-              <a:t>As a rule:</a:t>
-            </a:r>
-          </a:p>
-          <a:p>
-            <a:pPr lvl="2"/>
-            <a:r>
-              <a:rPr/>
-              <a:t>Characters on the left side of the assignment operator. No quote marks.</a:t>
-            </a:r>
-          </a:p>
-          <a:p>
-            <a:pPr lvl="2"/>
-            <a:r>
-              <a:rPr/>
-              <a:t>Characters on the right side of the assignment operator. Use quote marks if storing letters.</a:t>
+              <a:t>This is because logical vectors (i.e. </a:t>
+            </a:r>
+            <a:r>
+              <a:rPr sz="1800">
+                <a:latin typeface="Courier"/>
+              </a:rPr>
+              <a:t>TRUE</a:t>
+            </a:r>
+            <a:r>
+              <a:rPr/>
+              <a:t>/</a:t>
+            </a:r>
+            <a:r>
+              <a:rPr sz="1800">
+                <a:latin typeface="Courier"/>
+              </a:rPr>
+              <a:t>FALSE</a:t>
+            </a:r>
+            <a:r>
+              <a:rPr/>
+              <a:t>) can be coded in a binary format (1/0).</a:t>
             </a:r>
           </a:p>
         </p:txBody>
@@ -11728,31 +12098,15 @@
             </a:pPr>
             <a:r>
               <a:rPr/>
-              <a:t>Creating</a:t>
-            </a:r>
-            <a:r>
-              <a:rPr/>
-              <a:t> </a:t>
-            </a:r>
-            <a:r>
-              <a:rPr/>
-              <a:t>a</a:t>
-            </a:r>
-            <a:r>
-              <a:rPr/>
-              <a:t> </a:t>
-            </a:r>
-            <a:r>
-              <a:rPr/>
-              <a:t>data</a:t>
-            </a:r>
-            <a:r>
-              <a:rPr/>
-              <a:t> </a:t>
-            </a:r>
-            <a:r>
-              <a:rPr/>
-              <a:t>frame</a:t>
+              <a:t>Exercise:</a:t>
+            </a:r>
+            <a:r>
+              <a:rPr/>
+              <a:t> </a:t>
+            </a:r>
+            <a:r>
+              <a:rPr/>
+              <a:t>Vectors</a:t>
             </a:r>
             <a:r>
               <a:rPr/>
@@ -11768,7 +12122,15 @@
             </a:r>
             <a:r>
               <a:rPr/>
-              <a:t>exercise</a:t>
+              <a:t>other</a:t>
+            </a:r>
+            <a:r>
+              <a:rPr/>
+              <a:t> </a:t>
+            </a:r>
+            <a:r>
+              <a:rPr/>
+              <a:t>properties</a:t>
             </a:r>
           </a:p>
         </p:txBody>
@@ -11797,68 +12159,134 @@
             <a:pPr lvl="1"/>
             <a:r>
               <a:rPr/>
-              <a:t>Combine these vectors into a data frame using </a:t>
-            </a:r>
-            <a:r>
-              <a:rPr>
-                <a:latin typeface="Courier"/>
-              </a:rPr>
-              <a:t>data.frame()</a:t>
-            </a:r>
-            <a:r>
-              <a:rPr/>
-              <a:t>.</a:t>
-            </a:r>
-          </a:p>
-          <a:p>
-            <a:pPr lvl="2"/>
-            <a:r>
-              <a:rPr/>
-              <a:t>Hint, the vector names need to go inside the </a:t>
-            </a:r>
-            <a:r>
-              <a:rPr>
-                <a:latin typeface="Courier"/>
-              </a:rPr>
-              <a:t>()</a:t>
-            </a:r>
-            <a:r>
-              <a:rPr/>
-              <a:t>.</a:t>
+              <a:t>Add a character variable to a vector of integers.</a:t>
+            </a:r>
+          </a:p>
+          <a:p>
+            <a:pPr lvl="0" marL="1270000" indent="0">
+              <a:buNone/>
+            </a:pPr>
+            <a:r>
+              <a:rPr sz="1800">
+                <a:latin typeface="Courier"/>
+              </a:rPr>
+              <a:t>test2 &lt;-</a:t>
+            </a:r>
+            <a:r>
+              <a:rPr sz="1800">
+                <a:solidFill>
+                  <a:srgbClr val="4070A0"/>
+                </a:solidFill>
+                <a:latin typeface="Courier"/>
+              </a:rPr>
+              <a:t> </a:t>
+            </a:r>
+            <a:r>
+              <a:rPr sz="1800" b="1">
+                <a:solidFill>
+                  <a:srgbClr val="007020"/>
+                </a:solidFill>
+                <a:latin typeface="Courier"/>
+              </a:rPr>
+              <a:t>c</a:t>
+            </a:r>
+            <a:r>
+              <a:rPr sz="1800">
+                <a:latin typeface="Courier"/>
+              </a:rPr>
+              <a:t>(</a:t>
+            </a:r>
+            <a:r>
+              <a:rPr sz="1800">
+                <a:solidFill>
+                  <a:srgbClr val="40A070"/>
+                </a:solidFill>
+                <a:latin typeface="Courier"/>
+              </a:rPr>
+              <a:t>1</a:t>
+            </a:r>
+            <a:r>
+              <a:rPr sz="1800">
+                <a:latin typeface="Courier"/>
+              </a:rPr>
+              <a:t>, </a:t>
+            </a:r>
+            <a:r>
+              <a:rPr sz="1800">
+                <a:solidFill>
+                  <a:srgbClr val="40A070"/>
+                </a:solidFill>
+                <a:latin typeface="Courier"/>
+              </a:rPr>
+              <a:t>2</a:t>
+            </a:r>
+            <a:r>
+              <a:rPr sz="1800">
+                <a:latin typeface="Courier"/>
+              </a:rPr>
+              <a:t>, </a:t>
+            </a:r>
+            <a:r>
+              <a:rPr sz="1800">
+                <a:solidFill>
+                  <a:srgbClr val="40A070"/>
+                </a:solidFill>
+                <a:latin typeface="Courier"/>
+              </a:rPr>
+              <a:t>3</a:t>
+            </a:r>
+            <a:r>
+              <a:rPr sz="1800">
+                <a:latin typeface="Courier"/>
+              </a:rPr>
+              <a:t>, </a:t>
+            </a:r>
+            <a:r>
+              <a:rPr sz="1800">
+                <a:solidFill>
+                  <a:srgbClr val="40A070"/>
+                </a:solidFill>
+                <a:latin typeface="Courier"/>
+              </a:rPr>
+              <a:t>4</a:t>
+            </a:r>
+            <a:r>
+              <a:rPr sz="1800">
+                <a:latin typeface="Courier"/>
+              </a:rPr>
+              <a:t>, </a:t>
+            </a:r>
+            <a:r>
+              <a:rPr sz="1800">
+                <a:solidFill>
+                  <a:srgbClr val="4070A0"/>
+                </a:solidFill>
+                <a:latin typeface="Courier"/>
+              </a:rPr>
+              <a:t>"hi"</a:t>
+            </a:r>
+            <a:r>
+              <a:rPr sz="1800">
+                <a:latin typeface="Courier"/>
+              </a:rPr>
+              <a:t>)</a:t>
             </a:r>
           </a:p>
           <a:p>
             <a:pPr lvl="1"/>
             <a:r>
               <a:rPr/>
-              <a:t>Save the data frame under the name </a:t>
-            </a:r>
-            <a:r>
-              <a:rPr>
-                <a:latin typeface="Courier"/>
-              </a:rPr>
-              <a:t>patients</a:t>
-            </a:r>
-            <a:r>
-              <a:rPr/>
-              <a:t>.</a:t>
-            </a:r>
-          </a:p>
-          <a:p>
-            <a:pPr lvl="1"/>
-            <a:r>
-              <a:rPr/>
-              <a:t>Print the data frame called </a:t>
-            </a:r>
-            <a:r>
-              <a:rPr>
-                <a:latin typeface="Courier"/>
-              </a:rPr>
-              <a:t>patients</a:t>
-            </a:r>
-            <a:r>
-              <a:rPr/>
-              <a:t> to your console.</a:t>
+              <a:t>Recall the vector and use </a:t>
+            </a:r>
+            <a:r>
+              <a:rPr sz="1800">
+                <a:latin typeface="Courier"/>
+              </a:rPr>
+              <a:t>class()</a:t>
+            </a:r>
+            <a:r>
+              <a:rPr/>
+              <a:t> to examine the class of the vector. What has happened?</a:t>
             </a:r>
           </a:p>
         </p:txBody>
@@ -11911,31 +12339,15 @@
             </a:pPr>
             <a:r>
               <a:rPr/>
-              <a:t>Creating</a:t>
-            </a:r>
-            <a:r>
-              <a:rPr/>
-              <a:t> </a:t>
-            </a:r>
-            <a:r>
-              <a:rPr/>
-              <a:t>a</a:t>
-            </a:r>
-            <a:r>
-              <a:rPr/>
-              <a:t> </a:t>
-            </a:r>
-            <a:r>
-              <a:rPr/>
-              <a:t>data</a:t>
-            </a:r>
-            <a:r>
-              <a:rPr/>
-              <a:t> </a:t>
-            </a:r>
-            <a:r>
-              <a:rPr/>
-              <a:t>frame</a:t>
+              <a:t>Solution:</a:t>
+            </a:r>
+            <a:r>
+              <a:rPr/>
+              <a:t> </a:t>
+            </a:r>
+            <a:r>
+              <a:rPr/>
+              <a:t>Vectors</a:t>
             </a:r>
             <a:r>
               <a:rPr/>
@@ -11951,7 +12363,15 @@
             </a:r>
             <a:r>
               <a:rPr/>
-              <a:t>solution</a:t>
+              <a:t>other</a:t>
+            </a:r>
+            <a:r>
+              <a:rPr/>
+              <a:t> </a:t>
+            </a:r>
+            <a:r>
+              <a:rPr/>
+              <a:t>properties</a:t>
             </a:r>
           </a:p>
         </p:txBody>
@@ -11977,425 +12397,90 @@
           <a:bodyPr/>
           <a:lstStyle/>
           <a:p>
-            <a:pPr lvl="0" indent="0">
+            <a:pPr lvl="0" marL="1270000" indent="0">
               <a:buNone/>
             </a:pPr>
             <a:r>
-              <a:rPr i="1">
+              <a:rPr sz="1800" i="1">
                 <a:solidFill>
                   <a:srgbClr val="60A0B0"/>
                 </a:solidFill>
                 <a:latin typeface="Courier"/>
               </a:rPr>
-              <a:t># Creating individual vectors.</a:t>
+              <a:t># Recall the vector</a:t>
             </a:r>
             <a:br/>
+            <a:r>
+              <a:rPr sz="1800">
+                <a:latin typeface="Courier"/>
+              </a:rPr>
+              <a:t>test2</a:t>
+            </a:r>
+          </a:p>
+          <a:p>
+            <a:pPr lvl="0" marL="1270000" indent="0">
+              <a:buNone/>
+            </a:pPr>
+            <a:r>
+              <a:rPr sz="1800">
+                <a:latin typeface="Courier"/>
+              </a:rPr>
+              <a:t>## [1] "1"  "2"  "3"  "4"  "hi"</a:t>
+            </a:r>
+          </a:p>
+          <a:p>
+            <a:pPr lvl="0" marL="1270000" indent="0">
+              <a:buNone/>
+            </a:pPr>
+            <a:r>
+              <a:rPr sz="1800" i="1">
+                <a:solidFill>
+                  <a:srgbClr val="60A0B0"/>
+                </a:solidFill>
+                <a:latin typeface="Courier"/>
+              </a:rPr>
+              <a:t># Examine the class of the vector</a:t>
+            </a:r>
             <a:br/>
             <a:r>
-              <a:rPr>
-                <a:latin typeface="Courier"/>
-              </a:rPr>
-              <a:t>name &lt;-</a:t>
-            </a:r>
-            <a:r>
-              <a:rPr>
-                <a:solidFill>
-                  <a:srgbClr val="4070A0"/>
-                </a:solidFill>
-                <a:latin typeface="Courier"/>
-              </a:rPr>
-              <a:t> </a:t>
-            </a:r>
-            <a:r>
-              <a:rPr b="1">
+              <a:rPr sz="1800" b="1">
                 <a:solidFill>
                   <a:srgbClr val="007020"/>
                 </a:solidFill>
                 <a:latin typeface="Courier"/>
               </a:rPr>
-              <a:t>c</a:t>
-            </a:r>
-            <a:r>
-              <a:rPr>
-                <a:latin typeface="Courier"/>
-              </a:rPr>
-              <a:t>(</a:t>
-            </a:r>
-            <a:r>
-              <a:rPr>
-                <a:solidFill>
-                  <a:srgbClr val="4070A0"/>
-                </a:solidFill>
-                <a:latin typeface="Courier"/>
-              </a:rPr>
-              <a:t>"Adam"</a:t>
-            </a:r>
-            <a:r>
-              <a:rPr>
-                <a:latin typeface="Courier"/>
-              </a:rPr>
-              <a:t>, </a:t>
-            </a:r>
-            <a:r>
-              <a:rPr>
-                <a:solidFill>
-                  <a:srgbClr val="4070A0"/>
-                </a:solidFill>
-                <a:latin typeface="Courier"/>
-              </a:rPr>
-              <a:t>"Sally"</a:t>
-            </a:r>
-            <a:r>
-              <a:rPr>
-                <a:latin typeface="Courier"/>
-              </a:rPr>
-              <a:t>, </a:t>
-            </a:r>
-            <a:r>
-              <a:rPr>
-                <a:solidFill>
-                  <a:srgbClr val="4070A0"/>
-                </a:solidFill>
-                <a:latin typeface="Courier"/>
-              </a:rPr>
-              <a:t>"Eve"</a:t>
-            </a:r>
-            <a:r>
-              <a:rPr>
-                <a:latin typeface="Courier"/>
-              </a:rPr>
-              <a:t>, </a:t>
-            </a:r>
-            <a:r>
-              <a:rPr>
-                <a:solidFill>
-                  <a:srgbClr val="4070A0"/>
-                </a:solidFill>
-                <a:latin typeface="Courier"/>
-              </a:rPr>
-              <a:t>"John"</a:t>
-            </a:r>
-            <a:r>
-              <a:rPr>
-                <a:latin typeface="Courier"/>
-              </a:rPr>
-              <a:t>, </a:t>
-            </a:r>
-            <a:r>
-              <a:rPr>
-                <a:solidFill>
-                  <a:srgbClr val="4070A0"/>
-                </a:solidFill>
-                <a:latin typeface="Courier"/>
-              </a:rPr>
-              <a:t>"James"</a:t>
-            </a:r>
-            <a:r>
-              <a:rPr>
-                <a:latin typeface="Courier"/>
-              </a:rPr>
-              <a:t>, </a:t>
-            </a:r>
-            <a:r>
-              <a:rPr>
-                <a:solidFill>
-                  <a:srgbClr val="4070A0"/>
-                </a:solidFill>
-                <a:latin typeface="Courier"/>
-              </a:rPr>
-              <a:t>"Jennifer"</a:t>
-            </a:r>
-            <a:r>
-              <a:rPr>
-                <a:latin typeface="Courier"/>
-              </a:rPr>
-              <a:t>)</a:t>
-            </a:r>
-            <a:br/>
-            <a:r>
-              <a:rPr>
-                <a:latin typeface="Courier"/>
-              </a:rPr>
-              <a:t>age &lt;-</a:t>
-            </a:r>
-            <a:r>
-              <a:rPr>
-                <a:solidFill>
-                  <a:srgbClr val="4070A0"/>
-                </a:solidFill>
-                <a:latin typeface="Courier"/>
-              </a:rPr>
-              <a:t> </a:t>
-            </a:r>
-            <a:r>
-              <a:rPr b="1">
-                <a:solidFill>
-                  <a:srgbClr val="007020"/>
-                </a:solidFill>
-                <a:latin typeface="Courier"/>
-              </a:rPr>
-              <a:t>c</a:t>
-            </a:r>
-            <a:r>
-              <a:rPr>
-                <a:latin typeface="Courier"/>
-              </a:rPr>
-              <a:t>(</a:t>
-            </a:r>
-            <a:r>
-              <a:rPr>
-                <a:solidFill>
-                  <a:srgbClr val="40A070"/>
-                </a:solidFill>
-                <a:latin typeface="Courier"/>
-              </a:rPr>
-              <a:t>50</a:t>
-            </a:r>
-            <a:r>
-              <a:rPr>
-                <a:latin typeface="Courier"/>
-              </a:rPr>
-              <a:t>, </a:t>
-            </a:r>
-            <a:r>
-              <a:rPr>
-                <a:solidFill>
-                  <a:srgbClr val="40A070"/>
-                </a:solidFill>
-                <a:latin typeface="Courier"/>
-              </a:rPr>
-              <a:t>25</a:t>
-            </a:r>
-            <a:r>
-              <a:rPr>
-                <a:latin typeface="Courier"/>
-              </a:rPr>
-              <a:t>, </a:t>
-            </a:r>
-            <a:r>
-              <a:rPr>
-                <a:solidFill>
-                  <a:srgbClr val="40A070"/>
-                </a:solidFill>
-                <a:latin typeface="Courier"/>
-              </a:rPr>
-              <a:t>32</a:t>
-            </a:r>
-            <a:r>
-              <a:rPr>
-                <a:latin typeface="Courier"/>
-              </a:rPr>
-              <a:t>, </a:t>
-            </a:r>
-            <a:r>
-              <a:rPr>
-                <a:solidFill>
-                  <a:srgbClr val="40A070"/>
-                </a:solidFill>
-                <a:latin typeface="Courier"/>
-              </a:rPr>
-              <a:t>67</a:t>
-            </a:r>
-            <a:r>
-              <a:rPr>
-                <a:latin typeface="Courier"/>
-              </a:rPr>
-              <a:t>, </a:t>
-            </a:r>
-            <a:r>
-              <a:rPr>
-                <a:solidFill>
-                  <a:srgbClr val="40A070"/>
-                </a:solidFill>
-                <a:latin typeface="Courier"/>
-              </a:rPr>
-              <a:t>46</a:t>
-            </a:r>
-            <a:r>
-              <a:rPr>
-                <a:latin typeface="Courier"/>
-              </a:rPr>
-              <a:t>, </a:t>
-            </a:r>
-            <a:r>
-              <a:rPr>
-                <a:solidFill>
-                  <a:srgbClr val="40A070"/>
-                </a:solidFill>
-                <a:latin typeface="Courier"/>
-              </a:rPr>
-              <a:t>19</a:t>
-            </a:r>
-            <a:r>
-              <a:rPr>
-                <a:latin typeface="Courier"/>
-              </a:rPr>
-              <a:t>)</a:t>
-            </a:r>
-            <a:br/>
-            <a:r>
-              <a:rPr>
-                <a:latin typeface="Courier"/>
-              </a:rPr>
-              <a:t>gender &lt;-</a:t>
-            </a:r>
-            <a:r>
-              <a:rPr>
-                <a:solidFill>
-                  <a:srgbClr val="4070A0"/>
-                </a:solidFill>
-                <a:latin typeface="Courier"/>
-              </a:rPr>
-              <a:t> </a:t>
-            </a:r>
-            <a:r>
-              <a:rPr b="1">
-                <a:solidFill>
-                  <a:srgbClr val="007020"/>
-                </a:solidFill>
-                <a:latin typeface="Courier"/>
-              </a:rPr>
-              <a:t>c</a:t>
-            </a:r>
-            <a:r>
-              <a:rPr>
-                <a:latin typeface="Courier"/>
-              </a:rPr>
-              <a:t>(</a:t>
-            </a:r>
-            <a:r>
-              <a:rPr>
-                <a:solidFill>
-                  <a:srgbClr val="4070A0"/>
-                </a:solidFill>
-                <a:latin typeface="Courier"/>
-              </a:rPr>
-              <a:t>"male"</a:t>
-            </a:r>
-            <a:r>
-              <a:rPr>
-                <a:latin typeface="Courier"/>
-              </a:rPr>
-              <a:t>, </a:t>
-            </a:r>
-            <a:r>
-              <a:rPr>
-                <a:solidFill>
-                  <a:srgbClr val="4070A0"/>
-                </a:solidFill>
-                <a:latin typeface="Courier"/>
-              </a:rPr>
-              <a:t>"female"</a:t>
-            </a:r>
-            <a:r>
-              <a:rPr>
-                <a:latin typeface="Courier"/>
-              </a:rPr>
-              <a:t>, </a:t>
-            </a:r>
-            <a:r>
-              <a:rPr>
-                <a:solidFill>
-                  <a:srgbClr val="4070A0"/>
-                </a:solidFill>
-                <a:latin typeface="Courier"/>
-              </a:rPr>
-              <a:t>"female"</a:t>
-            </a:r>
-            <a:r>
-              <a:rPr>
-                <a:latin typeface="Courier"/>
-              </a:rPr>
-              <a:t>, </a:t>
-            </a:r>
-            <a:r>
-              <a:rPr>
-                <a:solidFill>
-                  <a:srgbClr val="4070A0"/>
-                </a:solidFill>
-                <a:latin typeface="Courier"/>
-              </a:rPr>
-              <a:t>"male"</a:t>
-            </a:r>
-            <a:r>
-              <a:rPr>
-                <a:latin typeface="Courier"/>
-              </a:rPr>
-              <a:t>, </a:t>
-            </a:r>
-            <a:r>
-              <a:rPr>
-                <a:solidFill>
-                  <a:srgbClr val="4070A0"/>
-                </a:solidFill>
-                <a:latin typeface="Courier"/>
-              </a:rPr>
-              <a:t>"male"</a:t>
-            </a:r>
-            <a:r>
-              <a:rPr>
-                <a:latin typeface="Courier"/>
-              </a:rPr>
-              <a:t>, </a:t>
-            </a:r>
-            <a:r>
-              <a:rPr>
-                <a:solidFill>
-                  <a:srgbClr val="4070A0"/>
-                </a:solidFill>
-                <a:latin typeface="Courier"/>
-              </a:rPr>
-              <a:t>"female"</a:t>
-            </a:r>
-            <a:r>
-              <a:rPr>
-                <a:latin typeface="Courier"/>
-              </a:rPr>
-              <a:t>)</a:t>
-            </a:r>
-            <a:br/>
-            <a:br/>
-            <a:br/>
-            <a:r>
-              <a:rPr i="1">
-                <a:solidFill>
-                  <a:srgbClr val="60A0B0"/>
-                </a:solidFill>
-                <a:latin typeface="Courier"/>
-              </a:rPr>
-              <a:t># Combining into a data frame.</a:t>
-            </a:r>
-            <a:br/>
-            <a:br/>
-            <a:r>
-              <a:rPr>
-                <a:latin typeface="Courier"/>
-              </a:rPr>
-              <a:t>patients &lt;-</a:t>
-            </a:r>
-            <a:r>
-              <a:rPr>
-                <a:solidFill>
-                  <a:srgbClr val="4070A0"/>
-                </a:solidFill>
-                <a:latin typeface="Courier"/>
-              </a:rPr>
-              <a:t> </a:t>
-            </a:r>
-            <a:r>
-              <a:rPr b="1">
-                <a:solidFill>
-                  <a:srgbClr val="007020"/>
-                </a:solidFill>
-                <a:latin typeface="Courier"/>
-              </a:rPr>
-              <a:t>data.frame</a:t>
-            </a:r>
-            <a:r>
-              <a:rPr>
-                <a:latin typeface="Courier"/>
-              </a:rPr>
-              <a:t>(name, age, gender)</a:t>
+              <a:t>class</a:t>
+            </a:r>
+            <a:r>
+              <a:rPr sz="1800">
+                <a:latin typeface="Courier"/>
+              </a:rPr>
+              <a:t>(test2)</a:t>
+            </a:r>
+          </a:p>
+          <a:p>
+            <a:pPr lvl="0" marL="1270000" indent="0">
+              <a:buNone/>
+            </a:pPr>
+            <a:r>
+              <a:rPr sz="1800">
+                <a:latin typeface="Courier"/>
+              </a:rPr>
+              <a:t>## [1] "character"</a:t>
+            </a:r>
+          </a:p>
+          <a:p>
+            <a:pPr lvl="1"/>
+            <a:r>
+              <a:rPr/>
+              <a:t>The character variable has been added on to the end of the vector.</a:t>
+            </a:r>
+          </a:p>
+          <a:p>
+            <a:pPr lvl="1"/>
+            <a:r>
+              <a:rPr/>
+              <a:t>The vector is now a character vector.</a:t>
             </a:r>
           </a:p>
         </p:txBody>
@@ -12448,39 +12533,15 @@
             </a:pPr>
             <a:r>
               <a:rPr/>
-              <a:t>This</a:t>
-            </a:r>
-            <a:r>
-              <a:rPr/>
-              <a:t> </a:t>
-            </a:r>
-            <a:r>
-              <a:rPr/>
-              <a:t>is</a:t>
-            </a:r>
-            <a:r>
-              <a:rPr/>
-              <a:t> </a:t>
-            </a:r>
-            <a:r>
-              <a:rPr/>
-              <a:t>the</a:t>
-            </a:r>
-            <a:r>
-              <a:rPr/>
-              <a:t> </a:t>
-            </a:r>
-            <a:r>
-              <a:rPr/>
-              <a:t>data</a:t>
-            </a:r>
-            <a:r>
-              <a:rPr/>
-              <a:t> </a:t>
-            </a:r>
-            <a:r>
-              <a:rPr/>
-              <a:t>frame</a:t>
+              <a:t>Data</a:t>
+            </a:r>
+            <a:r>
+              <a:rPr/>
+              <a:t> </a:t>
+            </a:r>
+            <a:r>
+              <a:rPr/>
+              <a:t>frames</a:t>
             </a:r>
           </a:p>
         </p:txBody>
@@ -12506,22 +12567,18 @@
           <a:bodyPr/>
           <a:lstStyle/>
           <a:p>
-            <a:pPr lvl="0" indent="0">
+            <a:pPr lvl="1"/>
+            <a:r>
+              <a:rPr/>
+              <a:t>You are already familiar with data frames</a:t>
+            </a:r>
+          </a:p>
+          <a:p>
+            <a:pPr lvl="0" marL="1270000" indent="0">
               <a:buNone/>
             </a:pPr>
             <a:r>
-              <a:rPr>
-                <a:latin typeface="Courier"/>
-              </a:rPr>
-              <a:t>patients</a:t>
-            </a:r>
-          </a:p>
-          <a:p>
-            <a:pPr lvl="0" indent="0">
-              <a:buNone/>
-            </a:pPr>
-            <a:r>
-              <a:rPr>
+              <a:rPr sz="1800">
                 <a:latin typeface="Courier"/>
               </a:rPr>
               <a:t>##       name age gender
@@ -12537,21 +12594,21 @@
             <a:pPr lvl="1"/>
             <a:r>
               <a:rPr/>
-              <a:t>R arranges the vectors as columns in the data frame.</a:t>
+              <a:t>A data frame is a series of vectors aligned to form a table</a:t>
             </a:r>
           </a:p>
           <a:p>
             <a:pPr lvl="1"/>
             <a:r>
               <a:rPr/>
-              <a:t>R names the columns of the data frame after the names of the vectors.</a:t>
+              <a:t>Each vector becomes a column in the table</a:t>
             </a:r>
           </a:p>
           <a:p>
             <a:pPr lvl="1"/>
             <a:r>
               <a:rPr/>
-              <a:t>R numbers each row of the data frame, creating an index for each row within the data frame.</a:t>
+              <a:t>A properly formatted excel spreadsheet is essentially a data frame</a:t>
             </a:r>
           </a:p>
         </p:txBody>
@@ -12604,31 +12661,15 @@
             </a:pPr>
             <a:r>
               <a:rPr/>
-              <a:t>Recalling</a:t>
-            </a:r>
-            <a:r>
-              <a:rPr/>
-              <a:t> </a:t>
-            </a:r>
-            <a:r>
-              <a:rPr/>
-              <a:t>a</a:t>
-            </a:r>
-            <a:r>
-              <a:rPr/>
-              <a:t> </a:t>
-            </a:r>
-            <a:r>
-              <a:rPr/>
-              <a:t>vector</a:t>
-            </a:r>
-            <a:r>
-              <a:rPr/>
-              <a:t> </a:t>
-            </a:r>
-            <a:r>
-              <a:rPr/>
-              <a:t>in</a:t>
+              <a:t>Exercise:</a:t>
+            </a:r>
+            <a:r>
+              <a:rPr/>
+              <a:t> </a:t>
+            </a:r>
+            <a:r>
+              <a:rPr/>
+              <a:t>Creating</a:t>
             </a:r>
             <a:r>
               <a:rPr/>
@@ -12681,84 +12722,62 @@
             <a:pPr lvl="1"/>
             <a:r>
               <a:rPr/>
-              <a:t>Data frame columns are vectors.</a:t>
+              <a:t>Create and name vectors containing information about these 6 patients.</a:t>
+            </a:r>
+          </a:p>
+          <a:p>
+            <a:pPr lvl="2"/>
+            <a:r>
+              <a:rPr sz="1800">
+                <a:latin typeface="Courier"/>
+              </a:rPr>
+              <a:t>Name: "Adam", "Sally", "Eve", "John", "James", "Jennifer"</a:t>
+            </a:r>
+          </a:p>
+          <a:p>
+            <a:pPr lvl="2"/>
+            <a:r>
+              <a:rPr sz="1800">
+                <a:latin typeface="Courier"/>
+              </a:rPr>
+              <a:t>Age: 50, 25, 32, 67, 46, 19</a:t>
+            </a:r>
+          </a:p>
+          <a:p>
+            <a:pPr lvl="2"/>
+            <a:r>
+              <a:rPr sz="1800">
+                <a:latin typeface="Courier"/>
+              </a:rPr>
+              <a:t>Gender: "male", "female", "female", "male", "male", "female"</a:t>
             </a:r>
           </a:p>
           <a:p>
             <a:pPr lvl="1"/>
             <a:r>
-              <a:rPr>
-                <a:latin typeface="Courier"/>
-              </a:rPr>
-              <a:t>$</a:t>
-            </a:r>
-            <a:r>
-              <a:rPr/>
-              <a:t> can be used to extract a vector from a data frame.</a:t>
+              <a:rPr/>
+              <a:t>Quotation marks are not needed for object names in R, but are when your data is made up of characters e.g. “male”, “female”.</a:t>
             </a:r>
           </a:p>
           <a:p>
             <a:pPr lvl="1"/>
             <a:r>
               <a:rPr/>
-              <a:t>We can get the </a:t>
-            </a:r>
-            <a:r>
-              <a:rPr>
-                <a:latin typeface="Courier"/>
-              </a:rPr>
-              <a:t>age</a:t>
-            </a:r>
-            <a:r>
-              <a:rPr/>
-              <a:t> column from the data frame </a:t>
-            </a:r>
-            <a:r>
-              <a:rPr>
-                <a:latin typeface="Courier"/>
-              </a:rPr>
-              <a:t>patients</a:t>
-            </a:r>
-            <a:r>
-              <a:rPr/>
-              <a:t>.</a:t>
-            </a:r>
-          </a:p>
-          <a:p>
-            <a:pPr lvl="0" indent="0">
-              <a:buNone/>
-            </a:pPr>
-            <a:r>
-              <a:rPr>
-                <a:latin typeface="Courier"/>
-              </a:rPr>
-              <a:t>patients</a:t>
-            </a:r>
-            <a:r>
-              <a:rPr>
-                <a:solidFill>
-                  <a:srgbClr val="666666"/>
-                </a:solidFill>
-                <a:latin typeface="Courier"/>
-              </a:rPr>
-              <a:t>$</a:t>
-            </a:r>
-            <a:r>
-              <a:rPr>
-                <a:latin typeface="Courier"/>
-              </a:rPr>
-              <a:t>age</a:t>
-            </a:r>
-          </a:p>
-          <a:p>
-            <a:pPr lvl="0" indent="0">
-              <a:buNone/>
-            </a:pPr>
-            <a:r>
-              <a:rPr>
-                <a:latin typeface="Courier"/>
-              </a:rPr>
-              <a:t>## [1] 50 25 32 67 46 19</a:t>
+              <a:t>As a rule:</a:t>
+            </a:r>
+          </a:p>
+          <a:p>
+            <a:pPr lvl="2"/>
+            <a:r>
+              <a:rPr/>
+              <a:t>Characters on the left side of the assignment operator. No quote marks.</a:t>
+            </a:r>
+          </a:p>
+          <a:p>
+            <a:pPr lvl="2"/>
+            <a:r>
+              <a:rPr/>
+              <a:t>Characters on the right side of the assignment operator. Use quote marks if storing letters.</a:t>
             </a:r>
           </a:p>
         </p:txBody>
@@ -12811,31 +12830,39 @@
             </a:pPr>
             <a:r>
               <a:rPr/>
-              <a:t>Vectors</a:t>
-            </a:r>
-            <a:r>
-              <a:rPr/>
-              <a:t> </a:t>
-            </a:r>
-            <a:r>
-              <a:rPr/>
-              <a:t>-</a:t>
-            </a:r>
-            <a:r>
-              <a:rPr/>
-              <a:t> </a:t>
-            </a:r>
-            <a:r>
-              <a:rPr/>
-              <a:t>other</a:t>
-            </a:r>
-            <a:r>
-              <a:rPr/>
-              <a:t> </a:t>
-            </a:r>
-            <a:r>
-              <a:rPr/>
-              <a:t>properties</a:t>
+              <a:t>Exercise:</a:t>
+            </a:r>
+            <a:r>
+              <a:rPr/>
+              <a:t> </a:t>
+            </a:r>
+            <a:r>
+              <a:rPr/>
+              <a:t>Creating</a:t>
+            </a:r>
+            <a:r>
+              <a:rPr/>
+              <a:t> </a:t>
+            </a:r>
+            <a:r>
+              <a:rPr/>
+              <a:t>a</a:t>
+            </a:r>
+            <a:r>
+              <a:rPr/>
+              <a:t> </a:t>
+            </a:r>
+            <a:r>
+              <a:rPr/>
+              <a:t>data</a:t>
+            </a:r>
+            <a:r>
+              <a:rPr/>
+              <a:t> </a:t>
+            </a:r>
+            <a:r>
+              <a:rPr/>
+              <a:t>frame</a:t>
             </a:r>
           </a:p>
         </p:txBody>
@@ -12864,55 +12891,68 @@
             <a:pPr lvl="1"/>
             <a:r>
               <a:rPr/>
-              <a:t>Add a value of TRUE to a vector of integers.</a:t>
+              <a:t>Combine these vectors into a data frame using </a:t>
+            </a:r>
+            <a:r>
+              <a:rPr sz="1800">
+                <a:latin typeface="Courier"/>
+              </a:rPr>
+              <a:t>data.frame()</a:t>
+            </a:r>
+            <a:r>
+              <a:rPr/>
+              <a:t>.</a:t>
+            </a:r>
+          </a:p>
+          <a:p>
+            <a:pPr lvl="2"/>
+            <a:r>
+              <a:rPr/>
+              <a:t>Hint, the vector names need to go inside the </a:t>
+            </a:r>
+            <a:r>
+              <a:rPr sz="1800">
+                <a:latin typeface="Courier"/>
+              </a:rPr>
+              <a:t>()</a:t>
+            </a:r>
+            <a:r>
+              <a:rPr/>
+              <a:t>.</a:t>
             </a:r>
           </a:p>
           <a:p>
             <a:pPr lvl="1"/>
             <a:r>
               <a:rPr/>
-              <a:t>Give it a name.</a:t>
+              <a:t>Save the data frame under the name </a:t>
+            </a:r>
+            <a:r>
+              <a:rPr sz="1800">
+                <a:latin typeface="Courier"/>
+              </a:rPr>
+              <a:t>patients</a:t>
+            </a:r>
+            <a:r>
+              <a:rPr/>
+              <a:t>.</a:t>
             </a:r>
           </a:p>
           <a:p>
             <a:pPr lvl="1"/>
             <a:r>
               <a:rPr/>
-              <a:t>Recall the vector.</a:t>
-            </a:r>
-          </a:p>
-          <a:p>
-            <a:pPr lvl="1"/>
-            <a:r>
-              <a:rPr/>
-              <a:t>Use </a:t>
-            </a:r>
-            <a:r>
-              <a:rPr>
-                <a:latin typeface="Courier"/>
-              </a:rPr>
-              <a:t>str()</a:t>
-            </a:r>
-            <a:r>
-              <a:rPr/>
-              <a:t>/</a:t>
-            </a:r>
-            <a:r>
-              <a:rPr>
-                <a:latin typeface="Courier"/>
-              </a:rPr>
-              <a:t>class()</a:t>
-            </a:r>
-            <a:r>
-              <a:rPr/>
-              <a:t> to examine the structure of the vector.</a:t>
-            </a:r>
-          </a:p>
-          <a:p>
-            <a:pPr lvl="1"/>
-            <a:r>
-              <a:rPr/>
-              <a:t>What has happened?</a:t>
+              <a:t>Print the data frame called </a:t>
+            </a:r>
+            <a:r>
+              <a:rPr sz="1800">
+                <a:latin typeface="Courier"/>
+              </a:rPr>
+              <a:t>patients</a:t>
+            </a:r>
+            <a:r>
+              <a:rPr/>
+              <a:t> to your console.</a:t>
             </a:r>
           </a:p>
         </p:txBody>
@@ -12965,31 +13005,39 @@
             </a:pPr>
             <a:r>
               <a:rPr/>
-              <a:t>Vectors</a:t>
-            </a:r>
-            <a:r>
-              <a:rPr/>
-              <a:t> </a:t>
-            </a:r>
-            <a:r>
-              <a:rPr/>
-              <a:t>-</a:t>
-            </a:r>
-            <a:r>
-              <a:rPr/>
-              <a:t> </a:t>
-            </a:r>
-            <a:r>
-              <a:rPr/>
-              <a:t>other</a:t>
-            </a:r>
-            <a:r>
-              <a:rPr/>
-              <a:t> </a:t>
-            </a:r>
-            <a:r>
-              <a:rPr/>
-              <a:t>properties</a:t>
+              <a:t>Solution:</a:t>
+            </a:r>
+            <a:r>
+              <a:rPr/>
+              <a:t> </a:t>
+            </a:r>
+            <a:r>
+              <a:rPr/>
+              <a:t>Creating</a:t>
+            </a:r>
+            <a:r>
+              <a:rPr/>
+              <a:t> </a:t>
+            </a:r>
+            <a:r>
+              <a:rPr/>
+              <a:t>a</a:t>
+            </a:r>
+            <a:r>
+              <a:rPr/>
+              <a:t> </a:t>
+            </a:r>
+            <a:r>
+              <a:rPr/>
+              <a:t>data</a:t>
+            </a:r>
+            <a:r>
+              <a:rPr/>
+              <a:t> </a:t>
+            </a:r>
+            <a:r>
+              <a:rPr/>
+              <a:t>frame</a:t>
             </a:r>
           </a:p>
         </p:txBody>
@@ -13015,17 +13063,28 @@
           <a:bodyPr/>
           <a:lstStyle/>
           <a:p>
-            <a:pPr lvl="0" indent="0">
+            <a:pPr lvl="0" marL="1270000" indent="0">
               <a:buNone/>
             </a:pPr>
             <a:r>
-              <a:rPr>
-                <a:latin typeface="Courier"/>
-              </a:rPr>
-              <a:t>test &lt;-</a:t>
-            </a:r>
-            <a:r>
-              <a:rPr>
+              <a:rPr sz="1800" i="1">
+                <a:solidFill>
+                  <a:srgbClr val="60A0B0"/>
+                </a:solidFill>
+                <a:latin typeface="Courier"/>
+              </a:rPr>
+              <a:t># Creating individual vectors.</a:t>
+            </a:r>
+            <a:br/>
+            <a:br/>
+            <a:r>
+              <a:rPr sz="1800">
+                <a:latin typeface="Courier"/>
+              </a:rPr>
+              <a:t>name &lt;-</a:t>
+            </a:r>
+            <a:r>
+              <a:rPr sz="1800">
                 <a:solidFill>
                   <a:srgbClr val="4070A0"/>
                 </a:solidFill>
@@ -13034,7 +13093,7 @@
               <a:t> </a:t>
             </a:r>
             <a:r>
-              <a:rPr b="1">
+              <a:rPr sz="1800" b="1">
                 <a:solidFill>
                   <a:srgbClr val="007020"/>
                 </a:solidFill>
@@ -13043,189 +13102,386 @@
               <a:t>c</a:t>
             </a:r>
             <a:r>
-              <a:rPr>
+              <a:rPr sz="1800">
                 <a:latin typeface="Courier"/>
               </a:rPr>
               <a:t>(</a:t>
             </a:r>
             <a:r>
-              <a:rPr>
+              <a:rPr sz="1800">
+                <a:solidFill>
+                  <a:srgbClr val="4070A0"/>
+                </a:solidFill>
+                <a:latin typeface="Courier"/>
+              </a:rPr>
+              <a:t>"Adam"</a:t>
+            </a:r>
+            <a:r>
+              <a:rPr sz="1800">
+                <a:latin typeface="Courier"/>
+              </a:rPr>
+              <a:t>, </a:t>
+            </a:r>
+            <a:r>
+              <a:rPr sz="1800">
+                <a:solidFill>
+                  <a:srgbClr val="4070A0"/>
+                </a:solidFill>
+                <a:latin typeface="Courier"/>
+              </a:rPr>
+              <a:t>"Sally"</a:t>
+            </a:r>
+            <a:r>
+              <a:rPr sz="1800">
+                <a:latin typeface="Courier"/>
+              </a:rPr>
+              <a:t>, </a:t>
+            </a:r>
+            <a:r>
+              <a:rPr sz="1800">
+                <a:solidFill>
+                  <a:srgbClr val="4070A0"/>
+                </a:solidFill>
+                <a:latin typeface="Courier"/>
+              </a:rPr>
+              <a:t>"Eve"</a:t>
+            </a:r>
+            <a:r>
+              <a:rPr sz="1800">
+                <a:latin typeface="Courier"/>
+              </a:rPr>
+              <a:t>, </a:t>
+            </a:r>
+            <a:r>
+              <a:rPr sz="1800">
+                <a:solidFill>
+                  <a:srgbClr val="4070A0"/>
+                </a:solidFill>
+                <a:latin typeface="Courier"/>
+              </a:rPr>
+              <a:t>"John"</a:t>
+            </a:r>
+            <a:r>
+              <a:rPr sz="1800">
+                <a:latin typeface="Courier"/>
+              </a:rPr>
+              <a:t>, </a:t>
+            </a:r>
+            <a:r>
+              <a:rPr sz="1800">
+                <a:solidFill>
+                  <a:srgbClr val="4070A0"/>
+                </a:solidFill>
+                <a:latin typeface="Courier"/>
+              </a:rPr>
+              <a:t>"James"</a:t>
+            </a:r>
+            <a:r>
+              <a:rPr sz="1800">
+                <a:latin typeface="Courier"/>
+              </a:rPr>
+              <a:t>, </a:t>
+            </a:r>
+            <a:r>
+              <a:rPr sz="1800">
+                <a:solidFill>
+                  <a:srgbClr val="4070A0"/>
+                </a:solidFill>
+                <a:latin typeface="Courier"/>
+              </a:rPr>
+              <a:t>"Jennifer"</a:t>
+            </a:r>
+            <a:r>
+              <a:rPr sz="1800">
+                <a:latin typeface="Courier"/>
+              </a:rPr>
+              <a:t>)</a:t>
+            </a:r>
+            <a:br/>
+            <a:r>
+              <a:rPr sz="1800">
+                <a:latin typeface="Courier"/>
+              </a:rPr>
+              <a:t>age &lt;-</a:t>
+            </a:r>
+            <a:r>
+              <a:rPr sz="1800">
+                <a:solidFill>
+                  <a:srgbClr val="4070A0"/>
+                </a:solidFill>
+                <a:latin typeface="Courier"/>
+              </a:rPr>
+              <a:t> </a:t>
+            </a:r>
+            <a:r>
+              <a:rPr sz="1800" b="1">
+                <a:solidFill>
+                  <a:srgbClr val="007020"/>
+                </a:solidFill>
+                <a:latin typeface="Courier"/>
+              </a:rPr>
+              <a:t>c</a:t>
+            </a:r>
+            <a:r>
+              <a:rPr sz="1800">
+                <a:latin typeface="Courier"/>
+              </a:rPr>
+              <a:t>(</a:t>
+            </a:r>
+            <a:r>
+              <a:rPr sz="1800">
                 <a:solidFill>
                   <a:srgbClr val="40A070"/>
                 </a:solidFill>
                 <a:latin typeface="Courier"/>
               </a:rPr>
-              <a:t>1</a:t>
-            </a:r>
-            <a:r>
-              <a:rPr>
+              <a:t>50</a:t>
+            </a:r>
+            <a:r>
+              <a:rPr sz="1800">
                 <a:latin typeface="Courier"/>
               </a:rPr>
               <a:t>, </a:t>
             </a:r>
             <a:r>
-              <a:rPr>
+              <a:rPr sz="1800">
                 <a:solidFill>
                   <a:srgbClr val="40A070"/>
                 </a:solidFill>
                 <a:latin typeface="Courier"/>
               </a:rPr>
-              <a:t>2</a:t>
-            </a:r>
-            <a:r>
-              <a:rPr>
+              <a:t>25</a:t>
+            </a:r>
+            <a:r>
+              <a:rPr sz="1800">
                 <a:latin typeface="Courier"/>
               </a:rPr>
               <a:t>, </a:t>
             </a:r>
             <a:r>
-              <a:rPr>
+              <a:rPr sz="1800">
                 <a:solidFill>
                   <a:srgbClr val="40A070"/>
                 </a:solidFill>
                 <a:latin typeface="Courier"/>
               </a:rPr>
-              <a:t>3</a:t>
-            </a:r>
-            <a:r>
-              <a:rPr>
+              <a:t>32</a:t>
+            </a:r>
+            <a:r>
+              <a:rPr sz="1800">
                 <a:latin typeface="Courier"/>
               </a:rPr>
               <a:t>, </a:t>
             </a:r>
             <a:r>
-              <a:rPr>
+              <a:rPr sz="1800">
                 <a:solidFill>
                   <a:srgbClr val="40A070"/>
                 </a:solidFill>
                 <a:latin typeface="Courier"/>
               </a:rPr>
-              <a:t>4</a:t>
-            </a:r>
-            <a:r>
-              <a:rPr>
+              <a:t>67</a:t>
+            </a:r>
+            <a:r>
+              <a:rPr sz="1800">
                 <a:latin typeface="Courier"/>
               </a:rPr>
               <a:t>, </a:t>
             </a:r>
             <a:r>
-              <a:rPr>
+              <a:rPr sz="1800">
+                <a:solidFill>
+                  <a:srgbClr val="40A070"/>
+                </a:solidFill>
+                <a:latin typeface="Courier"/>
+              </a:rPr>
+              <a:t>46</a:t>
+            </a:r>
+            <a:r>
+              <a:rPr sz="1800">
+                <a:latin typeface="Courier"/>
+              </a:rPr>
+              <a:t>, </a:t>
+            </a:r>
+            <a:r>
+              <a:rPr sz="1800">
+                <a:solidFill>
+                  <a:srgbClr val="40A070"/>
+                </a:solidFill>
+                <a:latin typeface="Courier"/>
+              </a:rPr>
+              <a:t>19</a:t>
+            </a:r>
+            <a:r>
+              <a:rPr sz="1800">
+                <a:latin typeface="Courier"/>
+              </a:rPr>
+              <a:t>)</a:t>
+            </a:r>
+            <a:br/>
+            <a:r>
+              <a:rPr sz="1800">
+                <a:latin typeface="Courier"/>
+              </a:rPr>
+              <a:t>gender &lt;-</a:t>
+            </a:r>
+            <a:r>
+              <a:rPr sz="1800">
+                <a:solidFill>
+                  <a:srgbClr val="4070A0"/>
+                </a:solidFill>
+                <a:latin typeface="Courier"/>
+              </a:rPr>
+              <a:t> </a:t>
+            </a:r>
+            <a:r>
+              <a:rPr sz="1800" b="1">
                 <a:solidFill>
                   <a:srgbClr val="007020"/>
                 </a:solidFill>
                 <a:latin typeface="Courier"/>
               </a:rPr>
-              <a:t>TRUE</a:t>
-            </a:r>
-            <a:r>
-              <a:rPr>
+              <a:t>c</a:t>
+            </a:r>
+            <a:r>
+              <a:rPr sz="1800">
+                <a:latin typeface="Courier"/>
+              </a:rPr>
+              <a:t>(</a:t>
+            </a:r>
+            <a:r>
+              <a:rPr sz="1800">
+                <a:solidFill>
+                  <a:srgbClr val="4070A0"/>
+                </a:solidFill>
+                <a:latin typeface="Courier"/>
+              </a:rPr>
+              <a:t>"male"</a:t>
+            </a:r>
+            <a:r>
+              <a:rPr sz="1800">
+                <a:latin typeface="Courier"/>
+              </a:rPr>
+              <a:t>, </a:t>
+            </a:r>
+            <a:r>
+              <a:rPr sz="1800">
+                <a:solidFill>
+                  <a:srgbClr val="4070A0"/>
+                </a:solidFill>
+                <a:latin typeface="Courier"/>
+              </a:rPr>
+              <a:t>"female"</a:t>
+            </a:r>
+            <a:r>
+              <a:rPr sz="1800">
+                <a:latin typeface="Courier"/>
+              </a:rPr>
+              <a:t>, </a:t>
+            </a:r>
+            <a:r>
+              <a:rPr sz="1800">
+                <a:solidFill>
+                  <a:srgbClr val="4070A0"/>
+                </a:solidFill>
+                <a:latin typeface="Courier"/>
+              </a:rPr>
+              <a:t>"female"</a:t>
+            </a:r>
+            <a:r>
+              <a:rPr sz="1800">
+                <a:latin typeface="Courier"/>
+              </a:rPr>
+              <a:t>, </a:t>
+            </a:r>
+            <a:r>
+              <a:rPr sz="1800">
+                <a:solidFill>
+                  <a:srgbClr val="4070A0"/>
+                </a:solidFill>
+                <a:latin typeface="Courier"/>
+              </a:rPr>
+              <a:t>"male"</a:t>
+            </a:r>
+            <a:r>
+              <a:rPr sz="1800">
+                <a:latin typeface="Courier"/>
+              </a:rPr>
+              <a:t>, </a:t>
+            </a:r>
+            <a:r>
+              <a:rPr sz="1800">
+                <a:solidFill>
+                  <a:srgbClr val="4070A0"/>
+                </a:solidFill>
+                <a:latin typeface="Courier"/>
+              </a:rPr>
+              <a:t>"male"</a:t>
+            </a:r>
+            <a:r>
+              <a:rPr sz="1800">
+                <a:latin typeface="Courier"/>
+              </a:rPr>
+              <a:t>, </a:t>
+            </a:r>
+            <a:r>
+              <a:rPr sz="1800">
+                <a:solidFill>
+                  <a:srgbClr val="4070A0"/>
+                </a:solidFill>
+                <a:latin typeface="Courier"/>
+              </a:rPr>
+              <a:t>"female"</a:t>
+            </a:r>
+            <a:r>
+              <a:rPr sz="1800">
                 <a:latin typeface="Courier"/>
               </a:rPr>
               <a:t>)</a:t>
             </a:r>
             <a:br/>
-            <a:r>
-              <a:rPr>
-                <a:latin typeface="Courier"/>
-              </a:rPr>
-              <a:t>test</a:t>
-            </a:r>
-          </a:p>
-          <a:p>
-            <a:pPr lvl="0" indent="0">
-              <a:buNone/>
-            </a:pPr>
-            <a:r>
-              <a:rPr>
-                <a:latin typeface="Courier"/>
-              </a:rPr>
-              <a:t>## [1] 1 2 3 4 1</a:t>
-            </a:r>
-          </a:p>
-          <a:p>
-            <a:pPr lvl="0" indent="0">
-              <a:buNone/>
-            </a:pPr>
-            <a:r>
-              <a:rPr b="1">
+            <a:br/>
+            <a:br/>
+            <a:r>
+              <a:rPr sz="1800" i="1">
+                <a:solidFill>
+                  <a:srgbClr val="60A0B0"/>
+                </a:solidFill>
+                <a:latin typeface="Courier"/>
+              </a:rPr>
+              <a:t># Combining into a data frame.</a:t>
+            </a:r>
+            <a:br/>
+            <a:br/>
+            <a:r>
+              <a:rPr sz="1800">
+                <a:latin typeface="Courier"/>
+              </a:rPr>
+              <a:t>patients &lt;-</a:t>
+            </a:r>
+            <a:r>
+              <a:rPr sz="1800">
+                <a:solidFill>
+                  <a:srgbClr val="4070A0"/>
+                </a:solidFill>
+                <a:latin typeface="Courier"/>
+              </a:rPr>
+              <a:t> </a:t>
+            </a:r>
+            <a:r>
+              <a:rPr sz="1800" b="1">
                 <a:solidFill>
                   <a:srgbClr val="007020"/>
                 </a:solidFill>
                 <a:latin typeface="Courier"/>
               </a:rPr>
-              <a:t>str</a:t>
-            </a:r>
-            <a:r>
-              <a:rPr>
-                <a:latin typeface="Courier"/>
-              </a:rPr>
-              <a:t>(test)</a:t>
-            </a:r>
-          </a:p>
-          <a:p>
-            <a:pPr lvl="0" indent="0">
-              <a:buNone/>
-            </a:pPr>
-            <a:r>
-              <a:rPr>
-                <a:latin typeface="Courier"/>
-              </a:rPr>
-              <a:t>##  num [1:5] 1 2 3 4 1</a:t>
-            </a:r>
-          </a:p>
-          <a:p>
-            <a:pPr lvl="0" indent="0">
-              <a:buNone/>
-            </a:pPr>
-            <a:r>
-              <a:rPr b="1">
-                <a:solidFill>
-                  <a:srgbClr val="007020"/>
-                </a:solidFill>
-                <a:latin typeface="Courier"/>
-              </a:rPr>
-              <a:t>class</a:t>
-            </a:r>
-            <a:r>
-              <a:rPr>
-                <a:latin typeface="Courier"/>
-              </a:rPr>
-              <a:t>(test)</a:t>
-            </a:r>
-          </a:p>
-          <a:p>
-            <a:pPr lvl="0" indent="0">
-              <a:buNone/>
-            </a:pPr>
-            <a:r>
-              <a:rPr>
-                <a:latin typeface="Courier"/>
-              </a:rPr>
-              <a:t>## [1] "numeric"</a:t>
-            </a:r>
-          </a:p>
-          <a:p>
-            <a:pPr lvl="1"/>
-            <a:r>
-              <a:rPr/>
-              <a:t>The value of </a:t>
-            </a:r>
-            <a:r>
-              <a:rPr>
-                <a:latin typeface="Courier"/>
-              </a:rPr>
-              <a:t>TRUE</a:t>
-            </a:r>
-            <a:r>
-              <a:rPr/>
-              <a:t> has been changed to 1.</a:t>
-            </a:r>
-          </a:p>
-          <a:p>
-            <a:pPr lvl="1"/>
-            <a:r>
-              <a:rPr/>
-              <a:t>The vector is still a numeric vector</a:t>
+              <a:t>data.frame</a:t>
+            </a:r>
+            <a:r>
+              <a:rPr sz="1800">
+                <a:latin typeface="Courier"/>
+              </a:rPr>
+              <a:t>(name, age, gender)</a:t>
             </a:r>
           </a:p>
         </p:txBody>
@@ -13278,31 +13534,39 @@
             </a:pPr>
             <a:r>
               <a:rPr/>
-              <a:t>Vectors</a:t>
-            </a:r>
-            <a:r>
-              <a:rPr/>
-              <a:t> </a:t>
-            </a:r>
-            <a:r>
-              <a:rPr/>
-              <a:t>-</a:t>
-            </a:r>
-            <a:r>
-              <a:rPr/>
-              <a:t> </a:t>
-            </a:r>
-            <a:r>
-              <a:rPr/>
-              <a:t>other</a:t>
-            </a:r>
-            <a:r>
-              <a:rPr/>
-              <a:t> </a:t>
-            </a:r>
-            <a:r>
-              <a:rPr/>
-              <a:t>properties</a:t>
+              <a:t>Solution:</a:t>
+            </a:r>
+            <a:r>
+              <a:rPr/>
+              <a:t> </a:t>
+            </a:r>
+            <a:r>
+              <a:rPr/>
+              <a:t>Creating</a:t>
+            </a:r>
+            <a:r>
+              <a:rPr/>
+              <a:t> </a:t>
+            </a:r>
+            <a:r>
+              <a:rPr/>
+              <a:t>a</a:t>
+            </a:r>
+            <a:r>
+              <a:rPr/>
+              <a:t> </a:t>
+            </a:r>
+            <a:r>
+              <a:rPr/>
+              <a:t>data</a:t>
+            </a:r>
+            <a:r>
+              <a:rPr/>
+              <a:t> </a:t>
+            </a:r>
+            <a:r>
+              <a:rPr/>
+              <a:t>frame</a:t>
             </a:r>
           </a:p>
         </p:txBody>
@@ -13328,24 +13592,52 @@
           <a:bodyPr/>
           <a:lstStyle/>
           <a:p>
+            <a:pPr lvl="0" marL="1270000" indent="0">
+              <a:buNone/>
+            </a:pPr>
+            <a:r>
+              <a:rPr sz="1800">
+                <a:latin typeface="Courier"/>
+              </a:rPr>
+              <a:t>patients</a:t>
+            </a:r>
+          </a:p>
+          <a:p>
+            <a:pPr lvl="0" marL="1270000" indent="0">
+              <a:buNone/>
+            </a:pPr>
+            <a:r>
+              <a:rPr sz="1800">
+                <a:latin typeface="Courier"/>
+              </a:rPr>
+              <a:t>##       name age gender
+## 1     Adam  50   male
+## 2    Sally  25 female
+## 3      Eve  32 female
+## 4     John  67   male
+## 5    James  46   male
+## 6 Jennifer  19 female</a:t>
+            </a:r>
+          </a:p>
+          <a:p>
             <a:pPr lvl="1"/>
             <a:r>
               <a:rPr/>
-              <a:t>Add a character variable to a vector of integers</a:t>
+              <a:t>R arranges the vectors as columns in the data frame.</a:t>
             </a:r>
           </a:p>
           <a:p>
             <a:pPr lvl="1"/>
             <a:r>
               <a:rPr/>
-              <a:t>Recall the vector</a:t>
+              <a:t>R names the columns of the data frame after the names of the vectors.</a:t>
             </a:r>
           </a:p>
           <a:p>
             <a:pPr lvl="1"/>
             <a:r>
               <a:rPr/>
-              <a:t>What has happened?</a:t>
+              <a:t>R numbers each row of the data frame, creating an index for each row within the data frame.</a:t>
             </a:r>
           </a:p>
         </p:txBody>
@@ -13398,31 +13690,55 @@
             </a:pPr>
             <a:r>
               <a:rPr/>
-              <a:t>Vectors</a:t>
-            </a:r>
-            <a:r>
-              <a:rPr/>
-              <a:t> </a:t>
-            </a:r>
-            <a:r>
-              <a:rPr/>
-              <a:t>-</a:t>
-            </a:r>
-            <a:r>
-              <a:rPr/>
-              <a:t> </a:t>
-            </a:r>
-            <a:r>
-              <a:rPr/>
-              <a:t>other</a:t>
-            </a:r>
-            <a:r>
-              <a:rPr/>
-              <a:t> </a:t>
-            </a:r>
-            <a:r>
-              <a:rPr/>
-              <a:t>properties</a:t>
+              <a:t>Recalling</a:t>
+            </a:r>
+            <a:r>
+              <a:rPr/>
+              <a:t> </a:t>
+            </a:r>
+            <a:r>
+              <a:rPr/>
+              <a:t>a</a:t>
+            </a:r>
+            <a:r>
+              <a:rPr/>
+              <a:t> </a:t>
+            </a:r>
+            <a:r>
+              <a:rPr/>
+              <a:t>vector</a:t>
+            </a:r>
+            <a:r>
+              <a:rPr/>
+              <a:t> </a:t>
+            </a:r>
+            <a:r>
+              <a:rPr/>
+              <a:t>in</a:t>
+            </a:r>
+            <a:r>
+              <a:rPr/>
+              <a:t> </a:t>
+            </a:r>
+            <a:r>
+              <a:rPr/>
+              <a:t>a</a:t>
+            </a:r>
+            <a:r>
+              <a:rPr/>
+              <a:t> </a:t>
+            </a:r>
+            <a:r>
+              <a:rPr/>
+              <a:t>data</a:t>
+            </a:r>
+            <a:r>
+              <a:rPr/>
+              <a:t> </a:t>
+            </a:r>
+            <a:r>
+              <a:rPr/>
+              <a:t>frame</a:t>
             </a:r>
           </a:p>
         </p:txBody>
@@ -13448,207 +13764,87 @@
           <a:bodyPr/>
           <a:lstStyle/>
           <a:p>
-            <a:pPr lvl="0" indent="0">
+            <a:pPr lvl="1"/>
+            <a:r>
+              <a:rPr/>
+              <a:t>Data frame columns are vectors.</a:t>
+            </a:r>
+          </a:p>
+          <a:p>
+            <a:pPr lvl="1"/>
+            <a:r>
+              <a:rPr sz="1800">
+                <a:latin typeface="Courier"/>
+              </a:rPr>
+              <a:t>$</a:t>
+            </a:r>
+            <a:r>
+              <a:rPr/>
+              <a:t> can be used to extract a vector from a data frame.</a:t>
+            </a:r>
+          </a:p>
+          <a:p>
+            <a:pPr lvl="1"/>
+            <a:r>
+              <a:rPr/>
+              <a:t>We can get the </a:t>
+            </a:r>
+            <a:r>
+              <a:rPr sz="1800">
+                <a:latin typeface="Courier"/>
+              </a:rPr>
+              <a:t>age</a:t>
+            </a:r>
+            <a:r>
+              <a:rPr/>
+              <a:t> column from the data frame </a:t>
+            </a:r>
+            <a:r>
+              <a:rPr sz="1800">
+                <a:latin typeface="Courier"/>
+              </a:rPr>
+              <a:t>patients</a:t>
+            </a:r>
+            <a:r>
+              <a:rPr/>
+              <a:t>.</a:t>
+            </a:r>
+          </a:p>
+          <a:p>
+            <a:pPr lvl="0" marL="1270000" indent="0">
               <a:buNone/>
             </a:pPr>
             <a:r>
-              <a:rPr>
-                <a:latin typeface="Courier"/>
-              </a:rPr>
-              <a:t>test2 &lt;-</a:t>
-            </a:r>
-            <a:r>
-              <a:rPr>
+              <a:rPr sz="1800">
+                <a:latin typeface="Courier"/>
+              </a:rPr>
+              <a:t>patients</a:t>
+            </a:r>
+            <a:r>
+              <a:rPr sz="1800">
                 <a:solidFill>
-                  <a:srgbClr val="4070A0"/>
+                  <a:srgbClr val="666666"/>
                 </a:solidFill>
                 <a:latin typeface="Courier"/>
               </a:rPr>
-              <a:t> </a:t>
-            </a:r>
-            <a:r>
-              <a:rPr b="1">
-                <a:solidFill>
-                  <a:srgbClr val="007020"/>
-                </a:solidFill>
-                <a:latin typeface="Courier"/>
-              </a:rPr>
-              <a:t>c</a:t>
-            </a:r>
-            <a:r>
-              <a:rPr>
-                <a:latin typeface="Courier"/>
-              </a:rPr>
-              <a:t>(</a:t>
-            </a:r>
-            <a:r>
-              <a:rPr>
-                <a:solidFill>
-                  <a:srgbClr val="40A070"/>
-                </a:solidFill>
-                <a:latin typeface="Courier"/>
-              </a:rPr>
-              <a:t>1</a:t>
-            </a:r>
-            <a:r>
-              <a:rPr>
-                <a:latin typeface="Courier"/>
-              </a:rPr>
-              <a:t>, </a:t>
-            </a:r>
-            <a:r>
-              <a:rPr>
-                <a:solidFill>
-                  <a:srgbClr val="40A070"/>
-                </a:solidFill>
-                <a:latin typeface="Courier"/>
-              </a:rPr>
-              <a:t>2</a:t>
-            </a:r>
-            <a:r>
-              <a:rPr>
-                <a:latin typeface="Courier"/>
-              </a:rPr>
-              <a:t>, </a:t>
-            </a:r>
-            <a:r>
-              <a:rPr>
-                <a:solidFill>
-                  <a:srgbClr val="40A070"/>
-                </a:solidFill>
-                <a:latin typeface="Courier"/>
-              </a:rPr>
-              <a:t>3</a:t>
-            </a:r>
-            <a:r>
-              <a:rPr>
-                <a:latin typeface="Courier"/>
-              </a:rPr>
-              <a:t>, </a:t>
-            </a:r>
-            <a:r>
-              <a:rPr>
-                <a:solidFill>
-                  <a:srgbClr val="40A070"/>
-                </a:solidFill>
-                <a:latin typeface="Courier"/>
-              </a:rPr>
-              <a:t>4</a:t>
-            </a:r>
-            <a:r>
-              <a:rPr>
-                <a:latin typeface="Courier"/>
-              </a:rPr>
-              <a:t>, </a:t>
-            </a:r>
-            <a:r>
-              <a:rPr>
-                <a:solidFill>
-                  <a:srgbClr val="4070A0"/>
-                </a:solidFill>
-                <a:latin typeface="Courier"/>
-              </a:rPr>
-              <a:t>"hi"</a:t>
-            </a:r>
-            <a:r>
-              <a:rPr>
-                <a:latin typeface="Courier"/>
-              </a:rPr>
-              <a:t>)</a:t>
-            </a:r>
-            <a:br/>
-            <a:r>
-              <a:rPr>
-                <a:latin typeface="Courier"/>
-              </a:rPr>
-              <a:t>test2</a:t>
-            </a:r>
-          </a:p>
-          <a:p>
-            <a:pPr lvl="0" indent="0">
+              <a:t>$</a:t>
+            </a:r>
+            <a:r>
+              <a:rPr sz="1800">
+                <a:latin typeface="Courier"/>
+              </a:rPr>
+              <a:t>age</a:t>
+            </a:r>
+          </a:p>
+          <a:p>
+            <a:pPr lvl="0" marL="1270000" indent="0">
               <a:buNone/>
             </a:pPr>
             <a:r>
-              <a:rPr>
-                <a:latin typeface="Courier"/>
-              </a:rPr>
-              <a:t>## [1] "1"  "2"  "3"  "4"  "hi"</a:t>
-            </a:r>
-          </a:p>
-          <a:p>
-            <a:pPr lvl="0" indent="0">
-              <a:buNone/>
-            </a:pPr>
-            <a:r>
-              <a:rPr b="1">
-                <a:solidFill>
-                  <a:srgbClr val="007020"/>
-                </a:solidFill>
-                <a:latin typeface="Courier"/>
-              </a:rPr>
-              <a:t>class</a:t>
-            </a:r>
-            <a:r>
-              <a:rPr>
-                <a:latin typeface="Courier"/>
-              </a:rPr>
-              <a:t>(test2)</a:t>
-            </a:r>
-          </a:p>
-          <a:p>
-            <a:pPr lvl="0" indent="0">
-              <a:buNone/>
-            </a:pPr>
-            <a:r>
-              <a:rPr>
-                <a:latin typeface="Courier"/>
-              </a:rPr>
-              <a:t>## [1] "character"</a:t>
-            </a:r>
-          </a:p>
-          <a:p>
-            <a:pPr lvl="0" indent="0">
-              <a:buNone/>
-            </a:pPr>
-            <a:r>
-              <a:rPr b="1">
-                <a:solidFill>
-                  <a:srgbClr val="007020"/>
-                </a:solidFill>
-                <a:latin typeface="Courier"/>
-              </a:rPr>
-              <a:t>str</a:t>
-            </a:r>
-            <a:r>
-              <a:rPr>
-                <a:latin typeface="Courier"/>
-              </a:rPr>
-              <a:t>(test2)</a:t>
-            </a:r>
-          </a:p>
-          <a:p>
-            <a:pPr lvl="0" indent="0">
-              <a:buNone/>
-            </a:pPr>
-            <a:r>
-              <a:rPr>
-                <a:latin typeface="Courier"/>
-              </a:rPr>
-              <a:t>##  chr [1:5] "1" "2" "3" "4" "hi"</a:t>
-            </a:r>
-          </a:p>
-          <a:p>
-            <a:pPr lvl="1"/>
-            <a:r>
-              <a:rPr/>
-              <a:t>The character variable has been added on to the end of the vector.</a:t>
-            </a:r>
-          </a:p>
-          <a:p>
-            <a:pPr lvl="1"/>
-            <a:r>
-              <a:rPr/>
-              <a:t>The vector is now a character vector.</a:t>
+              <a:rPr sz="1800">
+                <a:latin typeface="Courier"/>
+              </a:rPr>
+              <a:t>## [1] 50 25 32 67 46 19</a:t>
             </a:r>
           </a:p>
         </p:txBody>
@@ -14164,7 +14360,7 @@
           <a:p>
             <a:pPr lvl="2"/>
             <a:r>
-              <a:rPr>
+              <a:rPr sz="1800">
                 <a:latin typeface="Courier"/>
               </a:rPr>
               <a:t>Sys.time()</a:t>
@@ -14173,7 +14369,7 @@
           <a:p>
             <a:pPr lvl="2"/>
             <a:r>
-              <a:rPr>
+              <a:rPr sz="1800">
                 <a:latin typeface="Courier"/>
               </a:rPr>
               <a:t>mean(1:100)</a:t>
@@ -14385,7 +14581,7 @@
           <a:p>
             <a:pPr lvl="1"/>
             <a:r>
-              <a:rPr>
+              <a:rPr sz="1800">
                 <a:latin typeface="Courier"/>
               </a:rPr>
               <a:t>data.frame()</a:t>
@@ -14398,7 +14594,7 @@
           <a:p>
             <a:pPr lvl="1"/>
             <a:r>
-              <a:rPr>
+              <a:rPr sz="1800">
                 <a:latin typeface="Courier"/>
               </a:rPr>
               <a:t>age, gender, weight</a:t>
@@ -14409,11 +14605,11 @@
             </a:r>
           </a:p>
           <a:p>
-            <a:pPr lvl="0" indent="0">
+            <a:pPr lvl="0" marL="1270000" indent="0">
               <a:buNone/>
             </a:pPr>
             <a:r>
-              <a:rPr b="1">
+              <a:rPr sz="1800" b="1">
                 <a:solidFill>
                   <a:srgbClr val="007020"/>
                 </a:solidFill>
@@ -14422,18 +14618,18 @@
               <a:t>data.frame</a:t>
             </a:r>
             <a:r>
-              <a:rPr>
+              <a:rPr sz="1800">
                 <a:latin typeface="Courier"/>
               </a:rPr>
               <a:t>(name, age, gender)</a:t>
             </a:r>
           </a:p>
           <a:p>
-            <a:pPr lvl="0" indent="0">
+            <a:pPr lvl="0" marL="1270000" indent="0">
               <a:buNone/>
             </a:pPr>
             <a:r>
-              <a:rPr>
+              <a:rPr sz="1800">
                 <a:latin typeface="Courier"/>
               </a:rPr>
               <a:t>##       name age gender
@@ -14590,7 +14786,7 @@
               <a:t>Use the </a:t>
             </a:r>
             <a:r>
-              <a:rPr>
+              <a:rPr sz="1800">
                 <a:latin typeface="Courier"/>
               </a:rPr>
               <a:t>patients</a:t>
@@ -14603,7 +14799,7 @@
           <a:p>
             <a:pPr lvl="1"/>
             <a:r>
-              <a:rPr>
+              <a:rPr sz="1800">
                 <a:latin typeface="Courier"/>
               </a:rPr>
               <a:t>head()</a:t>
@@ -14612,7 +14808,7 @@
           <a:p>
             <a:pPr lvl="1"/>
             <a:r>
-              <a:rPr>
+              <a:rPr sz="1800">
                 <a:latin typeface="Courier"/>
               </a:rPr>
               <a:t>tail()</a:t>
@@ -14621,7 +14817,7 @@
           <a:p>
             <a:pPr lvl="1"/>
             <a:r>
-              <a:rPr>
+              <a:rPr sz="1800">
                 <a:latin typeface="Courier"/>
               </a:rPr>
               <a:t>summary()</a:t>
@@ -14729,7 +14925,7 @@
           <a:p>
             <a:pPr lvl="1"/>
             <a:r>
-              <a:rPr>
+              <a:rPr sz="1800">
                 <a:latin typeface="Courier"/>
               </a:rPr>
               <a:t>head()</a:t>
@@ -14742,7 +14938,7 @@
           <a:p>
             <a:pPr lvl="1"/>
             <a:r>
-              <a:rPr>
+              <a:rPr sz="1800">
                 <a:latin typeface="Courier"/>
               </a:rPr>
               <a:t>tail()</a:t>
@@ -14755,7 +14951,7 @@
           <a:p>
             <a:pPr lvl="1"/>
             <a:r>
-              <a:rPr>
+              <a:rPr sz="1800">
                 <a:latin typeface="Courier"/>
               </a:rPr>
               <a:t>summary()</a:t>
@@ -14766,11 +14962,11 @@
             </a:r>
           </a:p>
           <a:p>
-            <a:pPr lvl="0" indent="0">
+            <a:pPr lvl="0" marL="1270000" indent="0">
               <a:buNone/>
             </a:pPr>
             <a:r>
-              <a:rPr b="1">
+              <a:rPr sz="1800" b="1">
                 <a:solidFill>
                   <a:srgbClr val="007020"/>
                 </a:solidFill>
@@ -14779,27 +14975,27 @@
               <a:t>summary</a:t>
             </a:r>
             <a:r>
-              <a:rPr>
+              <a:rPr sz="1800">
                 <a:latin typeface="Courier"/>
               </a:rPr>
               <a:t>(patients)</a:t>
             </a:r>
           </a:p>
           <a:p>
-            <a:pPr lvl="0" indent="0">
+            <a:pPr lvl="0" marL="1270000" indent="0">
               <a:buNone/>
             </a:pPr>
             <a:r>
-              <a:rPr>
-                <a:latin typeface="Courier"/>
-              </a:rPr>
-              <a:t>##      name                age           gender         
-##  Length:6           Min.   :19.00   Length:6          
-##  Class :character   1st Qu.:26.75   Class :character  
-##  Mode  :character   Median :39.00   Mode  :character  
-##                     Mean   :39.83                     
-##                     3rd Qu.:49.00                     
-##                     Max.   :67.00</a:t>
+              <a:rPr sz="1800">
+                <a:latin typeface="Courier"/>
+              </a:rPr>
+              <a:t>##        name        age           gender 
+##  Adam    :1   Min.   :19.00   female:3  
+##  Eve     :1   1st Qu.:26.75   male  :3  
+##  James   :1   Median :39.00             
+##  Jennifer:1   Mean   :39.83             
+##  John    :1   3rd Qu.:49.00             
+##  Sally   :1   Max.   :67.00</a:t>
             </a:r>
           </a:p>
         </p:txBody>
@@ -14906,7 +15102,7 @@
               <a:t>Try </a:t>
             </a:r>
             <a:r>
-              <a:rPr>
+              <a:rPr sz="1800">
                 <a:latin typeface="Courier"/>
               </a:rPr>
               <a:t>mean(patients$gender)</a:t>
@@ -15038,7 +15234,7 @@
               <a:t>Select the </a:t>
             </a:r>
             <a:r>
-              <a:rPr>
+              <a:rPr sz="1800">
                 <a:latin typeface="Courier"/>
               </a:rPr>
               <a:t>help</a:t>
@@ -15055,7 +15251,7 @@
               <a:t>Type </a:t>
             </a:r>
             <a:r>
-              <a:rPr>
+              <a:rPr sz="1800">
                 <a:latin typeface="Courier"/>
               </a:rPr>
               <a:t>?function_name</a:t>
@@ -15072,7 +15268,7 @@
               <a:t>If you can’t remember the exact function name try typing </a:t>
             </a:r>
             <a:r>
-              <a:rPr>
+              <a:rPr sz="1800">
                 <a:latin typeface="Courier"/>
               </a:rPr>
               <a:t>??whatever_you_want_to_do</a:t>
@@ -15607,7 +15803,7 @@
               <a:t>Look up the function </a:t>
             </a:r>
             <a:r>
-              <a:rPr>
+              <a:rPr sz="1800">
                 <a:latin typeface="Courier"/>
               </a:rPr>
               <a:t>ls</a:t>
@@ -15784,11 +15980,11 @@
             </a:r>
           </a:p>
           <a:p>
-            <a:pPr lvl="0" indent="0">
+            <a:pPr lvl="0" marL="1270000" indent="0">
               <a:buNone/>
             </a:pPr>
             <a:r>
-              <a:rPr b="1">
+              <a:rPr sz="1800" b="1">
                 <a:solidFill>
                   <a:srgbClr val="007020"/>
                 </a:solidFill>
@@ -15797,13 +15993,13 @@
               <a:t>install.packages</a:t>
             </a:r>
             <a:r>
-              <a:rPr>
+              <a:rPr sz="1800">
                 <a:latin typeface="Courier"/>
               </a:rPr>
               <a:t>(</a:t>
             </a:r>
             <a:r>
-              <a:rPr>
+              <a:rPr sz="1800">
                 <a:solidFill>
                   <a:srgbClr val="4070A0"/>
                 </a:solidFill>
@@ -15812,14 +16008,14 @@
               <a:t>"tidyverse"</a:t>
             </a:r>
             <a:r>
-              <a:rPr>
+              <a:rPr sz="1800">
                 <a:latin typeface="Courier"/>
               </a:rPr>
               <a:t>)</a:t>
             </a:r>
             <a:br/>
             <a:r>
-              <a:rPr b="1">
+              <a:rPr sz="1800" b="1">
                 <a:solidFill>
                   <a:srgbClr val="007020"/>
                 </a:solidFill>
@@ -15828,7 +16024,7 @@
               <a:t>library</a:t>
             </a:r>
             <a:r>
-              <a:rPr>
+              <a:rPr sz="1800">
                 <a:latin typeface="Courier"/>
               </a:rPr>
               <a:t>(tidyverse)</a:t>
@@ -15848,7 +16044,7 @@
               <a:t>You need to load the package using </a:t>
             </a:r>
             <a:r>
-              <a:rPr>
+              <a:rPr sz="1800">
                 <a:latin typeface="Courier"/>
               </a:rPr>
               <a:t>library</a:t>
@@ -15961,7 +16157,7 @@
           <a:p>
             <a:pPr lvl="1"/>
             <a:r>
-              <a:rPr>
+              <a:rPr sz="1800">
                 <a:latin typeface="Courier"/>
               </a:rPr>
               <a:t>ggplot2</a:t>
@@ -15974,7 +16170,7 @@
           <a:p>
             <a:pPr lvl="1"/>
             <a:r>
-              <a:rPr>
+              <a:rPr sz="1800">
                 <a:latin typeface="Courier"/>
               </a:rPr>
               <a:t>readr</a:t>
@@ -15987,7 +16183,7 @@
           <a:p>
             <a:pPr lvl="1"/>
             <a:r>
-              <a:rPr>
+              <a:rPr sz="1800">
                 <a:latin typeface="Courier"/>
               </a:rPr>
               <a:t>stringr</a:t>
@@ -16000,7 +16196,7 @@
           <a:p>
             <a:pPr lvl="1"/>
             <a:r>
-              <a:rPr>
+              <a:rPr sz="1800">
                 <a:latin typeface="Courier"/>
               </a:rPr>
               <a:t>lubridate</a:t>
@@ -16535,7 +16731,7 @@
             <a:pPr lvl="2"/>
             <a:r>
               <a:rPr/>
-              <a:t>Syntax highlighting</a:t>
+              <a:t>Syntax highlighting (i.e. highlighting of different sub-elements of syntax such as comments, control-flow statements, variables, etc.)</a:t>
             </a:r>
           </a:p>
           <a:p>

--- a/Workshops/Workshop1.pptx
+++ b/Workshops/Workshop1.pptx
@@ -4170,7 +4170,7 @@
               <a:t> </a:t>
             </a:r>
             <a:r>
-              <a:rPr sz="1800">
+              <a:rPr>
                 <a:latin typeface="Courier"/>
               </a:rPr>
               <a:t>CCYY-MM-DD.R</a:t>
@@ -8773,7 +8773,7 @@
               <a:t>This is your prompt to type </a:t>
             </a:r>
             <a:r>
-              <a:rPr sz="1800">
+              <a:rPr>
                 <a:latin typeface="Courier"/>
               </a:rPr>
               <a:t>&gt;</a:t>
@@ -8790,7 +8790,7 @@
               <a:t>Type </a:t>
             </a:r>
             <a:r>
-              <a:rPr sz="1800">
+              <a:rPr>
                 <a:latin typeface="Courier"/>
               </a:rPr>
               <a:t>2 + 2</a:t>
@@ -8800,7 +8800,7 @@
               <a:t> then hit </a:t>
             </a:r>
             <a:r>
-              <a:rPr sz="1800">
+              <a:rPr>
                 <a:latin typeface="Courier"/>
               </a:rPr>
               <a:t>Enter</a:t>
@@ -8903,11 +8903,11 @@
             </a:r>
           </a:p>
           <a:p>
-            <a:pPr lvl="0" marL="1270000" indent="0">
+            <a:pPr lvl="0" indent="0">
               <a:buNone/>
             </a:pPr>
             <a:r>
-              <a:rPr sz="1800">
+              <a:rPr>
                 <a:solidFill>
                   <a:srgbClr val="40A070"/>
                 </a:solidFill>
@@ -8916,31 +8916,28 @@
               <a:t>2</a:t>
             </a:r>
             <a:r>
-              <a:rPr sz="1800">
-                <a:latin typeface="Courier"/>
-              </a:rPr>
-              <a:t> </a:t>
-            </a:r>
-            <a:r>
-              <a:rPr sz="1800">
-                <a:solidFill>
-                  <a:srgbClr val="666666"/>
-                </a:solidFill>
-                <a:latin typeface="Courier"/>
-              </a:rPr>
-              <a:t>+</a:t>
-            </a:r>
-            <a:r>
-              <a:rPr sz="1800">
+              <a:rPr>
+                <a:latin typeface="Courier"/>
+              </a:rPr>
+              <a:t> </a:t>
+            </a:r>
+            <a:r>
+              <a:rPr>
                 <a:solidFill>
                   <a:srgbClr val="4070A0"/>
                 </a:solidFill>
                 <a:latin typeface="Courier"/>
               </a:rPr>
-              <a:t> </a:t>
-            </a:r>
-            <a:r>
-              <a:rPr sz="1800">
+              <a:t>+</a:t>
+            </a:r>
+            <a:r>
+              <a:rPr>
+                <a:latin typeface="Courier"/>
+              </a:rPr>
+              <a:t> </a:t>
+            </a:r>
+            <a:r>
+              <a:rPr>
                 <a:solidFill>
                   <a:srgbClr val="40A070"/>
                 </a:solidFill>
@@ -8950,11 +8947,11 @@
             </a:r>
           </a:p>
           <a:p>
-            <a:pPr lvl="0" marL="1270000" indent="0">
+            <a:pPr lvl="0" indent="0">
               <a:buNone/>
             </a:pPr>
             <a:r>
-              <a:rPr sz="1800">
+              <a:rPr>
                 <a:latin typeface="Courier"/>
               </a:rPr>
               <a:t>## [1] 4</a:t>
@@ -8963,7 +8960,7 @@
           <a:p>
             <a:pPr lvl="1"/>
             <a:r>
-              <a:rPr sz="1800">
+              <a:rPr>
                 <a:latin typeface="Courier"/>
               </a:rPr>
               <a:t>&gt;</a:t>
@@ -8976,7 +8973,7 @@
           <a:p>
             <a:pPr lvl="1"/>
             <a:r>
-              <a:rPr sz="1800">
+              <a:rPr>
                 <a:latin typeface="Courier"/>
               </a:rPr>
               <a:t>2 + 2</a:t>
@@ -8989,7 +8986,7 @@
           <a:p>
             <a:pPr lvl="1"/>
             <a:r>
-              <a:rPr sz="1800">
+              <a:rPr>
                 <a:latin typeface="Courier"/>
               </a:rPr>
               <a:t>4</a:t>
@@ -9002,7 +8999,7 @@
           <a:p>
             <a:pPr lvl="1"/>
             <a:r>
-              <a:rPr sz="1800">
+              <a:rPr>
                 <a:latin typeface="Courier"/>
               </a:rPr>
               <a:t>[1]</a:t>
@@ -9209,7 +9206,7 @@
               <a:t>Type </a:t>
             </a:r>
             <a:r>
-              <a:rPr sz="1800">
+              <a:rPr>
                 <a:latin typeface="Courier"/>
               </a:rPr>
               <a:t>2 + 2</a:t>
@@ -9219,7 +9216,7 @@
               <a:t>, then </a:t>
             </a:r>
             <a:r>
-              <a:rPr sz="1800">
+              <a:rPr>
                 <a:latin typeface="Courier"/>
               </a:rPr>
               <a:t>Enter</a:t>
@@ -9257,7 +9254,7 @@
               <a:t>MacOS: </a:t>
             </a:r>
             <a:r>
-              <a:rPr sz="1800">
+              <a:rPr>
                 <a:latin typeface="Courier"/>
               </a:rPr>
               <a:t>Cmd + Enter</a:t>
@@ -9270,7 +9267,7 @@
               <a:t>Windows: </a:t>
             </a:r>
             <a:r>
-              <a:rPr sz="1800">
+              <a:rPr>
                 <a:latin typeface="Courier"/>
               </a:rPr>
               <a:t>Ctrl + Enter</a:t>
@@ -9381,7 +9378,7 @@
               <a:t>Click the </a:t>
             </a:r>
             <a:r>
-              <a:rPr sz="1800">
+              <a:rPr>
                 <a:latin typeface="Courier"/>
               </a:rPr>
               <a:t>save</a:t>
@@ -9433,7 +9430,7 @@
               <a:t>Restart R Studio and click the </a:t>
             </a:r>
             <a:r>
-              <a:rPr sz="1800">
+              <a:rPr>
                 <a:latin typeface="Courier"/>
               </a:rPr>
               <a:t>open</a:t>
@@ -9801,7 +9798,7 @@
               <a:t>Real numbers - </a:t>
             </a:r>
             <a:r>
-              <a:rPr sz="1800">
+              <a:rPr>
                 <a:latin typeface="Courier"/>
               </a:rPr>
               <a:t>numeric</a:t>
@@ -9814,7 +9811,7 @@
               <a:t>Discrete numbers - </a:t>
             </a:r>
             <a:r>
-              <a:rPr sz="1800">
+              <a:rPr>
                 <a:latin typeface="Courier"/>
               </a:rPr>
               <a:t>integer</a:t>
@@ -9827,7 +9824,7 @@
               <a:t>Characters - </a:t>
             </a:r>
             <a:r>
-              <a:rPr sz="1800">
+              <a:rPr>
                 <a:latin typeface="Courier"/>
               </a:rPr>
               <a:t>character</a:t>
@@ -9974,7 +9971,7 @@
               <a:t>This is the assignment operator </a:t>
             </a:r>
             <a:r>
-              <a:rPr sz="1800">
+              <a:rPr>
                 <a:latin typeface="Courier"/>
               </a:rPr>
               <a:t>&lt;-</a:t>
@@ -9984,7 +9981,7 @@
               <a:t>(</a:t>
             </a:r>
             <a:r>
-              <a:rPr sz="1800">
+              <a:rPr>
                 <a:latin typeface="Courier"/>
               </a:rPr>
               <a:t>=</a:t>
@@ -10008,7 +10005,7 @@
               <a:t>Mac OSX: </a:t>
             </a:r>
             <a:r>
-              <a:rPr sz="1800">
+              <a:rPr>
                 <a:latin typeface="Courier"/>
               </a:rPr>
               <a:t>Option + -</a:t>
@@ -10021,7 +10018,7 @@
               <a:t>Windows: </a:t>
             </a:r>
             <a:r>
-              <a:rPr sz="1800">
+              <a:rPr>
                 <a:latin typeface="Courier"/>
               </a:rPr>
               <a:t>Alt + -</a:t>
@@ -10035,26 +10032,62 @@
             </a:r>
           </a:p>
           <a:p>
-            <a:pPr lvl="0" marL="1270000" indent="0">
+            <a:pPr lvl="0" indent="0">
               <a:buNone/>
             </a:pPr>
             <a:r>
-              <a:rPr sz="1800">
-                <a:latin typeface="Courier"/>
-              </a:rPr>
-              <a:t>practice &lt;-</a:t>
-            </a:r>
-            <a:r>
-              <a:rPr sz="1800">
+              <a:rPr>
+                <a:latin typeface="Courier"/>
+              </a:rPr>
+              <a:t>practice </a:t>
+            </a:r>
+            <a:r>
+              <a:rPr>
+                <a:solidFill>
+                  <a:srgbClr val="007020"/>
+                </a:solidFill>
+                <a:latin typeface="Courier"/>
+              </a:rPr>
+              <a:t>&lt;-</a:t>
+            </a:r>
+            <a:r>
+              <a:rPr>
+                <a:latin typeface="Courier"/>
+              </a:rPr>
+              <a:t> </a:t>
+            </a:r>
+            <a:r>
+              <a:rPr>
+                <a:solidFill>
+                  <a:srgbClr val="40A070"/>
+                </a:solidFill>
+                <a:latin typeface="Courier"/>
+              </a:rPr>
+              <a:t>2</a:t>
+            </a:r>
+            <a:r>
+              <a:rPr>
+                <a:latin typeface="Courier"/>
+              </a:rPr>
+              <a:t> </a:t>
+            </a:r>
+            <a:r>
+              <a:rPr>
                 <a:solidFill>
                   <a:srgbClr val="4070A0"/>
                 </a:solidFill>
                 <a:latin typeface="Courier"/>
               </a:rPr>
-              <a:t> </a:t>
-            </a:r>
-            <a:r>
-              <a:rPr sz="1800">
+              <a:t>+</a:t>
+            </a:r>
+            <a:r>
+              <a:rPr>
+                <a:latin typeface="Courier"/>
+              </a:rPr>
+              <a:t> </a:t>
+            </a:r>
+            <a:r>
+              <a:rPr>
                 <a:solidFill>
                   <a:srgbClr val="40A070"/>
                 </a:solidFill>
@@ -10063,85 +10096,49 @@
               <a:t>2</a:t>
             </a:r>
             <a:r>
-              <a:rPr sz="1800">
-                <a:latin typeface="Courier"/>
-              </a:rPr>
-              <a:t> </a:t>
-            </a:r>
-            <a:r>
-              <a:rPr sz="1800">
-                <a:solidFill>
-                  <a:srgbClr val="666666"/>
-                </a:solidFill>
-                <a:latin typeface="Courier"/>
-              </a:rPr>
-              <a:t>+</a:t>
-            </a:r>
-            <a:r>
-              <a:rPr sz="1800">
+              <a:rPr>
+                <a:latin typeface="Courier"/>
+              </a:rPr>
+              <a:t> </a:t>
+            </a:r>
+            <a:r>
+              <a:rPr>
                 <a:solidFill>
                   <a:srgbClr val="4070A0"/>
                 </a:solidFill>
                 <a:latin typeface="Courier"/>
               </a:rPr>
-              <a:t> </a:t>
-            </a:r>
-            <a:r>
-              <a:rPr sz="1800">
+              <a:t>+</a:t>
+            </a:r>
+            <a:r>
+              <a:rPr>
+                <a:latin typeface="Courier"/>
+              </a:rPr>
+              <a:t> </a:t>
+            </a:r>
+            <a:r>
+              <a:rPr>
                 <a:solidFill>
                   <a:srgbClr val="40A070"/>
                 </a:solidFill>
                 <a:latin typeface="Courier"/>
               </a:rPr>
-              <a:t>2</a:t>
-            </a:r>
-            <a:r>
-              <a:rPr sz="1800">
-                <a:latin typeface="Courier"/>
-              </a:rPr>
-              <a:t> </a:t>
-            </a:r>
-            <a:r>
-              <a:rPr sz="1800">
-                <a:solidFill>
-                  <a:srgbClr val="666666"/>
-                </a:solidFill>
-                <a:latin typeface="Courier"/>
-              </a:rPr>
-              <a:t>+</a:t>
-            </a:r>
-            <a:r>
-              <a:rPr sz="1800">
-                <a:solidFill>
-                  <a:srgbClr val="4070A0"/>
-                </a:solidFill>
-                <a:latin typeface="Courier"/>
-              </a:rPr>
-              <a:t> </a:t>
-            </a:r>
-            <a:r>
-              <a:rPr sz="1800">
-                <a:solidFill>
-                  <a:srgbClr val="40A070"/>
-                </a:solidFill>
-                <a:latin typeface="Courier"/>
-              </a:rPr>
               <a:t>6</a:t>
             </a:r>
             <a:br/>
             <a:r>
-              <a:rPr sz="1800">
+              <a:rPr>
                 <a:latin typeface="Courier"/>
               </a:rPr>
               <a:t>practice</a:t>
             </a:r>
           </a:p>
           <a:p>
-            <a:pPr lvl="0" marL="1270000" indent="0">
+            <a:pPr lvl="0" indent="0">
               <a:buNone/>
             </a:pPr>
             <a:r>
-              <a:rPr sz="1800">
+              <a:rPr>
                 <a:latin typeface="Courier"/>
               </a:rPr>
               <a:t>## [1] 10</a:t>
@@ -10245,38 +10242,53 @@
             </a:r>
           </a:p>
           <a:p>
-            <a:pPr lvl="0" marL="1270000" indent="0">
+            <a:pPr lvl="0" indent="0">
               <a:buNone/>
             </a:pPr>
             <a:r>
-              <a:rPr sz="1800">
-                <a:latin typeface="Courier"/>
-              </a:rPr>
-              <a:t>say_hello &lt;-</a:t>
-            </a:r>
-            <a:r>
-              <a:rPr sz="1800">
+              <a:rPr>
+                <a:latin typeface="Courier"/>
+              </a:rPr>
+              <a:t>say_hello </a:t>
+            </a:r>
+            <a:r>
+              <a:rPr>
+                <a:solidFill>
+                  <a:srgbClr val="007020"/>
+                </a:solidFill>
+                <a:latin typeface="Courier"/>
+              </a:rPr>
+              <a:t>&lt;-</a:t>
+            </a:r>
+            <a:r>
+              <a:rPr>
+                <a:latin typeface="Courier"/>
+              </a:rPr>
+              <a:t> </a:t>
+            </a:r>
+            <a:r>
+              <a:rPr>
                 <a:solidFill>
                   <a:srgbClr val="4070A0"/>
                 </a:solidFill>
                 <a:latin typeface="Courier"/>
               </a:rPr>
-              <a:t> "hello"</a:t>
+              <a:t>"hello"</a:t>
             </a:r>
             <a:br/>
             <a:r>
-              <a:rPr sz="1800">
+              <a:rPr>
                 <a:latin typeface="Courier"/>
               </a:rPr>
               <a:t>say_hello</a:t>
             </a:r>
           </a:p>
           <a:p>
-            <a:pPr lvl="0" marL="1270000" indent="0">
+            <a:pPr lvl="0" indent="0">
               <a:buNone/>
             </a:pPr>
             <a:r>
-              <a:rPr sz="1800">
+              <a:rPr>
                 <a:latin typeface="Courier"/>
               </a:rPr>
               <a:t>## [1] "hello"</a:t>
@@ -10290,31 +10302,46 @@
             </a:r>
           </a:p>
           <a:p>
-            <a:pPr lvl="0" marL="1270000" indent="0">
+            <a:pPr lvl="0" indent="0">
               <a:buNone/>
             </a:pPr>
             <a:r>
-              <a:rPr sz="1800">
-                <a:latin typeface="Courier"/>
-              </a:rPr>
-              <a:t>say hello &lt;-</a:t>
-            </a:r>
-            <a:r>
-              <a:rPr sz="1800">
+              <a:rPr>
+                <a:latin typeface="Courier"/>
+              </a:rPr>
+              <a:t>say hello </a:t>
+            </a:r>
+            <a:r>
+              <a:rPr>
+                <a:solidFill>
+                  <a:srgbClr val="007020"/>
+                </a:solidFill>
+                <a:latin typeface="Courier"/>
+              </a:rPr>
+              <a:t>&lt;-</a:t>
+            </a:r>
+            <a:r>
+              <a:rPr>
+                <a:latin typeface="Courier"/>
+              </a:rPr>
+              <a:t> </a:t>
+            </a:r>
+            <a:r>
+              <a:rPr>
                 <a:solidFill>
                   <a:srgbClr val="4070A0"/>
                 </a:solidFill>
                 <a:latin typeface="Courier"/>
               </a:rPr>
-              <a:t> "hello"</a:t>
-            </a:r>
-          </a:p>
-          <a:p>
-            <a:pPr lvl="0" marL="1270000" indent="0">
+              <a:t>"hello"</a:t>
+            </a:r>
+          </a:p>
+          <a:p>
+            <a:pPr lvl="0" indent="0">
               <a:buNone/>
             </a:pPr>
             <a:r>
-              <a:rPr sz="1800">
+              <a:rPr>
                 <a:latin typeface="Courier"/>
               </a:rPr>
               <a:t>## Error: &lt;text&gt;:1:5: unexpected symbol
@@ -10522,11 +10549,11 @@
             </a:r>
           </a:p>
           <a:p>
-            <a:pPr lvl="0" marL="1270000" indent="0">
+            <a:pPr lvl="1" indent="0">
               <a:buNone/>
             </a:pPr>
             <a:r>
-              <a:rPr sz="1800">
+              <a:rPr>
                 <a:latin typeface="Courier"/>
               </a:rPr>
               <a:t>## [1] 50 25 32 67 46 19 48</a:t>
@@ -10540,11 +10567,11 @@
             </a:r>
           </a:p>
           <a:p>
-            <a:pPr lvl="0" marL="1270000" indent="0">
+            <a:pPr lvl="1" indent="0">
               <a:buNone/>
             </a:pPr>
             <a:r>
-              <a:rPr sz="1800">
+              <a:rPr>
                 <a:latin typeface="Courier"/>
               </a:rPr>
               <a:t>## [1] 37.5 37.1 37.3 38.3 37.4 38.9</a:t>
@@ -10558,11 +10585,11 @@
             </a:r>
           </a:p>
           <a:p>
-            <a:pPr lvl="0" marL="1270000" indent="0">
+            <a:pPr lvl="1" indent="0">
               <a:buNone/>
             </a:pPr>
             <a:r>
-              <a:rPr sz="1800">
+              <a:rPr>
                 <a:latin typeface="Courier"/>
               </a:rPr>
               <a:t>## [1] "Adam"  "Sally" "Eve"   "John"  "James"</a:t>
@@ -10576,11 +10603,11 @@
             </a:r>
           </a:p>
           <a:p>
-            <a:pPr lvl="0" marL="1270000" indent="0">
+            <a:pPr lvl="1" indent="0">
               <a:buNone/>
             </a:pPr>
             <a:r>
-              <a:rPr sz="1800">
+              <a:rPr>
                 <a:latin typeface="Courier"/>
               </a:rPr>
               <a:t>## [1]  TRUE FALSE FALSE  TRUE  TRUE</a:t>
@@ -10593,7 +10620,7 @@
               <a:t>You can always check the data type in a vector using the function </a:t>
             </a:r>
             <a:r>
-              <a:rPr sz="1800">
+              <a:rPr>
                 <a:latin typeface="Courier"/>
               </a:rPr>
               <a:t>class()</a:t>
@@ -10604,137 +10631,143 @@
             </a:r>
           </a:p>
           <a:p>
-            <a:pPr lvl="0" marL="1270000" indent="0">
+            <a:pPr lvl="0" indent="0">
               <a:buNone/>
             </a:pPr>
             <a:r>
-              <a:rPr sz="1800">
-                <a:latin typeface="Courier"/>
-              </a:rPr>
-              <a:t>logical_vector &lt;-</a:t>
-            </a:r>
-            <a:r>
-              <a:rPr sz="1800">
-                <a:solidFill>
-                  <a:srgbClr val="4070A0"/>
-                </a:solidFill>
-                <a:latin typeface="Courier"/>
-              </a:rPr>
-              <a:t> </a:t>
-            </a:r>
-            <a:r>
-              <a:rPr sz="1800" b="1">
+              <a:rPr>
+                <a:latin typeface="Courier"/>
+              </a:rPr>
+              <a:t>logical_vector </a:t>
+            </a:r>
+            <a:r>
+              <a:rPr>
                 <a:solidFill>
                   <a:srgbClr val="007020"/>
                 </a:solidFill>
                 <a:latin typeface="Courier"/>
               </a:rPr>
+              <a:t>&lt;-</a:t>
+            </a:r>
+            <a:r>
+              <a:rPr>
+                <a:latin typeface="Courier"/>
+              </a:rPr>
+              <a:t> </a:t>
+            </a:r>
+            <a:r>
+              <a:rPr>
+                <a:solidFill>
+                  <a:srgbClr val="06287E"/>
+                </a:solidFill>
+                <a:latin typeface="Courier"/>
+              </a:rPr>
               <a:t>c</a:t>
             </a:r>
             <a:r>
-              <a:rPr sz="1800">
+              <a:rPr>
                 <a:latin typeface="Courier"/>
               </a:rPr>
               <a:t>(</a:t>
             </a:r>
             <a:r>
-              <a:rPr sz="1800">
+              <a:rPr>
                 <a:solidFill>
-                  <a:srgbClr val="007020"/>
+                  <a:srgbClr val="880000"/>
                 </a:solidFill>
                 <a:latin typeface="Courier"/>
               </a:rPr>
               <a:t>TRUE</a:t>
             </a:r>
             <a:r>
-              <a:rPr sz="1800">
+              <a:rPr>
                 <a:latin typeface="Courier"/>
               </a:rPr>
               <a:t>, </a:t>
             </a:r>
             <a:r>
-              <a:rPr sz="1800">
+              <a:rPr>
                 <a:solidFill>
-                  <a:srgbClr val="007020"/>
+                  <a:srgbClr val="880000"/>
                 </a:solidFill>
                 <a:latin typeface="Courier"/>
               </a:rPr>
               <a:t>FALSE</a:t>
             </a:r>
             <a:r>
-              <a:rPr sz="1800">
+              <a:rPr>
                 <a:latin typeface="Courier"/>
               </a:rPr>
               <a:t>, </a:t>
             </a:r>
             <a:r>
-              <a:rPr sz="1800">
+              <a:rPr>
                 <a:solidFill>
-                  <a:srgbClr val="007020"/>
+                  <a:srgbClr val="880000"/>
                 </a:solidFill>
                 <a:latin typeface="Courier"/>
               </a:rPr>
               <a:t>FALSE</a:t>
             </a:r>
             <a:r>
-              <a:rPr sz="1800">
+              <a:rPr>
                 <a:latin typeface="Courier"/>
               </a:rPr>
               <a:t>, </a:t>
             </a:r>
             <a:r>
-              <a:rPr sz="1800">
+              <a:rPr>
                 <a:solidFill>
-                  <a:srgbClr val="007020"/>
+                  <a:srgbClr val="880000"/>
                 </a:solidFill>
                 <a:latin typeface="Courier"/>
               </a:rPr>
               <a:t>TRUE</a:t>
             </a:r>
             <a:r>
-              <a:rPr sz="1800">
+              <a:rPr>
                 <a:latin typeface="Courier"/>
               </a:rPr>
               <a:t>, </a:t>
             </a:r>
             <a:r>
-              <a:rPr sz="1800">
+              <a:rPr>
                 <a:solidFill>
-                  <a:srgbClr val="007020"/>
+                  <a:srgbClr val="880000"/>
                 </a:solidFill>
                 <a:latin typeface="Courier"/>
               </a:rPr>
               <a:t>TRUE</a:t>
             </a:r>
             <a:r>
-              <a:rPr sz="1800">
+              <a:rPr>
                 <a:latin typeface="Courier"/>
               </a:rPr>
               <a:t>)</a:t>
             </a:r>
             <a:br/>
             <a:r>
-              <a:rPr sz="1800" b="1">
+              <a:rPr>
                 <a:solidFill>
-                  <a:srgbClr val="007020"/>
+                  <a:srgbClr val="06287E"/>
                 </a:solidFill>
                 <a:latin typeface="Courier"/>
               </a:rPr>
               <a:t>class</a:t>
             </a:r>
             <a:r>
-              <a:rPr sz="1800">
+              <a:rPr>
                 <a:latin typeface="Courier"/>
               </a:rPr>
               <a:t>(logical_vector)</a:t>
             </a:r>
           </a:p>
           <a:p>
-            <a:pPr lvl="0" marL="1270000" indent="0">
+            <a:pPr lvl="0" indent="0">
               <a:buNone/>
             </a:pPr>
             <a:r>
-              <a:rPr sz="1800">
+              <a:rPr>
                 <a:latin typeface="Courier"/>
               </a:rPr>
               <a:t>## [1] "logical"</a:t>
@@ -10832,7 +10865,7 @@
               <a:t>The </a:t>
             </a:r>
             <a:r>
-              <a:rPr sz="1800">
+              <a:rPr>
                 <a:latin typeface="Courier"/>
               </a:rPr>
               <a:t>c()</a:t>
@@ -10843,11 +10876,11 @@
             </a:r>
           </a:p>
           <a:p>
-            <a:pPr lvl="0" marL="1270000" indent="0">
+            <a:pPr lvl="0" indent="0">
               <a:buNone/>
             </a:pPr>
             <a:r>
-              <a:rPr sz="1800" i="1">
+              <a:rPr i="1">
                 <a:solidFill>
                   <a:srgbClr val="60A0B0"/>
                 </a:solidFill>
@@ -10857,292 +10890,304 @@
             </a:r>
             <a:br/>
             <a:r>
-              <a:rPr sz="1800">
-                <a:latin typeface="Courier"/>
-              </a:rPr>
-              <a:t>age &lt;-</a:t>
-            </a:r>
-            <a:r>
-              <a:rPr sz="1800">
+              <a:rPr>
+                <a:latin typeface="Courier"/>
+              </a:rPr>
+              <a:t>age </a:t>
+            </a:r>
+            <a:r>
+              <a:rPr>
+                <a:solidFill>
+                  <a:srgbClr val="007020"/>
+                </a:solidFill>
+                <a:latin typeface="Courier"/>
+              </a:rPr>
+              <a:t>&lt;-</a:t>
+            </a:r>
+            <a:r>
+              <a:rPr>
+                <a:latin typeface="Courier"/>
+              </a:rPr>
+              <a:t> </a:t>
+            </a:r>
+            <a:r>
+              <a:rPr>
+                <a:solidFill>
+                  <a:srgbClr val="06287E"/>
+                </a:solidFill>
+                <a:latin typeface="Courier"/>
+              </a:rPr>
+              <a:t>c</a:t>
+            </a:r>
+            <a:r>
+              <a:rPr>
+                <a:latin typeface="Courier"/>
+              </a:rPr>
+              <a:t>(</a:t>
+            </a:r>
+            <a:r>
+              <a:rPr>
+                <a:solidFill>
+                  <a:srgbClr val="40A070"/>
+                </a:solidFill>
+                <a:latin typeface="Courier"/>
+              </a:rPr>
+              <a:t>50</a:t>
+            </a:r>
+            <a:r>
+              <a:rPr>
+                <a:latin typeface="Courier"/>
+              </a:rPr>
+              <a:t>, </a:t>
+            </a:r>
+            <a:r>
+              <a:rPr>
+                <a:solidFill>
+                  <a:srgbClr val="40A070"/>
+                </a:solidFill>
+                <a:latin typeface="Courier"/>
+              </a:rPr>
+              <a:t>25</a:t>
+            </a:r>
+            <a:r>
+              <a:rPr>
+                <a:latin typeface="Courier"/>
+              </a:rPr>
+              <a:t>, </a:t>
+            </a:r>
+            <a:r>
+              <a:rPr>
+                <a:solidFill>
+                  <a:srgbClr val="40A070"/>
+                </a:solidFill>
+                <a:latin typeface="Courier"/>
+              </a:rPr>
+              <a:t>32</a:t>
+            </a:r>
+            <a:r>
+              <a:rPr>
+                <a:latin typeface="Courier"/>
+              </a:rPr>
+              <a:t>, </a:t>
+            </a:r>
+            <a:r>
+              <a:rPr>
+                <a:solidFill>
+                  <a:srgbClr val="40A070"/>
+                </a:solidFill>
+                <a:latin typeface="Courier"/>
+              </a:rPr>
+              <a:t>67</a:t>
+            </a:r>
+            <a:r>
+              <a:rPr>
+                <a:latin typeface="Courier"/>
+              </a:rPr>
+              <a:t>, </a:t>
+            </a:r>
+            <a:r>
+              <a:rPr>
+                <a:solidFill>
+                  <a:srgbClr val="40A070"/>
+                </a:solidFill>
+                <a:latin typeface="Courier"/>
+              </a:rPr>
+              <a:t>46</a:t>
+            </a:r>
+            <a:r>
+              <a:rPr>
+                <a:latin typeface="Courier"/>
+              </a:rPr>
+              <a:t>, </a:t>
+            </a:r>
+            <a:r>
+              <a:rPr>
+                <a:solidFill>
+                  <a:srgbClr val="40A070"/>
+                </a:solidFill>
+                <a:latin typeface="Courier"/>
+              </a:rPr>
+              <a:t>19</a:t>
+            </a:r>
+            <a:r>
+              <a:rPr>
+                <a:latin typeface="Courier"/>
+              </a:rPr>
+              <a:t>)</a:t>
+            </a:r>
+            <a:br/>
+            <a:r>
+              <a:rPr>
+                <a:latin typeface="Courier"/>
+              </a:rPr>
+              <a:t>age</a:t>
+            </a:r>
+          </a:p>
+          <a:p>
+            <a:pPr lvl="0" indent="0">
+              <a:buNone/>
+            </a:pPr>
+            <a:r>
+              <a:rPr>
+                <a:latin typeface="Courier"/>
+              </a:rPr>
+              <a:t>## [1] 50 25 32 67 46 19</a:t>
+            </a:r>
+          </a:p>
+          <a:p>
+            <a:pPr lvl="0" indent="0">
+              <a:buNone/>
+            </a:pPr>
+            <a:r>
+              <a:rPr i="1">
+                <a:solidFill>
+                  <a:srgbClr val="60A0B0"/>
+                </a:solidFill>
+                <a:latin typeface="Courier"/>
+              </a:rPr>
+              <a:t># Storing several peoples' names in one vector.</a:t>
+            </a:r>
+            <a:br/>
+            <a:r>
+              <a:rPr>
+                <a:latin typeface="Courier"/>
+              </a:rPr>
+              <a:t>name </a:t>
+            </a:r>
+            <a:r>
+              <a:rPr>
+                <a:solidFill>
+                  <a:srgbClr val="007020"/>
+                </a:solidFill>
+                <a:latin typeface="Courier"/>
+              </a:rPr>
+              <a:t>&lt;-</a:t>
+            </a:r>
+            <a:r>
+              <a:rPr>
+                <a:latin typeface="Courier"/>
+              </a:rPr>
+              <a:t> </a:t>
+            </a:r>
+            <a:r>
+              <a:rPr>
+                <a:solidFill>
+                  <a:srgbClr val="06287E"/>
+                </a:solidFill>
+                <a:latin typeface="Courier"/>
+              </a:rPr>
+              <a:t>c</a:t>
+            </a:r>
+            <a:r>
+              <a:rPr>
+                <a:latin typeface="Courier"/>
+              </a:rPr>
+              <a:t>(</a:t>
+            </a:r>
+            <a:r>
+              <a:rPr>
                 <a:solidFill>
                   <a:srgbClr val="4070A0"/>
                 </a:solidFill>
                 <a:latin typeface="Courier"/>
               </a:rPr>
-              <a:t> </a:t>
-            </a:r>
-            <a:r>
-              <a:rPr sz="1800" b="1">
-                <a:solidFill>
-                  <a:srgbClr val="007020"/>
-                </a:solidFill>
-                <a:latin typeface="Courier"/>
-              </a:rPr>
-              <a:t>c</a:t>
-            </a:r>
-            <a:r>
-              <a:rPr sz="1800">
-                <a:latin typeface="Courier"/>
-              </a:rPr>
-              <a:t>(</a:t>
-            </a:r>
-            <a:r>
-              <a:rPr sz="1800">
-                <a:solidFill>
-                  <a:srgbClr val="40A070"/>
-                </a:solidFill>
-                <a:latin typeface="Courier"/>
-              </a:rPr>
-              <a:t>50</a:t>
-            </a:r>
-            <a:r>
-              <a:rPr sz="1800">
+              <a:t>"Adam"</a:t>
+            </a:r>
+            <a:r>
+              <a:rPr>
                 <a:latin typeface="Courier"/>
               </a:rPr>
               <a:t>, </a:t>
             </a:r>
             <a:r>
-              <a:rPr sz="1800">
-                <a:solidFill>
-                  <a:srgbClr val="40A070"/>
-                </a:solidFill>
-                <a:latin typeface="Courier"/>
-              </a:rPr>
-              <a:t>25</a:t>
-            </a:r>
-            <a:r>
-              <a:rPr sz="1800">
-                <a:latin typeface="Courier"/>
-              </a:rPr>
-              <a:t>, </a:t>
-            </a:r>
-            <a:r>
-              <a:rPr sz="1800">
-                <a:solidFill>
-                  <a:srgbClr val="40A070"/>
-                </a:solidFill>
-                <a:latin typeface="Courier"/>
-              </a:rPr>
-              <a:t>32</a:t>
-            </a:r>
-            <a:r>
-              <a:rPr sz="1800">
-                <a:latin typeface="Courier"/>
-              </a:rPr>
-              <a:t>, </a:t>
-            </a:r>
-            <a:r>
-              <a:rPr sz="1800">
-                <a:solidFill>
-                  <a:srgbClr val="40A070"/>
-                </a:solidFill>
-                <a:latin typeface="Courier"/>
-              </a:rPr>
-              <a:t>67</a:t>
-            </a:r>
-            <a:r>
-              <a:rPr sz="1800">
-                <a:latin typeface="Courier"/>
-              </a:rPr>
-              <a:t>, </a:t>
-            </a:r>
-            <a:r>
-              <a:rPr sz="1800">
-                <a:solidFill>
-                  <a:srgbClr val="40A070"/>
-                </a:solidFill>
-                <a:latin typeface="Courier"/>
-              </a:rPr>
-              <a:t>46</a:t>
-            </a:r>
-            <a:r>
-              <a:rPr sz="1800">
-                <a:latin typeface="Courier"/>
-              </a:rPr>
-              <a:t>, </a:t>
-            </a:r>
-            <a:r>
-              <a:rPr sz="1800">
-                <a:solidFill>
-                  <a:srgbClr val="40A070"/>
-                </a:solidFill>
-                <a:latin typeface="Courier"/>
-              </a:rPr>
-              <a:t>19</a:t>
-            </a:r>
-            <a:r>
-              <a:rPr sz="1800">
-                <a:latin typeface="Courier"/>
-              </a:rPr>
-              <a:t>)</a:t>
-            </a:r>
-            <a:br/>
-            <a:r>
-              <a:rPr sz="1800">
-                <a:latin typeface="Courier"/>
-              </a:rPr>
-              <a:t>age</a:t>
-            </a:r>
-          </a:p>
-          <a:p>
-            <a:pPr lvl="0" marL="1270000" indent="0">
-              <a:buNone/>
-            </a:pPr>
-            <a:r>
-              <a:rPr sz="1800">
-                <a:latin typeface="Courier"/>
-              </a:rPr>
-              <a:t>## [1] 50 25 32 67 46 19</a:t>
-            </a:r>
-          </a:p>
-          <a:p>
-            <a:pPr lvl="0" marL="1270000" indent="0">
-              <a:buNone/>
-            </a:pPr>
-            <a:r>
-              <a:rPr sz="1800" i="1">
-                <a:solidFill>
-                  <a:srgbClr val="60A0B0"/>
-                </a:solidFill>
-                <a:latin typeface="Courier"/>
-              </a:rPr>
-              <a:t># Storing several peoples' names in one vector.</a:t>
-            </a:r>
-            <a:br/>
-            <a:r>
-              <a:rPr sz="1800">
-                <a:latin typeface="Courier"/>
-              </a:rPr>
-              <a:t>name &lt;-</a:t>
-            </a:r>
-            <a:r>
-              <a:rPr sz="1800">
+              <a:rPr>
                 <a:solidFill>
                   <a:srgbClr val="4070A0"/>
                 </a:solidFill>
                 <a:latin typeface="Courier"/>
               </a:rPr>
-              <a:t> </a:t>
-            </a:r>
-            <a:r>
-              <a:rPr sz="1800" b="1">
-                <a:solidFill>
-                  <a:srgbClr val="007020"/>
-                </a:solidFill>
-                <a:latin typeface="Courier"/>
-              </a:rPr>
-              <a:t>c</a:t>
-            </a:r>
-            <a:r>
-              <a:rPr sz="1800">
-                <a:latin typeface="Courier"/>
-              </a:rPr>
-              <a:t>(</a:t>
-            </a:r>
-            <a:r>
-              <a:rPr sz="1800">
+              <a:t>"Sally"</a:t>
+            </a:r>
+            <a:r>
+              <a:rPr>
+                <a:latin typeface="Courier"/>
+              </a:rPr>
+              <a:t>, </a:t>
+            </a:r>
+            <a:r>
+              <a:rPr>
                 <a:solidFill>
                   <a:srgbClr val="4070A0"/>
                 </a:solidFill>
                 <a:latin typeface="Courier"/>
               </a:rPr>
-              <a:t>"Adam"</a:t>
-            </a:r>
-            <a:r>
-              <a:rPr sz="1800">
+              <a:t>"Eve"</a:t>
+            </a:r>
+            <a:r>
+              <a:rPr>
                 <a:latin typeface="Courier"/>
               </a:rPr>
               <a:t>, </a:t>
             </a:r>
             <a:r>
-              <a:rPr sz="1800">
+              <a:rPr>
                 <a:solidFill>
                   <a:srgbClr val="4070A0"/>
                 </a:solidFill>
                 <a:latin typeface="Courier"/>
               </a:rPr>
-              <a:t>"Sally"</a:t>
-            </a:r>
-            <a:r>
-              <a:rPr sz="1800">
+              <a:t>"John"</a:t>
+            </a:r>
+            <a:r>
+              <a:rPr>
                 <a:latin typeface="Courier"/>
               </a:rPr>
               <a:t>, </a:t>
             </a:r>
             <a:r>
-              <a:rPr sz="1800">
+              <a:rPr>
                 <a:solidFill>
                   <a:srgbClr val="4070A0"/>
                 </a:solidFill>
                 <a:latin typeface="Courier"/>
               </a:rPr>
-              <a:t>"Eve"</a:t>
-            </a:r>
-            <a:r>
-              <a:rPr sz="1800">
+              <a:t>"James"</a:t>
+            </a:r>
+            <a:r>
+              <a:rPr>
                 <a:latin typeface="Courier"/>
               </a:rPr>
               <a:t>, </a:t>
             </a:r>
             <a:r>
-              <a:rPr sz="1800">
+              <a:rPr>
                 <a:solidFill>
                   <a:srgbClr val="4070A0"/>
                 </a:solidFill>
                 <a:latin typeface="Courier"/>
               </a:rPr>
-              <a:t>"John"</a:t>
-            </a:r>
-            <a:r>
-              <a:rPr sz="1800">
-                <a:latin typeface="Courier"/>
-              </a:rPr>
-              <a:t>, </a:t>
-            </a:r>
-            <a:r>
-              <a:rPr sz="1800">
-                <a:solidFill>
-                  <a:srgbClr val="4070A0"/>
-                </a:solidFill>
-                <a:latin typeface="Courier"/>
-              </a:rPr>
-              <a:t>"James"</a:t>
-            </a:r>
-            <a:r>
-              <a:rPr sz="1800">
-                <a:latin typeface="Courier"/>
-              </a:rPr>
-              <a:t>, </a:t>
-            </a:r>
-            <a:r>
-              <a:rPr sz="1800">
-                <a:solidFill>
-                  <a:srgbClr val="4070A0"/>
-                </a:solidFill>
-                <a:latin typeface="Courier"/>
-              </a:rPr>
               <a:t>"Jennifer"</a:t>
             </a:r>
             <a:r>
-              <a:rPr sz="1800">
+              <a:rPr>
                 <a:latin typeface="Courier"/>
               </a:rPr>
               <a:t>)</a:t>
             </a:r>
             <a:br/>
             <a:r>
-              <a:rPr sz="1800">
+              <a:rPr>
                 <a:latin typeface="Courier"/>
               </a:rPr>
               <a:t>name</a:t>
             </a:r>
           </a:p>
           <a:p>
-            <a:pPr lvl="0" marL="1270000" indent="0">
+            <a:pPr lvl="0" indent="0">
               <a:buNone/>
             </a:pPr>
             <a:r>
-              <a:rPr sz="1800">
+              <a:rPr>
                 <a:latin typeface="Courier"/>
               </a:rPr>
               <a:t>## [1] "Adam"     "Sally"    "Eve"      "John"     "James"    "Jennifer"</a:t>
@@ -11269,7 +11314,7 @@
               <a:t>It allocates a number to each element within the vector from left to right, starting with </a:t>
             </a:r>
             <a:r>
-              <a:rPr sz="1800">
+              <a:rPr>
                 <a:latin typeface="Courier"/>
               </a:rPr>
               <a:t>1</a:t>
@@ -11280,11 +11325,11 @@
             </a:r>
           </a:p>
           <a:p>
-            <a:pPr lvl="0" marL="1270000" indent="0">
+            <a:pPr lvl="0" indent="0">
               <a:buNone/>
             </a:pPr>
             <a:r>
-              <a:rPr sz="1800" i="1">
+              <a:rPr i="1">
                 <a:solidFill>
                   <a:srgbClr val="60A0B0"/>
                 </a:solidFill>
@@ -11294,13 +11339,13 @@
             </a:r>
             <a:br/>
             <a:r>
-              <a:rPr sz="1800">
+              <a:rPr>
                 <a:latin typeface="Courier"/>
               </a:rPr>
               <a:t>age[</a:t>
             </a:r>
             <a:r>
-              <a:rPr sz="1800">
+              <a:rPr>
                 <a:solidFill>
                   <a:srgbClr val="40A070"/>
                 </a:solidFill>
@@ -11309,29 +11354,29 @@
               <a:t>2</a:t>
             </a:r>
             <a:r>
-              <a:rPr sz="1800">
+              <a:rPr>
                 <a:latin typeface="Courier"/>
               </a:rPr>
               <a:t>]</a:t>
             </a:r>
           </a:p>
           <a:p>
-            <a:pPr lvl="0" marL="1270000" indent="0">
+            <a:pPr lvl="0" indent="0">
               <a:buNone/>
             </a:pPr>
             <a:r>
-              <a:rPr sz="1800">
+              <a:rPr>
                 <a:latin typeface="Courier"/>
               </a:rPr>
               <a:t>## [1] 25</a:t>
             </a:r>
           </a:p>
           <a:p>
-            <a:pPr lvl="0" marL="1270000" indent="0">
+            <a:pPr lvl="0" indent="0">
               <a:buNone/>
             </a:pPr>
             <a:r>
-              <a:rPr sz="1800" i="1">
+              <a:rPr i="1">
                 <a:solidFill>
                   <a:srgbClr val="60A0B0"/>
                 </a:solidFill>
@@ -11341,13 +11386,13 @@
             </a:r>
             <a:br/>
             <a:r>
-              <a:rPr sz="1800">
+              <a:rPr>
                 <a:latin typeface="Courier"/>
               </a:rPr>
               <a:t>age[</a:t>
             </a:r>
             <a:r>
-              <a:rPr sz="1800">
+              <a:rPr>
                 <a:solidFill>
                   <a:srgbClr val="40A070"/>
                 </a:solidFill>
@@ -11356,29 +11401,29 @@
               <a:t>4</a:t>
             </a:r>
             <a:r>
-              <a:rPr sz="1800">
+              <a:rPr>
                 <a:latin typeface="Courier"/>
               </a:rPr>
               <a:t>]</a:t>
             </a:r>
           </a:p>
           <a:p>
-            <a:pPr lvl="0" marL="1270000" indent="0">
+            <a:pPr lvl="0" indent="0">
               <a:buNone/>
             </a:pPr>
             <a:r>
-              <a:rPr sz="1800">
+              <a:rPr>
                 <a:latin typeface="Courier"/>
               </a:rPr>
               <a:t>## [1] 67</a:t>
             </a:r>
           </a:p>
           <a:p>
-            <a:pPr lvl="0" marL="1270000" indent="0">
+            <a:pPr lvl="0" indent="0">
               <a:buNone/>
             </a:pPr>
             <a:r>
-              <a:rPr sz="1800" i="1">
+              <a:rPr i="1">
                 <a:solidFill>
                   <a:srgbClr val="60A0B0"/>
                 </a:solidFill>
@@ -11388,13 +11433,13 @@
             </a:r>
             <a:br/>
             <a:r>
-              <a:rPr sz="1800">
+              <a:rPr>
                 <a:latin typeface="Courier"/>
               </a:rPr>
               <a:t>name[</a:t>
             </a:r>
             <a:r>
-              <a:rPr sz="1800">
+              <a:rPr>
                 <a:solidFill>
                   <a:srgbClr val="40A070"/>
                 </a:solidFill>
@@ -11403,18 +11448,18 @@
               <a:t>5</a:t>
             </a:r>
             <a:r>
-              <a:rPr sz="1800">
+              <a:rPr>
                 <a:latin typeface="Courier"/>
               </a:rPr>
               <a:t>]</a:t>
             </a:r>
           </a:p>
           <a:p>
-            <a:pPr lvl="0" marL="1270000" indent="0">
+            <a:pPr lvl="0" indent="0">
               <a:buNone/>
             </a:pPr>
             <a:r>
-              <a:rPr sz="1800">
+              <a:rPr>
                 <a:latin typeface="Courier"/>
               </a:rPr>
               <a:t>## [1] "James"</a:t>
@@ -11541,7 +11586,7 @@
               <a:t>Thus, what would happen if we were to add a value of </a:t>
             </a:r>
             <a:r>
-              <a:rPr sz="1800">
+              <a:rPr>
                 <a:latin typeface="Courier"/>
               </a:rPr>
               <a:t>TRUE</a:t>
@@ -11558,7 +11603,7 @@
               <a:t>Use </a:t>
             </a:r>
             <a:r>
-              <a:rPr sz="1800">
+              <a:rPr>
                 <a:latin typeface="Courier"/>
               </a:rPr>
               <a:t>class()</a:t>
@@ -11569,11 +11614,11 @@
             </a:r>
           </a:p>
           <a:p>
-            <a:pPr lvl="0" marL="1270000" indent="0">
+            <a:pPr lvl="0" indent="0">
               <a:buNone/>
             </a:pPr>
             <a:r>
-              <a:rPr sz="1800" i="1">
+              <a:rPr i="1">
                 <a:solidFill>
                   <a:srgbClr val="60A0B0"/>
                 </a:solidFill>
@@ -11583,37 +11628,43 @@
             </a:r>
             <a:br/>
             <a:r>
-              <a:rPr sz="1800">
-                <a:latin typeface="Courier"/>
-              </a:rPr>
-              <a:t>test &lt;-</a:t>
-            </a:r>
-            <a:r>
-              <a:rPr sz="1800">
-                <a:solidFill>
-                  <a:srgbClr val="4070A0"/>
-                </a:solidFill>
-                <a:latin typeface="Courier"/>
-              </a:rPr>
-              <a:t> </a:t>
-            </a:r>
-            <a:r>
-              <a:rPr sz="1800" b="1">
+              <a:rPr>
+                <a:latin typeface="Courier"/>
+              </a:rPr>
+              <a:t>test </a:t>
+            </a:r>
+            <a:r>
+              <a:rPr>
                 <a:solidFill>
                   <a:srgbClr val="007020"/>
                 </a:solidFill>
                 <a:latin typeface="Courier"/>
               </a:rPr>
+              <a:t>&lt;-</a:t>
+            </a:r>
+            <a:r>
+              <a:rPr>
+                <a:latin typeface="Courier"/>
+              </a:rPr>
+              <a:t> </a:t>
+            </a:r>
+            <a:r>
+              <a:rPr>
+                <a:solidFill>
+                  <a:srgbClr val="06287E"/>
+                </a:solidFill>
+                <a:latin typeface="Courier"/>
+              </a:rPr>
               <a:t>c</a:t>
             </a:r>
             <a:r>
-              <a:rPr sz="1800">
+              <a:rPr>
                 <a:latin typeface="Courier"/>
               </a:rPr>
               <a:t>(</a:t>
             </a:r>
             <a:r>
-              <a:rPr sz="1800">
+              <a:rPr>
                 <a:solidFill>
                   <a:srgbClr val="40A070"/>
                 </a:solidFill>
@@ -11622,13 +11673,13 @@
               <a:t>1</a:t>
             </a:r>
             <a:r>
-              <a:rPr sz="1800">
+              <a:rPr>
                 <a:latin typeface="Courier"/>
               </a:rPr>
               <a:t>, </a:t>
             </a:r>
             <a:r>
-              <a:rPr sz="1800">
+              <a:rPr>
                 <a:solidFill>
                   <a:srgbClr val="40A070"/>
                 </a:solidFill>
@@ -11637,13 +11688,13 @@
               <a:t>2</a:t>
             </a:r>
             <a:r>
-              <a:rPr sz="1800">
+              <a:rPr>
                 <a:latin typeface="Courier"/>
               </a:rPr>
               <a:t>, </a:t>
             </a:r>
             <a:r>
-              <a:rPr sz="1800">
+              <a:rPr>
                 <a:solidFill>
                   <a:srgbClr val="40A070"/>
                 </a:solidFill>
@@ -11652,13 +11703,13 @@
               <a:t>3</a:t>
             </a:r>
             <a:r>
-              <a:rPr sz="1800">
+              <a:rPr>
                 <a:latin typeface="Courier"/>
               </a:rPr>
               <a:t>, </a:t>
             </a:r>
             <a:r>
-              <a:rPr sz="1800">
+              <a:rPr>
                 <a:solidFill>
                   <a:srgbClr val="40A070"/>
                 </a:solidFill>
@@ -11667,22 +11718,22 @@
               <a:t>4</a:t>
             </a:r>
             <a:r>
-              <a:rPr sz="1800">
+              <a:rPr>
                 <a:latin typeface="Courier"/>
               </a:rPr>
               <a:t>, </a:t>
             </a:r>
             <a:r>
-              <a:rPr sz="1800">
+              <a:rPr>
                 <a:solidFill>
-                  <a:srgbClr val="007020"/>
+                  <a:srgbClr val="880000"/>
                 </a:solidFill>
                 <a:latin typeface="Courier"/>
               </a:rPr>
               <a:t>TRUE</a:t>
             </a:r>
             <a:r>
-              <a:rPr sz="1800">
+              <a:rPr>
                 <a:latin typeface="Courier"/>
               </a:rPr>
               <a:t>)</a:t>
@@ -11796,11 +11847,11 @@
           <a:bodyPr/>
           <a:lstStyle/>
           <a:p>
-            <a:pPr lvl="0" marL="1270000" indent="0">
+            <a:pPr lvl="0" indent="0">
               <a:buNone/>
             </a:pPr>
             <a:r>
-              <a:rPr sz="1800" i="1">
+              <a:rPr i="1">
                 <a:solidFill>
                   <a:srgbClr val="60A0B0"/>
                 </a:solidFill>
@@ -11810,29 +11861,29 @@
             </a:r>
             <a:br/>
             <a:r>
-              <a:rPr sz="1800">
+              <a:rPr>
                 <a:latin typeface="Courier"/>
               </a:rPr>
               <a:t>test</a:t>
             </a:r>
           </a:p>
           <a:p>
-            <a:pPr lvl="0" marL="1270000" indent="0">
+            <a:pPr lvl="0" indent="0">
               <a:buNone/>
             </a:pPr>
             <a:r>
-              <a:rPr sz="1800">
+              <a:rPr>
                 <a:latin typeface="Courier"/>
               </a:rPr>
               <a:t>## [1] 1 2 3 4 1</a:t>
             </a:r>
           </a:p>
           <a:p>
-            <a:pPr lvl="0" marL="1270000" indent="0">
+            <a:pPr lvl="0" indent="0">
               <a:buNone/>
             </a:pPr>
             <a:r>
-              <a:rPr sz="1800" i="1">
+              <a:rPr i="1">
                 <a:solidFill>
                   <a:srgbClr val="60A0B0"/>
                 </a:solidFill>
@@ -11842,27 +11893,27 @@
             </a:r>
             <a:br/>
             <a:r>
-              <a:rPr sz="1800" b="1">
+              <a:rPr>
                 <a:solidFill>
-                  <a:srgbClr val="007020"/>
+                  <a:srgbClr val="06287E"/>
                 </a:solidFill>
                 <a:latin typeface="Courier"/>
               </a:rPr>
               <a:t>class</a:t>
             </a:r>
             <a:r>
-              <a:rPr sz="1800">
+              <a:rPr>
                 <a:latin typeface="Courier"/>
               </a:rPr>
               <a:t>(test)</a:t>
             </a:r>
           </a:p>
           <a:p>
-            <a:pPr lvl="0" marL="1270000" indent="0">
+            <a:pPr lvl="0" indent="0">
               <a:buNone/>
             </a:pPr>
             <a:r>
-              <a:rPr sz="1800">
+              <a:rPr>
                 <a:latin typeface="Courier"/>
               </a:rPr>
               <a:t>## [1] "numeric"</a:t>
@@ -11875,7 +11926,7 @@
               <a:t>The value of </a:t>
             </a:r>
             <a:r>
-              <a:rPr sz="1800">
+              <a:rPr>
                 <a:latin typeface="Courier"/>
               </a:rPr>
               <a:t>TRUE</a:t>
@@ -11899,7 +11950,7 @@
               <a:t>This is because logical vectors (i.e. </a:t>
             </a:r>
             <a:r>
-              <a:rPr sz="1800">
+              <a:rPr>
                 <a:latin typeface="Courier"/>
               </a:rPr>
               <a:t>TRUE</a:t>
@@ -11909,7 +11960,7 @@
               <a:t>/</a:t>
             </a:r>
             <a:r>
-              <a:rPr sz="1800">
+              <a:rPr>
                 <a:latin typeface="Courier"/>
               </a:rPr>
               <a:t>FALSE</a:t>
@@ -12163,110 +12214,116 @@
             </a:r>
           </a:p>
           <a:p>
-            <a:pPr lvl="0" marL="1270000" indent="0">
+            <a:pPr lvl="0" indent="0">
               <a:buNone/>
             </a:pPr>
             <a:r>
-              <a:rPr sz="1800">
-                <a:latin typeface="Courier"/>
-              </a:rPr>
-              <a:t>test2 &lt;-</a:t>
-            </a:r>
-            <a:r>
-              <a:rPr sz="1800">
+              <a:rPr>
+                <a:latin typeface="Courier"/>
+              </a:rPr>
+              <a:t>test2 </a:t>
+            </a:r>
+            <a:r>
+              <a:rPr>
+                <a:solidFill>
+                  <a:srgbClr val="007020"/>
+                </a:solidFill>
+                <a:latin typeface="Courier"/>
+              </a:rPr>
+              <a:t>&lt;-</a:t>
+            </a:r>
+            <a:r>
+              <a:rPr>
+                <a:latin typeface="Courier"/>
+              </a:rPr>
+              <a:t> </a:t>
+            </a:r>
+            <a:r>
+              <a:rPr>
+                <a:solidFill>
+                  <a:srgbClr val="06287E"/>
+                </a:solidFill>
+                <a:latin typeface="Courier"/>
+              </a:rPr>
+              <a:t>c</a:t>
+            </a:r>
+            <a:r>
+              <a:rPr>
+                <a:latin typeface="Courier"/>
+              </a:rPr>
+              <a:t>(</a:t>
+            </a:r>
+            <a:r>
+              <a:rPr>
+                <a:solidFill>
+                  <a:srgbClr val="40A070"/>
+                </a:solidFill>
+                <a:latin typeface="Courier"/>
+              </a:rPr>
+              <a:t>1</a:t>
+            </a:r>
+            <a:r>
+              <a:rPr>
+                <a:latin typeface="Courier"/>
+              </a:rPr>
+              <a:t>, </a:t>
+            </a:r>
+            <a:r>
+              <a:rPr>
+                <a:solidFill>
+                  <a:srgbClr val="40A070"/>
+                </a:solidFill>
+                <a:latin typeface="Courier"/>
+              </a:rPr>
+              <a:t>2</a:t>
+            </a:r>
+            <a:r>
+              <a:rPr>
+                <a:latin typeface="Courier"/>
+              </a:rPr>
+              <a:t>, </a:t>
+            </a:r>
+            <a:r>
+              <a:rPr>
+                <a:solidFill>
+                  <a:srgbClr val="40A070"/>
+                </a:solidFill>
+                <a:latin typeface="Courier"/>
+              </a:rPr>
+              <a:t>3</a:t>
+            </a:r>
+            <a:r>
+              <a:rPr>
+                <a:latin typeface="Courier"/>
+              </a:rPr>
+              <a:t>, </a:t>
+            </a:r>
+            <a:r>
+              <a:rPr>
+                <a:solidFill>
+                  <a:srgbClr val="40A070"/>
+                </a:solidFill>
+                <a:latin typeface="Courier"/>
+              </a:rPr>
+              <a:t>4</a:t>
+            </a:r>
+            <a:r>
+              <a:rPr>
+                <a:latin typeface="Courier"/>
+              </a:rPr>
+              <a:t>, </a:t>
+            </a:r>
+            <a:r>
+              <a:rPr>
                 <a:solidFill>
                   <a:srgbClr val="4070A0"/>
                 </a:solidFill>
                 <a:latin typeface="Courier"/>
               </a:rPr>
-              <a:t> </a:t>
-            </a:r>
-            <a:r>
-              <a:rPr sz="1800" b="1">
-                <a:solidFill>
-                  <a:srgbClr val="007020"/>
-                </a:solidFill>
-                <a:latin typeface="Courier"/>
-              </a:rPr>
-              <a:t>c</a:t>
-            </a:r>
-            <a:r>
-              <a:rPr sz="1800">
-                <a:latin typeface="Courier"/>
-              </a:rPr>
-              <a:t>(</a:t>
-            </a:r>
-            <a:r>
-              <a:rPr sz="1800">
-                <a:solidFill>
-                  <a:srgbClr val="40A070"/>
-                </a:solidFill>
-                <a:latin typeface="Courier"/>
-              </a:rPr>
-              <a:t>1</a:t>
-            </a:r>
-            <a:r>
-              <a:rPr sz="1800">
-                <a:latin typeface="Courier"/>
-              </a:rPr>
-              <a:t>, </a:t>
-            </a:r>
-            <a:r>
-              <a:rPr sz="1800">
-                <a:solidFill>
-                  <a:srgbClr val="40A070"/>
-                </a:solidFill>
-                <a:latin typeface="Courier"/>
-              </a:rPr>
-              <a:t>2</a:t>
-            </a:r>
-            <a:r>
-              <a:rPr sz="1800">
-                <a:latin typeface="Courier"/>
-              </a:rPr>
-              <a:t>, </a:t>
-            </a:r>
-            <a:r>
-              <a:rPr sz="1800">
-                <a:solidFill>
-                  <a:srgbClr val="40A070"/>
-                </a:solidFill>
-                <a:latin typeface="Courier"/>
-              </a:rPr>
-              <a:t>3</a:t>
-            </a:r>
-            <a:r>
-              <a:rPr sz="1800">
-                <a:latin typeface="Courier"/>
-              </a:rPr>
-              <a:t>, </a:t>
-            </a:r>
-            <a:r>
-              <a:rPr sz="1800">
-                <a:solidFill>
-                  <a:srgbClr val="40A070"/>
-                </a:solidFill>
-                <a:latin typeface="Courier"/>
-              </a:rPr>
-              <a:t>4</a:t>
-            </a:r>
-            <a:r>
-              <a:rPr sz="1800">
-                <a:latin typeface="Courier"/>
-              </a:rPr>
-              <a:t>, </a:t>
-            </a:r>
-            <a:r>
-              <a:rPr sz="1800">
-                <a:solidFill>
-                  <a:srgbClr val="4070A0"/>
-                </a:solidFill>
-                <a:latin typeface="Courier"/>
-              </a:rPr>
               <a:t>"hi"</a:t>
             </a:r>
             <a:r>
-              <a:rPr sz="1800">
+              <a:rPr>
                 <a:latin typeface="Courier"/>
               </a:rPr>
               <a:t>)</a:t>
@@ -12279,7 +12336,7 @@
               <a:t>Recall the vector and use </a:t>
             </a:r>
             <a:r>
-              <a:rPr sz="1800">
+              <a:rPr>
                 <a:latin typeface="Courier"/>
               </a:rPr>
               <a:t>class()</a:t>
@@ -12397,11 +12454,11 @@
           <a:bodyPr/>
           <a:lstStyle/>
           <a:p>
-            <a:pPr lvl="0" marL="1270000" indent="0">
+            <a:pPr lvl="0" indent="0">
               <a:buNone/>
             </a:pPr>
             <a:r>
-              <a:rPr sz="1800" i="1">
+              <a:rPr i="1">
                 <a:solidFill>
                   <a:srgbClr val="60A0B0"/>
                 </a:solidFill>
@@ -12411,29 +12468,29 @@
             </a:r>
             <a:br/>
             <a:r>
-              <a:rPr sz="1800">
+              <a:rPr>
                 <a:latin typeface="Courier"/>
               </a:rPr>
               <a:t>test2</a:t>
             </a:r>
           </a:p>
           <a:p>
-            <a:pPr lvl="0" marL="1270000" indent="0">
+            <a:pPr lvl="0" indent="0">
               <a:buNone/>
             </a:pPr>
             <a:r>
-              <a:rPr sz="1800">
+              <a:rPr>
                 <a:latin typeface="Courier"/>
               </a:rPr>
               <a:t>## [1] "1"  "2"  "3"  "4"  "hi"</a:t>
             </a:r>
           </a:p>
           <a:p>
-            <a:pPr lvl="0" marL="1270000" indent="0">
+            <a:pPr lvl="0" indent="0">
               <a:buNone/>
             </a:pPr>
             <a:r>
-              <a:rPr sz="1800" i="1">
+              <a:rPr i="1">
                 <a:solidFill>
                   <a:srgbClr val="60A0B0"/>
                 </a:solidFill>
@@ -12443,27 +12500,27 @@
             </a:r>
             <a:br/>
             <a:r>
-              <a:rPr sz="1800" b="1">
+              <a:rPr>
                 <a:solidFill>
-                  <a:srgbClr val="007020"/>
+                  <a:srgbClr val="06287E"/>
                 </a:solidFill>
                 <a:latin typeface="Courier"/>
               </a:rPr>
               <a:t>class</a:t>
             </a:r>
             <a:r>
-              <a:rPr sz="1800">
+              <a:rPr>
                 <a:latin typeface="Courier"/>
               </a:rPr>
               <a:t>(test2)</a:t>
             </a:r>
           </a:p>
           <a:p>
-            <a:pPr lvl="0" marL="1270000" indent="0">
+            <a:pPr lvl="0" indent="0">
               <a:buNone/>
             </a:pPr>
             <a:r>
-              <a:rPr sz="1800">
+              <a:rPr>
                 <a:latin typeface="Courier"/>
               </a:rPr>
               <a:t>## [1] "character"</a:t>
@@ -12574,11 +12631,11 @@
             </a:r>
           </a:p>
           <a:p>
-            <a:pPr lvl="0" marL="1270000" indent="0">
+            <a:pPr lvl="0" indent="0">
               <a:buNone/>
             </a:pPr>
             <a:r>
-              <a:rPr sz="1800">
+              <a:rPr>
                 <a:latin typeface="Courier"/>
               </a:rPr>
               <a:t>##       name age gender
@@ -12728,7 +12785,7 @@
           <a:p>
             <a:pPr lvl="2"/>
             <a:r>
-              <a:rPr sz="1800">
+              <a:rPr>
                 <a:latin typeface="Courier"/>
               </a:rPr>
               <a:t>Name: "Adam", "Sally", "Eve", "John", "James", "Jennifer"</a:t>
@@ -12737,7 +12794,7 @@
           <a:p>
             <a:pPr lvl="2"/>
             <a:r>
-              <a:rPr sz="1800">
+              <a:rPr>
                 <a:latin typeface="Courier"/>
               </a:rPr>
               <a:t>Age: 50, 25, 32, 67, 46, 19</a:t>
@@ -12746,7 +12803,7 @@
           <a:p>
             <a:pPr lvl="2"/>
             <a:r>
-              <a:rPr sz="1800">
+              <a:rPr>
                 <a:latin typeface="Courier"/>
               </a:rPr>
               <a:t>Gender: "male", "female", "female", "male", "male", "female"</a:t>
@@ -12894,7 +12951,7 @@
               <a:t>Combine these vectors into a data frame using </a:t>
             </a:r>
             <a:r>
-              <a:rPr sz="1800">
+              <a:rPr>
                 <a:latin typeface="Courier"/>
               </a:rPr>
               <a:t>data.frame()</a:t>
@@ -12911,7 +12968,7 @@
               <a:t>Hint, the vector names need to go inside the </a:t>
             </a:r>
             <a:r>
-              <a:rPr sz="1800">
+              <a:rPr>
                 <a:latin typeface="Courier"/>
               </a:rPr>
               <a:t>()</a:t>
@@ -12928,7 +12985,7 @@
               <a:t>Save the data frame under the name </a:t>
             </a:r>
             <a:r>
-              <a:rPr sz="1800">
+              <a:rPr>
                 <a:latin typeface="Courier"/>
               </a:rPr>
               <a:t>patients</a:t>
@@ -12945,7 +13002,7 @@
               <a:t>Print the data frame called </a:t>
             </a:r>
             <a:r>
-              <a:rPr sz="1800">
+              <a:rPr>
                 <a:latin typeface="Courier"/>
               </a:rPr>
               <a:t>patients</a:t>
@@ -13063,11 +13120,11 @@
           <a:bodyPr/>
           <a:lstStyle/>
           <a:p>
-            <a:pPr lvl="0" marL="1270000" indent="0">
+            <a:pPr lvl="0" indent="0">
               <a:buNone/>
             </a:pPr>
             <a:r>
-              <a:rPr sz="1800" i="1">
+              <a:rPr i="1">
                 <a:solidFill>
                   <a:srgbClr val="60A0B0"/>
                 </a:solidFill>
@@ -13078,407 +13135,431 @@
             <a:br/>
             <a:br/>
             <a:r>
-              <a:rPr sz="1800">
-                <a:latin typeface="Courier"/>
-              </a:rPr>
-              <a:t>name &lt;-</a:t>
-            </a:r>
-            <a:r>
-              <a:rPr sz="1800">
+              <a:rPr>
+                <a:latin typeface="Courier"/>
+              </a:rPr>
+              <a:t>name </a:t>
+            </a:r>
+            <a:r>
+              <a:rPr>
+                <a:solidFill>
+                  <a:srgbClr val="007020"/>
+                </a:solidFill>
+                <a:latin typeface="Courier"/>
+              </a:rPr>
+              <a:t>&lt;-</a:t>
+            </a:r>
+            <a:r>
+              <a:rPr>
+                <a:latin typeface="Courier"/>
+              </a:rPr>
+              <a:t> </a:t>
+            </a:r>
+            <a:r>
+              <a:rPr>
+                <a:solidFill>
+                  <a:srgbClr val="06287E"/>
+                </a:solidFill>
+                <a:latin typeface="Courier"/>
+              </a:rPr>
+              <a:t>c</a:t>
+            </a:r>
+            <a:r>
+              <a:rPr>
+                <a:latin typeface="Courier"/>
+              </a:rPr>
+              <a:t>(</a:t>
+            </a:r>
+            <a:r>
+              <a:rPr>
                 <a:solidFill>
                   <a:srgbClr val="4070A0"/>
                 </a:solidFill>
                 <a:latin typeface="Courier"/>
               </a:rPr>
-              <a:t> </a:t>
-            </a:r>
-            <a:r>
-              <a:rPr sz="1800" b="1">
+              <a:t>"Adam"</a:t>
+            </a:r>
+            <a:r>
+              <a:rPr>
+                <a:latin typeface="Courier"/>
+              </a:rPr>
+              <a:t>, </a:t>
+            </a:r>
+            <a:r>
+              <a:rPr>
+                <a:solidFill>
+                  <a:srgbClr val="4070A0"/>
+                </a:solidFill>
+                <a:latin typeface="Courier"/>
+              </a:rPr>
+              <a:t>"Sally"</a:t>
+            </a:r>
+            <a:r>
+              <a:rPr>
+                <a:latin typeface="Courier"/>
+              </a:rPr>
+              <a:t>, </a:t>
+            </a:r>
+            <a:r>
+              <a:rPr>
+                <a:solidFill>
+                  <a:srgbClr val="4070A0"/>
+                </a:solidFill>
+                <a:latin typeface="Courier"/>
+              </a:rPr>
+              <a:t>"Eve"</a:t>
+            </a:r>
+            <a:r>
+              <a:rPr>
+                <a:latin typeface="Courier"/>
+              </a:rPr>
+              <a:t>, </a:t>
+            </a:r>
+            <a:r>
+              <a:rPr>
+                <a:solidFill>
+                  <a:srgbClr val="4070A0"/>
+                </a:solidFill>
+                <a:latin typeface="Courier"/>
+              </a:rPr>
+              <a:t>"John"</a:t>
+            </a:r>
+            <a:r>
+              <a:rPr>
+                <a:latin typeface="Courier"/>
+              </a:rPr>
+              <a:t>, </a:t>
+            </a:r>
+            <a:r>
+              <a:rPr>
+                <a:solidFill>
+                  <a:srgbClr val="4070A0"/>
+                </a:solidFill>
+                <a:latin typeface="Courier"/>
+              </a:rPr>
+              <a:t>"James"</a:t>
+            </a:r>
+            <a:r>
+              <a:rPr>
+                <a:latin typeface="Courier"/>
+              </a:rPr>
+              <a:t>, </a:t>
+            </a:r>
+            <a:r>
+              <a:rPr>
+                <a:solidFill>
+                  <a:srgbClr val="4070A0"/>
+                </a:solidFill>
+                <a:latin typeface="Courier"/>
+              </a:rPr>
+              <a:t>"Jennifer"</a:t>
+            </a:r>
+            <a:r>
+              <a:rPr>
+                <a:latin typeface="Courier"/>
+              </a:rPr>
+              <a:t>)</a:t>
+            </a:r>
+            <a:br/>
+            <a:r>
+              <a:rPr>
+                <a:latin typeface="Courier"/>
+              </a:rPr>
+              <a:t>age </a:t>
+            </a:r>
+            <a:r>
+              <a:rPr>
                 <a:solidFill>
                   <a:srgbClr val="007020"/>
                 </a:solidFill>
                 <a:latin typeface="Courier"/>
               </a:rPr>
+              <a:t>&lt;-</a:t>
+            </a:r>
+            <a:r>
+              <a:rPr>
+                <a:latin typeface="Courier"/>
+              </a:rPr>
+              <a:t> </a:t>
+            </a:r>
+            <a:r>
+              <a:rPr>
+                <a:solidFill>
+                  <a:srgbClr val="06287E"/>
+                </a:solidFill>
+                <a:latin typeface="Courier"/>
+              </a:rPr>
               <a:t>c</a:t>
             </a:r>
             <a:r>
-              <a:rPr sz="1800">
+              <a:rPr>
                 <a:latin typeface="Courier"/>
               </a:rPr>
               <a:t>(</a:t>
             </a:r>
             <a:r>
-              <a:rPr sz="1800">
+              <a:rPr>
+                <a:solidFill>
+                  <a:srgbClr val="40A070"/>
+                </a:solidFill>
+                <a:latin typeface="Courier"/>
+              </a:rPr>
+              <a:t>50</a:t>
+            </a:r>
+            <a:r>
+              <a:rPr>
+                <a:latin typeface="Courier"/>
+              </a:rPr>
+              <a:t>, </a:t>
+            </a:r>
+            <a:r>
+              <a:rPr>
+                <a:solidFill>
+                  <a:srgbClr val="40A070"/>
+                </a:solidFill>
+                <a:latin typeface="Courier"/>
+              </a:rPr>
+              <a:t>25</a:t>
+            </a:r>
+            <a:r>
+              <a:rPr>
+                <a:latin typeface="Courier"/>
+              </a:rPr>
+              <a:t>, </a:t>
+            </a:r>
+            <a:r>
+              <a:rPr>
+                <a:solidFill>
+                  <a:srgbClr val="40A070"/>
+                </a:solidFill>
+                <a:latin typeface="Courier"/>
+              </a:rPr>
+              <a:t>32</a:t>
+            </a:r>
+            <a:r>
+              <a:rPr>
+                <a:latin typeface="Courier"/>
+              </a:rPr>
+              <a:t>, </a:t>
+            </a:r>
+            <a:r>
+              <a:rPr>
+                <a:solidFill>
+                  <a:srgbClr val="40A070"/>
+                </a:solidFill>
+                <a:latin typeface="Courier"/>
+              </a:rPr>
+              <a:t>67</a:t>
+            </a:r>
+            <a:r>
+              <a:rPr>
+                <a:latin typeface="Courier"/>
+              </a:rPr>
+              <a:t>, </a:t>
+            </a:r>
+            <a:r>
+              <a:rPr>
+                <a:solidFill>
+                  <a:srgbClr val="40A070"/>
+                </a:solidFill>
+                <a:latin typeface="Courier"/>
+              </a:rPr>
+              <a:t>46</a:t>
+            </a:r>
+            <a:r>
+              <a:rPr>
+                <a:latin typeface="Courier"/>
+              </a:rPr>
+              <a:t>, </a:t>
+            </a:r>
+            <a:r>
+              <a:rPr>
+                <a:solidFill>
+                  <a:srgbClr val="40A070"/>
+                </a:solidFill>
+                <a:latin typeface="Courier"/>
+              </a:rPr>
+              <a:t>19</a:t>
+            </a:r>
+            <a:r>
+              <a:rPr>
+                <a:latin typeface="Courier"/>
+              </a:rPr>
+              <a:t>)</a:t>
+            </a:r>
+            <a:br/>
+            <a:r>
+              <a:rPr>
+                <a:latin typeface="Courier"/>
+              </a:rPr>
+              <a:t>gender </a:t>
+            </a:r>
+            <a:r>
+              <a:rPr>
+                <a:solidFill>
+                  <a:srgbClr val="007020"/>
+                </a:solidFill>
+                <a:latin typeface="Courier"/>
+              </a:rPr>
+              <a:t>&lt;-</a:t>
+            </a:r>
+            <a:r>
+              <a:rPr>
+                <a:latin typeface="Courier"/>
+              </a:rPr>
+              <a:t> </a:t>
+            </a:r>
+            <a:r>
+              <a:rPr>
+                <a:solidFill>
+                  <a:srgbClr val="06287E"/>
+                </a:solidFill>
+                <a:latin typeface="Courier"/>
+              </a:rPr>
+              <a:t>c</a:t>
+            </a:r>
+            <a:r>
+              <a:rPr>
+                <a:latin typeface="Courier"/>
+              </a:rPr>
+              <a:t>(</a:t>
+            </a:r>
+            <a:r>
+              <a:rPr>
                 <a:solidFill>
                   <a:srgbClr val="4070A0"/>
                 </a:solidFill>
                 <a:latin typeface="Courier"/>
               </a:rPr>
-              <a:t>"Adam"</a:t>
-            </a:r>
-            <a:r>
-              <a:rPr sz="1800">
+              <a:t>"male"</a:t>
+            </a:r>
+            <a:r>
+              <a:rPr>
                 <a:latin typeface="Courier"/>
               </a:rPr>
               <a:t>, </a:t>
             </a:r>
             <a:r>
-              <a:rPr sz="1800">
+              <a:rPr>
                 <a:solidFill>
                   <a:srgbClr val="4070A0"/>
                 </a:solidFill>
                 <a:latin typeface="Courier"/>
               </a:rPr>
-              <a:t>"Sally"</a:t>
-            </a:r>
-            <a:r>
-              <a:rPr sz="1800">
+              <a:t>"female"</a:t>
+            </a:r>
+            <a:r>
+              <a:rPr>
                 <a:latin typeface="Courier"/>
               </a:rPr>
               <a:t>, </a:t>
             </a:r>
             <a:r>
-              <a:rPr sz="1800">
+              <a:rPr>
                 <a:solidFill>
                   <a:srgbClr val="4070A0"/>
                 </a:solidFill>
                 <a:latin typeface="Courier"/>
               </a:rPr>
-              <a:t>"Eve"</a:t>
-            </a:r>
-            <a:r>
-              <a:rPr sz="1800">
+              <a:t>"female"</a:t>
+            </a:r>
+            <a:r>
+              <a:rPr>
                 <a:latin typeface="Courier"/>
               </a:rPr>
               <a:t>, </a:t>
             </a:r>
             <a:r>
-              <a:rPr sz="1800">
+              <a:rPr>
                 <a:solidFill>
                   <a:srgbClr val="4070A0"/>
                 </a:solidFill>
                 <a:latin typeface="Courier"/>
               </a:rPr>
-              <a:t>"John"</a:t>
-            </a:r>
-            <a:r>
-              <a:rPr sz="1800">
+              <a:t>"male"</a:t>
+            </a:r>
+            <a:r>
+              <a:rPr>
                 <a:latin typeface="Courier"/>
               </a:rPr>
               <a:t>, </a:t>
             </a:r>
             <a:r>
-              <a:rPr sz="1800">
+              <a:rPr>
                 <a:solidFill>
                   <a:srgbClr val="4070A0"/>
                 </a:solidFill>
                 <a:latin typeface="Courier"/>
               </a:rPr>
-              <a:t>"James"</a:t>
-            </a:r>
-            <a:r>
-              <a:rPr sz="1800">
+              <a:t>"male"</a:t>
+            </a:r>
+            <a:r>
+              <a:rPr>
                 <a:latin typeface="Courier"/>
               </a:rPr>
               <a:t>, </a:t>
             </a:r>
             <a:r>
-              <a:rPr sz="1800">
+              <a:rPr>
                 <a:solidFill>
                   <a:srgbClr val="4070A0"/>
                 </a:solidFill>
                 <a:latin typeface="Courier"/>
               </a:rPr>
-              <a:t>"Jennifer"</a:t>
-            </a:r>
-            <a:r>
-              <a:rPr sz="1800">
+              <a:t>"female"</a:t>
+            </a:r>
+            <a:r>
+              <a:rPr>
                 <a:latin typeface="Courier"/>
               </a:rPr>
               <a:t>)</a:t>
             </a:r>
             <a:br/>
-            <a:r>
-              <a:rPr sz="1800">
-                <a:latin typeface="Courier"/>
-              </a:rPr>
-              <a:t>age &lt;-</a:t>
-            </a:r>
-            <a:r>
-              <a:rPr sz="1800">
+            <a:br/>
+            <a:br/>
+            <a:r>
+              <a:rPr i="1">
                 <a:solidFill>
-                  <a:srgbClr val="4070A0"/>
+                  <a:srgbClr val="60A0B0"/>
                 </a:solidFill>
                 <a:latin typeface="Courier"/>
               </a:rPr>
-              <a:t> </a:t>
-            </a:r>
-            <a:r>
-              <a:rPr sz="1800" b="1">
+              <a:t># Combining into a data frame.</a:t>
+            </a:r>
+            <a:br/>
+            <a:br/>
+            <a:r>
+              <a:rPr>
+                <a:latin typeface="Courier"/>
+              </a:rPr>
+              <a:t>patients </a:t>
+            </a:r>
+            <a:r>
+              <a:rPr>
                 <a:solidFill>
                   <a:srgbClr val="007020"/>
                 </a:solidFill>
                 <a:latin typeface="Courier"/>
               </a:rPr>
-              <a:t>c</a:t>
-            </a:r>
-            <a:r>
-              <a:rPr sz="1800">
-                <a:latin typeface="Courier"/>
-              </a:rPr>
-              <a:t>(</a:t>
-            </a:r>
-            <a:r>
-              <a:rPr sz="1800">
+              <a:t>&lt;-</a:t>
+            </a:r>
+            <a:r>
+              <a:rPr>
+                <a:latin typeface="Courier"/>
+              </a:rPr>
+              <a:t> </a:t>
+            </a:r>
+            <a:r>
+              <a:rPr>
                 <a:solidFill>
-                  <a:srgbClr val="40A070"/>
+                  <a:srgbClr val="06287E"/>
                 </a:solidFill>
                 <a:latin typeface="Courier"/>
               </a:rPr>
-              <a:t>50</a:t>
-            </a:r>
-            <a:r>
-              <a:rPr sz="1800">
-                <a:latin typeface="Courier"/>
-              </a:rPr>
-              <a:t>, </a:t>
-            </a:r>
-            <a:r>
-              <a:rPr sz="1800">
-                <a:solidFill>
-                  <a:srgbClr val="40A070"/>
-                </a:solidFill>
-                <a:latin typeface="Courier"/>
-              </a:rPr>
-              <a:t>25</a:t>
-            </a:r>
-            <a:r>
-              <a:rPr sz="1800">
-                <a:latin typeface="Courier"/>
-              </a:rPr>
-              <a:t>, </a:t>
-            </a:r>
-            <a:r>
-              <a:rPr sz="1800">
-                <a:solidFill>
-                  <a:srgbClr val="40A070"/>
-                </a:solidFill>
-                <a:latin typeface="Courier"/>
-              </a:rPr>
-              <a:t>32</a:t>
-            </a:r>
-            <a:r>
-              <a:rPr sz="1800">
-                <a:latin typeface="Courier"/>
-              </a:rPr>
-              <a:t>, </a:t>
-            </a:r>
-            <a:r>
-              <a:rPr sz="1800">
-                <a:solidFill>
-                  <a:srgbClr val="40A070"/>
-                </a:solidFill>
-                <a:latin typeface="Courier"/>
-              </a:rPr>
-              <a:t>67</a:t>
-            </a:r>
-            <a:r>
-              <a:rPr sz="1800">
-                <a:latin typeface="Courier"/>
-              </a:rPr>
-              <a:t>, </a:t>
-            </a:r>
-            <a:r>
-              <a:rPr sz="1800">
-                <a:solidFill>
-                  <a:srgbClr val="40A070"/>
-                </a:solidFill>
-                <a:latin typeface="Courier"/>
-              </a:rPr>
-              <a:t>46</a:t>
-            </a:r>
-            <a:r>
-              <a:rPr sz="1800">
-                <a:latin typeface="Courier"/>
-              </a:rPr>
-              <a:t>, </a:t>
-            </a:r>
-            <a:r>
-              <a:rPr sz="1800">
-                <a:solidFill>
-                  <a:srgbClr val="40A070"/>
-                </a:solidFill>
-                <a:latin typeface="Courier"/>
-              </a:rPr>
-              <a:t>19</a:t>
-            </a:r>
-            <a:r>
-              <a:rPr sz="1800">
-                <a:latin typeface="Courier"/>
-              </a:rPr>
-              <a:t>)</a:t>
-            </a:r>
-            <a:br/>
-            <a:r>
-              <a:rPr sz="1800">
-                <a:latin typeface="Courier"/>
-              </a:rPr>
-              <a:t>gender &lt;-</a:t>
-            </a:r>
-            <a:r>
-              <a:rPr sz="1800">
-                <a:solidFill>
-                  <a:srgbClr val="4070A0"/>
-                </a:solidFill>
-                <a:latin typeface="Courier"/>
-              </a:rPr>
-              <a:t> </a:t>
-            </a:r>
-            <a:r>
-              <a:rPr sz="1800" b="1">
-                <a:solidFill>
-                  <a:srgbClr val="007020"/>
-                </a:solidFill>
-                <a:latin typeface="Courier"/>
-              </a:rPr>
-              <a:t>c</a:t>
-            </a:r>
-            <a:r>
-              <a:rPr sz="1800">
-                <a:latin typeface="Courier"/>
-              </a:rPr>
-              <a:t>(</a:t>
-            </a:r>
-            <a:r>
-              <a:rPr sz="1800">
-                <a:solidFill>
-                  <a:srgbClr val="4070A0"/>
-                </a:solidFill>
-                <a:latin typeface="Courier"/>
-              </a:rPr>
-              <a:t>"male"</a:t>
-            </a:r>
-            <a:r>
-              <a:rPr sz="1800">
-                <a:latin typeface="Courier"/>
-              </a:rPr>
-              <a:t>, </a:t>
-            </a:r>
-            <a:r>
-              <a:rPr sz="1800">
-                <a:solidFill>
-                  <a:srgbClr val="4070A0"/>
-                </a:solidFill>
-                <a:latin typeface="Courier"/>
-              </a:rPr>
-              <a:t>"female"</a:t>
-            </a:r>
-            <a:r>
-              <a:rPr sz="1800">
-                <a:latin typeface="Courier"/>
-              </a:rPr>
-              <a:t>, </a:t>
-            </a:r>
-            <a:r>
-              <a:rPr sz="1800">
-                <a:solidFill>
-                  <a:srgbClr val="4070A0"/>
-                </a:solidFill>
-                <a:latin typeface="Courier"/>
-              </a:rPr>
-              <a:t>"female"</a:t>
-            </a:r>
-            <a:r>
-              <a:rPr sz="1800">
-                <a:latin typeface="Courier"/>
-              </a:rPr>
-              <a:t>, </a:t>
-            </a:r>
-            <a:r>
-              <a:rPr sz="1800">
-                <a:solidFill>
-                  <a:srgbClr val="4070A0"/>
-                </a:solidFill>
-                <a:latin typeface="Courier"/>
-              </a:rPr>
-              <a:t>"male"</a:t>
-            </a:r>
-            <a:r>
-              <a:rPr sz="1800">
-                <a:latin typeface="Courier"/>
-              </a:rPr>
-              <a:t>, </a:t>
-            </a:r>
-            <a:r>
-              <a:rPr sz="1800">
-                <a:solidFill>
-                  <a:srgbClr val="4070A0"/>
-                </a:solidFill>
-                <a:latin typeface="Courier"/>
-              </a:rPr>
-              <a:t>"male"</a:t>
-            </a:r>
-            <a:r>
-              <a:rPr sz="1800">
-                <a:latin typeface="Courier"/>
-              </a:rPr>
-              <a:t>, </a:t>
-            </a:r>
-            <a:r>
-              <a:rPr sz="1800">
-                <a:solidFill>
-                  <a:srgbClr val="4070A0"/>
-                </a:solidFill>
-                <a:latin typeface="Courier"/>
-              </a:rPr>
-              <a:t>"female"</a:t>
-            </a:r>
-            <a:r>
-              <a:rPr sz="1800">
-                <a:latin typeface="Courier"/>
-              </a:rPr>
-              <a:t>)</a:t>
-            </a:r>
-            <a:br/>
-            <a:br/>
-            <a:br/>
-            <a:r>
-              <a:rPr sz="1800" i="1">
-                <a:solidFill>
-                  <a:srgbClr val="60A0B0"/>
-                </a:solidFill>
-                <a:latin typeface="Courier"/>
-              </a:rPr>
-              <a:t># Combining into a data frame.</a:t>
-            </a:r>
-            <a:br/>
-            <a:br/>
-            <a:r>
-              <a:rPr sz="1800">
-                <a:latin typeface="Courier"/>
-              </a:rPr>
-              <a:t>patients &lt;-</a:t>
-            </a:r>
-            <a:r>
-              <a:rPr sz="1800">
-                <a:solidFill>
-                  <a:srgbClr val="4070A0"/>
-                </a:solidFill>
-                <a:latin typeface="Courier"/>
-              </a:rPr>
-              <a:t> </a:t>
-            </a:r>
-            <a:r>
-              <a:rPr sz="1800" b="1">
-                <a:solidFill>
-                  <a:srgbClr val="007020"/>
-                </a:solidFill>
-                <a:latin typeface="Courier"/>
-              </a:rPr>
               <a:t>data.frame</a:t>
             </a:r>
             <a:r>
-              <a:rPr sz="1800">
+              <a:rPr>
                 <a:latin typeface="Courier"/>
               </a:rPr>
               <a:t>(name, age, gender)</a:t>
@@ -13592,22 +13673,22 @@
           <a:bodyPr/>
           <a:lstStyle/>
           <a:p>
-            <a:pPr lvl="0" marL="1270000" indent="0">
+            <a:pPr lvl="0" indent="0">
               <a:buNone/>
             </a:pPr>
             <a:r>
-              <a:rPr sz="1800">
+              <a:rPr>
                 <a:latin typeface="Courier"/>
               </a:rPr>
               <a:t>patients</a:t>
             </a:r>
           </a:p>
           <a:p>
-            <a:pPr lvl="0" marL="1270000" indent="0">
+            <a:pPr lvl="0" indent="0">
               <a:buNone/>
             </a:pPr>
             <a:r>
-              <a:rPr sz="1800">
+              <a:rPr>
                 <a:latin typeface="Courier"/>
               </a:rPr>
               <a:t>##       name age gender
@@ -13773,7 +13854,7 @@
           <a:p>
             <a:pPr lvl="1"/>
             <a:r>
-              <a:rPr sz="1800">
+              <a:rPr>
                 <a:latin typeface="Courier"/>
               </a:rPr>
               <a:t>$</a:t>
@@ -13790,7 +13871,7 @@
               <a:t>We can get the </a:t>
             </a:r>
             <a:r>
-              <a:rPr sz="1800">
+              <a:rPr>
                 <a:latin typeface="Courier"/>
               </a:rPr>
               <a:t>age</a:t>
@@ -13800,7 +13881,7 @@
               <a:t> column from the data frame </a:t>
             </a:r>
             <a:r>
-              <a:rPr sz="1800">
+              <a:rPr>
                 <a:latin typeface="Courier"/>
               </a:rPr>
               <a:t>patients</a:t>
@@ -13811,37 +13892,37 @@
             </a:r>
           </a:p>
           <a:p>
-            <a:pPr lvl="0" marL="1270000" indent="0">
+            <a:pPr lvl="0" indent="0">
               <a:buNone/>
             </a:pPr>
             <a:r>
-              <a:rPr sz="1800">
+              <a:rPr>
                 <a:latin typeface="Courier"/>
               </a:rPr>
               <a:t>patients</a:t>
             </a:r>
             <a:r>
-              <a:rPr sz="1800">
+              <a:rPr>
                 <a:solidFill>
-                  <a:srgbClr val="666666"/>
+                  <a:srgbClr val="4070A0"/>
                 </a:solidFill>
                 <a:latin typeface="Courier"/>
               </a:rPr>
               <a:t>$</a:t>
             </a:r>
             <a:r>
-              <a:rPr sz="1800">
+              <a:rPr>
                 <a:latin typeface="Courier"/>
               </a:rPr>
               <a:t>age</a:t>
             </a:r>
           </a:p>
           <a:p>
-            <a:pPr lvl="0" marL="1270000" indent="0">
+            <a:pPr lvl="0" indent="0">
               <a:buNone/>
             </a:pPr>
             <a:r>
-              <a:rPr sz="1800">
+              <a:rPr>
                 <a:latin typeface="Courier"/>
               </a:rPr>
               <a:t>## [1] 50 25 32 67 46 19</a:t>
@@ -14360,7 +14441,7 @@
           <a:p>
             <a:pPr lvl="2"/>
             <a:r>
-              <a:rPr sz="1800">
+              <a:rPr>
                 <a:latin typeface="Courier"/>
               </a:rPr>
               <a:t>Sys.time()</a:t>
@@ -14369,7 +14450,7 @@
           <a:p>
             <a:pPr lvl="2"/>
             <a:r>
-              <a:rPr sz="1800">
+              <a:rPr>
                 <a:latin typeface="Courier"/>
               </a:rPr>
               <a:t>mean(1:100)</a:t>
@@ -14581,7 +14662,7 @@
           <a:p>
             <a:pPr lvl="1"/>
             <a:r>
-              <a:rPr sz="1800">
+              <a:rPr>
                 <a:latin typeface="Courier"/>
               </a:rPr>
               <a:t>data.frame()</a:t>
@@ -14594,7 +14675,7 @@
           <a:p>
             <a:pPr lvl="1"/>
             <a:r>
-              <a:rPr sz="1800">
+              <a:rPr>
                 <a:latin typeface="Courier"/>
               </a:rPr>
               <a:t>age, gender, weight</a:t>
@@ -14605,31 +14686,31 @@
             </a:r>
           </a:p>
           <a:p>
-            <a:pPr lvl="0" marL="1270000" indent="0">
+            <a:pPr lvl="0" indent="0">
               <a:buNone/>
             </a:pPr>
             <a:r>
-              <a:rPr sz="1800" b="1">
+              <a:rPr>
                 <a:solidFill>
-                  <a:srgbClr val="007020"/>
+                  <a:srgbClr val="06287E"/>
                 </a:solidFill>
                 <a:latin typeface="Courier"/>
               </a:rPr>
               <a:t>data.frame</a:t>
             </a:r>
             <a:r>
-              <a:rPr sz="1800">
+              <a:rPr>
                 <a:latin typeface="Courier"/>
               </a:rPr>
               <a:t>(name, age, gender)</a:t>
             </a:r>
           </a:p>
           <a:p>
-            <a:pPr lvl="0" marL="1270000" indent="0">
+            <a:pPr lvl="0" indent="0">
               <a:buNone/>
             </a:pPr>
             <a:r>
-              <a:rPr sz="1800">
+              <a:rPr>
                 <a:latin typeface="Courier"/>
               </a:rPr>
               <a:t>##       name age gender
@@ -14786,7 +14867,7 @@
               <a:t>Use the </a:t>
             </a:r>
             <a:r>
-              <a:rPr sz="1800">
+              <a:rPr>
                 <a:latin typeface="Courier"/>
               </a:rPr>
               <a:t>patients</a:t>
@@ -14799,7 +14880,7 @@
           <a:p>
             <a:pPr lvl="1"/>
             <a:r>
-              <a:rPr sz="1800">
+              <a:rPr>
                 <a:latin typeface="Courier"/>
               </a:rPr>
               <a:t>head()</a:t>
@@ -14808,7 +14889,7 @@
           <a:p>
             <a:pPr lvl="1"/>
             <a:r>
-              <a:rPr sz="1800">
+              <a:rPr>
                 <a:latin typeface="Courier"/>
               </a:rPr>
               <a:t>tail()</a:t>
@@ -14817,7 +14898,7 @@
           <a:p>
             <a:pPr lvl="1"/>
             <a:r>
-              <a:rPr sz="1800">
+              <a:rPr>
                 <a:latin typeface="Courier"/>
               </a:rPr>
               <a:t>summary()</a:t>
@@ -14925,7 +15006,7 @@
           <a:p>
             <a:pPr lvl="1"/>
             <a:r>
-              <a:rPr sz="1800">
+              <a:rPr>
                 <a:latin typeface="Courier"/>
               </a:rPr>
               <a:t>head()</a:t>
@@ -14938,7 +15019,7 @@
           <a:p>
             <a:pPr lvl="1"/>
             <a:r>
-              <a:rPr sz="1800">
+              <a:rPr>
                 <a:latin typeface="Courier"/>
               </a:rPr>
               <a:t>tail()</a:t>
@@ -14951,7 +15032,7 @@
           <a:p>
             <a:pPr lvl="1"/>
             <a:r>
-              <a:rPr sz="1800">
+              <a:rPr>
                 <a:latin typeface="Courier"/>
               </a:rPr>
               <a:t>summary()</a:t>
@@ -14962,40 +15043,40 @@
             </a:r>
           </a:p>
           <a:p>
-            <a:pPr lvl="0" marL="1270000" indent="0">
+            <a:pPr lvl="0" indent="0">
               <a:buNone/>
             </a:pPr>
             <a:r>
-              <a:rPr sz="1800" b="1">
+              <a:rPr>
                 <a:solidFill>
-                  <a:srgbClr val="007020"/>
+                  <a:srgbClr val="06287E"/>
                 </a:solidFill>
                 <a:latin typeface="Courier"/>
               </a:rPr>
               <a:t>summary</a:t>
             </a:r>
             <a:r>
-              <a:rPr sz="1800">
+              <a:rPr>
                 <a:latin typeface="Courier"/>
               </a:rPr>
               <a:t>(patients)</a:t>
             </a:r>
           </a:p>
           <a:p>
-            <a:pPr lvl="0" marL="1270000" indent="0">
+            <a:pPr lvl="0" indent="0">
               <a:buNone/>
             </a:pPr>
             <a:r>
-              <a:rPr sz="1800">
-                <a:latin typeface="Courier"/>
-              </a:rPr>
-              <a:t>##        name        age           gender 
-##  Adam    :1   Min.   :19.00   female:3  
-##  Eve     :1   1st Qu.:26.75   male  :3  
-##  James   :1   Median :39.00             
-##  Jennifer:1   Mean   :39.83             
-##  John    :1   3rd Qu.:49.00             
-##  Sally   :1   Max.   :67.00</a:t>
+              <a:rPr>
+                <a:latin typeface="Courier"/>
+              </a:rPr>
+              <a:t>##      name                age           gender         
+##  Length:6           Min.   :19.00   Length:6          
+##  Class :character   1st Qu.:26.75   Class :character  
+##  Mode  :character   Median :39.00   Mode  :character  
+##                     Mean   :39.83                     
+##                     3rd Qu.:49.00                     
+##                     Max.   :67.00</a:t>
             </a:r>
           </a:p>
         </p:txBody>
@@ -15102,7 +15183,7 @@
               <a:t>Try </a:t>
             </a:r>
             <a:r>
-              <a:rPr sz="1800">
+              <a:rPr>
                 <a:latin typeface="Courier"/>
               </a:rPr>
               <a:t>mean(patients$gender)</a:t>
@@ -15234,7 +15315,7 @@
               <a:t>Select the </a:t>
             </a:r>
             <a:r>
-              <a:rPr sz="1800">
+              <a:rPr>
                 <a:latin typeface="Courier"/>
               </a:rPr>
               <a:t>help</a:t>
@@ -15251,7 +15332,7 @@
               <a:t>Type </a:t>
             </a:r>
             <a:r>
-              <a:rPr sz="1800">
+              <a:rPr>
                 <a:latin typeface="Courier"/>
               </a:rPr>
               <a:t>?function_name</a:t>
@@ -15268,7 +15349,7 @@
               <a:t>If you can’t remember the exact function name try typing </a:t>
             </a:r>
             <a:r>
-              <a:rPr sz="1800">
+              <a:rPr>
                 <a:latin typeface="Courier"/>
               </a:rPr>
               <a:t>??whatever_you_want_to_do</a:t>
@@ -15803,7 +15884,7 @@
               <a:t>Look up the function </a:t>
             </a:r>
             <a:r>
-              <a:rPr sz="1800">
+              <a:rPr>
                 <a:latin typeface="Courier"/>
               </a:rPr>
               <a:t>ls</a:t>
@@ -15980,26 +16061,26 @@
             </a:r>
           </a:p>
           <a:p>
-            <a:pPr lvl="0" marL="1270000" indent="0">
+            <a:pPr lvl="0" indent="0">
               <a:buNone/>
             </a:pPr>
             <a:r>
-              <a:rPr sz="1800" b="1">
+              <a:rPr>
                 <a:solidFill>
-                  <a:srgbClr val="007020"/>
+                  <a:srgbClr val="06287E"/>
                 </a:solidFill>
                 <a:latin typeface="Courier"/>
               </a:rPr>
               <a:t>install.packages</a:t>
             </a:r>
             <a:r>
-              <a:rPr sz="1800">
+              <a:rPr>
                 <a:latin typeface="Courier"/>
               </a:rPr>
               <a:t>(</a:t>
             </a:r>
             <a:r>
-              <a:rPr sz="1800">
+              <a:rPr>
                 <a:solidFill>
                   <a:srgbClr val="4070A0"/>
                 </a:solidFill>
@@ -16008,23 +16089,23 @@
               <a:t>"tidyverse"</a:t>
             </a:r>
             <a:r>
-              <a:rPr sz="1800">
+              <a:rPr>
                 <a:latin typeface="Courier"/>
               </a:rPr>
               <a:t>)</a:t>
             </a:r>
             <a:br/>
             <a:r>
-              <a:rPr sz="1800" b="1">
+              <a:rPr>
                 <a:solidFill>
-                  <a:srgbClr val="007020"/>
+                  <a:srgbClr val="06287E"/>
                 </a:solidFill>
                 <a:latin typeface="Courier"/>
               </a:rPr>
               <a:t>library</a:t>
             </a:r>
             <a:r>
-              <a:rPr sz="1800">
+              <a:rPr>
                 <a:latin typeface="Courier"/>
               </a:rPr>
               <a:t>(tidyverse)</a:t>
@@ -16044,7 +16125,7 @@
               <a:t>You need to load the package using </a:t>
             </a:r>
             <a:r>
-              <a:rPr sz="1800">
+              <a:rPr>
                 <a:latin typeface="Courier"/>
               </a:rPr>
               <a:t>library</a:t>
@@ -16157,7 +16238,7 @@
           <a:p>
             <a:pPr lvl="1"/>
             <a:r>
-              <a:rPr sz="1800">
+              <a:rPr>
                 <a:latin typeface="Courier"/>
               </a:rPr>
               <a:t>ggplot2</a:t>
@@ -16170,7 +16251,7 @@
           <a:p>
             <a:pPr lvl="1"/>
             <a:r>
-              <a:rPr sz="1800">
+              <a:rPr>
                 <a:latin typeface="Courier"/>
               </a:rPr>
               <a:t>readr</a:t>
@@ -16183,7 +16264,7 @@
           <a:p>
             <a:pPr lvl="1"/>
             <a:r>
-              <a:rPr sz="1800">
+              <a:rPr>
                 <a:latin typeface="Courier"/>
               </a:rPr>
               <a:t>stringr</a:t>
@@ -16196,7 +16277,7 @@
           <a:p>
             <a:pPr lvl="1"/>
             <a:r>
-              <a:rPr sz="1800">
+              <a:rPr>
                 <a:latin typeface="Courier"/>
               </a:rPr>
               <a:t>lubridate</a:t>

--- a/Workshops/Workshop1.pptx
+++ b/Workshops/Workshop1.pptx
@@ -4847,7 +4847,7 @@
           <a:p>
             <a:fld id="{937E6D32-4C03-264D-8FDB-034DA7582E3B}" type="datetimeFigureOut">
               <a:rPr lang="en-US" smtClean="0"/>
-              <a:t>8/27/19</a:t>
+              <a:t>9/21/2021</a:t>
             </a:fld>
             <a:endParaRPr lang="en-US"/>
           </a:p>
@@ -5045,7 +5045,7 @@
           <a:p>
             <a:fld id="{937E6D32-4C03-264D-8FDB-034DA7582E3B}" type="datetimeFigureOut">
               <a:rPr lang="en-US" smtClean="0"/>
-              <a:t>8/27/19</a:t>
+              <a:t>9/21/2021</a:t>
             </a:fld>
             <a:endParaRPr lang="en-US"/>
           </a:p>
@@ -5253,7 +5253,7 @@
           <a:p>
             <a:fld id="{937E6D32-4C03-264D-8FDB-034DA7582E3B}" type="datetimeFigureOut">
               <a:rPr lang="en-US" smtClean="0"/>
-              <a:t>8/27/19</a:t>
+              <a:t>9/21/2021</a:t>
             </a:fld>
             <a:endParaRPr lang="en-US"/>
           </a:p>
@@ -5451,7 +5451,7 @@
           <a:p>
             <a:fld id="{937E6D32-4C03-264D-8FDB-034DA7582E3B}" type="datetimeFigureOut">
               <a:rPr lang="en-US" smtClean="0"/>
-              <a:t>8/27/19</a:t>
+              <a:t>9/21/2021</a:t>
             </a:fld>
             <a:endParaRPr lang="en-US"/>
           </a:p>
@@ -5726,7 +5726,7 @@
           <a:p>
             <a:fld id="{937E6D32-4C03-264D-8FDB-034DA7582E3B}" type="datetimeFigureOut">
               <a:rPr lang="en-US" smtClean="0"/>
-              <a:t>8/27/19</a:t>
+              <a:t>9/21/2021</a:t>
             </a:fld>
             <a:endParaRPr lang="en-US"/>
           </a:p>
@@ -5991,7 +5991,7 @@
           <a:p>
             <a:fld id="{937E6D32-4C03-264D-8FDB-034DA7582E3B}" type="datetimeFigureOut">
               <a:rPr lang="en-US" smtClean="0"/>
-              <a:t>8/27/19</a:t>
+              <a:t>9/21/2021</a:t>
             </a:fld>
             <a:endParaRPr lang="en-US"/>
           </a:p>
@@ -6403,7 +6403,7 @@
           <a:p>
             <a:fld id="{937E6D32-4C03-264D-8FDB-034DA7582E3B}" type="datetimeFigureOut">
               <a:rPr lang="en-US" smtClean="0"/>
-              <a:t>8/27/19</a:t>
+              <a:t>9/21/2021</a:t>
             </a:fld>
             <a:endParaRPr lang="en-US"/>
           </a:p>
@@ -6544,7 +6544,7 @@
           <a:p>
             <a:fld id="{937E6D32-4C03-264D-8FDB-034DA7582E3B}" type="datetimeFigureOut">
               <a:rPr lang="en-US" smtClean="0"/>
-              <a:t>8/27/19</a:t>
+              <a:t>9/21/2021</a:t>
             </a:fld>
             <a:endParaRPr lang="en-US"/>
           </a:p>
@@ -6657,7 +6657,7 @@
           <a:p>
             <a:fld id="{937E6D32-4C03-264D-8FDB-034DA7582E3B}" type="datetimeFigureOut">
               <a:rPr lang="en-US" smtClean="0"/>
-              <a:t>8/27/19</a:t>
+              <a:t>9/21/2021</a:t>
             </a:fld>
             <a:endParaRPr lang="en-US"/>
           </a:p>
@@ -6968,7 +6968,7 @@
           <a:p>
             <a:fld id="{937E6D32-4C03-264D-8FDB-034DA7582E3B}" type="datetimeFigureOut">
               <a:rPr lang="en-US" smtClean="0"/>
-              <a:t>8/27/19</a:t>
+              <a:t>9/21/2021</a:t>
             </a:fld>
             <a:endParaRPr lang="en-US"/>
           </a:p>
@@ -7256,7 +7256,7 @@
           <a:p>
             <a:fld id="{937E6D32-4C03-264D-8FDB-034DA7582E3B}" type="datetimeFigureOut">
               <a:rPr lang="en-US" smtClean="0"/>
-              <a:t>8/27/19</a:t>
+              <a:t>9/21/2021</a:t>
             </a:fld>
             <a:endParaRPr lang="en-US"/>
           </a:p>
@@ -7422,35 +7422,35 @@
           <a:p>
             <a:pPr lvl="0"/>
             <a:r>
-              <a:rPr lang="en-US"/>
+              <a:rPr lang="en-US" dirty="0"/>
               <a:t>Click to edit Master text styles</a:t>
             </a:r>
           </a:p>
           <a:p>
             <a:pPr lvl="1"/>
             <a:r>
-              <a:rPr lang="en-US"/>
+              <a:rPr lang="en-US" dirty="0"/>
               <a:t>Second level</a:t>
             </a:r>
           </a:p>
           <a:p>
             <a:pPr lvl="2"/>
             <a:r>
-              <a:rPr lang="en-US"/>
+              <a:rPr lang="en-US" dirty="0"/>
               <a:t>Third level</a:t>
             </a:r>
           </a:p>
           <a:p>
             <a:pPr lvl="3"/>
             <a:r>
-              <a:rPr lang="en-US"/>
+              <a:rPr lang="en-US" dirty="0"/>
               <a:t>Fourth level</a:t>
             </a:r>
           </a:p>
           <a:p>
             <a:pPr lvl="4"/>
             <a:r>
-              <a:rPr lang="en-US"/>
+              <a:rPr lang="en-US" dirty="0"/>
               <a:t>Fifth level</a:t>
             </a:r>
           </a:p>
@@ -7497,7 +7497,7 @@
           <a:p>
             <a:fld id="{937E6D32-4C03-264D-8FDB-034DA7582E3B}" type="datetimeFigureOut">
               <a:rPr lang="en-US" smtClean="0"/>
-              <a:t>8/27/19</a:t>
+              <a:t>9/21/2021</a:t>
             </a:fld>
             <a:endParaRPr lang="en-US"/>
           </a:p>
@@ -7635,7 +7635,7 @@
       </a:lvl1pPr>
     </p:titleStyle>
     <p:bodyStyle>
-      <a:lvl1pPr marL="228600" indent="-228600" algn="l" defTabSz="914400" rtl="0" eaLnBrk="1" latinLnBrk="0" hangingPunct="1">
+      <a:lvl1pPr marL="1144800" indent="-228600" algn="l" defTabSz="914400" rtl="0" eaLnBrk="1" latinLnBrk="0" hangingPunct="1">
         <a:lnSpc>
           <a:spcPct val="90000"/>
         </a:lnSpc>
@@ -7644,7 +7644,7 @@
         </a:spcBef>
         <a:buFont typeface="Arial" panose="020B0604020202020204" pitchFamily="34" charset="0"/>
         <a:buChar char="•"/>
-        <a:defRPr sz="2800" kern="1200">
+        <a:defRPr sz="1800" kern="1200">
           <a:solidFill>
             <a:schemeClr val="tx1"/>
           </a:solidFill>
@@ -7662,7 +7662,7 @@
         </a:spcBef>
         <a:buFont typeface="Arial" panose="020B0604020202020204" pitchFamily="34" charset="0"/>
         <a:buChar char="•"/>
-        <a:defRPr sz="2400" kern="1200">
+        <a:defRPr sz="2300" kern="1200">
           <a:solidFill>
             <a:schemeClr val="tx1"/>
           </a:solidFill>
@@ -8894,9 +8894,7 @@
           <a:bodyPr/>
           <a:lstStyle/>
           <a:p>
-            <a:pPr lvl="0" marL="0" indent="0">
-              <a:buNone/>
-            </a:pPr>
+            <a:pPr lvl="1"/>
             <a:r>
               <a:rPr/>
               <a:t>You should see:</a:t>
@@ -10857,9 +10855,7 @@
           <a:bodyPr/>
           <a:lstStyle/>
           <a:p>
-            <a:pPr lvl="0" marL="0" indent="0">
-              <a:buNone/>
-            </a:pPr>
+            <a:pPr lvl="1"/>
             <a:r>
               <a:rPr/>
               <a:t>The </a:t>
@@ -16227,16 +16223,14 @@
           <a:bodyPr/>
           <a:lstStyle/>
           <a:p>
-            <a:pPr lvl="0" marL="0" indent="0">
-              <a:buNone/>
-            </a:pPr>
+            <a:pPr lvl="1"/>
             <a:r>
               <a:rPr/>
               <a:t>These are some packages we will be user later in the course.</a:t>
             </a:r>
           </a:p>
           <a:p>
-            <a:pPr lvl="1"/>
+            <a:pPr lvl="2"/>
             <a:r>
               <a:rPr>
                 <a:latin typeface="Courier"/>
@@ -16249,7 +16243,7 @@
             </a:r>
           </a:p>
           <a:p>
-            <a:pPr lvl="1"/>
+            <a:pPr lvl="2"/>
             <a:r>
               <a:rPr>
                 <a:latin typeface="Courier"/>
@@ -16262,7 +16256,7 @@
             </a:r>
           </a:p>
           <a:p>
-            <a:pPr lvl="1"/>
+            <a:pPr lvl="2"/>
             <a:r>
               <a:rPr>
                 <a:latin typeface="Courier"/>
@@ -16275,7 +16269,7 @@
             </a:r>
           </a:p>
           <a:p>
-            <a:pPr lvl="1"/>
+            <a:pPr lvl="2"/>
             <a:r>
               <a:rPr>
                 <a:latin typeface="Courier"/>

--- a/Workshops/Workshop1.pptx
+++ b/Workshops/Workshop1.pptx
@@ -14674,7 +14674,7 @@
               <a:rPr>
                 <a:latin typeface="Courier"/>
               </a:rPr>
-              <a:t>age, gender, weight</a:t>
+              <a:t>name, age, gender</a:t>
             </a:r>
             <a:r>
               <a:rPr/>

--- a/Workshops/Workshop1.pptx
+++ b/Workshops/Workshop1.pptx
@@ -1,11 +1,11 @@
 
 <file path=ppt/presentation.xml><?xml version="1.0" encoding="utf-8"?>
-<p:presentation xmlns:a="http://schemas.openxmlformats.org/drawingml/2006/main" xmlns:r="http://schemas.openxmlformats.org/officeDocument/2006/relationships" xmlns:p="http://schemas.openxmlformats.org/presentationml/2006/main" saveSubsetFonts="1" autoCompressPictures="0">
+<p:presentation xmlns:a="http://schemas.openxmlformats.org/drawingml/2006/main" xmlns:p="http://schemas.openxmlformats.org/presentationml/2006/main" xmlns:r="http://schemas.openxmlformats.org/officeDocument/2006/relationships" autoCompressPictures="0" saveSubsetFonts="1">
   <p:sldMasterIdLst>
     <p:sldMasterId id="2147483648" r:id="rId1"/>
   </p:sldMasterIdLst>
   <p:notesMasterIdLst>
-    <p:NotesMasterId r:id="rId54"/>
+    <p:NotesMasterId r:id="rId55"/>
   </p:notesMasterIdLst>
   <p:sldIdLst>
     <p:sldId id="256" r:id="rId2"/>
@@ -60,6 +60,7 @@
     <p:sldId id="305" r:id="rId51"/>
     <p:sldId id="306" r:id="rId52"/>
     <p:sldId id="307" r:id="rId53"/>
+    <p:sldId id="308" r:id="rId54"/>
   </p:sldIdLst>
   <p:sldSz cx="12192000" cy="6858000"/>
   <p:notesSz cx="6858000" cy="9144000"/>
@@ -67,8 +68,8 @@
     <a:defPPr>
       <a:defRPr lang="en-US"/>
     </a:defPPr>
-    <a:lvl1pPr marL="0" algn="l" defTabSz="914400" rtl="0" eaLnBrk="1" latinLnBrk="0" hangingPunct="1">
-      <a:defRPr sz="1800" kern="1200">
+    <a:lvl1pPr algn="l" defTabSz="914400" eaLnBrk="1" hangingPunct="1" latinLnBrk="0" marL="0" rtl="0">
+      <a:defRPr kern="1200" sz="1800">
         <a:solidFill>
           <a:schemeClr val="tx1"/>
         </a:solidFill>
@@ -77,8 +78,8 @@
         <a:cs typeface="+mn-cs"/>
       </a:defRPr>
     </a:lvl1pPr>
-    <a:lvl2pPr marL="457200" algn="l" defTabSz="914400" rtl="0" eaLnBrk="1" latinLnBrk="0" hangingPunct="1">
-      <a:defRPr sz="1800" kern="1200">
+    <a:lvl2pPr algn="l" defTabSz="914400" eaLnBrk="1" hangingPunct="1" latinLnBrk="0" marL="457200" rtl="0">
+      <a:defRPr kern="1200" sz="1800">
         <a:solidFill>
           <a:schemeClr val="tx1"/>
         </a:solidFill>
@@ -87,8 +88,8 @@
         <a:cs typeface="+mn-cs"/>
       </a:defRPr>
     </a:lvl2pPr>
-    <a:lvl3pPr marL="914400" algn="l" defTabSz="914400" rtl="0" eaLnBrk="1" latinLnBrk="0" hangingPunct="1">
-      <a:defRPr sz="1800" kern="1200">
+    <a:lvl3pPr algn="l" defTabSz="914400" eaLnBrk="1" hangingPunct="1" latinLnBrk="0" marL="914400" rtl="0">
+      <a:defRPr kern="1200" sz="1800">
         <a:solidFill>
           <a:schemeClr val="tx1"/>
         </a:solidFill>
@@ -97,8 +98,8 @@
         <a:cs typeface="+mn-cs"/>
       </a:defRPr>
     </a:lvl3pPr>
-    <a:lvl4pPr marL="1371600" algn="l" defTabSz="914400" rtl="0" eaLnBrk="1" latinLnBrk="0" hangingPunct="1">
-      <a:defRPr sz="1800" kern="1200">
+    <a:lvl4pPr algn="l" defTabSz="914400" eaLnBrk="1" hangingPunct="1" latinLnBrk="0" marL="1371600" rtl="0">
+      <a:defRPr kern="1200" sz="1800">
         <a:solidFill>
           <a:schemeClr val="tx1"/>
         </a:solidFill>
@@ -107,8 +108,8 @@
         <a:cs typeface="+mn-cs"/>
       </a:defRPr>
     </a:lvl4pPr>
-    <a:lvl5pPr marL="1828800" algn="l" defTabSz="914400" rtl="0" eaLnBrk="1" latinLnBrk="0" hangingPunct="1">
-      <a:defRPr sz="1800" kern="1200">
+    <a:lvl5pPr algn="l" defTabSz="914400" eaLnBrk="1" hangingPunct="1" latinLnBrk="0" marL="1828800" rtl="0">
+      <a:defRPr kern="1200" sz="1800">
         <a:solidFill>
           <a:schemeClr val="tx1"/>
         </a:solidFill>
@@ -117,8 +118,8 @@
         <a:cs typeface="+mn-cs"/>
       </a:defRPr>
     </a:lvl5pPr>
-    <a:lvl6pPr marL="2286000" algn="l" defTabSz="914400" rtl="0" eaLnBrk="1" latinLnBrk="0" hangingPunct="1">
-      <a:defRPr sz="1800" kern="1200">
+    <a:lvl6pPr algn="l" defTabSz="914400" eaLnBrk="1" hangingPunct="1" latinLnBrk="0" marL="2286000" rtl="0">
+      <a:defRPr kern="1200" sz="1800">
         <a:solidFill>
           <a:schemeClr val="tx1"/>
         </a:solidFill>
@@ -127,8 +128,8 @@
         <a:cs typeface="+mn-cs"/>
       </a:defRPr>
     </a:lvl6pPr>
-    <a:lvl7pPr marL="2743200" algn="l" defTabSz="914400" rtl="0" eaLnBrk="1" latinLnBrk="0" hangingPunct="1">
-      <a:defRPr sz="1800" kern="1200">
+    <a:lvl7pPr algn="l" defTabSz="914400" eaLnBrk="1" hangingPunct="1" latinLnBrk="0" marL="2743200" rtl="0">
+      <a:defRPr kern="1200" sz="1800">
         <a:solidFill>
           <a:schemeClr val="tx1"/>
         </a:solidFill>
@@ -137,8 +138,8 @@
         <a:cs typeface="+mn-cs"/>
       </a:defRPr>
     </a:lvl7pPr>
-    <a:lvl8pPr marL="3200400" algn="l" defTabSz="914400" rtl="0" eaLnBrk="1" latinLnBrk="0" hangingPunct="1">
-      <a:defRPr sz="1800" kern="1200">
+    <a:lvl8pPr algn="l" defTabSz="914400" eaLnBrk="1" hangingPunct="1" latinLnBrk="0" marL="3200400" rtl="0">
+      <a:defRPr kern="1200" sz="1800">
         <a:solidFill>
           <a:schemeClr val="tx1"/>
         </a:solidFill>
@@ -147,8 +148,8 @@
         <a:cs typeface="+mn-cs"/>
       </a:defRPr>
     </a:lvl8pPr>
-    <a:lvl9pPr marL="3657600" algn="l" defTabSz="914400" rtl="0" eaLnBrk="1" latinLnBrk="0" hangingPunct="1">
-      <a:defRPr sz="1800" kern="1200">
+    <a:lvl9pPr algn="l" defTabSz="914400" eaLnBrk="1" hangingPunct="1" latinLnBrk="0" marL="3657600" rtl="0">
+      <a:defRPr kern="1200" sz="1800">
         <a:solidFill>
           <a:schemeClr val="tx1"/>
         </a:solidFill>
@@ -1819,23 +1820,15 @@
             </a:pPr>
             <a:r>
               <a:rPr/>
-              <a:t>reference</a:t>
-            </a:r>
-            <a:r>
-              <a:rPr/>
-              <a:t> </a:t>
-            </a:r>
-            <a:r>
-              <a:rPr/>
-              <a:t>this</a:t>
-            </a:r>
-            <a:r>
-              <a:rPr/>
-              <a:t> </a:t>
-            </a:r>
-            <a:r>
-              <a:rPr/>
-              <a:t>back</a:t>
+              <a:t>Get</a:t>
+            </a:r>
+            <a:r>
+              <a:rPr/>
+              <a:t> </a:t>
+            </a:r>
+            <a:r>
+              <a:rPr/>
+              <a:t>them</a:t>
             </a:r>
             <a:r>
               <a:rPr/>
@@ -1851,6 +1844,22 @@
             </a:r>
             <a:r>
               <a:rPr/>
+              <a:t>look</a:t>
+            </a:r>
+            <a:r>
+              <a:rPr/>
+              <a:t> </a:t>
+            </a:r>
+            <a:r>
+              <a:rPr/>
+              <a:t>up</a:t>
+            </a:r>
+            <a:r>
+              <a:rPr/>
+              <a:t> </a:t>
+            </a:r>
+            <a:r>
+              <a:rPr/>
               <a:t>the</a:t>
             </a:r>
             <a:r>
@@ -1859,111 +1868,31 @@
             </a:r>
             <a:r>
               <a:rPr/>
-              <a:t>factory</a:t>
-            </a:r>
-            <a:r>
-              <a:rPr/>
-              <a:t> </a:t>
-            </a:r>
-            <a:r>
-              <a:rPr/>
-              <a:t>idea</a:t>
-            </a:r>
-            <a:r>
-              <a:rPr/>
-              <a:t> </a:t>
-            </a:r>
-            <a:r>
-              <a:rPr/>
-              <a:t>argument</a:t>
-            </a:r>
-            <a:r>
-              <a:rPr/>
-              <a:t> </a:t>
-            </a:r>
-            <a:r>
-              <a:rPr/>
-              <a:t>=</a:t>
-            </a:r>
-            <a:r>
-              <a:rPr/>
-              <a:t> </a:t>
-            </a:r>
-            <a:r>
-              <a:rPr/>
-              <a:t>names</a:t>
-            </a:r>
-            <a:r>
-              <a:rPr/>
-              <a:t> </a:t>
-            </a:r>
-            <a:r>
-              <a:rPr/>
-              <a:t>of</a:t>
-            </a:r>
-            <a:r>
-              <a:rPr/>
-              <a:t> </a:t>
-            </a:r>
-            <a:r>
-              <a:rPr/>
-              <a:t>the</a:t>
-            </a:r>
-            <a:r>
-              <a:rPr/>
-              <a:t> </a:t>
-            </a:r>
-            <a:r>
-              <a:rPr/>
-              <a:t>inputs</a:t>
-            </a:r>
-            <a:r>
-              <a:rPr/>
-              <a:t> </a:t>
-            </a:r>
-            <a:r>
-              <a:rPr/>
-              <a:t>function</a:t>
-            </a:r>
-            <a:r>
-              <a:rPr/>
-              <a:t> </a:t>
-            </a:r>
-            <a:r>
-              <a:rPr/>
-              <a:t>=</a:t>
-            </a:r>
-            <a:r>
-              <a:rPr/>
-              <a:t> </a:t>
-            </a:r>
-            <a:r>
-              <a:rPr/>
-              <a:t>machine/factory</a:t>
-            </a:r>
-            <a:r>
-              <a:rPr/>
-              <a:t> </a:t>
-            </a:r>
-            <a:r>
-              <a:rPr/>
-              <a:t>value</a:t>
-            </a:r>
-            <a:r>
-              <a:rPr/>
-              <a:t> </a:t>
-            </a:r>
-            <a:r>
-              <a:rPr/>
-              <a:t>=</a:t>
-            </a:r>
-            <a:r>
-              <a:rPr/>
-              <a:t> </a:t>
-            </a:r>
-            <a:r>
-              <a:rPr/>
-              <a:t>output</a:t>
+              <a:t>help</a:t>
+            </a:r>
+            <a:r>
+              <a:rPr/>
+              <a:t> </a:t>
+            </a:r>
+            <a:r>
+              <a:rPr/>
+              <a:t>page</a:t>
+            </a:r>
+            <a:r>
+              <a:rPr/>
+              <a:t> </a:t>
+            </a:r>
+            <a:r>
+              <a:rPr/>
+              <a:t>for</a:t>
+            </a:r>
+            <a:r>
+              <a:rPr/>
+              <a:t> </a:t>
+            </a:r>
+            <a:r>
+              <a:rPr/>
+              <a:t>mean</a:t>
             </a:r>
           </a:p>
         </p:txBody>
@@ -1985,7 +1914,7 @@
           <a:p>
             <a:fld id="{18BDFEC3-8487-43E8-A154-7C12CBC1FFF2}" type="slidenum">
               <a:rPr lang="en-US"/>
-              <a:t>49</a:t>
+              <a:t>48</a:t>
             </a:fld>
             <a:endParaRPr lang="en-US"/>
           </a:p>
@@ -2045,15 +1974,7 @@
             </a:pPr>
             <a:r>
               <a:rPr/>
-              <a:t>Work</a:t>
-            </a:r>
-            <a:r>
-              <a:rPr/>
-              <a:t> </a:t>
-            </a:r>
-            <a:r>
-              <a:rPr/>
-              <a:t>through</a:t>
+              <a:t>reference</a:t>
             </a:r>
             <a:r>
               <a:rPr/>
@@ -2069,15 +1990,135 @@
             </a:r>
             <a:r>
               <a:rPr/>
-              <a:t>with</a:t>
-            </a:r>
-            <a:r>
-              <a:rPr/>
-              <a:t> </a:t>
-            </a:r>
-            <a:r>
-              <a:rPr/>
-              <a:t>them.</a:t>
+              <a:t>back</a:t>
+            </a:r>
+            <a:r>
+              <a:rPr/>
+              <a:t> </a:t>
+            </a:r>
+            <a:r>
+              <a:rPr/>
+              <a:t>to</a:t>
+            </a:r>
+            <a:r>
+              <a:rPr/>
+              <a:t> </a:t>
+            </a:r>
+            <a:r>
+              <a:rPr/>
+              <a:t>the</a:t>
+            </a:r>
+            <a:r>
+              <a:rPr/>
+              <a:t> </a:t>
+            </a:r>
+            <a:r>
+              <a:rPr/>
+              <a:t>factory</a:t>
+            </a:r>
+            <a:r>
+              <a:rPr/>
+              <a:t> </a:t>
+            </a:r>
+            <a:r>
+              <a:rPr/>
+              <a:t>idea</a:t>
+            </a:r>
+            <a:r>
+              <a:rPr/>
+              <a:t> </a:t>
+            </a:r>
+            <a:r>
+              <a:rPr/>
+              <a:t>argument</a:t>
+            </a:r>
+            <a:r>
+              <a:rPr/>
+              <a:t> </a:t>
+            </a:r>
+            <a:r>
+              <a:rPr/>
+              <a:t>=</a:t>
+            </a:r>
+            <a:r>
+              <a:rPr/>
+              <a:t> </a:t>
+            </a:r>
+            <a:r>
+              <a:rPr/>
+              <a:t>names</a:t>
+            </a:r>
+            <a:r>
+              <a:rPr/>
+              <a:t> </a:t>
+            </a:r>
+            <a:r>
+              <a:rPr/>
+              <a:t>of</a:t>
+            </a:r>
+            <a:r>
+              <a:rPr/>
+              <a:t> </a:t>
+            </a:r>
+            <a:r>
+              <a:rPr/>
+              <a:t>the</a:t>
+            </a:r>
+            <a:r>
+              <a:rPr/>
+              <a:t> </a:t>
+            </a:r>
+            <a:r>
+              <a:rPr/>
+              <a:t>inputs</a:t>
+            </a:r>
+            <a:r>
+              <a:rPr/>
+              <a:t> </a:t>
+            </a:r>
+            <a:r>
+              <a:rPr/>
+              <a:t>function</a:t>
+            </a:r>
+            <a:r>
+              <a:rPr/>
+              <a:t> </a:t>
+            </a:r>
+            <a:r>
+              <a:rPr/>
+              <a:t>=</a:t>
+            </a:r>
+            <a:r>
+              <a:rPr/>
+              <a:t> </a:t>
+            </a:r>
+            <a:r>
+              <a:rPr/>
+              <a:t>machine/factory</a:t>
+            </a:r>
+            <a:r>
+              <a:rPr/>
+              <a:t> </a:t>
+            </a:r>
+            <a:r>
+              <a:rPr/>
+              <a:t>value</a:t>
+            </a:r>
+            <a:r>
+              <a:rPr/>
+              <a:t> </a:t>
+            </a:r>
+            <a:r>
+              <a:rPr/>
+              <a:t>=</a:t>
+            </a:r>
+            <a:r>
+              <a:rPr/>
+              <a:t> </a:t>
+            </a:r>
+            <a:r>
+              <a:rPr/>
+              <a:t>output</a:t>
             </a:r>
           </a:p>
         </p:txBody>
@@ -2159,55 +2200,15 @@
             </a:pPr>
             <a:r>
               <a:rPr/>
-              <a:t>Get</a:t>
-            </a:r>
-            <a:r>
-              <a:rPr/>
-              <a:t> </a:t>
-            </a:r>
-            <a:r>
-              <a:rPr/>
-              <a:t>them</a:t>
-            </a:r>
-            <a:r>
-              <a:rPr/>
-              <a:t> </a:t>
-            </a:r>
-            <a:r>
-              <a:rPr/>
-              <a:t>to</a:t>
-            </a:r>
-            <a:r>
-              <a:rPr/>
-              <a:t> </a:t>
-            </a:r>
-            <a:r>
-              <a:rPr/>
-              <a:t>load</a:t>
-            </a:r>
-            <a:r>
-              <a:rPr/>
-              <a:t> </a:t>
-            </a:r>
-            <a:r>
-              <a:rPr/>
-              <a:t>tidyverse.</a:t>
-            </a:r>
-            <a:r>
-              <a:rPr/>
-              <a:t> </a:t>
-            </a:r>
-            <a:r>
-              <a:rPr/>
-              <a:t>Emphasise</a:t>
-            </a:r>
-            <a:r>
-              <a:rPr/>
-              <a:t> </a:t>
-            </a:r>
-            <a:r>
-              <a:rPr/>
-              <a:t>that</a:t>
+              <a:t>Work</a:t>
+            </a:r>
+            <a:r>
+              <a:rPr/>
+              <a:t> </a:t>
+            </a:r>
+            <a:r>
+              <a:rPr/>
+              <a:t>through</a:t>
             </a:r>
             <a:r>
               <a:rPr/>
@@ -2223,79 +2224,15 @@
             </a:r>
             <a:r>
               <a:rPr/>
-              <a:t>is</a:t>
-            </a:r>
-            <a:r>
-              <a:rPr/>
-              <a:t> </a:t>
-            </a:r>
-            <a:r>
-              <a:rPr/>
-              <a:t>a</a:t>
-            </a:r>
-            <a:r>
-              <a:rPr/>
-              <a:t> </a:t>
-            </a:r>
-            <a:r>
-              <a:rPr/>
-              <a:t>process</a:t>
-            </a:r>
-            <a:r>
-              <a:rPr/>
-              <a:t> </a:t>
-            </a:r>
-            <a:r>
-              <a:rPr/>
-              <a:t>we</a:t>
-            </a:r>
-            <a:r>
-              <a:rPr/>
-              <a:t> </a:t>
-            </a:r>
-            <a:r>
-              <a:rPr/>
-              <a:t>will</a:t>
-            </a:r>
-            <a:r>
-              <a:rPr/>
-              <a:t> </a:t>
-            </a:r>
-            <a:r>
-              <a:rPr/>
-              <a:t>keep</a:t>
-            </a:r>
-            <a:r>
-              <a:rPr/>
-              <a:t> </a:t>
-            </a:r>
-            <a:r>
-              <a:rPr/>
-              <a:t>repeating</a:t>
-            </a:r>
-            <a:r>
-              <a:rPr/>
-              <a:t> </a:t>
-            </a:r>
-            <a:r>
-              <a:rPr/>
-              <a:t>throughout</a:t>
-            </a:r>
-            <a:r>
-              <a:rPr/>
-              <a:t> </a:t>
-            </a:r>
-            <a:r>
-              <a:rPr/>
-              <a:t>the</a:t>
-            </a:r>
-            <a:r>
-              <a:rPr/>
-              <a:t> </a:t>
-            </a:r>
-            <a:r>
-              <a:rPr/>
-              <a:t>course.</a:t>
+              <a:t>with</a:t>
+            </a:r>
+            <a:r>
+              <a:rPr/>
+              <a:t> </a:t>
+            </a:r>
+            <a:r>
+              <a:rPr/>
+              <a:t>them.</a:t>
             </a:r>
           </a:p>
         </p:txBody>
@@ -2377,15 +2314,47 @@
             </a:pPr>
             <a:r>
               <a:rPr/>
-              <a:t>Maybe</a:t>
-            </a:r>
-            <a:r>
-              <a:rPr/>
-              <a:t> </a:t>
-            </a:r>
-            <a:r>
-              <a:rPr/>
-              <a:t>mention</a:t>
+              <a:t>Get</a:t>
+            </a:r>
+            <a:r>
+              <a:rPr/>
+              <a:t> </a:t>
+            </a:r>
+            <a:r>
+              <a:rPr/>
+              <a:t>them</a:t>
+            </a:r>
+            <a:r>
+              <a:rPr/>
+              <a:t> </a:t>
+            </a:r>
+            <a:r>
+              <a:rPr/>
+              <a:t>to</a:t>
+            </a:r>
+            <a:r>
+              <a:rPr/>
+              <a:t> </a:t>
+            </a:r>
+            <a:r>
+              <a:rPr/>
+              <a:t>load</a:t>
+            </a:r>
+            <a:r>
+              <a:rPr/>
+              <a:t> </a:t>
+            </a:r>
+            <a:r>
+              <a:rPr/>
+              <a:t>tidyverse.</a:t>
+            </a:r>
+            <a:r>
+              <a:rPr/>
+              <a:t> </a:t>
+            </a:r>
+            <a:r>
+              <a:rPr/>
+              <a:t>Emphasise</a:t>
             </a:r>
             <a:r>
               <a:rPr/>
@@ -2401,6 +2370,22 @@
             </a:r>
             <a:r>
               <a:rPr/>
+              <a:t>this</a:t>
+            </a:r>
+            <a:r>
+              <a:rPr/>
+              <a:t> </a:t>
+            </a:r>
+            <a:r>
+              <a:rPr/>
+              <a:t>is</a:t>
+            </a:r>
+            <a:r>
+              <a:rPr/>
+              <a:t> </a:t>
+            </a:r>
+            <a:r>
+              <a:rPr/>
               <a:t>a</a:t>
             </a:r>
             <a:r>
@@ -2409,63 +2394,63 @@
             </a:r>
             <a:r>
               <a:rPr/>
-              <a:t>few</a:t>
-            </a:r>
-            <a:r>
-              <a:rPr/>
-              <a:t> </a:t>
-            </a:r>
-            <a:r>
-              <a:rPr/>
-              <a:t>of</a:t>
-            </a:r>
-            <a:r>
-              <a:rPr/>
-              <a:t> </a:t>
-            </a:r>
-            <a:r>
-              <a:rPr/>
-              <a:t>these</a:t>
-            </a:r>
-            <a:r>
-              <a:rPr/>
-              <a:t> </a:t>
-            </a:r>
-            <a:r>
-              <a:rPr/>
-              <a:t>packages</a:t>
-            </a:r>
-            <a:r>
-              <a:rPr/>
-              <a:t> </a:t>
-            </a:r>
-            <a:r>
-              <a:rPr/>
-              <a:t>are</a:t>
-            </a:r>
-            <a:r>
-              <a:rPr/>
-              <a:t> </a:t>
-            </a:r>
-            <a:r>
-              <a:rPr/>
-              <a:t>loaded</a:t>
-            </a:r>
-            <a:r>
-              <a:rPr/>
-              <a:t> </a:t>
-            </a:r>
-            <a:r>
-              <a:rPr/>
-              <a:t>with</a:t>
-            </a:r>
-            <a:r>
-              <a:rPr/>
-              <a:t> </a:t>
-            </a:r>
-            <a:r>
-              <a:rPr/>
-              <a:t>tidyverse.</a:t>
+              <a:t>process</a:t>
+            </a:r>
+            <a:r>
+              <a:rPr/>
+              <a:t> </a:t>
+            </a:r>
+            <a:r>
+              <a:rPr/>
+              <a:t>we</a:t>
+            </a:r>
+            <a:r>
+              <a:rPr/>
+              <a:t> </a:t>
+            </a:r>
+            <a:r>
+              <a:rPr/>
+              <a:t>will</a:t>
+            </a:r>
+            <a:r>
+              <a:rPr/>
+              <a:t> </a:t>
+            </a:r>
+            <a:r>
+              <a:rPr/>
+              <a:t>keep</a:t>
+            </a:r>
+            <a:r>
+              <a:rPr/>
+              <a:t> </a:t>
+            </a:r>
+            <a:r>
+              <a:rPr/>
+              <a:t>repeating</a:t>
+            </a:r>
+            <a:r>
+              <a:rPr/>
+              <a:t> </a:t>
+            </a:r>
+            <a:r>
+              <a:rPr/>
+              <a:t>throughout</a:t>
+            </a:r>
+            <a:r>
+              <a:rPr/>
+              <a:t> </a:t>
+            </a:r>
+            <a:r>
+              <a:rPr/>
+              <a:t>the</a:t>
+            </a:r>
+            <a:r>
+              <a:rPr/>
+              <a:t> </a:t>
+            </a:r>
+            <a:r>
+              <a:rPr/>
+              <a:t>course.</a:t>
             </a:r>
           </a:p>
         </p:txBody>
@@ -2488,6 +2473,176 @@
             <a:fld id="{18BDFEC3-8487-43E8-A154-7C12CBC1FFF2}" type="slidenum">
               <a:rPr lang="en-US"/>
               <a:t>52</a:t>
+            </a:fld>
+            <a:endParaRPr lang="en-US"/>
+          </a:p>
+        </p:txBody>
+      </p:sp>
+    </p:spTree>
+  </p:cSld>
+</p:notes>
+</file>
+
+<file path=ppt/notesSlides/notesSlide14.xml><?xml version="1.0" encoding="utf-8"?>
+<p:notes xmlns:a="http://schemas.openxmlformats.org/drawingml/2006/main" xmlns:r="http://schemas.openxmlformats.org/officeDocument/2006/relationships" xmlns:p="http://schemas.openxmlformats.org/presentationml/2006/main">
+  <p:cSld>
+    <p:spTree>
+      <p:nvGrpSpPr>
+        <p:cNvPr id="1" name=""/>
+        <p:cNvGrpSpPr/>
+        <p:nvPr/>
+      </p:nvGrpSpPr>
+      <p:grpSpPr>
+        <a:xfrm>
+          <a:off x="0" y="0"/>
+          <a:ext cx="0" cy="0"/>
+          <a:chOff x="0" y="0"/>
+          <a:chExt cx="0" cy="0"/>
+        </a:xfrm>
+      </p:grpSpPr>
+      <p:sp>
+        <p:nvSpPr>
+          <p:cNvPr id="2" name="Slide Image Placeholder 1"/>
+          <p:cNvSpPr>
+            <a:spLocks noGrp="1" noRot="1" noChangeAspect="1"/>
+          </p:cNvSpPr>
+          <p:nvPr>
+            <p:ph type="sldImg"/>
+          </p:nvPr>
+        </p:nvSpPr>
+        <p:spPr/>
+      </p:sp>
+      <p:sp>
+        <p:nvSpPr>
+          <p:cNvPr id="3" name="Notes Placeholder 2"/>
+          <p:cNvSpPr>
+            <a:spLocks noGrp="1"/>
+          </p:cNvSpPr>
+          <p:nvPr>
+            <p:ph type="body" idx="1"/>
+          </p:nvPr>
+        </p:nvSpPr>
+        <p:spPr/>
+        <p:txBody>
+          <a:bodyPr/>
+          <a:lstStyle/>
+          <a:p>
+            <a:pPr lvl="0" marL="0" indent="0">
+              <a:buNone/>
+            </a:pPr>
+            <a:r>
+              <a:rPr/>
+              <a:t>Maybe</a:t>
+            </a:r>
+            <a:r>
+              <a:rPr/>
+              <a:t> </a:t>
+            </a:r>
+            <a:r>
+              <a:rPr/>
+              <a:t>mention</a:t>
+            </a:r>
+            <a:r>
+              <a:rPr/>
+              <a:t> </a:t>
+            </a:r>
+            <a:r>
+              <a:rPr/>
+              <a:t>that</a:t>
+            </a:r>
+            <a:r>
+              <a:rPr/>
+              <a:t> </a:t>
+            </a:r>
+            <a:r>
+              <a:rPr/>
+              <a:t>a</a:t>
+            </a:r>
+            <a:r>
+              <a:rPr/>
+              <a:t> </a:t>
+            </a:r>
+            <a:r>
+              <a:rPr/>
+              <a:t>few</a:t>
+            </a:r>
+            <a:r>
+              <a:rPr/>
+              <a:t> </a:t>
+            </a:r>
+            <a:r>
+              <a:rPr/>
+              <a:t>of</a:t>
+            </a:r>
+            <a:r>
+              <a:rPr/>
+              <a:t> </a:t>
+            </a:r>
+            <a:r>
+              <a:rPr/>
+              <a:t>these</a:t>
+            </a:r>
+            <a:r>
+              <a:rPr/>
+              <a:t> </a:t>
+            </a:r>
+            <a:r>
+              <a:rPr/>
+              <a:t>packages</a:t>
+            </a:r>
+            <a:r>
+              <a:rPr/>
+              <a:t> </a:t>
+            </a:r>
+            <a:r>
+              <a:rPr/>
+              <a:t>are</a:t>
+            </a:r>
+            <a:r>
+              <a:rPr/>
+              <a:t> </a:t>
+            </a:r>
+            <a:r>
+              <a:rPr/>
+              <a:t>loaded</a:t>
+            </a:r>
+            <a:r>
+              <a:rPr/>
+              <a:t> </a:t>
+            </a:r>
+            <a:r>
+              <a:rPr/>
+              <a:t>with</a:t>
+            </a:r>
+            <a:r>
+              <a:rPr/>
+              <a:t> </a:t>
+            </a:r>
+            <a:r>
+              <a:rPr/>
+              <a:t>tidyverse.</a:t>
+            </a:r>
+          </a:p>
+        </p:txBody>
+      </p:sp>
+      <p:sp>
+        <p:nvSpPr>
+          <p:cNvPr id="4" name="Slide Number Placeholder 3"/>
+          <p:cNvSpPr>
+            <a:spLocks noGrp="1"/>
+          </p:cNvSpPr>
+          <p:nvPr>
+            <p:ph type="sldNum" sz="quarter" idx="10"/>
+          </p:nvPr>
+        </p:nvSpPr>
+        <p:spPr/>
+        <p:txBody>
+          <a:bodyPr/>
+          <a:lstStyle/>
+          <a:p>
+            <a:fld id="{18BDFEC3-8487-43E8-A154-7C12CBC1FFF2}" type="slidenum">
+              <a:rPr lang="en-US"/>
+              <a:t>53</a:t>
             </a:fld>
             <a:endParaRPr lang="en-US"/>
           </a:p>
@@ -4311,7 +4466,7 @@
             </a:pPr>
             <a:r>
               <a:rPr/>
-              <a:t>In</a:t>
+              <a:t>Use</a:t>
             </a:r>
             <a:r>
               <a:rPr/>
@@ -4327,79 +4482,127 @@
             </a:r>
             <a:r>
               <a:rPr/>
-              <a:t>course,</a:t>
-            </a:r>
-            <a:r>
-              <a:rPr/>
-              <a:t> </a:t>
-            </a:r>
-            <a:r>
-              <a:rPr/>
-              <a:t>we</a:t>
-            </a:r>
-            <a:r>
-              <a:rPr/>
-              <a:t> </a:t>
-            </a:r>
-            <a:r>
-              <a:rPr/>
-              <a:t>will</a:t>
-            </a:r>
-            <a:r>
-              <a:rPr/>
-              <a:t> </a:t>
-            </a:r>
-            <a:r>
-              <a:rPr/>
-              <a:t>primarily</a:t>
-            </a:r>
-            <a:r>
-              <a:rPr/>
-              <a:t> </a:t>
-            </a:r>
-            <a:r>
-              <a:rPr/>
-              <a:t>be</a:t>
-            </a:r>
-            <a:r>
-              <a:rPr/>
-              <a:t> </a:t>
-            </a:r>
-            <a:r>
-              <a:rPr/>
-              <a:t>using</a:t>
-            </a:r>
-            <a:r>
-              <a:rPr/>
-              <a:t> </a:t>
-            </a:r>
-            <a:r>
-              <a:rPr/>
-              <a:t>vectors</a:t>
-            </a:r>
-            <a:r>
-              <a:rPr/>
-              <a:t> </a:t>
-            </a:r>
-            <a:r>
-              <a:rPr/>
-              <a:t>and</a:t>
-            </a:r>
-            <a:r>
-              <a:rPr/>
-              <a:t> </a:t>
-            </a:r>
-            <a:r>
-              <a:rPr/>
-              <a:t>data</a:t>
-            </a:r>
-            <a:r>
-              <a:rPr/>
-              <a:t> </a:t>
-            </a:r>
-            <a:r>
-              <a:rPr/>
-              <a:t>frames.</a:t>
+              <a:t>section</a:t>
+            </a:r>
+            <a:r>
+              <a:rPr/>
+              <a:t> </a:t>
+            </a:r>
+            <a:r>
+              <a:rPr/>
+              <a:t>to</a:t>
+            </a:r>
+            <a:r>
+              <a:rPr/>
+              <a:t> </a:t>
+            </a:r>
+            <a:r>
+              <a:rPr/>
+              <a:t>introduce</a:t>
+            </a:r>
+            <a:r>
+              <a:rPr/>
+              <a:t> </a:t>
+            </a:r>
+            <a:r>
+              <a:rPr/>
+              <a:t>the</a:t>
+            </a:r>
+            <a:r>
+              <a:rPr/>
+              <a:t> </a:t>
+            </a:r>
+            <a:r>
+              <a:rPr/>
+              <a:t>idea</a:t>
+            </a:r>
+            <a:r>
+              <a:rPr/>
+              <a:t> </a:t>
+            </a:r>
+            <a:r>
+              <a:rPr/>
+              <a:t>of</a:t>
+            </a:r>
+            <a:r>
+              <a:rPr/>
+              <a:t> </a:t>
+            </a:r>
+            <a:r>
+              <a:rPr/>
+              <a:t>organising</a:t>
+            </a:r>
+            <a:r>
+              <a:rPr/>
+              <a:t> </a:t>
+            </a:r>
+            <a:r>
+              <a:rPr/>
+              <a:t>code</a:t>
+            </a:r>
+            <a:r>
+              <a:rPr/>
+              <a:t> </a:t>
+            </a:r>
+            <a:r>
+              <a:rPr/>
+              <a:t>in</a:t>
+            </a:r>
+            <a:r>
+              <a:rPr/>
+              <a:t> </a:t>
+            </a:r>
+            <a:r>
+              <a:rPr/>
+              <a:t>a</a:t>
+            </a:r>
+            <a:r>
+              <a:rPr/>
+              <a:t> </a:t>
+            </a:r>
+            <a:r>
+              <a:rPr/>
+              <a:t>sequential,</a:t>
+            </a:r>
+            <a:r>
+              <a:rPr/>
+              <a:t> </a:t>
+            </a:r>
+            <a:r>
+              <a:rPr/>
+              <a:t>organised</a:t>
+            </a:r>
+            <a:r>
+              <a:rPr/>
+              <a:t> </a:t>
+            </a:r>
+            <a:r>
+              <a:rPr/>
+              <a:t>manner</a:t>
+            </a:r>
+            <a:r>
+              <a:rPr/>
+              <a:t> </a:t>
+            </a:r>
+            <a:r>
+              <a:rPr/>
+              <a:t>that</a:t>
+            </a:r>
+            <a:r>
+              <a:rPr/>
+              <a:t> </a:t>
+            </a:r>
+            <a:r>
+              <a:rPr/>
+              <a:t>eases</a:t>
+            </a:r>
+            <a:r>
+              <a:rPr/>
+              <a:t> </a:t>
+            </a:r>
+            <a:r>
+              <a:rPr/>
+              <a:t>reproducibility.</a:t>
             </a:r>
           </a:p>
         </p:txBody>
@@ -4481,39 +4684,95 @@
             </a:pPr>
             <a:r>
               <a:rPr/>
-              <a:t>Get</a:t>
-            </a:r>
-            <a:r>
-              <a:rPr/>
-              <a:t> </a:t>
-            </a:r>
-            <a:r>
-              <a:rPr/>
-              <a:t>them</a:t>
-            </a:r>
-            <a:r>
-              <a:rPr/>
-              <a:t> </a:t>
-            </a:r>
-            <a:r>
-              <a:rPr/>
-              <a:t>to</a:t>
-            </a:r>
-            <a:r>
-              <a:rPr/>
-              <a:t> </a:t>
-            </a:r>
-            <a:r>
-              <a:rPr/>
-              <a:t>do</a:t>
-            </a:r>
-            <a:r>
-              <a:rPr/>
-              <a:t> </a:t>
-            </a:r>
-            <a:r>
-              <a:rPr/>
-              <a:t>this.</a:t>
+              <a:t>In</a:t>
+            </a:r>
+            <a:r>
+              <a:rPr/>
+              <a:t> </a:t>
+            </a:r>
+            <a:r>
+              <a:rPr/>
+              <a:t>this</a:t>
+            </a:r>
+            <a:r>
+              <a:rPr/>
+              <a:t> </a:t>
+            </a:r>
+            <a:r>
+              <a:rPr/>
+              <a:t>course,</a:t>
+            </a:r>
+            <a:r>
+              <a:rPr/>
+              <a:t> </a:t>
+            </a:r>
+            <a:r>
+              <a:rPr/>
+              <a:t>we</a:t>
+            </a:r>
+            <a:r>
+              <a:rPr/>
+              <a:t> </a:t>
+            </a:r>
+            <a:r>
+              <a:rPr/>
+              <a:t>will</a:t>
+            </a:r>
+            <a:r>
+              <a:rPr/>
+              <a:t> </a:t>
+            </a:r>
+            <a:r>
+              <a:rPr/>
+              <a:t>primarily</a:t>
+            </a:r>
+            <a:r>
+              <a:rPr/>
+              <a:t> </a:t>
+            </a:r>
+            <a:r>
+              <a:rPr/>
+              <a:t>be</a:t>
+            </a:r>
+            <a:r>
+              <a:rPr/>
+              <a:t> </a:t>
+            </a:r>
+            <a:r>
+              <a:rPr/>
+              <a:t>using</a:t>
+            </a:r>
+            <a:r>
+              <a:rPr/>
+              <a:t> </a:t>
+            </a:r>
+            <a:r>
+              <a:rPr/>
+              <a:t>vectors</a:t>
+            </a:r>
+            <a:r>
+              <a:rPr/>
+              <a:t> </a:t>
+            </a:r>
+            <a:r>
+              <a:rPr/>
+              <a:t>and</a:t>
+            </a:r>
+            <a:r>
+              <a:rPr/>
+              <a:t> </a:t>
+            </a:r>
+            <a:r>
+              <a:rPr/>
+              <a:t>data</a:t>
+            </a:r>
+            <a:r>
+              <a:rPr/>
+              <a:t> </a:t>
+            </a:r>
+            <a:r>
+              <a:rPr/>
+              <a:t>frames.</a:t>
             </a:r>
           </a:p>
         </p:txBody>
@@ -4535,7 +4794,7 @@
           <a:p>
             <a:fld id="{18BDFEC3-8487-43E8-A154-7C12CBC1FFF2}" type="slidenum">
               <a:rPr lang="en-US"/>
-              <a:t>22</a:t>
+              <a:t>21</a:t>
             </a:fld>
             <a:endParaRPr lang="en-US"/>
           </a:p>
@@ -4619,55 +4878,15 @@
             </a:r>
             <a:r>
               <a:rPr/>
-              <a:t>look</a:t>
-            </a:r>
-            <a:r>
-              <a:rPr/>
-              <a:t> </a:t>
-            </a:r>
-            <a:r>
-              <a:rPr/>
-              <a:t>up</a:t>
-            </a:r>
-            <a:r>
-              <a:rPr/>
-              <a:t> </a:t>
-            </a:r>
-            <a:r>
-              <a:rPr/>
-              <a:t>the</a:t>
-            </a:r>
-            <a:r>
-              <a:rPr/>
-              <a:t> </a:t>
-            </a:r>
-            <a:r>
-              <a:rPr/>
-              <a:t>help</a:t>
-            </a:r>
-            <a:r>
-              <a:rPr/>
-              <a:t> </a:t>
-            </a:r>
-            <a:r>
-              <a:rPr/>
-              <a:t>page</a:t>
-            </a:r>
-            <a:r>
-              <a:rPr/>
-              <a:t> </a:t>
-            </a:r>
-            <a:r>
-              <a:rPr/>
-              <a:t>for</a:t>
-            </a:r>
-            <a:r>
-              <a:rPr/>
-              <a:t> </a:t>
-            </a:r>
-            <a:r>
-              <a:rPr/>
-              <a:t>mean</a:t>
+              <a:t>do</a:t>
+            </a:r>
+            <a:r>
+              <a:rPr/>
+              <a:t> </a:t>
+            </a:r>
+            <a:r>
+              <a:rPr/>
+              <a:t>this.</a:t>
             </a:r>
           </a:p>
         </p:txBody>
@@ -4689,7 +4908,7 @@
           <a:p>
             <a:fld id="{18BDFEC3-8487-43E8-A154-7C12CBC1FFF2}" type="slidenum">
               <a:rPr lang="en-US"/>
-              <a:t>47</a:t>
+              <a:t>23</a:t>
             </a:fld>
             <a:endParaRPr lang="en-US"/>
           </a:p>
@@ -7979,7 +8198,7 @@
             <a:spLocks noGrp="1"/>
           </p:cNvSpPr>
           <p:nvPr>
-            <p:ph type="subTitle" idx="1"/>
+            <p:ph idx="1" type="subTitle"/>
           </p:nvPr>
         </p:nvSpPr>
         <p:spPr>
@@ -9540,7 +9759,7 @@
           <p:cNvPr id="2" name="Title 1">
             <a:extLst>
               <a:ext uri="{FF2B5EF4-FFF2-40B4-BE49-F238E27FC236}">
-                <a16:creationId xmlns:a16="http://schemas.microsoft.com/office/drawing/2014/main" id="{5567D468-EE70-CD4E-A3AC-039CC11EF1FB}"/>
+                <a16:creationId xmlns:a16="http://schemas.microsoft.com/office/drawing/2014/main" id="{0CF11FE2-61CD-2E40-A43A-EED9A845FF8A}"/>
               </a:ext>
             </a:extLst>
           </p:cNvPr>
@@ -9561,6 +9780,38 @@
             </a:pPr>
             <a:r>
               <a:rPr/>
+              <a:t>Good</a:t>
+            </a:r>
+            <a:r>
+              <a:rPr/>
+              <a:t> </a:t>
+            </a:r>
+            <a:r>
+              <a:rPr/>
+              <a:t>practices</a:t>
+            </a:r>
+            <a:r>
+              <a:rPr/>
+              <a:t> </a:t>
+            </a:r>
+            <a:r>
+              <a:rPr/>
+              <a:t>for</a:t>
+            </a:r>
+            <a:r>
+              <a:rPr/>
+              <a:t> </a:t>
+            </a:r>
+            <a:r>
+              <a:rPr/>
+              <a:t>writing</a:t>
+            </a:r>
+            <a:r>
+              <a:rPr/>
+              <a:t> </a:t>
+            </a:r>
+            <a:r>
+              <a:rPr/>
               <a:t>R</a:t>
             </a:r>
             <a:r>
@@ -9569,15 +9820,7 @@
             </a:r>
             <a:r>
               <a:rPr/>
-              <a:t>building</a:t>
-            </a:r>
-            <a:r>
-              <a:rPr/>
-              <a:t> </a:t>
-            </a:r>
-            <a:r>
-              <a:rPr/>
-              <a:t>blocks</a:t>
+              <a:t>scripts</a:t>
             </a:r>
           </a:p>
         </p:txBody>
@@ -9587,7 +9830,7 @@
           <p:cNvPr id="3" name="Content Placeholder 2">
             <a:extLst>
               <a:ext uri="{FF2B5EF4-FFF2-40B4-BE49-F238E27FC236}">
-                <a16:creationId xmlns:a16="http://schemas.microsoft.com/office/drawing/2014/main" id="{D10DDA37-E46B-B641-BC9F-636CB92A2C08}"/>
+                <a16:creationId xmlns:a16="http://schemas.microsoft.com/office/drawing/2014/main" id="{C1CB83AA-6B3D-8243-8929-B2C82ECF02B5}"/>
               </a:ext>
             </a:extLst>
           </p:cNvPr>
@@ -9595,7 +9838,7 @@
             <a:spLocks noGrp="1"/>
           </p:cNvSpPr>
           <p:nvPr>
-            <p:ph idx="1"/>
+            <p:ph idx="1" sz="half"/>
           </p:nvPr>
         </p:nvSpPr>
         <p:spPr/>
@@ -9606,60 +9849,128 @@
             <a:pPr lvl="1"/>
             <a:r>
               <a:rPr/>
-              <a:t>Object names</a:t>
+              <a:t>Well-written scripts should be:</a:t>
+            </a:r>
+          </a:p>
+          <a:p>
+            <a:pPr lvl="2"/>
+            <a:r>
+              <a:rPr/>
+              <a:t>Clear in their intended purpose</a:t>
+            </a:r>
+          </a:p>
+          <a:p>
+            <a:pPr lvl="2"/>
+            <a:r>
+              <a:rPr/>
+              <a:t>Explicit about requirements/dependencies</a:t>
+            </a:r>
+          </a:p>
+          <a:p>
+            <a:pPr lvl="2"/>
+            <a:r>
+              <a:rPr/>
+              <a:t>Sequential</a:t>
+            </a:r>
+          </a:p>
+          <a:p>
+            <a:pPr lvl="2"/>
+            <a:r>
+              <a:rPr/>
+              <a:t>Consistent in their style</a:t>
             </a:r>
           </a:p>
           <a:p>
             <a:pPr lvl="1"/>
             <a:r>
               <a:rPr/>
-              <a:t>Data</a:t>
+              <a:t>As an example, see: </a:t>
+            </a:r>
+            <a:r>
+              <a:rPr>
+                <a:hlinkClick r:id="rId3"/>
+              </a:rPr>
+              <a:t>Workshop1.R</a:t>
+            </a:r>
+            <a:r>
+              <a:rPr/>
+              <a:t>.</a:t>
+            </a:r>
+          </a:p>
+          <a:p>
+            <a:pPr lvl="1"/>
+            <a:r>
+              <a:rPr/>
+              <a:t>See also:</a:t>
             </a:r>
           </a:p>
           <a:p>
             <a:pPr lvl="2"/>
             <a:r>
-              <a:rPr b="1"/>
-              <a:t>Vectors</a:t>
+              <a:rPr>
+                <a:hlinkClick r:id="rId4"/>
+              </a:rPr>
+              <a:t>The tidyverse style guide</a:t>
             </a:r>
           </a:p>
           <a:p>
             <a:pPr lvl="2"/>
             <a:r>
-              <a:rPr b="1"/>
-              <a:t>Data frames</a:t>
+              <a:rPr/>
+              <a:t>Tips from the </a:t>
+            </a:r>
+            <a:r>
+              <a:rPr>
+                <a:hlinkClick r:id="rId5"/>
+              </a:rPr>
+              <a:t>US Geological Survey</a:t>
             </a:r>
           </a:p>
           <a:p>
             <a:pPr lvl="2"/>
             <a:r>
               <a:rPr/>
-              <a:t>Matrices</a:t>
-            </a:r>
-          </a:p>
-          <a:p>
-            <a:pPr lvl="2"/>
-            <a:r>
-              <a:rPr/>
-              <a:t>Lists</a:t>
-            </a:r>
-          </a:p>
-          <a:p>
-            <a:pPr lvl="1"/>
-            <a:r>
-              <a:rPr/>
-              <a:t>Functions</a:t>
-            </a:r>
-          </a:p>
-          <a:p>
-            <a:pPr lvl="2"/>
-            <a:r>
-              <a:rPr/>
-              <a:t>Stored in packages</a:t>
-            </a:r>
-          </a:p>
-        </p:txBody>
-      </p:sp>
+              <a:t>A blog post on </a:t>
+            </a:r>
+            <a:r>
+              <a:rPr>
+                <a:hlinkClick r:id="rId6"/>
+              </a:rPr>
+              <a:t>best practices</a:t>
+            </a:r>
+          </a:p>
+        </p:txBody>
+      </p:sp>
+      <p:pic>
+        <p:nvPicPr>
+          <p:cNvPr descr="../Images/ScriptStructure.png" id="0" name="Picture 1"/>
+          <p:cNvPicPr>
+            <a:picLocks noGrp="1" noChangeAspect="1"/>
+          </p:cNvPicPr>
+          <p:nvPr/>
+        </p:nvPicPr>
+        <p:blipFill>
+          <a:blip r:embed="rId7"/>
+          <a:stretch>
+            <a:fillRect/>
+          </a:stretch>
+        </p:blipFill>
+        <p:spPr bwMode="auto">
+          <a:xfrm>
+            <a:off x="6705600" y="1816100"/>
+            <a:ext cx="4127500" cy="4343400"/>
+          </a:xfrm>
+          <a:prstGeom prst="rect">
+            <a:avLst/>
+          </a:prstGeom>
+          <a:noFill/>
+          <a:ln w="9525">
+            <a:noFill/>
+            <a:headEnd/>
+            <a:tailEnd/>
+          </a:ln>
+        </p:spPr>
+      </p:pic>
     </p:spTree>
   </p:cSld>
 </p:sld>
@@ -9708,15 +10019,7 @@
             </a:pPr>
             <a:r>
               <a:rPr/>
-              <a:t>3</a:t>
-            </a:r>
-            <a:r>
-              <a:rPr/>
-              <a:t> </a:t>
-            </a:r>
-            <a:r>
-              <a:rPr/>
-              <a:t>main</a:t>
+              <a:t>R</a:t>
             </a:r>
             <a:r>
               <a:rPr/>
@@ -9758,94 +10061,49 @@
           <a:bodyPr/>
           <a:lstStyle/>
           <a:p>
-            <a:pPr lvl="1">
-              <a:buAutoNum type="arabicPeriod"/>
-            </a:pPr>
+            <a:pPr lvl="1"/>
             <a:r>
               <a:rPr/>
               <a:t>Object names</a:t>
             </a:r>
           </a:p>
           <a:p>
+            <a:pPr lvl="1"/>
+            <a:r>
+              <a:rPr/>
+              <a:t>Data</a:t>
+            </a:r>
+          </a:p>
+          <a:p>
             <a:pPr lvl="2"/>
             <a:r>
-              <a:rPr/>
-              <a:t>Everything needs a name in R: tables, plots, data files, functions</a:t>
-            </a:r>
-          </a:p>
-          <a:p>
-            <a:pPr lvl="1">
-              <a:buAutoNum type="arabicPeriod"/>
-            </a:pPr>
-            <a:r>
-              <a:rPr/>
-              <a:t>Data</a:t>
+              <a:rPr b="1"/>
+              <a:t>Vectors</a:t>
             </a:r>
           </a:p>
           <a:p>
             <a:pPr lvl="2"/>
             <a:r>
-              <a:rPr/>
-              <a:t>Data comes in different classes:</a:t>
-            </a:r>
-          </a:p>
-          <a:p>
-            <a:pPr lvl="3"/>
-            <a:r>
-              <a:rPr/>
-              <a:t>Real numbers - </a:t>
-            </a:r>
-            <a:r>
-              <a:rPr>
-                <a:latin typeface="Courier"/>
-              </a:rPr>
-              <a:t>numeric</a:t>
-            </a:r>
-          </a:p>
-          <a:p>
-            <a:pPr lvl="3"/>
-            <a:r>
-              <a:rPr/>
-              <a:t>Discrete numbers - </a:t>
-            </a:r>
-            <a:r>
-              <a:rPr>
-                <a:latin typeface="Courier"/>
-              </a:rPr>
-              <a:t>integer</a:t>
-            </a:r>
-          </a:p>
-          <a:p>
-            <a:pPr lvl="3"/>
-            <a:r>
-              <a:rPr/>
-              <a:t>Characters - </a:t>
-            </a:r>
-            <a:r>
-              <a:rPr>
-                <a:latin typeface="Courier"/>
-              </a:rPr>
-              <a:t>character</a:t>
+              <a:rPr b="1"/>
+              <a:t>Data frames</a:t>
             </a:r>
           </a:p>
           <a:p>
             <a:pPr lvl="2"/>
             <a:r>
               <a:rPr/>
-              <a:t>Data can be stored in vectors</a:t>
+              <a:t>Matrices</a:t>
             </a:r>
           </a:p>
           <a:p>
             <a:pPr lvl="2"/>
             <a:r>
               <a:rPr/>
-              <a:t>Vectors can be stored in data frames</a:t>
-            </a:r>
-          </a:p>
-          <a:p>
-            <a:pPr lvl="1">
-              <a:buAutoNum type="arabicPeriod"/>
-            </a:pPr>
+              <a:t>Lists</a:t>
+            </a:r>
+          </a:p>
+          <a:p>
+            <a:pPr lvl="1"/>
             <a:r>
               <a:rPr/>
               <a:t>Functions</a:t>
@@ -9855,21 +10113,7 @@
             <a:pPr lvl="2"/>
             <a:r>
               <a:rPr/>
-              <a:t>Little factories</a:t>
-            </a:r>
-          </a:p>
-          <a:p>
-            <a:pPr lvl="2"/>
-            <a:r>
-              <a:rPr/>
-              <a:t>Take an input (raw material) use function (factory) get an output (product)</a:t>
-            </a:r>
-          </a:p>
-          <a:p>
-            <a:pPr lvl="2"/>
-            <a:r>
-              <a:rPr/>
-              <a:t>Functions are collated into packages</a:t>
+              <a:t>Stored in packages</a:t>
             </a:r>
           </a:p>
         </p:txBody>
@@ -9922,15 +10166,31 @@
             </a:pPr>
             <a:r>
               <a:rPr/>
-              <a:t>Object</a:t>
-            </a:r>
-            <a:r>
-              <a:rPr/>
-              <a:t> </a:t>
-            </a:r>
-            <a:r>
-              <a:rPr/>
-              <a:t>names</a:t>
+              <a:t>3</a:t>
+            </a:r>
+            <a:r>
+              <a:rPr/>
+              <a:t> </a:t>
+            </a:r>
+            <a:r>
+              <a:rPr/>
+              <a:t>main</a:t>
+            </a:r>
+            <a:r>
+              <a:rPr/>
+              <a:t> </a:t>
+            </a:r>
+            <a:r>
+              <a:rPr/>
+              <a:t>building</a:t>
+            </a:r>
+            <a:r>
+              <a:rPr/>
+              <a:t> </a:t>
+            </a:r>
+            <a:r>
+              <a:rPr/>
+              <a:t>blocks</a:t>
             </a:r>
           </a:p>
         </p:txBody>
@@ -9956,190 +10216,118 @@
           <a:bodyPr/>
           <a:lstStyle/>
           <a:p>
-            <a:pPr lvl="1"/>
-            <a:r>
-              <a:rPr/>
-              <a:t>You assign names to objects in R.</a:t>
-            </a:r>
-          </a:p>
-          <a:p>
-            <a:pPr lvl="1"/>
-            <a:r>
-              <a:rPr/>
-              <a:t>This is the assignment operator </a:t>
-            </a:r>
-            <a:r>
-              <a:rPr>
-                <a:latin typeface="Courier"/>
-              </a:rPr>
-              <a:t>&lt;-</a:t>
-            </a:r>
-            <a:r>
-              <a:rPr/>
-              <a:t>(</a:t>
-            </a:r>
-            <a:r>
-              <a:rPr>
-                <a:latin typeface="Courier"/>
-              </a:rPr>
-              <a:t>=</a:t>
-            </a:r>
-            <a:r>
-              <a:rPr/>
-              <a:t>)</a:t>
-            </a:r>
-          </a:p>
-          <a:p>
-            <a:pPr lvl="1"/>
-            <a:r>
-              <a:rPr/>
-              <a:t>Shortcut:</a:t>
+            <a:pPr lvl="1">
+              <a:buAutoNum type="arabicPeriod"/>
+            </a:pPr>
+            <a:r>
+              <a:rPr/>
+              <a:t>Object names</a:t>
             </a:r>
           </a:p>
           <a:p>
             <a:pPr lvl="2"/>
             <a:r>
               <a:rPr/>
-              <a:t>Mac OSX: </a:t>
-            </a:r>
-            <a:r>
-              <a:rPr>
-                <a:latin typeface="Courier"/>
-              </a:rPr>
-              <a:t>Option + -</a:t>
+              <a:t>Everything needs a name in R: tables, plots, data files, functions</a:t>
+            </a:r>
+          </a:p>
+          <a:p>
+            <a:pPr lvl="1">
+              <a:buAutoNum type="arabicPeriod"/>
+            </a:pPr>
+            <a:r>
+              <a:rPr/>
+              <a:t>Data</a:t>
             </a:r>
           </a:p>
           <a:p>
             <a:pPr lvl="2"/>
             <a:r>
               <a:rPr/>
-              <a:t>Windows: </a:t>
-            </a:r>
-            <a:r>
-              <a:rPr>
-                <a:latin typeface="Courier"/>
-              </a:rPr>
-              <a:t>Alt + -</a:t>
-            </a:r>
-          </a:p>
-          <a:p>
-            <a:pPr lvl="1"/>
-            <a:r>
-              <a:rPr/>
-              <a:t>Return the stored value by typing the name.</a:t>
-            </a:r>
-          </a:p>
-          <a:p>
-            <a:pPr lvl="0" indent="0">
-              <a:buNone/>
+              <a:t>Data comes in different classes:</a:t>
+            </a:r>
+          </a:p>
+          <a:p>
+            <a:pPr lvl="3"/>
+            <a:r>
+              <a:rPr/>
+              <a:t>Real numbers - </a:t>
+            </a:r>
+            <a:r>
+              <a:rPr>
+                <a:latin typeface="Courier"/>
+              </a:rPr>
+              <a:t>numeric</a:t>
+            </a:r>
+          </a:p>
+          <a:p>
+            <a:pPr lvl="3"/>
+            <a:r>
+              <a:rPr/>
+              <a:t>Discrete numbers - </a:t>
+            </a:r>
+            <a:r>
+              <a:rPr>
+                <a:latin typeface="Courier"/>
+              </a:rPr>
+              <a:t>integer</a:t>
+            </a:r>
+          </a:p>
+          <a:p>
+            <a:pPr lvl="3"/>
+            <a:r>
+              <a:rPr/>
+              <a:t>Characters - </a:t>
+            </a:r>
+            <a:r>
+              <a:rPr>
+                <a:latin typeface="Courier"/>
+              </a:rPr>
+              <a:t>character</a:t>
+            </a:r>
+          </a:p>
+          <a:p>
+            <a:pPr lvl="2"/>
+            <a:r>
+              <a:rPr/>
+              <a:t>Data can be stored in vectors</a:t>
+            </a:r>
+          </a:p>
+          <a:p>
+            <a:pPr lvl="2"/>
+            <a:r>
+              <a:rPr/>
+              <a:t>Vectors can be stored in data frames</a:t>
+            </a:r>
+          </a:p>
+          <a:p>
+            <a:pPr lvl="1">
+              <a:buAutoNum type="arabicPeriod"/>
             </a:pPr>
             <a:r>
-              <a:rPr>
-                <a:latin typeface="Courier"/>
-              </a:rPr>
-              <a:t>practice </a:t>
-            </a:r>
-            <a:r>
-              <a:rPr>
-                <a:solidFill>
-                  <a:srgbClr val="007020"/>
-                </a:solidFill>
-                <a:latin typeface="Courier"/>
-              </a:rPr>
-              <a:t>&lt;-</a:t>
-            </a:r>
-            <a:r>
-              <a:rPr>
-                <a:latin typeface="Courier"/>
-              </a:rPr>
-              <a:t> </a:t>
-            </a:r>
-            <a:r>
-              <a:rPr>
-                <a:solidFill>
-                  <a:srgbClr val="40A070"/>
-                </a:solidFill>
-                <a:latin typeface="Courier"/>
-              </a:rPr>
-              <a:t>2</a:t>
-            </a:r>
-            <a:r>
-              <a:rPr>
-                <a:latin typeface="Courier"/>
-              </a:rPr>
-              <a:t> </a:t>
-            </a:r>
-            <a:r>
-              <a:rPr>
-                <a:solidFill>
-                  <a:srgbClr val="4070A0"/>
-                </a:solidFill>
-                <a:latin typeface="Courier"/>
-              </a:rPr>
-              <a:t>+</a:t>
-            </a:r>
-            <a:r>
-              <a:rPr>
-                <a:latin typeface="Courier"/>
-              </a:rPr>
-              <a:t> </a:t>
-            </a:r>
-            <a:r>
-              <a:rPr>
-                <a:solidFill>
-                  <a:srgbClr val="40A070"/>
-                </a:solidFill>
-                <a:latin typeface="Courier"/>
-              </a:rPr>
-              <a:t>2</a:t>
-            </a:r>
-            <a:r>
-              <a:rPr>
-                <a:latin typeface="Courier"/>
-              </a:rPr>
-              <a:t> </a:t>
-            </a:r>
-            <a:r>
-              <a:rPr>
-                <a:solidFill>
-                  <a:srgbClr val="4070A0"/>
-                </a:solidFill>
-                <a:latin typeface="Courier"/>
-              </a:rPr>
-              <a:t>+</a:t>
-            </a:r>
-            <a:r>
-              <a:rPr>
-                <a:latin typeface="Courier"/>
-              </a:rPr>
-              <a:t> </a:t>
-            </a:r>
-            <a:r>
-              <a:rPr>
-                <a:solidFill>
-                  <a:srgbClr val="40A070"/>
-                </a:solidFill>
-                <a:latin typeface="Courier"/>
-              </a:rPr>
-              <a:t>6</a:t>
-            </a:r>
-            <a:br/>
-            <a:r>
-              <a:rPr>
-                <a:latin typeface="Courier"/>
-              </a:rPr>
-              <a:t>practice</a:t>
-            </a:r>
-          </a:p>
-          <a:p>
-            <a:pPr lvl="0" indent="0">
-              <a:buNone/>
-            </a:pPr>
-            <a:r>
-              <a:rPr>
-                <a:latin typeface="Courier"/>
-              </a:rPr>
-              <a:t>## [1] 10</a:t>
+              <a:rPr/>
+              <a:t>Functions</a:t>
+            </a:r>
+          </a:p>
+          <a:p>
+            <a:pPr lvl="2"/>
+            <a:r>
+              <a:rPr/>
+              <a:t>Little factories</a:t>
+            </a:r>
+          </a:p>
+          <a:p>
+            <a:pPr lvl="2"/>
+            <a:r>
+              <a:rPr/>
+              <a:t>Take an input (raw material) use function (factory) get an output (product)</a:t>
+            </a:r>
+          </a:p>
+          <a:p>
+            <a:pPr lvl="2"/>
+            <a:r>
+              <a:rPr/>
+              <a:t>Functions are collated into packages</a:t>
             </a:r>
           </a:p>
         </p:txBody>
@@ -10229,14 +10417,74 @@
             <a:pPr lvl="1"/>
             <a:r>
               <a:rPr/>
-              <a:t>You can store any object under a name.</a:t>
+              <a:t>You assign names to objects in R.</a:t>
             </a:r>
           </a:p>
           <a:p>
             <a:pPr lvl="1"/>
             <a:r>
               <a:rPr/>
-              <a:t>This example stores a character variable. You need to use quote marks to assign it.</a:t>
+              <a:t>This is the assignment operator </a:t>
+            </a:r>
+            <a:r>
+              <a:rPr>
+                <a:latin typeface="Courier"/>
+              </a:rPr>
+              <a:t>&lt;-</a:t>
+            </a:r>
+            <a:r>
+              <a:rPr/>
+              <a:t>(</a:t>
+            </a:r>
+            <a:r>
+              <a:rPr>
+                <a:latin typeface="Courier"/>
+              </a:rPr>
+              <a:t>=</a:t>
+            </a:r>
+            <a:r>
+              <a:rPr/>
+              <a:t>)</a:t>
+            </a:r>
+          </a:p>
+          <a:p>
+            <a:pPr lvl="1"/>
+            <a:r>
+              <a:rPr/>
+              <a:t>Shortcut:</a:t>
+            </a:r>
+          </a:p>
+          <a:p>
+            <a:pPr lvl="2"/>
+            <a:r>
+              <a:rPr/>
+              <a:t>Mac OSX: </a:t>
+            </a:r>
+            <a:r>
+              <a:rPr>
+                <a:latin typeface="Courier"/>
+              </a:rPr>
+              <a:t>Option + -</a:t>
+            </a:r>
+          </a:p>
+          <a:p>
+            <a:pPr lvl="2"/>
+            <a:r>
+              <a:rPr/>
+              <a:t>Windows: </a:t>
+            </a:r>
+            <a:r>
+              <a:rPr>
+                <a:latin typeface="Courier"/>
+              </a:rPr>
+              <a:t>Alt + -</a:t>
+            </a:r>
+          </a:p>
+          <a:p>
+            <a:pPr lvl="1"/>
+            <a:r>
+              <a:rPr/>
+              <a:t>Return the stored value by typing the name.</a:t>
             </a:r>
           </a:p>
           <a:p>
@@ -10247,7 +10495,7 @@
               <a:rPr>
                 <a:latin typeface="Courier"/>
               </a:rPr>
-              <a:t>say_hello </a:t>
+              <a:t>practice </a:t>
             </a:r>
             <a:r>
               <a:rPr>
@@ -10267,56 +10515,11 @@
             <a:r>
               <a:rPr>
                 <a:solidFill>
-                  <a:srgbClr val="4070A0"/>
+                  <a:srgbClr val="40A070"/>
                 </a:solidFill>
                 <a:latin typeface="Courier"/>
               </a:rPr>
-              <a:t>"hello"</a:t>
-            </a:r>
-            <a:br/>
-            <a:r>
-              <a:rPr>
-                <a:latin typeface="Courier"/>
-              </a:rPr>
-              <a:t>say_hello</a:t>
-            </a:r>
-          </a:p>
-          <a:p>
-            <a:pPr lvl="0" indent="0">
-              <a:buNone/>
-            </a:pPr>
-            <a:r>
-              <a:rPr>
-                <a:latin typeface="Courier"/>
-              </a:rPr>
-              <a:t>## [1] "hello"</a:t>
-            </a:r>
-          </a:p>
-          <a:p>
-            <a:pPr lvl="1"/>
-            <a:r>
-              <a:rPr/>
-              <a:t>Note that R does not like spaces in names.</a:t>
-            </a:r>
-          </a:p>
-          <a:p>
-            <a:pPr lvl="0" indent="0">
-              <a:buNone/>
-            </a:pPr>
-            <a:r>
-              <a:rPr>
-                <a:latin typeface="Courier"/>
-              </a:rPr>
-              <a:t>say hello </a:t>
-            </a:r>
-            <a:r>
-              <a:rPr>
-                <a:solidFill>
-                  <a:srgbClr val="007020"/>
-                </a:solidFill>
-                <a:latin typeface="Courier"/>
-              </a:rPr>
-              <a:t>&lt;-</a:t>
+              <a:t>2</a:t>
             </a:r>
             <a:r>
               <a:rPr>
@@ -10331,7 +10534,59 @@
                 </a:solidFill>
                 <a:latin typeface="Courier"/>
               </a:rPr>
-              <a:t>"hello"</a:t>
+              <a:t>+</a:t>
+            </a:r>
+            <a:r>
+              <a:rPr>
+                <a:latin typeface="Courier"/>
+              </a:rPr>
+              <a:t> </a:t>
+            </a:r>
+            <a:r>
+              <a:rPr>
+                <a:solidFill>
+                  <a:srgbClr val="40A070"/>
+                </a:solidFill>
+                <a:latin typeface="Courier"/>
+              </a:rPr>
+              <a:t>2</a:t>
+            </a:r>
+            <a:r>
+              <a:rPr>
+                <a:latin typeface="Courier"/>
+              </a:rPr>
+              <a:t> </a:t>
+            </a:r>
+            <a:r>
+              <a:rPr>
+                <a:solidFill>
+                  <a:srgbClr val="4070A0"/>
+                </a:solidFill>
+                <a:latin typeface="Courier"/>
+              </a:rPr>
+              <a:t>+</a:t>
+            </a:r>
+            <a:r>
+              <a:rPr>
+                <a:latin typeface="Courier"/>
+              </a:rPr>
+              <a:t> </a:t>
+            </a:r>
+            <a:r>
+              <a:rPr>
+                <a:solidFill>
+                  <a:srgbClr val="40A070"/>
+                </a:solidFill>
+                <a:latin typeface="Courier"/>
+              </a:rPr>
+              <a:t>6</a:t>
+            </a:r>
+            <a:br/>
+            <a:r>
+              <a:rPr>
+                <a:latin typeface="Courier"/>
+              </a:rPr>
+              <a:t>practice</a:t>
             </a:r>
           </a:p>
           <a:p>
@@ -10342,9 +10597,7 @@
               <a:rPr>
                 <a:latin typeface="Courier"/>
               </a:rPr>
-              <a:t>## Error: &lt;text&gt;:1:5: unexpected symbol
-## 1: say hello
-##         ^</a:t>
+              <a:t>## [1] 10</a:t>
             </a:r>
           </a:p>
         </p:txBody>
@@ -10397,7 +10650,15 @@
             </a:pPr>
             <a:r>
               <a:rPr/>
-              <a:t>Data</a:t>
+              <a:t>Object</a:t>
+            </a:r>
+            <a:r>
+              <a:rPr/>
+              <a:t> </a:t>
+            </a:r>
+            <a:r>
+              <a:rPr/>
+              <a:t>names</a:t>
             </a:r>
           </a:p>
         </p:txBody>
@@ -10426,35 +10687,122 @@
             <a:pPr lvl="1"/>
             <a:r>
               <a:rPr/>
-              <a:t>R is a statistical computing language</a:t>
+              <a:t>You can store any object under a name.</a:t>
             </a:r>
           </a:p>
           <a:p>
             <a:pPr lvl="1"/>
             <a:r>
               <a:rPr/>
-              <a:t>It is built around an understanding of data</a:t>
+              <a:t>This example stores a character variable. You need to use quote marks to assign it.</a:t>
+            </a:r>
+          </a:p>
+          <a:p>
+            <a:pPr lvl="0" indent="0">
+              <a:buNone/>
+            </a:pPr>
+            <a:r>
+              <a:rPr>
+                <a:latin typeface="Courier"/>
+              </a:rPr>
+              <a:t>say_hello </a:t>
+            </a:r>
+            <a:r>
+              <a:rPr>
+                <a:solidFill>
+                  <a:srgbClr val="007020"/>
+                </a:solidFill>
+                <a:latin typeface="Courier"/>
+              </a:rPr>
+              <a:t>&lt;-</a:t>
+            </a:r>
+            <a:r>
+              <a:rPr>
+                <a:latin typeface="Courier"/>
+              </a:rPr>
+              <a:t> </a:t>
+            </a:r>
+            <a:r>
+              <a:rPr>
+                <a:solidFill>
+                  <a:srgbClr val="4070A0"/>
+                </a:solidFill>
+                <a:latin typeface="Courier"/>
+              </a:rPr>
+              <a:t>"hello"</a:t>
+            </a:r>
+            <a:br/>
+            <a:r>
+              <a:rPr>
+                <a:latin typeface="Courier"/>
+              </a:rPr>
+              <a:t>say_hello</a:t>
+            </a:r>
+          </a:p>
+          <a:p>
+            <a:pPr lvl="0" indent="0">
+              <a:buNone/>
+            </a:pPr>
+            <a:r>
+              <a:rPr>
+                <a:latin typeface="Courier"/>
+              </a:rPr>
+              <a:t>## [1] "hello"</a:t>
             </a:r>
           </a:p>
           <a:p>
             <a:pPr lvl="1"/>
             <a:r>
               <a:rPr/>
-              <a:t>Statistics uses:</a:t>
-            </a:r>
-          </a:p>
-          <a:p>
-            <a:pPr lvl="2"/>
-            <a:r>
-              <a:rPr/>
-              <a:t>Vectors</a:t>
-            </a:r>
-          </a:p>
-          <a:p>
-            <a:pPr lvl="2"/>
-            <a:r>
-              <a:rPr/>
-              <a:t>Data frames</a:t>
+              <a:t>Note that R does not like spaces in names.</a:t>
+            </a:r>
+          </a:p>
+          <a:p>
+            <a:pPr lvl="0" indent="0">
+              <a:buNone/>
+            </a:pPr>
+            <a:r>
+              <a:rPr>
+                <a:latin typeface="Courier"/>
+              </a:rPr>
+              <a:t>say hello </a:t>
+            </a:r>
+            <a:r>
+              <a:rPr>
+                <a:solidFill>
+                  <a:srgbClr val="007020"/>
+                </a:solidFill>
+                <a:latin typeface="Courier"/>
+              </a:rPr>
+              <a:t>&lt;-</a:t>
+            </a:r>
+            <a:r>
+              <a:rPr>
+                <a:latin typeface="Courier"/>
+              </a:rPr>
+              <a:t> </a:t>
+            </a:r>
+            <a:r>
+              <a:rPr>
+                <a:solidFill>
+                  <a:srgbClr val="4070A0"/>
+                </a:solidFill>
+                <a:latin typeface="Courier"/>
+              </a:rPr>
+              <a:t>"hello"</a:t>
+            </a:r>
+          </a:p>
+          <a:p>
+            <a:pPr lvl="0" indent="0">
+              <a:buNone/>
+            </a:pPr>
+            <a:r>
+              <a:rPr>
+                <a:latin typeface="Courier"/>
+              </a:rPr>
+              <a:t>## Error: &lt;text&gt;:1:5: unexpected symbol
+## 1: say hello
+##         ^</a:t>
             </a:r>
           </a:p>
         </p:txBody>
@@ -10507,7 +10855,7 @@
             </a:pPr>
             <a:r>
               <a:rPr/>
-              <a:t>Vectors</a:t>
+              <a:t>Data</a:t>
             </a:r>
           </a:p>
         </p:txBody>
@@ -10536,239 +10884,35 @@
             <a:pPr lvl="1"/>
             <a:r>
               <a:rPr/>
-              <a:t>A vector contains elements of the same data type.</a:t>
+              <a:t>R is a statistical computing language</a:t>
+            </a:r>
+          </a:p>
+          <a:p>
+            <a:pPr lvl="1"/>
+            <a:r>
+              <a:rPr/>
+              <a:t>It is built around an understanding of data</a:t>
+            </a:r>
+          </a:p>
+          <a:p>
+            <a:pPr lvl="1"/>
+            <a:r>
+              <a:rPr/>
+              <a:t>Statistics uses:</a:t>
             </a:r>
           </a:p>
           <a:p>
             <a:pPr lvl="2"/>
             <a:r>
               <a:rPr/>
-              <a:t>A vector of integers - an example would be age</a:t>
-            </a:r>
-          </a:p>
-          <a:p>
-            <a:pPr lvl="1" indent="0">
-              <a:buNone/>
-            </a:pPr>
-            <a:r>
-              <a:rPr>
-                <a:latin typeface="Courier"/>
-              </a:rPr>
-              <a:t>## [1] 50 25 32 67 46 19 48</a:t>
+              <a:t>Vectors</a:t>
             </a:r>
           </a:p>
           <a:p>
             <a:pPr lvl="2"/>
             <a:r>
               <a:rPr/>
-              <a:t>A vector of real numbers - an example would be temperature.</a:t>
-            </a:r>
-          </a:p>
-          <a:p>
-            <a:pPr lvl="1" indent="0">
-              <a:buNone/>
-            </a:pPr>
-            <a:r>
-              <a:rPr>
-                <a:latin typeface="Courier"/>
-              </a:rPr>
-              <a:t>## [1] 37.5 37.1 37.3 38.3 37.4 38.9</a:t>
-            </a:r>
-          </a:p>
-          <a:p>
-            <a:pPr lvl="2"/>
-            <a:r>
-              <a:rPr/>
-              <a:t>A vector of characters/strings - an example would be name.</a:t>
-            </a:r>
-          </a:p>
-          <a:p>
-            <a:pPr lvl="1" indent="0">
-              <a:buNone/>
-            </a:pPr>
-            <a:r>
-              <a:rPr>
-                <a:latin typeface="Courier"/>
-              </a:rPr>
-              <a:t>## [1] "Adam"  "Sally" "Eve"   "John"  "James"</a:t>
-            </a:r>
-          </a:p>
-          <a:p>
-            <a:pPr lvl="2"/>
-            <a:r>
-              <a:rPr/>
-              <a:t>A vector of logicals - an example would be ‘are the blood results avaiblable?’</a:t>
-            </a:r>
-          </a:p>
-          <a:p>
-            <a:pPr lvl="1" indent="0">
-              <a:buNone/>
-            </a:pPr>
-            <a:r>
-              <a:rPr>
-                <a:latin typeface="Courier"/>
-              </a:rPr>
-              <a:t>## [1]  TRUE FALSE FALSE  TRUE  TRUE</a:t>
-            </a:r>
-          </a:p>
-          <a:p>
-            <a:pPr lvl="1"/>
-            <a:r>
-              <a:rPr/>
-              <a:t>You can always check the data type in a vector using the function </a:t>
-            </a:r>
-            <a:r>
-              <a:rPr>
-                <a:latin typeface="Courier"/>
-              </a:rPr>
-              <a:t>class()</a:t>
-            </a:r>
-            <a:r>
-              <a:rPr/>
-              <a:t>.</a:t>
-            </a:r>
-          </a:p>
-          <a:p>
-            <a:pPr lvl="0" indent="0">
-              <a:buNone/>
-            </a:pPr>
-            <a:r>
-              <a:rPr>
-                <a:latin typeface="Courier"/>
-              </a:rPr>
-              <a:t>logical_vector </a:t>
-            </a:r>
-            <a:r>
-              <a:rPr>
-                <a:solidFill>
-                  <a:srgbClr val="007020"/>
-                </a:solidFill>
-                <a:latin typeface="Courier"/>
-              </a:rPr>
-              <a:t>&lt;-</a:t>
-            </a:r>
-            <a:r>
-              <a:rPr>
-                <a:latin typeface="Courier"/>
-              </a:rPr>
-              <a:t> </a:t>
-            </a:r>
-            <a:r>
-              <a:rPr>
-                <a:solidFill>
-                  <a:srgbClr val="06287E"/>
-                </a:solidFill>
-                <a:latin typeface="Courier"/>
-              </a:rPr>
-              <a:t>c</a:t>
-            </a:r>
-            <a:r>
-              <a:rPr>
-                <a:latin typeface="Courier"/>
-              </a:rPr>
-              <a:t>(</a:t>
-            </a:r>
-            <a:r>
-              <a:rPr>
-                <a:solidFill>
-                  <a:srgbClr val="880000"/>
-                </a:solidFill>
-                <a:latin typeface="Courier"/>
-              </a:rPr>
-              <a:t>TRUE</a:t>
-            </a:r>
-            <a:r>
-              <a:rPr>
-                <a:latin typeface="Courier"/>
-              </a:rPr>
-              <a:t>, </a:t>
-            </a:r>
-            <a:r>
-              <a:rPr>
-                <a:solidFill>
-                  <a:srgbClr val="880000"/>
-                </a:solidFill>
-                <a:latin typeface="Courier"/>
-              </a:rPr>
-              <a:t>FALSE</a:t>
-            </a:r>
-            <a:r>
-              <a:rPr>
-                <a:latin typeface="Courier"/>
-              </a:rPr>
-              <a:t>, </a:t>
-            </a:r>
-            <a:r>
-              <a:rPr>
-                <a:solidFill>
-                  <a:srgbClr val="880000"/>
-                </a:solidFill>
-                <a:latin typeface="Courier"/>
-              </a:rPr>
-              <a:t>FALSE</a:t>
-            </a:r>
-            <a:r>
-              <a:rPr>
-                <a:latin typeface="Courier"/>
-              </a:rPr>
-              <a:t>, </a:t>
-            </a:r>
-            <a:r>
-              <a:rPr>
-                <a:solidFill>
-                  <a:srgbClr val="880000"/>
-                </a:solidFill>
-                <a:latin typeface="Courier"/>
-              </a:rPr>
-              <a:t>TRUE</a:t>
-            </a:r>
-            <a:r>
-              <a:rPr>
-                <a:latin typeface="Courier"/>
-              </a:rPr>
-              <a:t>, </a:t>
-            </a:r>
-            <a:r>
-              <a:rPr>
-                <a:solidFill>
-                  <a:srgbClr val="880000"/>
-                </a:solidFill>
-                <a:latin typeface="Courier"/>
-              </a:rPr>
-              <a:t>TRUE</a:t>
-            </a:r>
-            <a:r>
-              <a:rPr>
-                <a:latin typeface="Courier"/>
-              </a:rPr>
-              <a:t>)</a:t>
-            </a:r>
-            <a:br/>
-            <a:r>
-              <a:rPr>
-                <a:solidFill>
-                  <a:srgbClr val="06287E"/>
-                </a:solidFill>
-                <a:latin typeface="Courier"/>
-              </a:rPr>
-              <a:t>class</a:t>
-            </a:r>
-            <a:r>
-              <a:rPr>
-                <a:latin typeface="Courier"/>
-              </a:rPr>
-              <a:t>(logical_vector)</a:t>
-            </a:r>
-          </a:p>
-          <a:p>
-            <a:pPr lvl="0" indent="0">
-              <a:buNone/>
-            </a:pPr>
-            <a:r>
-              <a:rPr>
-                <a:latin typeface="Courier"/>
-              </a:rPr>
-              <a:t>## [1] "logical"</a:t>
+              <a:t>Data frames</a:t>
             </a:r>
           </a:p>
         </p:txBody>
@@ -10821,15 +10965,7 @@
             </a:pPr>
             <a:r>
               <a:rPr/>
-              <a:t>Naming</a:t>
-            </a:r>
-            <a:r>
-              <a:rPr/>
-              <a:t> </a:t>
-            </a:r>
-            <a:r>
-              <a:rPr/>
-              <a:t>vectors</a:t>
+              <a:t>Vectors</a:t>
             </a:r>
           </a:p>
         </p:txBody>
@@ -10858,17 +10994,14 @@
             <a:pPr lvl="1"/>
             <a:r>
               <a:rPr/>
-              <a:t>The </a:t>
-            </a:r>
-            <a:r>
-              <a:rPr>
-                <a:latin typeface="Courier"/>
-              </a:rPr>
-              <a:t>c()</a:t>
-            </a:r>
-            <a:r>
-              <a:rPr/>
-              <a:t> function combines individual values into a single vector.</a:t>
+              <a:t>A vector contains elements of the same data type.</a:t>
+            </a:r>
+          </a:p>
+          <a:p>
+            <a:pPr lvl="2"/>
+            <a:r>
+              <a:rPr/>
+              <a:t>A vector of integers - an example would be age</a:t>
             </a:r>
           </a:p>
           <a:p>
@@ -10876,20 +11009,104 @@
               <a:buNone/>
             </a:pPr>
             <a:r>
-              <a:rPr i="1">
-                <a:solidFill>
-                  <a:srgbClr val="60A0B0"/>
-                </a:solidFill>
-                <a:latin typeface="Courier"/>
-              </a:rPr>
-              <a:t># Storing several ages in one vector.</a:t>
-            </a:r>
-            <a:br/>
-            <a:r>
-              <a:rPr>
-                <a:latin typeface="Courier"/>
-              </a:rPr>
-              <a:t>age </a:t>
+              <a:rPr>
+                <a:latin typeface="Courier"/>
+              </a:rPr>
+              <a:t>## [1] 50 25 32 67 46 19 48</a:t>
+            </a:r>
+          </a:p>
+          <a:p>
+            <a:pPr lvl="0" indent="0">
+              <a:buNone/>
+            </a:pPr>
+            <a:r>
+              <a:rPr>
+                <a:latin typeface="Courier"/>
+              </a:rPr>
+              <a:t>- A vector of real numbers - an example would be temperature.</a:t>
+            </a:r>
+          </a:p>
+          <a:p>
+            <a:pPr lvl="0" indent="0">
+              <a:buNone/>
+            </a:pPr>
+            <a:r>
+              <a:rPr>
+                <a:latin typeface="Courier"/>
+              </a:rPr>
+              <a:t>## [1] 37.5 37.1 37.3 38.3 37.4 38.9</a:t>
+            </a:r>
+          </a:p>
+          <a:p>
+            <a:pPr lvl="0" indent="0">
+              <a:buNone/>
+            </a:pPr>
+            <a:r>
+              <a:rPr>
+                <a:latin typeface="Courier"/>
+              </a:rPr>
+              <a:t>- A vector of characters/strings - an example would be name.</a:t>
+            </a:r>
+          </a:p>
+          <a:p>
+            <a:pPr lvl="0" indent="0">
+              <a:buNone/>
+            </a:pPr>
+            <a:r>
+              <a:rPr>
+                <a:latin typeface="Courier"/>
+              </a:rPr>
+              <a:t>## [1] "Adam"  "Sally" "Eve"   "John"  "James"</a:t>
+            </a:r>
+          </a:p>
+          <a:p>
+            <a:pPr lvl="0" indent="0">
+              <a:buNone/>
+            </a:pPr>
+            <a:r>
+              <a:rPr>
+                <a:latin typeface="Courier"/>
+              </a:rPr>
+              <a:t>- A vector of logicals - an example would be 'are the blood results avaiblable?'</a:t>
+            </a:r>
+          </a:p>
+          <a:p>
+            <a:pPr lvl="0" indent="0">
+              <a:buNone/>
+            </a:pPr>
+            <a:r>
+              <a:rPr>
+                <a:latin typeface="Courier"/>
+              </a:rPr>
+              <a:t>## [1]  TRUE FALSE FALSE  TRUE  TRUE</a:t>
+            </a:r>
+          </a:p>
+          <a:p>
+            <a:pPr lvl="1"/>
+            <a:r>
+              <a:rPr/>
+              <a:t>You can always check the data type in a vector using the function </a:t>
+            </a:r>
+            <a:r>
+              <a:rPr>
+                <a:latin typeface="Courier"/>
+              </a:rPr>
+              <a:t>class()</a:t>
+            </a:r>
+            <a:r>
+              <a:rPr/>
+              <a:t>.</a:t>
+            </a:r>
+          </a:p>
+          <a:p>
+            <a:pPr lvl="0" indent="0">
+              <a:buNone/>
+            </a:pPr>
+            <a:r>
+              <a:rPr>
+                <a:latin typeface="Courier"/>
+              </a:rPr>
+              <a:t>logical_vector </a:t>
             </a:r>
             <a:r>
               <a:rPr>
@@ -10924,11 +11141,11 @@
             <a:r>
               <a:rPr>
                 <a:solidFill>
-                  <a:srgbClr val="40A070"/>
+                  <a:srgbClr val="880000"/>
                 </a:solidFill>
                 <a:latin typeface="Courier"/>
               </a:rPr>
-              <a:t>50</a:t>
+              <a:t>TRUE</a:t>
             </a:r>
             <a:r>
               <a:rPr>
@@ -10939,11 +11156,11 @@
             <a:r>
               <a:rPr>
                 <a:solidFill>
-                  <a:srgbClr val="40A070"/>
+                  <a:srgbClr val="880000"/>
                 </a:solidFill>
                 <a:latin typeface="Courier"/>
               </a:rPr>
-              <a:t>25</a:t>
+              <a:t>FALSE</a:t>
             </a:r>
             <a:r>
               <a:rPr>
@@ -10954,11 +11171,11 @@
             <a:r>
               <a:rPr>
                 <a:solidFill>
-                  <a:srgbClr val="40A070"/>
+                  <a:srgbClr val="880000"/>
                 </a:solidFill>
                 <a:latin typeface="Courier"/>
               </a:rPr>
-              <a:t>32</a:t>
+              <a:t>FALSE</a:t>
             </a:r>
             <a:r>
               <a:rPr>
@@ -10969,11 +11186,11 @@
             <a:r>
               <a:rPr>
                 <a:solidFill>
-                  <a:srgbClr val="40A070"/>
+                  <a:srgbClr val="880000"/>
                 </a:solidFill>
                 <a:latin typeface="Courier"/>
               </a:rPr>
-              <a:t>67</a:t>
+              <a:t>TRUE</a:t>
             </a:r>
             <a:r>
               <a:rPr>
@@ -10984,26 +11201,11 @@
             <a:r>
               <a:rPr>
                 <a:solidFill>
-                  <a:srgbClr val="40A070"/>
+                  <a:srgbClr val="880000"/>
                 </a:solidFill>
                 <a:latin typeface="Courier"/>
               </a:rPr>
-              <a:t>46</a:t>
-            </a:r>
-            <a:r>
-              <a:rPr>
-                <a:latin typeface="Courier"/>
-              </a:rPr>
-              <a:t>, </a:t>
-            </a:r>
-            <a:r>
-              <a:rPr>
-                <a:solidFill>
-                  <a:srgbClr val="40A070"/>
-                </a:solidFill>
-                <a:latin typeface="Courier"/>
-              </a:rPr>
-              <a:t>19</a:t>
+              <a:t>TRUE</a:t>
             </a:r>
             <a:r>
               <a:rPr>
@@ -11012,59 +11214,6 @@
               <a:t>)</a:t>
             </a:r>
             <a:br/>
-            <a:r>
-              <a:rPr>
-                <a:latin typeface="Courier"/>
-              </a:rPr>
-              <a:t>age</a:t>
-            </a:r>
-          </a:p>
-          <a:p>
-            <a:pPr lvl="0" indent="0">
-              <a:buNone/>
-            </a:pPr>
-            <a:r>
-              <a:rPr>
-                <a:latin typeface="Courier"/>
-              </a:rPr>
-              <a:t>## [1] 50 25 32 67 46 19</a:t>
-            </a:r>
-          </a:p>
-          <a:p>
-            <a:pPr lvl="0" indent="0">
-              <a:buNone/>
-            </a:pPr>
-            <a:r>
-              <a:rPr i="1">
-                <a:solidFill>
-                  <a:srgbClr val="60A0B0"/>
-                </a:solidFill>
-                <a:latin typeface="Courier"/>
-              </a:rPr>
-              <a:t># Storing several peoples' names in one vector.</a:t>
-            </a:r>
-            <a:br/>
-            <a:r>
-              <a:rPr>
-                <a:latin typeface="Courier"/>
-              </a:rPr>
-              <a:t>name </a:t>
-            </a:r>
-            <a:r>
-              <a:rPr>
-                <a:solidFill>
-                  <a:srgbClr val="007020"/>
-                </a:solidFill>
-                <a:latin typeface="Courier"/>
-              </a:rPr>
-              <a:t>&lt;-</a:t>
-            </a:r>
-            <a:r>
-              <a:rPr>
-                <a:latin typeface="Courier"/>
-              </a:rPr>
-              <a:t> </a:t>
-            </a:r>
             <a:r>
               <a:rPr>
                 <a:solidFill>
@@ -11072,110 +11221,13 @@
                 </a:solidFill>
                 <a:latin typeface="Courier"/>
               </a:rPr>
-              <a:t>c</a:t>
-            </a:r>
-            <a:r>
-              <a:rPr>
-                <a:latin typeface="Courier"/>
-              </a:rPr>
-              <a:t>(</a:t>
-            </a:r>
-            <a:r>
-              <a:rPr>
-                <a:solidFill>
-                  <a:srgbClr val="4070A0"/>
-                </a:solidFill>
-                <a:latin typeface="Courier"/>
-              </a:rPr>
-              <a:t>"Adam"</a:t>
-            </a:r>
-            <a:r>
-              <a:rPr>
-                <a:latin typeface="Courier"/>
-              </a:rPr>
-              <a:t>, </a:t>
-            </a:r>
-            <a:r>
-              <a:rPr>
-                <a:solidFill>
-                  <a:srgbClr val="4070A0"/>
-                </a:solidFill>
-                <a:latin typeface="Courier"/>
-              </a:rPr>
-              <a:t>"Sally"</a:t>
-            </a:r>
-            <a:r>
-              <a:rPr>
-                <a:latin typeface="Courier"/>
-              </a:rPr>
-              <a:t>, </a:t>
-            </a:r>
-            <a:r>
-              <a:rPr>
-                <a:solidFill>
-                  <a:srgbClr val="4070A0"/>
-                </a:solidFill>
-                <a:latin typeface="Courier"/>
-              </a:rPr>
-              <a:t>"Eve"</a:t>
-            </a:r>
-            <a:r>
-              <a:rPr>
-                <a:latin typeface="Courier"/>
-              </a:rPr>
-              <a:t>, </a:t>
-            </a:r>
-            <a:r>
-              <a:rPr>
-                <a:solidFill>
-                  <a:srgbClr val="4070A0"/>
-                </a:solidFill>
-                <a:latin typeface="Courier"/>
-              </a:rPr>
-              <a:t>"John"</a:t>
-            </a:r>
-            <a:r>
-              <a:rPr>
-                <a:latin typeface="Courier"/>
-              </a:rPr>
-              <a:t>, </a:t>
-            </a:r>
-            <a:r>
-              <a:rPr>
-                <a:solidFill>
-                  <a:srgbClr val="4070A0"/>
-                </a:solidFill>
-                <a:latin typeface="Courier"/>
-              </a:rPr>
-              <a:t>"James"</a:t>
-            </a:r>
-            <a:r>
-              <a:rPr>
-                <a:latin typeface="Courier"/>
-              </a:rPr>
-              <a:t>, </a:t>
-            </a:r>
-            <a:r>
-              <a:rPr>
-                <a:solidFill>
-                  <a:srgbClr val="4070A0"/>
-                </a:solidFill>
-                <a:latin typeface="Courier"/>
-              </a:rPr>
-              <a:t>"Jennifer"</a:t>
-            </a:r>
-            <a:r>
-              <a:rPr>
-                <a:latin typeface="Courier"/>
-              </a:rPr>
-              <a:t>)</a:t>
-            </a:r>
-            <a:br/>
-            <a:r>
-              <a:rPr>
-                <a:latin typeface="Courier"/>
-              </a:rPr>
-              <a:t>name</a:t>
+              <a:t>class</a:t>
+            </a:r>
+            <a:r>
+              <a:rPr>
+                <a:latin typeface="Courier"/>
+              </a:rPr>
+              <a:t>(logical_vector)</a:t>
             </a:r>
           </a:p>
           <a:p>
@@ -11186,7 +11238,7 @@
               <a:rPr>
                 <a:latin typeface="Courier"/>
               </a:rPr>
-              <a:t>## [1] "Adam"     "Sally"    "Eve"      "John"     "James"    "Jennifer"</a:t>
+              <a:t>## [1] "logical"</a:t>
             </a:r>
           </a:p>
         </p:txBody>
@@ -11239,39 +11291,15 @@
             </a:pPr>
             <a:r>
               <a:rPr/>
-              <a:t>Recalling</a:t>
-            </a:r>
-            <a:r>
-              <a:rPr/>
-              <a:t> </a:t>
-            </a:r>
-            <a:r>
-              <a:rPr/>
-              <a:t>elements</a:t>
-            </a:r>
-            <a:r>
-              <a:rPr/>
-              <a:t> </a:t>
-            </a:r>
-            <a:r>
-              <a:rPr/>
-              <a:t>of</a:t>
-            </a:r>
-            <a:r>
-              <a:rPr/>
-              <a:t> </a:t>
-            </a:r>
-            <a:r>
-              <a:rPr/>
-              <a:t>a</a:t>
-            </a:r>
-            <a:r>
-              <a:rPr/>
-              <a:t> </a:t>
-            </a:r>
-            <a:r>
-              <a:rPr/>
-              <a:t>vector</a:t>
+              <a:t>Naming</a:t>
+            </a:r>
+            <a:r>
+              <a:rPr/>
+              <a:t> </a:t>
+            </a:r>
+            <a:r>
+              <a:rPr/>
+              <a:t>vectors</a:t>
             </a:r>
           </a:p>
         </p:txBody>
@@ -11300,24 +11328,17 @@
             <a:pPr lvl="1"/>
             <a:r>
               <a:rPr/>
-              <a:t>R creates an index for each element of the vector.</a:t>
-            </a:r>
-          </a:p>
-          <a:p>
-            <a:pPr lvl="1"/>
-            <a:r>
-              <a:rPr/>
-              <a:t>It allocates a number to each element within the vector from left to right, starting with </a:t>
-            </a:r>
-            <a:r>
-              <a:rPr>
-                <a:latin typeface="Courier"/>
-              </a:rPr>
-              <a:t>1</a:t>
-            </a:r>
-            <a:r>
-              <a:rPr/>
-              <a:t>.</a:t>
+              <a:t>The </a:t>
+            </a:r>
+            <a:r>
+              <a:rPr>
+                <a:latin typeface="Courier"/>
+              </a:rPr>
+              <a:t>c()</a:t>
+            </a:r>
+            <a:r>
+              <a:rPr/>
+              <a:t> function combines individual values into a single vector.</a:t>
             </a:r>
           </a:p>
           <a:p>
@@ -11331,14 +11352,44 @@
                 </a:solidFill>
                 <a:latin typeface="Courier"/>
               </a:rPr>
-              <a:t># The age of the second person.</a:t>
+              <a:t># Storing several ages in one vector.</a:t>
             </a:r>
             <a:br/>
             <a:r>
               <a:rPr>
                 <a:latin typeface="Courier"/>
               </a:rPr>
-              <a:t>age[</a:t>
+              <a:t>age </a:t>
+            </a:r>
+            <a:r>
+              <a:rPr>
+                <a:solidFill>
+                  <a:srgbClr val="007020"/>
+                </a:solidFill>
+                <a:latin typeface="Courier"/>
+              </a:rPr>
+              <a:t>&lt;-</a:t>
+            </a:r>
+            <a:r>
+              <a:rPr>
+                <a:latin typeface="Courier"/>
+              </a:rPr>
+              <a:t> </a:t>
+            </a:r>
+            <a:r>
+              <a:rPr>
+                <a:solidFill>
+                  <a:srgbClr val="06287E"/>
+                </a:solidFill>
+                <a:latin typeface="Courier"/>
+              </a:rPr>
+              <a:t>c</a:t>
+            </a:r>
+            <a:r>
+              <a:rPr>
+                <a:latin typeface="Courier"/>
+              </a:rPr>
+              <a:t>(</a:t>
             </a:r>
             <a:r>
               <a:rPr>
@@ -11347,13 +11398,95 @@
                 </a:solidFill>
                 <a:latin typeface="Courier"/>
               </a:rPr>
-              <a:t>2</a:t>
-            </a:r>
-            <a:r>
-              <a:rPr>
-                <a:latin typeface="Courier"/>
-              </a:rPr>
-              <a:t>]</a:t>
+              <a:t>50</a:t>
+            </a:r>
+            <a:r>
+              <a:rPr>
+                <a:latin typeface="Courier"/>
+              </a:rPr>
+              <a:t>, </a:t>
+            </a:r>
+            <a:r>
+              <a:rPr>
+                <a:solidFill>
+                  <a:srgbClr val="40A070"/>
+                </a:solidFill>
+                <a:latin typeface="Courier"/>
+              </a:rPr>
+              <a:t>25</a:t>
+            </a:r>
+            <a:r>
+              <a:rPr>
+                <a:latin typeface="Courier"/>
+              </a:rPr>
+              <a:t>, </a:t>
+            </a:r>
+            <a:r>
+              <a:rPr>
+                <a:solidFill>
+                  <a:srgbClr val="40A070"/>
+                </a:solidFill>
+                <a:latin typeface="Courier"/>
+              </a:rPr>
+              <a:t>32</a:t>
+            </a:r>
+            <a:r>
+              <a:rPr>
+                <a:latin typeface="Courier"/>
+              </a:rPr>
+              <a:t>, </a:t>
+            </a:r>
+            <a:r>
+              <a:rPr>
+                <a:solidFill>
+                  <a:srgbClr val="40A070"/>
+                </a:solidFill>
+                <a:latin typeface="Courier"/>
+              </a:rPr>
+              <a:t>67</a:t>
+            </a:r>
+            <a:r>
+              <a:rPr>
+                <a:latin typeface="Courier"/>
+              </a:rPr>
+              <a:t>, </a:t>
+            </a:r>
+            <a:r>
+              <a:rPr>
+                <a:solidFill>
+                  <a:srgbClr val="40A070"/>
+                </a:solidFill>
+                <a:latin typeface="Courier"/>
+              </a:rPr>
+              <a:t>46</a:t>
+            </a:r>
+            <a:r>
+              <a:rPr>
+                <a:latin typeface="Courier"/>
+              </a:rPr>
+              <a:t>, </a:t>
+            </a:r>
+            <a:r>
+              <a:rPr>
+                <a:solidFill>
+                  <a:srgbClr val="40A070"/>
+                </a:solidFill>
+                <a:latin typeface="Courier"/>
+              </a:rPr>
+              <a:t>19</a:t>
+            </a:r>
+            <a:r>
+              <a:rPr>
+                <a:latin typeface="Courier"/>
+              </a:rPr>
+              <a:t>)</a:t>
+            </a:r>
+            <a:br/>
+            <a:r>
+              <a:rPr>
+                <a:latin typeface="Courier"/>
+              </a:rPr>
+              <a:t>age</a:t>
             </a:r>
           </a:p>
           <a:p>
@@ -11364,7 +11497,7 @@
               <a:rPr>
                 <a:latin typeface="Courier"/>
               </a:rPr>
-              <a:t>## [1] 25</a:t>
+              <a:t>## [1] 50 25 32 67 46 19</a:t>
             </a:r>
           </a:p>
           <a:p>
@@ -11378,29 +11511,141 @@
                 </a:solidFill>
                 <a:latin typeface="Courier"/>
               </a:rPr>
-              <a:t># The age of the fourth person.</a:t>
+              <a:t># Storing several peoples' names in one vector.</a:t>
             </a:r>
             <a:br/>
             <a:r>
               <a:rPr>
                 <a:latin typeface="Courier"/>
               </a:rPr>
-              <a:t>age[</a:t>
+              <a:t>name </a:t>
             </a:r>
             <a:r>
               <a:rPr>
                 <a:solidFill>
-                  <a:srgbClr val="40A070"/>
+                  <a:srgbClr val="007020"/>
                 </a:solidFill>
                 <a:latin typeface="Courier"/>
               </a:rPr>
-              <a:t>4</a:t>
-            </a:r>
-            <a:r>
-              <a:rPr>
-                <a:latin typeface="Courier"/>
-              </a:rPr>
-              <a:t>]</a:t>
+              <a:t>&lt;-</a:t>
+            </a:r>
+            <a:r>
+              <a:rPr>
+                <a:latin typeface="Courier"/>
+              </a:rPr>
+              <a:t> </a:t>
+            </a:r>
+            <a:r>
+              <a:rPr>
+                <a:solidFill>
+                  <a:srgbClr val="06287E"/>
+                </a:solidFill>
+                <a:latin typeface="Courier"/>
+              </a:rPr>
+              <a:t>c</a:t>
+            </a:r>
+            <a:r>
+              <a:rPr>
+                <a:latin typeface="Courier"/>
+              </a:rPr>
+              <a:t>(</a:t>
+            </a:r>
+            <a:r>
+              <a:rPr>
+                <a:solidFill>
+                  <a:srgbClr val="4070A0"/>
+                </a:solidFill>
+                <a:latin typeface="Courier"/>
+              </a:rPr>
+              <a:t>"Adam"</a:t>
+            </a:r>
+            <a:r>
+              <a:rPr>
+                <a:latin typeface="Courier"/>
+              </a:rPr>
+              <a:t>, </a:t>
+            </a:r>
+            <a:r>
+              <a:rPr>
+                <a:solidFill>
+                  <a:srgbClr val="4070A0"/>
+                </a:solidFill>
+                <a:latin typeface="Courier"/>
+              </a:rPr>
+              <a:t>"Sally"</a:t>
+            </a:r>
+            <a:r>
+              <a:rPr>
+                <a:latin typeface="Courier"/>
+              </a:rPr>
+              <a:t>, </a:t>
+            </a:r>
+            <a:r>
+              <a:rPr>
+                <a:solidFill>
+                  <a:srgbClr val="4070A0"/>
+                </a:solidFill>
+                <a:latin typeface="Courier"/>
+              </a:rPr>
+              <a:t>"Eve"</a:t>
+            </a:r>
+            <a:r>
+              <a:rPr>
+                <a:latin typeface="Courier"/>
+              </a:rPr>
+              <a:t>, </a:t>
+            </a:r>
+            <a:r>
+              <a:rPr>
+                <a:solidFill>
+                  <a:srgbClr val="4070A0"/>
+                </a:solidFill>
+                <a:latin typeface="Courier"/>
+              </a:rPr>
+              <a:t>"John"</a:t>
+            </a:r>
+            <a:r>
+              <a:rPr>
+                <a:latin typeface="Courier"/>
+              </a:rPr>
+              <a:t>, </a:t>
+            </a:r>
+            <a:r>
+              <a:rPr>
+                <a:solidFill>
+                  <a:srgbClr val="4070A0"/>
+                </a:solidFill>
+                <a:latin typeface="Courier"/>
+              </a:rPr>
+              <a:t>"James"</a:t>
+            </a:r>
+            <a:r>
+              <a:rPr>
+                <a:latin typeface="Courier"/>
+              </a:rPr>
+              <a:t>, </a:t>
+            </a:r>
+            <a:r>
+              <a:rPr>
+                <a:solidFill>
+                  <a:srgbClr val="4070A0"/>
+                </a:solidFill>
+                <a:latin typeface="Courier"/>
+              </a:rPr>
+              <a:t>"Jennifer"</a:t>
+            </a:r>
+            <a:r>
+              <a:rPr>
+                <a:latin typeface="Courier"/>
+              </a:rPr>
+              <a:t>)</a:t>
+            </a:r>
+            <a:br/>
+            <a:r>
+              <a:rPr>
+                <a:latin typeface="Courier"/>
+              </a:rPr>
+              <a:t>name</a:t>
             </a:r>
           </a:p>
           <a:p>
@@ -11411,54 +11656,7 @@
               <a:rPr>
                 <a:latin typeface="Courier"/>
               </a:rPr>
-              <a:t>## [1] 67</a:t>
-            </a:r>
-          </a:p>
-          <a:p>
-            <a:pPr lvl="0" indent="0">
-              <a:buNone/>
-            </a:pPr>
-            <a:r>
-              <a:rPr i="1">
-                <a:solidFill>
-                  <a:srgbClr val="60A0B0"/>
-                </a:solidFill>
-                <a:latin typeface="Courier"/>
-              </a:rPr>
-              <a:t># The name of the fifth person.</a:t>
-            </a:r>
-            <a:br/>
-            <a:r>
-              <a:rPr>
-                <a:latin typeface="Courier"/>
-              </a:rPr>
-              <a:t>name[</a:t>
-            </a:r>
-            <a:r>
-              <a:rPr>
-                <a:solidFill>
-                  <a:srgbClr val="40A070"/>
-                </a:solidFill>
-                <a:latin typeface="Courier"/>
-              </a:rPr>
-              <a:t>5</a:t>
-            </a:r>
-            <a:r>
-              <a:rPr>
-                <a:latin typeface="Courier"/>
-              </a:rPr>
-              <a:t>]</a:t>
-            </a:r>
-          </a:p>
-          <a:p>
-            <a:pPr lvl="0" indent="0">
-              <a:buNone/>
-            </a:pPr>
-            <a:r>
-              <a:rPr>
-                <a:latin typeface="Courier"/>
-              </a:rPr>
-              <a:t>## [1] "James"</a:t>
+              <a:t>## [1] "Adam"     "Sally"    "Eve"      "John"     "James"    "Jennifer"</a:t>
             </a:r>
           </a:p>
         </p:txBody>
@@ -11511,39 +11709,39 @@
             </a:pPr>
             <a:r>
               <a:rPr/>
-              <a:t>Exercise:</a:t>
-            </a:r>
-            <a:r>
-              <a:rPr/>
-              <a:t> </a:t>
-            </a:r>
-            <a:r>
-              <a:rPr/>
-              <a:t>Vectors</a:t>
-            </a:r>
-            <a:r>
-              <a:rPr/>
-              <a:t> </a:t>
-            </a:r>
-            <a:r>
-              <a:rPr/>
-              <a:t>-</a:t>
-            </a:r>
-            <a:r>
-              <a:rPr/>
-              <a:t> </a:t>
-            </a:r>
-            <a:r>
-              <a:rPr/>
-              <a:t>other</a:t>
-            </a:r>
-            <a:r>
-              <a:rPr/>
-              <a:t> </a:t>
-            </a:r>
-            <a:r>
-              <a:rPr/>
-              <a:t>properties</a:t>
+              <a:t>Recalling</a:t>
+            </a:r>
+            <a:r>
+              <a:rPr/>
+              <a:t> </a:t>
+            </a:r>
+            <a:r>
+              <a:rPr/>
+              <a:t>elements</a:t>
+            </a:r>
+            <a:r>
+              <a:rPr/>
+              <a:t> </a:t>
+            </a:r>
+            <a:r>
+              <a:rPr/>
+              <a:t>of</a:t>
+            </a:r>
+            <a:r>
+              <a:rPr/>
+              <a:t> </a:t>
+            </a:r>
+            <a:r>
+              <a:rPr/>
+              <a:t>a</a:t>
+            </a:r>
+            <a:r>
+              <a:rPr/>
+              <a:t> </a:t>
+            </a:r>
+            <a:r>
+              <a:rPr/>
+              <a:t>vector</a:t>
             </a:r>
           </a:p>
         </p:txBody>
@@ -11572,41 +11770,24 @@
             <a:pPr lvl="1"/>
             <a:r>
               <a:rPr/>
-              <a:t>Remember, vectors contain elements of the same data type.</a:t>
+              <a:t>R creates an index for each element of the vector.</a:t>
             </a:r>
           </a:p>
           <a:p>
             <a:pPr lvl="1"/>
             <a:r>
               <a:rPr/>
-              <a:t>Thus, what would happen if we were to add a value of </a:t>
-            </a:r>
-            <a:r>
-              <a:rPr>
-                <a:latin typeface="Courier"/>
-              </a:rPr>
-              <a:t>TRUE</a:t>
-            </a:r>
-            <a:r>
-              <a:rPr/>
-              <a:t> to a vector of integers?</a:t>
-            </a:r>
-          </a:p>
-          <a:p>
-            <a:pPr lvl="1"/>
-            <a:r>
-              <a:rPr/>
-              <a:t>Use </a:t>
-            </a:r>
-            <a:r>
-              <a:rPr>
-                <a:latin typeface="Courier"/>
-              </a:rPr>
-              <a:t>class()</a:t>
-            </a:r>
-            <a:r>
-              <a:rPr/>
-              <a:t> to examine the class of the vector. What has happened?</a:t>
+              <a:t>It allocates a number to each element within the vector from left to right, starting with </a:t>
+            </a:r>
+            <a:r>
+              <a:rPr>
+                <a:latin typeface="Courier"/>
+              </a:rPr>
+              <a:t>1</a:t>
+            </a:r>
+            <a:r>
+              <a:rPr/>
+              <a:t>.</a:t>
             </a:r>
           </a:p>
           <a:p>
@@ -11620,44 +11801,14 @@
                 </a:solidFill>
                 <a:latin typeface="Courier"/>
               </a:rPr>
-              <a:t># Add a value of TRUE to a vector of integers </a:t>
+              <a:t># The age of the second person.</a:t>
             </a:r>
             <a:br/>
             <a:r>
               <a:rPr>
                 <a:latin typeface="Courier"/>
               </a:rPr>
-              <a:t>test </a:t>
-            </a:r>
-            <a:r>
-              <a:rPr>
-                <a:solidFill>
-                  <a:srgbClr val="007020"/>
-                </a:solidFill>
-                <a:latin typeface="Courier"/>
-              </a:rPr>
-              <a:t>&lt;-</a:t>
-            </a:r>
-            <a:r>
-              <a:rPr>
-                <a:latin typeface="Courier"/>
-              </a:rPr>
-              <a:t> </a:t>
-            </a:r>
-            <a:r>
-              <a:rPr>
-                <a:solidFill>
-                  <a:srgbClr val="06287E"/>
-                </a:solidFill>
-                <a:latin typeface="Courier"/>
-              </a:rPr>
-              <a:t>c</a:t>
-            </a:r>
-            <a:r>
-              <a:rPr>
-                <a:latin typeface="Courier"/>
-              </a:rPr>
-              <a:t>(</a:t>
+              <a:t>age[</a:t>
             </a:r>
             <a:r>
               <a:rPr>
@@ -11666,13 +11817,45 @@
                 </a:solidFill>
                 <a:latin typeface="Courier"/>
               </a:rPr>
-              <a:t>1</a:t>
-            </a:r>
-            <a:r>
-              <a:rPr>
-                <a:latin typeface="Courier"/>
-              </a:rPr>
-              <a:t>, </a:t>
+              <a:t>2</a:t>
+            </a:r>
+            <a:r>
+              <a:rPr>
+                <a:latin typeface="Courier"/>
+              </a:rPr>
+              <a:t>]</a:t>
+            </a:r>
+          </a:p>
+          <a:p>
+            <a:pPr lvl="0" indent="0">
+              <a:buNone/>
+            </a:pPr>
+            <a:r>
+              <a:rPr>
+                <a:latin typeface="Courier"/>
+              </a:rPr>
+              <a:t>## [1] 25</a:t>
+            </a:r>
+          </a:p>
+          <a:p>
+            <a:pPr lvl="0" indent="0">
+              <a:buNone/>
+            </a:pPr>
+            <a:r>
+              <a:rPr i="1">
+                <a:solidFill>
+                  <a:srgbClr val="60A0B0"/>
+                </a:solidFill>
+                <a:latin typeface="Courier"/>
+              </a:rPr>
+              <a:t># The age of the fourth person.</a:t>
+            </a:r>
+            <a:br/>
+            <a:r>
+              <a:rPr>
+                <a:latin typeface="Courier"/>
+              </a:rPr>
+              <a:t>age[</a:t>
             </a:r>
             <a:r>
               <a:rPr>
@@ -11681,13 +11864,45 @@
                 </a:solidFill>
                 <a:latin typeface="Courier"/>
               </a:rPr>
-              <a:t>2</a:t>
-            </a:r>
-            <a:r>
-              <a:rPr>
-                <a:latin typeface="Courier"/>
-              </a:rPr>
-              <a:t>, </a:t>
+              <a:t>4</a:t>
+            </a:r>
+            <a:r>
+              <a:rPr>
+                <a:latin typeface="Courier"/>
+              </a:rPr>
+              <a:t>]</a:t>
+            </a:r>
+          </a:p>
+          <a:p>
+            <a:pPr lvl="0" indent="0">
+              <a:buNone/>
+            </a:pPr>
+            <a:r>
+              <a:rPr>
+                <a:latin typeface="Courier"/>
+              </a:rPr>
+              <a:t>## [1] 67</a:t>
+            </a:r>
+          </a:p>
+          <a:p>
+            <a:pPr lvl="0" indent="0">
+              <a:buNone/>
+            </a:pPr>
+            <a:r>
+              <a:rPr i="1">
+                <a:solidFill>
+                  <a:srgbClr val="60A0B0"/>
+                </a:solidFill>
+                <a:latin typeface="Courier"/>
+              </a:rPr>
+              <a:t># The name of the fifth person.</a:t>
+            </a:r>
+            <a:br/>
+            <a:r>
+              <a:rPr>
+                <a:latin typeface="Courier"/>
+              </a:rPr>
+              <a:t>name[</a:t>
             </a:r>
             <a:r>
               <a:rPr>
@@ -11696,43 +11911,24 @@
                 </a:solidFill>
                 <a:latin typeface="Courier"/>
               </a:rPr>
-              <a:t>3</a:t>
-            </a:r>
-            <a:r>
-              <a:rPr>
-                <a:latin typeface="Courier"/>
-              </a:rPr>
-              <a:t>, </a:t>
-            </a:r>
-            <a:r>
-              <a:rPr>
-                <a:solidFill>
-                  <a:srgbClr val="40A070"/>
-                </a:solidFill>
-                <a:latin typeface="Courier"/>
-              </a:rPr>
-              <a:t>4</a:t>
-            </a:r>
-            <a:r>
-              <a:rPr>
-                <a:latin typeface="Courier"/>
-              </a:rPr>
-              <a:t>, </a:t>
-            </a:r>
-            <a:r>
-              <a:rPr>
-                <a:solidFill>
-                  <a:srgbClr val="880000"/>
-                </a:solidFill>
-                <a:latin typeface="Courier"/>
-              </a:rPr>
-              <a:t>TRUE</a:t>
-            </a:r>
-            <a:r>
-              <a:rPr>
-                <a:latin typeface="Courier"/>
-              </a:rPr>
-              <a:t>)</a:t>
+              <a:t>5</a:t>
+            </a:r>
+            <a:r>
+              <a:rPr>
+                <a:latin typeface="Courier"/>
+              </a:rPr>
+              <a:t>]</a:t>
+            </a:r>
+          </a:p>
+          <a:p>
+            <a:pPr lvl="0" indent="0">
+              <a:buNone/>
+            </a:pPr>
+            <a:r>
+              <a:rPr>
+                <a:latin typeface="Courier"/>
+              </a:rPr>
+              <a:t>## [1] "James"</a:t>
             </a:r>
           </a:p>
         </p:txBody>
@@ -11785,7 +11981,7 @@
             </a:pPr>
             <a:r>
               <a:rPr/>
-              <a:t>Solution:</a:t>
+              <a:t>Exercise:</a:t>
             </a:r>
             <a:r>
               <a:rPr/>
@@ -11843,6 +12039,47 @@
           <a:bodyPr/>
           <a:lstStyle/>
           <a:p>
+            <a:pPr lvl="1"/>
+            <a:r>
+              <a:rPr/>
+              <a:t>Remember, vectors contain elements of the same data type.</a:t>
+            </a:r>
+          </a:p>
+          <a:p>
+            <a:pPr lvl="1"/>
+            <a:r>
+              <a:rPr/>
+              <a:t>Thus, what would happen if we were to add a value of </a:t>
+            </a:r>
+            <a:r>
+              <a:rPr>
+                <a:latin typeface="Courier"/>
+              </a:rPr>
+              <a:t>TRUE</a:t>
+            </a:r>
+            <a:r>
+              <a:rPr/>
+              <a:t> to a vector of integers?</a:t>
+            </a:r>
+          </a:p>
+          <a:p>
+            <a:pPr lvl="1"/>
+            <a:r>
+              <a:rPr/>
+              <a:t>Use </a:t>
+            </a:r>
+            <a:r>
+              <a:rPr>
+                <a:latin typeface="Courier"/>
+              </a:rPr>
+              <a:t>class()</a:t>
+            </a:r>
+            <a:r>
+              <a:rPr/>
+              <a:t> to examine the class of the vector. What has happened?</a:t>
+            </a:r>
+          </a:p>
+          <a:p>
             <a:pPr lvl="0" indent="0">
               <a:buNone/>
             </a:pPr>
@@ -11853,41 +12090,30 @@
                 </a:solidFill>
                 <a:latin typeface="Courier"/>
               </a:rPr>
-              <a:t># Recall the vector</a:t>
+              <a:t># Add a value of TRUE to a vector of integers </a:t>
             </a:r>
             <a:br/>
             <a:r>
               <a:rPr>
                 <a:latin typeface="Courier"/>
               </a:rPr>
-              <a:t>test</a:t>
-            </a:r>
-          </a:p>
-          <a:p>
-            <a:pPr lvl="0" indent="0">
-              <a:buNone/>
-            </a:pPr>
-            <a:r>
-              <a:rPr>
-                <a:latin typeface="Courier"/>
-              </a:rPr>
-              <a:t>## [1] 1 2 3 4 1</a:t>
-            </a:r>
-          </a:p>
-          <a:p>
-            <a:pPr lvl="0" indent="0">
-              <a:buNone/>
-            </a:pPr>
-            <a:r>
-              <a:rPr i="1">
+              <a:t>test </a:t>
+            </a:r>
+            <a:r>
+              <a:rPr>
                 <a:solidFill>
-                  <a:srgbClr val="60A0B0"/>
+                  <a:srgbClr val="007020"/>
                 </a:solidFill>
                 <a:latin typeface="Courier"/>
               </a:rPr>
-              <a:t># Examine the class of the vector</a:t>
-            </a:r>
-            <a:br/>
+              <a:t>&lt;-</a:t>
+            </a:r>
+            <a:r>
+              <a:rPr>
+                <a:latin typeface="Courier"/>
+              </a:rPr>
+              <a:t> </a:t>
+            </a:r>
             <a:r>
               <a:rPr>
                 <a:solidFill>
@@ -11895,75 +12121,88 @@
                 </a:solidFill>
                 <a:latin typeface="Courier"/>
               </a:rPr>
-              <a:t>class</a:t>
-            </a:r>
-            <a:r>
-              <a:rPr>
-                <a:latin typeface="Courier"/>
-              </a:rPr>
-              <a:t>(test)</a:t>
-            </a:r>
-          </a:p>
-          <a:p>
-            <a:pPr lvl="0" indent="0">
-              <a:buNone/>
-            </a:pPr>
-            <a:r>
-              <a:rPr>
-                <a:latin typeface="Courier"/>
-              </a:rPr>
-              <a:t>## [1] "numeric"</a:t>
-            </a:r>
-          </a:p>
-          <a:p>
-            <a:pPr lvl="1"/>
-            <a:r>
-              <a:rPr/>
-              <a:t>The value of </a:t>
-            </a:r>
-            <a:r>
-              <a:rPr>
+              <a:t>c</a:t>
+            </a:r>
+            <a:r>
+              <a:rPr>
+                <a:latin typeface="Courier"/>
+              </a:rPr>
+              <a:t>(</a:t>
+            </a:r>
+            <a:r>
+              <a:rPr>
+                <a:solidFill>
+                  <a:srgbClr val="40A070"/>
+                </a:solidFill>
+                <a:latin typeface="Courier"/>
+              </a:rPr>
+              <a:t>1</a:t>
+            </a:r>
+            <a:r>
+              <a:rPr>
+                <a:latin typeface="Courier"/>
+              </a:rPr>
+              <a:t>, </a:t>
+            </a:r>
+            <a:r>
+              <a:rPr>
+                <a:solidFill>
+                  <a:srgbClr val="40A070"/>
+                </a:solidFill>
+                <a:latin typeface="Courier"/>
+              </a:rPr>
+              <a:t>2</a:t>
+            </a:r>
+            <a:r>
+              <a:rPr>
+                <a:latin typeface="Courier"/>
+              </a:rPr>
+              <a:t>, </a:t>
+            </a:r>
+            <a:r>
+              <a:rPr>
+                <a:solidFill>
+                  <a:srgbClr val="40A070"/>
+                </a:solidFill>
+                <a:latin typeface="Courier"/>
+              </a:rPr>
+              <a:t>3</a:t>
+            </a:r>
+            <a:r>
+              <a:rPr>
+                <a:latin typeface="Courier"/>
+              </a:rPr>
+              <a:t>, </a:t>
+            </a:r>
+            <a:r>
+              <a:rPr>
+                <a:solidFill>
+                  <a:srgbClr val="40A070"/>
+                </a:solidFill>
+                <a:latin typeface="Courier"/>
+              </a:rPr>
+              <a:t>4</a:t>
+            </a:r>
+            <a:r>
+              <a:rPr>
+                <a:latin typeface="Courier"/>
+              </a:rPr>
+              <a:t>, </a:t>
+            </a:r>
+            <a:r>
+              <a:rPr>
+                <a:solidFill>
+                  <a:srgbClr val="880000"/>
+                </a:solidFill>
                 <a:latin typeface="Courier"/>
               </a:rPr>
               <a:t>TRUE</a:t>
             </a:r>
             <a:r>
-              <a:rPr/>
-              <a:t> has been changed to 1.</a:t>
-            </a:r>
-          </a:p>
-          <a:p>
-            <a:pPr lvl="1"/>
-            <a:r>
-              <a:rPr/>
-              <a:t>The vector is still a numeric vector.</a:t>
-            </a:r>
-          </a:p>
-          <a:p>
-            <a:pPr lvl="1"/>
-            <a:r>
-              <a:rPr/>
-              <a:t>This is because logical vectors (i.e. </a:t>
-            </a:r>
-            <a:r>
-              <a:rPr>
-                <a:latin typeface="Courier"/>
-              </a:rPr>
-              <a:t>TRUE</a:t>
-            </a:r>
-            <a:r>
-              <a:rPr/>
-              <a:t>/</a:t>
-            </a:r>
-            <a:r>
-              <a:rPr>
-                <a:latin typeface="Courier"/>
-              </a:rPr>
-              <a:t>FALSE</a:t>
-            </a:r>
-            <a:r>
-              <a:rPr/>
-              <a:t>) can be coded in a binary format (1/0).</a:t>
+              <a:rPr>
+                <a:latin typeface="Courier"/>
+              </a:rPr>
+              <a:t>)</a:t>
             </a:r>
           </a:p>
         </p:txBody>
@@ -12145,7 +12384,7 @@
             </a:pPr>
             <a:r>
               <a:rPr/>
-              <a:t>Exercise:</a:t>
+              <a:t>Solution:</a:t>
             </a:r>
             <a:r>
               <a:rPr/>
@@ -12203,37 +12442,51 @@
           <a:bodyPr/>
           <a:lstStyle/>
           <a:p>
-            <a:pPr lvl="1"/>
-            <a:r>
-              <a:rPr/>
-              <a:t>Add a character variable to a vector of integers.</a:t>
-            </a:r>
-          </a:p>
-          <a:p>
             <a:pPr lvl="0" indent="0">
               <a:buNone/>
             </a:pPr>
             <a:r>
-              <a:rPr>
-                <a:latin typeface="Courier"/>
-              </a:rPr>
-              <a:t>test2 </a:t>
-            </a:r>
-            <a:r>
-              <a:rPr>
+              <a:rPr i="1">
                 <a:solidFill>
-                  <a:srgbClr val="007020"/>
+                  <a:srgbClr val="60A0B0"/>
                 </a:solidFill>
                 <a:latin typeface="Courier"/>
               </a:rPr>
-              <a:t>&lt;-</a:t>
-            </a:r>
-            <a:r>
-              <a:rPr>
-                <a:latin typeface="Courier"/>
-              </a:rPr>
-              <a:t> </a:t>
-            </a:r>
+              <a:t># Recall the vector</a:t>
+            </a:r>
+            <a:br/>
+            <a:r>
+              <a:rPr>
+                <a:latin typeface="Courier"/>
+              </a:rPr>
+              <a:t>test</a:t>
+            </a:r>
+          </a:p>
+          <a:p>
+            <a:pPr lvl="0" indent="0">
+              <a:buNone/>
+            </a:pPr>
+            <a:r>
+              <a:rPr>
+                <a:latin typeface="Courier"/>
+              </a:rPr>
+              <a:t>## [1] 1 2 3 4 1</a:t>
+            </a:r>
+          </a:p>
+          <a:p>
+            <a:pPr lvl="0" indent="0">
+              <a:buNone/>
+            </a:pPr>
+            <a:r>
+              <a:rPr i="1">
+                <a:solidFill>
+                  <a:srgbClr val="60A0B0"/>
+                </a:solidFill>
+                <a:latin typeface="Courier"/>
+              </a:rPr>
+              <a:t># Examine the class of the vector</a:t>
+            </a:r>
+            <a:br/>
             <a:r>
               <a:rPr>
                 <a:solidFill>
@@ -12241,105 +12494,75 @@
                 </a:solidFill>
                 <a:latin typeface="Courier"/>
               </a:rPr>
-              <a:t>c</a:t>
-            </a:r>
-            <a:r>
-              <a:rPr>
-                <a:latin typeface="Courier"/>
-              </a:rPr>
-              <a:t>(</a:t>
-            </a:r>
-            <a:r>
-              <a:rPr>
-                <a:solidFill>
-                  <a:srgbClr val="40A070"/>
-                </a:solidFill>
-                <a:latin typeface="Courier"/>
-              </a:rPr>
-              <a:t>1</a:t>
-            </a:r>
-            <a:r>
-              <a:rPr>
-                <a:latin typeface="Courier"/>
-              </a:rPr>
-              <a:t>, </a:t>
-            </a:r>
-            <a:r>
-              <a:rPr>
-                <a:solidFill>
-                  <a:srgbClr val="40A070"/>
-                </a:solidFill>
-                <a:latin typeface="Courier"/>
-              </a:rPr>
-              <a:t>2</a:t>
-            </a:r>
-            <a:r>
-              <a:rPr>
-                <a:latin typeface="Courier"/>
-              </a:rPr>
-              <a:t>, </a:t>
-            </a:r>
-            <a:r>
-              <a:rPr>
-                <a:solidFill>
-                  <a:srgbClr val="40A070"/>
-                </a:solidFill>
-                <a:latin typeface="Courier"/>
-              </a:rPr>
-              <a:t>3</a:t>
-            </a:r>
-            <a:r>
-              <a:rPr>
-                <a:latin typeface="Courier"/>
-              </a:rPr>
-              <a:t>, </a:t>
-            </a:r>
-            <a:r>
-              <a:rPr>
-                <a:solidFill>
-                  <a:srgbClr val="40A070"/>
-                </a:solidFill>
-                <a:latin typeface="Courier"/>
-              </a:rPr>
-              <a:t>4</a:t>
-            </a:r>
-            <a:r>
-              <a:rPr>
-                <a:latin typeface="Courier"/>
-              </a:rPr>
-              <a:t>, </a:t>
-            </a:r>
-            <a:r>
-              <a:rPr>
-                <a:solidFill>
-                  <a:srgbClr val="4070A0"/>
-                </a:solidFill>
-                <a:latin typeface="Courier"/>
-              </a:rPr>
-              <a:t>"hi"</a:t>
-            </a:r>
-            <a:r>
-              <a:rPr>
-                <a:latin typeface="Courier"/>
-              </a:rPr>
-              <a:t>)</a:t>
+              <a:t>class</a:t>
+            </a:r>
+            <a:r>
+              <a:rPr>
+                <a:latin typeface="Courier"/>
+              </a:rPr>
+              <a:t>(test)</a:t>
+            </a:r>
+          </a:p>
+          <a:p>
+            <a:pPr lvl="0" indent="0">
+              <a:buNone/>
+            </a:pPr>
+            <a:r>
+              <a:rPr>
+                <a:latin typeface="Courier"/>
+              </a:rPr>
+              <a:t>## [1] "numeric"</a:t>
             </a:r>
           </a:p>
           <a:p>
             <a:pPr lvl="1"/>
             <a:r>
               <a:rPr/>
-              <a:t>Recall the vector and use </a:t>
-            </a:r>
-            <a:r>
-              <a:rPr>
-                <a:latin typeface="Courier"/>
-              </a:rPr>
-              <a:t>class()</a:t>
-            </a:r>
-            <a:r>
-              <a:rPr/>
-              <a:t> to examine the class of the vector. What has happened?</a:t>
+              <a:t>The value of </a:t>
+            </a:r>
+            <a:r>
+              <a:rPr>
+                <a:latin typeface="Courier"/>
+              </a:rPr>
+              <a:t>TRUE</a:t>
+            </a:r>
+            <a:r>
+              <a:rPr/>
+              <a:t> has been changed to 1.</a:t>
+            </a:r>
+          </a:p>
+          <a:p>
+            <a:pPr lvl="1"/>
+            <a:r>
+              <a:rPr/>
+              <a:t>The vector is still a numeric vector.</a:t>
+            </a:r>
+          </a:p>
+          <a:p>
+            <a:pPr lvl="1"/>
+            <a:r>
+              <a:rPr/>
+              <a:t>This is because logical vectors (i.e. </a:t>
+            </a:r>
+            <a:r>
+              <a:rPr>
+                <a:latin typeface="Courier"/>
+              </a:rPr>
+              <a:t>TRUE</a:t>
+            </a:r>
+            <a:r>
+              <a:rPr/>
+              <a:t>/</a:t>
+            </a:r>
+            <a:r>
+              <a:rPr>
+                <a:latin typeface="Courier"/>
+              </a:rPr>
+              <a:t>FALSE</a:t>
+            </a:r>
+            <a:r>
+              <a:rPr/>
+              <a:t>) can be coded in a binary format (1/0).</a:t>
             </a:r>
           </a:p>
         </p:txBody>
@@ -12392,7 +12615,7 @@
             </a:pPr>
             <a:r>
               <a:rPr/>
-              <a:t>Solution:</a:t>
+              <a:t>Exercise:</a:t>
             </a:r>
             <a:r>
               <a:rPr/>
@@ -12450,51 +12673,37 @@
           <a:bodyPr/>
           <a:lstStyle/>
           <a:p>
+            <a:pPr lvl="1"/>
+            <a:r>
+              <a:rPr/>
+              <a:t>Add a character variable to a vector of integers.</a:t>
+            </a:r>
+          </a:p>
+          <a:p>
             <a:pPr lvl="0" indent="0">
               <a:buNone/>
             </a:pPr>
             <a:r>
-              <a:rPr i="1">
+              <a:rPr>
+                <a:latin typeface="Courier"/>
+              </a:rPr>
+              <a:t>test2 </a:t>
+            </a:r>
+            <a:r>
+              <a:rPr>
                 <a:solidFill>
-                  <a:srgbClr val="60A0B0"/>
+                  <a:srgbClr val="007020"/>
                 </a:solidFill>
                 <a:latin typeface="Courier"/>
               </a:rPr>
-              <a:t># Recall the vector</a:t>
-            </a:r>
-            <a:br/>
-            <a:r>
-              <a:rPr>
-                <a:latin typeface="Courier"/>
-              </a:rPr>
-              <a:t>test2</a:t>
-            </a:r>
-          </a:p>
-          <a:p>
-            <a:pPr lvl="0" indent="0">
-              <a:buNone/>
-            </a:pPr>
-            <a:r>
-              <a:rPr>
-                <a:latin typeface="Courier"/>
-              </a:rPr>
-              <a:t>## [1] "1"  "2"  "3"  "4"  "hi"</a:t>
-            </a:r>
-          </a:p>
-          <a:p>
-            <a:pPr lvl="0" indent="0">
-              <a:buNone/>
-            </a:pPr>
-            <a:r>
-              <a:rPr i="1">
-                <a:solidFill>
-                  <a:srgbClr val="60A0B0"/>
-                </a:solidFill>
-                <a:latin typeface="Courier"/>
-              </a:rPr>
-              <a:t># Examine the class of the vector</a:t>
-            </a:r>
-            <a:br/>
+              <a:t>&lt;-</a:t>
+            </a:r>
+            <a:r>
+              <a:rPr>
+                <a:latin typeface="Courier"/>
+              </a:rPr>
+              <a:t> </a:t>
+            </a:r>
             <a:r>
               <a:rPr>
                 <a:solidFill>
@@ -12502,38 +12711,105 @@
                 </a:solidFill>
                 <a:latin typeface="Courier"/>
               </a:rPr>
-              <a:t>class</a:t>
-            </a:r>
-            <a:r>
-              <a:rPr>
-                <a:latin typeface="Courier"/>
-              </a:rPr>
-              <a:t>(test2)</a:t>
-            </a:r>
-          </a:p>
-          <a:p>
-            <a:pPr lvl="0" indent="0">
-              <a:buNone/>
-            </a:pPr>
-            <a:r>
-              <a:rPr>
-                <a:latin typeface="Courier"/>
-              </a:rPr>
-              <a:t>## [1] "character"</a:t>
+              <a:t>c</a:t>
+            </a:r>
+            <a:r>
+              <a:rPr>
+                <a:latin typeface="Courier"/>
+              </a:rPr>
+              <a:t>(</a:t>
+            </a:r>
+            <a:r>
+              <a:rPr>
+                <a:solidFill>
+                  <a:srgbClr val="40A070"/>
+                </a:solidFill>
+                <a:latin typeface="Courier"/>
+              </a:rPr>
+              <a:t>1</a:t>
+            </a:r>
+            <a:r>
+              <a:rPr>
+                <a:latin typeface="Courier"/>
+              </a:rPr>
+              <a:t>, </a:t>
+            </a:r>
+            <a:r>
+              <a:rPr>
+                <a:solidFill>
+                  <a:srgbClr val="40A070"/>
+                </a:solidFill>
+                <a:latin typeface="Courier"/>
+              </a:rPr>
+              <a:t>2</a:t>
+            </a:r>
+            <a:r>
+              <a:rPr>
+                <a:latin typeface="Courier"/>
+              </a:rPr>
+              <a:t>, </a:t>
+            </a:r>
+            <a:r>
+              <a:rPr>
+                <a:solidFill>
+                  <a:srgbClr val="40A070"/>
+                </a:solidFill>
+                <a:latin typeface="Courier"/>
+              </a:rPr>
+              <a:t>3</a:t>
+            </a:r>
+            <a:r>
+              <a:rPr>
+                <a:latin typeface="Courier"/>
+              </a:rPr>
+              <a:t>, </a:t>
+            </a:r>
+            <a:r>
+              <a:rPr>
+                <a:solidFill>
+                  <a:srgbClr val="40A070"/>
+                </a:solidFill>
+                <a:latin typeface="Courier"/>
+              </a:rPr>
+              <a:t>4</a:t>
+            </a:r>
+            <a:r>
+              <a:rPr>
+                <a:latin typeface="Courier"/>
+              </a:rPr>
+              <a:t>, </a:t>
+            </a:r>
+            <a:r>
+              <a:rPr>
+                <a:solidFill>
+                  <a:srgbClr val="4070A0"/>
+                </a:solidFill>
+                <a:latin typeface="Courier"/>
+              </a:rPr>
+              <a:t>"hi"</a:t>
+            </a:r>
+            <a:r>
+              <a:rPr>
+                <a:latin typeface="Courier"/>
+              </a:rPr>
+              <a:t>)</a:t>
             </a:r>
           </a:p>
           <a:p>
             <a:pPr lvl="1"/>
             <a:r>
               <a:rPr/>
-              <a:t>The character variable has been added on to the end of the vector.</a:t>
-            </a:r>
-          </a:p>
-          <a:p>
-            <a:pPr lvl="1"/>
-            <a:r>
-              <a:rPr/>
-              <a:t>The vector is now a character vector.</a:t>
+              <a:t>Recall the vector and use </a:t>
+            </a:r>
+            <a:r>
+              <a:rPr>
+                <a:latin typeface="Courier"/>
+              </a:rPr>
+              <a:t>class()</a:t>
+            </a:r>
+            <a:r>
+              <a:rPr/>
+              <a:t> to examine the class of the vector. What has happened?</a:t>
             </a:r>
           </a:p>
         </p:txBody>
@@ -12586,15 +12862,39 @@
             </a:pPr>
             <a:r>
               <a:rPr/>
-              <a:t>Data</a:t>
-            </a:r>
-            <a:r>
-              <a:rPr/>
-              <a:t> </a:t>
-            </a:r>
-            <a:r>
-              <a:rPr/>
-              <a:t>frames</a:t>
+              <a:t>Solution:</a:t>
+            </a:r>
+            <a:r>
+              <a:rPr/>
+              <a:t> </a:t>
+            </a:r>
+            <a:r>
+              <a:rPr/>
+              <a:t>Vectors</a:t>
+            </a:r>
+            <a:r>
+              <a:rPr/>
+              <a:t> </a:t>
+            </a:r>
+            <a:r>
+              <a:rPr/>
+              <a:t>-</a:t>
+            </a:r>
+            <a:r>
+              <a:rPr/>
+              <a:t> </a:t>
+            </a:r>
+            <a:r>
+              <a:rPr/>
+              <a:t>other</a:t>
+            </a:r>
+            <a:r>
+              <a:rPr/>
+              <a:t> </a:t>
+            </a:r>
+            <a:r>
+              <a:rPr/>
+              <a:t>properties</a:t>
             </a:r>
           </a:p>
         </p:txBody>
@@ -12620,48 +12920,90 @@
           <a:bodyPr/>
           <a:lstStyle/>
           <a:p>
+            <a:pPr lvl="0" indent="0">
+              <a:buNone/>
+            </a:pPr>
+            <a:r>
+              <a:rPr i="1">
+                <a:solidFill>
+                  <a:srgbClr val="60A0B0"/>
+                </a:solidFill>
+                <a:latin typeface="Courier"/>
+              </a:rPr>
+              <a:t># Recall the vector</a:t>
+            </a:r>
+            <a:br/>
+            <a:r>
+              <a:rPr>
+                <a:latin typeface="Courier"/>
+              </a:rPr>
+              <a:t>test2</a:t>
+            </a:r>
+          </a:p>
+          <a:p>
+            <a:pPr lvl="0" indent="0">
+              <a:buNone/>
+            </a:pPr>
+            <a:r>
+              <a:rPr>
+                <a:latin typeface="Courier"/>
+              </a:rPr>
+              <a:t>## [1] "1"  "2"  "3"  "4"  "hi"</a:t>
+            </a:r>
+          </a:p>
+          <a:p>
+            <a:pPr lvl="0" indent="0">
+              <a:buNone/>
+            </a:pPr>
+            <a:r>
+              <a:rPr i="1">
+                <a:solidFill>
+                  <a:srgbClr val="60A0B0"/>
+                </a:solidFill>
+                <a:latin typeface="Courier"/>
+              </a:rPr>
+              <a:t># Examine the class of the vector</a:t>
+            </a:r>
+            <a:br/>
+            <a:r>
+              <a:rPr>
+                <a:solidFill>
+                  <a:srgbClr val="06287E"/>
+                </a:solidFill>
+                <a:latin typeface="Courier"/>
+              </a:rPr>
+              <a:t>class</a:t>
+            </a:r>
+            <a:r>
+              <a:rPr>
+                <a:latin typeface="Courier"/>
+              </a:rPr>
+              <a:t>(test2)</a:t>
+            </a:r>
+          </a:p>
+          <a:p>
+            <a:pPr lvl="0" indent="0">
+              <a:buNone/>
+            </a:pPr>
+            <a:r>
+              <a:rPr>
+                <a:latin typeface="Courier"/>
+              </a:rPr>
+              <a:t>## [1] "character"</a:t>
+            </a:r>
+          </a:p>
+          <a:p>
             <a:pPr lvl="1"/>
             <a:r>
               <a:rPr/>
-              <a:t>You are already familiar with data frames</a:t>
-            </a:r>
-          </a:p>
-          <a:p>
-            <a:pPr lvl="0" indent="0">
-              <a:buNone/>
-            </a:pPr>
-            <a:r>
-              <a:rPr>
-                <a:latin typeface="Courier"/>
-              </a:rPr>
-              <a:t>##       name age gender
-## 1     Adam  50   male
-## 2    Sally  25 female
-## 3      Eve  32 female
-## 4     John  67   male
-## 5    James  46   male
-## 6 Jennifer  19 female</a:t>
+              <a:t>The character variable has been added on to the end of the vector.</a:t>
             </a:r>
           </a:p>
           <a:p>
             <a:pPr lvl="1"/>
             <a:r>
               <a:rPr/>
-              <a:t>A data frame is a series of vectors aligned to form a table</a:t>
-            </a:r>
-          </a:p>
-          <a:p>
-            <a:pPr lvl="1"/>
-            <a:r>
-              <a:rPr/>
-              <a:t>Each vector becomes a column in the table</a:t>
-            </a:r>
-          </a:p>
-          <a:p>
-            <a:pPr lvl="1"/>
-            <a:r>
-              <a:rPr/>
-              <a:t>A properly formatted excel spreadsheet is essentially a data frame</a:t>
+              <a:t>The vector is now a character vector.</a:t>
             </a:r>
           </a:p>
         </p:txBody>
@@ -12714,39 +13056,15 @@
             </a:pPr>
             <a:r>
               <a:rPr/>
-              <a:t>Exercise:</a:t>
-            </a:r>
-            <a:r>
-              <a:rPr/>
-              <a:t> </a:t>
-            </a:r>
-            <a:r>
-              <a:rPr/>
-              <a:t>Creating</a:t>
-            </a:r>
-            <a:r>
-              <a:rPr/>
-              <a:t> </a:t>
-            </a:r>
-            <a:r>
-              <a:rPr/>
-              <a:t>a</a:t>
-            </a:r>
-            <a:r>
-              <a:rPr/>
-              <a:t> </a:t>
-            </a:r>
-            <a:r>
-              <a:rPr/>
-              <a:t>data</a:t>
-            </a:r>
-            <a:r>
-              <a:rPr/>
-              <a:t> </a:t>
-            </a:r>
-            <a:r>
-              <a:rPr/>
-              <a:t>frame</a:t>
+              <a:t>Data</a:t>
+            </a:r>
+            <a:r>
+              <a:rPr/>
+              <a:t> </a:t>
+            </a:r>
+            <a:r>
+              <a:rPr/>
+              <a:t>frames</a:t>
             </a:r>
           </a:p>
         </p:txBody>
@@ -12775,62 +13093,45 @@
             <a:pPr lvl="1"/>
             <a:r>
               <a:rPr/>
-              <a:t>Create and name vectors containing information about these 6 patients.</a:t>
-            </a:r>
-          </a:p>
-          <a:p>
-            <a:pPr lvl="2"/>
-            <a:r>
-              <a:rPr>
-                <a:latin typeface="Courier"/>
-              </a:rPr>
-              <a:t>Name: "Adam", "Sally", "Eve", "John", "James", "Jennifer"</a:t>
-            </a:r>
-          </a:p>
-          <a:p>
-            <a:pPr lvl="2"/>
-            <a:r>
-              <a:rPr>
-                <a:latin typeface="Courier"/>
-              </a:rPr>
-              <a:t>Age: 50, 25, 32, 67, 46, 19</a:t>
-            </a:r>
-          </a:p>
-          <a:p>
-            <a:pPr lvl="2"/>
-            <a:r>
-              <a:rPr>
-                <a:latin typeface="Courier"/>
-              </a:rPr>
-              <a:t>Gender: "male", "female", "female", "male", "male", "female"</a:t>
+              <a:t>You are already familiar with data frames</a:t>
+            </a:r>
+          </a:p>
+          <a:p>
+            <a:pPr lvl="0" indent="0">
+              <a:buNone/>
+            </a:pPr>
+            <a:r>
+              <a:rPr>
+                <a:latin typeface="Courier"/>
+              </a:rPr>
+              <a:t>##       name age gender
+## 1     Adam  50   male
+## 2    Sally  25 female
+## 3      Eve  32 female
+## 4     John  67   male
+## 5    James  46   male
+## 6 Jennifer  19 female</a:t>
             </a:r>
           </a:p>
           <a:p>
             <a:pPr lvl="1"/>
             <a:r>
               <a:rPr/>
-              <a:t>Quotation marks are not needed for object names in R, but are when your data is made up of characters e.g. “male”, “female”.</a:t>
+              <a:t>A data frame is a series of vectors aligned to form a table</a:t>
             </a:r>
           </a:p>
           <a:p>
             <a:pPr lvl="1"/>
             <a:r>
               <a:rPr/>
-              <a:t>As a rule:</a:t>
-            </a:r>
-          </a:p>
-          <a:p>
-            <a:pPr lvl="2"/>
-            <a:r>
-              <a:rPr/>
-              <a:t>Characters on the left side of the assignment operator. No quote marks.</a:t>
-            </a:r>
-          </a:p>
-          <a:p>
-            <a:pPr lvl="2"/>
-            <a:r>
-              <a:rPr/>
-              <a:t>Characters on the right side of the assignment operator. Use quote marks if storing letters.</a:t>
+              <a:t>Each vector becomes a column in the table</a:t>
+            </a:r>
+          </a:p>
+          <a:p>
+            <a:pPr lvl="1"/>
+            <a:r>
+              <a:rPr/>
+              <a:t>A properly formatted excel spreadsheet is essentially a data frame</a:t>
             </a:r>
           </a:p>
         </p:txBody>
@@ -12944,68 +13245,62 @@
             <a:pPr lvl="1"/>
             <a:r>
               <a:rPr/>
-              <a:t>Combine these vectors into a data frame using </a:t>
-            </a:r>
-            <a:r>
-              <a:rPr>
-                <a:latin typeface="Courier"/>
-              </a:rPr>
-              <a:t>data.frame()</a:t>
-            </a:r>
-            <a:r>
-              <a:rPr/>
-              <a:t>.</a:t>
+              <a:t>Create and name vectors containing information about these 6 patients.</a:t>
             </a:r>
           </a:p>
           <a:p>
             <a:pPr lvl="2"/>
             <a:r>
-              <a:rPr/>
-              <a:t>Hint, the vector names need to go inside the </a:t>
-            </a:r>
-            <a:r>
-              <a:rPr>
-                <a:latin typeface="Courier"/>
-              </a:rPr>
-              <a:t>()</a:t>
-            </a:r>
-            <a:r>
-              <a:rPr/>
-              <a:t>.</a:t>
+              <a:rPr>
+                <a:latin typeface="Courier"/>
+              </a:rPr>
+              <a:t>Name: "Adam", "Sally", "Eve", "John", "James", "Jennifer"</a:t>
+            </a:r>
+          </a:p>
+          <a:p>
+            <a:pPr lvl="2"/>
+            <a:r>
+              <a:rPr>
+                <a:latin typeface="Courier"/>
+              </a:rPr>
+              <a:t>Age: 50, 25, 32, 67, 46, 19</a:t>
+            </a:r>
+          </a:p>
+          <a:p>
+            <a:pPr lvl="2"/>
+            <a:r>
+              <a:rPr>
+                <a:latin typeface="Courier"/>
+              </a:rPr>
+              <a:t>Gender: "male", "female", "female", "male", "male", "female"</a:t>
             </a:r>
           </a:p>
           <a:p>
             <a:pPr lvl="1"/>
             <a:r>
               <a:rPr/>
-              <a:t>Save the data frame under the name </a:t>
-            </a:r>
-            <a:r>
-              <a:rPr>
-                <a:latin typeface="Courier"/>
-              </a:rPr>
-              <a:t>patients</a:t>
-            </a:r>
-            <a:r>
-              <a:rPr/>
-              <a:t>.</a:t>
+              <a:t>Quotation marks are not needed for object names in R, but are when your data is made up of characters e.g. “male”, “female”.</a:t>
             </a:r>
           </a:p>
           <a:p>
             <a:pPr lvl="1"/>
             <a:r>
               <a:rPr/>
-              <a:t>Print the data frame called </a:t>
-            </a:r>
-            <a:r>
-              <a:rPr>
-                <a:latin typeface="Courier"/>
-              </a:rPr>
-              <a:t>patients</a:t>
-            </a:r>
-            <a:r>
-              <a:rPr/>
-              <a:t> to your console.</a:t>
+              <a:t>As a rule:</a:t>
+            </a:r>
+          </a:p>
+          <a:p>
+            <a:pPr lvl="2"/>
+            <a:r>
+              <a:rPr/>
+              <a:t>Characters on the left side of the assignment operator. No quote marks.</a:t>
+            </a:r>
+          </a:p>
+          <a:p>
+            <a:pPr lvl="2"/>
+            <a:r>
+              <a:rPr/>
+              <a:t>Characters on the right side of the assignment operator. Use quote marks if storing letters.</a:t>
             </a:r>
           </a:p>
         </p:txBody>
@@ -13058,7 +13353,7 @@
             </a:pPr>
             <a:r>
               <a:rPr/>
-              <a:t>Solution:</a:t>
+              <a:t>Exercise:</a:t>
             </a:r>
             <a:r>
               <a:rPr/>
@@ -13116,449 +13411,71 @@
           <a:bodyPr/>
           <a:lstStyle/>
           <a:p>
-            <a:pPr lvl="0" indent="0">
-              <a:buNone/>
-            </a:pPr>
-            <a:r>
-              <a:rPr i="1">
-                <a:solidFill>
-                  <a:srgbClr val="60A0B0"/>
-                </a:solidFill>
-                <a:latin typeface="Courier"/>
-              </a:rPr>
-              <a:t># Creating individual vectors.</a:t>
-            </a:r>
-            <a:br/>
-            <a:br/>
-            <a:r>
-              <a:rPr>
-                <a:latin typeface="Courier"/>
-              </a:rPr>
-              <a:t>name </a:t>
-            </a:r>
-            <a:r>
-              <a:rPr>
-                <a:solidFill>
-                  <a:srgbClr val="007020"/>
-                </a:solidFill>
-                <a:latin typeface="Courier"/>
-              </a:rPr>
-              <a:t>&lt;-</a:t>
-            </a:r>
-            <a:r>
-              <a:rPr>
-                <a:latin typeface="Courier"/>
-              </a:rPr>
-              <a:t> </a:t>
-            </a:r>
-            <a:r>
-              <a:rPr>
-                <a:solidFill>
-                  <a:srgbClr val="06287E"/>
-                </a:solidFill>
-                <a:latin typeface="Courier"/>
-              </a:rPr>
-              <a:t>c</a:t>
-            </a:r>
-            <a:r>
-              <a:rPr>
-                <a:latin typeface="Courier"/>
-              </a:rPr>
-              <a:t>(</a:t>
-            </a:r>
-            <a:r>
-              <a:rPr>
-                <a:solidFill>
-                  <a:srgbClr val="4070A0"/>
-                </a:solidFill>
-                <a:latin typeface="Courier"/>
-              </a:rPr>
-              <a:t>"Adam"</a:t>
-            </a:r>
-            <a:r>
-              <a:rPr>
-                <a:latin typeface="Courier"/>
-              </a:rPr>
-              <a:t>, </a:t>
-            </a:r>
-            <a:r>
-              <a:rPr>
-                <a:solidFill>
-                  <a:srgbClr val="4070A0"/>
-                </a:solidFill>
-                <a:latin typeface="Courier"/>
-              </a:rPr>
-              <a:t>"Sally"</a:t>
-            </a:r>
-            <a:r>
-              <a:rPr>
-                <a:latin typeface="Courier"/>
-              </a:rPr>
-              <a:t>, </a:t>
-            </a:r>
-            <a:r>
-              <a:rPr>
-                <a:solidFill>
-                  <a:srgbClr val="4070A0"/>
-                </a:solidFill>
-                <a:latin typeface="Courier"/>
-              </a:rPr>
-              <a:t>"Eve"</a:t>
-            </a:r>
-            <a:r>
-              <a:rPr>
-                <a:latin typeface="Courier"/>
-              </a:rPr>
-              <a:t>, </a:t>
-            </a:r>
-            <a:r>
-              <a:rPr>
-                <a:solidFill>
-                  <a:srgbClr val="4070A0"/>
-                </a:solidFill>
-                <a:latin typeface="Courier"/>
-              </a:rPr>
-              <a:t>"John"</a:t>
-            </a:r>
-            <a:r>
-              <a:rPr>
-                <a:latin typeface="Courier"/>
-              </a:rPr>
-              <a:t>, </a:t>
-            </a:r>
-            <a:r>
-              <a:rPr>
-                <a:solidFill>
-                  <a:srgbClr val="4070A0"/>
-                </a:solidFill>
-                <a:latin typeface="Courier"/>
-              </a:rPr>
-              <a:t>"James"</a:t>
-            </a:r>
-            <a:r>
-              <a:rPr>
-                <a:latin typeface="Courier"/>
-              </a:rPr>
-              <a:t>, </a:t>
-            </a:r>
-            <a:r>
-              <a:rPr>
-                <a:solidFill>
-                  <a:srgbClr val="4070A0"/>
-                </a:solidFill>
-                <a:latin typeface="Courier"/>
-              </a:rPr>
-              <a:t>"Jennifer"</a:t>
-            </a:r>
-            <a:r>
-              <a:rPr>
-                <a:latin typeface="Courier"/>
-              </a:rPr>
-              <a:t>)</a:t>
-            </a:r>
-            <a:br/>
-            <a:r>
-              <a:rPr>
-                <a:latin typeface="Courier"/>
-              </a:rPr>
-              <a:t>age </a:t>
-            </a:r>
-            <a:r>
-              <a:rPr>
-                <a:solidFill>
-                  <a:srgbClr val="007020"/>
-                </a:solidFill>
-                <a:latin typeface="Courier"/>
-              </a:rPr>
-              <a:t>&lt;-</a:t>
-            </a:r>
-            <a:r>
-              <a:rPr>
-                <a:latin typeface="Courier"/>
-              </a:rPr>
-              <a:t> </a:t>
-            </a:r>
-            <a:r>
-              <a:rPr>
-                <a:solidFill>
-                  <a:srgbClr val="06287E"/>
-                </a:solidFill>
-                <a:latin typeface="Courier"/>
-              </a:rPr>
-              <a:t>c</a:t>
-            </a:r>
-            <a:r>
-              <a:rPr>
-                <a:latin typeface="Courier"/>
-              </a:rPr>
-              <a:t>(</a:t>
-            </a:r>
-            <a:r>
-              <a:rPr>
-                <a:solidFill>
-                  <a:srgbClr val="40A070"/>
-                </a:solidFill>
-                <a:latin typeface="Courier"/>
-              </a:rPr>
-              <a:t>50</a:t>
-            </a:r>
-            <a:r>
-              <a:rPr>
-                <a:latin typeface="Courier"/>
-              </a:rPr>
-              <a:t>, </a:t>
-            </a:r>
-            <a:r>
-              <a:rPr>
-                <a:solidFill>
-                  <a:srgbClr val="40A070"/>
-                </a:solidFill>
-                <a:latin typeface="Courier"/>
-              </a:rPr>
-              <a:t>25</a:t>
-            </a:r>
-            <a:r>
-              <a:rPr>
-                <a:latin typeface="Courier"/>
-              </a:rPr>
-              <a:t>, </a:t>
-            </a:r>
-            <a:r>
-              <a:rPr>
-                <a:solidFill>
-                  <a:srgbClr val="40A070"/>
-                </a:solidFill>
-                <a:latin typeface="Courier"/>
-              </a:rPr>
-              <a:t>32</a:t>
-            </a:r>
-            <a:r>
-              <a:rPr>
-                <a:latin typeface="Courier"/>
-              </a:rPr>
-              <a:t>, </a:t>
-            </a:r>
-            <a:r>
-              <a:rPr>
-                <a:solidFill>
-                  <a:srgbClr val="40A070"/>
-                </a:solidFill>
-                <a:latin typeface="Courier"/>
-              </a:rPr>
-              <a:t>67</a:t>
-            </a:r>
-            <a:r>
-              <a:rPr>
-                <a:latin typeface="Courier"/>
-              </a:rPr>
-              <a:t>, </a:t>
-            </a:r>
-            <a:r>
-              <a:rPr>
-                <a:solidFill>
-                  <a:srgbClr val="40A070"/>
-                </a:solidFill>
-                <a:latin typeface="Courier"/>
-              </a:rPr>
-              <a:t>46</a:t>
-            </a:r>
-            <a:r>
-              <a:rPr>
-                <a:latin typeface="Courier"/>
-              </a:rPr>
-              <a:t>, </a:t>
-            </a:r>
-            <a:r>
-              <a:rPr>
-                <a:solidFill>
-                  <a:srgbClr val="40A070"/>
-                </a:solidFill>
-                <a:latin typeface="Courier"/>
-              </a:rPr>
-              <a:t>19</a:t>
-            </a:r>
-            <a:r>
-              <a:rPr>
-                <a:latin typeface="Courier"/>
-              </a:rPr>
-              <a:t>)</a:t>
-            </a:r>
-            <a:br/>
-            <a:r>
-              <a:rPr>
-                <a:latin typeface="Courier"/>
-              </a:rPr>
-              <a:t>gender </a:t>
-            </a:r>
-            <a:r>
-              <a:rPr>
-                <a:solidFill>
-                  <a:srgbClr val="007020"/>
-                </a:solidFill>
-                <a:latin typeface="Courier"/>
-              </a:rPr>
-              <a:t>&lt;-</a:t>
-            </a:r>
-            <a:r>
-              <a:rPr>
-                <a:latin typeface="Courier"/>
-              </a:rPr>
-              <a:t> </a:t>
-            </a:r>
-            <a:r>
-              <a:rPr>
-                <a:solidFill>
-                  <a:srgbClr val="06287E"/>
-                </a:solidFill>
-                <a:latin typeface="Courier"/>
-              </a:rPr>
-              <a:t>c</a:t>
-            </a:r>
-            <a:r>
-              <a:rPr>
-                <a:latin typeface="Courier"/>
-              </a:rPr>
-              <a:t>(</a:t>
-            </a:r>
-            <a:r>
-              <a:rPr>
-                <a:solidFill>
-                  <a:srgbClr val="4070A0"/>
-                </a:solidFill>
-                <a:latin typeface="Courier"/>
-              </a:rPr>
-              <a:t>"male"</a:t>
-            </a:r>
-            <a:r>
-              <a:rPr>
-                <a:latin typeface="Courier"/>
-              </a:rPr>
-              <a:t>, </a:t>
-            </a:r>
-            <a:r>
-              <a:rPr>
-                <a:solidFill>
-                  <a:srgbClr val="4070A0"/>
-                </a:solidFill>
-                <a:latin typeface="Courier"/>
-              </a:rPr>
-              <a:t>"female"</a:t>
-            </a:r>
-            <a:r>
-              <a:rPr>
-                <a:latin typeface="Courier"/>
-              </a:rPr>
-              <a:t>, </a:t>
-            </a:r>
-            <a:r>
-              <a:rPr>
-                <a:solidFill>
-                  <a:srgbClr val="4070A0"/>
-                </a:solidFill>
-                <a:latin typeface="Courier"/>
-              </a:rPr>
-              <a:t>"female"</a:t>
-            </a:r>
-            <a:r>
-              <a:rPr>
-                <a:latin typeface="Courier"/>
-              </a:rPr>
-              <a:t>, </a:t>
-            </a:r>
-            <a:r>
-              <a:rPr>
-                <a:solidFill>
-                  <a:srgbClr val="4070A0"/>
-                </a:solidFill>
-                <a:latin typeface="Courier"/>
-              </a:rPr>
-              <a:t>"male"</a:t>
-            </a:r>
-            <a:r>
-              <a:rPr>
-                <a:latin typeface="Courier"/>
-              </a:rPr>
-              <a:t>, </a:t>
-            </a:r>
-            <a:r>
-              <a:rPr>
-                <a:solidFill>
-                  <a:srgbClr val="4070A0"/>
-                </a:solidFill>
-                <a:latin typeface="Courier"/>
-              </a:rPr>
-              <a:t>"male"</a:t>
-            </a:r>
-            <a:r>
-              <a:rPr>
-                <a:latin typeface="Courier"/>
-              </a:rPr>
-              <a:t>, </a:t>
-            </a:r>
-            <a:r>
-              <a:rPr>
-                <a:solidFill>
-                  <a:srgbClr val="4070A0"/>
-                </a:solidFill>
-                <a:latin typeface="Courier"/>
-              </a:rPr>
-              <a:t>"female"</a:t>
-            </a:r>
-            <a:r>
-              <a:rPr>
-                <a:latin typeface="Courier"/>
-              </a:rPr>
-              <a:t>)</a:t>
-            </a:r>
-            <a:br/>
-            <a:br/>
-            <a:br/>
-            <a:r>
-              <a:rPr i="1">
-                <a:solidFill>
-                  <a:srgbClr val="60A0B0"/>
-                </a:solidFill>
-                <a:latin typeface="Courier"/>
-              </a:rPr>
-              <a:t># Combining into a data frame.</a:t>
-            </a:r>
-            <a:br/>
-            <a:br/>
-            <a:r>
-              <a:rPr>
-                <a:latin typeface="Courier"/>
-              </a:rPr>
-              <a:t>patients </a:t>
-            </a:r>
-            <a:r>
-              <a:rPr>
-                <a:solidFill>
-                  <a:srgbClr val="007020"/>
-                </a:solidFill>
-                <a:latin typeface="Courier"/>
-              </a:rPr>
-              <a:t>&lt;-</a:t>
-            </a:r>
-            <a:r>
-              <a:rPr>
-                <a:latin typeface="Courier"/>
-              </a:rPr>
-              <a:t> </a:t>
-            </a:r>
-            <a:r>
-              <a:rPr>
-                <a:solidFill>
-                  <a:srgbClr val="06287E"/>
-                </a:solidFill>
-                <a:latin typeface="Courier"/>
-              </a:rPr>
-              <a:t>data.frame</a:t>
-            </a:r>
-            <a:r>
-              <a:rPr>
-                <a:latin typeface="Courier"/>
-              </a:rPr>
-              <a:t>(name, age, gender)</a:t>
+            <a:pPr lvl="1"/>
+            <a:r>
+              <a:rPr/>
+              <a:t>Combine these vectors into a data frame using </a:t>
+            </a:r>
+            <a:r>
+              <a:rPr>
+                <a:latin typeface="Courier"/>
+              </a:rPr>
+              <a:t>data.frame()</a:t>
+            </a:r>
+            <a:r>
+              <a:rPr/>
+              <a:t>.</a:t>
+            </a:r>
+          </a:p>
+          <a:p>
+            <a:pPr lvl="2"/>
+            <a:r>
+              <a:rPr/>
+              <a:t>Hint, the vector names need to go inside the </a:t>
+            </a:r>
+            <a:r>
+              <a:rPr>
+                <a:latin typeface="Courier"/>
+              </a:rPr>
+              <a:t>()</a:t>
+            </a:r>
+            <a:r>
+              <a:rPr/>
+              <a:t>.</a:t>
+            </a:r>
+          </a:p>
+          <a:p>
+            <a:pPr lvl="1"/>
+            <a:r>
+              <a:rPr/>
+              <a:t>Save the data frame under the name </a:t>
+            </a:r>
+            <a:r>
+              <a:rPr>
+                <a:latin typeface="Courier"/>
+              </a:rPr>
+              <a:t>patients</a:t>
+            </a:r>
+            <a:r>
+              <a:rPr/>
+              <a:t>.</a:t>
+            </a:r>
+          </a:p>
+          <a:p>
+            <a:pPr lvl="1"/>
+            <a:r>
+              <a:rPr/>
+              <a:t>Print the data frame called </a:t>
+            </a:r>
+            <a:r>
+              <a:rPr>
+                <a:latin typeface="Courier"/>
+              </a:rPr>
+              <a:t>patients</a:t>
+            </a:r>
+            <a:r>
+              <a:rPr/>
+              <a:t> to your console.</a:t>
             </a:r>
           </a:p>
         </p:txBody>
@@ -13673,48 +13590,445 @@
               <a:buNone/>
             </a:pPr>
             <a:r>
-              <a:rPr>
-                <a:latin typeface="Courier"/>
-              </a:rPr>
-              <a:t>patients</a:t>
-            </a:r>
-          </a:p>
-          <a:p>
-            <a:pPr lvl="0" indent="0">
-              <a:buNone/>
-            </a:pPr>
-            <a:r>
-              <a:rPr>
-                <a:latin typeface="Courier"/>
-              </a:rPr>
-              <a:t>##       name age gender
-## 1     Adam  50   male
-## 2    Sally  25 female
-## 3      Eve  32 female
-## 4     John  67   male
-## 5    James  46   male
-## 6 Jennifer  19 female</a:t>
-            </a:r>
-          </a:p>
-          <a:p>
-            <a:pPr lvl="1"/>
-            <a:r>
-              <a:rPr/>
-              <a:t>R arranges the vectors as columns in the data frame.</a:t>
-            </a:r>
-          </a:p>
-          <a:p>
-            <a:pPr lvl="1"/>
-            <a:r>
-              <a:rPr/>
-              <a:t>R names the columns of the data frame after the names of the vectors.</a:t>
-            </a:r>
-          </a:p>
-          <a:p>
-            <a:pPr lvl="1"/>
-            <a:r>
-              <a:rPr/>
-              <a:t>R numbers each row of the data frame, creating an index for each row within the data frame.</a:t>
+              <a:rPr i="1">
+                <a:solidFill>
+                  <a:srgbClr val="60A0B0"/>
+                </a:solidFill>
+                <a:latin typeface="Courier"/>
+              </a:rPr>
+              <a:t># Creating individual vectors.</a:t>
+            </a:r>
+            <a:br/>
+            <a:br/>
+            <a:r>
+              <a:rPr>
+                <a:latin typeface="Courier"/>
+              </a:rPr>
+              <a:t>name </a:t>
+            </a:r>
+            <a:r>
+              <a:rPr>
+                <a:solidFill>
+                  <a:srgbClr val="007020"/>
+                </a:solidFill>
+                <a:latin typeface="Courier"/>
+              </a:rPr>
+              <a:t>&lt;-</a:t>
+            </a:r>
+            <a:r>
+              <a:rPr>
+                <a:latin typeface="Courier"/>
+              </a:rPr>
+              <a:t> </a:t>
+            </a:r>
+            <a:r>
+              <a:rPr>
+                <a:solidFill>
+                  <a:srgbClr val="06287E"/>
+                </a:solidFill>
+                <a:latin typeface="Courier"/>
+              </a:rPr>
+              <a:t>c</a:t>
+            </a:r>
+            <a:r>
+              <a:rPr>
+                <a:latin typeface="Courier"/>
+              </a:rPr>
+              <a:t>(</a:t>
+            </a:r>
+            <a:r>
+              <a:rPr>
+                <a:solidFill>
+                  <a:srgbClr val="4070A0"/>
+                </a:solidFill>
+                <a:latin typeface="Courier"/>
+              </a:rPr>
+              <a:t>"Adam"</a:t>
+            </a:r>
+            <a:r>
+              <a:rPr>
+                <a:latin typeface="Courier"/>
+              </a:rPr>
+              <a:t>, </a:t>
+            </a:r>
+            <a:r>
+              <a:rPr>
+                <a:solidFill>
+                  <a:srgbClr val="4070A0"/>
+                </a:solidFill>
+                <a:latin typeface="Courier"/>
+              </a:rPr>
+              <a:t>"Sally"</a:t>
+            </a:r>
+            <a:r>
+              <a:rPr>
+                <a:latin typeface="Courier"/>
+              </a:rPr>
+              <a:t>, </a:t>
+            </a:r>
+            <a:r>
+              <a:rPr>
+                <a:solidFill>
+                  <a:srgbClr val="4070A0"/>
+                </a:solidFill>
+                <a:latin typeface="Courier"/>
+              </a:rPr>
+              <a:t>"Eve"</a:t>
+            </a:r>
+            <a:r>
+              <a:rPr>
+                <a:latin typeface="Courier"/>
+              </a:rPr>
+              <a:t>, </a:t>
+            </a:r>
+            <a:r>
+              <a:rPr>
+                <a:solidFill>
+                  <a:srgbClr val="4070A0"/>
+                </a:solidFill>
+                <a:latin typeface="Courier"/>
+              </a:rPr>
+              <a:t>"John"</a:t>
+            </a:r>
+            <a:r>
+              <a:rPr>
+                <a:latin typeface="Courier"/>
+              </a:rPr>
+              <a:t>, </a:t>
+            </a:r>
+            <a:r>
+              <a:rPr>
+                <a:solidFill>
+                  <a:srgbClr val="4070A0"/>
+                </a:solidFill>
+                <a:latin typeface="Courier"/>
+              </a:rPr>
+              <a:t>"James"</a:t>
+            </a:r>
+            <a:r>
+              <a:rPr>
+                <a:latin typeface="Courier"/>
+              </a:rPr>
+              <a:t>, </a:t>
+            </a:r>
+            <a:r>
+              <a:rPr>
+                <a:solidFill>
+                  <a:srgbClr val="4070A0"/>
+                </a:solidFill>
+                <a:latin typeface="Courier"/>
+              </a:rPr>
+              <a:t>"Jennifer"</a:t>
+            </a:r>
+            <a:r>
+              <a:rPr>
+                <a:latin typeface="Courier"/>
+              </a:rPr>
+              <a:t>)</a:t>
+            </a:r>
+            <a:br/>
+            <a:r>
+              <a:rPr>
+                <a:latin typeface="Courier"/>
+              </a:rPr>
+              <a:t>age </a:t>
+            </a:r>
+            <a:r>
+              <a:rPr>
+                <a:solidFill>
+                  <a:srgbClr val="007020"/>
+                </a:solidFill>
+                <a:latin typeface="Courier"/>
+              </a:rPr>
+              <a:t>&lt;-</a:t>
+            </a:r>
+            <a:r>
+              <a:rPr>
+                <a:latin typeface="Courier"/>
+              </a:rPr>
+              <a:t> </a:t>
+            </a:r>
+            <a:r>
+              <a:rPr>
+                <a:solidFill>
+                  <a:srgbClr val="06287E"/>
+                </a:solidFill>
+                <a:latin typeface="Courier"/>
+              </a:rPr>
+              <a:t>c</a:t>
+            </a:r>
+            <a:r>
+              <a:rPr>
+                <a:latin typeface="Courier"/>
+              </a:rPr>
+              <a:t>(</a:t>
+            </a:r>
+            <a:r>
+              <a:rPr>
+                <a:solidFill>
+                  <a:srgbClr val="40A070"/>
+                </a:solidFill>
+                <a:latin typeface="Courier"/>
+              </a:rPr>
+              <a:t>50</a:t>
+            </a:r>
+            <a:r>
+              <a:rPr>
+                <a:latin typeface="Courier"/>
+              </a:rPr>
+              <a:t>, </a:t>
+            </a:r>
+            <a:r>
+              <a:rPr>
+                <a:solidFill>
+                  <a:srgbClr val="40A070"/>
+                </a:solidFill>
+                <a:latin typeface="Courier"/>
+              </a:rPr>
+              <a:t>25</a:t>
+            </a:r>
+            <a:r>
+              <a:rPr>
+                <a:latin typeface="Courier"/>
+              </a:rPr>
+              <a:t>, </a:t>
+            </a:r>
+            <a:r>
+              <a:rPr>
+                <a:solidFill>
+                  <a:srgbClr val="40A070"/>
+                </a:solidFill>
+                <a:latin typeface="Courier"/>
+              </a:rPr>
+              <a:t>32</a:t>
+            </a:r>
+            <a:r>
+              <a:rPr>
+                <a:latin typeface="Courier"/>
+              </a:rPr>
+              <a:t>, </a:t>
+            </a:r>
+            <a:r>
+              <a:rPr>
+                <a:solidFill>
+                  <a:srgbClr val="40A070"/>
+                </a:solidFill>
+                <a:latin typeface="Courier"/>
+              </a:rPr>
+              <a:t>67</a:t>
+            </a:r>
+            <a:r>
+              <a:rPr>
+                <a:latin typeface="Courier"/>
+              </a:rPr>
+              <a:t>, </a:t>
+            </a:r>
+            <a:r>
+              <a:rPr>
+                <a:solidFill>
+                  <a:srgbClr val="40A070"/>
+                </a:solidFill>
+                <a:latin typeface="Courier"/>
+              </a:rPr>
+              <a:t>46</a:t>
+            </a:r>
+            <a:r>
+              <a:rPr>
+                <a:latin typeface="Courier"/>
+              </a:rPr>
+              <a:t>, </a:t>
+            </a:r>
+            <a:r>
+              <a:rPr>
+                <a:solidFill>
+                  <a:srgbClr val="40A070"/>
+                </a:solidFill>
+                <a:latin typeface="Courier"/>
+              </a:rPr>
+              <a:t>19</a:t>
+            </a:r>
+            <a:r>
+              <a:rPr>
+                <a:latin typeface="Courier"/>
+              </a:rPr>
+              <a:t>)</a:t>
+            </a:r>
+            <a:br/>
+            <a:r>
+              <a:rPr>
+                <a:latin typeface="Courier"/>
+              </a:rPr>
+              <a:t>gender </a:t>
+            </a:r>
+            <a:r>
+              <a:rPr>
+                <a:solidFill>
+                  <a:srgbClr val="007020"/>
+                </a:solidFill>
+                <a:latin typeface="Courier"/>
+              </a:rPr>
+              <a:t>&lt;-</a:t>
+            </a:r>
+            <a:r>
+              <a:rPr>
+                <a:latin typeface="Courier"/>
+              </a:rPr>
+              <a:t> </a:t>
+            </a:r>
+            <a:r>
+              <a:rPr>
+                <a:solidFill>
+                  <a:srgbClr val="06287E"/>
+                </a:solidFill>
+                <a:latin typeface="Courier"/>
+              </a:rPr>
+              <a:t>c</a:t>
+            </a:r>
+            <a:r>
+              <a:rPr>
+                <a:latin typeface="Courier"/>
+              </a:rPr>
+              <a:t>(</a:t>
+            </a:r>
+            <a:r>
+              <a:rPr>
+                <a:solidFill>
+                  <a:srgbClr val="4070A0"/>
+                </a:solidFill>
+                <a:latin typeface="Courier"/>
+              </a:rPr>
+              <a:t>"male"</a:t>
+            </a:r>
+            <a:r>
+              <a:rPr>
+                <a:latin typeface="Courier"/>
+              </a:rPr>
+              <a:t>, </a:t>
+            </a:r>
+            <a:r>
+              <a:rPr>
+                <a:solidFill>
+                  <a:srgbClr val="4070A0"/>
+                </a:solidFill>
+                <a:latin typeface="Courier"/>
+              </a:rPr>
+              <a:t>"female"</a:t>
+            </a:r>
+            <a:r>
+              <a:rPr>
+                <a:latin typeface="Courier"/>
+              </a:rPr>
+              <a:t>, </a:t>
+            </a:r>
+            <a:r>
+              <a:rPr>
+                <a:solidFill>
+                  <a:srgbClr val="4070A0"/>
+                </a:solidFill>
+                <a:latin typeface="Courier"/>
+              </a:rPr>
+              <a:t>"female"</a:t>
+            </a:r>
+            <a:r>
+              <a:rPr>
+                <a:latin typeface="Courier"/>
+              </a:rPr>
+              <a:t>, </a:t>
+            </a:r>
+            <a:r>
+              <a:rPr>
+                <a:solidFill>
+                  <a:srgbClr val="4070A0"/>
+                </a:solidFill>
+                <a:latin typeface="Courier"/>
+              </a:rPr>
+              <a:t>"male"</a:t>
+            </a:r>
+            <a:r>
+              <a:rPr>
+                <a:latin typeface="Courier"/>
+              </a:rPr>
+              <a:t>, </a:t>
+            </a:r>
+            <a:r>
+              <a:rPr>
+                <a:solidFill>
+                  <a:srgbClr val="4070A0"/>
+                </a:solidFill>
+                <a:latin typeface="Courier"/>
+              </a:rPr>
+              <a:t>"male"</a:t>
+            </a:r>
+            <a:r>
+              <a:rPr>
+                <a:latin typeface="Courier"/>
+              </a:rPr>
+              <a:t>, </a:t>
+            </a:r>
+            <a:r>
+              <a:rPr>
+                <a:solidFill>
+                  <a:srgbClr val="4070A0"/>
+                </a:solidFill>
+                <a:latin typeface="Courier"/>
+              </a:rPr>
+              <a:t>"female"</a:t>
+            </a:r>
+            <a:r>
+              <a:rPr>
+                <a:latin typeface="Courier"/>
+              </a:rPr>
+              <a:t>)</a:t>
+            </a:r>
+            <a:br/>
+            <a:br/>
+            <a:br/>
+            <a:r>
+              <a:rPr i="1">
+                <a:solidFill>
+                  <a:srgbClr val="60A0B0"/>
+                </a:solidFill>
+                <a:latin typeface="Courier"/>
+              </a:rPr>
+              <a:t># Combining into a data frame.</a:t>
+            </a:r>
+            <a:br/>
+            <a:br/>
+            <a:r>
+              <a:rPr>
+                <a:latin typeface="Courier"/>
+              </a:rPr>
+              <a:t>patients </a:t>
+            </a:r>
+            <a:r>
+              <a:rPr>
+                <a:solidFill>
+                  <a:srgbClr val="007020"/>
+                </a:solidFill>
+                <a:latin typeface="Courier"/>
+              </a:rPr>
+              <a:t>&lt;-</a:t>
+            </a:r>
+            <a:r>
+              <a:rPr>
+                <a:latin typeface="Courier"/>
+              </a:rPr>
+              <a:t> </a:t>
+            </a:r>
+            <a:r>
+              <a:rPr>
+                <a:solidFill>
+                  <a:srgbClr val="06287E"/>
+                </a:solidFill>
+                <a:latin typeface="Courier"/>
+              </a:rPr>
+              <a:t>data.frame</a:t>
+            </a:r>
+            <a:r>
+              <a:rPr>
+                <a:latin typeface="Courier"/>
+              </a:rPr>
+              <a:t>(name, age, gender)</a:t>
             </a:r>
           </a:p>
         </p:txBody>
@@ -13767,31 +14081,15 @@
             </a:pPr>
             <a:r>
               <a:rPr/>
-              <a:t>Recalling</a:t>
-            </a:r>
-            <a:r>
-              <a:rPr/>
-              <a:t> </a:t>
-            </a:r>
-            <a:r>
-              <a:rPr/>
-              <a:t>a</a:t>
-            </a:r>
-            <a:r>
-              <a:rPr/>
-              <a:t> </a:t>
-            </a:r>
-            <a:r>
-              <a:rPr/>
-              <a:t>vector</a:t>
-            </a:r>
-            <a:r>
-              <a:rPr/>
-              <a:t> </a:t>
-            </a:r>
-            <a:r>
-              <a:rPr/>
-              <a:t>in</a:t>
+              <a:t>Solution:</a:t>
+            </a:r>
+            <a:r>
+              <a:rPr/>
+              <a:t> </a:t>
+            </a:r>
+            <a:r>
+              <a:rPr/>
+              <a:t>Creating</a:t>
             </a:r>
             <a:r>
               <a:rPr/>
@@ -13841,87 +14139,52 @@
           <a:bodyPr/>
           <a:lstStyle/>
           <a:p>
+            <a:pPr lvl="0" indent="0">
+              <a:buNone/>
+            </a:pPr>
+            <a:r>
+              <a:rPr>
+                <a:latin typeface="Courier"/>
+              </a:rPr>
+              <a:t>patients</a:t>
+            </a:r>
+          </a:p>
+          <a:p>
+            <a:pPr lvl="0" indent="0">
+              <a:buNone/>
+            </a:pPr>
+            <a:r>
+              <a:rPr>
+                <a:latin typeface="Courier"/>
+              </a:rPr>
+              <a:t>##       name age gender
+## 1     Adam  50   male
+## 2    Sally  25 female
+## 3      Eve  32 female
+## 4     John  67   male
+## 5    James  46   male
+## 6 Jennifer  19 female</a:t>
+            </a:r>
+          </a:p>
+          <a:p>
             <a:pPr lvl="1"/>
             <a:r>
               <a:rPr/>
-              <a:t>Data frame columns are vectors.</a:t>
+              <a:t>R arranges the vectors as columns in the data frame.</a:t>
             </a:r>
           </a:p>
           <a:p>
             <a:pPr lvl="1"/>
             <a:r>
-              <a:rPr>
-                <a:latin typeface="Courier"/>
-              </a:rPr>
-              <a:t>$</a:t>
-            </a:r>
-            <a:r>
-              <a:rPr/>
-              <a:t> can be used to extract a vector from a data frame.</a:t>
+              <a:rPr/>
+              <a:t>R names the columns of the data frame after the names of the vectors.</a:t>
             </a:r>
           </a:p>
           <a:p>
             <a:pPr lvl="1"/>
             <a:r>
               <a:rPr/>
-              <a:t>We can get the </a:t>
-            </a:r>
-            <a:r>
-              <a:rPr>
-                <a:latin typeface="Courier"/>
-              </a:rPr>
-              <a:t>age</a:t>
-            </a:r>
-            <a:r>
-              <a:rPr/>
-              <a:t> column from the data frame </a:t>
-            </a:r>
-            <a:r>
-              <a:rPr>
-                <a:latin typeface="Courier"/>
-              </a:rPr>
-              <a:t>patients</a:t>
-            </a:r>
-            <a:r>
-              <a:rPr/>
-              <a:t>.</a:t>
-            </a:r>
-          </a:p>
-          <a:p>
-            <a:pPr lvl="0" indent="0">
-              <a:buNone/>
-            </a:pPr>
-            <a:r>
-              <a:rPr>
-                <a:latin typeface="Courier"/>
-              </a:rPr>
-              <a:t>patients</a:t>
-            </a:r>
-            <a:r>
-              <a:rPr>
-                <a:solidFill>
-                  <a:srgbClr val="4070A0"/>
-                </a:solidFill>
-                <a:latin typeface="Courier"/>
-              </a:rPr>
-              <a:t>$</a:t>
-            </a:r>
-            <a:r>
-              <a:rPr>
-                <a:latin typeface="Courier"/>
-              </a:rPr>
-              <a:t>age</a:t>
-            </a:r>
-          </a:p>
-          <a:p>
-            <a:pPr lvl="0" indent="0">
-              <a:buNone/>
-            </a:pPr>
-            <a:r>
-              <a:rPr>
-                <a:latin typeface="Courier"/>
-              </a:rPr>
-              <a:t>## [1] 50 25 32 67 46 19</a:t>
+              <a:t>R numbers each row of the data frame, creating an index for each row within the data frame.</a:t>
             </a:r>
           </a:p>
         </p:txBody>
@@ -13932,6 +14195,213 @@
 </file>
 
 <file path=ppt/slides/slide38.xml><?xml version="1.0" encoding="utf-8"?>
+<p:sld xmlns:a="http://schemas.openxmlformats.org/drawingml/2006/main" xmlns:r="http://schemas.openxmlformats.org/officeDocument/2006/relationships" xmlns:p="http://schemas.openxmlformats.org/presentationml/2006/main">
+  <p:cSld>
+    <p:spTree>
+      <p:nvGrpSpPr>
+        <p:cNvPr id="1" name=""/>
+        <p:cNvGrpSpPr/>
+        <p:nvPr/>
+      </p:nvGrpSpPr>
+      <p:grpSpPr>
+        <a:xfrm>
+          <a:off x="0" y="0"/>
+          <a:ext cx="0" cy="0"/>
+          <a:chOff x="0" y="0"/>
+          <a:chExt cx="0" cy="0"/>
+        </a:xfrm>
+      </p:grpSpPr>
+      <p:sp>
+        <p:nvSpPr>
+          <p:cNvPr id="2" name="Title 1">
+            <a:extLst>
+              <a:ext uri="{FF2B5EF4-FFF2-40B4-BE49-F238E27FC236}">
+                <a16:creationId xmlns:a16="http://schemas.microsoft.com/office/drawing/2014/main" id="{5567D468-EE70-CD4E-A3AC-039CC11EF1FB}"/>
+              </a:ext>
+            </a:extLst>
+          </p:cNvPr>
+          <p:cNvSpPr>
+            <a:spLocks noGrp="1"/>
+          </p:cNvSpPr>
+          <p:nvPr>
+            <p:ph type="title"/>
+          </p:nvPr>
+        </p:nvSpPr>
+        <p:spPr/>
+        <p:txBody>
+          <a:bodyPr/>
+          <a:lstStyle/>
+          <a:p>
+            <a:pPr lvl="0" marL="0" indent="0">
+              <a:buNone/>
+            </a:pPr>
+            <a:r>
+              <a:rPr/>
+              <a:t>Recalling</a:t>
+            </a:r>
+            <a:r>
+              <a:rPr/>
+              <a:t> </a:t>
+            </a:r>
+            <a:r>
+              <a:rPr/>
+              <a:t>a</a:t>
+            </a:r>
+            <a:r>
+              <a:rPr/>
+              <a:t> </a:t>
+            </a:r>
+            <a:r>
+              <a:rPr/>
+              <a:t>vector</a:t>
+            </a:r>
+            <a:r>
+              <a:rPr/>
+              <a:t> </a:t>
+            </a:r>
+            <a:r>
+              <a:rPr/>
+              <a:t>in</a:t>
+            </a:r>
+            <a:r>
+              <a:rPr/>
+              <a:t> </a:t>
+            </a:r>
+            <a:r>
+              <a:rPr/>
+              <a:t>a</a:t>
+            </a:r>
+            <a:r>
+              <a:rPr/>
+              <a:t> </a:t>
+            </a:r>
+            <a:r>
+              <a:rPr/>
+              <a:t>data</a:t>
+            </a:r>
+            <a:r>
+              <a:rPr/>
+              <a:t> </a:t>
+            </a:r>
+            <a:r>
+              <a:rPr/>
+              <a:t>frame</a:t>
+            </a:r>
+          </a:p>
+        </p:txBody>
+      </p:sp>
+      <p:sp>
+        <p:nvSpPr>
+          <p:cNvPr id="3" name="Content Placeholder 2">
+            <a:extLst>
+              <a:ext uri="{FF2B5EF4-FFF2-40B4-BE49-F238E27FC236}">
+                <a16:creationId xmlns:a16="http://schemas.microsoft.com/office/drawing/2014/main" id="{D10DDA37-E46B-B641-BC9F-636CB92A2C08}"/>
+              </a:ext>
+            </a:extLst>
+          </p:cNvPr>
+          <p:cNvSpPr>
+            <a:spLocks noGrp="1"/>
+          </p:cNvSpPr>
+          <p:nvPr>
+            <p:ph idx="1"/>
+          </p:nvPr>
+        </p:nvSpPr>
+        <p:spPr/>
+        <p:txBody>
+          <a:bodyPr/>
+          <a:lstStyle/>
+          <a:p>
+            <a:pPr lvl="1"/>
+            <a:r>
+              <a:rPr/>
+              <a:t>Data frame columns are vectors.</a:t>
+            </a:r>
+          </a:p>
+          <a:p>
+            <a:pPr lvl="1"/>
+            <a:r>
+              <a:rPr>
+                <a:latin typeface="Courier"/>
+              </a:rPr>
+              <a:t>$</a:t>
+            </a:r>
+            <a:r>
+              <a:rPr/>
+              <a:t> can be used to extract a vector from a data frame.</a:t>
+            </a:r>
+          </a:p>
+          <a:p>
+            <a:pPr lvl="1"/>
+            <a:r>
+              <a:rPr/>
+              <a:t>We can get the </a:t>
+            </a:r>
+            <a:r>
+              <a:rPr>
+                <a:latin typeface="Courier"/>
+              </a:rPr>
+              <a:t>age</a:t>
+            </a:r>
+            <a:r>
+              <a:rPr/>
+              <a:t> column from the data frame </a:t>
+            </a:r>
+            <a:r>
+              <a:rPr>
+                <a:latin typeface="Courier"/>
+              </a:rPr>
+              <a:t>patients</a:t>
+            </a:r>
+            <a:r>
+              <a:rPr/>
+              <a:t>.</a:t>
+            </a:r>
+          </a:p>
+          <a:p>
+            <a:pPr lvl="0" indent="0">
+              <a:buNone/>
+            </a:pPr>
+            <a:r>
+              <a:rPr>
+                <a:latin typeface="Courier"/>
+              </a:rPr>
+              <a:t>patients</a:t>
+            </a:r>
+            <a:r>
+              <a:rPr>
+                <a:solidFill>
+                  <a:srgbClr val="4070A0"/>
+                </a:solidFill>
+                <a:latin typeface="Courier"/>
+              </a:rPr>
+              <a:t>$</a:t>
+            </a:r>
+            <a:r>
+              <a:rPr>
+                <a:latin typeface="Courier"/>
+              </a:rPr>
+              <a:t>age</a:t>
+            </a:r>
+          </a:p>
+          <a:p>
+            <a:pPr lvl="0" indent="0">
+              <a:buNone/>
+            </a:pPr>
+            <a:r>
+              <a:rPr>
+                <a:latin typeface="Courier"/>
+              </a:rPr>
+              <a:t>## [1] 50 25 32 67 46 19</a:t>
+            </a:r>
+          </a:p>
+        </p:txBody>
+      </p:sp>
+    </p:spTree>
+  </p:cSld>
+</p:sld>
+</file>
+
+<file path=ppt/slides/slide39.xml><?xml version="1.0" encoding="utf-8"?>
 <p:sld xmlns:a="http://schemas.openxmlformats.org/drawingml/2006/main" xmlns:r="http://schemas.openxmlformats.org/officeDocument/2006/relationships" xmlns:p="http://schemas.openxmlformats.org/presentationml/2006/main">
   <p:cSld>
     <p:spTree>
@@ -14030,7 +14500,117 @@
 </p:sld>
 </file>
 
-<file path=ppt/slides/slide39.xml><?xml version="1.0" encoding="utf-8"?>
+<file path=ppt/slides/slide4.xml><?xml version="1.0" encoding="utf-8"?>
+<p:sld xmlns:a="http://schemas.openxmlformats.org/drawingml/2006/main" xmlns:r="http://schemas.openxmlformats.org/officeDocument/2006/relationships" xmlns:p="http://schemas.openxmlformats.org/presentationml/2006/main">
+  <p:cSld>
+    <p:spTree>
+      <p:nvGrpSpPr>
+        <p:cNvPr id="1" name=""/>
+        <p:cNvGrpSpPr/>
+        <p:nvPr/>
+      </p:nvGrpSpPr>
+      <p:grpSpPr>
+        <a:xfrm>
+          <a:off x="0" y="0"/>
+          <a:ext cx="0" cy="0"/>
+          <a:chOff x="0" y="0"/>
+          <a:chExt cx="0" cy="0"/>
+        </a:xfrm>
+      </p:grpSpPr>
+      <p:sp>
+        <p:nvSpPr>
+          <p:cNvPr id="2" name="Title 1">
+            <a:extLst>
+              <a:ext uri="{FF2B5EF4-FFF2-40B4-BE49-F238E27FC236}">
+                <a16:creationId xmlns:a16="http://schemas.microsoft.com/office/drawing/2014/main" id="{5567D468-EE70-CD4E-A3AC-039CC11EF1FB}"/>
+              </a:ext>
+            </a:extLst>
+          </p:cNvPr>
+          <p:cNvSpPr>
+            <a:spLocks noGrp="1"/>
+          </p:cNvSpPr>
+          <p:nvPr>
+            <p:ph type="title"/>
+          </p:nvPr>
+        </p:nvSpPr>
+        <p:spPr/>
+        <p:txBody>
+          <a:bodyPr/>
+          <a:lstStyle/>
+          <a:p>
+            <a:pPr lvl="0" marL="0" indent="0">
+              <a:buNone/>
+            </a:pPr>
+            <a:r>
+              <a:rPr/>
+              <a:t>Content</a:t>
+            </a:r>
+          </a:p>
+        </p:txBody>
+      </p:sp>
+      <p:sp>
+        <p:nvSpPr>
+          <p:cNvPr id="3" name="Content Placeholder 2">
+            <a:extLst>
+              <a:ext uri="{FF2B5EF4-FFF2-40B4-BE49-F238E27FC236}">
+                <a16:creationId xmlns:a16="http://schemas.microsoft.com/office/drawing/2014/main" id="{D10DDA37-E46B-B641-BC9F-636CB92A2C08}"/>
+              </a:ext>
+            </a:extLst>
+          </p:cNvPr>
+          <p:cNvSpPr>
+            <a:spLocks noGrp="1"/>
+          </p:cNvSpPr>
+          <p:nvPr>
+            <p:ph idx="1"/>
+          </p:nvPr>
+        </p:nvSpPr>
+        <p:spPr/>
+        <p:txBody>
+          <a:bodyPr/>
+          <a:lstStyle/>
+          <a:p>
+            <a:pPr lvl="1"/>
+            <a:r>
+              <a:rPr/>
+              <a:t>Motivation for R: what and why?</a:t>
+            </a:r>
+          </a:p>
+          <a:p>
+            <a:pPr lvl="1"/>
+            <a:r>
+              <a:rPr/>
+              <a:t>Typical data science pipeline</a:t>
+            </a:r>
+          </a:p>
+          <a:p>
+            <a:pPr lvl="1"/>
+            <a:r>
+              <a:rPr/>
+              <a:t>RStudio: a tour</a:t>
+            </a:r>
+          </a:p>
+          <a:p>
+            <a:pPr lvl="1"/>
+            <a:r>
+              <a:rPr/>
+              <a:t>R building blocks</a:t>
+            </a:r>
+          </a:p>
+          <a:p>
+            <a:pPr lvl="1"/>
+            <a:r>
+              <a:rPr/>
+              <a:t>Using/writing functions</a:t>
+            </a:r>
+          </a:p>
+        </p:txBody>
+      </p:sp>
+    </p:spTree>
+  </p:cSld>
+</p:sld>
+</file>
+
+<file path=ppt/slides/slide40.xml><?xml version="1.0" encoding="utf-8"?>
 <p:sld xmlns:a="http://schemas.openxmlformats.org/drawingml/2006/main" xmlns:r="http://schemas.openxmlformats.org/officeDocument/2006/relationships" xmlns:p="http://schemas.openxmlformats.org/presentationml/2006/main">
   <p:cSld>
     <p:spTree>
@@ -14129,117 +14709,7 @@
 </p:sld>
 </file>
 
-<file path=ppt/slides/slide4.xml><?xml version="1.0" encoding="utf-8"?>
-<p:sld xmlns:a="http://schemas.openxmlformats.org/drawingml/2006/main" xmlns:r="http://schemas.openxmlformats.org/officeDocument/2006/relationships" xmlns:p="http://schemas.openxmlformats.org/presentationml/2006/main">
-  <p:cSld>
-    <p:spTree>
-      <p:nvGrpSpPr>
-        <p:cNvPr id="1" name=""/>
-        <p:cNvGrpSpPr/>
-        <p:nvPr/>
-      </p:nvGrpSpPr>
-      <p:grpSpPr>
-        <a:xfrm>
-          <a:off x="0" y="0"/>
-          <a:ext cx="0" cy="0"/>
-          <a:chOff x="0" y="0"/>
-          <a:chExt cx="0" cy="0"/>
-        </a:xfrm>
-      </p:grpSpPr>
-      <p:sp>
-        <p:nvSpPr>
-          <p:cNvPr id="2" name="Title 1">
-            <a:extLst>
-              <a:ext uri="{FF2B5EF4-FFF2-40B4-BE49-F238E27FC236}">
-                <a16:creationId xmlns:a16="http://schemas.microsoft.com/office/drawing/2014/main" id="{5567D468-EE70-CD4E-A3AC-039CC11EF1FB}"/>
-              </a:ext>
-            </a:extLst>
-          </p:cNvPr>
-          <p:cNvSpPr>
-            <a:spLocks noGrp="1"/>
-          </p:cNvSpPr>
-          <p:nvPr>
-            <p:ph type="title"/>
-          </p:nvPr>
-        </p:nvSpPr>
-        <p:spPr/>
-        <p:txBody>
-          <a:bodyPr/>
-          <a:lstStyle/>
-          <a:p>
-            <a:pPr lvl="0" marL="0" indent="0">
-              <a:buNone/>
-            </a:pPr>
-            <a:r>
-              <a:rPr/>
-              <a:t>Content</a:t>
-            </a:r>
-          </a:p>
-        </p:txBody>
-      </p:sp>
-      <p:sp>
-        <p:nvSpPr>
-          <p:cNvPr id="3" name="Content Placeholder 2">
-            <a:extLst>
-              <a:ext uri="{FF2B5EF4-FFF2-40B4-BE49-F238E27FC236}">
-                <a16:creationId xmlns:a16="http://schemas.microsoft.com/office/drawing/2014/main" id="{D10DDA37-E46B-B641-BC9F-636CB92A2C08}"/>
-              </a:ext>
-            </a:extLst>
-          </p:cNvPr>
-          <p:cNvSpPr>
-            <a:spLocks noGrp="1"/>
-          </p:cNvSpPr>
-          <p:nvPr>
-            <p:ph idx="1"/>
-          </p:nvPr>
-        </p:nvSpPr>
-        <p:spPr/>
-        <p:txBody>
-          <a:bodyPr/>
-          <a:lstStyle/>
-          <a:p>
-            <a:pPr lvl="1"/>
-            <a:r>
-              <a:rPr/>
-              <a:t>Motivation for R: what and why?</a:t>
-            </a:r>
-          </a:p>
-          <a:p>
-            <a:pPr lvl="1"/>
-            <a:r>
-              <a:rPr/>
-              <a:t>Typical data science pipeline</a:t>
-            </a:r>
-          </a:p>
-          <a:p>
-            <a:pPr lvl="1"/>
-            <a:r>
-              <a:rPr/>
-              <a:t>RStudio: a tour</a:t>
-            </a:r>
-          </a:p>
-          <a:p>
-            <a:pPr lvl="1"/>
-            <a:r>
-              <a:rPr/>
-              <a:t>R building blocks</a:t>
-            </a:r>
-          </a:p>
-          <a:p>
-            <a:pPr lvl="1"/>
-            <a:r>
-              <a:rPr/>
-              <a:t>Using/writing functions</a:t>
-            </a:r>
-          </a:p>
-        </p:txBody>
-      </p:sp>
-    </p:spTree>
-  </p:cSld>
-</p:sld>
-</file>
-
-<file path=ppt/slides/slide40.xml><?xml version="1.0" encoding="utf-8"?>
+<file path=ppt/slides/slide41.xml><?xml version="1.0" encoding="utf-8"?>
 <p:sld xmlns:a="http://schemas.openxmlformats.org/drawingml/2006/main" xmlns:r="http://schemas.openxmlformats.org/officeDocument/2006/relationships" xmlns:p="http://schemas.openxmlformats.org/presentationml/2006/main">
   <p:cSld>
     <p:spTree>
@@ -14338,7 +14808,7 @@
 </p:sld>
 </file>
 
-<file path=ppt/slides/slide41.xml><?xml version="1.0" encoding="utf-8"?>
+<file path=ppt/slides/slide42.xml><?xml version="1.0" encoding="utf-8"?>
 <p:sld xmlns:a="http://schemas.openxmlformats.org/drawingml/2006/main" xmlns:r="http://schemas.openxmlformats.org/officeDocument/2006/relationships" xmlns:p="http://schemas.openxmlformats.org/presentationml/2006/main">
   <p:cSld>
     <p:spTree>
@@ -14473,7 +14943,7 @@
 </p:sld>
 </file>
 
-<file path=ppt/slides/slide42.xml><?xml version="1.0" encoding="utf-8"?>
+<file path=ppt/slides/slide43.xml><?xml version="1.0" encoding="utf-8"?>
 <p:sld xmlns:a="http://schemas.openxmlformats.org/drawingml/2006/main" xmlns:r="http://schemas.openxmlformats.org/officeDocument/2006/relationships" xmlns:p="http://schemas.openxmlformats.org/presentationml/2006/main">
   <p:cSld>
     <p:spTree>
@@ -14580,158 +15050,6 @@
 </p:sld>
 </file>
 
-<file path=ppt/slides/slide43.xml><?xml version="1.0" encoding="utf-8"?>
-<p:sld xmlns:a="http://schemas.openxmlformats.org/drawingml/2006/main" xmlns:r="http://schemas.openxmlformats.org/officeDocument/2006/relationships" xmlns:p="http://schemas.openxmlformats.org/presentationml/2006/main">
-  <p:cSld>
-    <p:spTree>
-      <p:nvGrpSpPr>
-        <p:cNvPr id="1" name=""/>
-        <p:cNvGrpSpPr/>
-        <p:nvPr/>
-      </p:nvGrpSpPr>
-      <p:grpSpPr>
-        <a:xfrm>
-          <a:off x="0" y="0"/>
-          <a:ext cx="0" cy="0"/>
-          <a:chOff x="0" y="0"/>
-          <a:chExt cx="0" cy="0"/>
-        </a:xfrm>
-      </p:grpSpPr>
-      <p:sp>
-        <p:nvSpPr>
-          <p:cNvPr id="2" name="Title 1">
-            <a:extLst>
-              <a:ext uri="{FF2B5EF4-FFF2-40B4-BE49-F238E27FC236}">
-                <a16:creationId xmlns:a16="http://schemas.microsoft.com/office/drawing/2014/main" id="{5567D468-EE70-CD4E-A3AC-039CC11EF1FB}"/>
-              </a:ext>
-            </a:extLst>
-          </p:cNvPr>
-          <p:cNvSpPr>
-            <a:spLocks noGrp="1"/>
-          </p:cNvSpPr>
-          <p:nvPr>
-            <p:ph type="title"/>
-          </p:nvPr>
-        </p:nvSpPr>
-        <p:spPr/>
-        <p:txBody>
-          <a:bodyPr/>
-          <a:lstStyle/>
-          <a:p>
-            <a:pPr lvl="0" marL="0" indent="0">
-              <a:buNone/>
-            </a:pPr>
-            <a:r>
-              <a:rPr/>
-              <a:t>Functions</a:t>
-            </a:r>
-          </a:p>
-        </p:txBody>
-      </p:sp>
-      <p:sp>
-        <p:nvSpPr>
-          <p:cNvPr id="3" name="Content Placeholder 2">
-            <a:extLst>
-              <a:ext uri="{FF2B5EF4-FFF2-40B4-BE49-F238E27FC236}">
-                <a16:creationId xmlns:a16="http://schemas.microsoft.com/office/drawing/2014/main" id="{D10DDA37-E46B-B641-BC9F-636CB92A2C08}"/>
-              </a:ext>
-            </a:extLst>
-          </p:cNvPr>
-          <p:cNvSpPr>
-            <a:spLocks noGrp="1"/>
-          </p:cNvSpPr>
-          <p:nvPr>
-            <p:ph idx="1"/>
-          </p:nvPr>
-        </p:nvSpPr>
-        <p:spPr/>
-        <p:txBody>
-          <a:bodyPr/>
-          <a:lstStyle/>
-          <a:p>
-            <a:pPr lvl="1"/>
-            <a:r>
-              <a:rPr/>
-              <a:t>You have been using functions already!</a:t>
-            </a:r>
-          </a:p>
-          <a:p>
-            <a:pPr lvl="1"/>
-            <a:r>
-              <a:rPr>
-                <a:latin typeface="Courier"/>
-              </a:rPr>
-              <a:t>data.frame()</a:t>
-            </a:r>
-            <a:r>
-              <a:rPr/>
-              <a:t> is a function.</a:t>
-            </a:r>
-          </a:p>
-          <a:p>
-            <a:pPr lvl="1"/>
-            <a:r>
-              <a:rPr>
-                <a:latin typeface="Courier"/>
-              </a:rPr>
-              <a:t>name, age, gender</a:t>
-            </a:r>
-            <a:r>
-              <a:rPr/>
-              <a:t> are the input arguments.</a:t>
-            </a:r>
-          </a:p>
-          <a:p>
-            <a:pPr lvl="0" indent="0">
-              <a:buNone/>
-            </a:pPr>
-            <a:r>
-              <a:rPr>
-                <a:solidFill>
-                  <a:srgbClr val="06287E"/>
-                </a:solidFill>
-                <a:latin typeface="Courier"/>
-              </a:rPr>
-              <a:t>data.frame</a:t>
-            </a:r>
-            <a:r>
-              <a:rPr>
-                <a:latin typeface="Courier"/>
-              </a:rPr>
-              <a:t>(name, age, gender)</a:t>
-            </a:r>
-          </a:p>
-          <a:p>
-            <a:pPr lvl="0" indent="0">
-              <a:buNone/>
-            </a:pPr>
-            <a:r>
-              <a:rPr>
-                <a:latin typeface="Courier"/>
-              </a:rPr>
-              <a:t>##       name age gender
-## 1     Adam  50   male
-## 2    Sally  25 female
-## 3      Eve  32 female
-## 4     John  67   male
-## 5    James  46   male
-## 6 Jennifer  19 female</a:t>
-            </a:r>
-          </a:p>
-          <a:p>
-            <a:pPr lvl="1"/>
-            <a:r>
-              <a:rPr/>
-              <a:t>The data frame is the output.</a:t>
-            </a:r>
-          </a:p>
-        </p:txBody>
-      </p:sp>
-    </p:spTree>
-  </p:cSld>
-</p:sld>
-</file>
-
 <file path=ppt/slides/slide44.xml><?xml version="1.0" encoding="utf-8"?>
 <p:sld xmlns:a="http://schemas.openxmlformats.org/drawingml/2006/main" xmlns:r="http://schemas.openxmlformats.org/officeDocument/2006/relationships" xmlns:p="http://schemas.openxmlformats.org/presentationml/2006/main">
   <p:cSld>
@@ -14775,63 +15093,7 @@
             </a:pPr>
             <a:r>
               <a:rPr/>
-              <a:t>Try</a:t>
-            </a:r>
-            <a:r>
-              <a:rPr/>
-              <a:t> </a:t>
-            </a:r>
-            <a:r>
-              <a:rPr/>
-              <a:t>these</a:t>
-            </a:r>
-            <a:r>
-              <a:rPr/>
-              <a:t> </a:t>
-            </a:r>
-            <a:r>
-              <a:rPr/>
-              <a:t>functions</a:t>
-            </a:r>
-            <a:r>
-              <a:rPr/>
-              <a:t> </a:t>
-            </a:r>
-            <a:r>
-              <a:rPr/>
-              <a:t>yourself.</a:t>
-            </a:r>
-            <a:r>
-              <a:rPr/>
-              <a:t> </a:t>
-            </a:r>
-            <a:r>
-              <a:rPr/>
-              <a:t>What</a:t>
-            </a:r>
-            <a:r>
-              <a:rPr/>
-              <a:t> </a:t>
-            </a:r>
-            <a:r>
-              <a:rPr/>
-              <a:t>do</a:t>
-            </a:r>
-            <a:r>
-              <a:rPr/>
-              <a:t> </a:t>
-            </a:r>
-            <a:r>
-              <a:rPr/>
-              <a:t>they</a:t>
-            </a:r>
-            <a:r>
-              <a:rPr/>
-              <a:t> </a:t>
-            </a:r>
-            <a:r>
-              <a:rPr/>
-              <a:t>do?</a:t>
+              <a:t>Functions</a:t>
             </a:r>
           </a:p>
         </p:txBody>
@@ -14860,17 +15122,7 @@
             <a:pPr lvl="1"/>
             <a:r>
               <a:rPr/>
-              <a:t>Use the </a:t>
-            </a:r>
-            <a:r>
-              <a:rPr>
-                <a:latin typeface="Courier"/>
-              </a:rPr>
-              <a:t>patients</a:t>
-            </a:r>
-            <a:r>
-              <a:rPr/>
-              <a:t> data frame as the argument.</a:t>
+              <a:t>You have been using functions already!</a:t>
             </a:r>
           </a:p>
           <a:p>
@@ -14879,7 +15131,11 @@
               <a:rPr>
                 <a:latin typeface="Courier"/>
               </a:rPr>
-              <a:t>head()</a:t>
+              <a:t>data.frame()</a:t>
+            </a:r>
+            <a:r>
+              <a:rPr/>
+              <a:t> is a function.</a:t>
             </a:r>
           </a:p>
           <a:p>
@@ -14888,16 +15144,55 @@
               <a:rPr>
                 <a:latin typeface="Courier"/>
               </a:rPr>
-              <a:t>tail()</a:t>
+              <a:t>name, age, gender</a:t>
+            </a:r>
+            <a:r>
+              <a:rPr/>
+              <a:t> are the input arguments.</a:t>
+            </a:r>
+          </a:p>
+          <a:p>
+            <a:pPr lvl="0" indent="0">
+              <a:buNone/>
+            </a:pPr>
+            <a:r>
+              <a:rPr>
+                <a:solidFill>
+                  <a:srgbClr val="06287E"/>
+                </a:solidFill>
+                <a:latin typeface="Courier"/>
+              </a:rPr>
+              <a:t>data.frame</a:t>
+            </a:r>
+            <a:r>
+              <a:rPr>
+                <a:latin typeface="Courier"/>
+              </a:rPr>
+              <a:t>(name, age, gender)</a:t>
+            </a:r>
+          </a:p>
+          <a:p>
+            <a:pPr lvl="0" indent="0">
+              <a:buNone/>
+            </a:pPr>
+            <a:r>
+              <a:rPr>
+                <a:latin typeface="Courier"/>
+              </a:rPr>
+              <a:t>##       name age gender
+## 1     Adam  50   male
+## 2    Sally  25 female
+## 3      Eve  32 female
+## 4     John  67   male
+## 5    James  46   male
+## 6 Jennifer  19 female</a:t>
             </a:r>
           </a:p>
           <a:p>
             <a:pPr lvl="1"/>
             <a:r>
-              <a:rPr>
-                <a:latin typeface="Courier"/>
-              </a:rPr>
-              <a:t>summary()</a:t>
+              <a:rPr/>
+              <a:t>The data frame is the output.</a:t>
             </a:r>
           </a:p>
         </p:txBody>
@@ -14976,6 +15271,38 @@
               <a:rPr/>
               <a:t>yourself.</a:t>
             </a:r>
+            <a:r>
+              <a:rPr/>
+              <a:t> </a:t>
+            </a:r>
+            <a:r>
+              <a:rPr/>
+              <a:t>What</a:t>
+            </a:r>
+            <a:r>
+              <a:rPr/>
+              <a:t> </a:t>
+            </a:r>
+            <a:r>
+              <a:rPr/>
+              <a:t>do</a:t>
+            </a:r>
+            <a:r>
+              <a:rPr/>
+              <a:t> </a:t>
+            </a:r>
+            <a:r>
+              <a:rPr/>
+              <a:t>they</a:t>
+            </a:r>
+            <a:r>
+              <a:rPr/>
+              <a:t> </a:t>
+            </a:r>
+            <a:r>
+              <a:rPr/>
+              <a:t>do?</a:t>
+            </a:r>
           </a:p>
         </p:txBody>
       </p:sp>
@@ -15002,15 +15329,28 @@
           <a:p>
             <a:pPr lvl="1"/>
             <a:r>
+              <a:rPr/>
+              <a:t>Use the </a:t>
+            </a:r>
+            <a:r>
+              <a:rPr>
+                <a:latin typeface="Courier"/>
+              </a:rPr>
+              <a:t>patients</a:t>
+            </a:r>
+            <a:r>
+              <a:rPr/>
+              <a:t> data frame as the argument.</a:t>
+            </a:r>
+          </a:p>
+          <a:p>
+            <a:pPr lvl="1"/>
+            <a:r>
               <a:rPr>
                 <a:latin typeface="Courier"/>
               </a:rPr>
               <a:t>head()</a:t>
             </a:r>
-            <a:r>
-              <a:rPr/>
-              <a:t> Gives you the first 6 rows</a:t>
-            </a:r>
           </a:p>
           <a:p>
             <a:pPr lvl="1"/>
@@ -15020,10 +15360,6 @@
               </a:rPr>
               <a:t>tail()</a:t>
             </a:r>
-            <a:r>
-              <a:rPr/>
-              <a:t> Gives you the last 6 rows</a:t>
-            </a:r>
           </a:p>
           <a:p>
             <a:pPr lvl="1"/>
@@ -15032,47 +15368,6 @@
                 <a:latin typeface="Courier"/>
               </a:rPr>
               <a:t>summary()</a:t>
-            </a:r>
-            <a:r>
-              <a:rPr/>
-              <a:t> Gives an overview of the object</a:t>
-            </a:r>
-          </a:p>
-          <a:p>
-            <a:pPr lvl="0" indent="0">
-              <a:buNone/>
-            </a:pPr>
-            <a:r>
-              <a:rPr>
-                <a:solidFill>
-                  <a:srgbClr val="06287E"/>
-                </a:solidFill>
-                <a:latin typeface="Courier"/>
-              </a:rPr>
-              <a:t>summary</a:t>
-            </a:r>
-            <a:r>
-              <a:rPr>
-                <a:latin typeface="Courier"/>
-              </a:rPr>
-              <a:t>(patients)</a:t>
-            </a:r>
-          </a:p>
-          <a:p>
-            <a:pPr lvl="0" indent="0">
-              <a:buNone/>
-            </a:pPr>
-            <a:r>
-              <a:rPr>
-                <a:latin typeface="Courier"/>
-              </a:rPr>
-              <a:t>##      name                age           gender         
-##  Length:6           Min.   :19.00   Length:6          
-##  Class :character   1st Qu.:26.75   Class :character  
-##  Mode  :character   Median :39.00   Mode  :character  
-##                     Mean   :39.83                     
-##                     3rd Qu.:49.00                     
-##                     Max.   :67.00</a:t>
             </a:r>
           </a:p>
         </p:txBody>
@@ -15125,15 +15420,31 @@
             </a:pPr>
             <a:r>
               <a:rPr/>
-              <a:t>Warning</a:t>
-            </a:r>
-            <a:r>
-              <a:rPr/>
-              <a:t> </a:t>
-            </a:r>
-            <a:r>
-              <a:rPr/>
-              <a:t>note</a:t>
+              <a:t>Try</a:t>
+            </a:r>
+            <a:r>
+              <a:rPr/>
+              <a:t> </a:t>
+            </a:r>
+            <a:r>
+              <a:rPr/>
+              <a:t>these</a:t>
+            </a:r>
+            <a:r>
+              <a:rPr/>
+              <a:t> </a:t>
+            </a:r>
+            <a:r>
+              <a:rPr/>
+              <a:t>functions</a:t>
+            </a:r>
+            <a:r>
+              <a:rPr/>
+              <a:t> </a:t>
+            </a:r>
+            <a:r>
+              <a:rPr/>
+              <a:t>yourself.</a:t>
             </a:r>
           </a:p>
         </p:txBody>
@@ -15161,42 +15472,77 @@
           <a:p>
             <a:pPr lvl="1"/>
             <a:r>
-              <a:rPr/>
-              <a:t>Functions are carrying out pre-written instructions.</a:t>
+              <a:rPr>
+                <a:latin typeface="Courier"/>
+              </a:rPr>
+              <a:t>head()</a:t>
+            </a:r>
+            <a:r>
+              <a:rPr/>
+              <a:t> Gives you the first 6 rows</a:t>
             </a:r>
           </a:p>
           <a:p>
             <a:pPr lvl="1"/>
             <a:r>
-              <a:rPr/>
-              <a:t>They will fail if they are supplied with the wrong kind of data - they will return an error message instead.</a:t>
+              <a:rPr>
+                <a:latin typeface="Courier"/>
+              </a:rPr>
+              <a:t>tail()</a:t>
+            </a:r>
+            <a:r>
+              <a:rPr/>
+              <a:t> Gives you the last 6 rows</a:t>
             </a:r>
           </a:p>
           <a:p>
             <a:pPr lvl="1"/>
             <a:r>
-              <a:rPr/>
-              <a:t>Try </a:t>
-            </a:r>
-            <a:r>
-              <a:rPr>
-                <a:latin typeface="Courier"/>
-              </a:rPr>
-              <a:t>mean(patients$gender)</a:t>
-            </a:r>
-          </a:p>
-          <a:p>
-            <a:pPr lvl="1"/>
-            <a:r>
-              <a:rPr/>
-              <a:t>There are other constraints, which are dependent on the function itself.</a:t>
-            </a:r>
-          </a:p>
-          <a:p>
-            <a:pPr lvl="1"/>
-            <a:r>
-              <a:rPr/>
-              <a:t>HINT: some functions will not work with missing values. You will then need to specify the argument to remove these missing values.</a:t>
+              <a:rPr>
+                <a:latin typeface="Courier"/>
+              </a:rPr>
+              <a:t>summary()</a:t>
+            </a:r>
+            <a:r>
+              <a:rPr/>
+              <a:t> Gives an overview of the object</a:t>
+            </a:r>
+          </a:p>
+          <a:p>
+            <a:pPr lvl="0" indent="0">
+              <a:buNone/>
+            </a:pPr>
+            <a:r>
+              <a:rPr>
+                <a:solidFill>
+                  <a:srgbClr val="06287E"/>
+                </a:solidFill>
+                <a:latin typeface="Courier"/>
+              </a:rPr>
+              <a:t>summary</a:t>
+            </a:r>
+            <a:r>
+              <a:rPr>
+                <a:latin typeface="Courier"/>
+              </a:rPr>
+              <a:t>(patients)</a:t>
+            </a:r>
+          </a:p>
+          <a:p>
+            <a:pPr lvl="0" indent="0">
+              <a:buNone/>
+            </a:pPr>
+            <a:r>
+              <a:rPr>
+                <a:latin typeface="Courier"/>
+              </a:rPr>
+              <a:t>##      name                age           gender         
+##  Length:6           Min.   :19.00   Length:6          
+##  Class :character   1st Qu.:26.75   Class :character  
+##  Mode  :character   Median :39.00   Mode  :character  
+##                     Mean   :39.83                     
+##                     3rd Qu.:49.00                     
+##                     Max.   :67.00</a:t>
             </a:r>
           </a:p>
         </p:txBody>
@@ -15249,23 +15595,15 @@
             </a:pPr>
             <a:r>
               <a:rPr/>
-              <a:t>Help</a:t>
-            </a:r>
-            <a:r>
-              <a:rPr/>
-              <a:t> </a:t>
-            </a:r>
-            <a:r>
-              <a:rPr/>
-              <a:t>with</a:t>
-            </a:r>
-            <a:r>
-              <a:rPr/>
-              <a:t> </a:t>
-            </a:r>
-            <a:r>
-              <a:rPr/>
-              <a:t>functions</a:t>
+              <a:t>Warning</a:t>
+            </a:r>
+            <a:r>
+              <a:rPr/>
+              <a:t> </a:t>
+            </a:r>
+            <a:r>
+              <a:rPr/>
+              <a:t>note</a:t>
             </a:r>
           </a:p>
         </p:txBody>
@@ -15294,65 +15632,41 @@
             <a:pPr lvl="1"/>
             <a:r>
               <a:rPr/>
-              <a:t>How do you find out how to use a particular function?</a:t>
+              <a:t>Functions are carrying out pre-written instructions.</a:t>
             </a:r>
           </a:p>
           <a:p>
             <a:pPr lvl="1"/>
             <a:r>
               <a:rPr/>
-              <a:t>Three ways:</a:t>
-            </a:r>
-          </a:p>
-          <a:p>
-            <a:pPr lvl="2"/>
-            <a:r>
-              <a:rPr/>
-              <a:t>Select the </a:t>
-            </a:r>
-            <a:r>
-              <a:rPr>
-                <a:latin typeface="Courier"/>
-              </a:rPr>
-              <a:t>help</a:t>
-            </a:r>
-            <a:r>
-              <a:rPr/>
-              <a:t> tab in bottom right of RStudio, then type the function name into the search box, and read the help page.</a:t>
-            </a:r>
-          </a:p>
-          <a:p>
-            <a:pPr lvl="2"/>
-            <a:r>
-              <a:rPr/>
-              <a:t>Type </a:t>
-            </a:r>
-            <a:r>
-              <a:rPr>
-                <a:latin typeface="Courier"/>
-              </a:rPr>
-              <a:t>?function_name</a:t>
-            </a:r>
-            <a:r>
-              <a:rPr/>
-              <a:t> into the console.</a:t>
-            </a:r>
-          </a:p>
-          <a:p>
-            <a:pPr lvl="2"/>
-            <a:r>
-              <a:rPr/>
-              <a:t>If you can’t remember the exact function name try typing </a:t>
-            </a:r>
-            <a:r>
-              <a:rPr>
-                <a:latin typeface="Courier"/>
-              </a:rPr>
-              <a:t>??whatever_you_want_to_do</a:t>
-            </a:r>
-            <a:r>
-              <a:rPr/>
-              <a:t> into the console. It searches the whole database for matching terms.</a:t>
+              <a:t>They will fail if they are supplied with the wrong kind of data - they will return an error message instead.</a:t>
+            </a:r>
+          </a:p>
+          <a:p>
+            <a:pPr lvl="1"/>
+            <a:r>
+              <a:rPr/>
+              <a:t>Try </a:t>
+            </a:r>
+            <a:r>
+              <a:rPr>
+                <a:latin typeface="Courier"/>
+              </a:rPr>
+              <a:t>mean(patients$gender)</a:t>
+            </a:r>
+          </a:p>
+          <a:p>
+            <a:pPr lvl="1"/>
+            <a:r>
+              <a:rPr/>
+              <a:t>There are other constraints, which are dependent on the function itself.</a:t>
+            </a:r>
+          </a:p>
+          <a:p>
+            <a:pPr lvl="1"/>
+            <a:r>
+              <a:rPr/>
+              <a:t>HINT: some functions will not work with missing values. You will then need to specify the argument to remove these missing values.</a:t>
             </a:r>
           </a:p>
         </p:txBody>
@@ -15363,6 +15677,162 @@
 </file>
 
 <file path=ppt/slides/slide48.xml><?xml version="1.0" encoding="utf-8"?>
+<p:sld xmlns:a="http://schemas.openxmlformats.org/drawingml/2006/main" xmlns:r="http://schemas.openxmlformats.org/officeDocument/2006/relationships" xmlns:p="http://schemas.openxmlformats.org/presentationml/2006/main">
+  <p:cSld>
+    <p:spTree>
+      <p:nvGrpSpPr>
+        <p:cNvPr id="1" name=""/>
+        <p:cNvGrpSpPr/>
+        <p:nvPr/>
+      </p:nvGrpSpPr>
+      <p:grpSpPr>
+        <a:xfrm>
+          <a:off x="0" y="0"/>
+          <a:ext cx="0" cy="0"/>
+          <a:chOff x="0" y="0"/>
+          <a:chExt cx="0" cy="0"/>
+        </a:xfrm>
+      </p:grpSpPr>
+      <p:sp>
+        <p:nvSpPr>
+          <p:cNvPr id="2" name="Title 1">
+            <a:extLst>
+              <a:ext uri="{FF2B5EF4-FFF2-40B4-BE49-F238E27FC236}">
+                <a16:creationId xmlns:a16="http://schemas.microsoft.com/office/drawing/2014/main" id="{5567D468-EE70-CD4E-A3AC-039CC11EF1FB}"/>
+              </a:ext>
+            </a:extLst>
+          </p:cNvPr>
+          <p:cNvSpPr>
+            <a:spLocks noGrp="1"/>
+          </p:cNvSpPr>
+          <p:nvPr>
+            <p:ph type="title"/>
+          </p:nvPr>
+        </p:nvSpPr>
+        <p:spPr/>
+        <p:txBody>
+          <a:bodyPr/>
+          <a:lstStyle/>
+          <a:p>
+            <a:pPr lvl="0" marL="0" indent="0">
+              <a:buNone/>
+            </a:pPr>
+            <a:r>
+              <a:rPr/>
+              <a:t>Help</a:t>
+            </a:r>
+            <a:r>
+              <a:rPr/>
+              <a:t> </a:t>
+            </a:r>
+            <a:r>
+              <a:rPr/>
+              <a:t>with</a:t>
+            </a:r>
+            <a:r>
+              <a:rPr/>
+              <a:t> </a:t>
+            </a:r>
+            <a:r>
+              <a:rPr/>
+              <a:t>functions</a:t>
+            </a:r>
+          </a:p>
+        </p:txBody>
+      </p:sp>
+      <p:sp>
+        <p:nvSpPr>
+          <p:cNvPr id="3" name="Content Placeholder 2">
+            <a:extLst>
+              <a:ext uri="{FF2B5EF4-FFF2-40B4-BE49-F238E27FC236}">
+                <a16:creationId xmlns:a16="http://schemas.microsoft.com/office/drawing/2014/main" id="{D10DDA37-E46B-B641-BC9F-636CB92A2C08}"/>
+              </a:ext>
+            </a:extLst>
+          </p:cNvPr>
+          <p:cNvSpPr>
+            <a:spLocks noGrp="1"/>
+          </p:cNvSpPr>
+          <p:nvPr>
+            <p:ph idx="1"/>
+          </p:nvPr>
+        </p:nvSpPr>
+        <p:spPr/>
+        <p:txBody>
+          <a:bodyPr/>
+          <a:lstStyle/>
+          <a:p>
+            <a:pPr lvl="1"/>
+            <a:r>
+              <a:rPr/>
+              <a:t>How do you find out how to use a particular function?</a:t>
+            </a:r>
+          </a:p>
+          <a:p>
+            <a:pPr lvl="1"/>
+            <a:r>
+              <a:rPr/>
+              <a:t>Three ways:</a:t>
+            </a:r>
+          </a:p>
+          <a:p>
+            <a:pPr lvl="2"/>
+            <a:r>
+              <a:rPr/>
+              <a:t>Select the </a:t>
+            </a:r>
+            <a:r>
+              <a:rPr>
+                <a:latin typeface="Courier"/>
+              </a:rPr>
+              <a:t>help</a:t>
+            </a:r>
+            <a:r>
+              <a:rPr/>
+              <a:t> tab in bottom right of RStudio, then type the function name into the search box, and read the help page.</a:t>
+            </a:r>
+          </a:p>
+          <a:p>
+            <a:pPr lvl="2"/>
+            <a:r>
+              <a:rPr/>
+              <a:t>Type </a:t>
+            </a:r>
+            <a:r>
+              <a:rPr>
+                <a:latin typeface="Courier"/>
+              </a:rPr>
+              <a:t>?function_name</a:t>
+            </a:r>
+            <a:r>
+              <a:rPr/>
+              <a:t> into the console.</a:t>
+            </a:r>
+          </a:p>
+          <a:p>
+            <a:pPr lvl="2"/>
+            <a:r>
+              <a:rPr/>
+              <a:t>If you can’t remember the exact function name try typing </a:t>
+            </a:r>
+            <a:r>
+              <a:rPr>
+                <a:latin typeface="Courier"/>
+              </a:rPr>
+              <a:t>??whatever_you_want_to_do</a:t>
+            </a:r>
+            <a:r>
+              <a:rPr/>
+              <a:t> into the console. It searches the whole database for matching terms.</a:t>
+            </a:r>
+          </a:p>
+        </p:txBody>
+      </p:sp>
+    </p:spTree>
+  </p:cSld>
+</p:sld>
+</file>
+
+<file path=ppt/slides/slide49.xml><?xml version="1.0" encoding="utf-8"?>
 <p:sld xmlns:a="http://schemas.openxmlformats.org/drawingml/2006/main" xmlns:r="http://schemas.openxmlformats.org/officeDocument/2006/relationships" xmlns:p="http://schemas.openxmlformats.org/presentationml/2006/main">
   <p:cSld>
     <p:spTree>
@@ -15501,161 +15971,6 @@
 </p:sld>
 </file>
 
-<file path=ppt/slides/slide49.xml><?xml version="1.0" encoding="utf-8"?>
-<p:sld xmlns:a="http://schemas.openxmlformats.org/drawingml/2006/main" xmlns:r="http://schemas.openxmlformats.org/officeDocument/2006/relationships" xmlns:p="http://schemas.openxmlformats.org/presentationml/2006/main">
-  <p:cSld>
-    <p:spTree>
-      <p:nvGrpSpPr>
-        <p:cNvPr id="1" name=""/>
-        <p:cNvGrpSpPr/>
-        <p:nvPr/>
-      </p:nvGrpSpPr>
-      <p:grpSpPr>
-        <a:xfrm>
-          <a:off x="0" y="0"/>
-          <a:ext cx="0" cy="0"/>
-          <a:chOff x="0" y="0"/>
-          <a:chExt cx="0" cy="0"/>
-        </a:xfrm>
-      </p:grpSpPr>
-      <p:sp>
-        <p:nvSpPr>
-          <p:cNvPr id="2" name="Title 1">
-            <a:extLst>
-              <a:ext uri="{FF2B5EF4-FFF2-40B4-BE49-F238E27FC236}">
-                <a16:creationId xmlns:a16="http://schemas.microsoft.com/office/drawing/2014/main" id="{5567D468-EE70-CD4E-A3AC-039CC11EF1FB}"/>
-              </a:ext>
-            </a:extLst>
-          </p:cNvPr>
-          <p:cNvSpPr>
-            <a:spLocks noGrp="1"/>
-          </p:cNvSpPr>
-          <p:nvPr>
-            <p:ph type="title"/>
-          </p:nvPr>
-        </p:nvSpPr>
-        <p:spPr/>
-        <p:txBody>
-          <a:bodyPr/>
-          <a:lstStyle/>
-          <a:p>
-            <a:pPr lvl="0" marL="0" indent="0">
-              <a:buNone/>
-            </a:pPr>
-            <a:r>
-              <a:rPr/>
-              <a:t>Reading</a:t>
-            </a:r>
-            <a:r>
-              <a:rPr/>
-              <a:t> </a:t>
-            </a:r>
-            <a:r>
-              <a:rPr/>
-              <a:t>the</a:t>
-            </a:r>
-            <a:r>
-              <a:rPr/>
-              <a:t> </a:t>
-            </a:r>
-            <a:r>
-              <a:rPr/>
-              <a:t>help</a:t>
-            </a:r>
-            <a:r>
-              <a:rPr/>
-              <a:t> </a:t>
-            </a:r>
-            <a:r>
-              <a:rPr/>
-              <a:t>page</a:t>
-            </a:r>
-          </a:p>
-        </p:txBody>
-      </p:sp>
-      <p:sp>
-        <p:nvSpPr>
-          <p:cNvPr id="3" name="Content Placeholder 2">
-            <a:extLst>
-              <a:ext uri="{FF2B5EF4-FFF2-40B4-BE49-F238E27FC236}">
-                <a16:creationId xmlns:a16="http://schemas.microsoft.com/office/drawing/2014/main" id="{D10DDA37-E46B-B641-BC9F-636CB92A2C08}"/>
-              </a:ext>
-            </a:extLst>
-          </p:cNvPr>
-          <p:cNvSpPr>
-            <a:spLocks noGrp="1"/>
-          </p:cNvSpPr>
-          <p:nvPr>
-            <p:ph idx="1"/>
-          </p:nvPr>
-        </p:nvSpPr>
-        <p:spPr/>
-        <p:txBody>
-          <a:bodyPr/>
-          <a:lstStyle/>
-          <a:p>
-            <a:pPr lvl="1"/>
-            <a:r>
-              <a:rPr/>
-              <a:t>It’s quite complicated.</a:t>
-            </a:r>
-          </a:p>
-          <a:p>
-            <a:pPr lvl="1"/>
-            <a:r>
-              <a:rPr/>
-              <a:t>But the information is usually displayed in a standard format:</a:t>
-            </a:r>
-          </a:p>
-          <a:p>
-            <a:pPr lvl="2"/>
-            <a:r>
-              <a:rPr/>
-              <a:t>Brief description</a:t>
-            </a:r>
-          </a:p>
-          <a:p>
-            <a:pPr lvl="2"/>
-            <a:r>
-              <a:rPr/>
-              <a:t>An example of use</a:t>
-            </a:r>
-          </a:p>
-          <a:p>
-            <a:pPr lvl="2"/>
-            <a:r>
-              <a:rPr/>
-              <a:t>The argument(s) that can be passed to the function - along with any default value it takes if there is no value provided.</a:t>
-            </a:r>
-          </a:p>
-          <a:p>
-            <a:pPr lvl="2"/>
-            <a:r>
-              <a:rPr/>
-              <a:t>Breakdown of these arguments. Gives you more information about what you need to put in.</a:t>
-            </a:r>
-          </a:p>
-          <a:p>
-            <a:pPr lvl="2"/>
-            <a:r>
-              <a:rPr/>
-              <a:t>Tells you how the function works and what to expect to see in the output.</a:t>
-            </a:r>
-          </a:p>
-          <a:p>
-            <a:pPr lvl="2"/>
-            <a:r>
-              <a:rPr/>
-              <a:t>A reproducible example of use, that you can normally use verbatim.</a:t>
-            </a:r>
-          </a:p>
-        </p:txBody>
-      </p:sp>
-    </p:spTree>
-  </p:cSld>
-</p:sld>
-</file>
-
 <file path=ppt/slides/slide5.xml><?xml version="1.0" encoding="utf-8"?>
 <p:sld xmlns:a="http://schemas.openxmlformats.org/drawingml/2006/main" xmlns:r="http://schemas.openxmlformats.org/officeDocument/2006/relationships" xmlns:p="http://schemas.openxmlformats.org/presentationml/2006/main">
   <p:cSld>
@@ -15832,23 +16147,31 @@
             </a:pPr>
             <a:r>
               <a:rPr/>
-              <a:t>Explore</a:t>
-            </a:r>
-            <a:r>
-              <a:rPr/>
-              <a:t> </a:t>
-            </a:r>
-            <a:r>
-              <a:rPr/>
-              <a:t>functions</a:t>
-            </a:r>
-            <a:r>
-              <a:rPr/>
-              <a:t> </a:t>
-            </a:r>
-            <a:r>
-              <a:rPr/>
-              <a:t>yourself</a:t>
+              <a:t>Reading</a:t>
+            </a:r>
+            <a:r>
+              <a:rPr/>
+              <a:t> </a:t>
+            </a:r>
+            <a:r>
+              <a:rPr/>
+              <a:t>the</a:t>
+            </a:r>
+            <a:r>
+              <a:rPr/>
+              <a:t> </a:t>
+            </a:r>
+            <a:r>
+              <a:rPr/>
+              <a:t>help</a:t>
+            </a:r>
+            <a:r>
+              <a:rPr/>
+              <a:t> </a:t>
+            </a:r>
+            <a:r>
+              <a:rPr/>
+              <a:t>page</a:t>
             </a:r>
           </a:p>
         </p:txBody>
@@ -15877,48 +16200,56 @@
             <a:pPr lvl="1"/>
             <a:r>
               <a:rPr/>
-              <a:t>Look up the function </a:t>
-            </a:r>
-            <a:r>
-              <a:rPr>
-                <a:latin typeface="Courier"/>
-              </a:rPr>
-              <a:t>ls</a:t>
+              <a:t>It’s quite complicated.</a:t>
             </a:r>
           </a:p>
           <a:p>
             <a:pPr lvl="1"/>
             <a:r>
               <a:rPr/>
-              <a:t>What are the arguments you can give the function?</a:t>
+              <a:t>But the information is usually displayed in a standard format:</a:t>
             </a:r>
           </a:p>
           <a:p>
             <a:pPr lvl="2"/>
             <a:r>
               <a:rPr/>
-              <a:t>How do you specify the argument for ‘pattern’? Try it.</a:t>
+              <a:t>Brief description</a:t>
             </a:r>
           </a:p>
           <a:p>
             <a:pPr lvl="2"/>
             <a:r>
               <a:rPr/>
-              <a:t>When might this be useful?</a:t>
+              <a:t>An example of use</a:t>
             </a:r>
           </a:p>
           <a:p>
             <a:pPr lvl="2"/>
             <a:r>
               <a:rPr/>
-              <a:t>How do you specify the argument for ‘sorted’? Try it.</a:t>
+              <a:t>The argument(s) that can be passed to the function - along with any default value it takes if there is no value provided.</a:t>
             </a:r>
           </a:p>
           <a:p>
             <a:pPr lvl="2"/>
             <a:r>
               <a:rPr/>
-              <a:t>When might this be useful?</a:t>
+              <a:t>Breakdown of these arguments. Gives you more information about what you need to put in.</a:t>
+            </a:r>
+          </a:p>
+          <a:p>
+            <a:pPr lvl="2"/>
+            <a:r>
+              <a:rPr/>
+              <a:t>Tells you how the function works and what to expect to see in the output.</a:t>
+            </a:r>
+          </a:p>
+          <a:p>
+            <a:pPr lvl="2"/>
+            <a:r>
+              <a:rPr/>
+              <a:t>A reproducible example of use, that you can normally use verbatim.</a:t>
             </a:r>
           </a:p>
         </p:txBody>
@@ -15971,31 +16302,7 @@
             </a:pPr>
             <a:r>
               <a:rPr/>
-              <a:t>Packages</a:t>
-            </a:r>
-            <a:r>
-              <a:rPr/>
-              <a:t> </a:t>
-            </a:r>
-            <a:r>
-              <a:rPr/>
-              <a:t>-</a:t>
-            </a:r>
-            <a:r>
-              <a:rPr/>
-              <a:t> </a:t>
-            </a:r>
-            <a:r>
-              <a:rPr/>
-              <a:t>collections</a:t>
-            </a:r>
-            <a:r>
-              <a:rPr/>
-              <a:t> </a:t>
-            </a:r>
-            <a:r>
-              <a:rPr/>
-              <a:t>of</a:t>
+              <a:t>Explore</a:t>
             </a:r>
             <a:r>
               <a:rPr/>
@@ -16004,6 +16311,14 @@
             <a:r>
               <a:rPr/>
               <a:t>functions</a:t>
+            </a:r>
+            <a:r>
+              <a:rPr/>
+              <a:t> </a:t>
+            </a:r>
+            <a:r>
+              <a:rPr/>
+              <a:t>yourself</a:t>
             </a:r>
           </a:p>
         </p:txBody>
@@ -16032,103 +16347,48 @@
             <a:pPr lvl="1"/>
             <a:r>
               <a:rPr/>
-              <a:t>There are bunch of functions that come with R. They are ‘base R’ functions.</a:t>
+              <a:t>Look up the function </a:t>
+            </a:r>
+            <a:r>
+              <a:rPr>
+                <a:latin typeface="Courier"/>
+              </a:rPr>
+              <a:t>ls</a:t>
             </a:r>
           </a:p>
           <a:p>
             <a:pPr lvl="1"/>
             <a:r>
               <a:rPr/>
-              <a:t>Thousands of open access functions in other packages.</a:t>
-            </a:r>
-          </a:p>
-          <a:p>
-            <a:pPr lvl="1"/>
-            <a:r>
-              <a:rPr/>
-              <a:t>To access these: install the packages, then load them.</a:t>
-            </a:r>
-          </a:p>
-          <a:p>
-            <a:pPr lvl="1"/>
-            <a:r>
-              <a:rPr/>
-              <a:t>Let’s install and load the ‘tidyverse’ package</a:t>
-            </a:r>
-          </a:p>
-          <a:p>
-            <a:pPr lvl="0" indent="0">
-              <a:buNone/>
-            </a:pPr>
-            <a:r>
-              <a:rPr>
-                <a:solidFill>
-                  <a:srgbClr val="06287E"/>
-                </a:solidFill>
-                <a:latin typeface="Courier"/>
-              </a:rPr>
-              <a:t>install.packages</a:t>
-            </a:r>
-            <a:r>
-              <a:rPr>
-                <a:latin typeface="Courier"/>
-              </a:rPr>
-              <a:t>(</a:t>
-            </a:r>
-            <a:r>
-              <a:rPr>
-                <a:solidFill>
-                  <a:srgbClr val="4070A0"/>
-                </a:solidFill>
-                <a:latin typeface="Courier"/>
-              </a:rPr>
-              <a:t>"tidyverse"</a:t>
-            </a:r>
-            <a:r>
-              <a:rPr>
-                <a:latin typeface="Courier"/>
-              </a:rPr>
-              <a:t>)</a:t>
-            </a:r>
-            <a:br/>
-            <a:r>
-              <a:rPr>
-                <a:solidFill>
-                  <a:srgbClr val="06287E"/>
-                </a:solidFill>
-                <a:latin typeface="Courier"/>
-              </a:rPr>
-              <a:t>library</a:t>
-            </a:r>
-            <a:r>
-              <a:rPr>
-                <a:latin typeface="Courier"/>
-              </a:rPr>
-              <a:t>(tidyverse)</a:t>
-            </a:r>
-          </a:p>
-          <a:p>
-            <a:pPr lvl="1"/>
-            <a:r>
-              <a:rPr/>
-              <a:t>You can now use all of the functions that come with ‘tidyverse’.</a:t>
-            </a:r>
-          </a:p>
-          <a:p>
-            <a:pPr lvl="1"/>
-            <a:r>
-              <a:rPr/>
-              <a:t>You need to load the package using </a:t>
-            </a:r>
-            <a:r>
-              <a:rPr>
-                <a:latin typeface="Courier"/>
-              </a:rPr>
-              <a:t>library</a:t>
-            </a:r>
-            <a:r>
-              <a:rPr/>
-              <a:t> each time you open R. But you will not need to install it again.</a:t>
+              <a:t>What are the arguments you can give the function?</a:t>
+            </a:r>
+          </a:p>
+          <a:p>
+            <a:pPr lvl="2"/>
+            <a:r>
+              <a:rPr/>
+              <a:t>How do you specify the argument for ‘pattern’? Try it.</a:t>
+            </a:r>
+          </a:p>
+          <a:p>
+            <a:pPr lvl="2"/>
+            <a:r>
+              <a:rPr/>
+              <a:t>When might this be useful?</a:t>
+            </a:r>
+          </a:p>
+          <a:p>
+            <a:pPr lvl="2"/>
+            <a:r>
+              <a:rPr/>
+              <a:t>How do you specify the argument for ‘sorted’? Try it.</a:t>
+            </a:r>
+          </a:p>
+          <a:p>
+            <a:pPr lvl="2"/>
+            <a:r>
+              <a:rPr/>
+              <a:t>When might this be useful?</a:t>
             </a:r>
           </a:p>
         </p:txBody>
@@ -16139,6 +16399,216 @@
 </file>
 
 <file path=ppt/slides/slide52.xml><?xml version="1.0" encoding="utf-8"?>
+<p:sld xmlns:a="http://schemas.openxmlformats.org/drawingml/2006/main" xmlns:r="http://schemas.openxmlformats.org/officeDocument/2006/relationships" xmlns:p="http://schemas.openxmlformats.org/presentationml/2006/main">
+  <p:cSld>
+    <p:spTree>
+      <p:nvGrpSpPr>
+        <p:cNvPr id="1" name=""/>
+        <p:cNvGrpSpPr/>
+        <p:nvPr/>
+      </p:nvGrpSpPr>
+      <p:grpSpPr>
+        <a:xfrm>
+          <a:off x="0" y="0"/>
+          <a:ext cx="0" cy="0"/>
+          <a:chOff x="0" y="0"/>
+          <a:chExt cx="0" cy="0"/>
+        </a:xfrm>
+      </p:grpSpPr>
+      <p:sp>
+        <p:nvSpPr>
+          <p:cNvPr id="2" name="Title 1">
+            <a:extLst>
+              <a:ext uri="{FF2B5EF4-FFF2-40B4-BE49-F238E27FC236}">
+                <a16:creationId xmlns:a16="http://schemas.microsoft.com/office/drawing/2014/main" id="{5567D468-EE70-CD4E-A3AC-039CC11EF1FB}"/>
+              </a:ext>
+            </a:extLst>
+          </p:cNvPr>
+          <p:cNvSpPr>
+            <a:spLocks noGrp="1"/>
+          </p:cNvSpPr>
+          <p:nvPr>
+            <p:ph type="title"/>
+          </p:nvPr>
+        </p:nvSpPr>
+        <p:spPr/>
+        <p:txBody>
+          <a:bodyPr/>
+          <a:lstStyle/>
+          <a:p>
+            <a:pPr lvl="0" marL="0" indent="0">
+              <a:buNone/>
+            </a:pPr>
+            <a:r>
+              <a:rPr/>
+              <a:t>Packages</a:t>
+            </a:r>
+            <a:r>
+              <a:rPr/>
+              <a:t> </a:t>
+            </a:r>
+            <a:r>
+              <a:rPr/>
+              <a:t>-</a:t>
+            </a:r>
+            <a:r>
+              <a:rPr/>
+              <a:t> </a:t>
+            </a:r>
+            <a:r>
+              <a:rPr/>
+              <a:t>collections</a:t>
+            </a:r>
+            <a:r>
+              <a:rPr/>
+              <a:t> </a:t>
+            </a:r>
+            <a:r>
+              <a:rPr/>
+              <a:t>of</a:t>
+            </a:r>
+            <a:r>
+              <a:rPr/>
+              <a:t> </a:t>
+            </a:r>
+            <a:r>
+              <a:rPr/>
+              <a:t>functions</a:t>
+            </a:r>
+          </a:p>
+        </p:txBody>
+      </p:sp>
+      <p:sp>
+        <p:nvSpPr>
+          <p:cNvPr id="3" name="Content Placeholder 2">
+            <a:extLst>
+              <a:ext uri="{FF2B5EF4-FFF2-40B4-BE49-F238E27FC236}">
+                <a16:creationId xmlns:a16="http://schemas.microsoft.com/office/drawing/2014/main" id="{D10DDA37-E46B-B641-BC9F-636CB92A2C08}"/>
+              </a:ext>
+            </a:extLst>
+          </p:cNvPr>
+          <p:cNvSpPr>
+            <a:spLocks noGrp="1"/>
+          </p:cNvSpPr>
+          <p:nvPr>
+            <p:ph idx="1"/>
+          </p:nvPr>
+        </p:nvSpPr>
+        <p:spPr/>
+        <p:txBody>
+          <a:bodyPr/>
+          <a:lstStyle/>
+          <a:p>
+            <a:pPr lvl="1"/>
+            <a:r>
+              <a:rPr/>
+              <a:t>There are bunch of functions that come with R. They are ‘base R’ functions.</a:t>
+            </a:r>
+          </a:p>
+          <a:p>
+            <a:pPr lvl="1"/>
+            <a:r>
+              <a:rPr/>
+              <a:t>Thousands of open access functions in other packages.</a:t>
+            </a:r>
+          </a:p>
+          <a:p>
+            <a:pPr lvl="1"/>
+            <a:r>
+              <a:rPr/>
+              <a:t>To access these: install the packages, then load them.</a:t>
+            </a:r>
+          </a:p>
+          <a:p>
+            <a:pPr lvl="1"/>
+            <a:r>
+              <a:rPr/>
+              <a:t>Let’s install and load the ‘tidyverse’ package</a:t>
+            </a:r>
+          </a:p>
+          <a:p>
+            <a:pPr lvl="0" indent="0">
+              <a:buNone/>
+            </a:pPr>
+            <a:r>
+              <a:rPr>
+                <a:solidFill>
+                  <a:srgbClr val="06287E"/>
+                </a:solidFill>
+                <a:latin typeface="Courier"/>
+              </a:rPr>
+              <a:t>install.packages</a:t>
+            </a:r>
+            <a:r>
+              <a:rPr>
+                <a:latin typeface="Courier"/>
+              </a:rPr>
+              <a:t>(</a:t>
+            </a:r>
+            <a:r>
+              <a:rPr>
+                <a:solidFill>
+                  <a:srgbClr val="4070A0"/>
+                </a:solidFill>
+                <a:latin typeface="Courier"/>
+              </a:rPr>
+              <a:t>"tidyverse"</a:t>
+            </a:r>
+            <a:r>
+              <a:rPr>
+                <a:latin typeface="Courier"/>
+              </a:rPr>
+              <a:t>)</a:t>
+            </a:r>
+            <a:br/>
+            <a:r>
+              <a:rPr>
+                <a:solidFill>
+                  <a:srgbClr val="06287E"/>
+                </a:solidFill>
+                <a:latin typeface="Courier"/>
+              </a:rPr>
+              <a:t>library</a:t>
+            </a:r>
+            <a:r>
+              <a:rPr>
+                <a:latin typeface="Courier"/>
+              </a:rPr>
+              <a:t>(tidyverse)</a:t>
+            </a:r>
+          </a:p>
+          <a:p>
+            <a:pPr lvl="1"/>
+            <a:r>
+              <a:rPr/>
+              <a:t>You can now use all of the functions that come with ‘tidyverse’.</a:t>
+            </a:r>
+          </a:p>
+          <a:p>
+            <a:pPr lvl="1"/>
+            <a:r>
+              <a:rPr/>
+              <a:t>You need to load the package using </a:t>
+            </a:r>
+            <a:r>
+              <a:rPr>
+                <a:latin typeface="Courier"/>
+              </a:rPr>
+              <a:t>library</a:t>
+            </a:r>
+            <a:r>
+              <a:rPr/>
+              <a:t> each time you open R. But you will not need to install it again.</a:t>
+            </a:r>
+          </a:p>
+        </p:txBody>
+      </p:sp>
+    </p:spTree>
+  </p:cSld>
+</p:sld>
+</file>
+
+<file path=ppt/slides/slide53.xml><?xml version="1.0" encoding="utf-8"?>
 <p:sld xmlns:a="http://schemas.openxmlformats.org/drawingml/2006/main" xmlns:r="http://schemas.openxmlformats.org/officeDocument/2006/relationships" xmlns:p="http://schemas.openxmlformats.org/presentationml/2006/main">
   <p:cSld>
     <p:spTree>
